--- a/slide-result/slide.pptx
+++ b/slide-result/slide.pptx
@@ -38,9 +38,10 @@
     <p:sldId id="286" r:id="rId32"/>
     <p:sldId id="287" r:id="rId33"/>
     <p:sldId id="288" r:id="rId34"/>
+    <p:sldId id="289" r:id="rId35"/>
   </p:sldIdLst>
   <p:notesMasterIdLst>
-    <p:notesMasterId r:id="rId39"/>
+    <p:notesMasterId r:id="rId40"/>
   </p:notesMasterIdLst>
   <p:sldSz cx="9144000" cy="5143500" type="screen16x9"/>
   <p:notesSz cx="5143500" cy="9144000"/>
@@ -2847,6 +2848,94 @@
             <a:fld id="{F7021451-1387-4CA6-816F-3879F97B5CBC}" type="slidenum">
               <a:rPr lang="en-US" smtClean="0"/>
               <a:t>33</a:t>
+            </a:fld>
+            <a:endParaRPr lang="en-US"/>
+          </a:p>
+        </p:txBody>
+      </p:sp>
+    </p:spTree>
+    <p:extLst>
+      <p:ext uri="{BB962C8B-B14F-4D97-AF65-F5344CB8AC3E}">
+        <p14:creationId xmlns:p14="http://schemas.microsoft.com/office/powerpoint/2010/main" val="1024086991"/>
+      </p:ext>
+    </p:extLst>
+  </p:cSld>
+  <p:clrMapOvr>
+    <a:masterClrMapping/>
+  </p:clrMapOvr>
+</p:notes>
+</file>
+
+<file path=ppt/notesSlides/notesSlide34.xml><?xml version="1.0" encoding="utf-8"?>
+<p:notes xmlns:a="http://schemas.openxmlformats.org/drawingml/2006/main" xmlns:r="http://schemas.openxmlformats.org/officeDocument/2006/relationships" xmlns:p="http://schemas.openxmlformats.org/presentationml/2006/main">
+  <p:cSld>
+    <p:spTree>
+      <p:nvGrpSpPr>
+        <p:cNvPr id="1" name=""/>
+        <p:cNvGrpSpPr/>
+        <p:nvPr/>
+      </p:nvGrpSpPr>
+      <p:grpSpPr>
+        <a:xfrm>
+          <a:off x="0" y="0"/>
+          <a:ext cx="0" cy="0"/>
+          <a:chOff x="0" y="0"/>
+          <a:chExt cx="0" cy="0"/>
+        </a:xfrm>
+      </p:grpSpPr>
+      <p:sp>
+        <p:nvSpPr>
+          <p:cNvPr id="2" name="Slide Image Placeholder 1"/>
+          <p:cNvSpPr>
+            <a:spLocks noGrp="1" noRot="1" noChangeAspect="1"/>
+          </p:cNvSpPr>
+          <p:nvPr>
+            <p:ph type="sldImg"/>
+          </p:nvPr>
+        </p:nvSpPr>
+        <p:spPr/>
+      </p:sp>
+      <p:sp>
+        <p:nvSpPr>
+          <p:cNvPr id="3" name="Notes Placeholder 2"/>
+          <p:cNvSpPr>
+            <a:spLocks noGrp="1"/>
+          </p:cNvSpPr>
+          <p:nvPr>
+            <p:ph type="body" idx="1"/>
+          </p:nvPr>
+        </p:nvSpPr>
+        <p:spPr/>
+        <p:txBody>
+          <a:bodyPr/>
+          <a:lstStyle/>
+          <a:p>
+            <a:r>
+              <a:rPr lang="en-US" dirty="0" smtClean="0"/>
+              <a:t/>
+            </a:r>
+            <a:endParaRPr lang="en-US" dirty="0"/>
+          </a:p>
+        </p:txBody>
+      </p:sp>
+      <p:sp>
+        <p:nvSpPr>
+          <p:cNvPr id="4" name="Slide Number Placeholder 3"/>
+          <p:cNvSpPr>
+            <a:spLocks noGrp="1"/>
+          </p:cNvSpPr>
+          <p:nvPr>
+            <p:ph type="sldNum" sz="quarter" idx="10"/>
+          </p:nvPr>
+        </p:nvSpPr>
+        <p:spPr/>
+        <p:txBody>
+          <a:bodyPr/>
+          <a:lstStyle/>
+          <a:p>
+            <a:fld id="{F7021451-1387-4CA6-816F-3879F97B5CBC}" type="slidenum">
+              <a:rPr lang="en-US" smtClean="0"/>
+              <a:t>34</a:t>
             </a:fld>
             <a:endParaRPr lang="en-US"/>
           </a:p>
@@ -3720,7 +3809,7 @@
         </p:nvSpPr>
         <p:spPr>
           <a:xfrm>
-            <a:off x="3657600" y="457200"/>
+            <a:off x="2743200" y="228600"/>
             <a:ext cx="6858000" cy="274320"/>
           </a:xfrm>
           <a:prstGeom prst="rect">
@@ -3736,12 +3825,12 @@
               <a:buNone/>
             </a:pPr>
             <a:r>
-              <a:rPr lang="en-US" sz="1800" dirty="0" smtClean="0">
-                <a:solidFill>
-                  <a:srgbClr val="363636"/>
-                </a:solidFill>
-              </a:rPr>
-              <a:t>MEDITATIVO</a:t>
+              <a:rPr lang="en-US" sz="3000" dirty="0" smtClean="0">
+                <a:solidFill>
+                  <a:srgbClr val="363636"/>
+                </a:solidFill>
+              </a:rPr>
+              <a:t>5º Domingo  da Páscoa</a:t>
             </a:r>
             <a:endParaRPr lang="en-US" dirty="0"/>
           </a:p>
@@ -3771,50 +3860,84 @@
               <a:buNone/>
             </a:pPr>
             <a:r>
-              <a:rPr lang="en-US" sz="2900" dirty="0" smtClean="0">
-                <a:solidFill>
-                  <a:srgbClr val="363636"/>
-                </a:solidFill>
-              </a:rPr>
-              <a:t>Ressucitou de verda....de,aleluia,aleuia
-</a:t>
-            </a:r>
-            <a:r>
-              <a:rPr lang="en-US" sz="2900" dirty="0" smtClean="0">
-                <a:solidFill>
-                  <a:srgbClr val="363636"/>
-                </a:solidFill>
-              </a:rPr>
-              <a:t/>
-            </a:r>
-            <a:r>
-              <a:rPr lang="en-US" sz="2900" dirty="0" smtClean="0">
-                <a:solidFill>
-                  <a:srgbClr val="363636"/>
-                </a:solidFill>
-              </a:rPr>
-              <a:t>Cristo Jesus ressucitou, aleluia,aleuia
-</a:t>
-            </a:r>
-            <a:r>
-              <a:rPr lang="en-US" sz="2900" dirty="0" smtClean="0">
-                <a:solidFill>
-                  <a:srgbClr val="363636"/>
-                </a:solidFill>
-              </a:rPr>
-              <a:t/>
-            </a:r>
-            <a:r>
-              <a:rPr lang="en-US" sz="2900" dirty="0" smtClean="0">
-                <a:solidFill>
-                  <a:srgbClr val="363636"/>
-                </a:solidFill>
-              </a:rPr>
-              <a:t>
-</a:t>
-            </a:r>
-            <a:r>
-              <a:rPr lang="en-US" sz="2900" dirty="0" smtClean="0">
+              <a:rPr lang="en-US" sz="2500" dirty="0" smtClean="0">
+                <a:solidFill>
+                  <a:srgbClr val="363636"/>
+                </a:solidFill>
+              </a:rPr>
+              <a:t>1ª Leitura - At 14,21b-27
+</a:t>
+            </a:r>
+            <a:r>
+              <a:rPr lang="en-US" sz="2500" dirty="0" smtClean="0">
+                <a:solidFill>
+                  <a:srgbClr val="363636"/>
+                </a:solidFill>
+              </a:rPr>
+              <a:t/>
+            </a:r>
+            <a:r>
+              <a:rPr lang="en-US" sz="2500" dirty="0" smtClean="0">
+                <a:solidFill>
+                  <a:srgbClr val="363636"/>
+                </a:solidFill>
+              </a:rPr>
+              <a:t>Salmo - Sl 144,8-9.10-11.12-13ab (R.cf.1)
+</a:t>
+            </a:r>
+            <a:r>
+              <a:rPr lang="en-US" sz="2500" dirty="0" smtClean="0">
+                <a:solidFill>
+                  <a:srgbClr val="363636"/>
+                </a:solidFill>
+              </a:rPr>
+              <a:t/>
+            </a:r>
+            <a:r>
+              <a:rPr lang="en-US" sz="2500" dirty="0" smtClean="0">
+                <a:solidFill>
+                  <a:srgbClr val="363636"/>
+                </a:solidFill>
+              </a:rPr>
+              <a:t>Bendirei eternamente vosso santo nome, ó Senhor.
+</a:t>
+            </a:r>
+            <a:r>
+              <a:rPr lang="en-US" sz="2500" dirty="0" smtClean="0">
+                <a:solidFill>
+                  <a:srgbClr val="363636"/>
+                </a:solidFill>
+              </a:rPr>
+              <a:t/>
+            </a:r>
+            <a:r>
+              <a:rPr lang="en-US" sz="2500" dirty="0" smtClean="0">
+                <a:solidFill>
+                  <a:srgbClr val="363636"/>
+                </a:solidFill>
+              </a:rPr>
+              <a:t>2ª Leitura - Ap 21,1-5a
+</a:t>
+            </a:r>
+            <a:r>
+              <a:rPr lang="en-US" sz="2500" dirty="0" smtClean="0">
+                <a:solidFill>
+                  <a:srgbClr val="363636"/>
+                </a:solidFill>
+              </a:rPr>
+              <a:t/>
+            </a:r>
+            <a:r>
+              <a:rPr lang="en-US" sz="2500" dirty="0" smtClean="0">
+                <a:solidFill>
+                  <a:srgbClr val="363636"/>
+                </a:solidFill>
+              </a:rPr>
+              <a:t>Evangelho - Jo 13,31-33a.34-35
+</a:t>
+            </a:r>
+            <a:r>
+              <a:rPr lang="en-US" sz="2500" dirty="0" smtClean="0">
                 <a:solidFill>
                   <a:srgbClr val="363636"/>
                 </a:solidFill>
@@ -3909,143 +4032,143 @@
               <a:buNone/>
             </a:pPr>
             <a:r>
-              <a:rPr lang="en-US" sz="2000" dirty="0" smtClean="0">
-                <a:solidFill>
-                  <a:srgbClr val="363636"/>
-                </a:solidFill>
-              </a:rPr>
-              <a:t>*Senhor Jesus Cristo filho unigênito,senhor Deus
-</a:t>
-            </a:r>
-            <a:r>
-              <a:rPr lang="en-US" sz="2000" dirty="0" smtClean="0">
-                <a:solidFill>
-                  <a:srgbClr val="363636"/>
-                </a:solidFill>
-              </a:rPr>
-              <a:t/>
-            </a:r>
-            <a:r>
-              <a:rPr lang="en-US" sz="2000" dirty="0" smtClean="0">
-                <a:solidFill>
-                  <a:srgbClr val="363636"/>
-                </a:solidFill>
-              </a:rPr>
-              <a:t>cordeiro de Deus filho de Deus Pai,vós que  tirais o
-</a:t>
-            </a:r>
-            <a:r>
-              <a:rPr lang="en-US" sz="2000" dirty="0" smtClean="0">
-                <a:solidFill>
-                  <a:srgbClr val="363636"/>
-                </a:solidFill>
-              </a:rPr>
-              <a:t/>
-            </a:r>
-            <a:r>
-              <a:rPr lang="en-US" sz="2000" dirty="0" smtClean="0">
-                <a:solidFill>
-                  <a:srgbClr val="363636"/>
-                </a:solidFill>
-              </a:rPr>
-              <a:t>pecado do mundo,tende piedade de nós,vós que
-</a:t>
-            </a:r>
-            <a:r>
-              <a:rPr lang="en-US" sz="2000" dirty="0" smtClean="0">
-                <a:solidFill>
-                  <a:srgbClr val="363636"/>
-                </a:solidFill>
-              </a:rPr>
-              <a:t/>
-            </a:r>
-            <a:r>
-              <a:rPr lang="en-US" sz="2000" dirty="0" smtClean="0">
-                <a:solidFill>
-                  <a:srgbClr val="363636"/>
-                </a:solidFill>
-              </a:rPr>
-              <a:t>tirais  o pecado do mundo acolhei a nossa súplica,
-</a:t>
-            </a:r>
-            <a:r>
-              <a:rPr lang="en-US" sz="2000" dirty="0" smtClean="0">
-                <a:solidFill>
-                  <a:srgbClr val="363636"/>
-                </a:solidFill>
-              </a:rPr>
-              <a:t/>
-            </a:r>
-            <a:r>
-              <a:rPr lang="en-US" sz="2000" dirty="0" smtClean="0">
-                <a:solidFill>
-                  <a:srgbClr val="363636"/>
-                </a:solidFill>
-              </a:rPr>
-              <a:t>Vós que estais a direita do Pai tende piedade de nós.
-</a:t>
-            </a:r>
-            <a:r>
-              <a:rPr lang="en-US" sz="2000" dirty="0" smtClean="0">
-                <a:solidFill>
-                  <a:srgbClr val="363636"/>
-                </a:solidFill>
-              </a:rPr>
-              <a:t/>
-            </a:r>
-            <a:r>
-              <a:rPr lang="en-US" sz="2000" dirty="0" smtClean="0">
-                <a:solidFill>
-                  <a:srgbClr val="363636"/>
-                </a:solidFill>
-              </a:rPr>
-              <a:t>*Só vós sois o Santo,Só vós o Senhor,só vós o
-</a:t>
-            </a:r>
-            <a:r>
-              <a:rPr lang="en-US" sz="2000" dirty="0" smtClean="0">
-                <a:solidFill>
-                  <a:srgbClr val="363636"/>
-                </a:solidFill>
-              </a:rPr>
-              <a:t/>
-            </a:r>
-            <a:r>
-              <a:rPr lang="en-US" sz="2000" dirty="0" smtClean="0">
-                <a:solidFill>
-                  <a:srgbClr val="363636"/>
-                </a:solidFill>
-              </a:rPr>
-              <a:t>altíssimo Jesus Cristo,com o Espírito Santo na glória
-</a:t>
-            </a:r>
-            <a:r>
-              <a:rPr lang="en-US" sz="2000" dirty="0" smtClean="0">
-                <a:solidFill>
-                  <a:srgbClr val="363636"/>
-                </a:solidFill>
-              </a:rPr>
-              <a:t/>
-            </a:r>
-            <a:r>
-              <a:rPr lang="en-US" sz="2000" dirty="0" smtClean="0">
-                <a:solidFill>
-                  <a:srgbClr val="363636"/>
-                </a:solidFill>
-              </a:rPr>
-              <a:t>de Deus Pai ....AMÉÉÉM!
-</a:t>
-            </a:r>
-            <a:r>
-              <a:rPr lang="en-US" sz="2000" dirty="0" smtClean="0">
-                <a:solidFill>
-                  <a:srgbClr val="363636"/>
-                </a:solidFill>
-              </a:rPr>
-              <a:t/>
-            </a:r>
-            <a:r>
-              <a:rPr lang="en-US" sz="2000" dirty="0" smtClean="0">
+              <a:rPr lang="en-US" sz="2500" dirty="0" smtClean="0">
+                <a:solidFill>
+                  <a:srgbClr val="363636"/>
+                </a:solidFill>
+              </a:rPr>
+              <a:t>Glória a Deus nas alturas!
+</a:t>
+            </a:r>
+            <a:r>
+              <a:rPr lang="en-US" sz="2500" dirty="0" smtClean="0">
+                <a:solidFill>
+                  <a:srgbClr val="363636"/>
+                </a:solidFill>
+              </a:rPr>
+              <a:t/>
+            </a:r>
+            <a:r>
+              <a:rPr lang="en-US" sz="2500" dirty="0" smtClean="0">
+                <a:solidFill>
+                  <a:srgbClr val="363636"/>
+                </a:solidFill>
+              </a:rPr>
+              <a:t>Glória a Deus nas alturas!
+</a:t>
+            </a:r>
+            <a:r>
+              <a:rPr lang="en-US" sz="2500" dirty="0" smtClean="0">
+                <a:solidFill>
+                  <a:srgbClr val="363636"/>
+                </a:solidFill>
+              </a:rPr>
+              <a:t/>
+            </a:r>
+            <a:r>
+              <a:rPr lang="en-US" sz="2500" dirty="0" smtClean="0">
+                <a:solidFill>
+                  <a:srgbClr val="363636"/>
+                </a:solidFill>
+              </a:rPr>
+              <a:t>Glória a Deus nas alturas e paz na terra aos
+</a:t>
+            </a:r>
+            <a:r>
+              <a:rPr lang="en-US" sz="2500" dirty="0" smtClean="0">
+                <a:solidFill>
+                  <a:srgbClr val="363636"/>
+                </a:solidFill>
+              </a:rPr>
+              <a:t/>
+            </a:r>
+            <a:r>
+              <a:rPr lang="en-US" sz="2500" dirty="0" smtClean="0">
+                <a:solidFill>
+                  <a:srgbClr val="363636"/>
+                </a:solidFill>
+              </a:rPr>
+              <a:t>homens por ele amados.
+</a:t>
+            </a:r>
+            <a:r>
+              <a:rPr lang="en-US" sz="2500" dirty="0" smtClean="0">
+                <a:solidFill>
+                  <a:srgbClr val="363636"/>
+                </a:solidFill>
+              </a:rPr>
+              <a:t/>
+            </a:r>
+            <a:r>
+              <a:rPr lang="en-US" sz="2500" dirty="0" smtClean="0">
+                <a:solidFill>
+                  <a:srgbClr val="363636"/>
+                </a:solidFill>
+              </a:rPr>
+              <a:t>*Senhor Deus Rei dos céus,Deus pai todo poderoso
+</a:t>
+            </a:r>
+            <a:r>
+              <a:rPr lang="en-US" sz="2500" dirty="0" smtClean="0">
+                <a:solidFill>
+                  <a:srgbClr val="363636"/>
+                </a:solidFill>
+              </a:rPr>
+              <a:t/>
+            </a:r>
+            <a:r>
+              <a:rPr lang="en-US" sz="2500" dirty="0" smtClean="0">
+                <a:solidFill>
+                  <a:srgbClr val="363636"/>
+                </a:solidFill>
+              </a:rPr>
+              <a:t>Nós vos louvamos nós, vos bendizemos,nós vos
+</a:t>
+            </a:r>
+            <a:r>
+              <a:rPr lang="en-US" sz="2500" dirty="0" smtClean="0">
+                <a:solidFill>
+                  <a:srgbClr val="363636"/>
+                </a:solidFill>
+              </a:rPr>
+              <a:t/>
+            </a:r>
+            <a:r>
+              <a:rPr lang="en-US" sz="2500" dirty="0" smtClean="0">
+                <a:solidFill>
+                  <a:srgbClr val="363636"/>
+                </a:solidFill>
+              </a:rPr>
+              <a:t>adoramos,nós vos  glorificamos,nós vos damos
+</a:t>
+            </a:r>
+            <a:r>
+              <a:rPr lang="en-US" sz="2500" dirty="0" smtClean="0">
+                <a:solidFill>
+                  <a:srgbClr val="363636"/>
+                </a:solidFill>
+              </a:rPr>
+              <a:t/>
+            </a:r>
+            <a:r>
+              <a:rPr lang="en-US" sz="2500" dirty="0" smtClean="0">
+                <a:solidFill>
+                  <a:srgbClr val="363636"/>
+                </a:solidFill>
+              </a:rPr>
+              <a:t>graças por vossa imensa glória.
+</a:t>
+            </a:r>
+            <a:r>
+              <a:rPr lang="en-US" sz="2500" dirty="0" smtClean="0">
+                <a:solidFill>
+                  <a:srgbClr val="363636"/>
+                </a:solidFill>
+              </a:rPr>
+              <a:t/>
+            </a:r>
+            <a:r>
+              <a:rPr lang="en-US" sz="2500" dirty="0" smtClean="0">
                 <a:solidFill>
                   <a:srgbClr val="363636"/>
                 </a:solidFill>
@@ -4054,7 +4177,7 @@
 </a:t>
             </a:r>
             <a:r>
-              <a:rPr lang="en-US" sz="2000" dirty="0" smtClean="0">
+              <a:rPr lang="en-US" sz="2500" dirty="0" smtClean="0">
                 <a:solidFill>
                   <a:srgbClr val="363636"/>
                 </a:solidFill>
@@ -4119,7 +4242,7 @@
                   <a:srgbClr val="363636"/>
                 </a:solidFill>
               </a:rPr>
-              <a:t>HINOS  DA PALAVRA</a:t>
+              <a:t>“GLÓRIA”</a:t>
             </a:r>
             <a:endParaRPr lang="en-US" dirty="0"/>
           </a:p>
@@ -4149,75 +4272,143 @@
               <a:buNone/>
             </a:pPr>
             <a:r>
-              <a:rPr lang="en-US" sz="2600" dirty="0" smtClean="0">
-                <a:solidFill>
-                  <a:srgbClr val="363636"/>
-                </a:solidFill>
-              </a:rPr>
-              <a:t>Quero ouvir Tua palavra, Que transforma o meu viver
-</a:t>
-            </a:r>
-            <a:r>
-              <a:rPr lang="en-US" sz="2600" dirty="0" smtClean="0">
-                <a:solidFill>
-                  <a:srgbClr val="363636"/>
-                </a:solidFill>
-              </a:rPr>
-              <a:t/>
-            </a:r>
-            <a:r>
-              <a:rPr lang="en-US" sz="2600" dirty="0" smtClean="0">
-                <a:solidFill>
-                  <a:srgbClr val="363636"/>
-                </a:solidFill>
-              </a:rPr>
-              <a:t>Pra cantar a canção nova para o mundo
-</a:t>
-            </a:r>
-            <a:r>
-              <a:rPr lang="en-US" sz="2600" dirty="0" smtClean="0">
-                <a:solidFill>
-                  <a:srgbClr val="363636"/>
-                </a:solidFill>
-              </a:rPr>
-              <a:t/>
-            </a:r>
-            <a:r>
-              <a:rPr lang="en-US" sz="2600" dirty="0" smtClean="0">
-                <a:solidFill>
-                  <a:srgbClr val="363636"/>
-                </a:solidFill>
-              </a:rPr>
-              <a:t>Fala Senhor, eu quero Te escutar,
-</a:t>
-            </a:r>
-            <a:r>
-              <a:rPr lang="en-US" sz="2600" dirty="0" smtClean="0">
-                <a:solidFill>
-                  <a:srgbClr val="363636"/>
-                </a:solidFill>
-              </a:rPr>
-              <a:t/>
-            </a:r>
-            <a:r>
-              <a:rPr lang="en-US" sz="2600" dirty="0" smtClean="0">
-                <a:solidFill>
-                  <a:srgbClr val="363636"/>
-                </a:solidFill>
-              </a:rPr>
-              <a:t>Fala Senhor, eu quero Te escutar!
-</a:t>
-            </a:r>
-            <a:r>
-              <a:rPr lang="en-US" sz="2600" dirty="0" smtClean="0">
-                <a:solidFill>
-                  <a:srgbClr val="363636"/>
-                </a:solidFill>
-              </a:rPr>
-              <a:t/>
-            </a:r>
-            <a:r>
-              <a:rPr lang="en-US" sz="2600" dirty="0" smtClean="0">
+              <a:rPr lang="en-US" sz="2000" dirty="0" smtClean="0">
+                <a:solidFill>
+                  <a:srgbClr val="363636"/>
+                </a:solidFill>
+              </a:rPr>
+              <a:t>*Senhor Jesus Cristo filho unigênito,senhor Deus
+</a:t>
+            </a:r>
+            <a:r>
+              <a:rPr lang="en-US" sz="2000" dirty="0" smtClean="0">
+                <a:solidFill>
+                  <a:srgbClr val="363636"/>
+                </a:solidFill>
+              </a:rPr>
+              <a:t/>
+            </a:r>
+            <a:r>
+              <a:rPr lang="en-US" sz="2000" dirty="0" smtClean="0">
+                <a:solidFill>
+                  <a:srgbClr val="363636"/>
+                </a:solidFill>
+              </a:rPr>
+              <a:t>cordeiro de Deus filho de Deus Pai,vós que  tirais o
+</a:t>
+            </a:r>
+            <a:r>
+              <a:rPr lang="en-US" sz="2000" dirty="0" smtClean="0">
+                <a:solidFill>
+                  <a:srgbClr val="363636"/>
+                </a:solidFill>
+              </a:rPr>
+              <a:t/>
+            </a:r>
+            <a:r>
+              <a:rPr lang="en-US" sz="2000" dirty="0" smtClean="0">
+                <a:solidFill>
+                  <a:srgbClr val="363636"/>
+                </a:solidFill>
+              </a:rPr>
+              <a:t>pecado do mundo,tende piedade de nós,vós que
+</a:t>
+            </a:r>
+            <a:r>
+              <a:rPr lang="en-US" sz="2000" dirty="0" smtClean="0">
+                <a:solidFill>
+                  <a:srgbClr val="363636"/>
+                </a:solidFill>
+              </a:rPr>
+              <a:t/>
+            </a:r>
+            <a:r>
+              <a:rPr lang="en-US" sz="2000" dirty="0" smtClean="0">
+                <a:solidFill>
+                  <a:srgbClr val="363636"/>
+                </a:solidFill>
+              </a:rPr>
+              <a:t>tirais  o pecado do mundo acolhei a nossa súplica,
+</a:t>
+            </a:r>
+            <a:r>
+              <a:rPr lang="en-US" sz="2000" dirty="0" smtClean="0">
+                <a:solidFill>
+                  <a:srgbClr val="363636"/>
+                </a:solidFill>
+              </a:rPr>
+              <a:t/>
+            </a:r>
+            <a:r>
+              <a:rPr lang="en-US" sz="2000" dirty="0" smtClean="0">
+                <a:solidFill>
+                  <a:srgbClr val="363636"/>
+                </a:solidFill>
+              </a:rPr>
+              <a:t>Vós que estais a direita do Pai tende piedade de nós.
+</a:t>
+            </a:r>
+            <a:r>
+              <a:rPr lang="en-US" sz="2000" dirty="0" smtClean="0">
+                <a:solidFill>
+                  <a:srgbClr val="363636"/>
+                </a:solidFill>
+              </a:rPr>
+              <a:t/>
+            </a:r>
+            <a:r>
+              <a:rPr lang="en-US" sz="2000" dirty="0" smtClean="0">
+                <a:solidFill>
+                  <a:srgbClr val="363636"/>
+                </a:solidFill>
+              </a:rPr>
+              <a:t>*Só vós sois o Santo,Só vós o Senhor,só vós o
+</a:t>
+            </a:r>
+            <a:r>
+              <a:rPr lang="en-US" sz="2000" dirty="0" smtClean="0">
+                <a:solidFill>
+                  <a:srgbClr val="363636"/>
+                </a:solidFill>
+              </a:rPr>
+              <a:t/>
+            </a:r>
+            <a:r>
+              <a:rPr lang="en-US" sz="2000" dirty="0" smtClean="0">
+                <a:solidFill>
+                  <a:srgbClr val="363636"/>
+                </a:solidFill>
+              </a:rPr>
+              <a:t>altíssimo Jesus Cristo,com o Espírito Santo na glória
+</a:t>
+            </a:r>
+            <a:r>
+              <a:rPr lang="en-US" sz="2000" dirty="0" smtClean="0">
+                <a:solidFill>
+                  <a:srgbClr val="363636"/>
+                </a:solidFill>
+              </a:rPr>
+              <a:t/>
+            </a:r>
+            <a:r>
+              <a:rPr lang="en-US" sz="2000" dirty="0" smtClean="0">
+                <a:solidFill>
+                  <a:srgbClr val="363636"/>
+                </a:solidFill>
+              </a:rPr>
+              <a:t>de Deus Pai ....AMÉÉÉM!
+</a:t>
+            </a:r>
+            <a:r>
+              <a:rPr lang="en-US" sz="2000" dirty="0" smtClean="0">
+                <a:solidFill>
+                  <a:srgbClr val="363636"/>
+                </a:solidFill>
+              </a:rPr>
+              <a:t/>
+            </a:r>
+            <a:r>
+              <a:rPr lang="en-US" sz="2000" dirty="0" smtClean="0">
                 <a:solidFill>
                   <a:srgbClr val="363636"/>
                 </a:solidFill>
@@ -4226,7 +4417,7 @@
 </a:t>
             </a:r>
             <a:r>
-              <a:rPr lang="en-US" sz="2600" dirty="0" smtClean="0">
+              <a:rPr lang="en-US" sz="2000" dirty="0" smtClean="0">
                 <a:solidFill>
                   <a:srgbClr val="363636"/>
                 </a:solidFill>
@@ -4291,7 +4482,7 @@
                   <a:srgbClr val="363636"/>
                 </a:solidFill>
               </a:rPr>
-              <a:t>ACLAMAÇÃO</a:t>
+              <a:t>HINOS  DA PALAVRA</a:t>
             </a:r>
             <a:endParaRPr lang="en-US" dirty="0"/>
           </a:p>
@@ -4321,58 +4512,75 @@
               <a:buNone/>
             </a:pPr>
             <a:r>
-              <a:rPr lang="en-US" sz="2800" dirty="0" smtClean="0">
-                <a:solidFill>
-                  <a:srgbClr val="363636"/>
-                </a:solidFill>
-              </a:rPr>
-              <a:t>ALELUIA, ALELUIA, ALELUIA, ALELUIA!
-</a:t>
-            </a:r>
-            <a:r>
-              <a:rPr lang="en-US" sz="2800" dirty="0" smtClean="0">
-                <a:solidFill>
-                  <a:srgbClr val="363636"/>
-                </a:solidFill>
-              </a:rPr>
-              <a:t/>
-            </a:r>
-            <a:r>
-              <a:rPr lang="en-US" sz="2800" dirty="0" smtClean="0">
-                <a:solidFill>
-                  <a:srgbClr val="363636"/>
-                </a:solidFill>
-              </a:rPr>
-              <a:t>ALELUIA, ALELUIA, ALELUIA,
-</a:t>
-            </a:r>
-            <a:r>
-              <a:rPr lang="en-US" sz="2800" dirty="0" smtClean="0">
-                <a:solidFill>
-                  <a:srgbClr val="363636"/>
-                </a:solidFill>
-              </a:rPr>
-              <a:t/>
-            </a:r>
-            <a:r>
-              <a:rPr lang="en-US" sz="2800" dirty="0" smtClean="0">
-                <a:solidFill>
-                  <a:srgbClr val="363636"/>
-                </a:solidFill>
-              </a:rPr>
-              <a:t>ALELUIA, ALELUIA, ALELUIA, ALELUIA!
-</a:t>
-            </a:r>
-            <a:r>
-              <a:rPr lang="en-US" sz="2800" dirty="0" smtClean="0">
-                <a:solidFill>
-                  <a:srgbClr val="363636"/>
-                </a:solidFill>
-              </a:rPr>
-              <a:t/>
-            </a:r>
-            <a:r>
-              <a:rPr lang="en-US" sz="2800" dirty="0" smtClean="0">
+              <a:rPr lang="en-US" sz="3300" dirty="0" smtClean="0">
+                <a:solidFill>
+                  <a:srgbClr val="363636"/>
+                </a:solidFill>
+              </a:rPr>
+              <a:t>Quero ouvir Tua palavra, Que transforma o meu viver
+</a:t>
+            </a:r>
+            <a:r>
+              <a:rPr lang="en-US" sz="3300" dirty="0" smtClean="0">
+                <a:solidFill>
+                  <a:srgbClr val="363636"/>
+                </a:solidFill>
+              </a:rPr>
+              <a:t/>
+            </a:r>
+            <a:r>
+              <a:rPr lang="en-US" sz="3300" dirty="0" smtClean="0">
+                <a:solidFill>
+                  <a:srgbClr val="363636"/>
+                </a:solidFill>
+              </a:rPr>
+              <a:t>Pra cantar a canção nova para o mundo
+</a:t>
+            </a:r>
+            <a:r>
+              <a:rPr lang="en-US" sz="3300" dirty="0" smtClean="0">
+                <a:solidFill>
+                  <a:srgbClr val="363636"/>
+                </a:solidFill>
+              </a:rPr>
+              <a:t/>
+            </a:r>
+            <a:r>
+              <a:rPr lang="en-US" sz="3300" dirty="0" smtClean="0">
+                <a:solidFill>
+                  <a:srgbClr val="363636"/>
+                </a:solidFill>
+              </a:rPr>
+              <a:t>Fala Senhor, eu quero Te escutar,
+</a:t>
+            </a:r>
+            <a:r>
+              <a:rPr lang="en-US" sz="3300" dirty="0" smtClean="0">
+                <a:solidFill>
+                  <a:srgbClr val="363636"/>
+                </a:solidFill>
+              </a:rPr>
+              <a:t/>
+            </a:r>
+            <a:r>
+              <a:rPr lang="en-US" sz="3300" dirty="0" smtClean="0">
+                <a:solidFill>
+                  <a:srgbClr val="363636"/>
+                </a:solidFill>
+              </a:rPr>
+              <a:t>Fala Senhor, eu quero Te escutar!
+</a:t>
+            </a:r>
+            <a:r>
+              <a:rPr lang="en-US" sz="3300" dirty="0" smtClean="0">
+                <a:solidFill>
+                  <a:srgbClr val="363636"/>
+                </a:solidFill>
+              </a:rPr>
+              <a:t/>
+            </a:r>
+            <a:r>
+              <a:rPr lang="en-US" sz="3300" dirty="0" smtClean="0">
                 <a:solidFill>
                   <a:srgbClr val="363636"/>
                 </a:solidFill>
@@ -4381,7 +4589,7 @@
 </a:t>
             </a:r>
             <a:r>
-              <a:rPr lang="en-US" sz="2800" dirty="0" smtClean="0">
+              <a:rPr lang="en-US" sz="3300" dirty="0" smtClean="0">
                 <a:solidFill>
                   <a:srgbClr val="363636"/>
                 </a:solidFill>
@@ -4476,75 +4684,58 @@
               <a:buNone/>
             </a:pPr>
             <a:r>
-              <a:rPr lang="en-US" sz="2800" dirty="0" smtClean="0">
-                <a:solidFill>
-                  <a:srgbClr val="363636"/>
-                </a:solidFill>
-              </a:rPr>
-              <a:t>4º domingo da Páscoa:
-</a:t>
-            </a:r>
-            <a:r>
-              <a:rPr lang="en-US" sz="2800" dirty="0" smtClean="0">
-                <a:solidFill>
-                  <a:srgbClr val="363636"/>
-                </a:solidFill>
-              </a:rPr>
-              <a:t/>
-            </a:r>
-            <a:r>
-              <a:rPr lang="en-US" sz="2800" dirty="0" smtClean="0">
-                <a:solidFill>
-                  <a:srgbClr val="363636"/>
-                </a:solidFill>
-              </a:rPr>
-              <a:t>EU SOU O BOM PASTOR, DIZ O SENHOR,
-</a:t>
-            </a:r>
-            <a:r>
-              <a:rPr lang="en-US" sz="2800" dirty="0" smtClean="0">
-                <a:solidFill>
-                  <a:srgbClr val="363636"/>
-                </a:solidFill>
-              </a:rPr>
-              <a:t/>
-            </a:r>
-            <a:r>
-              <a:rPr lang="en-US" sz="2800" dirty="0" smtClean="0">
-                <a:solidFill>
-                  <a:srgbClr val="363636"/>
-                </a:solidFill>
-              </a:rPr>
-              <a:t>EU CONHEÇO AS MINHAS OVELHAS E ELAS ME
-</a:t>
-            </a:r>
-            <a:r>
-              <a:rPr lang="en-US" sz="2800" dirty="0" smtClean="0">
-                <a:solidFill>
-                  <a:srgbClr val="363636"/>
-                </a:solidFill>
-              </a:rPr>
-              <a:t/>
-            </a:r>
-            <a:r>
-              <a:rPr lang="en-US" sz="2800" dirty="0" smtClean="0">
-                <a:solidFill>
-                  <a:srgbClr val="363636"/>
-                </a:solidFill>
-              </a:rPr>
-              <a:t>CONHECEM A MIM.
-</a:t>
-            </a:r>
-            <a:r>
-              <a:rPr lang="en-US" sz="2800" dirty="0" smtClean="0">
-                <a:solidFill>
-                  <a:srgbClr val="363636"/>
-                </a:solidFill>
-              </a:rPr>
-              <a:t/>
-            </a:r>
-            <a:r>
-              <a:rPr lang="en-US" sz="2800" dirty="0" smtClean="0">
+              <a:rPr lang="en-US" sz="3600" dirty="0" smtClean="0">
+                <a:solidFill>
+                  <a:srgbClr val="363636"/>
+                </a:solidFill>
+              </a:rPr>
+              <a:t>ALELUIA, ALELUIA, ALELUIA, ALELUIA!
+</a:t>
+            </a:r>
+            <a:r>
+              <a:rPr lang="en-US" sz="3600" dirty="0" smtClean="0">
+                <a:solidFill>
+                  <a:srgbClr val="363636"/>
+                </a:solidFill>
+              </a:rPr>
+              <a:t/>
+            </a:r>
+            <a:r>
+              <a:rPr lang="en-US" sz="3600" dirty="0" smtClean="0">
+                <a:solidFill>
+                  <a:srgbClr val="363636"/>
+                </a:solidFill>
+              </a:rPr>
+              <a:t>ALELUIA, ALELUIA, ALELUIA,
+</a:t>
+            </a:r>
+            <a:r>
+              <a:rPr lang="en-US" sz="3600" dirty="0" smtClean="0">
+                <a:solidFill>
+                  <a:srgbClr val="363636"/>
+                </a:solidFill>
+              </a:rPr>
+              <a:t/>
+            </a:r>
+            <a:r>
+              <a:rPr lang="en-US" sz="3600" dirty="0" smtClean="0">
+                <a:solidFill>
+                  <a:srgbClr val="363636"/>
+                </a:solidFill>
+              </a:rPr>
+              <a:t>ALELUIA, ALELUIA, ALELUIA, ALELUIA!
+</a:t>
+            </a:r>
+            <a:r>
+              <a:rPr lang="en-US" sz="3600" dirty="0" smtClean="0">
+                <a:solidFill>
+                  <a:srgbClr val="363636"/>
+                </a:solidFill>
+              </a:rPr>
+              <a:t/>
+            </a:r>
+            <a:r>
+              <a:rPr lang="en-US" sz="3600" dirty="0" smtClean="0">
                 <a:solidFill>
                   <a:srgbClr val="363636"/>
                 </a:solidFill>
@@ -4553,7 +4744,7 @@
 </a:t>
             </a:r>
             <a:r>
-              <a:rPr lang="en-US" sz="2800" dirty="0" smtClean="0">
+              <a:rPr lang="en-US" sz="3600" dirty="0" smtClean="0">
                 <a:solidFill>
                   <a:srgbClr val="363636"/>
                 </a:solidFill>
@@ -4618,7 +4809,7 @@
                   <a:srgbClr val="363636"/>
                 </a:solidFill>
               </a:rPr>
-              <a:t>“OFERTÓRIO” OFERTA SINGELA</a:t>
+              <a:t>ACLAMAÇÃO</a:t>
             </a:r>
             <a:endParaRPr lang="en-US" dirty="0"/>
           </a:p>
@@ -4648,126 +4839,75 @@
               <a:buNone/>
             </a:pPr>
             <a:r>
-              <a:rPr lang="en-US" sz="2300" dirty="0" smtClean="0">
-                <a:solidFill>
-                  <a:srgbClr val="363636"/>
-                </a:solidFill>
-              </a:rPr>
-              <a:t>1- Ofertas singelas, pão e vinho, sobre a mesa colocamos
-</a:t>
-            </a:r>
-            <a:r>
-              <a:rPr lang="en-US" sz="2300" dirty="0" smtClean="0">
-                <a:solidFill>
-                  <a:srgbClr val="363636"/>
-                </a:solidFill>
-              </a:rPr>
-              <a:t/>
-            </a:r>
-            <a:r>
-              <a:rPr lang="en-US" sz="2300" dirty="0" smtClean="0">
-                <a:solidFill>
-                  <a:srgbClr val="363636"/>
-                </a:solidFill>
-              </a:rPr>
-              <a:t>Sinais do trabalho que fizemos e aqui depositamos
-</a:t>
-            </a:r>
-            <a:r>
-              <a:rPr lang="en-US" sz="2300" dirty="0" smtClean="0">
-                <a:solidFill>
-                  <a:srgbClr val="363636"/>
-                </a:solidFill>
-              </a:rPr>
-              <a:t/>
-            </a:r>
-            <a:r>
-              <a:rPr lang="en-US" sz="2300" dirty="0" smtClean="0">
-                <a:solidFill>
-                  <a:srgbClr val="363636"/>
-                </a:solidFill>
-              </a:rPr>
-              <a:t>É teu também nosso coração
-</a:t>
-            </a:r>
-            <a:r>
-              <a:rPr lang="en-US" sz="2300" dirty="0" smtClean="0">
-                <a:solidFill>
-                  <a:srgbClr val="363636"/>
-                </a:solidFill>
-              </a:rPr>
-              <a:t/>
-            </a:r>
-            <a:r>
-              <a:rPr lang="en-US" sz="2300" dirty="0" smtClean="0">
-                <a:solidFill>
-                  <a:srgbClr val="363636"/>
-                </a:solidFill>
-              </a:rPr>
-              <a:t>Aceita, Senhor a nossa oferta, que será depois, na certa, o teu
-</a:t>
-            </a:r>
-            <a:r>
-              <a:rPr lang="en-US" sz="2300" dirty="0" smtClean="0">
-                <a:solidFill>
-                  <a:srgbClr val="363636"/>
-                </a:solidFill>
-              </a:rPr>
-              <a:t/>
-            </a:r>
-            <a:r>
-              <a:rPr lang="en-US" sz="2300" dirty="0" smtClean="0">
-                <a:solidFill>
-                  <a:srgbClr val="363636"/>
-                </a:solidFill>
-              </a:rPr>
-              <a:t>Próprio ser
-</a:t>
-            </a:r>
-            <a:r>
-              <a:rPr lang="en-US" sz="2300" dirty="0" smtClean="0">
-                <a:solidFill>
-                  <a:srgbClr val="363636"/>
-                </a:solidFill>
-              </a:rPr>
-              <a:t/>
-            </a:r>
-            <a:r>
-              <a:rPr lang="en-US" sz="2300" dirty="0" smtClean="0">
-                <a:solidFill>
-                  <a:srgbClr val="363636"/>
-                </a:solidFill>
-              </a:rPr>
-              <a:t>Aceita, Senhor a nossa oferta, que será depois, na certa, o teu
-</a:t>
-            </a:r>
-            <a:r>
-              <a:rPr lang="en-US" sz="2300" dirty="0" smtClean="0">
-                <a:solidFill>
-                  <a:srgbClr val="363636"/>
-                </a:solidFill>
-              </a:rPr>
-              <a:t/>
-            </a:r>
-            <a:r>
-              <a:rPr lang="en-US" sz="2300" dirty="0" smtClean="0">
-                <a:solidFill>
-                  <a:srgbClr val="363636"/>
-                </a:solidFill>
-              </a:rPr>
-              <a:t>Próprio ser
-</a:t>
-            </a:r>
-            <a:r>
-              <a:rPr lang="en-US" sz="2300" dirty="0" smtClean="0">
-                <a:solidFill>
-                  <a:srgbClr val="363636"/>
-                </a:solidFill>
-              </a:rPr>
-              <a:t/>
-            </a:r>
-            <a:r>
-              <a:rPr lang="en-US" sz="2300" dirty="0" smtClean="0">
+              <a:rPr lang="en-US" sz="3600" dirty="0" smtClean="0">
+                <a:solidFill>
+                  <a:srgbClr val="363636"/>
+                </a:solidFill>
+              </a:rPr>
+              <a:t>4º domingo da Páscoa:
+</a:t>
+            </a:r>
+            <a:r>
+              <a:rPr lang="en-US" sz="3600" dirty="0" smtClean="0">
+                <a:solidFill>
+                  <a:srgbClr val="363636"/>
+                </a:solidFill>
+              </a:rPr>
+              <a:t/>
+            </a:r>
+            <a:r>
+              <a:rPr lang="en-US" sz="3600" dirty="0" smtClean="0">
+                <a:solidFill>
+                  <a:srgbClr val="363636"/>
+                </a:solidFill>
+              </a:rPr>
+              <a:t>EU SOU O BOM PASTOR, DIZ O SENHOR,
+</a:t>
+            </a:r>
+            <a:r>
+              <a:rPr lang="en-US" sz="3600" dirty="0" smtClean="0">
+                <a:solidFill>
+                  <a:srgbClr val="363636"/>
+                </a:solidFill>
+              </a:rPr>
+              <a:t/>
+            </a:r>
+            <a:r>
+              <a:rPr lang="en-US" sz="3600" dirty="0" smtClean="0">
+                <a:solidFill>
+                  <a:srgbClr val="363636"/>
+                </a:solidFill>
+              </a:rPr>
+              <a:t>EU CONHEÇO AS MINHAS OVELHAS E ELAS ME
+</a:t>
+            </a:r>
+            <a:r>
+              <a:rPr lang="en-US" sz="3600" dirty="0" smtClean="0">
+                <a:solidFill>
+                  <a:srgbClr val="363636"/>
+                </a:solidFill>
+              </a:rPr>
+              <a:t/>
+            </a:r>
+            <a:r>
+              <a:rPr lang="en-US" sz="3600" dirty="0" smtClean="0">
+                <a:solidFill>
+                  <a:srgbClr val="363636"/>
+                </a:solidFill>
+              </a:rPr>
+              <a:t>CONHECEM A MIM.
+</a:t>
+            </a:r>
+            <a:r>
+              <a:rPr lang="en-US" sz="3600" dirty="0" smtClean="0">
+                <a:solidFill>
+                  <a:srgbClr val="363636"/>
+                </a:solidFill>
+              </a:rPr>
+              <a:t/>
+            </a:r>
+            <a:r>
+              <a:rPr lang="en-US" sz="3600" dirty="0" smtClean="0">
                 <a:solidFill>
                   <a:srgbClr val="363636"/>
                 </a:solidFill>
@@ -4776,7 +4916,7 @@
 </a:t>
             </a:r>
             <a:r>
-              <a:rPr lang="en-US" sz="2300" dirty="0" smtClean="0">
+              <a:rPr lang="en-US" sz="3600" dirty="0" smtClean="0">
                 <a:solidFill>
                   <a:srgbClr val="363636"/>
                 </a:solidFill>
@@ -4871,58 +5011,126 @@
               <a:buNone/>
             </a:pPr>
             <a:r>
-              <a:rPr lang="en-US" sz="2700" dirty="0" smtClean="0">
-                <a:solidFill>
-                  <a:srgbClr val="363636"/>
-                </a:solidFill>
-              </a:rPr>
-              <a:t>2- Recebe Senhor da Natureza todo fruto que colhemos
-</a:t>
-            </a:r>
-            <a:r>
-              <a:rPr lang="en-US" sz="2700" dirty="0" smtClean="0">
-                <a:solidFill>
-                  <a:srgbClr val="363636"/>
-                </a:solidFill>
-              </a:rPr>
-              <a:t/>
-            </a:r>
-            <a:r>
-              <a:rPr lang="en-US" sz="2700" dirty="0" smtClean="0">
-                <a:solidFill>
-                  <a:srgbClr val="363636"/>
-                </a:solidFill>
-              </a:rPr>
-              <a:t>Recebe o louvor de nossas obras e o progresso que fizemos
-</a:t>
-            </a:r>
-            <a:r>
-              <a:rPr lang="en-US" sz="2700" dirty="0" smtClean="0">
-                <a:solidFill>
-                  <a:srgbClr val="363636"/>
-                </a:solidFill>
-              </a:rPr>
-              <a:t/>
-            </a:r>
-            <a:r>
-              <a:rPr lang="en-US" sz="2700" dirty="0" smtClean="0">
-                <a:solidFill>
-                  <a:srgbClr val="363636"/>
-                </a:solidFill>
-              </a:rPr>
-              <a:t>É teu também nosso coração.REFRÃO
-</a:t>
-            </a:r>
-            <a:r>
-              <a:rPr lang="en-US" sz="2700" dirty="0" smtClean="0">
-                <a:solidFill>
-                  <a:srgbClr val="363636"/>
-                </a:solidFill>
-              </a:rPr>
-              <a:t/>
-            </a:r>
-            <a:r>
-              <a:rPr lang="en-US" sz="2700" dirty="0" smtClean="0">
+              <a:rPr lang="en-US" sz="2500" dirty="0" smtClean="0">
+                <a:solidFill>
+                  <a:srgbClr val="363636"/>
+                </a:solidFill>
+              </a:rPr>
+              <a:t>1- Ofertas singelas, pão e vinho, sobre a mesa colocamos
+</a:t>
+            </a:r>
+            <a:r>
+              <a:rPr lang="en-US" sz="2500" dirty="0" smtClean="0">
+                <a:solidFill>
+                  <a:srgbClr val="363636"/>
+                </a:solidFill>
+              </a:rPr>
+              <a:t/>
+            </a:r>
+            <a:r>
+              <a:rPr lang="en-US" sz="2500" dirty="0" smtClean="0">
+                <a:solidFill>
+                  <a:srgbClr val="363636"/>
+                </a:solidFill>
+              </a:rPr>
+              <a:t>Sinais do trabalho que fizemos e aqui depositamos
+</a:t>
+            </a:r>
+            <a:r>
+              <a:rPr lang="en-US" sz="2500" dirty="0" smtClean="0">
+                <a:solidFill>
+                  <a:srgbClr val="363636"/>
+                </a:solidFill>
+              </a:rPr>
+              <a:t/>
+            </a:r>
+            <a:r>
+              <a:rPr lang="en-US" sz="2500" dirty="0" smtClean="0">
+                <a:solidFill>
+                  <a:srgbClr val="363636"/>
+                </a:solidFill>
+              </a:rPr>
+              <a:t>É teu também nosso coração
+</a:t>
+            </a:r>
+            <a:r>
+              <a:rPr lang="en-US" sz="2500" dirty="0" smtClean="0">
+                <a:solidFill>
+                  <a:srgbClr val="363636"/>
+                </a:solidFill>
+              </a:rPr>
+              <a:t/>
+            </a:r>
+            <a:r>
+              <a:rPr lang="en-US" sz="2500" dirty="0" smtClean="0">
+                <a:solidFill>
+                  <a:srgbClr val="363636"/>
+                </a:solidFill>
+              </a:rPr>
+              <a:t>Aceita, Senhor a nossa oferta, que será depois, na certa, o teu
+</a:t>
+            </a:r>
+            <a:r>
+              <a:rPr lang="en-US" sz="2500" dirty="0" smtClean="0">
+                <a:solidFill>
+                  <a:srgbClr val="363636"/>
+                </a:solidFill>
+              </a:rPr>
+              <a:t/>
+            </a:r>
+            <a:r>
+              <a:rPr lang="en-US" sz="2500" dirty="0" smtClean="0">
+                <a:solidFill>
+                  <a:srgbClr val="363636"/>
+                </a:solidFill>
+              </a:rPr>
+              <a:t>Próprio ser
+</a:t>
+            </a:r>
+            <a:r>
+              <a:rPr lang="en-US" sz="2500" dirty="0" smtClean="0">
+                <a:solidFill>
+                  <a:srgbClr val="363636"/>
+                </a:solidFill>
+              </a:rPr>
+              <a:t/>
+            </a:r>
+            <a:r>
+              <a:rPr lang="en-US" sz="2500" dirty="0" smtClean="0">
+                <a:solidFill>
+                  <a:srgbClr val="363636"/>
+                </a:solidFill>
+              </a:rPr>
+              <a:t>Aceita, Senhor a nossa oferta, que será depois, na certa, o teu
+</a:t>
+            </a:r>
+            <a:r>
+              <a:rPr lang="en-US" sz="2500" dirty="0" smtClean="0">
+                <a:solidFill>
+                  <a:srgbClr val="363636"/>
+                </a:solidFill>
+              </a:rPr>
+              <a:t/>
+            </a:r>
+            <a:r>
+              <a:rPr lang="en-US" sz="2500" dirty="0" smtClean="0">
+                <a:solidFill>
+                  <a:srgbClr val="363636"/>
+                </a:solidFill>
+              </a:rPr>
+              <a:t>Próprio ser
+</a:t>
+            </a:r>
+            <a:r>
+              <a:rPr lang="en-US" sz="2500" dirty="0" smtClean="0">
+                <a:solidFill>
+                  <a:srgbClr val="363636"/>
+                </a:solidFill>
+              </a:rPr>
+              <a:t/>
+            </a:r>
+            <a:r>
+              <a:rPr lang="en-US" sz="2500" dirty="0" smtClean="0">
                 <a:solidFill>
                   <a:srgbClr val="363636"/>
                 </a:solidFill>
@@ -4931,7 +5139,7 @@
 </a:t>
             </a:r>
             <a:r>
-              <a:rPr lang="en-US" sz="2700" dirty="0" smtClean="0">
+              <a:rPr lang="en-US" sz="2500" dirty="0" smtClean="0">
                 <a:solidFill>
                   <a:srgbClr val="363636"/>
                 </a:solidFill>
@@ -5026,58 +5234,58 @@
               <a:buNone/>
             </a:pPr>
             <a:r>
-              <a:rPr lang="en-US" sz="2700" dirty="0" smtClean="0">
-                <a:solidFill>
-                  <a:srgbClr val="363636"/>
-                </a:solidFill>
-              </a:rPr>
-              <a:t>3- Sabemos que tudo tem valor depois que a terra visitaste
-</a:t>
-            </a:r>
-            <a:r>
-              <a:rPr lang="en-US" sz="2700" dirty="0" smtClean="0">
-                <a:solidFill>
-                  <a:srgbClr val="363636"/>
-                </a:solidFill>
-              </a:rPr>
-              <a:t/>
-            </a:r>
-            <a:r>
-              <a:rPr lang="en-US" sz="2700" dirty="0" smtClean="0">
-                <a:solidFill>
-                  <a:srgbClr val="363636"/>
-                </a:solidFill>
-              </a:rPr>
-              <a:t>Embora tivéssemos pecado, foi bem mais o que pagaste.
-</a:t>
-            </a:r>
-            <a:r>
-              <a:rPr lang="en-US" sz="2700" dirty="0" smtClean="0">
-                <a:solidFill>
-                  <a:srgbClr val="363636"/>
-                </a:solidFill>
-              </a:rPr>
-              <a:t/>
-            </a:r>
-            <a:r>
-              <a:rPr lang="en-US" sz="2700" dirty="0" smtClean="0">
-                <a:solidFill>
-                  <a:srgbClr val="363636"/>
-                </a:solidFill>
-              </a:rPr>
-              <a:t>É teu também nosso coração. REFRÃO
-</a:t>
-            </a:r>
-            <a:r>
-              <a:rPr lang="en-US" sz="2700" dirty="0" smtClean="0">
-                <a:solidFill>
-                  <a:srgbClr val="363636"/>
-                </a:solidFill>
-              </a:rPr>
-              <a:t/>
-            </a:r>
-            <a:r>
-              <a:rPr lang="en-US" sz="2700" dirty="0" smtClean="0">
+              <a:rPr lang="en-US" sz="3400" dirty="0" smtClean="0">
+                <a:solidFill>
+                  <a:srgbClr val="363636"/>
+                </a:solidFill>
+              </a:rPr>
+              <a:t>2- Recebe Senhor da Natureza todo fruto que colhemos
+</a:t>
+            </a:r>
+            <a:r>
+              <a:rPr lang="en-US" sz="3400" dirty="0" smtClean="0">
+                <a:solidFill>
+                  <a:srgbClr val="363636"/>
+                </a:solidFill>
+              </a:rPr>
+              <a:t/>
+            </a:r>
+            <a:r>
+              <a:rPr lang="en-US" sz="3400" dirty="0" smtClean="0">
+                <a:solidFill>
+                  <a:srgbClr val="363636"/>
+                </a:solidFill>
+              </a:rPr>
+              <a:t>Recebe o louvor de nossas obras e o progresso que fizemos
+</a:t>
+            </a:r>
+            <a:r>
+              <a:rPr lang="en-US" sz="3400" dirty="0" smtClean="0">
+                <a:solidFill>
+                  <a:srgbClr val="363636"/>
+                </a:solidFill>
+              </a:rPr>
+              <a:t/>
+            </a:r>
+            <a:r>
+              <a:rPr lang="en-US" sz="3400" dirty="0" smtClean="0">
+                <a:solidFill>
+                  <a:srgbClr val="363636"/>
+                </a:solidFill>
+              </a:rPr>
+              <a:t>É teu também nosso coração.REFRÃO
+</a:t>
+            </a:r>
+            <a:r>
+              <a:rPr lang="en-US" sz="3400" dirty="0" smtClean="0">
+                <a:solidFill>
+                  <a:srgbClr val="363636"/>
+                </a:solidFill>
+              </a:rPr>
+              <a:t/>
+            </a:r>
+            <a:r>
+              <a:rPr lang="en-US" sz="3400" dirty="0" smtClean="0">
                 <a:solidFill>
                   <a:srgbClr val="363636"/>
                 </a:solidFill>
@@ -5086,7 +5294,7 @@
 </a:t>
             </a:r>
             <a:r>
-              <a:rPr lang="en-US" sz="2700" dirty="0" smtClean="0">
+              <a:rPr lang="en-US" sz="3400" dirty="0" smtClean="0">
                 <a:solidFill>
                   <a:srgbClr val="363636"/>
                 </a:solidFill>
@@ -5151,7 +5359,7 @@
                   <a:srgbClr val="363636"/>
                 </a:solidFill>
               </a:rPr>
-              <a:t>SANTO</a:t>
+              <a:t>“OFERTÓRIO” OFERTA SINGELA</a:t>
             </a:r>
             <a:endParaRPr lang="en-US" dirty="0"/>
           </a:p>
@@ -5181,75 +5389,58 @@
               <a:buNone/>
             </a:pPr>
             <a:r>
-              <a:rPr lang="en-US" sz="2600" dirty="0" smtClean="0">
-                <a:solidFill>
-                  <a:srgbClr val="363636"/>
-                </a:solidFill>
-              </a:rPr>
-              <a:t>Santo, Santo, Santo,Senhor Deus do universo
-</a:t>
-            </a:r>
-            <a:r>
-              <a:rPr lang="en-US" sz="2600" dirty="0" smtClean="0">
-                <a:solidFill>
-                  <a:srgbClr val="363636"/>
-                </a:solidFill>
-              </a:rPr>
-              <a:t/>
-            </a:r>
-            <a:r>
-              <a:rPr lang="en-US" sz="2600" dirty="0" smtClean="0">
-                <a:solidFill>
-                  <a:srgbClr val="363636"/>
-                </a:solidFill>
-              </a:rPr>
-              <a:t>O céu e a terra proclamam vossa gloria!
-</a:t>
-            </a:r>
-            <a:r>
-              <a:rPr lang="en-US" sz="2600" dirty="0" smtClean="0">
-                <a:solidFill>
-                  <a:srgbClr val="363636"/>
-                </a:solidFill>
-              </a:rPr>
-              <a:t/>
-            </a:r>
-            <a:r>
-              <a:rPr lang="en-US" sz="2600" dirty="0" smtClean="0">
-                <a:solidFill>
-                  <a:srgbClr val="363636"/>
-                </a:solidFill>
-              </a:rPr>
-              <a:t>HOSANA ! HOSANA! HOSANA NAS ALTURAS (2X)
-</a:t>
-            </a:r>
-            <a:r>
-              <a:rPr lang="en-US" sz="2600" dirty="0" smtClean="0">
-                <a:solidFill>
-                  <a:srgbClr val="363636"/>
-                </a:solidFill>
-              </a:rPr>
-              <a:t/>
-            </a:r>
-            <a:r>
-              <a:rPr lang="en-US" sz="2600" dirty="0" smtClean="0">
-                <a:solidFill>
-                  <a:srgbClr val="363636"/>
-                </a:solidFill>
-              </a:rPr>
-              <a:t>Bendito o que vem em nome do Senhor
-</a:t>
-            </a:r>
-            <a:r>
-              <a:rPr lang="en-US" sz="2600" dirty="0" smtClean="0">
-                <a:solidFill>
-                  <a:srgbClr val="363636"/>
-                </a:solidFill>
-              </a:rPr>
-              <a:t/>
-            </a:r>
-            <a:r>
-              <a:rPr lang="en-US" sz="2600" dirty="0" smtClean="0">
+              <a:rPr lang="en-US" sz="3400" dirty="0" smtClean="0">
+                <a:solidFill>
+                  <a:srgbClr val="363636"/>
+                </a:solidFill>
+              </a:rPr>
+              <a:t>3- Sabemos que tudo tem valor depois que a terra visitaste
+</a:t>
+            </a:r>
+            <a:r>
+              <a:rPr lang="en-US" sz="3400" dirty="0" smtClean="0">
+                <a:solidFill>
+                  <a:srgbClr val="363636"/>
+                </a:solidFill>
+              </a:rPr>
+              <a:t/>
+            </a:r>
+            <a:r>
+              <a:rPr lang="en-US" sz="3400" dirty="0" smtClean="0">
+                <a:solidFill>
+                  <a:srgbClr val="363636"/>
+                </a:solidFill>
+              </a:rPr>
+              <a:t>Embora tivéssemos pecado, foi bem mais o que pagaste.
+</a:t>
+            </a:r>
+            <a:r>
+              <a:rPr lang="en-US" sz="3400" dirty="0" smtClean="0">
+                <a:solidFill>
+                  <a:srgbClr val="363636"/>
+                </a:solidFill>
+              </a:rPr>
+              <a:t/>
+            </a:r>
+            <a:r>
+              <a:rPr lang="en-US" sz="3400" dirty="0" smtClean="0">
+                <a:solidFill>
+                  <a:srgbClr val="363636"/>
+                </a:solidFill>
+              </a:rPr>
+              <a:t>É teu também nosso coração. REFRÃO
+</a:t>
+            </a:r>
+            <a:r>
+              <a:rPr lang="en-US" sz="3400" dirty="0" smtClean="0">
+                <a:solidFill>
+                  <a:srgbClr val="363636"/>
+                </a:solidFill>
+              </a:rPr>
+              <a:t/>
+            </a:r>
+            <a:r>
+              <a:rPr lang="en-US" sz="3400" dirty="0" smtClean="0">
                 <a:solidFill>
                   <a:srgbClr val="363636"/>
                 </a:solidFill>
@@ -5258,7 +5449,7 @@
 </a:t>
             </a:r>
             <a:r>
-              <a:rPr lang="en-US" sz="2600" dirty="0" smtClean="0">
+              <a:rPr lang="en-US" sz="3400" dirty="0" smtClean="0">
                 <a:solidFill>
                   <a:srgbClr val="363636"/>
                 </a:solidFill>
@@ -5323,7 +5514,7 @@
                   <a:srgbClr val="363636"/>
                 </a:solidFill>
               </a:rPr>
-              <a:t>ORAÇÃO EUCARISTICA-3</a:t>
+              <a:t>SANTO</a:t>
             </a:r>
             <a:endParaRPr lang="en-US" dirty="0"/>
           </a:p>
@@ -5353,109 +5544,75 @@
               <a:buNone/>
             </a:pPr>
             <a:r>
-              <a:rPr lang="en-US" sz="2500" dirty="0" smtClean="0">
-                <a:solidFill>
-                  <a:srgbClr val="363636"/>
-                </a:solidFill>
-              </a:rPr>
-              <a:t>Santificai e reuni o vosso povo!
-</a:t>
-            </a:r>
-            <a:r>
-              <a:rPr lang="en-US" sz="2500" dirty="0" smtClean="0">
-                <a:solidFill>
-                  <a:srgbClr val="363636"/>
-                </a:solidFill>
-              </a:rPr>
-              <a:t/>
-            </a:r>
-            <a:r>
-              <a:rPr lang="en-US" sz="2500" dirty="0" smtClean="0">
-                <a:solidFill>
-                  <a:srgbClr val="363636"/>
-                </a:solidFill>
-              </a:rPr>
-              <a:t>Santificai nossa oferenda, ó Senhor!
-</a:t>
-            </a:r>
-            <a:r>
-              <a:rPr lang="en-US" sz="2500" dirty="0" smtClean="0">
-                <a:solidFill>
-                  <a:srgbClr val="363636"/>
-                </a:solidFill>
-              </a:rPr>
-              <a:t/>
-            </a:r>
-            <a:r>
-              <a:rPr lang="en-US" sz="2500" dirty="0" smtClean="0">
-                <a:solidFill>
-                  <a:srgbClr val="363636"/>
-                </a:solidFill>
-              </a:rPr>
-              <a:t>Toda vez que se come deste pão
-</a:t>
-            </a:r>
-            <a:r>
-              <a:rPr lang="en-US" sz="2500" dirty="0" smtClean="0">
-                <a:solidFill>
-                  <a:srgbClr val="363636"/>
-                </a:solidFill>
-              </a:rPr>
-              <a:t/>
-            </a:r>
-            <a:r>
-              <a:rPr lang="en-US" sz="2500" dirty="0" smtClean="0">
-                <a:solidFill>
-                  <a:srgbClr val="363636"/>
-                </a:solidFill>
-              </a:rPr>
-              <a:t>Toda vez que se bebe deste vinho
-</a:t>
-            </a:r>
-            <a:r>
-              <a:rPr lang="en-US" sz="2500" dirty="0" smtClean="0">
-                <a:solidFill>
-                  <a:srgbClr val="363636"/>
-                </a:solidFill>
-              </a:rPr>
-              <a:t/>
-            </a:r>
-            <a:r>
-              <a:rPr lang="en-US" sz="2500" dirty="0" smtClean="0">
-                <a:solidFill>
-                  <a:srgbClr val="363636"/>
-                </a:solidFill>
-              </a:rPr>
-              <a:t>Se recorada a paixão de Jesus Cristo,
-</a:t>
-            </a:r>
-            <a:r>
-              <a:rPr lang="en-US" sz="2500" dirty="0" smtClean="0">
-                <a:solidFill>
-                  <a:srgbClr val="363636"/>
-                </a:solidFill>
-              </a:rPr>
-              <a:t/>
-            </a:r>
-            <a:r>
-              <a:rPr lang="en-US" sz="2500" dirty="0" smtClean="0">
-                <a:solidFill>
-                  <a:srgbClr val="363636"/>
-                </a:solidFill>
-              </a:rPr>
-              <a:t>E se fica esperando sua volta
-</a:t>
-            </a:r>
-            <a:r>
-              <a:rPr lang="en-US" sz="2500" dirty="0" smtClean="0">
-                <a:solidFill>
-                  <a:srgbClr val="363636"/>
-                </a:solidFill>
-              </a:rPr>
-              <a:t/>
-            </a:r>
-            <a:r>
-              <a:rPr lang="en-US" sz="2500" dirty="0" smtClean="0">
+              <a:rPr lang="en-US" sz="3300" dirty="0" smtClean="0">
+                <a:solidFill>
+                  <a:srgbClr val="363636"/>
+                </a:solidFill>
+              </a:rPr>
+              <a:t>Santo, Santo, Santo,Senhor Deus do universo
+</a:t>
+            </a:r>
+            <a:r>
+              <a:rPr lang="en-US" sz="3300" dirty="0" smtClean="0">
+                <a:solidFill>
+                  <a:srgbClr val="363636"/>
+                </a:solidFill>
+              </a:rPr>
+              <a:t/>
+            </a:r>
+            <a:r>
+              <a:rPr lang="en-US" sz="3300" dirty="0" smtClean="0">
+                <a:solidFill>
+                  <a:srgbClr val="363636"/>
+                </a:solidFill>
+              </a:rPr>
+              <a:t>O céu e a terra proclamam vossa gloria!
+</a:t>
+            </a:r>
+            <a:r>
+              <a:rPr lang="en-US" sz="3300" dirty="0" smtClean="0">
+                <a:solidFill>
+                  <a:srgbClr val="363636"/>
+                </a:solidFill>
+              </a:rPr>
+              <a:t/>
+            </a:r>
+            <a:r>
+              <a:rPr lang="en-US" sz="3300" dirty="0" smtClean="0">
+                <a:solidFill>
+                  <a:srgbClr val="363636"/>
+                </a:solidFill>
+              </a:rPr>
+              <a:t>HOSANA ! HOSANA! HOSANA NAS ALTURAS (2X)
+</a:t>
+            </a:r>
+            <a:r>
+              <a:rPr lang="en-US" sz="3300" dirty="0" smtClean="0">
+                <a:solidFill>
+                  <a:srgbClr val="363636"/>
+                </a:solidFill>
+              </a:rPr>
+              <a:t/>
+            </a:r>
+            <a:r>
+              <a:rPr lang="en-US" sz="3300" dirty="0" smtClean="0">
+                <a:solidFill>
+                  <a:srgbClr val="363636"/>
+                </a:solidFill>
+              </a:rPr>
+              <a:t>Bendito o que vem em nome do Senhor
+</a:t>
+            </a:r>
+            <a:r>
+              <a:rPr lang="en-US" sz="3300" dirty="0" smtClean="0">
+                <a:solidFill>
+                  <a:srgbClr val="363636"/>
+                </a:solidFill>
+              </a:rPr>
+              <a:t/>
+            </a:r>
+            <a:r>
+              <a:rPr lang="en-US" sz="3300" dirty="0" smtClean="0">
                 <a:solidFill>
                   <a:srgbClr val="363636"/>
                 </a:solidFill>
@@ -5464,7 +5621,7 @@
 </a:t>
             </a:r>
             <a:r>
-              <a:rPr lang="en-US" sz="2500" dirty="0" smtClean="0">
+              <a:rPr lang="en-US" sz="3300" dirty="0" smtClean="0">
                 <a:solidFill>
                   <a:srgbClr val="363636"/>
                 </a:solidFill>
@@ -5559,109 +5716,109 @@
               <a:buNone/>
             </a:pPr>
             <a:r>
-              <a:rPr lang="en-US" sz="2500" dirty="0" smtClean="0">
-                <a:solidFill>
-                  <a:srgbClr val="363636"/>
-                </a:solidFill>
-              </a:rPr>
-              <a:t>Recebei,ó senhor, a nossa oferta!
-</a:t>
-            </a:r>
-            <a:r>
-              <a:rPr lang="en-US" sz="2500" dirty="0" smtClean="0">
-                <a:solidFill>
-                  <a:srgbClr val="363636"/>
-                </a:solidFill>
-              </a:rPr>
-              <a:t/>
-            </a:r>
-            <a:r>
-              <a:rPr lang="en-US" sz="2500" dirty="0" smtClean="0">
-                <a:solidFill>
-                  <a:srgbClr val="363636"/>
-                </a:solidFill>
-              </a:rPr>
-              <a:t>Fazei de nós um só corpo e um só Espírito!
-</a:t>
-            </a:r>
-            <a:r>
-              <a:rPr lang="en-US" sz="2500" dirty="0" smtClean="0">
-                <a:solidFill>
-                  <a:srgbClr val="363636"/>
-                </a:solidFill>
-              </a:rPr>
-              <a:t/>
-            </a:r>
-            <a:r>
-              <a:rPr lang="en-US" sz="2500" dirty="0" smtClean="0">
-                <a:solidFill>
-                  <a:srgbClr val="363636"/>
-                </a:solidFill>
-              </a:rPr>
-              <a:t>Fazei de nós uma perfeita oferenda!
-</a:t>
-            </a:r>
-            <a:r>
-              <a:rPr lang="en-US" sz="2500" dirty="0" smtClean="0">
-                <a:solidFill>
-                  <a:srgbClr val="363636"/>
-                </a:solidFill>
-              </a:rPr>
-              <a:t/>
-            </a:r>
-            <a:r>
-              <a:rPr lang="en-US" sz="2500" dirty="0" smtClean="0">
-                <a:solidFill>
-                  <a:srgbClr val="363636"/>
-                </a:solidFill>
-              </a:rPr>
-              <a:t>Lembrai-vos,ó Pai, da vossa Igreja
-</a:t>
-            </a:r>
-            <a:r>
-              <a:rPr lang="en-US" sz="2500" dirty="0" smtClean="0">
-                <a:solidFill>
-                  <a:srgbClr val="363636"/>
-                </a:solidFill>
-              </a:rPr>
-              <a:t/>
-            </a:r>
-            <a:r>
-              <a:rPr lang="en-US" sz="2500" dirty="0" smtClean="0">
-                <a:solidFill>
-                  <a:srgbClr val="363636"/>
-                </a:solidFill>
-              </a:rPr>
-              <a:t>Lembrai-vos,ó Pai,dos vossos filhos!
-</a:t>
-            </a:r>
-            <a:r>
-              <a:rPr lang="en-US" sz="2500" dirty="0" smtClean="0">
-                <a:solidFill>
-                  <a:srgbClr val="363636"/>
-                </a:solidFill>
-              </a:rPr>
-              <a:t/>
-            </a:r>
-            <a:r>
-              <a:rPr lang="en-US" sz="2500" dirty="0" smtClean="0">
-                <a:solidFill>
-                  <a:srgbClr val="363636"/>
-                </a:solidFill>
-              </a:rPr>
-              <a:t>A todos saciai com vossa glória!
-</a:t>
-            </a:r>
-            <a:r>
-              <a:rPr lang="en-US" sz="2500" dirty="0" smtClean="0">
-                <a:solidFill>
-                  <a:srgbClr val="363636"/>
-                </a:solidFill>
-              </a:rPr>
-              <a:t/>
-            </a:r>
-            <a:r>
-              <a:rPr lang="en-US" sz="2500" dirty="0" smtClean="0">
+              <a:rPr lang="en-US" sz="3000" dirty="0" smtClean="0">
+                <a:solidFill>
+                  <a:srgbClr val="363636"/>
+                </a:solidFill>
+              </a:rPr>
+              <a:t>Santificai e reuni o vosso povo!
+</a:t>
+            </a:r>
+            <a:r>
+              <a:rPr lang="en-US" sz="3000" dirty="0" smtClean="0">
+                <a:solidFill>
+                  <a:srgbClr val="363636"/>
+                </a:solidFill>
+              </a:rPr>
+              <a:t/>
+            </a:r>
+            <a:r>
+              <a:rPr lang="en-US" sz="3000" dirty="0" smtClean="0">
+                <a:solidFill>
+                  <a:srgbClr val="363636"/>
+                </a:solidFill>
+              </a:rPr>
+              <a:t>Santificai nossa oferenda, ó Senhor!
+</a:t>
+            </a:r>
+            <a:r>
+              <a:rPr lang="en-US" sz="3000" dirty="0" smtClean="0">
+                <a:solidFill>
+                  <a:srgbClr val="363636"/>
+                </a:solidFill>
+              </a:rPr>
+              <a:t/>
+            </a:r>
+            <a:r>
+              <a:rPr lang="en-US" sz="3000" dirty="0" smtClean="0">
+                <a:solidFill>
+                  <a:srgbClr val="363636"/>
+                </a:solidFill>
+              </a:rPr>
+              <a:t>Toda vez que se come deste pão
+</a:t>
+            </a:r>
+            <a:r>
+              <a:rPr lang="en-US" sz="3000" dirty="0" smtClean="0">
+                <a:solidFill>
+                  <a:srgbClr val="363636"/>
+                </a:solidFill>
+              </a:rPr>
+              <a:t/>
+            </a:r>
+            <a:r>
+              <a:rPr lang="en-US" sz="3000" dirty="0" smtClean="0">
+                <a:solidFill>
+                  <a:srgbClr val="363636"/>
+                </a:solidFill>
+              </a:rPr>
+              <a:t>Toda vez que se bebe deste vinho
+</a:t>
+            </a:r>
+            <a:r>
+              <a:rPr lang="en-US" sz="3000" dirty="0" smtClean="0">
+                <a:solidFill>
+                  <a:srgbClr val="363636"/>
+                </a:solidFill>
+              </a:rPr>
+              <a:t/>
+            </a:r>
+            <a:r>
+              <a:rPr lang="en-US" sz="3000" dirty="0" smtClean="0">
+                <a:solidFill>
+                  <a:srgbClr val="363636"/>
+                </a:solidFill>
+              </a:rPr>
+              <a:t>Se recorada a paixão de Jesus Cristo,
+</a:t>
+            </a:r>
+            <a:r>
+              <a:rPr lang="en-US" sz="3000" dirty="0" smtClean="0">
+                <a:solidFill>
+                  <a:srgbClr val="363636"/>
+                </a:solidFill>
+              </a:rPr>
+              <a:t/>
+            </a:r>
+            <a:r>
+              <a:rPr lang="en-US" sz="3000" dirty="0" smtClean="0">
+                <a:solidFill>
+                  <a:srgbClr val="363636"/>
+                </a:solidFill>
+              </a:rPr>
+              <a:t>E se fica esperando sua volta
+</a:t>
+            </a:r>
+            <a:r>
+              <a:rPr lang="en-US" sz="3000" dirty="0" smtClean="0">
+                <a:solidFill>
+                  <a:srgbClr val="363636"/>
+                </a:solidFill>
+              </a:rPr>
+              <a:t/>
+            </a:r>
+            <a:r>
+              <a:rPr lang="en-US" sz="3000" dirty="0" smtClean="0">
                 <a:solidFill>
                   <a:srgbClr val="363636"/>
                 </a:solidFill>
@@ -5670,7 +5827,7 @@
 </a:t>
             </a:r>
             <a:r>
-              <a:rPr lang="en-US" sz="2500" dirty="0" smtClean="0">
+              <a:rPr lang="en-US" sz="3000" dirty="0" smtClean="0">
                 <a:solidFill>
                   <a:srgbClr val="363636"/>
                 </a:solidFill>
@@ -5735,7 +5892,7 @@
                   <a:srgbClr val="363636"/>
                 </a:solidFill>
               </a:rPr>
-              <a:t>O SENHOR RESSUSCITOU</a:t>
+              <a:t>MEDITATIVO</a:t>
             </a:r>
             <a:endParaRPr lang="en-US" dirty="0"/>
           </a:p>
@@ -5765,41 +5922,41 @@
               <a:buNone/>
             </a:pPr>
             <a:r>
-              <a:rPr lang="en-US" sz="2900" dirty="0" smtClean="0">
-                <a:solidFill>
-                  <a:srgbClr val="363636"/>
-                </a:solidFill>
-              </a:rPr>
-              <a:t>O SENHOR RESSUSCITOU, ALELU.....IA!
-</a:t>
-            </a:r>
-            <a:r>
-              <a:rPr lang="en-US" sz="2900" dirty="0" smtClean="0">
-                <a:solidFill>
-                  <a:srgbClr val="363636"/>
-                </a:solidFill>
-              </a:rPr>
-              <a:t/>
-            </a:r>
-            <a:r>
-              <a:rPr lang="en-US" sz="2900" dirty="0" smtClean="0">
-                <a:solidFill>
-                  <a:srgbClr val="363636"/>
-                </a:solidFill>
-              </a:rPr>
-              <a:t>NÃO HÁ TRISTEZA E NEM TEMOR, ALELU...U...IA!
-</a:t>
-            </a:r>
-            <a:r>
-              <a:rPr lang="en-US" sz="2900" dirty="0" smtClean="0">
-                <a:solidFill>
-                  <a:srgbClr val="363636"/>
-                </a:solidFill>
-              </a:rPr>
-              <a:t/>
-            </a:r>
-            <a:r>
-              <a:rPr lang="en-US" sz="2900" dirty="0" smtClean="0">
+              <a:rPr lang="en-US" sz="3800" dirty="0" smtClean="0">
+                <a:solidFill>
+                  <a:srgbClr val="363636"/>
+                </a:solidFill>
+              </a:rPr>
+              <a:t>Ressucitou de verda....de,aleluia,aleuia
+</a:t>
+            </a:r>
+            <a:r>
+              <a:rPr lang="en-US" sz="3800" dirty="0" smtClean="0">
+                <a:solidFill>
+                  <a:srgbClr val="363636"/>
+                </a:solidFill>
+              </a:rPr>
+              <a:t/>
+            </a:r>
+            <a:r>
+              <a:rPr lang="en-US" sz="3800" dirty="0" smtClean="0">
+                <a:solidFill>
+                  <a:srgbClr val="363636"/>
+                </a:solidFill>
+              </a:rPr>
+              <a:t>Cristo Jesus ressucitou, aleluia,aleuia
+</a:t>
+            </a:r>
+            <a:r>
+              <a:rPr lang="en-US" sz="3800" dirty="0" smtClean="0">
+                <a:solidFill>
+                  <a:srgbClr val="363636"/>
+                </a:solidFill>
+              </a:rPr>
+              <a:t/>
+            </a:r>
+            <a:r>
+              <a:rPr lang="en-US" sz="3800" dirty="0" smtClean="0">
                 <a:solidFill>
                   <a:srgbClr val="363636"/>
                 </a:solidFill>
@@ -5808,7 +5965,7 @@
 </a:t>
             </a:r>
             <a:r>
-              <a:rPr lang="en-US" sz="2900" dirty="0" smtClean="0">
+              <a:rPr lang="en-US" sz="3800" dirty="0" smtClean="0">
                 <a:solidFill>
                   <a:srgbClr val="363636"/>
                 </a:solidFill>
@@ -5903,24 +6060,109 @@
               <a:buNone/>
             </a:pPr>
             <a:r>
-              <a:rPr lang="en-US" sz="3000" dirty="0" smtClean="0">
-                <a:solidFill>
-                  <a:srgbClr val="363636"/>
-                </a:solidFill>
-              </a:rPr>
-              <a:t>Amém,     amém,       a.......amém.(2x)
-</a:t>
-            </a:r>
-            <a:r>
-              <a:rPr lang="en-US" sz="3000" dirty="0" smtClean="0">
-                <a:solidFill>
-                  <a:srgbClr val="363636"/>
-                </a:solidFill>
-              </a:rPr>
-              <a:t/>
-            </a:r>
-            <a:r>
-              <a:rPr lang="en-US" sz="3000" dirty="0" smtClean="0">
+              <a:rPr lang="en-US" sz="2900" dirty="0" smtClean="0">
+                <a:solidFill>
+                  <a:srgbClr val="363636"/>
+                </a:solidFill>
+              </a:rPr>
+              <a:t>Recebei,ó senhor, a nossa oferta!
+</a:t>
+            </a:r>
+            <a:r>
+              <a:rPr lang="en-US" sz="2900" dirty="0" smtClean="0">
+                <a:solidFill>
+                  <a:srgbClr val="363636"/>
+                </a:solidFill>
+              </a:rPr>
+              <a:t/>
+            </a:r>
+            <a:r>
+              <a:rPr lang="en-US" sz="2900" dirty="0" smtClean="0">
+                <a:solidFill>
+                  <a:srgbClr val="363636"/>
+                </a:solidFill>
+              </a:rPr>
+              <a:t>Fazei de nós um só corpo e um só Espírito!
+</a:t>
+            </a:r>
+            <a:r>
+              <a:rPr lang="en-US" sz="2900" dirty="0" smtClean="0">
+                <a:solidFill>
+                  <a:srgbClr val="363636"/>
+                </a:solidFill>
+              </a:rPr>
+              <a:t/>
+            </a:r>
+            <a:r>
+              <a:rPr lang="en-US" sz="2900" dirty="0" smtClean="0">
+                <a:solidFill>
+                  <a:srgbClr val="363636"/>
+                </a:solidFill>
+              </a:rPr>
+              <a:t>Fazei de nós uma perfeita oferenda!
+</a:t>
+            </a:r>
+            <a:r>
+              <a:rPr lang="en-US" sz="2900" dirty="0" smtClean="0">
+                <a:solidFill>
+                  <a:srgbClr val="363636"/>
+                </a:solidFill>
+              </a:rPr>
+              <a:t/>
+            </a:r>
+            <a:r>
+              <a:rPr lang="en-US" sz="2900" dirty="0" smtClean="0">
+                <a:solidFill>
+                  <a:srgbClr val="363636"/>
+                </a:solidFill>
+              </a:rPr>
+              <a:t>Lembrai-vos,ó Pai, da vossa Igreja
+</a:t>
+            </a:r>
+            <a:r>
+              <a:rPr lang="en-US" sz="2900" dirty="0" smtClean="0">
+                <a:solidFill>
+                  <a:srgbClr val="363636"/>
+                </a:solidFill>
+              </a:rPr>
+              <a:t/>
+            </a:r>
+            <a:r>
+              <a:rPr lang="en-US" sz="2900" dirty="0" smtClean="0">
+                <a:solidFill>
+                  <a:srgbClr val="363636"/>
+                </a:solidFill>
+              </a:rPr>
+              <a:t>Lembrai-vos,ó Pai,dos vossos filhos!
+</a:t>
+            </a:r>
+            <a:r>
+              <a:rPr lang="en-US" sz="2900" dirty="0" smtClean="0">
+                <a:solidFill>
+                  <a:srgbClr val="363636"/>
+                </a:solidFill>
+              </a:rPr>
+              <a:t/>
+            </a:r>
+            <a:r>
+              <a:rPr lang="en-US" sz="2900" dirty="0" smtClean="0">
+                <a:solidFill>
+                  <a:srgbClr val="363636"/>
+                </a:solidFill>
+              </a:rPr>
+              <a:t>A todos saciai com vossa glória!
+</a:t>
+            </a:r>
+            <a:r>
+              <a:rPr lang="en-US" sz="2900" dirty="0" smtClean="0">
+                <a:solidFill>
+                  <a:srgbClr val="363636"/>
+                </a:solidFill>
+              </a:rPr>
+              <a:t/>
+            </a:r>
+            <a:r>
+              <a:rPr lang="en-US" sz="2900" dirty="0" smtClean="0">
                 <a:solidFill>
                   <a:srgbClr val="363636"/>
                 </a:solidFill>
@@ -5929,7 +6171,7 @@
 </a:t>
             </a:r>
             <a:r>
-              <a:rPr lang="en-US" sz="3000" dirty="0" smtClean="0">
+              <a:rPr lang="en-US" sz="2900" dirty="0" smtClean="0">
                 <a:solidFill>
                   <a:srgbClr val="363636"/>
                 </a:solidFill>
@@ -5994,7 +6236,7 @@
                   <a:srgbClr val="363636"/>
                 </a:solidFill>
               </a:rPr>
-              <a:t>“CORDEIRO”II</a:t>
+              <a:t>ORAÇÃO EUCARISTICA-3</a:t>
             </a:r>
             <a:endParaRPr lang="en-US" dirty="0"/>
           </a:p>
@@ -6024,92 +6266,24 @@
               <a:buNone/>
             </a:pPr>
             <a:r>
-              <a:rPr lang="en-US" sz="2500" dirty="0" smtClean="0">
-                <a:solidFill>
-                  <a:srgbClr val="363636"/>
-                </a:solidFill>
-              </a:rPr>
-              <a:t>Cordeiro de Deus,Cordeiro de Deus, Cordeiro de Deus,
-</a:t>
-            </a:r>
-            <a:r>
-              <a:rPr lang="en-US" sz="2500" dirty="0" smtClean="0">
-                <a:solidFill>
-                  <a:srgbClr val="363636"/>
-                </a:solidFill>
-              </a:rPr>
-              <a:t/>
-            </a:r>
-            <a:r>
-              <a:rPr lang="en-US" sz="2500" dirty="0" smtClean="0">
-                <a:solidFill>
-                  <a:srgbClr val="363636"/>
-                </a:solidFill>
-              </a:rPr>
-              <a:t>Tu que tiras o nosso pecado.(2x)
-</a:t>
-            </a:r>
-            <a:r>
-              <a:rPr lang="en-US" sz="2500" dirty="0" smtClean="0">
-                <a:solidFill>
-                  <a:srgbClr val="363636"/>
-                </a:solidFill>
-              </a:rPr>
-              <a:t/>
-            </a:r>
-            <a:r>
-              <a:rPr lang="en-US" sz="2500" dirty="0" smtClean="0">
-                <a:solidFill>
-                  <a:srgbClr val="363636"/>
-                </a:solidFill>
-              </a:rPr>
-              <a:t>TENDE PIEDADE DE NÓS,PIEDADE DE NÓS,PIEDADE DE
-</a:t>
-            </a:r>
-            <a:r>
-              <a:rPr lang="en-US" sz="2500" dirty="0" smtClean="0">
-                <a:solidFill>
-                  <a:srgbClr val="363636"/>
-                </a:solidFill>
-              </a:rPr>
-              <a:t/>
-            </a:r>
-            <a:r>
-              <a:rPr lang="en-US" sz="2500" dirty="0" smtClean="0">
-                <a:solidFill>
-                  <a:srgbClr val="363636"/>
-                </a:solidFill>
-              </a:rPr>
-              <a:t>NÓS,E DAÍ-NOS A PAZ!(2X)
-</a:t>
-            </a:r>
-            <a:r>
-              <a:rPr lang="en-US" sz="2500" dirty="0" smtClean="0">
-                <a:solidFill>
-                  <a:srgbClr val="363636"/>
-                </a:solidFill>
-              </a:rPr>
-              <a:t/>
-            </a:r>
-            <a:r>
-              <a:rPr lang="en-US" sz="2500" dirty="0" smtClean="0">
-                <a:solidFill>
-                  <a:srgbClr val="363636"/>
-                </a:solidFill>
-              </a:rPr>
-              <a:t>E DAÍ-NOS A PAZ....E DAÍ-NOS A PAZ
-</a:t>
-            </a:r>
-            <a:r>
-              <a:rPr lang="en-US" sz="2500" dirty="0" smtClean="0">
-                <a:solidFill>
-                  <a:srgbClr val="363636"/>
-                </a:solidFill>
-              </a:rPr>
-              <a:t/>
-            </a:r>
-            <a:r>
-              <a:rPr lang="en-US" sz="2500" dirty="0" smtClean="0">
+              <a:rPr lang="en-US" sz="4000" dirty="0" smtClean="0">
+                <a:solidFill>
+                  <a:srgbClr val="363636"/>
+                </a:solidFill>
+              </a:rPr>
+              <a:t>Amém,     amém,       a.......amém.(2x)
+</a:t>
+            </a:r>
+            <a:r>
+              <a:rPr lang="en-US" sz="4000" dirty="0" smtClean="0">
+                <a:solidFill>
+                  <a:srgbClr val="363636"/>
+                </a:solidFill>
+              </a:rPr>
+              <a:t/>
+            </a:r>
+            <a:r>
+              <a:rPr lang="en-US" sz="4000" dirty="0" smtClean="0">
                 <a:solidFill>
                   <a:srgbClr val="363636"/>
                 </a:solidFill>
@@ -6118,7 +6292,7 @@
 </a:t>
             </a:r>
             <a:r>
-              <a:rPr lang="en-US" sz="2500" dirty="0" smtClean="0">
+              <a:rPr lang="en-US" sz="4000" dirty="0" smtClean="0">
                 <a:solidFill>
                   <a:srgbClr val="363636"/>
                 </a:solidFill>
@@ -6183,7 +6357,7 @@
                   <a:srgbClr val="363636"/>
                 </a:solidFill>
               </a:rPr>
-              <a:t>COMUNHÃO</a:t>
+              <a:t>“CORDEIRO”II</a:t>
             </a:r>
             <a:endParaRPr lang="en-US" dirty="0"/>
           </a:p>
@@ -6213,41 +6387,92 @@
               <a:buNone/>
             </a:pPr>
             <a:r>
-              <a:rPr lang="en-US" sz="2900" dirty="0" smtClean="0">
-                <a:solidFill>
-                  <a:srgbClr val="363636"/>
-                </a:solidFill>
-              </a:rPr>
-              <a:t>Eu vim para que todos tenham vida,
-</a:t>
-            </a:r>
-            <a:r>
-              <a:rPr lang="en-US" sz="2900" dirty="0" smtClean="0">
-                <a:solidFill>
-                  <a:srgbClr val="363636"/>
-                </a:solidFill>
-              </a:rPr>
-              <a:t/>
-            </a:r>
-            <a:r>
-              <a:rPr lang="en-US" sz="2900" dirty="0" smtClean="0">
-                <a:solidFill>
-                  <a:srgbClr val="363636"/>
-                </a:solidFill>
-              </a:rPr>
-              <a:t>Que todos tenham vida plenamente.
-</a:t>
-            </a:r>
-            <a:r>
-              <a:rPr lang="en-US" sz="2900" dirty="0" smtClean="0">
-                <a:solidFill>
-                  <a:srgbClr val="363636"/>
-                </a:solidFill>
-              </a:rPr>
-              <a:t/>
-            </a:r>
-            <a:r>
-              <a:rPr lang="en-US" sz="2900" dirty="0" smtClean="0">
+              <a:rPr lang="en-US" sz="3100" dirty="0" smtClean="0">
+                <a:solidFill>
+                  <a:srgbClr val="363636"/>
+                </a:solidFill>
+              </a:rPr>
+              <a:t>Cordeiro de Deus,Cordeiro de Deus, Cordeiro de Deus,
+</a:t>
+            </a:r>
+            <a:r>
+              <a:rPr lang="en-US" sz="3100" dirty="0" smtClean="0">
+                <a:solidFill>
+                  <a:srgbClr val="363636"/>
+                </a:solidFill>
+              </a:rPr>
+              <a:t/>
+            </a:r>
+            <a:r>
+              <a:rPr lang="en-US" sz="3100" dirty="0" smtClean="0">
+                <a:solidFill>
+                  <a:srgbClr val="363636"/>
+                </a:solidFill>
+              </a:rPr>
+              <a:t>Tu que tiras o nosso pecado.(2x)
+</a:t>
+            </a:r>
+            <a:r>
+              <a:rPr lang="en-US" sz="3100" dirty="0" smtClean="0">
+                <a:solidFill>
+                  <a:srgbClr val="363636"/>
+                </a:solidFill>
+              </a:rPr>
+              <a:t/>
+            </a:r>
+            <a:r>
+              <a:rPr lang="en-US" sz="3100" dirty="0" smtClean="0">
+                <a:solidFill>
+                  <a:srgbClr val="363636"/>
+                </a:solidFill>
+              </a:rPr>
+              <a:t>TENDE PIEDADE DE NÓS,PIEDADE DE NÓS,PIEDADE DE
+</a:t>
+            </a:r>
+            <a:r>
+              <a:rPr lang="en-US" sz="3100" dirty="0" smtClean="0">
+                <a:solidFill>
+                  <a:srgbClr val="363636"/>
+                </a:solidFill>
+              </a:rPr>
+              <a:t/>
+            </a:r>
+            <a:r>
+              <a:rPr lang="en-US" sz="3100" dirty="0" smtClean="0">
+                <a:solidFill>
+                  <a:srgbClr val="363636"/>
+                </a:solidFill>
+              </a:rPr>
+              <a:t>NÓS,E DAÍ-NOS A PAZ!(2X)
+</a:t>
+            </a:r>
+            <a:r>
+              <a:rPr lang="en-US" sz="3100" dirty="0" smtClean="0">
+                <a:solidFill>
+                  <a:srgbClr val="363636"/>
+                </a:solidFill>
+              </a:rPr>
+              <a:t/>
+            </a:r>
+            <a:r>
+              <a:rPr lang="en-US" sz="3100" dirty="0" smtClean="0">
+                <a:solidFill>
+                  <a:srgbClr val="363636"/>
+                </a:solidFill>
+              </a:rPr>
+              <a:t>E DAÍ-NOS A PAZ....E DAÍ-NOS A PAZ
+</a:t>
+            </a:r>
+            <a:r>
+              <a:rPr lang="en-US" sz="3100" dirty="0" smtClean="0">
+                <a:solidFill>
+                  <a:srgbClr val="363636"/>
+                </a:solidFill>
+              </a:rPr>
+              <a:t/>
+            </a:r>
+            <a:r>
+              <a:rPr lang="en-US" sz="3100" dirty="0" smtClean="0">
                 <a:solidFill>
                   <a:srgbClr val="363636"/>
                 </a:solidFill>
@@ -6256,7 +6481,7 @@
 </a:t>
             </a:r>
             <a:r>
-              <a:rPr lang="en-US" sz="2900" dirty="0" smtClean="0">
+              <a:rPr lang="en-US" sz="3100" dirty="0" smtClean="0">
                 <a:solidFill>
                   <a:srgbClr val="363636"/>
                 </a:solidFill>
@@ -6351,58 +6576,41 @@
               <a:buNone/>
             </a:pPr>
             <a:r>
-              <a:rPr lang="en-US" sz="2700" dirty="0" smtClean="0">
-                <a:solidFill>
-                  <a:srgbClr val="363636"/>
-                </a:solidFill>
-              </a:rPr>
-              <a:t>1.Reconstrói a tua vida em comunhão com teu Senhor.
-</a:t>
-            </a:r>
-            <a:r>
-              <a:rPr lang="en-US" sz="2700" dirty="0" smtClean="0">
-                <a:solidFill>
-                  <a:srgbClr val="363636"/>
-                </a:solidFill>
-              </a:rPr>
-              <a:t/>
-            </a:r>
-            <a:r>
-              <a:rPr lang="en-US" sz="2700" dirty="0" smtClean="0">
-                <a:solidFill>
-                  <a:srgbClr val="363636"/>
-                </a:solidFill>
-              </a:rPr>
-              <a:t>Reconstrói a tua vida em comunhão com teu irmão.
-</a:t>
-            </a:r>
-            <a:r>
-              <a:rPr lang="en-US" sz="2700" dirty="0" smtClean="0">
-                <a:solidFill>
-                  <a:srgbClr val="363636"/>
-                </a:solidFill>
-              </a:rPr>
-              <a:t/>
-            </a:r>
-            <a:r>
-              <a:rPr lang="en-US" sz="2700" dirty="0" smtClean="0">
-                <a:solidFill>
-                  <a:srgbClr val="363636"/>
-                </a:solidFill>
-              </a:rPr>
-              <a:t>Onde está o teu irmão, eu estou presente nele.
-</a:t>
-            </a:r>
-            <a:r>
-              <a:rPr lang="en-US" sz="2700" dirty="0" smtClean="0">
-                <a:solidFill>
-                  <a:srgbClr val="363636"/>
-                </a:solidFill>
-              </a:rPr>
-              <a:t/>
-            </a:r>
-            <a:r>
-              <a:rPr lang="en-US" sz="2700" dirty="0" smtClean="0">
+              <a:rPr lang="en-US" sz="3800" dirty="0" smtClean="0">
+                <a:solidFill>
+                  <a:srgbClr val="363636"/>
+                </a:solidFill>
+              </a:rPr>
+              <a:t>Eu vim para que todos tenham vida,
+</a:t>
+            </a:r>
+            <a:r>
+              <a:rPr lang="en-US" sz="3800" dirty="0" smtClean="0">
+                <a:solidFill>
+                  <a:srgbClr val="363636"/>
+                </a:solidFill>
+              </a:rPr>
+              <a:t/>
+            </a:r>
+            <a:r>
+              <a:rPr lang="en-US" sz="3800" dirty="0" smtClean="0">
+                <a:solidFill>
+                  <a:srgbClr val="363636"/>
+                </a:solidFill>
+              </a:rPr>
+              <a:t>Que todos tenham vida plenamente.
+</a:t>
+            </a:r>
+            <a:r>
+              <a:rPr lang="en-US" sz="3800" dirty="0" smtClean="0">
+                <a:solidFill>
+                  <a:srgbClr val="363636"/>
+                </a:solidFill>
+              </a:rPr>
+              <a:t/>
+            </a:r>
+            <a:r>
+              <a:rPr lang="en-US" sz="3800" dirty="0" smtClean="0">
                 <a:solidFill>
                   <a:srgbClr val="363636"/>
                 </a:solidFill>
@@ -6411,7 +6619,7 @@
 </a:t>
             </a:r>
             <a:r>
-              <a:rPr lang="en-US" sz="2700" dirty="0" smtClean="0">
+              <a:rPr lang="en-US" sz="3800" dirty="0" smtClean="0">
                 <a:solidFill>
                   <a:srgbClr val="363636"/>
                 </a:solidFill>
@@ -6506,58 +6714,58 @@
               <a:buNone/>
             </a:pPr>
             <a:r>
-              <a:rPr lang="en-US" sz="2700" dirty="0" smtClean="0">
-                <a:solidFill>
-                  <a:srgbClr val="363636"/>
-                </a:solidFill>
-              </a:rPr>
-              <a:t>2.Eu passei fazendo o bem, eu curei todos os males.
-</a:t>
-            </a:r>
-            <a:r>
-              <a:rPr lang="en-US" sz="2700" dirty="0" smtClean="0">
-                <a:solidFill>
-                  <a:srgbClr val="363636"/>
-                </a:solidFill>
-              </a:rPr>
-              <a:t/>
-            </a:r>
-            <a:r>
-              <a:rPr lang="en-US" sz="2700" dirty="0" smtClean="0">
-                <a:solidFill>
-                  <a:srgbClr val="363636"/>
-                </a:solidFill>
-              </a:rPr>
-              <a:t>Hoje és minha presença junto a todo o sofredor.
-</a:t>
-            </a:r>
-            <a:r>
-              <a:rPr lang="en-US" sz="2700" dirty="0" smtClean="0">
-                <a:solidFill>
-                  <a:srgbClr val="363636"/>
-                </a:solidFill>
-              </a:rPr>
-              <a:t/>
-            </a:r>
-            <a:r>
-              <a:rPr lang="en-US" sz="2700" dirty="0" smtClean="0">
-                <a:solidFill>
-                  <a:srgbClr val="363636"/>
-                </a:solidFill>
-              </a:rPr>
-              <a:t>Onde sofre o teu irmão, eu estou sofrendo nele.
-</a:t>
-            </a:r>
-            <a:r>
-              <a:rPr lang="en-US" sz="2700" dirty="0" smtClean="0">
-                <a:solidFill>
-                  <a:srgbClr val="363636"/>
-                </a:solidFill>
-              </a:rPr>
-              <a:t/>
-            </a:r>
-            <a:r>
-              <a:rPr lang="en-US" sz="2700" dirty="0" smtClean="0">
+              <a:rPr lang="en-US" sz="3400" dirty="0" smtClean="0">
+                <a:solidFill>
+                  <a:srgbClr val="363636"/>
+                </a:solidFill>
+              </a:rPr>
+              <a:t>1.Reconstrói a tua vida em comunhão com teu Senhor.
+</a:t>
+            </a:r>
+            <a:r>
+              <a:rPr lang="en-US" sz="3400" dirty="0" smtClean="0">
+                <a:solidFill>
+                  <a:srgbClr val="363636"/>
+                </a:solidFill>
+              </a:rPr>
+              <a:t/>
+            </a:r>
+            <a:r>
+              <a:rPr lang="en-US" sz="3400" dirty="0" smtClean="0">
+                <a:solidFill>
+                  <a:srgbClr val="363636"/>
+                </a:solidFill>
+              </a:rPr>
+              <a:t>Reconstrói a tua vida em comunhão com teu irmão.
+</a:t>
+            </a:r>
+            <a:r>
+              <a:rPr lang="en-US" sz="3400" dirty="0" smtClean="0">
+                <a:solidFill>
+                  <a:srgbClr val="363636"/>
+                </a:solidFill>
+              </a:rPr>
+              <a:t/>
+            </a:r>
+            <a:r>
+              <a:rPr lang="en-US" sz="3400" dirty="0" smtClean="0">
+                <a:solidFill>
+                  <a:srgbClr val="363636"/>
+                </a:solidFill>
+              </a:rPr>
+              <a:t>Onde está o teu irmão, eu estou presente nele.
+</a:t>
+            </a:r>
+            <a:r>
+              <a:rPr lang="en-US" sz="3400" dirty="0" smtClean="0">
+                <a:solidFill>
+                  <a:srgbClr val="363636"/>
+                </a:solidFill>
+              </a:rPr>
+              <a:t/>
+            </a:r>
+            <a:r>
+              <a:rPr lang="en-US" sz="3400" dirty="0" smtClean="0">
                 <a:solidFill>
                   <a:srgbClr val="363636"/>
                 </a:solidFill>
@@ -6566,7 +6774,7 @@
 </a:t>
             </a:r>
             <a:r>
-              <a:rPr lang="en-US" sz="2700" dirty="0" smtClean="0">
+              <a:rPr lang="en-US" sz="3400" dirty="0" smtClean="0">
                 <a:solidFill>
                   <a:srgbClr val="363636"/>
                 </a:solidFill>
@@ -6661,58 +6869,58 @@
               <a:buNone/>
             </a:pPr>
             <a:r>
-              <a:rPr lang="en-US" sz="2700" dirty="0" smtClean="0">
-                <a:solidFill>
-                  <a:srgbClr val="363636"/>
-                </a:solidFill>
-              </a:rPr>
-              <a:t>3.Quem comer o pão da vida viverá eternamente.
-</a:t>
-            </a:r>
-            <a:r>
-              <a:rPr lang="en-US" sz="2700" dirty="0" smtClean="0">
-                <a:solidFill>
-                  <a:srgbClr val="363636"/>
-                </a:solidFill>
-              </a:rPr>
-              <a:t/>
-            </a:r>
-            <a:r>
-              <a:rPr lang="en-US" sz="2700" dirty="0" smtClean="0">
-                <a:solidFill>
-                  <a:srgbClr val="363636"/>
-                </a:solidFill>
-              </a:rPr>
-              <a:t>Tenho pena deste povo que não tem o que comer,
-</a:t>
-            </a:r>
-            <a:r>
-              <a:rPr lang="en-US" sz="2700" dirty="0" smtClean="0">
-                <a:solidFill>
-                  <a:srgbClr val="363636"/>
-                </a:solidFill>
-              </a:rPr>
-              <a:t/>
-            </a:r>
-            <a:r>
-              <a:rPr lang="en-US" sz="2700" dirty="0" smtClean="0">
-                <a:solidFill>
-                  <a:srgbClr val="363636"/>
-                </a:solidFill>
-              </a:rPr>
-              <a:t>Onde está o irmão com fome, eu estou com fome nele.
-</a:t>
-            </a:r>
-            <a:r>
-              <a:rPr lang="en-US" sz="2700" dirty="0" smtClean="0">
-                <a:solidFill>
-                  <a:srgbClr val="363636"/>
-                </a:solidFill>
-              </a:rPr>
-              <a:t/>
-            </a:r>
-            <a:r>
-              <a:rPr lang="en-US" sz="2700" dirty="0" smtClean="0">
+              <a:rPr lang="en-US" sz="3400" dirty="0" smtClean="0">
+                <a:solidFill>
+                  <a:srgbClr val="363636"/>
+                </a:solidFill>
+              </a:rPr>
+              <a:t>2.Eu passei fazendo o bem, eu curei todos os males.
+</a:t>
+            </a:r>
+            <a:r>
+              <a:rPr lang="en-US" sz="3400" dirty="0" smtClean="0">
+                <a:solidFill>
+                  <a:srgbClr val="363636"/>
+                </a:solidFill>
+              </a:rPr>
+              <a:t/>
+            </a:r>
+            <a:r>
+              <a:rPr lang="en-US" sz="3400" dirty="0" smtClean="0">
+                <a:solidFill>
+                  <a:srgbClr val="363636"/>
+                </a:solidFill>
+              </a:rPr>
+              <a:t>Hoje és minha presença junto a todo o sofredor.
+</a:t>
+            </a:r>
+            <a:r>
+              <a:rPr lang="en-US" sz="3400" dirty="0" smtClean="0">
+                <a:solidFill>
+                  <a:srgbClr val="363636"/>
+                </a:solidFill>
+              </a:rPr>
+              <a:t/>
+            </a:r>
+            <a:r>
+              <a:rPr lang="en-US" sz="3400" dirty="0" smtClean="0">
+                <a:solidFill>
+                  <a:srgbClr val="363636"/>
+                </a:solidFill>
+              </a:rPr>
+              <a:t>Onde sofre o teu irmão, eu estou sofrendo nele.
+</a:t>
+            </a:r>
+            <a:r>
+              <a:rPr lang="en-US" sz="3400" dirty="0" smtClean="0">
+                <a:solidFill>
+                  <a:srgbClr val="363636"/>
+                </a:solidFill>
+              </a:rPr>
+              <a:t/>
+            </a:r>
+            <a:r>
+              <a:rPr lang="en-US" sz="3400" dirty="0" smtClean="0">
                 <a:solidFill>
                   <a:srgbClr val="363636"/>
                 </a:solidFill>
@@ -6721,7 +6929,7 @@
 </a:t>
             </a:r>
             <a:r>
-              <a:rPr lang="en-US" sz="2700" dirty="0" smtClean="0">
+              <a:rPr lang="en-US" sz="3400" dirty="0" smtClean="0">
                 <a:solidFill>
                   <a:srgbClr val="363636"/>
                 </a:solidFill>
@@ -6816,58 +7024,58 @@
               <a:buNone/>
             </a:pPr>
             <a:r>
-              <a:rPr lang="en-US" sz="2700" dirty="0" smtClean="0">
-                <a:solidFill>
-                  <a:srgbClr val="363636"/>
-                </a:solidFill>
-              </a:rPr>
-              <a:t>4.Entreguei a minha vida pela salvação de todos.
-</a:t>
-            </a:r>
-            <a:r>
-              <a:rPr lang="en-US" sz="2700" dirty="0" smtClean="0">
-                <a:solidFill>
-                  <a:srgbClr val="363636"/>
-                </a:solidFill>
-              </a:rPr>
-              <a:t/>
-            </a:r>
-            <a:r>
-              <a:rPr lang="en-US" sz="2700" dirty="0" smtClean="0">
-                <a:solidFill>
-                  <a:srgbClr val="363636"/>
-                </a:solidFill>
-              </a:rPr>
-              <a:t>Reconstrói, protege a vida de indefesos e inocentes:
-</a:t>
-            </a:r>
-            <a:r>
-              <a:rPr lang="en-US" sz="2700" dirty="0" smtClean="0">
-                <a:solidFill>
-                  <a:srgbClr val="363636"/>
-                </a:solidFill>
-              </a:rPr>
-              <a:t/>
-            </a:r>
-            <a:r>
-              <a:rPr lang="en-US" sz="2700" dirty="0" smtClean="0">
-                <a:solidFill>
-                  <a:srgbClr val="363636"/>
-                </a:solidFill>
-              </a:rPr>
-              <a:t>Onde morre o teu irmão, eu estou morrendo nele.
-</a:t>
-            </a:r>
-            <a:r>
-              <a:rPr lang="en-US" sz="2700" dirty="0" smtClean="0">
-                <a:solidFill>
-                  <a:srgbClr val="363636"/>
-                </a:solidFill>
-              </a:rPr>
-              <a:t/>
-            </a:r>
-            <a:r>
-              <a:rPr lang="en-US" sz="2700" dirty="0" smtClean="0">
+              <a:rPr lang="en-US" sz="3400" dirty="0" smtClean="0">
+                <a:solidFill>
+                  <a:srgbClr val="363636"/>
+                </a:solidFill>
+              </a:rPr>
+              <a:t>3.Quem comer o pão da vida viverá eternamente.
+</a:t>
+            </a:r>
+            <a:r>
+              <a:rPr lang="en-US" sz="3400" dirty="0" smtClean="0">
+                <a:solidFill>
+                  <a:srgbClr val="363636"/>
+                </a:solidFill>
+              </a:rPr>
+              <a:t/>
+            </a:r>
+            <a:r>
+              <a:rPr lang="en-US" sz="3400" dirty="0" smtClean="0">
+                <a:solidFill>
+                  <a:srgbClr val="363636"/>
+                </a:solidFill>
+              </a:rPr>
+              <a:t>Tenho pena deste povo que não tem o que comer,
+</a:t>
+            </a:r>
+            <a:r>
+              <a:rPr lang="en-US" sz="3400" dirty="0" smtClean="0">
+                <a:solidFill>
+                  <a:srgbClr val="363636"/>
+                </a:solidFill>
+              </a:rPr>
+              <a:t/>
+            </a:r>
+            <a:r>
+              <a:rPr lang="en-US" sz="3400" dirty="0" smtClean="0">
+                <a:solidFill>
+                  <a:srgbClr val="363636"/>
+                </a:solidFill>
+              </a:rPr>
+              <a:t>Onde está o irmão com fome, eu estou com fome nele.
+</a:t>
+            </a:r>
+            <a:r>
+              <a:rPr lang="en-US" sz="3400" dirty="0" smtClean="0">
+                <a:solidFill>
+                  <a:srgbClr val="363636"/>
+                </a:solidFill>
+              </a:rPr>
+              <a:t/>
+            </a:r>
+            <a:r>
+              <a:rPr lang="en-US" sz="3400" dirty="0" smtClean="0">
                 <a:solidFill>
                   <a:srgbClr val="363636"/>
                 </a:solidFill>
@@ -6876,7 +7084,7 @@
 </a:t>
             </a:r>
             <a:r>
-              <a:rPr lang="en-US" sz="2700" dirty="0" smtClean="0">
+              <a:rPr lang="en-US" sz="3400" dirty="0" smtClean="0">
                 <a:solidFill>
                   <a:srgbClr val="363636"/>
                 </a:solidFill>
@@ -6971,58 +7179,58 @@
               <a:buNone/>
             </a:pPr>
             <a:r>
-              <a:rPr lang="en-US" sz="2700" dirty="0" smtClean="0">
-                <a:solidFill>
-                  <a:srgbClr val="363636"/>
-                </a:solidFill>
-              </a:rPr>
-              <a:t>5.Vim buscar e vim salvar o que estava já perdido.
-</a:t>
-            </a:r>
-            <a:r>
-              <a:rPr lang="en-US" sz="2700" dirty="0" smtClean="0">
-                <a:solidFill>
-                  <a:srgbClr val="363636"/>
-                </a:solidFill>
-              </a:rPr>
-              <a:t/>
-            </a:r>
-            <a:r>
-              <a:rPr lang="en-US" sz="2700" dirty="0" smtClean="0">
-                <a:solidFill>
-                  <a:srgbClr val="363636"/>
-                </a:solidFill>
-              </a:rPr>
-              <a:t>Busca, salva e reconduz a quem perdeu toda a esperança:
-</a:t>
-            </a:r>
-            <a:r>
-              <a:rPr lang="en-US" sz="2700" dirty="0" smtClean="0">
-                <a:solidFill>
-                  <a:srgbClr val="363636"/>
-                </a:solidFill>
-              </a:rPr>
-              <a:t/>
-            </a:r>
-            <a:r>
-              <a:rPr lang="en-US" sz="2700" dirty="0" smtClean="0">
-                <a:solidFill>
-                  <a:srgbClr val="363636"/>
-                </a:solidFill>
-              </a:rPr>
-              <a:t>Onde salvas teu irmão, Tu me estás salvando nele.
-</a:t>
-            </a:r>
-            <a:r>
-              <a:rPr lang="en-US" sz="2700" dirty="0" smtClean="0">
-                <a:solidFill>
-                  <a:srgbClr val="363636"/>
-                </a:solidFill>
-              </a:rPr>
-              <a:t/>
-            </a:r>
-            <a:r>
-              <a:rPr lang="en-US" sz="2700" dirty="0" smtClean="0">
+              <a:rPr lang="en-US" sz="3300" dirty="0" smtClean="0">
+                <a:solidFill>
+                  <a:srgbClr val="363636"/>
+                </a:solidFill>
+              </a:rPr>
+              <a:t>4.Entreguei a minha vida pela salvação de todos.
+</a:t>
+            </a:r>
+            <a:r>
+              <a:rPr lang="en-US" sz="3300" dirty="0" smtClean="0">
+                <a:solidFill>
+                  <a:srgbClr val="363636"/>
+                </a:solidFill>
+              </a:rPr>
+              <a:t/>
+            </a:r>
+            <a:r>
+              <a:rPr lang="en-US" sz="3300" dirty="0" smtClean="0">
+                <a:solidFill>
+                  <a:srgbClr val="363636"/>
+                </a:solidFill>
+              </a:rPr>
+              <a:t>Reconstrói, protege a vida de indefesos e inocentes:
+</a:t>
+            </a:r>
+            <a:r>
+              <a:rPr lang="en-US" sz="3300" dirty="0" smtClean="0">
+                <a:solidFill>
+                  <a:srgbClr val="363636"/>
+                </a:solidFill>
+              </a:rPr>
+              <a:t/>
+            </a:r>
+            <a:r>
+              <a:rPr lang="en-US" sz="3300" dirty="0" smtClean="0">
+                <a:solidFill>
+                  <a:srgbClr val="363636"/>
+                </a:solidFill>
+              </a:rPr>
+              <a:t>Onde morre o teu irmão, eu estou morrendo nele.
+</a:t>
+            </a:r>
+            <a:r>
+              <a:rPr lang="en-US" sz="3300" dirty="0" smtClean="0">
+                <a:solidFill>
+                  <a:srgbClr val="363636"/>
+                </a:solidFill>
+              </a:rPr>
+              <a:t/>
+            </a:r>
+            <a:r>
+              <a:rPr lang="en-US" sz="3300" dirty="0" smtClean="0">
                 <a:solidFill>
                   <a:srgbClr val="363636"/>
                 </a:solidFill>
@@ -7031,7 +7239,7 @@
 </a:t>
             </a:r>
             <a:r>
-              <a:rPr lang="en-US" sz="2700" dirty="0" smtClean="0">
+              <a:rPr lang="en-US" sz="3300" dirty="0" smtClean="0">
                 <a:solidFill>
                   <a:srgbClr val="363636"/>
                 </a:solidFill>
@@ -7096,7 +7304,7 @@
                   <a:srgbClr val="363636"/>
                 </a:solidFill>
               </a:rPr>
-              <a:t>PRECIOSA SÃO AS HORAS</a:t>
+              <a:t>COMUNHÃO</a:t>
             </a:r>
             <a:endParaRPr lang="en-US" dirty="0"/>
           </a:p>
@@ -7126,75 +7334,58 @@
               <a:buNone/>
             </a:pPr>
             <a:r>
-              <a:rPr lang="en-US" sz="2600" dirty="0" smtClean="0">
-                <a:solidFill>
-                  <a:srgbClr val="363636"/>
-                </a:solidFill>
-              </a:rPr>
-              <a:t>COMUNHÃO DELICIOSA , DA MINH'ALMA COM A LUZ.
-</a:t>
-            </a:r>
-            <a:r>
-              <a:rPr lang="en-US" sz="2600" dirty="0" smtClean="0">
-                <a:solidFill>
-                  <a:srgbClr val="363636"/>
-                </a:solidFill>
-              </a:rPr>
-              <a:t/>
-            </a:r>
-            <a:r>
-              <a:rPr lang="en-US" sz="2600" dirty="0" smtClean="0">
-                <a:solidFill>
-                  <a:srgbClr val="363636"/>
-                </a:solidFill>
-              </a:rPr>
-              <a:t>OS CUIDADOS DESTE MUNDO, NUNCA PODEM ME ABALAR,
-</a:t>
-            </a:r>
-            <a:r>
-              <a:rPr lang="en-US" sz="2600" dirty="0" smtClean="0">
-                <a:solidFill>
-                  <a:srgbClr val="363636"/>
-                </a:solidFill>
-              </a:rPr>
-              <a:t/>
-            </a:r>
-            <a:r>
-              <a:rPr lang="en-US" sz="2600" dirty="0" smtClean="0">
-                <a:solidFill>
-                  <a:srgbClr val="363636"/>
-                </a:solidFill>
-              </a:rPr>
-              <a:t>MEU ABRIGO, NELE POSSO CONFIAR.
-</a:t>
-            </a:r>
-            <a:r>
-              <a:rPr lang="en-US" sz="2600" dirty="0" smtClean="0">
-                <a:solidFill>
-                  <a:srgbClr val="363636"/>
-                </a:solidFill>
-              </a:rPr>
-              <a:t/>
-            </a:r>
-            <a:r>
-              <a:rPr lang="en-US" sz="2600" dirty="0" smtClean="0">
-                <a:solidFill>
-                  <a:srgbClr val="363636"/>
-                </a:solidFill>
-              </a:rPr>
-              <a:t>ELE VIVE, ELE VIVE E PRESENTE AQUI ESTÁ! (BIS)
-</a:t>
-            </a:r>
-            <a:r>
-              <a:rPr lang="en-US" sz="2600" dirty="0" smtClean="0">
-                <a:solidFill>
-                  <a:srgbClr val="363636"/>
-                </a:solidFill>
-              </a:rPr>
-              <a:t/>
-            </a:r>
-            <a:r>
-              <a:rPr lang="en-US" sz="2600" dirty="0" smtClean="0">
+              <a:rPr lang="en-US" sz="3300" dirty="0" smtClean="0">
+                <a:solidFill>
+                  <a:srgbClr val="363636"/>
+                </a:solidFill>
+              </a:rPr>
+              <a:t>5.Vim buscar e vim salvar o que estava já perdido.
+</a:t>
+            </a:r>
+            <a:r>
+              <a:rPr lang="en-US" sz="3300" dirty="0" smtClean="0">
+                <a:solidFill>
+                  <a:srgbClr val="363636"/>
+                </a:solidFill>
+              </a:rPr>
+              <a:t/>
+            </a:r>
+            <a:r>
+              <a:rPr lang="en-US" sz="3300" dirty="0" smtClean="0">
+                <a:solidFill>
+                  <a:srgbClr val="363636"/>
+                </a:solidFill>
+              </a:rPr>
+              <a:t>Busca, salva e reconduz a quem perdeu toda a esperança:
+</a:t>
+            </a:r>
+            <a:r>
+              <a:rPr lang="en-US" sz="3300" dirty="0" smtClean="0">
+                <a:solidFill>
+                  <a:srgbClr val="363636"/>
+                </a:solidFill>
+              </a:rPr>
+              <a:t/>
+            </a:r>
+            <a:r>
+              <a:rPr lang="en-US" sz="3300" dirty="0" smtClean="0">
+                <a:solidFill>
+                  <a:srgbClr val="363636"/>
+                </a:solidFill>
+              </a:rPr>
+              <a:t>Onde salvas teu irmão, Tu me estás salvando nele.
+</a:t>
+            </a:r>
+            <a:r>
+              <a:rPr lang="en-US" sz="3300" dirty="0" smtClean="0">
+                <a:solidFill>
+                  <a:srgbClr val="363636"/>
+                </a:solidFill>
+              </a:rPr>
+              <a:t/>
+            </a:r>
+            <a:r>
+              <a:rPr lang="en-US" sz="3300" dirty="0" smtClean="0">
                 <a:solidFill>
                   <a:srgbClr val="363636"/>
                 </a:solidFill>
@@ -7203,7 +7394,7 @@
 </a:t>
             </a:r>
             <a:r>
-              <a:rPr lang="en-US" sz="2600" dirty="0" smtClean="0">
+              <a:rPr lang="en-US" sz="3300" dirty="0" smtClean="0">
                 <a:solidFill>
                   <a:srgbClr val="363636"/>
                 </a:solidFill>
@@ -7298,41 +7489,75 @@
               <a:buNone/>
             </a:pPr>
             <a:r>
-              <a:rPr lang="en-US" sz="2800" dirty="0" smtClean="0">
-                <a:solidFill>
-                  <a:srgbClr val="363636"/>
-                </a:solidFill>
-              </a:rPr>
-              <a:t>CANSA Ó MINH'ALMA, EM JESUS VEM REPOUSAR.
-</a:t>
-            </a:r>
-            <a:r>
-              <a:rPr lang="en-US" sz="2800" dirty="0" smtClean="0">
-                <a:solidFill>
-                  <a:srgbClr val="363636"/>
-                </a:solidFill>
-              </a:rPr>
-              <a:t/>
-            </a:r>
-            <a:r>
-              <a:rPr lang="en-US" sz="2800" dirty="0" smtClean="0">
-                <a:solidFill>
-                  <a:srgbClr val="363636"/>
-                </a:solidFill>
-              </a:rPr>
-              <a:t>VITALIZA, REANIMA ,... MINHAS FORÇAS PARA LUTAR.
-</a:t>
-            </a:r>
-            <a:r>
-              <a:rPr lang="en-US" sz="2800" dirty="0" smtClean="0">
-                <a:solidFill>
-                  <a:srgbClr val="363636"/>
-                </a:solidFill>
-              </a:rPr>
-              <a:t/>
-            </a:r>
-            <a:r>
-              <a:rPr lang="en-US" sz="2800" dirty="0" smtClean="0">
+              <a:rPr lang="en-US" sz="3200" dirty="0" smtClean="0">
+                <a:solidFill>
+                  <a:srgbClr val="363636"/>
+                </a:solidFill>
+              </a:rPr>
+              <a:t>COMUNHÃO DELICIOSA , DA MINH'ALMA COM A LUZ.
+</a:t>
+            </a:r>
+            <a:r>
+              <a:rPr lang="en-US" sz="3200" dirty="0" smtClean="0">
+                <a:solidFill>
+                  <a:srgbClr val="363636"/>
+                </a:solidFill>
+              </a:rPr>
+              <a:t/>
+            </a:r>
+            <a:r>
+              <a:rPr lang="en-US" sz="3200" dirty="0" smtClean="0">
+                <a:solidFill>
+                  <a:srgbClr val="363636"/>
+                </a:solidFill>
+              </a:rPr>
+              <a:t>OS CUIDADOS DESTE MUNDO, NUNCA PODEM ME ABALAR,
+</a:t>
+            </a:r>
+            <a:r>
+              <a:rPr lang="en-US" sz="3200" dirty="0" smtClean="0">
+                <a:solidFill>
+                  <a:srgbClr val="363636"/>
+                </a:solidFill>
+              </a:rPr>
+              <a:t/>
+            </a:r>
+            <a:r>
+              <a:rPr lang="en-US" sz="3200" dirty="0" smtClean="0">
+                <a:solidFill>
+                  <a:srgbClr val="363636"/>
+                </a:solidFill>
+              </a:rPr>
+              <a:t>MEU ABRIGO, NELE POSSO CONFIAR.
+</a:t>
+            </a:r>
+            <a:r>
+              <a:rPr lang="en-US" sz="3200" dirty="0" smtClean="0">
+                <a:solidFill>
+                  <a:srgbClr val="363636"/>
+                </a:solidFill>
+              </a:rPr>
+              <a:t/>
+            </a:r>
+            <a:r>
+              <a:rPr lang="en-US" sz="3200" dirty="0" smtClean="0">
+                <a:solidFill>
+                  <a:srgbClr val="363636"/>
+                </a:solidFill>
+              </a:rPr>
+              <a:t>ELE VIVE, ELE VIVE E PRESENTE AQUI ESTÁ! (BIS)
+</a:t>
+            </a:r>
+            <a:r>
+              <a:rPr lang="en-US" sz="3200" dirty="0" smtClean="0">
+                <a:solidFill>
+                  <a:srgbClr val="363636"/>
+                </a:solidFill>
+              </a:rPr>
+              <a:t/>
+            </a:r>
+            <a:r>
+              <a:rPr lang="en-US" sz="3200" dirty="0" smtClean="0">
                 <a:solidFill>
                   <a:srgbClr val="363636"/>
                 </a:solidFill>
@@ -7341,7 +7566,7 @@
 </a:t>
             </a:r>
             <a:r>
-              <a:rPr lang="en-US" sz="2800" dirty="0" smtClean="0">
+              <a:rPr lang="en-US" sz="3200" dirty="0" smtClean="0">
                 <a:solidFill>
                   <a:srgbClr val="363636"/>
                 </a:solidFill>
@@ -7436,41 +7661,41 @@
               <a:buNone/>
             </a:pPr>
             <a:r>
-              <a:rPr lang="en-US" sz="2900" dirty="0" smtClean="0">
-                <a:solidFill>
-                  <a:srgbClr val="363636"/>
-                </a:solidFill>
-              </a:rPr>
-              <a:t>1-O CAMINHO QUE ELE TRAÇOU, ALELU...IA!
-</a:t>
-            </a:r>
-            <a:r>
-              <a:rPr lang="en-US" sz="2900" dirty="0" smtClean="0">
-                <a:solidFill>
-                  <a:srgbClr val="363636"/>
-                </a:solidFill>
-              </a:rPr>
-              <a:t/>
-            </a:r>
-            <a:r>
-              <a:rPr lang="en-US" sz="2900" dirty="0" smtClean="0">
-                <a:solidFill>
-                  <a:srgbClr val="363636"/>
-                </a:solidFill>
-              </a:rPr>
-              <a:t>NOS CONVIDA A CAMINHAR, ALELU...U...IA!
-</a:t>
-            </a:r>
-            <a:r>
-              <a:rPr lang="en-US" sz="2900" dirty="0" smtClean="0">
-                <a:solidFill>
-                  <a:srgbClr val="363636"/>
-                </a:solidFill>
-              </a:rPr>
-              <a:t/>
-            </a:r>
-            <a:r>
-              <a:rPr lang="en-US" sz="2900" dirty="0" smtClean="0">
+              <a:rPr lang="en-US" sz="3800" dirty="0" smtClean="0">
+                <a:solidFill>
+                  <a:srgbClr val="363636"/>
+                </a:solidFill>
+              </a:rPr>
+              <a:t>O SENHOR RESSUSCITOU, ALELU.....IA!
+</a:t>
+            </a:r>
+            <a:r>
+              <a:rPr lang="en-US" sz="3800" dirty="0" smtClean="0">
+                <a:solidFill>
+                  <a:srgbClr val="363636"/>
+                </a:solidFill>
+              </a:rPr>
+              <a:t/>
+            </a:r>
+            <a:r>
+              <a:rPr lang="en-US" sz="3800" dirty="0" smtClean="0">
+                <a:solidFill>
+                  <a:srgbClr val="363636"/>
+                </a:solidFill>
+              </a:rPr>
+              <a:t>NÃO HÁ TRISTEZA E NEM TEMOR, ALELU...U...IA!
+</a:t>
+            </a:r>
+            <a:r>
+              <a:rPr lang="en-US" sz="3800" dirty="0" smtClean="0">
+                <a:solidFill>
+                  <a:srgbClr val="363636"/>
+                </a:solidFill>
+              </a:rPr>
+              <a:t/>
+            </a:r>
+            <a:r>
+              <a:rPr lang="en-US" sz="3800" dirty="0" smtClean="0">
                 <a:solidFill>
                   <a:srgbClr val="363636"/>
                 </a:solidFill>
@@ -7479,7 +7704,7 @@
 </a:t>
             </a:r>
             <a:r>
-              <a:rPr lang="en-US" sz="2900" dirty="0" smtClean="0">
+              <a:rPr lang="en-US" sz="3800" dirty="0" smtClean="0">
                 <a:solidFill>
                   <a:srgbClr val="363636"/>
                 </a:solidFill>
@@ -7574,24 +7799,41 @@
               <a:buNone/>
             </a:pPr>
             <a:r>
-              <a:rPr lang="en-US" sz="3000" dirty="0" smtClean="0">
-                <a:solidFill>
-                  <a:srgbClr val="363636"/>
-                </a:solidFill>
-              </a:rPr>
-              <a:t>SÓ ME PEDE CRÊ SOMENTE. , QUE EM SOCORRO ELE VIRÁ!
-</a:t>
-            </a:r>
-            <a:r>
-              <a:rPr lang="en-US" sz="3000" dirty="0" smtClean="0">
-                <a:solidFill>
-                  <a:srgbClr val="363636"/>
-                </a:solidFill>
-              </a:rPr>
-              <a:t/>
-            </a:r>
-            <a:r>
-              <a:rPr lang="en-US" sz="3000" dirty="0" smtClean="0">
+              <a:rPr lang="en-US" sz="3700" dirty="0" smtClean="0">
+                <a:solidFill>
+                  <a:srgbClr val="363636"/>
+                </a:solidFill>
+              </a:rPr>
+              <a:t>CANSA Ó MINH'ALMA, EM JESUS VEM REPOUSAR.
+</a:t>
+            </a:r>
+            <a:r>
+              <a:rPr lang="en-US" sz="3700" dirty="0" smtClean="0">
+                <a:solidFill>
+                  <a:srgbClr val="363636"/>
+                </a:solidFill>
+              </a:rPr>
+              <a:t/>
+            </a:r>
+            <a:r>
+              <a:rPr lang="en-US" sz="3700" dirty="0" smtClean="0">
+                <a:solidFill>
+                  <a:srgbClr val="363636"/>
+                </a:solidFill>
+              </a:rPr>
+              <a:t>VITALIZA, REANIMA ,... MINHAS FORÇAS PARA LUTAR.
+</a:t>
+            </a:r>
+            <a:r>
+              <a:rPr lang="en-US" sz="3700" dirty="0" smtClean="0">
+                <a:solidFill>
+                  <a:srgbClr val="363636"/>
+                </a:solidFill>
+              </a:rPr>
+              <a:t/>
+            </a:r>
+            <a:r>
+              <a:rPr lang="en-US" sz="3700" dirty="0" smtClean="0">
                 <a:solidFill>
                   <a:srgbClr val="363636"/>
                 </a:solidFill>
@@ -7600,7 +7842,7 @@
 </a:t>
             </a:r>
             <a:r>
-              <a:rPr lang="en-US" sz="3000" dirty="0" smtClean="0">
+              <a:rPr lang="en-US" sz="3700" dirty="0" smtClean="0">
                 <a:solidFill>
                   <a:srgbClr val="363636"/>
                 </a:solidFill>
@@ -7665,7 +7907,7 @@
                   <a:srgbClr val="363636"/>
                 </a:solidFill>
               </a:rPr>
-              <a:t>PORQUE ELE VIVE</a:t>
+              <a:t>PRECIOSA SÃO AS HORAS</a:t>
             </a:r>
             <a:endParaRPr lang="en-US" dirty="0"/>
           </a:p>
@@ -7695,75 +7937,24 @@
               <a:buNone/>
             </a:pPr>
             <a:r>
-              <a:rPr lang="en-US" sz="2700" dirty="0" smtClean="0">
-                <a:solidFill>
-                  <a:srgbClr val="363636"/>
-                </a:solidFill>
-              </a:rPr>
-              <a:t>DEUS ENVIOU SEU FILHO AMADO
-</a:t>
-            </a:r>
-            <a:r>
-              <a:rPr lang="en-US" sz="2700" dirty="0" smtClean="0">
-                <a:solidFill>
-                  <a:srgbClr val="363636"/>
-                </a:solidFill>
-              </a:rPr>
-              <a:t/>
-            </a:r>
-            <a:r>
-              <a:rPr lang="en-US" sz="2700" dirty="0" smtClean="0">
-                <a:solidFill>
-                  <a:srgbClr val="363636"/>
-                </a:solidFill>
-              </a:rPr>
-              <a:t>PARA MORRER NO MEU LUGAR
-</a:t>
-            </a:r>
-            <a:r>
-              <a:rPr lang="en-US" sz="2700" dirty="0" smtClean="0">
-                <a:solidFill>
-                  <a:srgbClr val="363636"/>
-                </a:solidFill>
-              </a:rPr>
-              <a:t/>
-            </a:r>
-            <a:r>
-              <a:rPr lang="en-US" sz="2700" dirty="0" smtClean="0">
-                <a:solidFill>
-                  <a:srgbClr val="363636"/>
-                </a:solidFill>
-              </a:rPr>
-              <a:t>NA CRUZ PAGOU OS MEUS PECADOS
-</a:t>
-            </a:r>
-            <a:r>
-              <a:rPr lang="en-US" sz="2700" dirty="0" smtClean="0">
-                <a:solidFill>
-                  <a:srgbClr val="363636"/>
-                </a:solidFill>
-              </a:rPr>
-              <a:t/>
-            </a:r>
-            <a:r>
-              <a:rPr lang="en-US" sz="2700" dirty="0" smtClean="0">
-                <a:solidFill>
-                  <a:srgbClr val="363636"/>
-                </a:solidFill>
-              </a:rPr>
-              <a:t>MAS O SEPULCRO VAZIO ESTÁ, PORQUE ELE VIVE!
-</a:t>
-            </a:r>
-            <a:r>
-              <a:rPr lang="en-US" sz="2700" dirty="0" smtClean="0">
-                <a:solidFill>
-                  <a:srgbClr val="363636"/>
-                </a:solidFill>
-              </a:rPr>
-              <a:t/>
-            </a:r>
-            <a:r>
-              <a:rPr lang="en-US" sz="2700" dirty="0" smtClean="0">
+              <a:rPr lang="en-US" sz="3900" dirty="0" smtClean="0">
+                <a:solidFill>
+                  <a:srgbClr val="363636"/>
+                </a:solidFill>
+              </a:rPr>
+              <a:t>SÓ ME PEDE CRÊ SOMENTE. , QUE EM SOCORRO ELE VIRÁ!
+</a:t>
+            </a:r>
+            <a:r>
+              <a:rPr lang="en-US" sz="3900" dirty="0" smtClean="0">
+                <a:solidFill>
+                  <a:srgbClr val="363636"/>
+                </a:solidFill>
+              </a:rPr>
+              <a:t/>
+            </a:r>
+            <a:r>
+              <a:rPr lang="en-US" sz="3900" dirty="0" smtClean="0">
                 <a:solidFill>
                   <a:srgbClr val="363636"/>
                 </a:solidFill>
@@ -7772,7 +7963,7 @@
 </a:t>
             </a:r>
             <a:r>
-              <a:rPr lang="en-US" sz="2700" dirty="0" smtClean="0">
+              <a:rPr lang="en-US" sz="3900" dirty="0" smtClean="0">
                 <a:solidFill>
                   <a:srgbClr val="363636"/>
                 </a:solidFill>
@@ -7867,75 +8058,75 @@
               <a:buNone/>
             </a:pPr>
             <a:r>
-              <a:rPr lang="en-US" sz="2700" dirty="0" smtClean="0">
-                <a:solidFill>
-                  <a:srgbClr val="363636"/>
-                </a:solidFill>
-              </a:rPr>
-              <a:t>PORQUE ELE VIVE, EU POSSO CRER NO AMANHÃ
-</a:t>
-            </a:r>
-            <a:r>
-              <a:rPr lang="en-US" sz="2700" dirty="0" smtClean="0">
-                <a:solidFill>
-                  <a:srgbClr val="363636"/>
-                </a:solidFill>
-              </a:rPr>
-              <a:t/>
-            </a:r>
-            <a:r>
-              <a:rPr lang="en-US" sz="2700" dirty="0" smtClean="0">
-                <a:solidFill>
-                  <a:srgbClr val="363636"/>
-                </a:solidFill>
-              </a:rPr>
-              <a:t>PORQUE ELE VIVE, TEMOR NÃO HÁ
-</a:t>
-            </a:r>
-            <a:r>
-              <a:rPr lang="en-US" sz="2700" dirty="0" smtClean="0">
-                <a:solidFill>
-                  <a:srgbClr val="363636"/>
-                </a:solidFill>
-              </a:rPr>
-              <a:t/>
-            </a:r>
-            <a:r>
-              <a:rPr lang="en-US" sz="2700" dirty="0" smtClean="0">
-                <a:solidFill>
-                  <a:srgbClr val="363636"/>
-                </a:solidFill>
-              </a:rPr>
-              <a:t>MAS EU BEM SEI QUE O MEU FUTURO
-</a:t>
-            </a:r>
-            <a:r>
-              <a:rPr lang="en-US" sz="2700" dirty="0" smtClean="0">
-                <a:solidFill>
-                  <a:srgbClr val="363636"/>
-                </a:solidFill>
-              </a:rPr>
-              <a:t/>
-            </a:r>
-            <a:r>
-              <a:rPr lang="en-US" sz="2700" dirty="0" smtClean="0">
-                <a:solidFill>
-                  <a:srgbClr val="363636"/>
-                </a:solidFill>
-              </a:rPr>
-              <a:t>ESTÁ NAS MÃOS DO MEU JESUS, QUE VIVO ESTÁ
-</a:t>
-            </a:r>
-            <a:r>
-              <a:rPr lang="en-US" sz="2700" dirty="0" smtClean="0">
-                <a:solidFill>
-                  <a:srgbClr val="363636"/>
-                </a:solidFill>
-              </a:rPr>
-              <a:t/>
-            </a:r>
-            <a:r>
-              <a:rPr lang="en-US" sz="2700" dirty="0" smtClean="0">
+              <a:rPr lang="en-US" sz="3500" dirty="0" smtClean="0">
+                <a:solidFill>
+                  <a:srgbClr val="363636"/>
+                </a:solidFill>
+              </a:rPr>
+              <a:t>DEUS ENVIOU SEU FILHO AMADO
+</a:t>
+            </a:r>
+            <a:r>
+              <a:rPr lang="en-US" sz="3500" dirty="0" smtClean="0">
+                <a:solidFill>
+                  <a:srgbClr val="363636"/>
+                </a:solidFill>
+              </a:rPr>
+              <a:t/>
+            </a:r>
+            <a:r>
+              <a:rPr lang="en-US" sz="3500" dirty="0" smtClean="0">
+                <a:solidFill>
+                  <a:srgbClr val="363636"/>
+                </a:solidFill>
+              </a:rPr>
+              <a:t>PARA MORRER NO MEU LUGAR
+</a:t>
+            </a:r>
+            <a:r>
+              <a:rPr lang="en-US" sz="3500" dirty="0" smtClean="0">
+                <a:solidFill>
+                  <a:srgbClr val="363636"/>
+                </a:solidFill>
+              </a:rPr>
+              <a:t/>
+            </a:r>
+            <a:r>
+              <a:rPr lang="en-US" sz="3500" dirty="0" smtClean="0">
+                <a:solidFill>
+                  <a:srgbClr val="363636"/>
+                </a:solidFill>
+              </a:rPr>
+              <a:t>NA CRUZ PAGOU OS MEUS PECADOS
+</a:t>
+            </a:r>
+            <a:r>
+              <a:rPr lang="en-US" sz="3500" dirty="0" smtClean="0">
+                <a:solidFill>
+                  <a:srgbClr val="363636"/>
+                </a:solidFill>
+              </a:rPr>
+              <a:t/>
+            </a:r>
+            <a:r>
+              <a:rPr lang="en-US" sz="3500" dirty="0" smtClean="0">
+                <a:solidFill>
+                  <a:srgbClr val="363636"/>
+                </a:solidFill>
+              </a:rPr>
+              <a:t>MAS O SEPULCRO VAZIO ESTÁ, PORQUE ELE VIVE!
+</a:t>
+            </a:r>
+            <a:r>
+              <a:rPr lang="en-US" sz="3500" dirty="0" smtClean="0">
+                <a:solidFill>
+                  <a:srgbClr val="363636"/>
+                </a:solidFill>
+              </a:rPr>
+              <a:t/>
+            </a:r>
+            <a:r>
+              <a:rPr lang="en-US" sz="3500" dirty="0" smtClean="0">
                 <a:solidFill>
                   <a:srgbClr val="363636"/>
                 </a:solidFill>
@@ -7944,7 +8135,7 @@
 </a:t>
             </a:r>
             <a:r>
-              <a:rPr lang="en-US" sz="2700" dirty="0" smtClean="0">
+              <a:rPr lang="en-US" sz="3500" dirty="0" smtClean="0">
                 <a:solidFill>
                   <a:srgbClr val="363636"/>
                 </a:solidFill>
@@ -8039,7 +8230,179 @@
               <a:buNone/>
             </a:pPr>
             <a:r>
-              <a:rPr lang="en-US" sz="2700" dirty="0" smtClean="0">
+              <a:rPr lang="en-US" sz="3400" dirty="0" smtClean="0">
+                <a:solidFill>
+                  <a:srgbClr val="363636"/>
+                </a:solidFill>
+              </a:rPr>
+              <a:t>PORQUE ELE VIVE, EU POSSO CRER NO AMANHÃ
+</a:t>
+            </a:r>
+            <a:r>
+              <a:rPr lang="en-US" sz="3400" dirty="0" smtClean="0">
+                <a:solidFill>
+                  <a:srgbClr val="363636"/>
+                </a:solidFill>
+              </a:rPr>
+              <a:t/>
+            </a:r>
+            <a:r>
+              <a:rPr lang="en-US" sz="3400" dirty="0" smtClean="0">
+                <a:solidFill>
+                  <a:srgbClr val="363636"/>
+                </a:solidFill>
+              </a:rPr>
+              <a:t>PORQUE ELE VIVE, TEMOR NÃO HÁ
+</a:t>
+            </a:r>
+            <a:r>
+              <a:rPr lang="en-US" sz="3400" dirty="0" smtClean="0">
+                <a:solidFill>
+                  <a:srgbClr val="363636"/>
+                </a:solidFill>
+              </a:rPr>
+              <a:t/>
+            </a:r>
+            <a:r>
+              <a:rPr lang="en-US" sz="3400" dirty="0" smtClean="0">
+                <a:solidFill>
+                  <a:srgbClr val="363636"/>
+                </a:solidFill>
+              </a:rPr>
+              <a:t>MAS EU BEM SEI QUE O MEU FUTURO
+</a:t>
+            </a:r>
+            <a:r>
+              <a:rPr lang="en-US" sz="3400" dirty="0" smtClean="0">
+                <a:solidFill>
+                  <a:srgbClr val="363636"/>
+                </a:solidFill>
+              </a:rPr>
+              <a:t/>
+            </a:r>
+            <a:r>
+              <a:rPr lang="en-US" sz="3400" dirty="0" smtClean="0">
+                <a:solidFill>
+                  <a:srgbClr val="363636"/>
+                </a:solidFill>
+              </a:rPr>
+              <a:t>ESTÁ NAS MÃOS DO MEU JESUS, QUE VIVO ESTÁ
+</a:t>
+            </a:r>
+            <a:r>
+              <a:rPr lang="en-US" sz="3400" dirty="0" smtClean="0">
+                <a:solidFill>
+                  <a:srgbClr val="363636"/>
+                </a:solidFill>
+              </a:rPr>
+              <a:t/>
+            </a:r>
+            <a:r>
+              <a:rPr lang="en-US" sz="3400" dirty="0" smtClean="0">
+                <a:solidFill>
+                  <a:srgbClr val="363636"/>
+                </a:solidFill>
+              </a:rPr>
+              <a:t>
+</a:t>
+            </a:r>
+            <a:r>
+              <a:rPr lang="en-US" sz="3400" dirty="0" smtClean="0">
+                <a:solidFill>
+                  <a:srgbClr val="363636"/>
+                </a:solidFill>
+              </a:rPr>
+              <a:t/>
+            </a:r>
+            <a:endParaRPr lang="en-US" dirty="0"/>
+          </a:p>
+        </p:txBody>
+      </p:sp>
+    </p:spTree>
+  </p:cSld>
+  <p:clrMapOvr>
+    <a:masterClrMapping/>
+  </p:clrMapOvr>
+</p:sld>
+</file>
+
+<file path=ppt/slides/slide34.xml><?xml version="1.0" encoding="utf-8"?>
+<p:sld xmlns:a="http://schemas.openxmlformats.org/drawingml/2006/main" xmlns:r="http://schemas.openxmlformats.org/officeDocument/2006/relationships" xmlns:p="http://schemas.openxmlformats.org/presentationml/2006/main">
+  <p:cSld name="Slide 34">
+    <p:spTree>
+      <p:nvGrpSpPr>
+        <p:cNvPr id="1" name=""/>
+        <p:cNvGrpSpPr/>
+        <p:nvPr/>
+      </p:nvGrpSpPr>
+      <p:grpSpPr>
+        <a:xfrm>
+          <a:off x="0" y="0"/>
+          <a:ext cx="0" cy="0"/>
+          <a:chOff x="0" y="0"/>
+          <a:chExt cx="0" cy="0"/>
+        </a:xfrm>
+      </p:grpSpPr>
+      <p:sp>
+        <p:nvSpPr>
+          <p:cNvPr id="2" name="Object 1"/>
+          <p:cNvSpPr/>
+          <p:nvPr/>
+        </p:nvSpPr>
+        <p:spPr>
+          <a:xfrm>
+            <a:off x="3657600" y="457200"/>
+            <a:ext cx="6858000" cy="274320"/>
+          </a:xfrm>
+          <a:prstGeom prst="rect">
+            <a:avLst/>
+          </a:prstGeom>
+          <a:noFill/>
+        </p:spPr>
+        <p:txBody>
+          <a:bodyPr wrap="square" rtlCol="0" anchor="ctr"/>
+          <a:lstStyle/>
+          <a:p>
+            <a:pPr>
+              <a:buNone/>
+            </a:pPr>
+            <a:r>
+              <a:rPr lang="en-US" sz="1800" dirty="0" smtClean="0">
+                <a:solidFill>
+                  <a:srgbClr val="363636"/>
+                </a:solidFill>
+              </a:rPr>
+              <a:t>PORQUE ELE VIVE</a:t>
+            </a:r>
+            <a:endParaRPr lang="en-US" dirty="0"/>
+          </a:p>
+        </p:txBody>
+      </p:sp>
+      <p:sp>
+        <p:nvSpPr>
+          <p:cNvPr id="3" name="Object 2"/>
+          <p:cNvSpPr/>
+          <p:nvPr/>
+        </p:nvSpPr>
+        <p:spPr>
+          <a:xfrm>
+            <a:off x="914400" y="2743200"/>
+            <a:ext cx="6858000" cy="274320"/>
+          </a:xfrm>
+          <a:prstGeom prst="rect">
+            <a:avLst/>
+          </a:prstGeom>
+          <a:noFill/>
+        </p:spPr>
+        <p:txBody>
+          <a:bodyPr wrap="square" rtlCol="0" anchor="ctr"/>
+          <a:lstStyle/>
+          <a:p>
+            <a:pPr>
+              <a:buNone/>
+            </a:pPr>
+            <a:r>
+              <a:rPr lang="en-US" sz="3500" dirty="0" smtClean="0">
                 <a:solidFill>
                   <a:srgbClr val="363636"/>
                 </a:solidFill>
@@ -8048,15 +8411,15 @@
 </a:t>
             </a:r>
             <a:r>
-              <a:rPr lang="en-US" sz="2700" dirty="0" smtClean="0">
-                <a:solidFill>
-                  <a:srgbClr val="363636"/>
-                </a:solidFill>
-              </a:rPr>
-              <a:t/>
-            </a:r>
-            <a:r>
-              <a:rPr lang="en-US" sz="2700" dirty="0" smtClean="0">
+              <a:rPr lang="en-US" sz="3500" dirty="0" smtClean="0">
+                <a:solidFill>
+                  <a:srgbClr val="363636"/>
+                </a:solidFill>
+              </a:rPr>
+              <a:t/>
+            </a:r>
+            <a:r>
+              <a:rPr lang="en-US" sz="3500" dirty="0" smtClean="0">
                 <a:solidFill>
                   <a:srgbClr val="363636"/>
                 </a:solidFill>
@@ -8065,15 +8428,15 @@
 </a:t>
             </a:r>
             <a:r>
-              <a:rPr lang="en-US" sz="2700" dirty="0" smtClean="0">
-                <a:solidFill>
-                  <a:srgbClr val="363636"/>
-                </a:solidFill>
-              </a:rPr>
-              <a:t/>
-            </a:r>
-            <a:r>
-              <a:rPr lang="en-US" sz="2700" dirty="0" smtClean="0">
+              <a:rPr lang="en-US" sz="3500" dirty="0" smtClean="0">
+                <a:solidFill>
+                  <a:srgbClr val="363636"/>
+                </a:solidFill>
+              </a:rPr>
+              <a:t/>
+            </a:r>
+            <a:r>
+              <a:rPr lang="en-US" sz="3500" dirty="0" smtClean="0">
                 <a:solidFill>
                   <a:srgbClr val="363636"/>
                 </a:solidFill>
@@ -8082,15 +8445,15 @@
 </a:t>
             </a:r>
             <a:r>
-              <a:rPr lang="en-US" sz="2700" dirty="0" smtClean="0">
-                <a:solidFill>
-                  <a:srgbClr val="363636"/>
-                </a:solidFill>
-              </a:rPr>
-              <a:t/>
-            </a:r>
-            <a:r>
-              <a:rPr lang="en-US" sz="2700" dirty="0" smtClean="0">
+              <a:rPr lang="en-US" sz="3500" dirty="0" smtClean="0">
+                <a:solidFill>
+                  <a:srgbClr val="363636"/>
+                </a:solidFill>
+              </a:rPr>
+              <a:t/>
+            </a:r>
+            <a:r>
+              <a:rPr lang="en-US" sz="3500" dirty="0" smtClean="0">
                 <a:solidFill>
                   <a:srgbClr val="363636"/>
                 </a:solidFill>
@@ -8099,15 +8462,15 @@
 </a:t>
             </a:r>
             <a:r>
-              <a:rPr lang="en-US" sz="2700" dirty="0" smtClean="0">
-                <a:solidFill>
-                  <a:srgbClr val="363636"/>
-                </a:solidFill>
-              </a:rPr>
-              <a:t/>
-            </a:r>
-            <a:r>
-              <a:rPr lang="en-US" sz="2700" dirty="0" smtClean="0">
+              <a:rPr lang="en-US" sz="3500" dirty="0" smtClean="0">
+                <a:solidFill>
+                  <a:srgbClr val="363636"/>
+                </a:solidFill>
+              </a:rPr>
+              <a:t/>
+            </a:r>
+            <a:r>
+              <a:rPr lang="en-US" sz="3500" dirty="0" smtClean="0">
                 <a:solidFill>
                   <a:srgbClr val="363636"/>
                 </a:solidFill>
@@ -8116,7 +8479,7 @@
 </a:t>
             </a:r>
             <a:r>
-              <a:rPr lang="en-US" sz="2700" dirty="0" smtClean="0">
+              <a:rPr lang="en-US" sz="3500" dirty="0" smtClean="0">
                 <a:solidFill>
                   <a:srgbClr val="363636"/>
                 </a:solidFill>
@@ -8211,41 +8574,41 @@
               <a:buNone/>
             </a:pPr>
             <a:r>
-              <a:rPr lang="en-US" sz="2900" dirty="0" smtClean="0">
-                <a:solidFill>
-                  <a:srgbClr val="363636"/>
-                </a:solidFill>
-              </a:rPr>
-              <a:t>2-SUA PALAVRA É DE PAZ, ALELU...IA!
-</a:t>
-            </a:r>
-            <a:r>
-              <a:rPr lang="en-US" sz="2900" dirty="0" smtClean="0">
-                <a:solidFill>
-                  <a:srgbClr val="363636"/>
-                </a:solidFill>
-              </a:rPr>
-              <a:t/>
-            </a:r>
-            <a:r>
-              <a:rPr lang="en-US" sz="2900" dirty="0" smtClean="0">
-                <a:solidFill>
-                  <a:srgbClr val="363636"/>
-                </a:solidFill>
-              </a:rPr>
-              <a:t>VEM A TODOS CONFORTAR, ALELU...U...IA!
-</a:t>
-            </a:r>
-            <a:r>
-              <a:rPr lang="en-US" sz="2900" dirty="0" smtClean="0">
-                <a:solidFill>
-                  <a:srgbClr val="363636"/>
-                </a:solidFill>
-              </a:rPr>
-              <a:t/>
-            </a:r>
-            <a:r>
-              <a:rPr lang="en-US" sz="2900" dirty="0" smtClean="0">
+              <a:rPr lang="en-US" sz="3800" dirty="0" smtClean="0">
+                <a:solidFill>
+                  <a:srgbClr val="363636"/>
+                </a:solidFill>
+              </a:rPr>
+              <a:t>1-O CAMINHO QUE ELE TRAÇOU, ALELU...IA!
+</a:t>
+            </a:r>
+            <a:r>
+              <a:rPr lang="en-US" sz="3800" dirty="0" smtClean="0">
+                <a:solidFill>
+                  <a:srgbClr val="363636"/>
+                </a:solidFill>
+              </a:rPr>
+              <a:t/>
+            </a:r>
+            <a:r>
+              <a:rPr lang="en-US" sz="3800" dirty="0" smtClean="0">
+                <a:solidFill>
+                  <a:srgbClr val="363636"/>
+                </a:solidFill>
+              </a:rPr>
+              <a:t>NOS CONVIDA A CAMINHAR, ALELU...U...IA!
+</a:t>
+            </a:r>
+            <a:r>
+              <a:rPr lang="en-US" sz="3800" dirty="0" smtClean="0">
+                <a:solidFill>
+                  <a:srgbClr val="363636"/>
+                </a:solidFill>
+              </a:rPr>
+              <a:t/>
+            </a:r>
+            <a:r>
+              <a:rPr lang="en-US" sz="3800" dirty="0" smtClean="0">
                 <a:solidFill>
                   <a:srgbClr val="363636"/>
                 </a:solidFill>
@@ -8254,7 +8617,7 @@
 </a:t>
             </a:r>
             <a:r>
-              <a:rPr lang="en-US" sz="2900" dirty="0" smtClean="0">
+              <a:rPr lang="en-US" sz="3800" dirty="0" smtClean="0">
                 <a:solidFill>
                   <a:srgbClr val="363636"/>
                 </a:solidFill>
@@ -8349,41 +8712,41 @@
               <a:buNone/>
             </a:pPr>
             <a:r>
-              <a:rPr lang="en-US" sz="2900" dirty="0" smtClean="0">
-                <a:solidFill>
-                  <a:srgbClr val="363636"/>
-                </a:solidFill>
-              </a:rPr>
-              <a:t>3-SUA VOZ ME ACALMOU, ALELU...IA!
-</a:t>
-            </a:r>
-            <a:r>
-              <a:rPr lang="en-US" sz="2900" dirty="0" smtClean="0">
-                <a:solidFill>
-                  <a:srgbClr val="363636"/>
-                </a:solidFill>
-              </a:rPr>
-              <a:t/>
-            </a:r>
-            <a:r>
-              <a:rPr lang="en-US" sz="2900" dirty="0" smtClean="0">
-                <a:solidFill>
-                  <a:srgbClr val="363636"/>
-                </a:solidFill>
-              </a:rPr>
-              <a:t>DA INCERTEZA ME LIVROU, ALELU...U...IA!
-</a:t>
-            </a:r>
-            <a:r>
-              <a:rPr lang="en-US" sz="2900" dirty="0" smtClean="0">
-                <a:solidFill>
-                  <a:srgbClr val="363636"/>
-                </a:solidFill>
-              </a:rPr>
-              <a:t/>
-            </a:r>
-            <a:r>
-              <a:rPr lang="en-US" sz="2900" dirty="0" smtClean="0">
+              <a:rPr lang="en-US" sz="3800" dirty="0" smtClean="0">
+                <a:solidFill>
+                  <a:srgbClr val="363636"/>
+                </a:solidFill>
+              </a:rPr>
+              <a:t>2-SUA PALAVRA É DE PAZ, ALELU...IA!
+</a:t>
+            </a:r>
+            <a:r>
+              <a:rPr lang="en-US" sz="3800" dirty="0" smtClean="0">
+                <a:solidFill>
+                  <a:srgbClr val="363636"/>
+                </a:solidFill>
+              </a:rPr>
+              <a:t/>
+            </a:r>
+            <a:r>
+              <a:rPr lang="en-US" sz="3800" dirty="0" smtClean="0">
+                <a:solidFill>
+                  <a:srgbClr val="363636"/>
+                </a:solidFill>
+              </a:rPr>
+              <a:t>VEM A TODOS CONFORTAR, ALELU...U...IA!
+</a:t>
+            </a:r>
+            <a:r>
+              <a:rPr lang="en-US" sz="3800" dirty="0" smtClean="0">
+                <a:solidFill>
+                  <a:srgbClr val="363636"/>
+                </a:solidFill>
+              </a:rPr>
+              <a:t/>
+            </a:r>
+            <a:r>
+              <a:rPr lang="en-US" sz="3800" dirty="0" smtClean="0">
                 <a:solidFill>
                   <a:srgbClr val="363636"/>
                 </a:solidFill>
@@ -8392,7 +8755,7 @@
 </a:t>
             </a:r>
             <a:r>
-              <a:rPr lang="en-US" sz="2900" dirty="0" smtClean="0">
+              <a:rPr lang="en-US" sz="3800" dirty="0" smtClean="0">
                 <a:solidFill>
                   <a:srgbClr val="363636"/>
                 </a:solidFill>
@@ -8487,41 +8850,41 @@
               <a:buNone/>
             </a:pPr>
             <a:r>
-              <a:rPr lang="en-US" sz="2900" dirty="0" smtClean="0">
-                <a:solidFill>
-                  <a:srgbClr val="363636"/>
-                </a:solidFill>
-              </a:rPr>
-              <a:t>4-O SENHOR NOS VISITOU, ALELU...IA!
-</a:t>
-            </a:r>
-            <a:r>
-              <a:rPr lang="en-US" sz="2900" dirty="0" smtClean="0">
-                <a:solidFill>
-                  <a:srgbClr val="363636"/>
-                </a:solidFill>
-              </a:rPr>
-              <a:t/>
-            </a:r>
-            <a:r>
-              <a:rPr lang="en-US" sz="2900" dirty="0" smtClean="0">
-                <a:solidFill>
-                  <a:srgbClr val="363636"/>
-                </a:solidFill>
-              </a:rPr>
-              <a:t>NOSSA CASA ILUMINOU, ALELU...U...IA!
-</a:t>
-            </a:r>
-            <a:r>
-              <a:rPr lang="en-US" sz="2900" dirty="0" smtClean="0">
-                <a:solidFill>
-                  <a:srgbClr val="363636"/>
-                </a:solidFill>
-              </a:rPr>
-              <a:t/>
-            </a:r>
-            <a:r>
-              <a:rPr lang="en-US" sz="2900" dirty="0" smtClean="0">
+              <a:rPr lang="en-US" sz="3800" dirty="0" smtClean="0">
+                <a:solidFill>
+                  <a:srgbClr val="363636"/>
+                </a:solidFill>
+              </a:rPr>
+              <a:t>3-SUA VOZ ME ACALMOU, ALELU...IA!
+</a:t>
+            </a:r>
+            <a:r>
+              <a:rPr lang="en-US" sz="3800" dirty="0" smtClean="0">
+                <a:solidFill>
+                  <a:srgbClr val="363636"/>
+                </a:solidFill>
+              </a:rPr>
+              <a:t/>
+            </a:r>
+            <a:r>
+              <a:rPr lang="en-US" sz="3800" dirty="0" smtClean="0">
+                <a:solidFill>
+                  <a:srgbClr val="363636"/>
+                </a:solidFill>
+              </a:rPr>
+              <a:t>DA INCERTEZA ME LIVROU, ALELU...U...IA!
+</a:t>
+            </a:r>
+            <a:r>
+              <a:rPr lang="en-US" sz="3800" dirty="0" smtClean="0">
+                <a:solidFill>
+                  <a:srgbClr val="363636"/>
+                </a:solidFill>
+              </a:rPr>
+              <a:t/>
+            </a:r>
+            <a:r>
+              <a:rPr lang="en-US" sz="3800" dirty="0" smtClean="0">
                 <a:solidFill>
                   <a:srgbClr val="363636"/>
                 </a:solidFill>
@@ -8530,7 +8893,7 @@
 </a:t>
             </a:r>
             <a:r>
-              <a:rPr lang="en-US" sz="2900" dirty="0" smtClean="0">
+              <a:rPr lang="en-US" sz="3800" dirty="0" smtClean="0">
                 <a:solidFill>
                   <a:srgbClr val="363636"/>
                 </a:solidFill>
@@ -8625,41 +8988,41 @@
               <a:buNone/>
             </a:pPr>
             <a:r>
-              <a:rPr lang="en-US" sz="2900" dirty="0" smtClean="0">
-                <a:solidFill>
-                  <a:srgbClr val="363636"/>
-                </a:solidFill>
-              </a:rPr>
-              <a:t>5-AS TORMENTAS SOBRE O MAR, ALELU...IA!
-</a:t>
-            </a:r>
-            <a:r>
-              <a:rPr lang="en-US" sz="2900" dirty="0" smtClean="0">
-                <a:solidFill>
-                  <a:srgbClr val="363636"/>
-                </a:solidFill>
-              </a:rPr>
-              <a:t/>
-            </a:r>
-            <a:r>
-              <a:rPr lang="en-US" sz="2900" dirty="0" smtClean="0">
-                <a:solidFill>
-                  <a:srgbClr val="363636"/>
-                </a:solidFill>
-              </a:rPr>
-              <a:t>VAMOS COM ELE PASSAR. ALELU...U...IA!
-</a:t>
-            </a:r>
-            <a:r>
-              <a:rPr lang="en-US" sz="2900" dirty="0" smtClean="0">
-                <a:solidFill>
-                  <a:srgbClr val="363636"/>
-                </a:solidFill>
-              </a:rPr>
-              <a:t/>
-            </a:r>
-            <a:r>
-              <a:rPr lang="en-US" sz="2900" dirty="0" smtClean="0">
+              <a:rPr lang="en-US" sz="3800" dirty="0" smtClean="0">
+                <a:solidFill>
+                  <a:srgbClr val="363636"/>
+                </a:solidFill>
+              </a:rPr>
+              <a:t>4-O SENHOR NOS VISITOU, ALELU...IA!
+</a:t>
+            </a:r>
+            <a:r>
+              <a:rPr lang="en-US" sz="3800" dirty="0" smtClean="0">
+                <a:solidFill>
+                  <a:srgbClr val="363636"/>
+                </a:solidFill>
+              </a:rPr>
+              <a:t/>
+            </a:r>
+            <a:r>
+              <a:rPr lang="en-US" sz="3800" dirty="0" smtClean="0">
+                <a:solidFill>
+                  <a:srgbClr val="363636"/>
+                </a:solidFill>
+              </a:rPr>
+              <a:t>NOSSA CASA ILUMINOU, ALELU...U...IA!
+</a:t>
+            </a:r>
+            <a:r>
+              <a:rPr lang="en-US" sz="3800" dirty="0" smtClean="0">
+                <a:solidFill>
+                  <a:srgbClr val="363636"/>
+                </a:solidFill>
+              </a:rPr>
+              <a:t/>
+            </a:r>
+            <a:r>
+              <a:rPr lang="en-US" sz="3800" dirty="0" smtClean="0">
                 <a:solidFill>
                   <a:srgbClr val="363636"/>
                 </a:solidFill>
@@ -8668,7 +9031,7 @@
 </a:t>
             </a:r>
             <a:r>
-              <a:rPr lang="en-US" sz="2900" dirty="0" smtClean="0">
+              <a:rPr lang="en-US" sz="3800" dirty="0" smtClean="0">
                 <a:solidFill>
                   <a:srgbClr val="363636"/>
                 </a:solidFill>
@@ -8733,7 +9096,7 @@
                   <a:srgbClr val="363636"/>
                 </a:solidFill>
               </a:rPr>
-              <a:t>“PERDÃO”</a:t>
+              <a:t>O SENHOR RESSUSCITOU</a:t>
             </a:r>
             <a:endParaRPr lang="en-US" dirty="0"/>
           </a:p>
@@ -8763,109 +9126,41 @@
               <a:buNone/>
             </a:pPr>
             <a:r>
-              <a:rPr lang="en-US" sz="2100" dirty="0" smtClean="0">
-                <a:solidFill>
-                  <a:srgbClr val="363636"/>
-                </a:solidFill>
-              </a:rPr>
-              <a:t>Senhor,tende piedade de nós!Senhor, tende piedade de nós!
-</a:t>
-            </a:r>
-            <a:r>
-              <a:rPr lang="en-US" sz="2100" dirty="0" smtClean="0">
-                <a:solidFill>
-                  <a:srgbClr val="363636"/>
-                </a:solidFill>
-              </a:rPr>
-              <a:t/>
-            </a:r>
-            <a:r>
-              <a:rPr lang="en-US" sz="2100" dirty="0" smtClean="0">
-                <a:solidFill>
-                  <a:srgbClr val="363636"/>
-                </a:solidFill>
-              </a:rPr>
-              <a:t>Tende piedade,Tende piedade;Senhor tende piedade de nós!
-</a:t>
-            </a:r>
-            <a:r>
-              <a:rPr lang="en-US" sz="2100" dirty="0" smtClean="0">
-                <a:solidFill>
-                  <a:srgbClr val="363636"/>
-                </a:solidFill>
-              </a:rPr>
-              <a:t/>
-            </a:r>
-            <a:r>
-              <a:rPr lang="en-US" sz="2100" dirty="0" smtClean="0">
-                <a:solidFill>
-                  <a:srgbClr val="363636"/>
-                </a:solidFill>
-              </a:rPr>
-              <a:t>Cristo tende piedade de nós!Cristo tende piedade de nós!
-</a:t>
-            </a:r>
-            <a:r>
-              <a:rPr lang="en-US" sz="2100" dirty="0" smtClean="0">
-                <a:solidFill>
-                  <a:srgbClr val="363636"/>
-                </a:solidFill>
-              </a:rPr>
-              <a:t/>
-            </a:r>
-            <a:r>
-              <a:rPr lang="en-US" sz="2100" dirty="0" smtClean="0">
-                <a:solidFill>
-                  <a:srgbClr val="363636"/>
-                </a:solidFill>
-              </a:rPr>
-              <a:t>Piedade,...Piedade,...Piedade de nós.
-</a:t>
-            </a:r>
-            <a:r>
-              <a:rPr lang="en-US" sz="2100" dirty="0" smtClean="0">
-                <a:solidFill>
-                  <a:srgbClr val="363636"/>
-                </a:solidFill>
-              </a:rPr>
-              <a:t/>
-            </a:r>
-            <a:r>
-              <a:rPr lang="en-US" sz="2100" dirty="0" smtClean="0">
-                <a:solidFill>
-                  <a:srgbClr val="363636"/>
-                </a:solidFill>
-              </a:rPr>
-              <a:t>Senhor tende piedade de nós!Senhor, tende piedade de nós!
-</a:t>
-            </a:r>
-            <a:r>
-              <a:rPr lang="en-US" sz="2100" dirty="0" smtClean="0">
-                <a:solidFill>
-                  <a:srgbClr val="363636"/>
-                </a:solidFill>
-              </a:rPr>
-              <a:t/>
-            </a:r>
-            <a:r>
-              <a:rPr lang="en-US" sz="2100" dirty="0" smtClean="0">
-                <a:solidFill>
-                  <a:srgbClr val="363636"/>
-                </a:solidFill>
-              </a:rPr>
-              <a:t>Tende piedade,tende piedade.Senhor , tende piedade de nós!
-</a:t>
-            </a:r>
-            <a:r>
-              <a:rPr lang="en-US" sz="2100" dirty="0" smtClean="0">
-                <a:solidFill>
-                  <a:srgbClr val="363636"/>
-                </a:solidFill>
-              </a:rPr>
-              <a:t/>
-            </a:r>
-            <a:r>
-              <a:rPr lang="en-US" sz="2100" dirty="0" smtClean="0">
+              <a:rPr lang="en-US" sz="3800" dirty="0" smtClean="0">
+                <a:solidFill>
+                  <a:srgbClr val="363636"/>
+                </a:solidFill>
+              </a:rPr>
+              <a:t>5-AS TORMENTAS SOBRE O MAR, ALELU...IA!
+</a:t>
+            </a:r>
+            <a:r>
+              <a:rPr lang="en-US" sz="3800" dirty="0" smtClean="0">
+                <a:solidFill>
+                  <a:srgbClr val="363636"/>
+                </a:solidFill>
+              </a:rPr>
+              <a:t/>
+            </a:r>
+            <a:r>
+              <a:rPr lang="en-US" sz="3800" dirty="0" smtClean="0">
+                <a:solidFill>
+                  <a:srgbClr val="363636"/>
+                </a:solidFill>
+              </a:rPr>
+              <a:t>VAMOS COM ELE PASSAR. ALELU...U...IA!
+</a:t>
+            </a:r>
+            <a:r>
+              <a:rPr lang="en-US" sz="3800" dirty="0" smtClean="0">
+                <a:solidFill>
+                  <a:srgbClr val="363636"/>
+                </a:solidFill>
+              </a:rPr>
+              <a:t/>
+            </a:r>
+            <a:r>
+              <a:rPr lang="en-US" sz="3800" dirty="0" smtClean="0">
                 <a:solidFill>
                   <a:srgbClr val="363636"/>
                 </a:solidFill>
@@ -8874,7 +9169,7 @@
 </a:t>
             </a:r>
             <a:r>
-              <a:rPr lang="en-US" sz="2100" dirty="0" smtClean="0">
+              <a:rPr lang="en-US" sz="3800" dirty="0" smtClean="0">
                 <a:solidFill>
                   <a:srgbClr val="363636"/>
                 </a:solidFill>
@@ -8939,7 +9234,7 @@
                   <a:srgbClr val="363636"/>
                 </a:solidFill>
               </a:rPr>
-              <a:t>“GLÓRIA”</a:t>
+              <a:t>“PERDÃO”</a:t>
             </a:r>
             <a:endParaRPr lang="en-US" dirty="0"/>
           </a:p>
@@ -8969,143 +9264,109 @@
               <a:buNone/>
             </a:pPr>
             <a:r>
-              <a:rPr lang="en-US" sz="2200" dirty="0" smtClean="0">
-                <a:solidFill>
-                  <a:srgbClr val="363636"/>
-                </a:solidFill>
-              </a:rPr>
-              <a:t>Glória a Deus nas alturas!
-</a:t>
-            </a:r>
-            <a:r>
-              <a:rPr lang="en-US" sz="2200" dirty="0" smtClean="0">
-                <a:solidFill>
-                  <a:srgbClr val="363636"/>
-                </a:solidFill>
-              </a:rPr>
-              <a:t/>
-            </a:r>
-            <a:r>
-              <a:rPr lang="en-US" sz="2200" dirty="0" smtClean="0">
-                <a:solidFill>
-                  <a:srgbClr val="363636"/>
-                </a:solidFill>
-              </a:rPr>
-              <a:t>Glória a Deus nas alturas!
-</a:t>
-            </a:r>
-            <a:r>
-              <a:rPr lang="en-US" sz="2200" dirty="0" smtClean="0">
-                <a:solidFill>
-                  <a:srgbClr val="363636"/>
-                </a:solidFill>
-              </a:rPr>
-              <a:t/>
-            </a:r>
-            <a:r>
-              <a:rPr lang="en-US" sz="2200" dirty="0" smtClean="0">
-                <a:solidFill>
-                  <a:srgbClr val="363636"/>
-                </a:solidFill>
-              </a:rPr>
-              <a:t>Glória a Deus nas alturas e paz na terra aos
-</a:t>
-            </a:r>
-            <a:r>
-              <a:rPr lang="en-US" sz="2200" dirty="0" smtClean="0">
-                <a:solidFill>
-                  <a:srgbClr val="363636"/>
-                </a:solidFill>
-              </a:rPr>
-              <a:t/>
-            </a:r>
-            <a:r>
-              <a:rPr lang="en-US" sz="2200" dirty="0" smtClean="0">
-                <a:solidFill>
-                  <a:srgbClr val="363636"/>
-                </a:solidFill>
-              </a:rPr>
-              <a:t>homens por ele amados.
-</a:t>
-            </a:r>
-            <a:r>
-              <a:rPr lang="en-US" sz="2200" dirty="0" smtClean="0">
-                <a:solidFill>
-                  <a:srgbClr val="363636"/>
-                </a:solidFill>
-              </a:rPr>
-              <a:t/>
-            </a:r>
-            <a:r>
-              <a:rPr lang="en-US" sz="2200" dirty="0" smtClean="0">
-                <a:solidFill>
-                  <a:srgbClr val="363636"/>
-                </a:solidFill>
-              </a:rPr>
-              <a:t>*Senhor Deus Rei dos céus,Deus pai todo poderoso
-</a:t>
-            </a:r>
-            <a:r>
-              <a:rPr lang="en-US" sz="2200" dirty="0" smtClean="0">
-                <a:solidFill>
-                  <a:srgbClr val="363636"/>
-                </a:solidFill>
-              </a:rPr>
-              <a:t/>
-            </a:r>
-            <a:r>
-              <a:rPr lang="en-US" sz="2200" dirty="0" smtClean="0">
-                <a:solidFill>
-                  <a:srgbClr val="363636"/>
-                </a:solidFill>
-              </a:rPr>
-              <a:t>Nós vos louvamos nós, vos bendizemos,nós vos
-</a:t>
-            </a:r>
-            <a:r>
-              <a:rPr lang="en-US" sz="2200" dirty="0" smtClean="0">
-                <a:solidFill>
-                  <a:srgbClr val="363636"/>
-                </a:solidFill>
-              </a:rPr>
-              <a:t/>
-            </a:r>
-            <a:r>
-              <a:rPr lang="en-US" sz="2200" dirty="0" smtClean="0">
-                <a:solidFill>
-                  <a:srgbClr val="363636"/>
-                </a:solidFill>
-              </a:rPr>
-              <a:t>adoramos,nós vos  glorificamos,nós vos damos
-</a:t>
-            </a:r>
-            <a:r>
-              <a:rPr lang="en-US" sz="2200" dirty="0" smtClean="0">
-                <a:solidFill>
-                  <a:srgbClr val="363636"/>
-                </a:solidFill>
-              </a:rPr>
-              <a:t/>
-            </a:r>
-            <a:r>
-              <a:rPr lang="en-US" sz="2200" dirty="0" smtClean="0">
-                <a:solidFill>
-                  <a:srgbClr val="363636"/>
-                </a:solidFill>
-              </a:rPr>
-              <a:t>graças por vossa imensa glória.
-</a:t>
-            </a:r>
-            <a:r>
-              <a:rPr lang="en-US" sz="2200" dirty="0" smtClean="0">
-                <a:solidFill>
-                  <a:srgbClr val="363636"/>
-                </a:solidFill>
-              </a:rPr>
-              <a:t/>
-            </a:r>
-            <a:r>
-              <a:rPr lang="en-US" sz="2200" dirty="0" smtClean="0">
+              <a:rPr lang="en-US" sz="2300" dirty="0" smtClean="0">
+                <a:solidFill>
+                  <a:srgbClr val="363636"/>
+                </a:solidFill>
+              </a:rPr>
+              <a:t>Senhor,tende piedade de nós!Senhor, tende piedade de nós!
+</a:t>
+            </a:r>
+            <a:r>
+              <a:rPr lang="en-US" sz="2300" dirty="0" smtClean="0">
+                <a:solidFill>
+                  <a:srgbClr val="363636"/>
+                </a:solidFill>
+              </a:rPr>
+              <a:t/>
+            </a:r>
+            <a:r>
+              <a:rPr lang="en-US" sz="2300" dirty="0" smtClean="0">
+                <a:solidFill>
+                  <a:srgbClr val="363636"/>
+                </a:solidFill>
+              </a:rPr>
+              <a:t>Tende piedade,Tende piedade;Senhor tende piedade de nós!
+</a:t>
+            </a:r>
+            <a:r>
+              <a:rPr lang="en-US" sz="2300" dirty="0" smtClean="0">
+                <a:solidFill>
+                  <a:srgbClr val="363636"/>
+                </a:solidFill>
+              </a:rPr>
+              <a:t/>
+            </a:r>
+            <a:r>
+              <a:rPr lang="en-US" sz="2300" dirty="0" smtClean="0">
+                <a:solidFill>
+                  <a:srgbClr val="363636"/>
+                </a:solidFill>
+              </a:rPr>
+              <a:t>Cristo tende piedade de nós!Cristo tende piedade de nós!
+</a:t>
+            </a:r>
+            <a:r>
+              <a:rPr lang="en-US" sz="2300" dirty="0" smtClean="0">
+                <a:solidFill>
+                  <a:srgbClr val="363636"/>
+                </a:solidFill>
+              </a:rPr>
+              <a:t/>
+            </a:r>
+            <a:r>
+              <a:rPr lang="en-US" sz="2300" dirty="0" smtClean="0">
+                <a:solidFill>
+                  <a:srgbClr val="363636"/>
+                </a:solidFill>
+              </a:rPr>
+              <a:t>Piedade,...Piedade,...Piedade de nós.
+</a:t>
+            </a:r>
+            <a:r>
+              <a:rPr lang="en-US" sz="2300" dirty="0" smtClean="0">
+                <a:solidFill>
+                  <a:srgbClr val="363636"/>
+                </a:solidFill>
+              </a:rPr>
+              <a:t/>
+            </a:r>
+            <a:r>
+              <a:rPr lang="en-US" sz="2300" dirty="0" smtClean="0">
+                <a:solidFill>
+                  <a:srgbClr val="363636"/>
+                </a:solidFill>
+              </a:rPr>
+              <a:t>Senhor tende piedade de nós!Senhor, tende piedade de nós!
+</a:t>
+            </a:r>
+            <a:r>
+              <a:rPr lang="en-US" sz="2300" dirty="0" smtClean="0">
+                <a:solidFill>
+                  <a:srgbClr val="363636"/>
+                </a:solidFill>
+              </a:rPr>
+              <a:t/>
+            </a:r>
+            <a:r>
+              <a:rPr lang="en-US" sz="2300" dirty="0" smtClean="0">
+                <a:solidFill>
+                  <a:srgbClr val="363636"/>
+                </a:solidFill>
+              </a:rPr>
+              <a:t>Tende piedade,tende piedade.Senhor , tende piedade de nós!
+</a:t>
+            </a:r>
+            <a:r>
+              <a:rPr lang="en-US" sz="2300" dirty="0" smtClean="0">
+                <a:solidFill>
+                  <a:srgbClr val="363636"/>
+                </a:solidFill>
+              </a:rPr>
+              <a:t/>
+            </a:r>
+            <a:r>
+              <a:rPr lang="en-US" sz="2300" dirty="0" smtClean="0">
                 <a:solidFill>
                   <a:srgbClr val="363636"/>
                 </a:solidFill>
@@ -9114,7 +9375,7 @@
 </a:t>
             </a:r>
             <a:r>
-              <a:rPr lang="en-US" sz="2200" dirty="0" smtClean="0">
+              <a:rPr lang="en-US" sz="2300" dirty="0" smtClean="0">
                 <a:solidFill>
                   <a:srgbClr val="363636"/>
                 </a:solidFill>

--- a/slide-result/slide.pptx
+++ b/slide-result/slide.pptx
@@ -39,9 +39,23 @@
     <p:sldId id="287" r:id="rId33"/>
     <p:sldId id="288" r:id="rId34"/>
     <p:sldId id="289" r:id="rId35"/>
+    <p:sldId id="290" r:id="rId36"/>
+    <p:sldId id="291" r:id="rId37"/>
+    <p:sldId id="292" r:id="rId38"/>
+    <p:sldId id="293" r:id="rId39"/>
+    <p:sldId id="294" r:id="rId40"/>
+    <p:sldId id="295" r:id="rId41"/>
+    <p:sldId id="296" r:id="rId42"/>
+    <p:sldId id="297" r:id="rId43"/>
+    <p:sldId id="298" r:id="rId44"/>
+    <p:sldId id="299" r:id="rId45"/>
+    <p:sldId id="300" r:id="rId46"/>
+    <p:sldId id="301" r:id="rId47"/>
+    <p:sldId id="302" r:id="rId48"/>
+    <p:sldId id="303" r:id="rId49"/>
   </p:sldIdLst>
   <p:notesMasterIdLst>
-    <p:notesMasterId r:id="rId40"/>
+    <p:notesMasterId r:id="rId54"/>
   </p:notesMasterIdLst>
   <p:sldSz cx="9144000" cy="5143500" type="screen16x9"/>
   <p:notesSz cx="5143500" cy="9144000"/>
@@ -2954,6 +2968,446 @@
 </p:notes>
 </file>
 
+<file path=ppt/notesSlides/notesSlide35.xml><?xml version="1.0" encoding="utf-8"?>
+<p:notes xmlns:a="http://schemas.openxmlformats.org/drawingml/2006/main" xmlns:r="http://schemas.openxmlformats.org/officeDocument/2006/relationships" xmlns:p="http://schemas.openxmlformats.org/presentationml/2006/main">
+  <p:cSld>
+    <p:spTree>
+      <p:nvGrpSpPr>
+        <p:cNvPr id="1" name=""/>
+        <p:cNvGrpSpPr/>
+        <p:nvPr/>
+      </p:nvGrpSpPr>
+      <p:grpSpPr>
+        <a:xfrm>
+          <a:off x="0" y="0"/>
+          <a:ext cx="0" cy="0"/>
+          <a:chOff x="0" y="0"/>
+          <a:chExt cx="0" cy="0"/>
+        </a:xfrm>
+      </p:grpSpPr>
+      <p:sp>
+        <p:nvSpPr>
+          <p:cNvPr id="2" name="Slide Image Placeholder 1"/>
+          <p:cNvSpPr>
+            <a:spLocks noGrp="1" noRot="1" noChangeAspect="1"/>
+          </p:cNvSpPr>
+          <p:nvPr>
+            <p:ph type="sldImg"/>
+          </p:nvPr>
+        </p:nvSpPr>
+        <p:spPr/>
+      </p:sp>
+      <p:sp>
+        <p:nvSpPr>
+          <p:cNvPr id="3" name="Notes Placeholder 2"/>
+          <p:cNvSpPr>
+            <a:spLocks noGrp="1"/>
+          </p:cNvSpPr>
+          <p:nvPr>
+            <p:ph type="body" idx="1"/>
+          </p:nvPr>
+        </p:nvSpPr>
+        <p:spPr/>
+        <p:txBody>
+          <a:bodyPr/>
+          <a:lstStyle/>
+          <a:p>
+            <a:r>
+              <a:rPr lang="en-US" dirty="0" smtClean="0"/>
+              <a:t/>
+            </a:r>
+            <a:endParaRPr lang="en-US" dirty="0"/>
+          </a:p>
+        </p:txBody>
+      </p:sp>
+      <p:sp>
+        <p:nvSpPr>
+          <p:cNvPr id="4" name="Slide Number Placeholder 3"/>
+          <p:cNvSpPr>
+            <a:spLocks noGrp="1"/>
+          </p:cNvSpPr>
+          <p:nvPr>
+            <p:ph type="sldNum" sz="quarter" idx="10"/>
+          </p:nvPr>
+        </p:nvSpPr>
+        <p:spPr/>
+        <p:txBody>
+          <a:bodyPr/>
+          <a:lstStyle/>
+          <a:p>
+            <a:fld id="{F7021451-1387-4CA6-816F-3879F97B5CBC}" type="slidenum">
+              <a:rPr lang="en-US" smtClean="0"/>
+              <a:t>35</a:t>
+            </a:fld>
+            <a:endParaRPr lang="en-US"/>
+          </a:p>
+        </p:txBody>
+      </p:sp>
+    </p:spTree>
+    <p:extLst>
+      <p:ext uri="{BB962C8B-B14F-4D97-AF65-F5344CB8AC3E}">
+        <p14:creationId xmlns:p14="http://schemas.microsoft.com/office/powerpoint/2010/main" val="1024086991"/>
+      </p:ext>
+    </p:extLst>
+  </p:cSld>
+  <p:clrMapOvr>
+    <a:masterClrMapping/>
+  </p:clrMapOvr>
+</p:notes>
+</file>
+
+<file path=ppt/notesSlides/notesSlide36.xml><?xml version="1.0" encoding="utf-8"?>
+<p:notes xmlns:a="http://schemas.openxmlformats.org/drawingml/2006/main" xmlns:r="http://schemas.openxmlformats.org/officeDocument/2006/relationships" xmlns:p="http://schemas.openxmlformats.org/presentationml/2006/main">
+  <p:cSld>
+    <p:spTree>
+      <p:nvGrpSpPr>
+        <p:cNvPr id="1" name=""/>
+        <p:cNvGrpSpPr/>
+        <p:nvPr/>
+      </p:nvGrpSpPr>
+      <p:grpSpPr>
+        <a:xfrm>
+          <a:off x="0" y="0"/>
+          <a:ext cx="0" cy="0"/>
+          <a:chOff x="0" y="0"/>
+          <a:chExt cx="0" cy="0"/>
+        </a:xfrm>
+      </p:grpSpPr>
+      <p:sp>
+        <p:nvSpPr>
+          <p:cNvPr id="2" name="Slide Image Placeholder 1"/>
+          <p:cNvSpPr>
+            <a:spLocks noGrp="1" noRot="1" noChangeAspect="1"/>
+          </p:cNvSpPr>
+          <p:nvPr>
+            <p:ph type="sldImg"/>
+          </p:nvPr>
+        </p:nvSpPr>
+        <p:spPr/>
+      </p:sp>
+      <p:sp>
+        <p:nvSpPr>
+          <p:cNvPr id="3" name="Notes Placeholder 2"/>
+          <p:cNvSpPr>
+            <a:spLocks noGrp="1"/>
+          </p:cNvSpPr>
+          <p:nvPr>
+            <p:ph type="body" idx="1"/>
+          </p:nvPr>
+        </p:nvSpPr>
+        <p:spPr/>
+        <p:txBody>
+          <a:bodyPr/>
+          <a:lstStyle/>
+          <a:p>
+            <a:r>
+              <a:rPr lang="en-US" dirty="0" smtClean="0"/>
+              <a:t/>
+            </a:r>
+            <a:endParaRPr lang="en-US" dirty="0"/>
+          </a:p>
+        </p:txBody>
+      </p:sp>
+      <p:sp>
+        <p:nvSpPr>
+          <p:cNvPr id="4" name="Slide Number Placeholder 3"/>
+          <p:cNvSpPr>
+            <a:spLocks noGrp="1"/>
+          </p:cNvSpPr>
+          <p:nvPr>
+            <p:ph type="sldNum" sz="quarter" idx="10"/>
+          </p:nvPr>
+        </p:nvSpPr>
+        <p:spPr/>
+        <p:txBody>
+          <a:bodyPr/>
+          <a:lstStyle/>
+          <a:p>
+            <a:fld id="{F7021451-1387-4CA6-816F-3879F97B5CBC}" type="slidenum">
+              <a:rPr lang="en-US" smtClean="0"/>
+              <a:t>36</a:t>
+            </a:fld>
+            <a:endParaRPr lang="en-US"/>
+          </a:p>
+        </p:txBody>
+      </p:sp>
+    </p:spTree>
+    <p:extLst>
+      <p:ext uri="{BB962C8B-B14F-4D97-AF65-F5344CB8AC3E}">
+        <p14:creationId xmlns:p14="http://schemas.microsoft.com/office/powerpoint/2010/main" val="1024086991"/>
+      </p:ext>
+    </p:extLst>
+  </p:cSld>
+  <p:clrMapOvr>
+    <a:masterClrMapping/>
+  </p:clrMapOvr>
+</p:notes>
+</file>
+
+<file path=ppt/notesSlides/notesSlide37.xml><?xml version="1.0" encoding="utf-8"?>
+<p:notes xmlns:a="http://schemas.openxmlformats.org/drawingml/2006/main" xmlns:r="http://schemas.openxmlformats.org/officeDocument/2006/relationships" xmlns:p="http://schemas.openxmlformats.org/presentationml/2006/main">
+  <p:cSld>
+    <p:spTree>
+      <p:nvGrpSpPr>
+        <p:cNvPr id="1" name=""/>
+        <p:cNvGrpSpPr/>
+        <p:nvPr/>
+      </p:nvGrpSpPr>
+      <p:grpSpPr>
+        <a:xfrm>
+          <a:off x="0" y="0"/>
+          <a:ext cx="0" cy="0"/>
+          <a:chOff x="0" y="0"/>
+          <a:chExt cx="0" cy="0"/>
+        </a:xfrm>
+      </p:grpSpPr>
+      <p:sp>
+        <p:nvSpPr>
+          <p:cNvPr id="2" name="Slide Image Placeholder 1"/>
+          <p:cNvSpPr>
+            <a:spLocks noGrp="1" noRot="1" noChangeAspect="1"/>
+          </p:cNvSpPr>
+          <p:nvPr>
+            <p:ph type="sldImg"/>
+          </p:nvPr>
+        </p:nvSpPr>
+        <p:spPr/>
+      </p:sp>
+      <p:sp>
+        <p:nvSpPr>
+          <p:cNvPr id="3" name="Notes Placeholder 2"/>
+          <p:cNvSpPr>
+            <a:spLocks noGrp="1"/>
+          </p:cNvSpPr>
+          <p:nvPr>
+            <p:ph type="body" idx="1"/>
+          </p:nvPr>
+        </p:nvSpPr>
+        <p:spPr/>
+        <p:txBody>
+          <a:bodyPr/>
+          <a:lstStyle/>
+          <a:p>
+            <a:r>
+              <a:rPr lang="en-US" dirty="0" smtClean="0"/>
+              <a:t/>
+            </a:r>
+            <a:endParaRPr lang="en-US" dirty="0"/>
+          </a:p>
+        </p:txBody>
+      </p:sp>
+      <p:sp>
+        <p:nvSpPr>
+          <p:cNvPr id="4" name="Slide Number Placeholder 3"/>
+          <p:cNvSpPr>
+            <a:spLocks noGrp="1"/>
+          </p:cNvSpPr>
+          <p:nvPr>
+            <p:ph type="sldNum" sz="quarter" idx="10"/>
+          </p:nvPr>
+        </p:nvSpPr>
+        <p:spPr/>
+        <p:txBody>
+          <a:bodyPr/>
+          <a:lstStyle/>
+          <a:p>
+            <a:fld id="{F7021451-1387-4CA6-816F-3879F97B5CBC}" type="slidenum">
+              <a:rPr lang="en-US" smtClean="0"/>
+              <a:t>37</a:t>
+            </a:fld>
+            <a:endParaRPr lang="en-US"/>
+          </a:p>
+        </p:txBody>
+      </p:sp>
+    </p:spTree>
+    <p:extLst>
+      <p:ext uri="{BB962C8B-B14F-4D97-AF65-F5344CB8AC3E}">
+        <p14:creationId xmlns:p14="http://schemas.microsoft.com/office/powerpoint/2010/main" val="1024086991"/>
+      </p:ext>
+    </p:extLst>
+  </p:cSld>
+  <p:clrMapOvr>
+    <a:masterClrMapping/>
+  </p:clrMapOvr>
+</p:notes>
+</file>
+
+<file path=ppt/notesSlides/notesSlide38.xml><?xml version="1.0" encoding="utf-8"?>
+<p:notes xmlns:a="http://schemas.openxmlformats.org/drawingml/2006/main" xmlns:r="http://schemas.openxmlformats.org/officeDocument/2006/relationships" xmlns:p="http://schemas.openxmlformats.org/presentationml/2006/main">
+  <p:cSld>
+    <p:spTree>
+      <p:nvGrpSpPr>
+        <p:cNvPr id="1" name=""/>
+        <p:cNvGrpSpPr/>
+        <p:nvPr/>
+      </p:nvGrpSpPr>
+      <p:grpSpPr>
+        <a:xfrm>
+          <a:off x="0" y="0"/>
+          <a:ext cx="0" cy="0"/>
+          <a:chOff x="0" y="0"/>
+          <a:chExt cx="0" cy="0"/>
+        </a:xfrm>
+      </p:grpSpPr>
+      <p:sp>
+        <p:nvSpPr>
+          <p:cNvPr id="2" name="Slide Image Placeholder 1"/>
+          <p:cNvSpPr>
+            <a:spLocks noGrp="1" noRot="1" noChangeAspect="1"/>
+          </p:cNvSpPr>
+          <p:nvPr>
+            <p:ph type="sldImg"/>
+          </p:nvPr>
+        </p:nvSpPr>
+        <p:spPr/>
+      </p:sp>
+      <p:sp>
+        <p:nvSpPr>
+          <p:cNvPr id="3" name="Notes Placeholder 2"/>
+          <p:cNvSpPr>
+            <a:spLocks noGrp="1"/>
+          </p:cNvSpPr>
+          <p:nvPr>
+            <p:ph type="body" idx="1"/>
+          </p:nvPr>
+        </p:nvSpPr>
+        <p:spPr/>
+        <p:txBody>
+          <a:bodyPr/>
+          <a:lstStyle/>
+          <a:p>
+            <a:r>
+              <a:rPr lang="en-US" dirty="0" smtClean="0"/>
+              <a:t/>
+            </a:r>
+            <a:endParaRPr lang="en-US" dirty="0"/>
+          </a:p>
+        </p:txBody>
+      </p:sp>
+      <p:sp>
+        <p:nvSpPr>
+          <p:cNvPr id="4" name="Slide Number Placeholder 3"/>
+          <p:cNvSpPr>
+            <a:spLocks noGrp="1"/>
+          </p:cNvSpPr>
+          <p:nvPr>
+            <p:ph type="sldNum" sz="quarter" idx="10"/>
+          </p:nvPr>
+        </p:nvSpPr>
+        <p:spPr/>
+        <p:txBody>
+          <a:bodyPr/>
+          <a:lstStyle/>
+          <a:p>
+            <a:fld id="{F7021451-1387-4CA6-816F-3879F97B5CBC}" type="slidenum">
+              <a:rPr lang="en-US" smtClean="0"/>
+              <a:t>38</a:t>
+            </a:fld>
+            <a:endParaRPr lang="en-US"/>
+          </a:p>
+        </p:txBody>
+      </p:sp>
+    </p:spTree>
+    <p:extLst>
+      <p:ext uri="{BB962C8B-B14F-4D97-AF65-F5344CB8AC3E}">
+        <p14:creationId xmlns:p14="http://schemas.microsoft.com/office/powerpoint/2010/main" val="1024086991"/>
+      </p:ext>
+    </p:extLst>
+  </p:cSld>
+  <p:clrMapOvr>
+    <a:masterClrMapping/>
+  </p:clrMapOvr>
+</p:notes>
+</file>
+
+<file path=ppt/notesSlides/notesSlide39.xml><?xml version="1.0" encoding="utf-8"?>
+<p:notes xmlns:a="http://schemas.openxmlformats.org/drawingml/2006/main" xmlns:r="http://schemas.openxmlformats.org/officeDocument/2006/relationships" xmlns:p="http://schemas.openxmlformats.org/presentationml/2006/main">
+  <p:cSld>
+    <p:spTree>
+      <p:nvGrpSpPr>
+        <p:cNvPr id="1" name=""/>
+        <p:cNvGrpSpPr/>
+        <p:nvPr/>
+      </p:nvGrpSpPr>
+      <p:grpSpPr>
+        <a:xfrm>
+          <a:off x="0" y="0"/>
+          <a:ext cx="0" cy="0"/>
+          <a:chOff x="0" y="0"/>
+          <a:chExt cx="0" cy="0"/>
+        </a:xfrm>
+      </p:grpSpPr>
+      <p:sp>
+        <p:nvSpPr>
+          <p:cNvPr id="2" name="Slide Image Placeholder 1"/>
+          <p:cNvSpPr>
+            <a:spLocks noGrp="1" noRot="1" noChangeAspect="1"/>
+          </p:cNvSpPr>
+          <p:nvPr>
+            <p:ph type="sldImg"/>
+          </p:nvPr>
+        </p:nvSpPr>
+        <p:spPr/>
+      </p:sp>
+      <p:sp>
+        <p:nvSpPr>
+          <p:cNvPr id="3" name="Notes Placeholder 2"/>
+          <p:cNvSpPr>
+            <a:spLocks noGrp="1"/>
+          </p:cNvSpPr>
+          <p:nvPr>
+            <p:ph type="body" idx="1"/>
+          </p:nvPr>
+        </p:nvSpPr>
+        <p:spPr/>
+        <p:txBody>
+          <a:bodyPr/>
+          <a:lstStyle/>
+          <a:p>
+            <a:r>
+              <a:rPr lang="en-US" dirty="0" smtClean="0"/>
+              <a:t/>
+            </a:r>
+            <a:endParaRPr lang="en-US" dirty="0"/>
+          </a:p>
+        </p:txBody>
+      </p:sp>
+      <p:sp>
+        <p:nvSpPr>
+          <p:cNvPr id="4" name="Slide Number Placeholder 3"/>
+          <p:cNvSpPr>
+            <a:spLocks noGrp="1"/>
+          </p:cNvSpPr>
+          <p:nvPr>
+            <p:ph type="sldNum" sz="quarter" idx="10"/>
+          </p:nvPr>
+        </p:nvSpPr>
+        <p:spPr/>
+        <p:txBody>
+          <a:bodyPr/>
+          <a:lstStyle/>
+          <a:p>
+            <a:fld id="{F7021451-1387-4CA6-816F-3879F97B5CBC}" type="slidenum">
+              <a:rPr lang="en-US" smtClean="0"/>
+              <a:t>39</a:t>
+            </a:fld>
+            <a:endParaRPr lang="en-US"/>
+          </a:p>
+        </p:txBody>
+      </p:sp>
+    </p:spTree>
+    <p:extLst>
+      <p:ext uri="{BB962C8B-B14F-4D97-AF65-F5344CB8AC3E}">
+        <p14:creationId xmlns:p14="http://schemas.microsoft.com/office/powerpoint/2010/main" val="1024086991"/>
+      </p:ext>
+    </p:extLst>
+  </p:cSld>
+  <p:clrMapOvr>
+    <a:masterClrMapping/>
+  </p:clrMapOvr>
+</p:notes>
+</file>
+
 <file path=ppt/notesSlides/notesSlide4.xml><?xml version="1.0" encoding="utf-8"?>
 <p:notes xmlns:a="http://schemas.openxmlformats.org/drawingml/2006/main" xmlns:r="http://schemas.openxmlformats.org/officeDocument/2006/relationships" xmlns:p="http://schemas.openxmlformats.org/presentationml/2006/main">
   <p:cSld>
@@ -3024,6 +3478,798 @@
             <a:fld id="{F7021451-1387-4CA6-816F-3879F97B5CBC}" type="slidenum">
               <a:rPr lang="en-US" smtClean="0"/>
               <a:t>4</a:t>
+            </a:fld>
+            <a:endParaRPr lang="en-US"/>
+          </a:p>
+        </p:txBody>
+      </p:sp>
+    </p:spTree>
+    <p:extLst>
+      <p:ext uri="{BB962C8B-B14F-4D97-AF65-F5344CB8AC3E}">
+        <p14:creationId xmlns:p14="http://schemas.microsoft.com/office/powerpoint/2010/main" val="1024086991"/>
+      </p:ext>
+    </p:extLst>
+  </p:cSld>
+  <p:clrMapOvr>
+    <a:masterClrMapping/>
+  </p:clrMapOvr>
+</p:notes>
+</file>
+
+<file path=ppt/notesSlides/notesSlide40.xml><?xml version="1.0" encoding="utf-8"?>
+<p:notes xmlns:a="http://schemas.openxmlformats.org/drawingml/2006/main" xmlns:r="http://schemas.openxmlformats.org/officeDocument/2006/relationships" xmlns:p="http://schemas.openxmlformats.org/presentationml/2006/main">
+  <p:cSld>
+    <p:spTree>
+      <p:nvGrpSpPr>
+        <p:cNvPr id="1" name=""/>
+        <p:cNvGrpSpPr/>
+        <p:nvPr/>
+      </p:nvGrpSpPr>
+      <p:grpSpPr>
+        <a:xfrm>
+          <a:off x="0" y="0"/>
+          <a:ext cx="0" cy="0"/>
+          <a:chOff x="0" y="0"/>
+          <a:chExt cx="0" cy="0"/>
+        </a:xfrm>
+      </p:grpSpPr>
+      <p:sp>
+        <p:nvSpPr>
+          <p:cNvPr id="2" name="Slide Image Placeholder 1"/>
+          <p:cNvSpPr>
+            <a:spLocks noGrp="1" noRot="1" noChangeAspect="1"/>
+          </p:cNvSpPr>
+          <p:nvPr>
+            <p:ph type="sldImg"/>
+          </p:nvPr>
+        </p:nvSpPr>
+        <p:spPr/>
+      </p:sp>
+      <p:sp>
+        <p:nvSpPr>
+          <p:cNvPr id="3" name="Notes Placeholder 2"/>
+          <p:cNvSpPr>
+            <a:spLocks noGrp="1"/>
+          </p:cNvSpPr>
+          <p:nvPr>
+            <p:ph type="body" idx="1"/>
+          </p:nvPr>
+        </p:nvSpPr>
+        <p:spPr/>
+        <p:txBody>
+          <a:bodyPr/>
+          <a:lstStyle/>
+          <a:p>
+            <a:r>
+              <a:rPr lang="en-US" dirty="0" smtClean="0"/>
+              <a:t/>
+            </a:r>
+            <a:endParaRPr lang="en-US" dirty="0"/>
+          </a:p>
+        </p:txBody>
+      </p:sp>
+      <p:sp>
+        <p:nvSpPr>
+          <p:cNvPr id="4" name="Slide Number Placeholder 3"/>
+          <p:cNvSpPr>
+            <a:spLocks noGrp="1"/>
+          </p:cNvSpPr>
+          <p:nvPr>
+            <p:ph type="sldNum" sz="quarter" idx="10"/>
+          </p:nvPr>
+        </p:nvSpPr>
+        <p:spPr/>
+        <p:txBody>
+          <a:bodyPr/>
+          <a:lstStyle/>
+          <a:p>
+            <a:fld id="{F7021451-1387-4CA6-816F-3879F97B5CBC}" type="slidenum">
+              <a:rPr lang="en-US" smtClean="0"/>
+              <a:t>40</a:t>
+            </a:fld>
+            <a:endParaRPr lang="en-US"/>
+          </a:p>
+        </p:txBody>
+      </p:sp>
+    </p:spTree>
+    <p:extLst>
+      <p:ext uri="{BB962C8B-B14F-4D97-AF65-F5344CB8AC3E}">
+        <p14:creationId xmlns:p14="http://schemas.microsoft.com/office/powerpoint/2010/main" val="1024086991"/>
+      </p:ext>
+    </p:extLst>
+  </p:cSld>
+  <p:clrMapOvr>
+    <a:masterClrMapping/>
+  </p:clrMapOvr>
+</p:notes>
+</file>
+
+<file path=ppt/notesSlides/notesSlide41.xml><?xml version="1.0" encoding="utf-8"?>
+<p:notes xmlns:a="http://schemas.openxmlformats.org/drawingml/2006/main" xmlns:r="http://schemas.openxmlformats.org/officeDocument/2006/relationships" xmlns:p="http://schemas.openxmlformats.org/presentationml/2006/main">
+  <p:cSld>
+    <p:spTree>
+      <p:nvGrpSpPr>
+        <p:cNvPr id="1" name=""/>
+        <p:cNvGrpSpPr/>
+        <p:nvPr/>
+      </p:nvGrpSpPr>
+      <p:grpSpPr>
+        <a:xfrm>
+          <a:off x="0" y="0"/>
+          <a:ext cx="0" cy="0"/>
+          <a:chOff x="0" y="0"/>
+          <a:chExt cx="0" cy="0"/>
+        </a:xfrm>
+      </p:grpSpPr>
+      <p:sp>
+        <p:nvSpPr>
+          <p:cNvPr id="2" name="Slide Image Placeholder 1"/>
+          <p:cNvSpPr>
+            <a:spLocks noGrp="1" noRot="1" noChangeAspect="1"/>
+          </p:cNvSpPr>
+          <p:nvPr>
+            <p:ph type="sldImg"/>
+          </p:nvPr>
+        </p:nvSpPr>
+        <p:spPr/>
+      </p:sp>
+      <p:sp>
+        <p:nvSpPr>
+          <p:cNvPr id="3" name="Notes Placeholder 2"/>
+          <p:cNvSpPr>
+            <a:spLocks noGrp="1"/>
+          </p:cNvSpPr>
+          <p:nvPr>
+            <p:ph type="body" idx="1"/>
+          </p:nvPr>
+        </p:nvSpPr>
+        <p:spPr/>
+        <p:txBody>
+          <a:bodyPr/>
+          <a:lstStyle/>
+          <a:p>
+            <a:r>
+              <a:rPr lang="en-US" dirty="0" smtClean="0"/>
+              <a:t/>
+            </a:r>
+            <a:endParaRPr lang="en-US" dirty="0"/>
+          </a:p>
+        </p:txBody>
+      </p:sp>
+      <p:sp>
+        <p:nvSpPr>
+          <p:cNvPr id="4" name="Slide Number Placeholder 3"/>
+          <p:cNvSpPr>
+            <a:spLocks noGrp="1"/>
+          </p:cNvSpPr>
+          <p:nvPr>
+            <p:ph type="sldNum" sz="quarter" idx="10"/>
+          </p:nvPr>
+        </p:nvSpPr>
+        <p:spPr/>
+        <p:txBody>
+          <a:bodyPr/>
+          <a:lstStyle/>
+          <a:p>
+            <a:fld id="{F7021451-1387-4CA6-816F-3879F97B5CBC}" type="slidenum">
+              <a:rPr lang="en-US" smtClean="0"/>
+              <a:t>41</a:t>
+            </a:fld>
+            <a:endParaRPr lang="en-US"/>
+          </a:p>
+        </p:txBody>
+      </p:sp>
+    </p:spTree>
+    <p:extLst>
+      <p:ext uri="{BB962C8B-B14F-4D97-AF65-F5344CB8AC3E}">
+        <p14:creationId xmlns:p14="http://schemas.microsoft.com/office/powerpoint/2010/main" val="1024086991"/>
+      </p:ext>
+    </p:extLst>
+  </p:cSld>
+  <p:clrMapOvr>
+    <a:masterClrMapping/>
+  </p:clrMapOvr>
+</p:notes>
+</file>
+
+<file path=ppt/notesSlides/notesSlide42.xml><?xml version="1.0" encoding="utf-8"?>
+<p:notes xmlns:a="http://schemas.openxmlformats.org/drawingml/2006/main" xmlns:r="http://schemas.openxmlformats.org/officeDocument/2006/relationships" xmlns:p="http://schemas.openxmlformats.org/presentationml/2006/main">
+  <p:cSld>
+    <p:spTree>
+      <p:nvGrpSpPr>
+        <p:cNvPr id="1" name=""/>
+        <p:cNvGrpSpPr/>
+        <p:nvPr/>
+      </p:nvGrpSpPr>
+      <p:grpSpPr>
+        <a:xfrm>
+          <a:off x="0" y="0"/>
+          <a:ext cx="0" cy="0"/>
+          <a:chOff x="0" y="0"/>
+          <a:chExt cx="0" cy="0"/>
+        </a:xfrm>
+      </p:grpSpPr>
+      <p:sp>
+        <p:nvSpPr>
+          <p:cNvPr id="2" name="Slide Image Placeholder 1"/>
+          <p:cNvSpPr>
+            <a:spLocks noGrp="1" noRot="1" noChangeAspect="1"/>
+          </p:cNvSpPr>
+          <p:nvPr>
+            <p:ph type="sldImg"/>
+          </p:nvPr>
+        </p:nvSpPr>
+        <p:spPr/>
+      </p:sp>
+      <p:sp>
+        <p:nvSpPr>
+          <p:cNvPr id="3" name="Notes Placeholder 2"/>
+          <p:cNvSpPr>
+            <a:spLocks noGrp="1"/>
+          </p:cNvSpPr>
+          <p:nvPr>
+            <p:ph type="body" idx="1"/>
+          </p:nvPr>
+        </p:nvSpPr>
+        <p:spPr/>
+        <p:txBody>
+          <a:bodyPr/>
+          <a:lstStyle/>
+          <a:p>
+            <a:r>
+              <a:rPr lang="en-US" dirty="0" smtClean="0"/>
+              <a:t/>
+            </a:r>
+            <a:endParaRPr lang="en-US" dirty="0"/>
+          </a:p>
+        </p:txBody>
+      </p:sp>
+      <p:sp>
+        <p:nvSpPr>
+          <p:cNvPr id="4" name="Slide Number Placeholder 3"/>
+          <p:cNvSpPr>
+            <a:spLocks noGrp="1"/>
+          </p:cNvSpPr>
+          <p:nvPr>
+            <p:ph type="sldNum" sz="quarter" idx="10"/>
+          </p:nvPr>
+        </p:nvSpPr>
+        <p:spPr/>
+        <p:txBody>
+          <a:bodyPr/>
+          <a:lstStyle/>
+          <a:p>
+            <a:fld id="{F7021451-1387-4CA6-816F-3879F97B5CBC}" type="slidenum">
+              <a:rPr lang="en-US" smtClean="0"/>
+              <a:t>42</a:t>
+            </a:fld>
+            <a:endParaRPr lang="en-US"/>
+          </a:p>
+        </p:txBody>
+      </p:sp>
+    </p:spTree>
+    <p:extLst>
+      <p:ext uri="{BB962C8B-B14F-4D97-AF65-F5344CB8AC3E}">
+        <p14:creationId xmlns:p14="http://schemas.microsoft.com/office/powerpoint/2010/main" val="1024086991"/>
+      </p:ext>
+    </p:extLst>
+  </p:cSld>
+  <p:clrMapOvr>
+    <a:masterClrMapping/>
+  </p:clrMapOvr>
+</p:notes>
+</file>
+
+<file path=ppt/notesSlides/notesSlide43.xml><?xml version="1.0" encoding="utf-8"?>
+<p:notes xmlns:a="http://schemas.openxmlformats.org/drawingml/2006/main" xmlns:r="http://schemas.openxmlformats.org/officeDocument/2006/relationships" xmlns:p="http://schemas.openxmlformats.org/presentationml/2006/main">
+  <p:cSld>
+    <p:spTree>
+      <p:nvGrpSpPr>
+        <p:cNvPr id="1" name=""/>
+        <p:cNvGrpSpPr/>
+        <p:nvPr/>
+      </p:nvGrpSpPr>
+      <p:grpSpPr>
+        <a:xfrm>
+          <a:off x="0" y="0"/>
+          <a:ext cx="0" cy="0"/>
+          <a:chOff x="0" y="0"/>
+          <a:chExt cx="0" cy="0"/>
+        </a:xfrm>
+      </p:grpSpPr>
+      <p:sp>
+        <p:nvSpPr>
+          <p:cNvPr id="2" name="Slide Image Placeholder 1"/>
+          <p:cNvSpPr>
+            <a:spLocks noGrp="1" noRot="1" noChangeAspect="1"/>
+          </p:cNvSpPr>
+          <p:nvPr>
+            <p:ph type="sldImg"/>
+          </p:nvPr>
+        </p:nvSpPr>
+        <p:spPr/>
+      </p:sp>
+      <p:sp>
+        <p:nvSpPr>
+          <p:cNvPr id="3" name="Notes Placeholder 2"/>
+          <p:cNvSpPr>
+            <a:spLocks noGrp="1"/>
+          </p:cNvSpPr>
+          <p:nvPr>
+            <p:ph type="body" idx="1"/>
+          </p:nvPr>
+        </p:nvSpPr>
+        <p:spPr/>
+        <p:txBody>
+          <a:bodyPr/>
+          <a:lstStyle/>
+          <a:p>
+            <a:r>
+              <a:rPr lang="en-US" dirty="0" smtClean="0"/>
+              <a:t/>
+            </a:r>
+            <a:endParaRPr lang="en-US" dirty="0"/>
+          </a:p>
+        </p:txBody>
+      </p:sp>
+      <p:sp>
+        <p:nvSpPr>
+          <p:cNvPr id="4" name="Slide Number Placeholder 3"/>
+          <p:cNvSpPr>
+            <a:spLocks noGrp="1"/>
+          </p:cNvSpPr>
+          <p:nvPr>
+            <p:ph type="sldNum" sz="quarter" idx="10"/>
+          </p:nvPr>
+        </p:nvSpPr>
+        <p:spPr/>
+        <p:txBody>
+          <a:bodyPr/>
+          <a:lstStyle/>
+          <a:p>
+            <a:fld id="{F7021451-1387-4CA6-816F-3879F97B5CBC}" type="slidenum">
+              <a:rPr lang="en-US" smtClean="0"/>
+              <a:t>43</a:t>
+            </a:fld>
+            <a:endParaRPr lang="en-US"/>
+          </a:p>
+        </p:txBody>
+      </p:sp>
+    </p:spTree>
+    <p:extLst>
+      <p:ext uri="{BB962C8B-B14F-4D97-AF65-F5344CB8AC3E}">
+        <p14:creationId xmlns:p14="http://schemas.microsoft.com/office/powerpoint/2010/main" val="1024086991"/>
+      </p:ext>
+    </p:extLst>
+  </p:cSld>
+  <p:clrMapOvr>
+    <a:masterClrMapping/>
+  </p:clrMapOvr>
+</p:notes>
+</file>
+
+<file path=ppt/notesSlides/notesSlide44.xml><?xml version="1.0" encoding="utf-8"?>
+<p:notes xmlns:a="http://schemas.openxmlformats.org/drawingml/2006/main" xmlns:r="http://schemas.openxmlformats.org/officeDocument/2006/relationships" xmlns:p="http://schemas.openxmlformats.org/presentationml/2006/main">
+  <p:cSld>
+    <p:spTree>
+      <p:nvGrpSpPr>
+        <p:cNvPr id="1" name=""/>
+        <p:cNvGrpSpPr/>
+        <p:nvPr/>
+      </p:nvGrpSpPr>
+      <p:grpSpPr>
+        <a:xfrm>
+          <a:off x="0" y="0"/>
+          <a:ext cx="0" cy="0"/>
+          <a:chOff x="0" y="0"/>
+          <a:chExt cx="0" cy="0"/>
+        </a:xfrm>
+      </p:grpSpPr>
+      <p:sp>
+        <p:nvSpPr>
+          <p:cNvPr id="2" name="Slide Image Placeholder 1"/>
+          <p:cNvSpPr>
+            <a:spLocks noGrp="1" noRot="1" noChangeAspect="1"/>
+          </p:cNvSpPr>
+          <p:nvPr>
+            <p:ph type="sldImg"/>
+          </p:nvPr>
+        </p:nvSpPr>
+        <p:spPr/>
+      </p:sp>
+      <p:sp>
+        <p:nvSpPr>
+          <p:cNvPr id="3" name="Notes Placeholder 2"/>
+          <p:cNvSpPr>
+            <a:spLocks noGrp="1"/>
+          </p:cNvSpPr>
+          <p:nvPr>
+            <p:ph type="body" idx="1"/>
+          </p:nvPr>
+        </p:nvSpPr>
+        <p:spPr/>
+        <p:txBody>
+          <a:bodyPr/>
+          <a:lstStyle/>
+          <a:p>
+            <a:r>
+              <a:rPr lang="en-US" dirty="0" smtClean="0"/>
+              <a:t/>
+            </a:r>
+            <a:endParaRPr lang="en-US" dirty="0"/>
+          </a:p>
+        </p:txBody>
+      </p:sp>
+      <p:sp>
+        <p:nvSpPr>
+          <p:cNvPr id="4" name="Slide Number Placeholder 3"/>
+          <p:cNvSpPr>
+            <a:spLocks noGrp="1"/>
+          </p:cNvSpPr>
+          <p:nvPr>
+            <p:ph type="sldNum" sz="quarter" idx="10"/>
+          </p:nvPr>
+        </p:nvSpPr>
+        <p:spPr/>
+        <p:txBody>
+          <a:bodyPr/>
+          <a:lstStyle/>
+          <a:p>
+            <a:fld id="{F7021451-1387-4CA6-816F-3879F97B5CBC}" type="slidenum">
+              <a:rPr lang="en-US" smtClean="0"/>
+              <a:t>44</a:t>
+            </a:fld>
+            <a:endParaRPr lang="en-US"/>
+          </a:p>
+        </p:txBody>
+      </p:sp>
+    </p:spTree>
+    <p:extLst>
+      <p:ext uri="{BB962C8B-B14F-4D97-AF65-F5344CB8AC3E}">
+        <p14:creationId xmlns:p14="http://schemas.microsoft.com/office/powerpoint/2010/main" val="1024086991"/>
+      </p:ext>
+    </p:extLst>
+  </p:cSld>
+  <p:clrMapOvr>
+    <a:masterClrMapping/>
+  </p:clrMapOvr>
+</p:notes>
+</file>
+
+<file path=ppt/notesSlides/notesSlide45.xml><?xml version="1.0" encoding="utf-8"?>
+<p:notes xmlns:a="http://schemas.openxmlformats.org/drawingml/2006/main" xmlns:r="http://schemas.openxmlformats.org/officeDocument/2006/relationships" xmlns:p="http://schemas.openxmlformats.org/presentationml/2006/main">
+  <p:cSld>
+    <p:spTree>
+      <p:nvGrpSpPr>
+        <p:cNvPr id="1" name=""/>
+        <p:cNvGrpSpPr/>
+        <p:nvPr/>
+      </p:nvGrpSpPr>
+      <p:grpSpPr>
+        <a:xfrm>
+          <a:off x="0" y="0"/>
+          <a:ext cx="0" cy="0"/>
+          <a:chOff x="0" y="0"/>
+          <a:chExt cx="0" cy="0"/>
+        </a:xfrm>
+      </p:grpSpPr>
+      <p:sp>
+        <p:nvSpPr>
+          <p:cNvPr id="2" name="Slide Image Placeholder 1"/>
+          <p:cNvSpPr>
+            <a:spLocks noGrp="1" noRot="1" noChangeAspect="1"/>
+          </p:cNvSpPr>
+          <p:nvPr>
+            <p:ph type="sldImg"/>
+          </p:nvPr>
+        </p:nvSpPr>
+        <p:spPr/>
+      </p:sp>
+      <p:sp>
+        <p:nvSpPr>
+          <p:cNvPr id="3" name="Notes Placeholder 2"/>
+          <p:cNvSpPr>
+            <a:spLocks noGrp="1"/>
+          </p:cNvSpPr>
+          <p:nvPr>
+            <p:ph type="body" idx="1"/>
+          </p:nvPr>
+        </p:nvSpPr>
+        <p:spPr/>
+        <p:txBody>
+          <a:bodyPr/>
+          <a:lstStyle/>
+          <a:p>
+            <a:r>
+              <a:rPr lang="en-US" dirty="0" smtClean="0"/>
+              <a:t/>
+            </a:r>
+            <a:endParaRPr lang="en-US" dirty="0"/>
+          </a:p>
+        </p:txBody>
+      </p:sp>
+      <p:sp>
+        <p:nvSpPr>
+          <p:cNvPr id="4" name="Slide Number Placeholder 3"/>
+          <p:cNvSpPr>
+            <a:spLocks noGrp="1"/>
+          </p:cNvSpPr>
+          <p:nvPr>
+            <p:ph type="sldNum" sz="quarter" idx="10"/>
+          </p:nvPr>
+        </p:nvSpPr>
+        <p:spPr/>
+        <p:txBody>
+          <a:bodyPr/>
+          <a:lstStyle/>
+          <a:p>
+            <a:fld id="{F7021451-1387-4CA6-816F-3879F97B5CBC}" type="slidenum">
+              <a:rPr lang="en-US" smtClean="0"/>
+              <a:t>45</a:t>
+            </a:fld>
+            <a:endParaRPr lang="en-US"/>
+          </a:p>
+        </p:txBody>
+      </p:sp>
+    </p:spTree>
+    <p:extLst>
+      <p:ext uri="{BB962C8B-B14F-4D97-AF65-F5344CB8AC3E}">
+        <p14:creationId xmlns:p14="http://schemas.microsoft.com/office/powerpoint/2010/main" val="1024086991"/>
+      </p:ext>
+    </p:extLst>
+  </p:cSld>
+  <p:clrMapOvr>
+    <a:masterClrMapping/>
+  </p:clrMapOvr>
+</p:notes>
+</file>
+
+<file path=ppt/notesSlides/notesSlide46.xml><?xml version="1.0" encoding="utf-8"?>
+<p:notes xmlns:a="http://schemas.openxmlformats.org/drawingml/2006/main" xmlns:r="http://schemas.openxmlformats.org/officeDocument/2006/relationships" xmlns:p="http://schemas.openxmlformats.org/presentationml/2006/main">
+  <p:cSld>
+    <p:spTree>
+      <p:nvGrpSpPr>
+        <p:cNvPr id="1" name=""/>
+        <p:cNvGrpSpPr/>
+        <p:nvPr/>
+      </p:nvGrpSpPr>
+      <p:grpSpPr>
+        <a:xfrm>
+          <a:off x="0" y="0"/>
+          <a:ext cx="0" cy="0"/>
+          <a:chOff x="0" y="0"/>
+          <a:chExt cx="0" cy="0"/>
+        </a:xfrm>
+      </p:grpSpPr>
+      <p:sp>
+        <p:nvSpPr>
+          <p:cNvPr id="2" name="Slide Image Placeholder 1"/>
+          <p:cNvSpPr>
+            <a:spLocks noGrp="1" noRot="1" noChangeAspect="1"/>
+          </p:cNvSpPr>
+          <p:nvPr>
+            <p:ph type="sldImg"/>
+          </p:nvPr>
+        </p:nvSpPr>
+        <p:spPr/>
+      </p:sp>
+      <p:sp>
+        <p:nvSpPr>
+          <p:cNvPr id="3" name="Notes Placeholder 2"/>
+          <p:cNvSpPr>
+            <a:spLocks noGrp="1"/>
+          </p:cNvSpPr>
+          <p:nvPr>
+            <p:ph type="body" idx="1"/>
+          </p:nvPr>
+        </p:nvSpPr>
+        <p:spPr/>
+        <p:txBody>
+          <a:bodyPr/>
+          <a:lstStyle/>
+          <a:p>
+            <a:r>
+              <a:rPr lang="en-US" dirty="0" smtClean="0"/>
+              <a:t/>
+            </a:r>
+            <a:endParaRPr lang="en-US" dirty="0"/>
+          </a:p>
+        </p:txBody>
+      </p:sp>
+      <p:sp>
+        <p:nvSpPr>
+          <p:cNvPr id="4" name="Slide Number Placeholder 3"/>
+          <p:cNvSpPr>
+            <a:spLocks noGrp="1"/>
+          </p:cNvSpPr>
+          <p:nvPr>
+            <p:ph type="sldNum" sz="quarter" idx="10"/>
+          </p:nvPr>
+        </p:nvSpPr>
+        <p:spPr/>
+        <p:txBody>
+          <a:bodyPr/>
+          <a:lstStyle/>
+          <a:p>
+            <a:fld id="{F7021451-1387-4CA6-816F-3879F97B5CBC}" type="slidenum">
+              <a:rPr lang="en-US" smtClean="0"/>
+              <a:t>46</a:t>
+            </a:fld>
+            <a:endParaRPr lang="en-US"/>
+          </a:p>
+        </p:txBody>
+      </p:sp>
+    </p:spTree>
+    <p:extLst>
+      <p:ext uri="{BB962C8B-B14F-4D97-AF65-F5344CB8AC3E}">
+        <p14:creationId xmlns:p14="http://schemas.microsoft.com/office/powerpoint/2010/main" val="1024086991"/>
+      </p:ext>
+    </p:extLst>
+  </p:cSld>
+  <p:clrMapOvr>
+    <a:masterClrMapping/>
+  </p:clrMapOvr>
+</p:notes>
+</file>
+
+<file path=ppt/notesSlides/notesSlide47.xml><?xml version="1.0" encoding="utf-8"?>
+<p:notes xmlns:a="http://schemas.openxmlformats.org/drawingml/2006/main" xmlns:r="http://schemas.openxmlformats.org/officeDocument/2006/relationships" xmlns:p="http://schemas.openxmlformats.org/presentationml/2006/main">
+  <p:cSld>
+    <p:spTree>
+      <p:nvGrpSpPr>
+        <p:cNvPr id="1" name=""/>
+        <p:cNvGrpSpPr/>
+        <p:nvPr/>
+      </p:nvGrpSpPr>
+      <p:grpSpPr>
+        <a:xfrm>
+          <a:off x="0" y="0"/>
+          <a:ext cx="0" cy="0"/>
+          <a:chOff x="0" y="0"/>
+          <a:chExt cx="0" cy="0"/>
+        </a:xfrm>
+      </p:grpSpPr>
+      <p:sp>
+        <p:nvSpPr>
+          <p:cNvPr id="2" name="Slide Image Placeholder 1"/>
+          <p:cNvSpPr>
+            <a:spLocks noGrp="1" noRot="1" noChangeAspect="1"/>
+          </p:cNvSpPr>
+          <p:nvPr>
+            <p:ph type="sldImg"/>
+          </p:nvPr>
+        </p:nvSpPr>
+        <p:spPr/>
+      </p:sp>
+      <p:sp>
+        <p:nvSpPr>
+          <p:cNvPr id="3" name="Notes Placeholder 2"/>
+          <p:cNvSpPr>
+            <a:spLocks noGrp="1"/>
+          </p:cNvSpPr>
+          <p:nvPr>
+            <p:ph type="body" idx="1"/>
+          </p:nvPr>
+        </p:nvSpPr>
+        <p:spPr/>
+        <p:txBody>
+          <a:bodyPr/>
+          <a:lstStyle/>
+          <a:p>
+            <a:r>
+              <a:rPr lang="en-US" dirty="0" smtClean="0"/>
+              <a:t/>
+            </a:r>
+            <a:endParaRPr lang="en-US" dirty="0"/>
+          </a:p>
+        </p:txBody>
+      </p:sp>
+      <p:sp>
+        <p:nvSpPr>
+          <p:cNvPr id="4" name="Slide Number Placeholder 3"/>
+          <p:cNvSpPr>
+            <a:spLocks noGrp="1"/>
+          </p:cNvSpPr>
+          <p:nvPr>
+            <p:ph type="sldNum" sz="quarter" idx="10"/>
+          </p:nvPr>
+        </p:nvSpPr>
+        <p:spPr/>
+        <p:txBody>
+          <a:bodyPr/>
+          <a:lstStyle/>
+          <a:p>
+            <a:fld id="{F7021451-1387-4CA6-816F-3879F97B5CBC}" type="slidenum">
+              <a:rPr lang="en-US" smtClean="0"/>
+              <a:t>47</a:t>
+            </a:fld>
+            <a:endParaRPr lang="en-US"/>
+          </a:p>
+        </p:txBody>
+      </p:sp>
+    </p:spTree>
+    <p:extLst>
+      <p:ext uri="{BB962C8B-B14F-4D97-AF65-F5344CB8AC3E}">
+        <p14:creationId xmlns:p14="http://schemas.microsoft.com/office/powerpoint/2010/main" val="1024086991"/>
+      </p:ext>
+    </p:extLst>
+  </p:cSld>
+  <p:clrMapOvr>
+    <a:masterClrMapping/>
+  </p:clrMapOvr>
+</p:notes>
+</file>
+
+<file path=ppt/notesSlides/notesSlide48.xml><?xml version="1.0" encoding="utf-8"?>
+<p:notes xmlns:a="http://schemas.openxmlformats.org/drawingml/2006/main" xmlns:r="http://schemas.openxmlformats.org/officeDocument/2006/relationships" xmlns:p="http://schemas.openxmlformats.org/presentationml/2006/main">
+  <p:cSld>
+    <p:spTree>
+      <p:nvGrpSpPr>
+        <p:cNvPr id="1" name=""/>
+        <p:cNvGrpSpPr/>
+        <p:nvPr/>
+      </p:nvGrpSpPr>
+      <p:grpSpPr>
+        <a:xfrm>
+          <a:off x="0" y="0"/>
+          <a:ext cx="0" cy="0"/>
+          <a:chOff x="0" y="0"/>
+          <a:chExt cx="0" cy="0"/>
+        </a:xfrm>
+      </p:grpSpPr>
+      <p:sp>
+        <p:nvSpPr>
+          <p:cNvPr id="2" name="Slide Image Placeholder 1"/>
+          <p:cNvSpPr>
+            <a:spLocks noGrp="1" noRot="1" noChangeAspect="1"/>
+          </p:cNvSpPr>
+          <p:nvPr>
+            <p:ph type="sldImg"/>
+          </p:nvPr>
+        </p:nvSpPr>
+        <p:spPr/>
+      </p:sp>
+      <p:sp>
+        <p:nvSpPr>
+          <p:cNvPr id="3" name="Notes Placeholder 2"/>
+          <p:cNvSpPr>
+            <a:spLocks noGrp="1"/>
+          </p:cNvSpPr>
+          <p:nvPr>
+            <p:ph type="body" idx="1"/>
+          </p:nvPr>
+        </p:nvSpPr>
+        <p:spPr/>
+        <p:txBody>
+          <a:bodyPr/>
+          <a:lstStyle/>
+          <a:p>
+            <a:r>
+              <a:rPr lang="en-US" dirty="0" smtClean="0"/>
+              <a:t/>
+            </a:r>
+            <a:endParaRPr lang="en-US" dirty="0"/>
+          </a:p>
+        </p:txBody>
+      </p:sp>
+      <p:sp>
+        <p:nvSpPr>
+          <p:cNvPr id="4" name="Slide Number Placeholder 3"/>
+          <p:cNvSpPr>
+            <a:spLocks noGrp="1"/>
+          </p:cNvSpPr>
+          <p:nvPr>
+            <p:ph type="sldNum" sz="quarter" idx="10"/>
+          </p:nvPr>
+        </p:nvSpPr>
+        <p:spPr/>
+        <p:txBody>
+          <a:bodyPr/>
+          <a:lstStyle/>
+          <a:p>
+            <a:fld id="{F7021451-1387-4CA6-816F-3879F97B5CBC}" type="slidenum">
+              <a:rPr lang="en-US" smtClean="0"/>
+              <a:t>48</a:t>
             </a:fld>
             <a:endParaRPr lang="en-US"/>
           </a:p>
@@ -3973,221 +5219,30 @@
           <a:chExt cx="0" cy="0"/>
         </a:xfrm>
       </p:grpSpPr>
-      <p:sp>
-        <p:nvSpPr>
-          <p:cNvPr id="2" name="Object 1"/>
-          <p:cNvSpPr/>
+      <p:pic>
+        <p:nvPicPr>
+          <p:cNvPr id="2" name="Object 1" descr="./resources/santa-terezinha.jpg">    </p:cNvPr>
+          <p:cNvPicPr>
+            <a:picLocks noChangeAspect="1"/>
+          </p:cNvPicPr>
           <p:nvPr/>
-        </p:nvSpPr>
+        </p:nvPicPr>
+        <p:blipFill>
+          <a:blip r:embed="rId1"/>
+          <a:stretch>
+            <a:fillRect/>
+          </a:stretch>
+        </p:blipFill>
         <p:spPr>
           <a:xfrm>
-            <a:off x="3657600" y="457200"/>
-            <a:ext cx="6858000" cy="274320"/>
+            <a:off x="0" y="0"/>
+            <a:ext cx="9144000" cy="5486400"/>
           </a:xfrm>
           <a:prstGeom prst="rect">
             <a:avLst/>
           </a:prstGeom>
-          <a:noFill/>
         </p:spPr>
-        <p:txBody>
-          <a:bodyPr wrap="square" rtlCol="0" anchor="ctr"/>
-          <a:lstStyle/>
-          <a:p>
-            <a:pPr>
-              <a:buNone/>
-            </a:pPr>
-            <a:r>
-              <a:rPr lang="en-US" sz="1800" dirty="0" smtClean="0">
-                <a:solidFill>
-                  <a:srgbClr val="363636"/>
-                </a:solidFill>
-              </a:rPr>
-              <a:t>“GLÓRIA”</a:t>
-            </a:r>
-            <a:endParaRPr lang="en-US" dirty="0"/>
-          </a:p>
-        </p:txBody>
-      </p:sp>
-      <p:sp>
-        <p:nvSpPr>
-          <p:cNvPr id="3" name="Object 2"/>
-          <p:cNvSpPr/>
-          <p:nvPr/>
-        </p:nvSpPr>
-        <p:spPr>
-          <a:xfrm>
-            <a:off x="914400" y="2743200"/>
-            <a:ext cx="6858000" cy="274320"/>
-          </a:xfrm>
-          <a:prstGeom prst="rect">
-            <a:avLst/>
-          </a:prstGeom>
-          <a:noFill/>
-        </p:spPr>
-        <p:txBody>
-          <a:bodyPr wrap="square" rtlCol="0" anchor="ctr"/>
-          <a:lstStyle/>
-          <a:p>
-            <a:pPr>
-              <a:buNone/>
-            </a:pPr>
-            <a:r>
-              <a:rPr lang="en-US" sz="2500" dirty="0" smtClean="0">
-                <a:solidFill>
-                  <a:srgbClr val="363636"/>
-                </a:solidFill>
-              </a:rPr>
-              <a:t>Glória a Deus nas alturas!
-</a:t>
-            </a:r>
-            <a:r>
-              <a:rPr lang="en-US" sz="2500" dirty="0" smtClean="0">
-                <a:solidFill>
-                  <a:srgbClr val="363636"/>
-                </a:solidFill>
-              </a:rPr>
-              <a:t/>
-            </a:r>
-            <a:r>
-              <a:rPr lang="en-US" sz="2500" dirty="0" smtClean="0">
-                <a:solidFill>
-                  <a:srgbClr val="363636"/>
-                </a:solidFill>
-              </a:rPr>
-              <a:t>Glória a Deus nas alturas!
-</a:t>
-            </a:r>
-            <a:r>
-              <a:rPr lang="en-US" sz="2500" dirty="0" smtClean="0">
-                <a:solidFill>
-                  <a:srgbClr val="363636"/>
-                </a:solidFill>
-              </a:rPr>
-              <a:t/>
-            </a:r>
-            <a:r>
-              <a:rPr lang="en-US" sz="2500" dirty="0" smtClean="0">
-                <a:solidFill>
-                  <a:srgbClr val="363636"/>
-                </a:solidFill>
-              </a:rPr>
-              <a:t>Glória a Deus nas alturas e paz na terra aos
-</a:t>
-            </a:r>
-            <a:r>
-              <a:rPr lang="en-US" sz="2500" dirty="0" smtClean="0">
-                <a:solidFill>
-                  <a:srgbClr val="363636"/>
-                </a:solidFill>
-              </a:rPr>
-              <a:t/>
-            </a:r>
-            <a:r>
-              <a:rPr lang="en-US" sz="2500" dirty="0" smtClean="0">
-                <a:solidFill>
-                  <a:srgbClr val="363636"/>
-                </a:solidFill>
-              </a:rPr>
-              <a:t>homens por ele amados.
-</a:t>
-            </a:r>
-            <a:r>
-              <a:rPr lang="en-US" sz="2500" dirty="0" smtClean="0">
-                <a:solidFill>
-                  <a:srgbClr val="363636"/>
-                </a:solidFill>
-              </a:rPr>
-              <a:t/>
-            </a:r>
-            <a:r>
-              <a:rPr lang="en-US" sz="2500" dirty="0" smtClean="0">
-                <a:solidFill>
-                  <a:srgbClr val="363636"/>
-                </a:solidFill>
-              </a:rPr>
-              <a:t>*Senhor Deus Rei dos céus,Deus pai todo poderoso
-</a:t>
-            </a:r>
-            <a:r>
-              <a:rPr lang="en-US" sz="2500" dirty="0" smtClean="0">
-                <a:solidFill>
-                  <a:srgbClr val="363636"/>
-                </a:solidFill>
-              </a:rPr>
-              <a:t/>
-            </a:r>
-            <a:r>
-              <a:rPr lang="en-US" sz="2500" dirty="0" smtClean="0">
-                <a:solidFill>
-                  <a:srgbClr val="363636"/>
-                </a:solidFill>
-              </a:rPr>
-              <a:t>Nós vos louvamos nós, vos bendizemos,nós vos
-</a:t>
-            </a:r>
-            <a:r>
-              <a:rPr lang="en-US" sz="2500" dirty="0" smtClean="0">
-                <a:solidFill>
-                  <a:srgbClr val="363636"/>
-                </a:solidFill>
-              </a:rPr>
-              <a:t/>
-            </a:r>
-            <a:r>
-              <a:rPr lang="en-US" sz="2500" dirty="0" smtClean="0">
-                <a:solidFill>
-                  <a:srgbClr val="363636"/>
-                </a:solidFill>
-              </a:rPr>
-              <a:t>adoramos,nós vos  glorificamos,nós vos damos
-</a:t>
-            </a:r>
-            <a:r>
-              <a:rPr lang="en-US" sz="2500" dirty="0" smtClean="0">
-                <a:solidFill>
-                  <a:srgbClr val="363636"/>
-                </a:solidFill>
-              </a:rPr>
-              <a:t/>
-            </a:r>
-            <a:r>
-              <a:rPr lang="en-US" sz="2500" dirty="0" smtClean="0">
-                <a:solidFill>
-                  <a:srgbClr val="363636"/>
-                </a:solidFill>
-              </a:rPr>
-              <a:t>graças por vossa imensa glória.
-</a:t>
-            </a:r>
-            <a:r>
-              <a:rPr lang="en-US" sz="2500" dirty="0" smtClean="0">
-                <a:solidFill>
-                  <a:srgbClr val="363636"/>
-                </a:solidFill>
-              </a:rPr>
-              <a:t/>
-            </a:r>
-            <a:r>
-              <a:rPr lang="en-US" sz="2500" dirty="0" smtClean="0">
-                <a:solidFill>
-                  <a:srgbClr val="363636"/>
-                </a:solidFill>
-              </a:rPr>
-              <a:t>
-</a:t>
-            </a:r>
-            <a:r>
-              <a:rPr lang="en-US" sz="2500" dirty="0" smtClean="0">
-                <a:solidFill>
-                  <a:srgbClr val="363636"/>
-                </a:solidFill>
-              </a:rPr>
-              <a:t/>
-            </a:r>
-            <a:endParaRPr lang="en-US" dirty="0"/>
-          </a:p>
-        </p:txBody>
-      </p:sp>
+      </p:pic>
     </p:spTree>
   </p:cSld>
   <p:clrMapOvr>
@@ -4242,7 +5297,7 @@
                   <a:srgbClr val="363636"/>
                 </a:solidFill>
               </a:rPr>
-              <a:t>“GLÓRIA”</a:t>
+              <a:t>“PERDÃO”</a:t>
             </a:r>
             <a:endParaRPr lang="en-US" dirty="0"/>
           </a:p>
@@ -4272,143 +5327,109 @@
               <a:buNone/>
             </a:pPr>
             <a:r>
-              <a:rPr lang="en-US" sz="2000" dirty="0" smtClean="0">
-                <a:solidFill>
-                  <a:srgbClr val="363636"/>
-                </a:solidFill>
-              </a:rPr>
-              <a:t>*Senhor Jesus Cristo filho unigênito,senhor Deus
-</a:t>
-            </a:r>
-            <a:r>
-              <a:rPr lang="en-US" sz="2000" dirty="0" smtClean="0">
-                <a:solidFill>
-                  <a:srgbClr val="363636"/>
-                </a:solidFill>
-              </a:rPr>
-              <a:t/>
-            </a:r>
-            <a:r>
-              <a:rPr lang="en-US" sz="2000" dirty="0" smtClean="0">
-                <a:solidFill>
-                  <a:srgbClr val="363636"/>
-                </a:solidFill>
-              </a:rPr>
-              <a:t>cordeiro de Deus filho de Deus Pai,vós que  tirais o
-</a:t>
-            </a:r>
-            <a:r>
-              <a:rPr lang="en-US" sz="2000" dirty="0" smtClean="0">
-                <a:solidFill>
-                  <a:srgbClr val="363636"/>
-                </a:solidFill>
-              </a:rPr>
-              <a:t/>
-            </a:r>
-            <a:r>
-              <a:rPr lang="en-US" sz="2000" dirty="0" smtClean="0">
-                <a:solidFill>
-                  <a:srgbClr val="363636"/>
-                </a:solidFill>
-              </a:rPr>
-              <a:t>pecado do mundo,tende piedade de nós,vós que
-</a:t>
-            </a:r>
-            <a:r>
-              <a:rPr lang="en-US" sz="2000" dirty="0" smtClean="0">
-                <a:solidFill>
-                  <a:srgbClr val="363636"/>
-                </a:solidFill>
-              </a:rPr>
-              <a:t/>
-            </a:r>
-            <a:r>
-              <a:rPr lang="en-US" sz="2000" dirty="0" smtClean="0">
-                <a:solidFill>
-                  <a:srgbClr val="363636"/>
-                </a:solidFill>
-              </a:rPr>
-              <a:t>tirais  o pecado do mundo acolhei a nossa súplica,
-</a:t>
-            </a:r>
-            <a:r>
-              <a:rPr lang="en-US" sz="2000" dirty="0" smtClean="0">
-                <a:solidFill>
-                  <a:srgbClr val="363636"/>
-                </a:solidFill>
-              </a:rPr>
-              <a:t/>
-            </a:r>
-            <a:r>
-              <a:rPr lang="en-US" sz="2000" dirty="0" smtClean="0">
-                <a:solidFill>
-                  <a:srgbClr val="363636"/>
-                </a:solidFill>
-              </a:rPr>
-              <a:t>Vós que estais a direita do Pai tende piedade de nós.
-</a:t>
-            </a:r>
-            <a:r>
-              <a:rPr lang="en-US" sz="2000" dirty="0" smtClean="0">
-                <a:solidFill>
-                  <a:srgbClr val="363636"/>
-                </a:solidFill>
-              </a:rPr>
-              <a:t/>
-            </a:r>
-            <a:r>
-              <a:rPr lang="en-US" sz="2000" dirty="0" smtClean="0">
-                <a:solidFill>
-                  <a:srgbClr val="363636"/>
-                </a:solidFill>
-              </a:rPr>
-              <a:t>*Só vós sois o Santo,Só vós o Senhor,só vós o
-</a:t>
-            </a:r>
-            <a:r>
-              <a:rPr lang="en-US" sz="2000" dirty="0" smtClean="0">
-                <a:solidFill>
-                  <a:srgbClr val="363636"/>
-                </a:solidFill>
-              </a:rPr>
-              <a:t/>
-            </a:r>
-            <a:r>
-              <a:rPr lang="en-US" sz="2000" dirty="0" smtClean="0">
-                <a:solidFill>
-                  <a:srgbClr val="363636"/>
-                </a:solidFill>
-              </a:rPr>
-              <a:t>altíssimo Jesus Cristo,com o Espírito Santo na glória
-</a:t>
-            </a:r>
-            <a:r>
-              <a:rPr lang="en-US" sz="2000" dirty="0" smtClean="0">
-                <a:solidFill>
-                  <a:srgbClr val="363636"/>
-                </a:solidFill>
-              </a:rPr>
-              <a:t/>
-            </a:r>
-            <a:r>
-              <a:rPr lang="en-US" sz="2000" dirty="0" smtClean="0">
-                <a:solidFill>
-                  <a:srgbClr val="363636"/>
-                </a:solidFill>
-              </a:rPr>
-              <a:t>de Deus Pai ....AMÉÉÉM!
-</a:t>
-            </a:r>
-            <a:r>
-              <a:rPr lang="en-US" sz="2000" dirty="0" smtClean="0">
-                <a:solidFill>
-                  <a:srgbClr val="363636"/>
-                </a:solidFill>
-              </a:rPr>
-              <a:t/>
-            </a:r>
-            <a:r>
-              <a:rPr lang="en-US" sz="2000" dirty="0" smtClean="0">
+              <a:rPr lang="en-US" sz="2300" dirty="0" smtClean="0">
+                <a:solidFill>
+                  <a:srgbClr val="363636"/>
+                </a:solidFill>
+              </a:rPr>
+              <a:t>Senhor,tende piedade de nós!Senhor, tende piedade de nós!
+</a:t>
+            </a:r>
+            <a:r>
+              <a:rPr lang="en-US" sz="2300" dirty="0" smtClean="0">
+                <a:solidFill>
+                  <a:srgbClr val="363636"/>
+                </a:solidFill>
+              </a:rPr>
+              <a:t/>
+            </a:r>
+            <a:r>
+              <a:rPr lang="en-US" sz="2300" dirty="0" smtClean="0">
+                <a:solidFill>
+                  <a:srgbClr val="363636"/>
+                </a:solidFill>
+              </a:rPr>
+              <a:t>Tende piedade,Tende piedade;Senhor tende piedade de nós!
+</a:t>
+            </a:r>
+            <a:r>
+              <a:rPr lang="en-US" sz="2300" dirty="0" smtClean="0">
+                <a:solidFill>
+                  <a:srgbClr val="363636"/>
+                </a:solidFill>
+              </a:rPr>
+              <a:t/>
+            </a:r>
+            <a:r>
+              <a:rPr lang="en-US" sz="2300" dirty="0" smtClean="0">
+                <a:solidFill>
+                  <a:srgbClr val="363636"/>
+                </a:solidFill>
+              </a:rPr>
+              <a:t>Cristo tende piedade de nós!Cristo tende piedade de nós!
+</a:t>
+            </a:r>
+            <a:r>
+              <a:rPr lang="en-US" sz="2300" dirty="0" smtClean="0">
+                <a:solidFill>
+                  <a:srgbClr val="363636"/>
+                </a:solidFill>
+              </a:rPr>
+              <a:t/>
+            </a:r>
+            <a:r>
+              <a:rPr lang="en-US" sz="2300" dirty="0" smtClean="0">
+                <a:solidFill>
+                  <a:srgbClr val="363636"/>
+                </a:solidFill>
+              </a:rPr>
+              <a:t>Piedade,...Piedade,...Piedade de nós.
+</a:t>
+            </a:r>
+            <a:r>
+              <a:rPr lang="en-US" sz="2300" dirty="0" smtClean="0">
+                <a:solidFill>
+                  <a:srgbClr val="363636"/>
+                </a:solidFill>
+              </a:rPr>
+              <a:t/>
+            </a:r>
+            <a:r>
+              <a:rPr lang="en-US" sz="2300" dirty="0" smtClean="0">
+                <a:solidFill>
+                  <a:srgbClr val="363636"/>
+                </a:solidFill>
+              </a:rPr>
+              <a:t>Senhor tende piedade de nós!Senhor, tende piedade de nós!
+</a:t>
+            </a:r>
+            <a:r>
+              <a:rPr lang="en-US" sz="2300" dirty="0" smtClean="0">
+                <a:solidFill>
+                  <a:srgbClr val="363636"/>
+                </a:solidFill>
+              </a:rPr>
+              <a:t/>
+            </a:r>
+            <a:r>
+              <a:rPr lang="en-US" sz="2300" dirty="0" smtClean="0">
+                <a:solidFill>
+                  <a:srgbClr val="363636"/>
+                </a:solidFill>
+              </a:rPr>
+              <a:t>Tende piedade,tende piedade.Senhor , tende piedade de nós!
+</a:t>
+            </a:r>
+            <a:r>
+              <a:rPr lang="en-US" sz="2300" dirty="0" smtClean="0">
+                <a:solidFill>
+                  <a:srgbClr val="363636"/>
+                </a:solidFill>
+              </a:rPr>
+              <a:t/>
+            </a:r>
+            <a:r>
+              <a:rPr lang="en-US" sz="2300" dirty="0" smtClean="0">
                 <a:solidFill>
                   <a:srgbClr val="363636"/>
                 </a:solidFill>
@@ -4417,7 +5438,7 @@
 </a:t>
             </a:r>
             <a:r>
-              <a:rPr lang="en-US" sz="2000" dirty="0" smtClean="0">
+              <a:rPr lang="en-US" sz="2300" dirty="0" smtClean="0">
                 <a:solidFill>
                   <a:srgbClr val="363636"/>
                 </a:solidFill>
@@ -4453,153 +5474,30 @@
           <a:chExt cx="0" cy="0"/>
         </a:xfrm>
       </p:grpSpPr>
-      <p:sp>
-        <p:nvSpPr>
-          <p:cNvPr id="2" name="Object 1"/>
-          <p:cNvSpPr/>
+      <p:pic>
+        <p:nvPicPr>
+          <p:cNvPr id="2" name="Object 1" descr="./resources/santa-terezinha.jpg">    </p:cNvPr>
+          <p:cNvPicPr>
+            <a:picLocks noChangeAspect="1"/>
+          </p:cNvPicPr>
           <p:nvPr/>
-        </p:nvSpPr>
+        </p:nvPicPr>
+        <p:blipFill>
+          <a:blip r:embed="rId1"/>
+          <a:stretch>
+            <a:fillRect/>
+          </a:stretch>
+        </p:blipFill>
         <p:spPr>
           <a:xfrm>
-            <a:off x="3657600" y="457200"/>
-            <a:ext cx="6858000" cy="274320"/>
+            <a:off x="0" y="0"/>
+            <a:ext cx="9144000" cy="5486400"/>
           </a:xfrm>
           <a:prstGeom prst="rect">
             <a:avLst/>
           </a:prstGeom>
-          <a:noFill/>
         </p:spPr>
-        <p:txBody>
-          <a:bodyPr wrap="square" rtlCol="0" anchor="ctr"/>
-          <a:lstStyle/>
-          <a:p>
-            <a:pPr>
-              <a:buNone/>
-            </a:pPr>
-            <a:r>
-              <a:rPr lang="en-US" sz="1800" dirty="0" smtClean="0">
-                <a:solidFill>
-                  <a:srgbClr val="363636"/>
-                </a:solidFill>
-              </a:rPr>
-              <a:t>HINOS  DA PALAVRA</a:t>
-            </a:r>
-            <a:endParaRPr lang="en-US" dirty="0"/>
-          </a:p>
-        </p:txBody>
-      </p:sp>
-      <p:sp>
-        <p:nvSpPr>
-          <p:cNvPr id="3" name="Object 2"/>
-          <p:cNvSpPr/>
-          <p:nvPr/>
-        </p:nvSpPr>
-        <p:spPr>
-          <a:xfrm>
-            <a:off x="914400" y="2743200"/>
-            <a:ext cx="6858000" cy="274320"/>
-          </a:xfrm>
-          <a:prstGeom prst="rect">
-            <a:avLst/>
-          </a:prstGeom>
-          <a:noFill/>
-        </p:spPr>
-        <p:txBody>
-          <a:bodyPr wrap="square" rtlCol="0" anchor="ctr"/>
-          <a:lstStyle/>
-          <a:p>
-            <a:pPr>
-              <a:buNone/>
-            </a:pPr>
-            <a:r>
-              <a:rPr lang="en-US" sz="3300" dirty="0" smtClean="0">
-                <a:solidFill>
-                  <a:srgbClr val="363636"/>
-                </a:solidFill>
-              </a:rPr>
-              <a:t>Quero ouvir Tua palavra, Que transforma o meu viver
-</a:t>
-            </a:r>
-            <a:r>
-              <a:rPr lang="en-US" sz="3300" dirty="0" smtClean="0">
-                <a:solidFill>
-                  <a:srgbClr val="363636"/>
-                </a:solidFill>
-              </a:rPr>
-              <a:t/>
-            </a:r>
-            <a:r>
-              <a:rPr lang="en-US" sz="3300" dirty="0" smtClean="0">
-                <a:solidFill>
-                  <a:srgbClr val="363636"/>
-                </a:solidFill>
-              </a:rPr>
-              <a:t>Pra cantar a canção nova para o mundo
-</a:t>
-            </a:r>
-            <a:r>
-              <a:rPr lang="en-US" sz="3300" dirty="0" smtClean="0">
-                <a:solidFill>
-                  <a:srgbClr val="363636"/>
-                </a:solidFill>
-              </a:rPr>
-              <a:t/>
-            </a:r>
-            <a:r>
-              <a:rPr lang="en-US" sz="3300" dirty="0" smtClean="0">
-                <a:solidFill>
-                  <a:srgbClr val="363636"/>
-                </a:solidFill>
-              </a:rPr>
-              <a:t>Fala Senhor, eu quero Te escutar,
-</a:t>
-            </a:r>
-            <a:r>
-              <a:rPr lang="en-US" sz="3300" dirty="0" smtClean="0">
-                <a:solidFill>
-                  <a:srgbClr val="363636"/>
-                </a:solidFill>
-              </a:rPr>
-              <a:t/>
-            </a:r>
-            <a:r>
-              <a:rPr lang="en-US" sz="3300" dirty="0" smtClean="0">
-                <a:solidFill>
-                  <a:srgbClr val="363636"/>
-                </a:solidFill>
-              </a:rPr>
-              <a:t>Fala Senhor, eu quero Te escutar!
-</a:t>
-            </a:r>
-            <a:r>
-              <a:rPr lang="en-US" sz="3300" dirty="0" smtClean="0">
-                <a:solidFill>
-                  <a:srgbClr val="363636"/>
-                </a:solidFill>
-              </a:rPr>
-              <a:t/>
-            </a:r>
-            <a:r>
-              <a:rPr lang="en-US" sz="3300" dirty="0" smtClean="0">
-                <a:solidFill>
-                  <a:srgbClr val="363636"/>
-                </a:solidFill>
-              </a:rPr>
-              <a:t>
-</a:t>
-            </a:r>
-            <a:r>
-              <a:rPr lang="en-US" sz="3300" dirty="0" smtClean="0">
-                <a:solidFill>
-                  <a:srgbClr val="363636"/>
-                </a:solidFill>
-              </a:rPr>
-              <a:t/>
-            </a:r>
-            <a:endParaRPr lang="en-US" dirty="0"/>
-          </a:p>
-        </p:txBody>
-      </p:sp>
+      </p:pic>
     </p:spTree>
   </p:cSld>
   <p:clrMapOvr>
@@ -4654,7 +5552,7 @@
                   <a:srgbClr val="363636"/>
                 </a:solidFill>
               </a:rPr>
-              <a:t>ACLAMAÇÃO</a:t>
+              <a:t>“GLÓRIA”</a:t>
             </a:r>
             <a:endParaRPr lang="en-US" dirty="0"/>
           </a:p>
@@ -4684,58 +5582,143 @@
               <a:buNone/>
             </a:pPr>
             <a:r>
-              <a:rPr lang="en-US" sz="3600" dirty="0" smtClean="0">
-                <a:solidFill>
-                  <a:srgbClr val="363636"/>
-                </a:solidFill>
-              </a:rPr>
-              <a:t>ALELUIA, ALELUIA, ALELUIA, ALELUIA!
-</a:t>
-            </a:r>
-            <a:r>
-              <a:rPr lang="en-US" sz="3600" dirty="0" smtClean="0">
-                <a:solidFill>
-                  <a:srgbClr val="363636"/>
-                </a:solidFill>
-              </a:rPr>
-              <a:t/>
-            </a:r>
-            <a:r>
-              <a:rPr lang="en-US" sz="3600" dirty="0" smtClean="0">
-                <a:solidFill>
-                  <a:srgbClr val="363636"/>
-                </a:solidFill>
-              </a:rPr>
-              <a:t>ALELUIA, ALELUIA, ALELUIA,
-</a:t>
-            </a:r>
-            <a:r>
-              <a:rPr lang="en-US" sz="3600" dirty="0" smtClean="0">
-                <a:solidFill>
-                  <a:srgbClr val="363636"/>
-                </a:solidFill>
-              </a:rPr>
-              <a:t/>
-            </a:r>
-            <a:r>
-              <a:rPr lang="en-US" sz="3600" dirty="0" smtClean="0">
-                <a:solidFill>
-                  <a:srgbClr val="363636"/>
-                </a:solidFill>
-              </a:rPr>
-              <a:t>ALELUIA, ALELUIA, ALELUIA, ALELUIA!
-</a:t>
-            </a:r>
-            <a:r>
-              <a:rPr lang="en-US" sz="3600" dirty="0" smtClean="0">
-                <a:solidFill>
-                  <a:srgbClr val="363636"/>
-                </a:solidFill>
-              </a:rPr>
-              <a:t/>
-            </a:r>
-            <a:r>
-              <a:rPr lang="en-US" sz="3600" dirty="0" smtClean="0">
+              <a:rPr lang="en-US" sz="2500" dirty="0" smtClean="0">
+                <a:solidFill>
+                  <a:srgbClr val="363636"/>
+                </a:solidFill>
+              </a:rPr>
+              <a:t>Glória a Deus nas alturas!
+</a:t>
+            </a:r>
+            <a:r>
+              <a:rPr lang="en-US" sz="2500" dirty="0" smtClean="0">
+                <a:solidFill>
+                  <a:srgbClr val="363636"/>
+                </a:solidFill>
+              </a:rPr>
+              <a:t/>
+            </a:r>
+            <a:r>
+              <a:rPr lang="en-US" sz="2500" dirty="0" smtClean="0">
+                <a:solidFill>
+                  <a:srgbClr val="363636"/>
+                </a:solidFill>
+              </a:rPr>
+              <a:t>Glória a Deus nas alturas!
+</a:t>
+            </a:r>
+            <a:r>
+              <a:rPr lang="en-US" sz="2500" dirty="0" smtClean="0">
+                <a:solidFill>
+                  <a:srgbClr val="363636"/>
+                </a:solidFill>
+              </a:rPr>
+              <a:t/>
+            </a:r>
+            <a:r>
+              <a:rPr lang="en-US" sz="2500" dirty="0" smtClean="0">
+                <a:solidFill>
+                  <a:srgbClr val="363636"/>
+                </a:solidFill>
+              </a:rPr>
+              <a:t>Glória a Deus nas alturas e paz na terra aos
+</a:t>
+            </a:r>
+            <a:r>
+              <a:rPr lang="en-US" sz="2500" dirty="0" smtClean="0">
+                <a:solidFill>
+                  <a:srgbClr val="363636"/>
+                </a:solidFill>
+              </a:rPr>
+              <a:t/>
+            </a:r>
+            <a:r>
+              <a:rPr lang="en-US" sz="2500" dirty="0" smtClean="0">
+                <a:solidFill>
+                  <a:srgbClr val="363636"/>
+                </a:solidFill>
+              </a:rPr>
+              <a:t>homens por ele amados.
+</a:t>
+            </a:r>
+            <a:r>
+              <a:rPr lang="en-US" sz="2500" dirty="0" smtClean="0">
+                <a:solidFill>
+                  <a:srgbClr val="363636"/>
+                </a:solidFill>
+              </a:rPr>
+              <a:t/>
+            </a:r>
+            <a:r>
+              <a:rPr lang="en-US" sz="2500" dirty="0" smtClean="0">
+                <a:solidFill>
+                  <a:srgbClr val="363636"/>
+                </a:solidFill>
+              </a:rPr>
+              <a:t>*Senhor Deus Rei dos céus,Deus pai todo poderoso
+</a:t>
+            </a:r>
+            <a:r>
+              <a:rPr lang="en-US" sz="2500" dirty="0" smtClean="0">
+                <a:solidFill>
+                  <a:srgbClr val="363636"/>
+                </a:solidFill>
+              </a:rPr>
+              <a:t/>
+            </a:r>
+            <a:r>
+              <a:rPr lang="en-US" sz="2500" dirty="0" smtClean="0">
+                <a:solidFill>
+                  <a:srgbClr val="363636"/>
+                </a:solidFill>
+              </a:rPr>
+              <a:t>Nós vos louvamos nós, vos bendizemos,nós vos
+</a:t>
+            </a:r>
+            <a:r>
+              <a:rPr lang="en-US" sz="2500" dirty="0" smtClean="0">
+                <a:solidFill>
+                  <a:srgbClr val="363636"/>
+                </a:solidFill>
+              </a:rPr>
+              <a:t/>
+            </a:r>
+            <a:r>
+              <a:rPr lang="en-US" sz="2500" dirty="0" smtClean="0">
+                <a:solidFill>
+                  <a:srgbClr val="363636"/>
+                </a:solidFill>
+              </a:rPr>
+              <a:t>adoramos,nós vos  glorificamos,nós vos damos
+</a:t>
+            </a:r>
+            <a:r>
+              <a:rPr lang="en-US" sz="2500" dirty="0" smtClean="0">
+                <a:solidFill>
+                  <a:srgbClr val="363636"/>
+                </a:solidFill>
+              </a:rPr>
+              <a:t/>
+            </a:r>
+            <a:r>
+              <a:rPr lang="en-US" sz="2500" dirty="0" smtClean="0">
+                <a:solidFill>
+                  <a:srgbClr val="363636"/>
+                </a:solidFill>
+              </a:rPr>
+              <a:t>graças por vossa imensa glória.
+</a:t>
+            </a:r>
+            <a:r>
+              <a:rPr lang="en-US" sz="2500" dirty="0" smtClean="0">
+                <a:solidFill>
+                  <a:srgbClr val="363636"/>
+                </a:solidFill>
+              </a:rPr>
+              <a:t/>
+            </a:r>
+            <a:r>
+              <a:rPr lang="en-US" sz="2500" dirty="0" smtClean="0">
                 <a:solidFill>
                   <a:srgbClr val="363636"/>
                 </a:solidFill>
@@ -4744,7 +5727,7 @@
 </a:t>
             </a:r>
             <a:r>
-              <a:rPr lang="en-US" sz="3600" dirty="0" smtClean="0">
+              <a:rPr lang="en-US" sz="2500" dirty="0" smtClean="0">
                 <a:solidFill>
                   <a:srgbClr val="363636"/>
                 </a:solidFill>
@@ -4809,7 +5792,7 @@
                   <a:srgbClr val="363636"/>
                 </a:solidFill>
               </a:rPr>
-              <a:t>ACLAMAÇÃO</a:t>
+              <a:t>“GLÓRIA”</a:t>
             </a:r>
             <a:endParaRPr lang="en-US" dirty="0"/>
           </a:p>
@@ -4839,75 +5822,143 @@
               <a:buNone/>
             </a:pPr>
             <a:r>
-              <a:rPr lang="en-US" sz="3600" dirty="0" smtClean="0">
-                <a:solidFill>
-                  <a:srgbClr val="363636"/>
-                </a:solidFill>
-              </a:rPr>
-              <a:t>4º domingo da Páscoa:
-</a:t>
-            </a:r>
-            <a:r>
-              <a:rPr lang="en-US" sz="3600" dirty="0" smtClean="0">
-                <a:solidFill>
-                  <a:srgbClr val="363636"/>
-                </a:solidFill>
-              </a:rPr>
-              <a:t/>
-            </a:r>
-            <a:r>
-              <a:rPr lang="en-US" sz="3600" dirty="0" smtClean="0">
-                <a:solidFill>
-                  <a:srgbClr val="363636"/>
-                </a:solidFill>
-              </a:rPr>
-              <a:t>EU SOU O BOM PASTOR, DIZ O SENHOR,
-</a:t>
-            </a:r>
-            <a:r>
-              <a:rPr lang="en-US" sz="3600" dirty="0" smtClean="0">
-                <a:solidFill>
-                  <a:srgbClr val="363636"/>
-                </a:solidFill>
-              </a:rPr>
-              <a:t/>
-            </a:r>
-            <a:r>
-              <a:rPr lang="en-US" sz="3600" dirty="0" smtClean="0">
-                <a:solidFill>
-                  <a:srgbClr val="363636"/>
-                </a:solidFill>
-              </a:rPr>
-              <a:t>EU CONHEÇO AS MINHAS OVELHAS E ELAS ME
-</a:t>
-            </a:r>
-            <a:r>
-              <a:rPr lang="en-US" sz="3600" dirty="0" smtClean="0">
-                <a:solidFill>
-                  <a:srgbClr val="363636"/>
-                </a:solidFill>
-              </a:rPr>
-              <a:t/>
-            </a:r>
-            <a:r>
-              <a:rPr lang="en-US" sz="3600" dirty="0" smtClean="0">
-                <a:solidFill>
-                  <a:srgbClr val="363636"/>
-                </a:solidFill>
-              </a:rPr>
-              <a:t>CONHECEM A MIM.
-</a:t>
-            </a:r>
-            <a:r>
-              <a:rPr lang="en-US" sz="3600" dirty="0" smtClean="0">
-                <a:solidFill>
-                  <a:srgbClr val="363636"/>
-                </a:solidFill>
-              </a:rPr>
-              <a:t/>
-            </a:r>
-            <a:r>
-              <a:rPr lang="en-US" sz="3600" dirty="0" smtClean="0">
+              <a:rPr lang="en-US" sz="2000" dirty="0" smtClean="0">
+                <a:solidFill>
+                  <a:srgbClr val="363636"/>
+                </a:solidFill>
+              </a:rPr>
+              <a:t>*Senhor Jesus Cristo filho unigênito,senhor Deus
+</a:t>
+            </a:r>
+            <a:r>
+              <a:rPr lang="en-US" sz="2000" dirty="0" smtClean="0">
+                <a:solidFill>
+                  <a:srgbClr val="363636"/>
+                </a:solidFill>
+              </a:rPr>
+              <a:t/>
+            </a:r>
+            <a:r>
+              <a:rPr lang="en-US" sz="2000" dirty="0" smtClean="0">
+                <a:solidFill>
+                  <a:srgbClr val="363636"/>
+                </a:solidFill>
+              </a:rPr>
+              <a:t>cordeiro de Deus filho de Deus Pai,vós que  tirais o
+</a:t>
+            </a:r>
+            <a:r>
+              <a:rPr lang="en-US" sz="2000" dirty="0" smtClean="0">
+                <a:solidFill>
+                  <a:srgbClr val="363636"/>
+                </a:solidFill>
+              </a:rPr>
+              <a:t/>
+            </a:r>
+            <a:r>
+              <a:rPr lang="en-US" sz="2000" dirty="0" smtClean="0">
+                <a:solidFill>
+                  <a:srgbClr val="363636"/>
+                </a:solidFill>
+              </a:rPr>
+              <a:t>pecado do mundo,tende piedade de nós,vós que
+</a:t>
+            </a:r>
+            <a:r>
+              <a:rPr lang="en-US" sz="2000" dirty="0" smtClean="0">
+                <a:solidFill>
+                  <a:srgbClr val="363636"/>
+                </a:solidFill>
+              </a:rPr>
+              <a:t/>
+            </a:r>
+            <a:r>
+              <a:rPr lang="en-US" sz="2000" dirty="0" smtClean="0">
+                <a:solidFill>
+                  <a:srgbClr val="363636"/>
+                </a:solidFill>
+              </a:rPr>
+              <a:t>tirais  o pecado do mundo acolhei a nossa súplica,
+</a:t>
+            </a:r>
+            <a:r>
+              <a:rPr lang="en-US" sz="2000" dirty="0" smtClean="0">
+                <a:solidFill>
+                  <a:srgbClr val="363636"/>
+                </a:solidFill>
+              </a:rPr>
+              <a:t/>
+            </a:r>
+            <a:r>
+              <a:rPr lang="en-US" sz="2000" dirty="0" smtClean="0">
+                <a:solidFill>
+                  <a:srgbClr val="363636"/>
+                </a:solidFill>
+              </a:rPr>
+              <a:t>Vós que estais a direita do Pai tende piedade de nós.
+</a:t>
+            </a:r>
+            <a:r>
+              <a:rPr lang="en-US" sz="2000" dirty="0" smtClean="0">
+                <a:solidFill>
+                  <a:srgbClr val="363636"/>
+                </a:solidFill>
+              </a:rPr>
+              <a:t/>
+            </a:r>
+            <a:r>
+              <a:rPr lang="en-US" sz="2000" dirty="0" smtClean="0">
+                <a:solidFill>
+                  <a:srgbClr val="363636"/>
+                </a:solidFill>
+              </a:rPr>
+              <a:t>*Só vós sois o Santo,Só vós o Senhor,só vós o
+</a:t>
+            </a:r>
+            <a:r>
+              <a:rPr lang="en-US" sz="2000" dirty="0" smtClean="0">
+                <a:solidFill>
+                  <a:srgbClr val="363636"/>
+                </a:solidFill>
+              </a:rPr>
+              <a:t/>
+            </a:r>
+            <a:r>
+              <a:rPr lang="en-US" sz="2000" dirty="0" smtClean="0">
+                <a:solidFill>
+                  <a:srgbClr val="363636"/>
+                </a:solidFill>
+              </a:rPr>
+              <a:t>altíssimo Jesus Cristo,com o Espírito Santo na glória
+</a:t>
+            </a:r>
+            <a:r>
+              <a:rPr lang="en-US" sz="2000" dirty="0" smtClean="0">
+                <a:solidFill>
+                  <a:srgbClr val="363636"/>
+                </a:solidFill>
+              </a:rPr>
+              <a:t/>
+            </a:r>
+            <a:r>
+              <a:rPr lang="en-US" sz="2000" dirty="0" smtClean="0">
+                <a:solidFill>
+                  <a:srgbClr val="363636"/>
+                </a:solidFill>
+              </a:rPr>
+              <a:t>de Deus Pai ....AMÉÉÉM!
+</a:t>
+            </a:r>
+            <a:r>
+              <a:rPr lang="en-US" sz="2000" dirty="0" smtClean="0">
+                <a:solidFill>
+                  <a:srgbClr val="363636"/>
+                </a:solidFill>
+              </a:rPr>
+              <a:t/>
+            </a:r>
+            <a:r>
+              <a:rPr lang="en-US" sz="2000" dirty="0" smtClean="0">
                 <a:solidFill>
                   <a:srgbClr val="363636"/>
                 </a:solidFill>
@@ -4916,7 +5967,7 @@
 </a:t>
             </a:r>
             <a:r>
-              <a:rPr lang="en-US" sz="3600" dirty="0" smtClean="0">
+              <a:rPr lang="en-US" sz="2000" dirty="0" smtClean="0">
                 <a:solidFill>
                   <a:srgbClr val="363636"/>
                 </a:solidFill>
@@ -4952,204 +6003,30 @@
           <a:chExt cx="0" cy="0"/>
         </a:xfrm>
       </p:grpSpPr>
-      <p:sp>
-        <p:nvSpPr>
-          <p:cNvPr id="2" name="Object 1"/>
-          <p:cNvSpPr/>
+      <p:pic>
+        <p:nvPicPr>
+          <p:cNvPr id="2" name="Object 1" descr="./resources/santa-terezinha.jpg">    </p:cNvPr>
+          <p:cNvPicPr>
+            <a:picLocks noChangeAspect="1"/>
+          </p:cNvPicPr>
           <p:nvPr/>
-        </p:nvSpPr>
+        </p:nvPicPr>
+        <p:blipFill>
+          <a:blip r:embed="rId1"/>
+          <a:stretch>
+            <a:fillRect/>
+          </a:stretch>
+        </p:blipFill>
         <p:spPr>
           <a:xfrm>
-            <a:off x="3657600" y="457200"/>
-            <a:ext cx="6858000" cy="274320"/>
+            <a:off x="0" y="0"/>
+            <a:ext cx="9144000" cy="5486400"/>
           </a:xfrm>
           <a:prstGeom prst="rect">
             <a:avLst/>
           </a:prstGeom>
-          <a:noFill/>
         </p:spPr>
-        <p:txBody>
-          <a:bodyPr wrap="square" rtlCol="0" anchor="ctr"/>
-          <a:lstStyle/>
-          <a:p>
-            <a:pPr>
-              <a:buNone/>
-            </a:pPr>
-            <a:r>
-              <a:rPr lang="en-US" sz="1800" dirty="0" smtClean="0">
-                <a:solidFill>
-                  <a:srgbClr val="363636"/>
-                </a:solidFill>
-              </a:rPr>
-              <a:t>“OFERTÓRIO” OFERTA SINGELA</a:t>
-            </a:r>
-            <a:endParaRPr lang="en-US" dirty="0"/>
-          </a:p>
-        </p:txBody>
-      </p:sp>
-      <p:sp>
-        <p:nvSpPr>
-          <p:cNvPr id="3" name="Object 2"/>
-          <p:cNvSpPr/>
-          <p:nvPr/>
-        </p:nvSpPr>
-        <p:spPr>
-          <a:xfrm>
-            <a:off x="914400" y="2743200"/>
-            <a:ext cx="6858000" cy="274320"/>
-          </a:xfrm>
-          <a:prstGeom prst="rect">
-            <a:avLst/>
-          </a:prstGeom>
-          <a:noFill/>
-        </p:spPr>
-        <p:txBody>
-          <a:bodyPr wrap="square" rtlCol="0" anchor="ctr"/>
-          <a:lstStyle/>
-          <a:p>
-            <a:pPr>
-              <a:buNone/>
-            </a:pPr>
-            <a:r>
-              <a:rPr lang="en-US" sz="2500" dirty="0" smtClean="0">
-                <a:solidFill>
-                  <a:srgbClr val="363636"/>
-                </a:solidFill>
-              </a:rPr>
-              <a:t>1- Ofertas singelas, pão e vinho, sobre a mesa colocamos
-</a:t>
-            </a:r>
-            <a:r>
-              <a:rPr lang="en-US" sz="2500" dirty="0" smtClean="0">
-                <a:solidFill>
-                  <a:srgbClr val="363636"/>
-                </a:solidFill>
-              </a:rPr>
-              <a:t/>
-            </a:r>
-            <a:r>
-              <a:rPr lang="en-US" sz="2500" dirty="0" smtClean="0">
-                <a:solidFill>
-                  <a:srgbClr val="363636"/>
-                </a:solidFill>
-              </a:rPr>
-              <a:t>Sinais do trabalho que fizemos e aqui depositamos
-</a:t>
-            </a:r>
-            <a:r>
-              <a:rPr lang="en-US" sz="2500" dirty="0" smtClean="0">
-                <a:solidFill>
-                  <a:srgbClr val="363636"/>
-                </a:solidFill>
-              </a:rPr>
-              <a:t/>
-            </a:r>
-            <a:r>
-              <a:rPr lang="en-US" sz="2500" dirty="0" smtClean="0">
-                <a:solidFill>
-                  <a:srgbClr val="363636"/>
-                </a:solidFill>
-              </a:rPr>
-              <a:t>É teu também nosso coração
-</a:t>
-            </a:r>
-            <a:r>
-              <a:rPr lang="en-US" sz="2500" dirty="0" smtClean="0">
-                <a:solidFill>
-                  <a:srgbClr val="363636"/>
-                </a:solidFill>
-              </a:rPr>
-              <a:t/>
-            </a:r>
-            <a:r>
-              <a:rPr lang="en-US" sz="2500" dirty="0" smtClean="0">
-                <a:solidFill>
-                  <a:srgbClr val="363636"/>
-                </a:solidFill>
-              </a:rPr>
-              <a:t>Aceita, Senhor a nossa oferta, que será depois, na certa, o teu
-</a:t>
-            </a:r>
-            <a:r>
-              <a:rPr lang="en-US" sz="2500" dirty="0" smtClean="0">
-                <a:solidFill>
-                  <a:srgbClr val="363636"/>
-                </a:solidFill>
-              </a:rPr>
-              <a:t/>
-            </a:r>
-            <a:r>
-              <a:rPr lang="en-US" sz="2500" dirty="0" smtClean="0">
-                <a:solidFill>
-                  <a:srgbClr val="363636"/>
-                </a:solidFill>
-              </a:rPr>
-              <a:t>Próprio ser
-</a:t>
-            </a:r>
-            <a:r>
-              <a:rPr lang="en-US" sz="2500" dirty="0" smtClean="0">
-                <a:solidFill>
-                  <a:srgbClr val="363636"/>
-                </a:solidFill>
-              </a:rPr>
-              <a:t/>
-            </a:r>
-            <a:r>
-              <a:rPr lang="en-US" sz="2500" dirty="0" smtClean="0">
-                <a:solidFill>
-                  <a:srgbClr val="363636"/>
-                </a:solidFill>
-              </a:rPr>
-              <a:t>Aceita, Senhor a nossa oferta, que será depois, na certa, o teu
-</a:t>
-            </a:r>
-            <a:r>
-              <a:rPr lang="en-US" sz="2500" dirty="0" smtClean="0">
-                <a:solidFill>
-                  <a:srgbClr val="363636"/>
-                </a:solidFill>
-              </a:rPr>
-              <a:t/>
-            </a:r>
-            <a:r>
-              <a:rPr lang="en-US" sz="2500" dirty="0" smtClean="0">
-                <a:solidFill>
-                  <a:srgbClr val="363636"/>
-                </a:solidFill>
-              </a:rPr>
-              <a:t>Próprio ser
-</a:t>
-            </a:r>
-            <a:r>
-              <a:rPr lang="en-US" sz="2500" dirty="0" smtClean="0">
-                <a:solidFill>
-                  <a:srgbClr val="363636"/>
-                </a:solidFill>
-              </a:rPr>
-              <a:t/>
-            </a:r>
-            <a:r>
-              <a:rPr lang="en-US" sz="2500" dirty="0" smtClean="0">
-                <a:solidFill>
-                  <a:srgbClr val="363636"/>
-                </a:solidFill>
-              </a:rPr>
-              <a:t>
-</a:t>
-            </a:r>
-            <a:r>
-              <a:rPr lang="en-US" sz="2500" dirty="0" smtClean="0">
-                <a:solidFill>
-                  <a:srgbClr val="363636"/>
-                </a:solidFill>
-              </a:rPr>
-              <a:t/>
-            </a:r>
-            <a:endParaRPr lang="en-US" dirty="0"/>
-          </a:p>
-        </p:txBody>
-      </p:sp>
+      </p:pic>
     </p:spTree>
   </p:cSld>
   <p:clrMapOvr>
@@ -5204,7 +6081,7 @@
                   <a:srgbClr val="363636"/>
                 </a:solidFill>
               </a:rPr>
-              <a:t>“OFERTÓRIO” OFERTA SINGELA</a:t>
+              <a:t>HINOS  DA PALAVRA</a:t>
             </a:r>
             <a:endParaRPr lang="en-US" dirty="0"/>
           </a:p>
@@ -5234,58 +6111,75 @@
               <a:buNone/>
             </a:pPr>
             <a:r>
-              <a:rPr lang="en-US" sz="3400" dirty="0" smtClean="0">
-                <a:solidFill>
-                  <a:srgbClr val="363636"/>
-                </a:solidFill>
-              </a:rPr>
-              <a:t>2- Recebe Senhor da Natureza todo fruto que colhemos
-</a:t>
-            </a:r>
-            <a:r>
-              <a:rPr lang="en-US" sz="3400" dirty="0" smtClean="0">
-                <a:solidFill>
-                  <a:srgbClr val="363636"/>
-                </a:solidFill>
-              </a:rPr>
-              <a:t/>
-            </a:r>
-            <a:r>
-              <a:rPr lang="en-US" sz="3400" dirty="0" smtClean="0">
-                <a:solidFill>
-                  <a:srgbClr val="363636"/>
-                </a:solidFill>
-              </a:rPr>
-              <a:t>Recebe o louvor de nossas obras e o progresso que fizemos
-</a:t>
-            </a:r>
-            <a:r>
-              <a:rPr lang="en-US" sz="3400" dirty="0" smtClean="0">
-                <a:solidFill>
-                  <a:srgbClr val="363636"/>
-                </a:solidFill>
-              </a:rPr>
-              <a:t/>
-            </a:r>
-            <a:r>
-              <a:rPr lang="en-US" sz="3400" dirty="0" smtClean="0">
-                <a:solidFill>
-                  <a:srgbClr val="363636"/>
-                </a:solidFill>
-              </a:rPr>
-              <a:t>É teu também nosso coração.REFRÃO
-</a:t>
-            </a:r>
-            <a:r>
-              <a:rPr lang="en-US" sz="3400" dirty="0" smtClean="0">
-                <a:solidFill>
-                  <a:srgbClr val="363636"/>
-                </a:solidFill>
-              </a:rPr>
-              <a:t/>
-            </a:r>
-            <a:r>
-              <a:rPr lang="en-US" sz="3400" dirty="0" smtClean="0">
+              <a:rPr lang="en-US" sz="3300" dirty="0" smtClean="0">
+                <a:solidFill>
+                  <a:srgbClr val="363636"/>
+                </a:solidFill>
+              </a:rPr>
+              <a:t>Quero ouvir Tua palavra, Que transforma o meu viver
+</a:t>
+            </a:r>
+            <a:r>
+              <a:rPr lang="en-US" sz="3300" dirty="0" smtClean="0">
+                <a:solidFill>
+                  <a:srgbClr val="363636"/>
+                </a:solidFill>
+              </a:rPr>
+              <a:t/>
+            </a:r>
+            <a:r>
+              <a:rPr lang="en-US" sz="3300" dirty="0" smtClean="0">
+                <a:solidFill>
+                  <a:srgbClr val="363636"/>
+                </a:solidFill>
+              </a:rPr>
+              <a:t>Pra cantar a canção nova para o mundo
+</a:t>
+            </a:r>
+            <a:r>
+              <a:rPr lang="en-US" sz="3300" dirty="0" smtClean="0">
+                <a:solidFill>
+                  <a:srgbClr val="363636"/>
+                </a:solidFill>
+              </a:rPr>
+              <a:t/>
+            </a:r>
+            <a:r>
+              <a:rPr lang="en-US" sz="3300" dirty="0" smtClean="0">
+                <a:solidFill>
+                  <a:srgbClr val="363636"/>
+                </a:solidFill>
+              </a:rPr>
+              <a:t>Fala Senhor, eu quero Te escutar,
+</a:t>
+            </a:r>
+            <a:r>
+              <a:rPr lang="en-US" sz="3300" dirty="0" smtClean="0">
+                <a:solidFill>
+                  <a:srgbClr val="363636"/>
+                </a:solidFill>
+              </a:rPr>
+              <a:t/>
+            </a:r>
+            <a:r>
+              <a:rPr lang="en-US" sz="3300" dirty="0" smtClean="0">
+                <a:solidFill>
+                  <a:srgbClr val="363636"/>
+                </a:solidFill>
+              </a:rPr>
+              <a:t>Fala Senhor, eu quero Te escutar!
+</a:t>
+            </a:r>
+            <a:r>
+              <a:rPr lang="en-US" sz="3300" dirty="0" smtClean="0">
+                <a:solidFill>
+                  <a:srgbClr val="363636"/>
+                </a:solidFill>
+              </a:rPr>
+              <a:t/>
+            </a:r>
+            <a:r>
+              <a:rPr lang="en-US" sz="3300" dirty="0" smtClean="0">
                 <a:solidFill>
                   <a:srgbClr val="363636"/>
                 </a:solidFill>
@@ -5294,7 +6188,7 @@
 </a:t>
             </a:r>
             <a:r>
-              <a:rPr lang="en-US" sz="3400" dirty="0" smtClean="0">
+              <a:rPr lang="en-US" sz="3300" dirty="0" smtClean="0">
                 <a:solidFill>
                   <a:srgbClr val="363636"/>
                 </a:solidFill>
@@ -5330,136 +6224,30 @@
           <a:chExt cx="0" cy="0"/>
         </a:xfrm>
       </p:grpSpPr>
-      <p:sp>
-        <p:nvSpPr>
-          <p:cNvPr id="2" name="Object 1"/>
-          <p:cNvSpPr/>
+      <p:pic>
+        <p:nvPicPr>
+          <p:cNvPr id="2" name="Object 1" descr="./resources/santa-terezinha.jpg">    </p:cNvPr>
+          <p:cNvPicPr>
+            <a:picLocks noChangeAspect="1"/>
+          </p:cNvPicPr>
           <p:nvPr/>
-        </p:nvSpPr>
+        </p:nvPicPr>
+        <p:blipFill>
+          <a:blip r:embed="rId1"/>
+          <a:stretch>
+            <a:fillRect/>
+          </a:stretch>
+        </p:blipFill>
         <p:spPr>
           <a:xfrm>
-            <a:off x="3657600" y="457200"/>
-            <a:ext cx="6858000" cy="274320"/>
+            <a:off x="0" y="0"/>
+            <a:ext cx="9144000" cy="5486400"/>
           </a:xfrm>
           <a:prstGeom prst="rect">
             <a:avLst/>
           </a:prstGeom>
-          <a:noFill/>
         </p:spPr>
-        <p:txBody>
-          <a:bodyPr wrap="square" rtlCol="0" anchor="ctr"/>
-          <a:lstStyle/>
-          <a:p>
-            <a:pPr>
-              <a:buNone/>
-            </a:pPr>
-            <a:r>
-              <a:rPr lang="en-US" sz="1800" dirty="0" smtClean="0">
-                <a:solidFill>
-                  <a:srgbClr val="363636"/>
-                </a:solidFill>
-              </a:rPr>
-              <a:t>“OFERTÓRIO” OFERTA SINGELA</a:t>
-            </a:r>
-            <a:endParaRPr lang="en-US" dirty="0"/>
-          </a:p>
-        </p:txBody>
-      </p:sp>
-      <p:sp>
-        <p:nvSpPr>
-          <p:cNvPr id="3" name="Object 2"/>
-          <p:cNvSpPr/>
-          <p:nvPr/>
-        </p:nvSpPr>
-        <p:spPr>
-          <a:xfrm>
-            <a:off x="914400" y="2743200"/>
-            <a:ext cx="6858000" cy="274320"/>
-          </a:xfrm>
-          <a:prstGeom prst="rect">
-            <a:avLst/>
-          </a:prstGeom>
-          <a:noFill/>
-        </p:spPr>
-        <p:txBody>
-          <a:bodyPr wrap="square" rtlCol="0" anchor="ctr"/>
-          <a:lstStyle/>
-          <a:p>
-            <a:pPr>
-              <a:buNone/>
-            </a:pPr>
-            <a:r>
-              <a:rPr lang="en-US" sz="3400" dirty="0" smtClean="0">
-                <a:solidFill>
-                  <a:srgbClr val="363636"/>
-                </a:solidFill>
-              </a:rPr>
-              <a:t>3- Sabemos que tudo tem valor depois que a terra visitaste
-</a:t>
-            </a:r>
-            <a:r>
-              <a:rPr lang="en-US" sz="3400" dirty="0" smtClean="0">
-                <a:solidFill>
-                  <a:srgbClr val="363636"/>
-                </a:solidFill>
-              </a:rPr>
-              <a:t/>
-            </a:r>
-            <a:r>
-              <a:rPr lang="en-US" sz="3400" dirty="0" smtClean="0">
-                <a:solidFill>
-                  <a:srgbClr val="363636"/>
-                </a:solidFill>
-              </a:rPr>
-              <a:t>Embora tivéssemos pecado, foi bem mais o que pagaste.
-</a:t>
-            </a:r>
-            <a:r>
-              <a:rPr lang="en-US" sz="3400" dirty="0" smtClean="0">
-                <a:solidFill>
-                  <a:srgbClr val="363636"/>
-                </a:solidFill>
-              </a:rPr>
-              <a:t/>
-            </a:r>
-            <a:r>
-              <a:rPr lang="en-US" sz="3400" dirty="0" smtClean="0">
-                <a:solidFill>
-                  <a:srgbClr val="363636"/>
-                </a:solidFill>
-              </a:rPr>
-              <a:t>É teu também nosso coração. REFRÃO
-</a:t>
-            </a:r>
-            <a:r>
-              <a:rPr lang="en-US" sz="3400" dirty="0" smtClean="0">
-                <a:solidFill>
-                  <a:srgbClr val="363636"/>
-                </a:solidFill>
-              </a:rPr>
-              <a:t/>
-            </a:r>
-            <a:r>
-              <a:rPr lang="en-US" sz="3400" dirty="0" smtClean="0">
-                <a:solidFill>
-                  <a:srgbClr val="363636"/>
-                </a:solidFill>
-              </a:rPr>
-              <a:t>
-</a:t>
-            </a:r>
-            <a:r>
-              <a:rPr lang="en-US" sz="3400" dirty="0" smtClean="0">
-                <a:solidFill>
-                  <a:srgbClr val="363636"/>
-                </a:solidFill>
-              </a:rPr>
-              <a:t/>
-            </a:r>
-            <a:endParaRPr lang="en-US" dirty="0"/>
-          </a:p>
-        </p:txBody>
-      </p:sp>
+      </p:pic>
     </p:spTree>
   </p:cSld>
   <p:clrMapOvr>
@@ -5514,7 +6302,7 @@
                   <a:srgbClr val="363636"/>
                 </a:solidFill>
               </a:rPr>
-              <a:t>SANTO</a:t>
+              <a:t>ACLAMAÇÃO</a:t>
             </a:r>
             <a:endParaRPr lang="en-US" dirty="0"/>
           </a:p>
@@ -5544,75 +6332,58 @@
               <a:buNone/>
             </a:pPr>
             <a:r>
-              <a:rPr lang="en-US" sz="3300" dirty="0" smtClean="0">
-                <a:solidFill>
-                  <a:srgbClr val="363636"/>
-                </a:solidFill>
-              </a:rPr>
-              <a:t>Santo, Santo, Santo,Senhor Deus do universo
-</a:t>
-            </a:r>
-            <a:r>
-              <a:rPr lang="en-US" sz="3300" dirty="0" smtClean="0">
-                <a:solidFill>
-                  <a:srgbClr val="363636"/>
-                </a:solidFill>
-              </a:rPr>
-              <a:t/>
-            </a:r>
-            <a:r>
-              <a:rPr lang="en-US" sz="3300" dirty="0" smtClean="0">
-                <a:solidFill>
-                  <a:srgbClr val="363636"/>
-                </a:solidFill>
-              </a:rPr>
-              <a:t>O céu e a terra proclamam vossa gloria!
-</a:t>
-            </a:r>
-            <a:r>
-              <a:rPr lang="en-US" sz="3300" dirty="0" smtClean="0">
-                <a:solidFill>
-                  <a:srgbClr val="363636"/>
-                </a:solidFill>
-              </a:rPr>
-              <a:t/>
-            </a:r>
-            <a:r>
-              <a:rPr lang="en-US" sz="3300" dirty="0" smtClean="0">
-                <a:solidFill>
-                  <a:srgbClr val="363636"/>
-                </a:solidFill>
-              </a:rPr>
-              <a:t>HOSANA ! HOSANA! HOSANA NAS ALTURAS (2X)
-</a:t>
-            </a:r>
-            <a:r>
-              <a:rPr lang="en-US" sz="3300" dirty="0" smtClean="0">
-                <a:solidFill>
-                  <a:srgbClr val="363636"/>
-                </a:solidFill>
-              </a:rPr>
-              <a:t/>
-            </a:r>
-            <a:r>
-              <a:rPr lang="en-US" sz="3300" dirty="0" smtClean="0">
-                <a:solidFill>
-                  <a:srgbClr val="363636"/>
-                </a:solidFill>
-              </a:rPr>
-              <a:t>Bendito o que vem em nome do Senhor
-</a:t>
-            </a:r>
-            <a:r>
-              <a:rPr lang="en-US" sz="3300" dirty="0" smtClean="0">
-                <a:solidFill>
-                  <a:srgbClr val="363636"/>
-                </a:solidFill>
-              </a:rPr>
-              <a:t/>
-            </a:r>
-            <a:r>
-              <a:rPr lang="en-US" sz="3300" dirty="0" smtClean="0">
+              <a:rPr lang="en-US" sz="3600" dirty="0" smtClean="0">
+                <a:solidFill>
+                  <a:srgbClr val="363636"/>
+                </a:solidFill>
+              </a:rPr>
+              <a:t>ALELUIA, ALELUIA, ALELUIA, ALELUIA!
+</a:t>
+            </a:r>
+            <a:r>
+              <a:rPr lang="en-US" sz="3600" dirty="0" smtClean="0">
+                <a:solidFill>
+                  <a:srgbClr val="363636"/>
+                </a:solidFill>
+              </a:rPr>
+              <a:t/>
+            </a:r>
+            <a:r>
+              <a:rPr lang="en-US" sz="3600" dirty="0" smtClean="0">
+                <a:solidFill>
+                  <a:srgbClr val="363636"/>
+                </a:solidFill>
+              </a:rPr>
+              <a:t>ALELUIA, ALELUIA, ALELUIA,
+</a:t>
+            </a:r>
+            <a:r>
+              <a:rPr lang="en-US" sz="3600" dirty="0" smtClean="0">
+                <a:solidFill>
+                  <a:srgbClr val="363636"/>
+                </a:solidFill>
+              </a:rPr>
+              <a:t/>
+            </a:r>
+            <a:r>
+              <a:rPr lang="en-US" sz="3600" dirty="0" smtClean="0">
+                <a:solidFill>
+                  <a:srgbClr val="363636"/>
+                </a:solidFill>
+              </a:rPr>
+              <a:t>ALELUIA, ALELUIA, ALELUIA, ALELUIA!
+</a:t>
+            </a:r>
+            <a:r>
+              <a:rPr lang="en-US" sz="3600" dirty="0" smtClean="0">
+                <a:solidFill>
+                  <a:srgbClr val="363636"/>
+                </a:solidFill>
+              </a:rPr>
+              <a:t/>
+            </a:r>
+            <a:r>
+              <a:rPr lang="en-US" sz="3600" dirty="0" smtClean="0">
                 <a:solidFill>
                   <a:srgbClr val="363636"/>
                 </a:solidFill>
@@ -5621,7 +6392,7 @@
 </a:t>
             </a:r>
             <a:r>
-              <a:rPr lang="en-US" sz="3300" dirty="0" smtClean="0">
+              <a:rPr lang="en-US" sz="3600" dirty="0" smtClean="0">
                 <a:solidFill>
                   <a:srgbClr val="363636"/>
                 </a:solidFill>
@@ -5686,7 +6457,7 @@
                   <a:srgbClr val="363636"/>
                 </a:solidFill>
               </a:rPr>
-              <a:t>ORAÇÃO EUCARISTICA-3</a:t>
+              <a:t>ACLAMAÇÃO</a:t>
             </a:r>
             <a:endParaRPr lang="en-US" dirty="0"/>
           </a:p>
@@ -5716,109 +6487,75 @@
               <a:buNone/>
             </a:pPr>
             <a:r>
-              <a:rPr lang="en-US" sz="3000" dirty="0" smtClean="0">
-                <a:solidFill>
-                  <a:srgbClr val="363636"/>
-                </a:solidFill>
-              </a:rPr>
-              <a:t>Santificai e reuni o vosso povo!
-</a:t>
-            </a:r>
-            <a:r>
-              <a:rPr lang="en-US" sz="3000" dirty="0" smtClean="0">
-                <a:solidFill>
-                  <a:srgbClr val="363636"/>
-                </a:solidFill>
-              </a:rPr>
-              <a:t/>
-            </a:r>
-            <a:r>
-              <a:rPr lang="en-US" sz="3000" dirty="0" smtClean="0">
-                <a:solidFill>
-                  <a:srgbClr val="363636"/>
-                </a:solidFill>
-              </a:rPr>
-              <a:t>Santificai nossa oferenda, ó Senhor!
-</a:t>
-            </a:r>
-            <a:r>
-              <a:rPr lang="en-US" sz="3000" dirty="0" smtClean="0">
-                <a:solidFill>
-                  <a:srgbClr val="363636"/>
-                </a:solidFill>
-              </a:rPr>
-              <a:t/>
-            </a:r>
-            <a:r>
-              <a:rPr lang="en-US" sz="3000" dirty="0" smtClean="0">
-                <a:solidFill>
-                  <a:srgbClr val="363636"/>
-                </a:solidFill>
-              </a:rPr>
-              <a:t>Toda vez que se come deste pão
-</a:t>
-            </a:r>
-            <a:r>
-              <a:rPr lang="en-US" sz="3000" dirty="0" smtClean="0">
-                <a:solidFill>
-                  <a:srgbClr val="363636"/>
-                </a:solidFill>
-              </a:rPr>
-              <a:t/>
-            </a:r>
-            <a:r>
-              <a:rPr lang="en-US" sz="3000" dirty="0" smtClean="0">
-                <a:solidFill>
-                  <a:srgbClr val="363636"/>
-                </a:solidFill>
-              </a:rPr>
-              <a:t>Toda vez que se bebe deste vinho
-</a:t>
-            </a:r>
-            <a:r>
-              <a:rPr lang="en-US" sz="3000" dirty="0" smtClean="0">
-                <a:solidFill>
-                  <a:srgbClr val="363636"/>
-                </a:solidFill>
-              </a:rPr>
-              <a:t/>
-            </a:r>
-            <a:r>
-              <a:rPr lang="en-US" sz="3000" dirty="0" smtClean="0">
-                <a:solidFill>
-                  <a:srgbClr val="363636"/>
-                </a:solidFill>
-              </a:rPr>
-              <a:t>Se recorada a paixão de Jesus Cristo,
-</a:t>
-            </a:r>
-            <a:r>
-              <a:rPr lang="en-US" sz="3000" dirty="0" smtClean="0">
-                <a:solidFill>
-                  <a:srgbClr val="363636"/>
-                </a:solidFill>
-              </a:rPr>
-              <a:t/>
-            </a:r>
-            <a:r>
-              <a:rPr lang="en-US" sz="3000" dirty="0" smtClean="0">
-                <a:solidFill>
-                  <a:srgbClr val="363636"/>
-                </a:solidFill>
-              </a:rPr>
-              <a:t>E se fica esperando sua volta
-</a:t>
-            </a:r>
-            <a:r>
-              <a:rPr lang="en-US" sz="3000" dirty="0" smtClean="0">
-                <a:solidFill>
-                  <a:srgbClr val="363636"/>
-                </a:solidFill>
-              </a:rPr>
-              <a:t/>
-            </a:r>
-            <a:r>
-              <a:rPr lang="en-US" sz="3000" dirty="0" smtClean="0">
+              <a:rPr lang="en-US" sz="3600" dirty="0" smtClean="0">
+                <a:solidFill>
+                  <a:srgbClr val="363636"/>
+                </a:solidFill>
+              </a:rPr>
+              <a:t>4º domingo da Páscoa:
+</a:t>
+            </a:r>
+            <a:r>
+              <a:rPr lang="en-US" sz="3600" dirty="0" smtClean="0">
+                <a:solidFill>
+                  <a:srgbClr val="363636"/>
+                </a:solidFill>
+              </a:rPr>
+              <a:t/>
+            </a:r>
+            <a:r>
+              <a:rPr lang="en-US" sz="3600" dirty="0" smtClean="0">
+                <a:solidFill>
+                  <a:srgbClr val="363636"/>
+                </a:solidFill>
+              </a:rPr>
+              <a:t>EU SOU O BOM PASTOR, DIZ O SENHOR,
+</a:t>
+            </a:r>
+            <a:r>
+              <a:rPr lang="en-US" sz="3600" dirty="0" smtClean="0">
+                <a:solidFill>
+                  <a:srgbClr val="363636"/>
+                </a:solidFill>
+              </a:rPr>
+              <a:t/>
+            </a:r>
+            <a:r>
+              <a:rPr lang="en-US" sz="3600" dirty="0" smtClean="0">
+                <a:solidFill>
+                  <a:srgbClr val="363636"/>
+                </a:solidFill>
+              </a:rPr>
+              <a:t>EU CONHEÇO AS MINHAS OVELHAS E ELAS ME
+</a:t>
+            </a:r>
+            <a:r>
+              <a:rPr lang="en-US" sz="3600" dirty="0" smtClean="0">
+                <a:solidFill>
+                  <a:srgbClr val="363636"/>
+                </a:solidFill>
+              </a:rPr>
+              <a:t/>
+            </a:r>
+            <a:r>
+              <a:rPr lang="en-US" sz="3600" dirty="0" smtClean="0">
+                <a:solidFill>
+                  <a:srgbClr val="363636"/>
+                </a:solidFill>
+              </a:rPr>
+              <a:t>CONHECEM A MIM.
+</a:t>
+            </a:r>
+            <a:r>
+              <a:rPr lang="en-US" sz="3600" dirty="0" smtClean="0">
+                <a:solidFill>
+                  <a:srgbClr val="363636"/>
+                </a:solidFill>
+              </a:rPr>
+              <a:t/>
+            </a:r>
+            <a:r>
+              <a:rPr lang="en-US" sz="3600" dirty="0" smtClean="0">
                 <a:solidFill>
                   <a:srgbClr val="363636"/>
                 </a:solidFill>
@@ -5827,7 +6564,7 @@
 </a:t>
             </a:r>
             <a:r>
-              <a:rPr lang="en-US" sz="3000" dirty="0" smtClean="0">
+              <a:rPr lang="en-US" sz="3600" dirty="0" smtClean="0">
                 <a:solidFill>
                   <a:srgbClr val="363636"/>
                 </a:solidFill>
@@ -6001,187 +6738,30 @@
           <a:chExt cx="0" cy="0"/>
         </a:xfrm>
       </p:grpSpPr>
-      <p:sp>
-        <p:nvSpPr>
-          <p:cNvPr id="2" name="Object 1"/>
-          <p:cNvSpPr/>
+      <p:pic>
+        <p:nvPicPr>
+          <p:cNvPr id="2" name="Object 1" descr="./resources/santa-terezinha.jpg">    </p:cNvPr>
+          <p:cNvPicPr>
+            <a:picLocks noChangeAspect="1"/>
+          </p:cNvPicPr>
           <p:nvPr/>
-        </p:nvSpPr>
+        </p:nvPicPr>
+        <p:blipFill>
+          <a:blip r:embed="rId1"/>
+          <a:stretch>
+            <a:fillRect/>
+          </a:stretch>
+        </p:blipFill>
         <p:spPr>
           <a:xfrm>
-            <a:off x="3657600" y="457200"/>
-            <a:ext cx="6858000" cy="274320"/>
+            <a:off x="0" y="0"/>
+            <a:ext cx="9144000" cy="5486400"/>
           </a:xfrm>
           <a:prstGeom prst="rect">
             <a:avLst/>
           </a:prstGeom>
-          <a:noFill/>
         </p:spPr>
-        <p:txBody>
-          <a:bodyPr wrap="square" rtlCol="0" anchor="ctr"/>
-          <a:lstStyle/>
-          <a:p>
-            <a:pPr>
-              <a:buNone/>
-            </a:pPr>
-            <a:r>
-              <a:rPr lang="en-US" sz="1800" dirty="0" smtClean="0">
-                <a:solidFill>
-                  <a:srgbClr val="363636"/>
-                </a:solidFill>
-              </a:rPr>
-              <a:t>ORAÇÃO EUCARISTICA-3</a:t>
-            </a:r>
-            <a:endParaRPr lang="en-US" dirty="0"/>
-          </a:p>
-        </p:txBody>
-      </p:sp>
-      <p:sp>
-        <p:nvSpPr>
-          <p:cNvPr id="3" name="Object 2"/>
-          <p:cNvSpPr/>
-          <p:nvPr/>
-        </p:nvSpPr>
-        <p:spPr>
-          <a:xfrm>
-            <a:off x="914400" y="2743200"/>
-            <a:ext cx="6858000" cy="274320"/>
-          </a:xfrm>
-          <a:prstGeom prst="rect">
-            <a:avLst/>
-          </a:prstGeom>
-          <a:noFill/>
-        </p:spPr>
-        <p:txBody>
-          <a:bodyPr wrap="square" rtlCol="0" anchor="ctr"/>
-          <a:lstStyle/>
-          <a:p>
-            <a:pPr>
-              <a:buNone/>
-            </a:pPr>
-            <a:r>
-              <a:rPr lang="en-US" sz="2900" dirty="0" smtClean="0">
-                <a:solidFill>
-                  <a:srgbClr val="363636"/>
-                </a:solidFill>
-              </a:rPr>
-              <a:t>Recebei,ó senhor, a nossa oferta!
-</a:t>
-            </a:r>
-            <a:r>
-              <a:rPr lang="en-US" sz="2900" dirty="0" smtClean="0">
-                <a:solidFill>
-                  <a:srgbClr val="363636"/>
-                </a:solidFill>
-              </a:rPr>
-              <a:t/>
-            </a:r>
-            <a:r>
-              <a:rPr lang="en-US" sz="2900" dirty="0" smtClean="0">
-                <a:solidFill>
-                  <a:srgbClr val="363636"/>
-                </a:solidFill>
-              </a:rPr>
-              <a:t>Fazei de nós um só corpo e um só Espírito!
-</a:t>
-            </a:r>
-            <a:r>
-              <a:rPr lang="en-US" sz="2900" dirty="0" smtClean="0">
-                <a:solidFill>
-                  <a:srgbClr val="363636"/>
-                </a:solidFill>
-              </a:rPr>
-              <a:t/>
-            </a:r>
-            <a:r>
-              <a:rPr lang="en-US" sz="2900" dirty="0" smtClean="0">
-                <a:solidFill>
-                  <a:srgbClr val="363636"/>
-                </a:solidFill>
-              </a:rPr>
-              <a:t>Fazei de nós uma perfeita oferenda!
-</a:t>
-            </a:r>
-            <a:r>
-              <a:rPr lang="en-US" sz="2900" dirty="0" smtClean="0">
-                <a:solidFill>
-                  <a:srgbClr val="363636"/>
-                </a:solidFill>
-              </a:rPr>
-              <a:t/>
-            </a:r>
-            <a:r>
-              <a:rPr lang="en-US" sz="2900" dirty="0" smtClean="0">
-                <a:solidFill>
-                  <a:srgbClr val="363636"/>
-                </a:solidFill>
-              </a:rPr>
-              <a:t>Lembrai-vos,ó Pai, da vossa Igreja
-</a:t>
-            </a:r>
-            <a:r>
-              <a:rPr lang="en-US" sz="2900" dirty="0" smtClean="0">
-                <a:solidFill>
-                  <a:srgbClr val="363636"/>
-                </a:solidFill>
-              </a:rPr>
-              <a:t/>
-            </a:r>
-            <a:r>
-              <a:rPr lang="en-US" sz="2900" dirty="0" smtClean="0">
-                <a:solidFill>
-                  <a:srgbClr val="363636"/>
-                </a:solidFill>
-              </a:rPr>
-              <a:t>Lembrai-vos,ó Pai,dos vossos filhos!
-</a:t>
-            </a:r>
-            <a:r>
-              <a:rPr lang="en-US" sz="2900" dirty="0" smtClean="0">
-                <a:solidFill>
-                  <a:srgbClr val="363636"/>
-                </a:solidFill>
-              </a:rPr>
-              <a:t/>
-            </a:r>
-            <a:r>
-              <a:rPr lang="en-US" sz="2900" dirty="0" smtClean="0">
-                <a:solidFill>
-                  <a:srgbClr val="363636"/>
-                </a:solidFill>
-              </a:rPr>
-              <a:t>A todos saciai com vossa glória!
-</a:t>
-            </a:r>
-            <a:r>
-              <a:rPr lang="en-US" sz="2900" dirty="0" smtClean="0">
-                <a:solidFill>
-                  <a:srgbClr val="363636"/>
-                </a:solidFill>
-              </a:rPr>
-              <a:t/>
-            </a:r>
-            <a:r>
-              <a:rPr lang="en-US" sz="2900" dirty="0" smtClean="0">
-                <a:solidFill>
-                  <a:srgbClr val="363636"/>
-                </a:solidFill>
-              </a:rPr>
-              <a:t>
-</a:t>
-            </a:r>
-            <a:r>
-              <a:rPr lang="en-US" sz="2900" dirty="0" smtClean="0">
-                <a:solidFill>
-                  <a:srgbClr val="363636"/>
-                </a:solidFill>
-              </a:rPr>
-              <a:t/>
-            </a:r>
-            <a:endParaRPr lang="en-US" dirty="0"/>
-          </a:p>
-        </p:txBody>
-      </p:sp>
+      </p:pic>
     </p:spTree>
   </p:cSld>
   <p:clrMapOvr>
@@ -6236,7 +6816,7 @@
                   <a:srgbClr val="363636"/>
                 </a:solidFill>
               </a:rPr>
-              <a:t>ORAÇÃO EUCARISTICA-3</a:t>
+              <a:t>“OFERTÓRIO” OFERTA SINGELA</a:t>
             </a:r>
             <a:endParaRPr lang="en-US" dirty="0"/>
           </a:p>
@@ -6266,24 +6846,126 @@
               <a:buNone/>
             </a:pPr>
             <a:r>
-              <a:rPr lang="en-US" sz="4000" dirty="0" smtClean="0">
-                <a:solidFill>
-                  <a:srgbClr val="363636"/>
-                </a:solidFill>
-              </a:rPr>
-              <a:t>Amém,     amém,       a.......amém.(2x)
-</a:t>
-            </a:r>
-            <a:r>
-              <a:rPr lang="en-US" sz="4000" dirty="0" smtClean="0">
-                <a:solidFill>
-                  <a:srgbClr val="363636"/>
-                </a:solidFill>
-              </a:rPr>
-              <a:t/>
-            </a:r>
-            <a:r>
-              <a:rPr lang="en-US" sz="4000" dirty="0" smtClean="0">
+              <a:rPr lang="en-US" sz="2500" dirty="0" smtClean="0">
+                <a:solidFill>
+                  <a:srgbClr val="363636"/>
+                </a:solidFill>
+              </a:rPr>
+              <a:t>1- Ofertas singelas, pão e vinho, sobre a mesa colocamos
+</a:t>
+            </a:r>
+            <a:r>
+              <a:rPr lang="en-US" sz="2500" dirty="0" smtClean="0">
+                <a:solidFill>
+                  <a:srgbClr val="363636"/>
+                </a:solidFill>
+              </a:rPr>
+              <a:t/>
+            </a:r>
+            <a:r>
+              <a:rPr lang="en-US" sz="2500" dirty="0" smtClean="0">
+                <a:solidFill>
+                  <a:srgbClr val="363636"/>
+                </a:solidFill>
+              </a:rPr>
+              <a:t>Sinais do trabalho que fizemos e aqui depositamos
+</a:t>
+            </a:r>
+            <a:r>
+              <a:rPr lang="en-US" sz="2500" dirty="0" smtClean="0">
+                <a:solidFill>
+                  <a:srgbClr val="363636"/>
+                </a:solidFill>
+              </a:rPr>
+              <a:t/>
+            </a:r>
+            <a:r>
+              <a:rPr lang="en-US" sz="2500" dirty="0" smtClean="0">
+                <a:solidFill>
+                  <a:srgbClr val="363636"/>
+                </a:solidFill>
+              </a:rPr>
+              <a:t>É teu também nosso coração
+</a:t>
+            </a:r>
+            <a:r>
+              <a:rPr lang="en-US" sz="2500" dirty="0" smtClean="0">
+                <a:solidFill>
+                  <a:srgbClr val="363636"/>
+                </a:solidFill>
+              </a:rPr>
+              <a:t/>
+            </a:r>
+            <a:r>
+              <a:rPr lang="en-US" sz="2500" dirty="0" smtClean="0">
+                <a:solidFill>
+                  <a:srgbClr val="363636"/>
+                </a:solidFill>
+              </a:rPr>
+              <a:t>Aceita, Senhor a nossa oferta, que será depois, na certa, o teu
+</a:t>
+            </a:r>
+            <a:r>
+              <a:rPr lang="en-US" sz="2500" dirty="0" smtClean="0">
+                <a:solidFill>
+                  <a:srgbClr val="363636"/>
+                </a:solidFill>
+              </a:rPr>
+              <a:t/>
+            </a:r>
+            <a:r>
+              <a:rPr lang="en-US" sz="2500" dirty="0" smtClean="0">
+                <a:solidFill>
+                  <a:srgbClr val="363636"/>
+                </a:solidFill>
+              </a:rPr>
+              <a:t>Próprio ser
+</a:t>
+            </a:r>
+            <a:r>
+              <a:rPr lang="en-US" sz="2500" dirty="0" smtClean="0">
+                <a:solidFill>
+                  <a:srgbClr val="363636"/>
+                </a:solidFill>
+              </a:rPr>
+              <a:t/>
+            </a:r>
+            <a:r>
+              <a:rPr lang="en-US" sz="2500" dirty="0" smtClean="0">
+                <a:solidFill>
+                  <a:srgbClr val="363636"/>
+                </a:solidFill>
+              </a:rPr>
+              <a:t>Aceita, Senhor a nossa oferta, que será depois, na certa, o teu
+</a:t>
+            </a:r>
+            <a:r>
+              <a:rPr lang="en-US" sz="2500" dirty="0" smtClean="0">
+                <a:solidFill>
+                  <a:srgbClr val="363636"/>
+                </a:solidFill>
+              </a:rPr>
+              <a:t/>
+            </a:r>
+            <a:r>
+              <a:rPr lang="en-US" sz="2500" dirty="0" smtClean="0">
+                <a:solidFill>
+                  <a:srgbClr val="363636"/>
+                </a:solidFill>
+              </a:rPr>
+              <a:t>Próprio ser
+</a:t>
+            </a:r>
+            <a:r>
+              <a:rPr lang="en-US" sz="2500" dirty="0" smtClean="0">
+                <a:solidFill>
+                  <a:srgbClr val="363636"/>
+                </a:solidFill>
+              </a:rPr>
+              <a:t/>
+            </a:r>
+            <a:r>
+              <a:rPr lang="en-US" sz="2500" dirty="0" smtClean="0">
                 <a:solidFill>
                   <a:srgbClr val="363636"/>
                 </a:solidFill>
@@ -6292,7 +6974,7 @@
 </a:t>
             </a:r>
             <a:r>
-              <a:rPr lang="en-US" sz="4000" dirty="0" smtClean="0">
+              <a:rPr lang="en-US" sz="2500" dirty="0" smtClean="0">
                 <a:solidFill>
                   <a:srgbClr val="363636"/>
                 </a:solidFill>
@@ -6357,7 +7039,7 @@
                   <a:srgbClr val="363636"/>
                 </a:solidFill>
               </a:rPr>
-              <a:t>“CORDEIRO”II</a:t>
+              <a:t>“OFERTÓRIO” OFERTA SINGELA</a:t>
             </a:r>
             <a:endParaRPr lang="en-US" dirty="0"/>
           </a:p>
@@ -6387,92 +7069,58 @@
               <a:buNone/>
             </a:pPr>
             <a:r>
-              <a:rPr lang="en-US" sz="3100" dirty="0" smtClean="0">
-                <a:solidFill>
-                  <a:srgbClr val="363636"/>
-                </a:solidFill>
-              </a:rPr>
-              <a:t>Cordeiro de Deus,Cordeiro de Deus, Cordeiro de Deus,
-</a:t>
-            </a:r>
-            <a:r>
-              <a:rPr lang="en-US" sz="3100" dirty="0" smtClean="0">
-                <a:solidFill>
-                  <a:srgbClr val="363636"/>
-                </a:solidFill>
-              </a:rPr>
-              <a:t/>
-            </a:r>
-            <a:r>
-              <a:rPr lang="en-US" sz="3100" dirty="0" smtClean="0">
-                <a:solidFill>
-                  <a:srgbClr val="363636"/>
-                </a:solidFill>
-              </a:rPr>
-              <a:t>Tu que tiras o nosso pecado.(2x)
-</a:t>
-            </a:r>
-            <a:r>
-              <a:rPr lang="en-US" sz="3100" dirty="0" smtClean="0">
-                <a:solidFill>
-                  <a:srgbClr val="363636"/>
-                </a:solidFill>
-              </a:rPr>
-              <a:t/>
-            </a:r>
-            <a:r>
-              <a:rPr lang="en-US" sz="3100" dirty="0" smtClean="0">
-                <a:solidFill>
-                  <a:srgbClr val="363636"/>
-                </a:solidFill>
-              </a:rPr>
-              <a:t>TENDE PIEDADE DE NÓS,PIEDADE DE NÓS,PIEDADE DE
-</a:t>
-            </a:r>
-            <a:r>
-              <a:rPr lang="en-US" sz="3100" dirty="0" smtClean="0">
-                <a:solidFill>
-                  <a:srgbClr val="363636"/>
-                </a:solidFill>
-              </a:rPr>
-              <a:t/>
-            </a:r>
-            <a:r>
-              <a:rPr lang="en-US" sz="3100" dirty="0" smtClean="0">
-                <a:solidFill>
-                  <a:srgbClr val="363636"/>
-                </a:solidFill>
-              </a:rPr>
-              <a:t>NÓS,E DAÍ-NOS A PAZ!(2X)
-</a:t>
-            </a:r>
-            <a:r>
-              <a:rPr lang="en-US" sz="3100" dirty="0" smtClean="0">
-                <a:solidFill>
-                  <a:srgbClr val="363636"/>
-                </a:solidFill>
-              </a:rPr>
-              <a:t/>
-            </a:r>
-            <a:r>
-              <a:rPr lang="en-US" sz="3100" dirty="0" smtClean="0">
-                <a:solidFill>
-                  <a:srgbClr val="363636"/>
-                </a:solidFill>
-              </a:rPr>
-              <a:t>E DAÍ-NOS A PAZ....E DAÍ-NOS A PAZ
-</a:t>
-            </a:r>
-            <a:r>
-              <a:rPr lang="en-US" sz="3100" dirty="0" smtClean="0">
-                <a:solidFill>
-                  <a:srgbClr val="363636"/>
-                </a:solidFill>
-              </a:rPr>
-              <a:t/>
-            </a:r>
-            <a:r>
-              <a:rPr lang="en-US" sz="3100" dirty="0" smtClean="0">
+              <a:rPr lang="en-US" sz="3400" dirty="0" smtClean="0">
+                <a:solidFill>
+                  <a:srgbClr val="363636"/>
+                </a:solidFill>
+              </a:rPr>
+              <a:t>2- Recebe Senhor da Natureza todo fruto que colhemos
+</a:t>
+            </a:r>
+            <a:r>
+              <a:rPr lang="en-US" sz="3400" dirty="0" smtClean="0">
+                <a:solidFill>
+                  <a:srgbClr val="363636"/>
+                </a:solidFill>
+              </a:rPr>
+              <a:t/>
+            </a:r>
+            <a:r>
+              <a:rPr lang="en-US" sz="3400" dirty="0" smtClean="0">
+                <a:solidFill>
+                  <a:srgbClr val="363636"/>
+                </a:solidFill>
+              </a:rPr>
+              <a:t>Recebe o louvor de nossas obras e o progresso que fizemos
+</a:t>
+            </a:r>
+            <a:r>
+              <a:rPr lang="en-US" sz="3400" dirty="0" smtClean="0">
+                <a:solidFill>
+                  <a:srgbClr val="363636"/>
+                </a:solidFill>
+              </a:rPr>
+              <a:t/>
+            </a:r>
+            <a:r>
+              <a:rPr lang="en-US" sz="3400" dirty="0" smtClean="0">
+                <a:solidFill>
+                  <a:srgbClr val="363636"/>
+                </a:solidFill>
+              </a:rPr>
+              <a:t>É teu também nosso coração.REFRÃO
+</a:t>
+            </a:r>
+            <a:r>
+              <a:rPr lang="en-US" sz="3400" dirty="0" smtClean="0">
+                <a:solidFill>
+                  <a:srgbClr val="363636"/>
+                </a:solidFill>
+              </a:rPr>
+              <a:t/>
+            </a:r>
+            <a:r>
+              <a:rPr lang="en-US" sz="3400" dirty="0" smtClean="0">
                 <a:solidFill>
                   <a:srgbClr val="363636"/>
                 </a:solidFill>
@@ -6481,7 +7129,7 @@
 </a:t>
             </a:r>
             <a:r>
-              <a:rPr lang="en-US" sz="3100" dirty="0" smtClean="0">
+              <a:rPr lang="en-US" sz="3400" dirty="0" smtClean="0">
                 <a:solidFill>
                   <a:srgbClr val="363636"/>
                 </a:solidFill>
@@ -6546,7 +7194,7 @@
                   <a:srgbClr val="363636"/>
                 </a:solidFill>
               </a:rPr>
-              <a:t>COMUNHÃO</a:t>
+              <a:t>“OFERTÓRIO” OFERTA SINGELA</a:t>
             </a:r>
             <a:endParaRPr lang="en-US" dirty="0"/>
           </a:p>
@@ -6576,41 +7224,58 @@
               <a:buNone/>
             </a:pPr>
             <a:r>
-              <a:rPr lang="en-US" sz="3800" dirty="0" smtClean="0">
-                <a:solidFill>
-                  <a:srgbClr val="363636"/>
-                </a:solidFill>
-              </a:rPr>
-              <a:t>Eu vim para que todos tenham vida,
-</a:t>
-            </a:r>
-            <a:r>
-              <a:rPr lang="en-US" sz="3800" dirty="0" smtClean="0">
-                <a:solidFill>
-                  <a:srgbClr val="363636"/>
-                </a:solidFill>
-              </a:rPr>
-              <a:t/>
-            </a:r>
-            <a:r>
-              <a:rPr lang="en-US" sz="3800" dirty="0" smtClean="0">
-                <a:solidFill>
-                  <a:srgbClr val="363636"/>
-                </a:solidFill>
-              </a:rPr>
-              <a:t>Que todos tenham vida plenamente.
-</a:t>
-            </a:r>
-            <a:r>
-              <a:rPr lang="en-US" sz="3800" dirty="0" smtClean="0">
-                <a:solidFill>
-                  <a:srgbClr val="363636"/>
-                </a:solidFill>
-              </a:rPr>
-              <a:t/>
-            </a:r>
-            <a:r>
-              <a:rPr lang="en-US" sz="3800" dirty="0" smtClean="0">
+              <a:rPr lang="en-US" sz="3400" dirty="0" smtClean="0">
+                <a:solidFill>
+                  <a:srgbClr val="363636"/>
+                </a:solidFill>
+              </a:rPr>
+              <a:t>3- Sabemos que tudo tem valor depois que a terra visitaste
+</a:t>
+            </a:r>
+            <a:r>
+              <a:rPr lang="en-US" sz="3400" dirty="0" smtClean="0">
+                <a:solidFill>
+                  <a:srgbClr val="363636"/>
+                </a:solidFill>
+              </a:rPr>
+              <a:t/>
+            </a:r>
+            <a:r>
+              <a:rPr lang="en-US" sz="3400" dirty="0" smtClean="0">
+                <a:solidFill>
+                  <a:srgbClr val="363636"/>
+                </a:solidFill>
+              </a:rPr>
+              <a:t>Embora tivéssemos pecado, foi bem mais o que pagaste.
+</a:t>
+            </a:r>
+            <a:r>
+              <a:rPr lang="en-US" sz="3400" dirty="0" smtClean="0">
+                <a:solidFill>
+                  <a:srgbClr val="363636"/>
+                </a:solidFill>
+              </a:rPr>
+              <a:t/>
+            </a:r>
+            <a:r>
+              <a:rPr lang="en-US" sz="3400" dirty="0" smtClean="0">
+                <a:solidFill>
+                  <a:srgbClr val="363636"/>
+                </a:solidFill>
+              </a:rPr>
+              <a:t>É teu também nosso coração. REFRÃO
+</a:t>
+            </a:r>
+            <a:r>
+              <a:rPr lang="en-US" sz="3400" dirty="0" smtClean="0">
+                <a:solidFill>
+                  <a:srgbClr val="363636"/>
+                </a:solidFill>
+              </a:rPr>
+              <a:t/>
+            </a:r>
+            <a:r>
+              <a:rPr lang="en-US" sz="3400" dirty="0" smtClean="0">
                 <a:solidFill>
                   <a:srgbClr val="363636"/>
                 </a:solidFill>
@@ -6619,7 +7284,7 @@
 </a:t>
             </a:r>
             <a:r>
-              <a:rPr lang="en-US" sz="3800" dirty="0" smtClean="0">
+              <a:rPr lang="en-US" sz="3400" dirty="0" smtClean="0">
                 <a:solidFill>
                   <a:srgbClr val="363636"/>
                 </a:solidFill>
@@ -6655,136 +7320,30 @@
           <a:chExt cx="0" cy="0"/>
         </a:xfrm>
       </p:grpSpPr>
-      <p:sp>
-        <p:nvSpPr>
-          <p:cNvPr id="2" name="Object 1"/>
-          <p:cNvSpPr/>
+      <p:pic>
+        <p:nvPicPr>
+          <p:cNvPr id="2" name="Object 1" descr="./resources/santa-terezinha.jpg">    </p:cNvPr>
+          <p:cNvPicPr>
+            <a:picLocks noChangeAspect="1"/>
+          </p:cNvPicPr>
           <p:nvPr/>
-        </p:nvSpPr>
+        </p:nvPicPr>
+        <p:blipFill>
+          <a:blip r:embed="rId1"/>
+          <a:stretch>
+            <a:fillRect/>
+          </a:stretch>
+        </p:blipFill>
         <p:spPr>
           <a:xfrm>
-            <a:off x="3657600" y="457200"/>
-            <a:ext cx="6858000" cy="274320"/>
+            <a:off x="0" y="0"/>
+            <a:ext cx="9144000" cy="5486400"/>
           </a:xfrm>
           <a:prstGeom prst="rect">
             <a:avLst/>
           </a:prstGeom>
-          <a:noFill/>
         </p:spPr>
-        <p:txBody>
-          <a:bodyPr wrap="square" rtlCol="0" anchor="ctr"/>
-          <a:lstStyle/>
-          <a:p>
-            <a:pPr>
-              <a:buNone/>
-            </a:pPr>
-            <a:r>
-              <a:rPr lang="en-US" sz="1800" dirty="0" smtClean="0">
-                <a:solidFill>
-                  <a:srgbClr val="363636"/>
-                </a:solidFill>
-              </a:rPr>
-              <a:t>COMUNHÃO</a:t>
-            </a:r>
-            <a:endParaRPr lang="en-US" dirty="0"/>
-          </a:p>
-        </p:txBody>
-      </p:sp>
-      <p:sp>
-        <p:nvSpPr>
-          <p:cNvPr id="3" name="Object 2"/>
-          <p:cNvSpPr/>
-          <p:nvPr/>
-        </p:nvSpPr>
-        <p:spPr>
-          <a:xfrm>
-            <a:off x="914400" y="2743200"/>
-            <a:ext cx="6858000" cy="274320"/>
-          </a:xfrm>
-          <a:prstGeom prst="rect">
-            <a:avLst/>
-          </a:prstGeom>
-          <a:noFill/>
-        </p:spPr>
-        <p:txBody>
-          <a:bodyPr wrap="square" rtlCol="0" anchor="ctr"/>
-          <a:lstStyle/>
-          <a:p>
-            <a:pPr>
-              <a:buNone/>
-            </a:pPr>
-            <a:r>
-              <a:rPr lang="en-US" sz="3400" dirty="0" smtClean="0">
-                <a:solidFill>
-                  <a:srgbClr val="363636"/>
-                </a:solidFill>
-              </a:rPr>
-              <a:t>1.Reconstrói a tua vida em comunhão com teu Senhor.
-</a:t>
-            </a:r>
-            <a:r>
-              <a:rPr lang="en-US" sz="3400" dirty="0" smtClean="0">
-                <a:solidFill>
-                  <a:srgbClr val="363636"/>
-                </a:solidFill>
-              </a:rPr>
-              <a:t/>
-            </a:r>
-            <a:r>
-              <a:rPr lang="en-US" sz="3400" dirty="0" smtClean="0">
-                <a:solidFill>
-                  <a:srgbClr val="363636"/>
-                </a:solidFill>
-              </a:rPr>
-              <a:t>Reconstrói a tua vida em comunhão com teu irmão.
-</a:t>
-            </a:r>
-            <a:r>
-              <a:rPr lang="en-US" sz="3400" dirty="0" smtClean="0">
-                <a:solidFill>
-                  <a:srgbClr val="363636"/>
-                </a:solidFill>
-              </a:rPr>
-              <a:t/>
-            </a:r>
-            <a:r>
-              <a:rPr lang="en-US" sz="3400" dirty="0" smtClean="0">
-                <a:solidFill>
-                  <a:srgbClr val="363636"/>
-                </a:solidFill>
-              </a:rPr>
-              <a:t>Onde está o teu irmão, eu estou presente nele.
-</a:t>
-            </a:r>
-            <a:r>
-              <a:rPr lang="en-US" sz="3400" dirty="0" smtClean="0">
-                <a:solidFill>
-                  <a:srgbClr val="363636"/>
-                </a:solidFill>
-              </a:rPr>
-              <a:t/>
-            </a:r>
-            <a:r>
-              <a:rPr lang="en-US" sz="3400" dirty="0" smtClean="0">
-                <a:solidFill>
-                  <a:srgbClr val="363636"/>
-                </a:solidFill>
-              </a:rPr>
-              <a:t>
-</a:t>
-            </a:r>
-            <a:r>
-              <a:rPr lang="en-US" sz="3400" dirty="0" smtClean="0">
-                <a:solidFill>
-                  <a:srgbClr val="363636"/>
-                </a:solidFill>
-              </a:rPr>
-              <a:t/>
-            </a:r>
-            <a:endParaRPr lang="en-US" dirty="0"/>
-          </a:p>
-        </p:txBody>
-      </p:sp>
+      </p:pic>
     </p:spTree>
   </p:cSld>
   <p:clrMapOvr>
@@ -6839,7 +7398,7 @@
                   <a:srgbClr val="363636"/>
                 </a:solidFill>
               </a:rPr>
-              <a:t>COMUNHÃO</a:t>
+              <a:t>SANTO</a:t>
             </a:r>
             <a:endParaRPr lang="en-US" dirty="0"/>
           </a:p>
@@ -6869,58 +7428,75 @@
               <a:buNone/>
             </a:pPr>
             <a:r>
-              <a:rPr lang="en-US" sz="3400" dirty="0" smtClean="0">
-                <a:solidFill>
-                  <a:srgbClr val="363636"/>
-                </a:solidFill>
-              </a:rPr>
-              <a:t>2.Eu passei fazendo o bem, eu curei todos os males.
-</a:t>
-            </a:r>
-            <a:r>
-              <a:rPr lang="en-US" sz="3400" dirty="0" smtClean="0">
-                <a:solidFill>
-                  <a:srgbClr val="363636"/>
-                </a:solidFill>
-              </a:rPr>
-              <a:t/>
-            </a:r>
-            <a:r>
-              <a:rPr lang="en-US" sz="3400" dirty="0" smtClean="0">
-                <a:solidFill>
-                  <a:srgbClr val="363636"/>
-                </a:solidFill>
-              </a:rPr>
-              <a:t>Hoje és minha presença junto a todo o sofredor.
-</a:t>
-            </a:r>
-            <a:r>
-              <a:rPr lang="en-US" sz="3400" dirty="0" smtClean="0">
-                <a:solidFill>
-                  <a:srgbClr val="363636"/>
-                </a:solidFill>
-              </a:rPr>
-              <a:t/>
-            </a:r>
-            <a:r>
-              <a:rPr lang="en-US" sz="3400" dirty="0" smtClean="0">
-                <a:solidFill>
-                  <a:srgbClr val="363636"/>
-                </a:solidFill>
-              </a:rPr>
-              <a:t>Onde sofre o teu irmão, eu estou sofrendo nele.
-</a:t>
-            </a:r>
-            <a:r>
-              <a:rPr lang="en-US" sz="3400" dirty="0" smtClean="0">
-                <a:solidFill>
-                  <a:srgbClr val="363636"/>
-                </a:solidFill>
-              </a:rPr>
-              <a:t/>
-            </a:r>
-            <a:r>
-              <a:rPr lang="en-US" sz="3400" dirty="0" smtClean="0">
+              <a:rPr lang="en-US" sz="3300" dirty="0" smtClean="0">
+                <a:solidFill>
+                  <a:srgbClr val="363636"/>
+                </a:solidFill>
+              </a:rPr>
+              <a:t>Santo, Santo, Santo,Senhor Deus do universo
+</a:t>
+            </a:r>
+            <a:r>
+              <a:rPr lang="en-US" sz="3300" dirty="0" smtClean="0">
+                <a:solidFill>
+                  <a:srgbClr val="363636"/>
+                </a:solidFill>
+              </a:rPr>
+              <a:t/>
+            </a:r>
+            <a:r>
+              <a:rPr lang="en-US" sz="3300" dirty="0" smtClean="0">
+                <a:solidFill>
+                  <a:srgbClr val="363636"/>
+                </a:solidFill>
+              </a:rPr>
+              <a:t>O céu e a terra proclamam vossa gloria!
+</a:t>
+            </a:r>
+            <a:r>
+              <a:rPr lang="en-US" sz="3300" dirty="0" smtClean="0">
+                <a:solidFill>
+                  <a:srgbClr val="363636"/>
+                </a:solidFill>
+              </a:rPr>
+              <a:t/>
+            </a:r>
+            <a:r>
+              <a:rPr lang="en-US" sz="3300" dirty="0" smtClean="0">
+                <a:solidFill>
+                  <a:srgbClr val="363636"/>
+                </a:solidFill>
+              </a:rPr>
+              <a:t>HOSANA ! HOSANA! HOSANA NAS ALTURAS (2X)
+</a:t>
+            </a:r>
+            <a:r>
+              <a:rPr lang="en-US" sz="3300" dirty="0" smtClean="0">
+                <a:solidFill>
+                  <a:srgbClr val="363636"/>
+                </a:solidFill>
+              </a:rPr>
+              <a:t/>
+            </a:r>
+            <a:r>
+              <a:rPr lang="en-US" sz="3300" dirty="0" smtClean="0">
+                <a:solidFill>
+                  <a:srgbClr val="363636"/>
+                </a:solidFill>
+              </a:rPr>
+              <a:t>Bendito o que vem em nome do Senhor
+</a:t>
+            </a:r>
+            <a:r>
+              <a:rPr lang="en-US" sz="3300" dirty="0" smtClean="0">
+                <a:solidFill>
+                  <a:srgbClr val="363636"/>
+                </a:solidFill>
+              </a:rPr>
+              <a:t/>
+            </a:r>
+            <a:r>
+              <a:rPr lang="en-US" sz="3300" dirty="0" smtClean="0">
                 <a:solidFill>
                   <a:srgbClr val="363636"/>
                 </a:solidFill>
@@ -6929,7 +7505,7 @@
 </a:t>
             </a:r>
             <a:r>
-              <a:rPr lang="en-US" sz="3400" dirty="0" smtClean="0">
+              <a:rPr lang="en-US" sz="3300" dirty="0" smtClean="0">
                 <a:solidFill>
                   <a:srgbClr val="363636"/>
                 </a:solidFill>
@@ -6965,136 +7541,30 @@
           <a:chExt cx="0" cy="0"/>
         </a:xfrm>
       </p:grpSpPr>
-      <p:sp>
-        <p:nvSpPr>
-          <p:cNvPr id="2" name="Object 1"/>
-          <p:cNvSpPr/>
+      <p:pic>
+        <p:nvPicPr>
+          <p:cNvPr id="2" name="Object 1" descr="./resources/santa-terezinha.jpg">    </p:cNvPr>
+          <p:cNvPicPr>
+            <a:picLocks noChangeAspect="1"/>
+          </p:cNvPicPr>
           <p:nvPr/>
-        </p:nvSpPr>
+        </p:nvPicPr>
+        <p:blipFill>
+          <a:blip r:embed="rId1"/>
+          <a:stretch>
+            <a:fillRect/>
+          </a:stretch>
+        </p:blipFill>
         <p:spPr>
           <a:xfrm>
-            <a:off x="3657600" y="457200"/>
-            <a:ext cx="6858000" cy="274320"/>
+            <a:off x="0" y="0"/>
+            <a:ext cx="9144000" cy="5486400"/>
           </a:xfrm>
           <a:prstGeom prst="rect">
             <a:avLst/>
           </a:prstGeom>
-          <a:noFill/>
         </p:spPr>
-        <p:txBody>
-          <a:bodyPr wrap="square" rtlCol="0" anchor="ctr"/>
-          <a:lstStyle/>
-          <a:p>
-            <a:pPr>
-              <a:buNone/>
-            </a:pPr>
-            <a:r>
-              <a:rPr lang="en-US" sz="1800" dirty="0" smtClean="0">
-                <a:solidFill>
-                  <a:srgbClr val="363636"/>
-                </a:solidFill>
-              </a:rPr>
-              <a:t>COMUNHÃO</a:t>
-            </a:r>
-            <a:endParaRPr lang="en-US" dirty="0"/>
-          </a:p>
-        </p:txBody>
-      </p:sp>
-      <p:sp>
-        <p:nvSpPr>
-          <p:cNvPr id="3" name="Object 2"/>
-          <p:cNvSpPr/>
-          <p:nvPr/>
-        </p:nvSpPr>
-        <p:spPr>
-          <a:xfrm>
-            <a:off x="914400" y="2743200"/>
-            <a:ext cx="6858000" cy="274320"/>
-          </a:xfrm>
-          <a:prstGeom prst="rect">
-            <a:avLst/>
-          </a:prstGeom>
-          <a:noFill/>
-        </p:spPr>
-        <p:txBody>
-          <a:bodyPr wrap="square" rtlCol="0" anchor="ctr"/>
-          <a:lstStyle/>
-          <a:p>
-            <a:pPr>
-              <a:buNone/>
-            </a:pPr>
-            <a:r>
-              <a:rPr lang="en-US" sz="3400" dirty="0" smtClean="0">
-                <a:solidFill>
-                  <a:srgbClr val="363636"/>
-                </a:solidFill>
-              </a:rPr>
-              <a:t>3.Quem comer o pão da vida viverá eternamente.
-</a:t>
-            </a:r>
-            <a:r>
-              <a:rPr lang="en-US" sz="3400" dirty="0" smtClean="0">
-                <a:solidFill>
-                  <a:srgbClr val="363636"/>
-                </a:solidFill>
-              </a:rPr>
-              <a:t/>
-            </a:r>
-            <a:r>
-              <a:rPr lang="en-US" sz="3400" dirty="0" smtClean="0">
-                <a:solidFill>
-                  <a:srgbClr val="363636"/>
-                </a:solidFill>
-              </a:rPr>
-              <a:t>Tenho pena deste povo que não tem o que comer,
-</a:t>
-            </a:r>
-            <a:r>
-              <a:rPr lang="en-US" sz="3400" dirty="0" smtClean="0">
-                <a:solidFill>
-                  <a:srgbClr val="363636"/>
-                </a:solidFill>
-              </a:rPr>
-              <a:t/>
-            </a:r>
-            <a:r>
-              <a:rPr lang="en-US" sz="3400" dirty="0" smtClean="0">
-                <a:solidFill>
-                  <a:srgbClr val="363636"/>
-                </a:solidFill>
-              </a:rPr>
-              <a:t>Onde está o irmão com fome, eu estou com fome nele.
-</a:t>
-            </a:r>
-            <a:r>
-              <a:rPr lang="en-US" sz="3400" dirty="0" smtClean="0">
-                <a:solidFill>
-                  <a:srgbClr val="363636"/>
-                </a:solidFill>
-              </a:rPr>
-              <a:t/>
-            </a:r>
-            <a:r>
-              <a:rPr lang="en-US" sz="3400" dirty="0" smtClean="0">
-                <a:solidFill>
-                  <a:srgbClr val="363636"/>
-                </a:solidFill>
-              </a:rPr>
-              <a:t>
-</a:t>
-            </a:r>
-            <a:r>
-              <a:rPr lang="en-US" sz="3400" dirty="0" smtClean="0">
-                <a:solidFill>
-                  <a:srgbClr val="363636"/>
-                </a:solidFill>
-              </a:rPr>
-              <a:t/>
-            </a:r>
-            <a:endParaRPr lang="en-US" dirty="0"/>
-          </a:p>
-        </p:txBody>
-      </p:sp>
+      </p:pic>
     </p:spTree>
   </p:cSld>
   <p:clrMapOvr>
@@ -7149,7 +7619,7 @@
                   <a:srgbClr val="363636"/>
                 </a:solidFill>
               </a:rPr>
-              <a:t>COMUNHÃO</a:t>
+              <a:t>ORAÇÃO EUCARISTICA-3</a:t>
             </a:r>
             <a:endParaRPr lang="en-US" dirty="0"/>
           </a:p>
@@ -7179,58 +7649,109 @@
               <a:buNone/>
             </a:pPr>
             <a:r>
-              <a:rPr lang="en-US" sz="3300" dirty="0" smtClean="0">
-                <a:solidFill>
-                  <a:srgbClr val="363636"/>
-                </a:solidFill>
-              </a:rPr>
-              <a:t>4.Entreguei a minha vida pela salvação de todos.
-</a:t>
-            </a:r>
-            <a:r>
-              <a:rPr lang="en-US" sz="3300" dirty="0" smtClean="0">
-                <a:solidFill>
-                  <a:srgbClr val="363636"/>
-                </a:solidFill>
-              </a:rPr>
-              <a:t/>
-            </a:r>
-            <a:r>
-              <a:rPr lang="en-US" sz="3300" dirty="0" smtClean="0">
-                <a:solidFill>
-                  <a:srgbClr val="363636"/>
-                </a:solidFill>
-              </a:rPr>
-              <a:t>Reconstrói, protege a vida de indefesos e inocentes:
-</a:t>
-            </a:r>
-            <a:r>
-              <a:rPr lang="en-US" sz="3300" dirty="0" smtClean="0">
-                <a:solidFill>
-                  <a:srgbClr val="363636"/>
-                </a:solidFill>
-              </a:rPr>
-              <a:t/>
-            </a:r>
-            <a:r>
-              <a:rPr lang="en-US" sz="3300" dirty="0" smtClean="0">
-                <a:solidFill>
-                  <a:srgbClr val="363636"/>
-                </a:solidFill>
-              </a:rPr>
-              <a:t>Onde morre o teu irmão, eu estou morrendo nele.
-</a:t>
-            </a:r>
-            <a:r>
-              <a:rPr lang="en-US" sz="3300" dirty="0" smtClean="0">
-                <a:solidFill>
-                  <a:srgbClr val="363636"/>
-                </a:solidFill>
-              </a:rPr>
-              <a:t/>
-            </a:r>
-            <a:r>
-              <a:rPr lang="en-US" sz="3300" dirty="0" smtClean="0">
+              <a:rPr lang="en-US" sz="3000" dirty="0" smtClean="0">
+                <a:solidFill>
+                  <a:srgbClr val="363636"/>
+                </a:solidFill>
+              </a:rPr>
+              <a:t>Santificai e reuni o vosso povo!
+</a:t>
+            </a:r>
+            <a:r>
+              <a:rPr lang="en-US" sz="3000" dirty="0" smtClean="0">
+                <a:solidFill>
+                  <a:srgbClr val="363636"/>
+                </a:solidFill>
+              </a:rPr>
+              <a:t/>
+            </a:r>
+            <a:r>
+              <a:rPr lang="en-US" sz="3000" dirty="0" smtClean="0">
+                <a:solidFill>
+                  <a:srgbClr val="363636"/>
+                </a:solidFill>
+              </a:rPr>
+              <a:t>Santificai nossa oferenda, ó Senhor!
+</a:t>
+            </a:r>
+            <a:r>
+              <a:rPr lang="en-US" sz="3000" dirty="0" smtClean="0">
+                <a:solidFill>
+                  <a:srgbClr val="363636"/>
+                </a:solidFill>
+              </a:rPr>
+              <a:t/>
+            </a:r>
+            <a:r>
+              <a:rPr lang="en-US" sz="3000" dirty="0" smtClean="0">
+                <a:solidFill>
+                  <a:srgbClr val="363636"/>
+                </a:solidFill>
+              </a:rPr>
+              <a:t>Toda vez que se come deste pão
+</a:t>
+            </a:r>
+            <a:r>
+              <a:rPr lang="en-US" sz="3000" dirty="0" smtClean="0">
+                <a:solidFill>
+                  <a:srgbClr val="363636"/>
+                </a:solidFill>
+              </a:rPr>
+              <a:t/>
+            </a:r>
+            <a:r>
+              <a:rPr lang="en-US" sz="3000" dirty="0" smtClean="0">
+                <a:solidFill>
+                  <a:srgbClr val="363636"/>
+                </a:solidFill>
+              </a:rPr>
+              <a:t>Toda vez que se bebe deste vinho
+</a:t>
+            </a:r>
+            <a:r>
+              <a:rPr lang="en-US" sz="3000" dirty="0" smtClean="0">
+                <a:solidFill>
+                  <a:srgbClr val="363636"/>
+                </a:solidFill>
+              </a:rPr>
+              <a:t/>
+            </a:r>
+            <a:r>
+              <a:rPr lang="en-US" sz="3000" dirty="0" smtClean="0">
+                <a:solidFill>
+                  <a:srgbClr val="363636"/>
+                </a:solidFill>
+              </a:rPr>
+              <a:t>Se recorada a paixão de Jesus Cristo,
+</a:t>
+            </a:r>
+            <a:r>
+              <a:rPr lang="en-US" sz="3000" dirty="0" smtClean="0">
+                <a:solidFill>
+                  <a:srgbClr val="363636"/>
+                </a:solidFill>
+              </a:rPr>
+              <a:t/>
+            </a:r>
+            <a:r>
+              <a:rPr lang="en-US" sz="3000" dirty="0" smtClean="0">
+                <a:solidFill>
+                  <a:srgbClr val="363636"/>
+                </a:solidFill>
+              </a:rPr>
+              <a:t>E se fica esperando sua volta
+</a:t>
+            </a:r>
+            <a:r>
+              <a:rPr lang="en-US" sz="3000" dirty="0" smtClean="0">
+                <a:solidFill>
+                  <a:srgbClr val="363636"/>
+                </a:solidFill>
+              </a:rPr>
+              <a:t/>
+            </a:r>
+            <a:r>
+              <a:rPr lang="en-US" sz="3000" dirty="0" smtClean="0">
                 <a:solidFill>
                   <a:srgbClr val="363636"/>
                 </a:solidFill>
@@ -7239,7 +7760,7 @@
 </a:t>
             </a:r>
             <a:r>
-              <a:rPr lang="en-US" sz="3300" dirty="0" smtClean="0">
+              <a:rPr lang="en-US" sz="3000" dirty="0" smtClean="0">
                 <a:solidFill>
                   <a:srgbClr val="363636"/>
                 </a:solidFill>
@@ -7304,7 +7825,7 @@
                   <a:srgbClr val="363636"/>
                 </a:solidFill>
               </a:rPr>
-              <a:t>COMUNHÃO</a:t>
+              <a:t>ORAÇÃO EUCARISTICA-3</a:t>
             </a:r>
             <a:endParaRPr lang="en-US" dirty="0"/>
           </a:p>
@@ -7334,58 +7855,109 @@
               <a:buNone/>
             </a:pPr>
             <a:r>
-              <a:rPr lang="en-US" sz="3300" dirty="0" smtClean="0">
-                <a:solidFill>
-                  <a:srgbClr val="363636"/>
-                </a:solidFill>
-              </a:rPr>
-              <a:t>5.Vim buscar e vim salvar o que estava já perdido.
-</a:t>
-            </a:r>
-            <a:r>
-              <a:rPr lang="en-US" sz="3300" dirty="0" smtClean="0">
-                <a:solidFill>
-                  <a:srgbClr val="363636"/>
-                </a:solidFill>
-              </a:rPr>
-              <a:t/>
-            </a:r>
-            <a:r>
-              <a:rPr lang="en-US" sz="3300" dirty="0" smtClean="0">
-                <a:solidFill>
-                  <a:srgbClr val="363636"/>
-                </a:solidFill>
-              </a:rPr>
-              <a:t>Busca, salva e reconduz a quem perdeu toda a esperança:
-</a:t>
-            </a:r>
-            <a:r>
-              <a:rPr lang="en-US" sz="3300" dirty="0" smtClean="0">
-                <a:solidFill>
-                  <a:srgbClr val="363636"/>
-                </a:solidFill>
-              </a:rPr>
-              <a:t/>
-            </a:r>
-            <a:r>
-              <a:rPr lang="en-US" sz="3300" dirty="0" smtClean="0">
-                <a:solidFill>
-                  <a:srgbClr val="363636"/>
-                </a:solidFill>
-              </a:rPr>
-              <a:t>Onde salvas teu irmão, Tu me estás salvando nele.
-</a:t>
-            </a:r>
-            <a:r>
-              <a:rPr lang="en-US" sz="3300" dirty="0" smtClean="0">
-                <a:solidFill>
-                  <a:srgbClr val="363636"/>
-                </a:solidFill>
-              </a:rPr>
-              <a:t/>
-            </a:r>
-            <a:r>
-              <a:rPr lang="en-US" sz="3300" dirty="0" smtClean="0">
+              <a:rPr lang="en-US" sz="2900" dirty="0" smtClean="0">
+                <a:solidFill>
+                  <a:srgbClr val="363636"/>
+                </a:solidFill>
+              </a:rPr>
+              <a:t>Recebei,ó senhor, a nossa oferta!
+</a:t>
+            </a:r>
+            <a:r>
+              <a:rPr lang="en-US" sz="2900" dirty="0" smtClean="0">
+                <a:solidFill>
+                  <a:srgbClr val="363636"/>
+                </a:solidFill>
+              </a:rPr>
+              <a:t/>
+            </a:r>
+            <a:r>
+              <a:rPr lang="en-US" sz="2900" dirty="0" smtClean="0">
+                <a:solidFill>
+                  <a:srgbClr val="363636"/>
+                </a:solidFill>
+              </a:rPr>
+              <a:t>Fazei de nós um só corpo e um só Espírito!
+</a:t>
+            </a:r>
+            <a:r>
+              <a:rPr lang="en-US" sz="2900" dirty="0" smtClean="0">
+                <a:solidFill>
+                  <a:srgbClr val="363636"/>
+                </a:solidFill>
+              </a:rPr>
+              <a:t/>
+            </a:r>
+            <a:r>
+              <a:rPr lang="en-US" sz="2900" dirty="0" smtClean="0">
+                <a:solidFill>
+                  <a:srgbClr val="363636"/>
+                </a:solidFill>
+              </a:rPr>
+              <a:t>Fazei de nós uma perfeita oferenda!
+</a:t>
+            </a:r>
+            <a:r>
+              <a:rPr lang="en-US" sz="2900" dirty="0" smtClean="0">
+                <a:solidFill>
+                  <a:srgbClr val="363636"/>
+                </a:solidFill>
+              </a:rPr>
+              <a:t/>
+            </a:r>
+            <a:r>
+              <a:rPr lang="en-US" sz="2900" dirty="0" smtClean="0">
+                <a:solidFill>
+                  <a:srgbClr val="363636"/>
+                </a:solidFill>
+              </a:rPr>
+              <a:t>Lembrai-vos,ó Pai, da vossa Igreja
+</a:t>
+            </a:r>
+            <a:r>
+              <a:rPr lang="en-US" sz="2900" dirty="0" smtClean="0">
+                <a:solidFill>
+                  <a:srgbClr val="363636"/>
+                </a:solidFill>
+              </a:rPr>
+              <a:t/>
+            </a:r>
+            <a:r>
+              <a:rPr lang="en-US" sz="2900" dirty="0" smtClean="0">
+                <a:solidFill>
+                  <a:srgbClr val="363636"/>
+                </a:solidFill>
+              </a:rPr>
+              <a:t>Lembrai-vos,ó Pai,dos vossos filhos!
+</a:t>
+            </a:r>
+            <a:r>
+              <a:rPr lang="en-US" sz="2900" dirty="0" smtClean="0">
+                <a:solidFill>
+                  <a:srgbClr val="363636"/>
+                </a:solidFill>
+              </a:rPr>
+              <a:t/>
+            </a:r>
+            <a:r>
+              <a:rPr lang="en-US" sz="2900" dirty="0" smtClean="0">
+                <a:solidFill>
+                  <a:srgbClr val="363636"/>
+                </a:solidFill>
+              </a:rPr>
+              <a:t>A todos saciai com vossa glória!
+</a:t>
+            </a:r>
+            <a:r>
+              <a:rPr lang="en-US" sz="2900" dirty="0" smtClean="0">
+                <a:solidFill>
+                  <a:srgbClr val="363636"/>
+                </a:solidFill>
+              </a:rPr>
+              <a:t/>
+            </a:r>
+            <a:r>
+              <a:rPr lang="en-US" sz="2900" dirty="0" smtClean="0">
                 <a:solidFill>
                   <a:srgbClr val="363636"/>
                 </a:solidFill>
@@ -7394,7 +7966,7 @@
 </a:t>
             </a:r>
             <a:r>
-              <a:rPr lang="en-US" sz="3300" dirty="0" smtClean="0">
+              <a:rPr lang="en-US" sz="2900" dirty="0" smtClean="0">
                 <a:solidFill>
                   <a:srgbClr val="363636"/>
                 </a:solidFill>
@@ -7459,7 +8031,7 @@
                   <a:srgbClr val="363636"/>
                 </a:solidFill>
               </a:rPr>
-              <a:t>PRECIOSA SÃO AS HORAS</a:t>
+              <a:t>ORAÇÃO EUCARISTICA-3</a:t>
             </a:r>
             <a:endParaRPr lang="en-US" dirty="0"/>
           </a:p>
@@ -7489,75 +8061,24 @@
               <a:buNone/>
             </a:pPr>
             <a:r>
-              <a:rPr lang="en-US" sz="3200" dirty="0" smtClean="0">
-                <a:solidFill>
-                  <a:srgbClr val="363636"/>
-                </a:solidFill>
-              </a:rPr>
-              <a:t>COMUNHÃO DELICIOSA , DA MINH'ALMA COM A LUZ.
-</a:t>
-            </a:r>
-            <a:r>
-              <a:rPr lang="en-US" sz="3200" dirty="0" smtClean="0">
-                <a:solidFill>
-                  <a:srgbClr val="363636"/>
-                </a:solidFill>
-              </a:rPr>
-              <a:t/>
-            </a:r>
-            <a:r>
-              <a:rPr lang="en-US" sz="3200" dirty="0" smtClean="0">
-                <a:solidFill>
-                  <a:srgbClr val="363636"/>
-                </a:solidFill>
-              </a:rPr>
-              <a:t>OS CUIDADOS DESTE MUNDO, NUNCA PODEM ME ABALAR,
-</a:t>
-            </a:r>
-            <a:r>
-              <a:rPr lang="en-US" sz="3200" dirty="0" smtClean="0">
-                <a:solidFill>
-                  <a:srgbClr val="363636"/>
-                </a:solidFill>
-              </a:rPr>
-              <a:t/>
-            </a:r>
-            <a:r>
-              <a:rPr lang="en-US" sz="3200" dirty="0" smtClean="0">
-                <a:solidFill>
-                  <a:srgbClr val="363636"/>
-                </a:solidFill>
-              </a:rPr>
-              <a:t>MEU ABRIGO, NELE POSSO CONFIAR.
-</a:t>
-            </a:r>
-            <a:r>
-              <a:rPr lang="en-US" sz="3200" dirty="0" smtClean="0">
-                <a:solidFill>
-                  <a:srgbClr val="363636"/>
-                </a:solidFill>
-              </a:rPr>
-              <a:t/>
-            </a:r>
-            <a:r>
-              <a:rPr lang="en-US" sz="3200" dirty="0" smtClean="0">
-                <a:solidFill>
-                  <a:srgbClr val="363636"/>
-                </a:solidFill>
-              </a:rPr>
-              <a:t>ELE VIVE, ELE VIVE E PRESENTE AQUI ESTÁ! (BIS)
-</a:t>
-            </a:r>
-            <a:r>
-              <a:rPr lang="en-US" sz="3200" dirty="0" smtClean="0">
-                <a:solidFill>
-                  <a:srgbClr val="363636"/>
-                </a:solidFill>
-              </a:rPr>
-              <a:t/>
-            </a:r>
-            <a:r>
-              <a:rPr lang="en-US" sz="3200" dirty="0" smtClean="0">
+              <a:rPr lang="en-US" sz="4000" dirty="0" smtClean="0">
+                <a:solidFill>
+                  <a:srgbClr val="363636"/>
+                </a:solidFill>
+              </a:rPr>
+              <a:t>Amém,     amém,       a.......amém.(2x)
+</a:t>
+            </a:r>
+            <a:r>
+              <a:rPr lang="en-US" sz="4000" dirty="0" smtClean="0">
+                <a:solidFill>
+                  <a:srgbClr val="363636"/>
+                </a:solidFill>
+              </a:rPr>
+              <a:t/>
+            </a:r>
+            <a:r>
+              <a:rPr lang="en-US" sz="4000" dirty="0" smtClean="0">
                 <a:solidFill>
                   <a:srgbClr val="363636"/>
                 </a:solidFill>
@@ -7566,7 +8087,7 @@
 </a:t>
             </a:r>
             <a:r>
-              <a:rPr lang="en-US" sz="3200" dirty="0" smtClean="0">
+              <a:rPr lang="en-US" sz="4000" dirty="0" smtClean="0">
                 <a:solidFill>
                   <a:srgbClr val="363636"/>
                 </a:solidFill>
@@ -7602,119 +8123,30 @@
           <a:chExt cx="0" cy="0"/>
         </a:xfrm>
       </p:grpSpPr>
-      <p:sp>
-        <p:nvSpPr>
-          <p:cNvPr id="2" name="Object 1"/>
-          <p:cNvSpPr/>
+      <p:pic>
+        <p:nvPicPr>
+          <p:cNvPr id="2" name="Object 1" descr="./resources/santa-terezinha.jpg">    </p:cNvPr>
+          <p:cNvPicPr>
+            <a:picLocks noChangeAspect="1"/>
+          </p:cNvPicPr>
           <p:nvPr/>
-        </p:nvSpPr>
+        </p:nvPicPr>
+        <p:blipFill>
+          <a:blip r:embed="rId1"/>
+          <a:stretch>
+            <a:fillRect/>
+          </a:stretch>
+        </p:blipFill>
         <p:spPr>
           <a:xfrm>
-            <a:off x="3657600" y="457200"/>
-            <a:ext cx="6858000" cy="274320"/>
+            <a:off x="0" y="0"/>
+            <a:ext cx="9144000" cy="5486400"/>
           </a:xfrm>
           <a:prstGeom prst="rect">
             <a:avLst/>
           </a:prstGeom>
-          <a:noFill/>
         </p:spPr>
-        <p:txBody>
-          <a:bodyPr wrap="square" rtlCol="0" anchor="ctr"/>
-          <a:lstStyle/>
-          <a:p>
-            <a:pPr>
-              <a:buNone/>
-            </a:pPr>
-            <a:r>
-              <a:rPr lang="en-US" sz="1800" dirty="0" smtClean="0">
-                <a:solidFill>
-                  <a:srgbClr val="363636"/>
-                </a:solidFill>
-              </a:rPr>
-              <a:t>O SENHOR RESSUSCITOU</a:t>
-            </a:r>
-            <a:endParaRPr lang="en-US" dirty="0"/>
-          </a:p>
-        </p:txBody>
-      </p:sp>
-      <p:sp>
-        <p:nvSpPr>
-          <p:cNvPr id="3" name="Object 2"/>
-          <p:cNvSpPr/>
-          <p:nvPr/>
-        </p:nvSpPr>
-        <p:spPr>
-          <a:xfrm>
-            <a:off x="914400" y="2743200"/>
-            <a:ext cx="6858000" cy="274320"/>
-          </a:xfrm>
-          <a:prstGeom prst="rect">
-            <a:avLst/>
-          </a:prstGeom>
-          <a:noFill/>
-        </p:spPr>
-        <p:txBody>
-          <a:bodyPr wrap="square" rtlCol="0" anchor="ctr"/>
-          <a:lstStyle/>
-          <a:p>
-            <a:pPr>
-              <a:buNone/>
-            </a:pPr>
-            <a:r>
-              <a:rPr lang="en-US" sz="3800" dirty="0" smtClean="0">
-                <a:solidFill>
-                  <a:srgbClr val="363636"/>
-                </a:solidFill>
-              </a:rPr>
-              <a:t>O SENHOR RESSUSCITOU, ALELU.....IA!
-</a:t>
-            </a:r>
-            <a:r>
-              <a:rPr lang="en-US" sz="3800" dirty="0" smtClean="0">
-                <a:solidFill>
-                  <a:srgbClr val="363636"/>
-                </a:solidFill>
-              </a:rPr>
-              <a:t/>
-            </a:r>
-            <a:r>
-              <a:rPr lang="en-US" sz="3800" dirty="0" smtClean="0">
-                <a:solidFill>
-                  <a:srgbClr val="363636"/>
-                </a:solidFill>
-              </a:rPr>
-              <a:t>NÃO HÁ TRISTEZA E NEM TEMOR, ALELU...U...IA!
-</a:t>
-            </a:r>
-            <a:r>
-              <a:rPr lang="en-US" sz="3800" dirty="0" smtClean="0">
-                <a:solidFill>
-                  <a:srgbClr val="363636"/>
-                </a:solidFill>
-              </a:rPr>
-              <a:t/>
-            </a:r>
-            <a:r>
-              <a:rPr lang="en-US" sz="3800" dirty="0" smtClean="0">
-                <a:solidFill>
-                  <a:srgbClr val="363636"/>
-                </a:solidFill>
-              </a:rPr>
-              <a:t>
-</a:t>
-            </a:r>
-            <a:r>
-              <a:rPr lang="en-US" sz="3800" dirty="0" smtClean="0">
-                <a:solidFill>
-                  <a:srgbClr val="363636"/>
-                </a:solidFill>
-              </a:rPr>
-              <a:t/>
-            </a:r>
-            <a:endParaRPr lang="en-US" dirty="0"/>
-          </a:p>
-        </p:txBody>
-      </p:sp>
+      </p:pic>
     </p:spTree>
   </p:cSld>
   <p:clrMapOvr>
@@ -7740,119 +8172,30 @@
           <a:chExt cx="0" cy="0"/>
         </a:xfrm>
       </p:grpSpPr>
-      <p:sp>
-        <p:nvSpPr>
-          <p:cNvPr id="2" name="Object 1"/>
-          <p:cNvSpPr/>
+      <p:pic>
+        <p:nvPicPr>
+          <p:cNvPr id="2" name="Object 1" descr="./resources/santa-terezinha.jpg">    </p:cNvPr>
+          <p:cNvPicPr>
+            <a:picLocks noChangeAspect="1"/>
+          </p:cNvPicPr>
           <p:nvPr/>
-        </p:nvSpPr>
+        </p:nvPicPr>
+        <p:blipFill>
+          <a:blip r:embed="rId1"/>
+          <a:stretch>
+            <a:fillRect/>
+          </a:stretch>
+        </p:blipFill>
         <p:spPr>
           <a:xfrm>
-            <a:off x="3657600" y="457200"/>
-            <a:ext cx="6858000" cy="274320"/>
+            <a:off x="0" y="0"/>
+            <a:ext cx="9144000" cy="5486400"/>
           </a:xfrm>
           <a:prstGeom prst="rect">
             <a:avLst/>
           </a:prstGeom>
-          <a:noFill/>
         </p:spPr>
-        <p:txBody>
-          <a:bodyPr wrap="square" rtlCol="0" anchor="ctr"/>
-          <a:lstStyle/>
-          <a:p>
-            <a:pPr>
-              <a:buNone/>
-            </a:pPr>
-            <a:r>
-              <a:rPr lang="en-US" sz="1800" dirty="0" smtClean="0">
-                <a:solidFill>
-                  <a:srgbClr val="363636"/>
-                </a:solidFill>
-              </a:rPr>
-              <a:t>PRECIOSA SÃO AS HORAS</a:t>
-            </a:r>
-            <a:endParaRPr lang="en-US" dirty="0"/>
-          </a:p>
-        </p:txBody>
-      </p:sp>
-      <p:sp>
-        <p:nvSpPr>
-          <p:cNvPr id="3" name="Object 2"/>
-          <p:cNvSpPr/>
-          <p:nvPr/>
-        </p:nvSpPr>
-        <p:spPr>
-          <a:xfrm>
-            <a:off x="914400" y="2743200"/>
-            <a:ext cx="6858000" cy="274320"/>
-          </a:xfrm>
-          <a:prstGeom prst="rect">
-            <a:avLst/>
-          </a:prstGeom>
-          <a:noFill/>
-        </p:spPr>
-        <p:txBody>
-          <a:bodyPr wrap="square" rtlCol="0" anchor="ctr"/>
-          <a:lstStyle/>
-          <a:p>
-            <a:pPr>
-              <a:buNone/>
-            </a:pPr>
-            <a:r>
-              <a:rPr lang="en-US" sz="3700" dirty="0" smtClean="0">
-                <a:solidFill>
-                  <a:srgbClr val="363636"/>
-                </a:solidFill>
-              </a:rPr>
-              <a:t>CANSA Ó MINH'ALMA, EM JESUS VEM REPOUSAR.
-</a:t>
-            </a:r>
-            <a:r>
-              <a:rPr lang="en-US" sz="3700" dirty="0" smtClean="0">
-                <a:solidFill>
-                  <a:srgbClr val="363636"/>
-                </a:solidFill>
-              </a:rPr>
-              <a:t/>
-            </a:r>
-            <a:r>
-              <a:rPr lang="en-US" sz="3700" dirty="0" smtClean="0">
-                <a:solidFill>
-                  <a:srgbClr val="363636"/>
-                </a:solidFill>
-              </a:rPr>
-              <a:t>VITALIZA, REANIMA ,... MINHAS FORÇAS PARA LUTAR.
-</a:t>
-            </a:r>
-            <a:r>
-              <a:rPr lang="en-US" sz="3700" dirty="0" smtClean="0">
-                <a:solidFill>
-                  <a:srgbClr val="363636"/>
-                </a:solidFill>
-              </a:rPr>
-              <a:t/>
-            </a:r>
-            <a:r>
-              <a:rPr lang="en-US" sz="3700" dirty="0" smtClean="0">
-                <a:solidFill>
-                  <a:srgbClr val="363636"/>
-                </a:solidFill>
-              </a:rPr>
-              <a:t>
-</a:t>
-            </a:r>
-            <a:r>
-              <a:rPr lang="en-US" sz="3700" dirty="0" smtClean="0">
-                <a:solidFill>
-                  <a:srgbClr val="363636"/>
-                </a:solidFill>
-              </a:rPr>
-              <a:t/>
-            </a:r>
-            <a:endParaRPr lang="en-US" dirty="0"/>
-          </a:p>
-        </p:txBody>
-      </p:sp>
+      </p:pic>
     </p:spTree>
   </p:cSld>
   <p:clrMapOvr>
@@ -7907,7 +8250,7 @@
                   <a:srgbClr val="363636"/>
                 </a:solidFill>
               </a:rPr>
-              <a:t>PRECIOSA SÃO AS HORAS</a:t>
+              <a:t>“CORDEIRO”II</a:t>
             </a:r>
             <a:endParaRPr lang="en-US" dirty="0"/>
           </a:p>
@@ -7937,24 +8280,92 @@
               <a:buNone/>
             </a:pPr>
             <a:r>
-              <a:rPr lang="en-US" sz="3900" dirty="0" smtClean="0">
-                <a:solidFill>
-                  <a:srgbClr val="363636"/>
-                </a:solidFill>
-              </a:rPr>
-              <a:t>SÓ ME PEDE CRÊ SOMENTE. , QUE EM SOCORRO ELE VIRÁ!
-</a:t>
-            </a:r>
-            <a:r>
-              <a:rPr lang="en-US" sz="3900" dirty="0" smtClean="0">
-                <a:solidFill>
-                  <a:srgbClr val="363636"/>
-                </a:solidFill>
-              </a:rPr>
-              <a:t/>
-            </a:r>
-            <a:r>
-              <a:rPr lang="en-US" sz="3900" dirty="0" smtClean="0">
+              <a:rPr lang="en-US" sz="3100" dirty="0" smtClean="0">
+                <a:solidFill>
+                  <a:srgbClr val="363636"/>
+                </a:solidFill>
+              </a:rPr>
+              <a:t>Cordeiro de Deus,Cordeiro de Deus, Cordeiro de Deus,
+</a:t>
+            </a:r>
+            <a:r>
+              <a:rPr lang="en-US" sz="3100" dirty="0" smtClean="0">
+                <a:solidFill>
+                  <a:srgbClr val="363636"/>
+                </a:solidFill>
+              </a:rPr>
+              <a:t/>
+            </a:r>
+            <a:r>
+              <a:rPr lang="en-US" sz="3100" dirty="0" smtClean="0">
+                <a:solidFill>
+                  <a:srgbClr val="363636"/>
+                </a:solidFill>
+              </a:rPr>
+              <a:t>Tu que tiras o nosso pecado.(2x)
+</a:t>
+            </a:r>
+            <a:r>
+              <a:rPr lang="en-US" sz="3100" dirty="0" smtClean="0">
+                <a:solidFill>
+                  <a:srgbClr val="363636"/>
+                </a:solidFill>
+              </a:rPr>
+              <a:t/>
+            </a:r>
+            <a:r>
+              <a:rPr lang="en-US" sz="3100" dirty="0" smtClean="0">
+                <a:solidFill>
+                  <a:srgbClr val="363636"/>
+                </a:solidFill>
+              </a:rPr>
+              <a:t>TENDE PIEDADE DE NÓS,PIEDADE DE NÓS,PIEDADE DE
+</a:t>
+            </a:r>
+            <a:r>
+              <a:rPr lang="en-US" sz="3100" dirty="0" smtClean="0">
+                <a:solidFill>
+                  <a:srgbClr val="363636"/>
+                </a:solidFill>
+              </a:rPr>
+              <a:t/>
+            </a:r>
+            <a:r>
+              <a:rPr lang="en-US" sz="3100" dirty="0" smtClean="0">
+                <a:solidFill>
+                  <a:srgbClr val="363636"/>
+                </a:solidFill>
+              </a:rPr>
+              <a:t>NÓS,E DAÍ-NOS A PAZ!(2X)
+</a:t>
+            </a:r>
+            <a:r>
+              <a:rPr lang="en-US" sz="3100" dirty="0" smtClean="0">
+                <a:solidFill>
+                  <a:srgbClr val="363636"/>
+                </a:solidFill>
+              </a:rPr>
+              <a:t/>
+            </a:r>
+            <a:r>
+              <a:rPr lang="en-US" sz="3100" dirty="0" smtClean="0">
+                <a:solidFill>
+                  <a:srgbClr val="363636"/>
+                </a:solidFill>
+              </a:rPr>
+              <a:t>E DAÍ-NOS A PAZ....E DAÍ-NOS A PAZ
+</a:t>
+            </a:r>
+            <a:r>
+              <a:rPr lang="en-US" sz="3100" dirty="0" smtClean="0">
+                <a:solidFill>
+                  <a:srgbClr val="363636"/>
+                </a:solidFill>
+              </a:rPr>
+              <a:t/>
+            </a:r>
+            <a:r>
+              <a:rPr lang="en-US" sz="3100" dirty="0" smtClean="0">
                 <a:solidFill>
                   <a:srgbClr val="363636"/>
                 </a:solidFill>
@@ -7963,7 +8374,7 @@
 </a:t>
             </a:r>
             <a:r>
-              <a:rPr lang="en-US" sz="3900" dirty="0" smtClean="0">
+              <a:rPr lang="en-US" sz="3100" dirty="0" smtClean="0">
                 <a:solidFill>
                   <a:srgbClr val="363636"/>
                 </a:solidFill>
@@ -7999,153 +8410,30 @@
           <a:chExt cx="0" cy="0"/>
         </a:xfrm>
       </p:grpSpPr>
-      <p:sp>
-        <p:nvSpPr>
-          <p:cNvPr id="2" name="Object 1"/>
-          <p:cNvSpPr/>
+      <p:pic>
+        <p:nvPicPr>
+          <p:cNvPr id="2" name="Object 1" descr="./resources/santa-terezinha.jpg">    </p:cNvPr>
+          <p:cNvPicPr>
+            <a:picLocks noChangeAspect="1"/>
+          </p:cNvPicPr>
           <p:nvPr/>
-        </p:nvSpPr>
+        </p:nvPicPr>
+        <p:blipFill>
+          <a:blip r:embed="rId1"/>
+          <a:stretch>
+            <a:fillRect/>
+          </a:stretch>
+        </p:blipFill>
         <p:spPr>
           <a:xfrm>
-            <a:off x="3657600" y="457200"/>
-            <a:ext cx="6858000" cy="274320"/>
+            <a:off x="0" y="0"/>
+            <a:ext cx="9144000" cy="5486400"/>
           </a:xfrm>
           <a:prstGeom prst="rect">
             <a:avLst/>
           </a:prstGeom>
-          <a:noFill/>
         </p:spPr>
-        <p:txBody>
-          <a:bodyPr wrap="square" rtlCol="0" anchor="ctr"/>
-          <a:lstStyle/>
-          <a:p>
-            <a:pPr>
-              <a:buNone/>
-            </a:pPr>
-            <a:r>
-              <a:rPr lang="en-US" sz="1800" dirty="0" smtClean="0">
-                <a:solidFill>
-                  <a:srgbClr val="363636"/>
-                </a:solidFill>
-              </a:rPr>
-              <a:t>PORQUE ELE VIVE</a:t>
-            </a:r>
-            <a:endParaRPr lang="en-US" dirty="0"/>
-          </a:p>
-        </p:txBody>
-      </p:sp>
-      <p:sp>
-        <p:nvSpPr>
-          <p:cNvPr id="3" name="Object 2"/>
-          <p:cNvSpPr/>
-          <p:nvPr/>
-        </p:nvSpPr>
-        <p:spPr>
-          <a:xfrm>
-            <a:off x="914400" y="2743200"/>
-            <a:ext cx="6858000" cy="274320"/>
-          </a:xfrm>
-          <a:prstGeom prst="rect">
-            <a:avLst/>
-          </a:prstGeom>
-          <a:noFill/>
-        </p:spPr>
-        <p:txBody>
-          <a:bodyPr wrap="square" rtlCol="0" anchor="ctr"/>
-          <a:lstStyle/>
-          <a:p>
-            <a:pPr>
-              <a:buNone/>
-            </a:pPr>
-            <a:r>
-              <a:rPr lang="en-US" sz="3500" dirty="0" smtClean="0">
-                <a:solidFill>
-                  <a:srgbClr val="363636"/>
-                </a:solidFill>
-              </a:rPr>
-              <a:t>DEUS ENVIOU SEU FILHO AMADO
-</a:t>
-            </a:r>
-            <a:r>
-              <a:rPr lang="en-US" sz="3500" dirty="0" smtClean="0">
-                <a:solidFill>
-                  <a:srgbClr val="363636"/>
-                </a:solidFill>
-              </a:rPr>
-              <a:t/>
-            </a:r>
-            <a:r>
-              <a:rPr lang="en-US" sz="3500" dirty="0" smtClean="0">
-                <a:solidFill>
-                  <a:srgbClr val="363636"/>
-                </a:solidFill>
-              </a:rPr>
-              <a:t>PARA MORRER NO MEU LUGAR
-</a:t>
-            </a:r>
-            <a:r>
-              <a:rPr lang="en-US" sz="3500" dirty="0" smtClean="0">
-                <a:solidFill>
-                  <a:srgbClr val="363636"/>
-                </a:solidFill>
-              </a:rPr>
-              <a:t/>
-            </a:r>
-            <a:r>
-              <a:rPr lang="en-US" sz="3500" dirty="0" smtClean="0">
-                <a:solidFill>
-                  <a:srgbClr val="363636"/>
-                </a:solidFill>
-              </a:rPr>
-              <a:t>NA CRUZ PAGOU OS MEUS PECADOS
-</a:t>
-            </a:r>
-            <a:r>
-              <a:rPr lang="en-US" sz="3500" dirty="0" smtClean="0">
-                <a:solidFill>
-                  <a:srgbClr val="363636"/>
-                </a:solidFill>
-              </a:rPr>
-              <a:t/>
-            </a:r>
-            <a:r>
-              <a:rPr lang="en-US" sz="3500" dirty="0" smtClean="0">
-                <a:solidFill>
-                  <a:srgbClr val="363636"/>
-                </a:solidFill>
-              </a:rPr>
-              <a:t>MAS O SEPULCRO VAZIO ESTÁ, PORQUE ELE VIVE!
-</a:t>
-            </a:r>
-            <a:r>
-              <a:rPr lang="en-US" sz="3500" dirty="0" smtClean="0">
-                <a:solidFill>
-                  <a:srgbClr val="363636"/>
-                </a:solidFill>
-              </a:rPr>
-              <a:t/>
-            </a:r>
-            <a:r>
-              <a:rPr lang="en-US" sz="3500" dirty="0" smtClean="0">
-                <a:solidFill>
-                  <a:srgbClr val="363636"/>
-                </a:solidFill>
-              </a:rPr>
-              <a:t>
-</a:t>
-            </a:r>
-            <a:r>
-              <a:rPr lang="en-US" sz="3500" dirty="0" smtClean="0">
-                <a:solidFill>
-                  <a:srgbClr val="363636"/>
-                </a:solidFill>
-              </a:rPr>
-              <a:t/>
-            </a:r>
-            <a:endParaRPr lang="en-US" dirty="0"/>
-          </a:p>
-        </p:txBody>
-      </p:sp>
+      </p:pic>
     </p:spTree>
   </p:cSld>
   <p:clrMapOvr>
@@ -8200,7 +8488,7 @@
                   <a:srgbClr val="363636"/>
                 </a:solidFill>
               </a:rPr>
-              <a:t>PORQUE ELE VIVE</a:t>
+              <a:t>COMUNHÃO</a:t>
             </a:r>
             <a:endParaRPr lang="en-US" dirty="0"/>
           </a:p>
@@ -8230,75 +8518,41 @@
               <a:buNone/>
             </a:pPr>
             <a:r>
-              <a:rPr lang="en-US" sz="3400" dirty="0" smtClean="0">
-                <a:solidFill>
-                  <a:srgbClr val="363636"/>
-                </a:solidFill>
-              </a:rPr>
-              <a:t>PORQUE ELE VIVE, EU POSSO CRER NO AMANHÃ
-</a:t>
-            </a:r>
-            <a:r>
-              <a:rPr lang="en-US" sz="3400" dirty="0" smtClean="0">
-                <a:solidFill>
-                  <a:srgbClr val="363636"/>
-                </a:solidFill>
-              </a:rPr>
-              <a:t/>
-            </a:r>
-            <a:r>
-              <a:rPr lang="en-US" sz="3400" dirty="0" smtClean="0">
-                <a:solidFill>
-                  <a:srgbClr val="363636"/>
-                </a:solidFill>
-              </a:rPr>
-              <a:t>PORQUE ELE VIVE, TEMOR NÃO HÁ
-</a:t>
-            </a:r>
-            <a:r>
-              <a:rPr lang="en-US" sz="3400" dirty="0" smtClean="0">
-                <a:solidFill>
-                  <a:srgbClr val="363636"/>
-                </a:solidFill>
-              </a:rPr>
-              <a:t/>
-            </a:r>
-            <a:r>
-              <a:rPr lang="en-US" sz="3400" dirty="0" smtClean="0">
-                <a:solidFill>
-                  <a:srgbClr val="363636"/>
-                </a:solidFill>
-              </a:rPr>
-              <a:t>MAS EU BEM SEI QUE O MEU FUTURO
-</a:t>
-            </a:r>
-            <a:r>
-              <a:rPr lang="en-US" sz="3400" dirty="0" smtClean="0">
-                <a:solidFill>
-                  <a:srgbClr val="363636"/>
-                </a:solidFill>
-              </a:rPr>
-              <a:t/>
-            </a:r>
-            <a:r>
-              <a:rPr lang="en-US" sz="3400" dirty="0" smtClean="0">
-                <a:solidFill>
-                  <a:srgbClr val="363636"/>
-                </a:solidFill>
-              </a:rPr>
-              <a:t>ESTÁ NAS MÃOS DO MEU JESUS, QUE VIVO ESTÁ
-</a:t>
-            </a:r>
-            <a:r>
-              <a:rPr lang="en-US" sz="3400" dirty="0" smtClean="0">
-                <a:solidFill>
-                  <a:srgbClr val="363636"/>
-                </a:solidFill>
-              </a:rPr>
-              <a:t/>
-            </a:r>
-            <a:r>
-              <a:rPr lang="en-US" sz="3400" dirty="0" smtClean="0">
+              <a:rPr lang="en-US" sz="3800" dirty="0" smtClean="0">
+                <a:solidFill>
+                  <a:srgbClr val="363636"/>
+                </a:solidFill>
+              </a:rPr>
+              <a:t>Eu vim para que todos tenham vida,
+</a:t>
+            </a:r>
+            <a:r>
+              <a:rPr lang="en-US" sz="3800" dirty="0" smtClean="0">
+                <a:solidFill>
+                  <a:srgbClr val="363636"/>
+                </a:solidFill>
+              </a:rPr>
+              <a:t/>
+            </a:r>
+            <a:r>
+              <a:rPr lang="en-US" sz="3800" dirty="0" smtClean="0">
+                <a:solidFill>
+                  <a:srgbClr val="363636"/>
+                </a:solidFill>
+              </a:rPr>
+              <a:t>Que todos tenham vida plenamente.
+</a:t>
+            </a:r>
+            <a:r>
+              <a:rPr lang="en-US" sz="3800" dirty="0" smtClean="0">
+                <a:solidFill>
+                  <a:srgbClr val="363636"/>
+                </a:solidFill>
+              </a:rPr>
+              <a:t/>
+            </a:r>
+            <a:r>
+              <a:rPr lang="en-US" sz="3800" dirty="0" smtClean="0">
                 <a:solidFill>
                   <a:srgbClr val="363636"/>
                 </a:solidFill>
@@ -8307,7 +8561,7 @@
 </a:t>
             </a:r>
             <a:r>
-              <a:rPr lang="en-US" sz="3400" dirty="0" smtClean="0">
+              <a:rPr lang="en-US" sz="3800" dirty="0" smtClean="0">
                 <a:solidFill>
                   <a:srgbClr val="363636"/>
                 </a:solidFill>
@@ -8372,7 +8626,7 @@
                   <a:srgbClr val="363636"/>
                 </a:solidFill>
               </a:rPr>
-              <a:t>PORQUE ELE VIVE</a:t>
+              <a:t>COMUNHÃO</a:t>
             </a:r>
             <a:endParaRPr lang="en-US" dirty="0"/>
           </a:p>
@@ -8402,75 +8656,58 @@
               <a:buNone/>
             </a:pPr>
             <a:r>
-              <a:rPr lang="en-US" sz="3500" dirty="0" smtClean="0">
-                <a:solidFill>
-                  <a:srgbClr val="363636"/>
-                </a:solidFill>
-              </a:rPr>
-              <a:t>UM DIA EU VOU CRUZAR OS RIOS
-</a:t>
-            </a:r>
-            <a:r>
-              <a:rPr lang="en-US" sz="3500" dirty="0" smtClean="0">
-                <a:solidFill>
-                  <a:srgbClr val="363636"/>
-                </a:solidFill>
-              </a:rPr>
-              <a:t/>
-            </a:r>
-            <a:r>
-              <a:rPr lang="en-US" sz="3500" dirty="0" smtClean="0">
-                <a:solidFill>
-                  <a:srgbClr val="363636"/>
-                </a:solidFill>
-              </a:rPr>
-              <a:t>E VEREI ENTÃO UM CÉU DE LUZ
-</a:t>
-            </a:r>
-            <a:r>
-              <a:rPr lang="en-US" sz="3500" dirty="0" smtClean="0">
-                <a:solidFill>
-                  <a:srgbClr val="363636"/>
-                </a:solidFill>
-              </a:rPr>
-              <a:t/>
-            </a:r>
-            <a:r>
-              <a:rPr lang="en-US" sz="3500" dirty="0" smtClean="0">
-                <a:solidFill>
-                  <a:srgbClr val="363636"/>
-                </a:solidFill>
-              </a:rPr>
-              <a:t>E VEREI QUE LÁ, EM PLENA GLÓRIA
-</a:t>
-            </a:r>
-            <a:r>
-              <a:rPr lang="en-US" sz="3500" dirty="0" smtClean="0">
-                <a:solidFill>
-                  <a:srgbClr val="363636"/>
-                </a:solidFill>
-              </a:rPr>
-              <a:t/>
-            </a:r>
-            <a:r>
-              <a:rPr lang="en-US" sz="3500" dirty="0" smtClean="0">
-                <a:solidFill>
-                  <a:srgbClr val="363636"/>
-                </a:solidFill>
-              </a:rPr>
-              <a:t>VITORIOSO, VIVE E REINA O MEU JESUS
-</a:t>
-            </a:r>
-            <a:r>
-              <a:rPr lang="en-US" sz="3500" dirty="0" smtClean="0">
-                <a:solidFill>
-                  <a:srgbClr val="363636"/>
-                </a:solidFill>
-              </a:rPr>
-              <a:t/>
-            </a:r>
-            <a:r>
-              <a:rPr lang="en-US" sz="3500" dirty="0" smtClean="0">
+              <a:rPr lang="en-US" sz="3400" dirty="0" smtClean="0">
+                <a:solidFill>
+                  <a:srgbClr val="363636"/>
+                </a:solidFill>
+              </a:rPr>
+              <a:t>1.Reconstrói a tua vida em comunhão com teu Senhor.
+</a:t>
+            </a:r>
+            <a:r>
+              <a:rPr lang="en-US" sz="3400" dirty="0" smtClean="0">
+                <a:solidFill>
+                  <a:srgbClr val="363636"/>
+                </a:solidFill>
+              </a:rPr>
+              <a:t/>
+            </a:r>
+            <a:r>
+              <a:rPr lang="en-US" sz="3400" dirty="0" smtClean="0">
+                <a:solidFill>
+                  <a:srgbClr val="363636"/>
+                </a:solidFill>
+              </a:rPr>
+              <a:t>Reconstrói a tua vida em comunhão com teu irmão.
+</a:t>
+            </a:r>
+            <a:r>
+              <a:rPr lang="en-US" sz="3400" dirty="0" smtClean="0">
+                <a:solidFill>
+                  <a:srgbClr val="363636"/>
+                </a:solidFill>
+              </a:rPr>
+              <a:t/>
+            </a:r>
+            <a:r>
+              <a:rPr lang="en-US" sz="3400" dirty="0" smtClean="0">
+                <a:solidFill>
+                  <a:srgbClr val="363636"/>
+                </a:solidFill>
+              </a:rPr>
+              <a:t>Onde está o teu irmão, eu estou presente nele.
+</a:t>
+            </a:r>
+            <a:r>
+              <a:rPr lang="en-US" sz="3400" dirty="0" smtClean="0">
+                <a:solidFill>
+                  <a:srgbClr val="363636"/>
+                </a:solidFill>
+              </a:rPr>
+              <a:t/>
+            </a:r>
+            <a:r>
+              <a:rPr lang="en-US" sz="3400" dirty="0" smtClean="0">
                 <a:solidFill>
                   <a:srgbClr val="363636"/>
                 </a:solidFill>
@@ -8479,7 +8716,7 @@
 </a:t>
             </a:r>
             <a:r>
-              <a:rPr lang="en-US" sz="3500" dirty="0" smtClean="0">
+              <a:rPr lang="en-US" sz="3400" dirty="0" smtClean="0">
                 <a:solidFill>
                   <a:srgbClr val="363636"/>
                 </a:solidFill>
@@ -8490,6 +8727,675 @@
           </a:p>
         </p:txBody>
       </p:sp>
+    </p:spTree>
+  </p:cSld>
+  <p:clrMapOvr>
+    <a:masterClrMapping/>
+  </p:clrMapOvr>
+</p:sld>
+</file>
+
+<file path=ppt/slides/slide35.xml><?xml version="1.0" encoding="utf-8"?>
+<p:sld xmlns:a="http://schemas.openxmlformats.org/drawingml/2006/main" xmlns:r="http://schemas.openxmlformats.org/officeDocument/2006/relationships" xmlns:p="http://schemas.openxmlformats.org/presentationml/2006/main">
+  <p:cSld name="Slide 35">
+    <p:spTree>
+      <p:nvGrpSpPr>
+        <p:cNvPr id="1" name=""/>
+        <p:cNvGrpSpPr/>
+        <p:nvPr/>
+      </p:nvGrpSpPr>
+      <p:grpSpPr>
+        <a:xfrm>
+          <a:off x="0" y="0"/>
+          <a:ext cx="0" cy="0"/>
+          <a:chOff x="0" y="0"/>
+          <a:chExt cx="0" cy="0"/>
+        </a:xfrm>
+      </p:grpSpPr>
+      <p:sp>
+        <p:nvSpPr>
+          <p:cNvPr id="2" name="Object 1"/>
+          <p:cNvSpPr/>
+          <p:nvPr/>
+        </p:nvSpPr>
+        <p:spPr>
+          <a:xfrm>
+            <a:off x="3657600" y="457200"/>
+            <a:ext cx="6858000" cy="274320"/>
+          </a:xfrm>
+          <a:prstGeom prst="rect">
+            <a:avLst/>
+          </a:prstGeom>
+          <a:noFill/>
+        </p:spPr>
+        <p:txBody>
+          <a:bodyPr wrap="square" rtlCol="0" anchor="ctr"/>
+          <a:lstStyle/>
+          <a:p>
+            <a:pPr>
+              <a:buNone/>
+            </a:pPr>
+            <a:r>
+              <a:rPr lang="en-US" sz="1800" dirty="0" smtClean="0">
+                <a:solidFill>
+                  <a:srgbClr val="363636"/>
+                </a:solidFill>
+              </a:rPr>
+              <a:t>COMUNHÃO</a:t>
+            </a:r>
+            <a:endParaRPr lang="en-US" dirty="0"/>
+          </a:p>
+        </p:txBody>
+      </p:sp>
+      <p:sp>
+        <p:nvSpPr>
+          <p:cNvPr id="3" name="Object 2"/>
+          <p:cNvSpPr/>
+          <p:nvPr/>
+        </p:nvSpPr>
+        <p:spPr>
+          <a:xfrm>
+            <a:off x="914400" y="2743200"/>
+            <a:ext cx="6858000" cy="274320"/>
+          </a:xfrm>
+          <a:prstGeom prst="rect">
+            <a:avLst/>
+          </a:prstGeom>
+          <a:noFill/>
+        </p:spPr>
+        <p:txBody>
+          <a:bodyPr wrap="square" rtlCol="0" anchor="ctr"/>
+          <a:lstStyle/>
+          <a:p>
+            <a:pPr>
+              <a:buNone/>
+            </a:pPr>
+            <a:r>
+              <a:rPr lang="en-US" sz="3400" dirty="0" smtClean="0">
+                <a:solidFill>
+                  <a:srgbClr val="363636"/>
+                </a:solidFill>
+              </a:rPr>
+              <a:t>2.Eu passei fazendo o bem, eu curei todos os males.
+</a:t>
+            </a:r>
+            <a:r>
+              <a:rPr lang="en-US" sz="3400" dirty="0" smtClean="0">
+                <a:solidFill>
+                  <a:srgbClr val="363636"/>
+                </a:solidFill>
+              </a:rPr>
+              <a:t/>
+            </a:r>
+            <a:r>
+              <a:rPr lang="en-US" sz="3400" dirty="0" smtClean="0">
+                <a:solidFill>
+                  <a:srgbClr val="363636"/>
+                </a:solidFill>
+              </a:rPr>
+              <a:t>Hoje és minha presença junto a todo o sofredor.
+</a:t>
+            </a:r>
+            <a:r>
+              <a:rPr lang="en-US" sz="3400" dirty="0" smtClean="0">
+                <a:solidFill>
+                  <a:srgbClr val="363636"/>
+                </a:solidFill>
+              </a:rPr>
+              <a:t/>
+            </a:r>
+            <a:r>
+              <a:rPr lang="en-US" sz="3400" dirty="0" smtClean="0">
+                <a:solidFill>
+                  <a:srgbClr val="363636"/>
+                </a:solidFill>
+              </a:rPr>
+              <a:t>Onde sofre o teu irmão, eu estou sofrendo nele.
+</a:t>
+            </a:r>
+            <a:r>
+              <a:rPr lang="en-US" sz="3400" dirty="0" smtClean="0">
+                <a:solidFill>
+                  <a:srgbClr val="363636"/>
+                </a:solidFill>
+              </a:rPr>
+              <a:t/>
+            </a:r>
+            <a:r>
+              <a:rPr lang="en-US" sz="3400" dirty="0" smtClean="0">
+                <a:solidFill>
+                  <a:srgbClr val="363636"/>
+                </a:solidFill>
+              </a:rPr>
+              <a:t>
+</a:t>
+            </a:r>
+            <a:r>
+              <a:rPr lang="en-US" sz="3400" dirty="0" smtClean="0">
+                <a:solidFill>
+                  <a:srgbClr val="363636"/>
+                </a:solidFill>
+              </a:rPr>
+              <a:t/>
+            </a:r>
+            <a:endParaRPr lang="en-US" dirty="0"/>
+          </a:p>
+        </p:txBody>
+      </p:sp>
+    </p:spTree>
+  </p:cSld>
+  <p:clrMapOvr>
+    <a:masterClrMapping/>
+  </p:clrMapOvr>
+</p:sld>
+</file>
+
+<file path=ppt/slides/slide36.xml><?xml version="1.0" encoding="utf-8"?>
+<p:sld xmlns:a="http://schemas.openxmlformats.org/drawingml/2006/main" xmlns:r="http://schemas.openxmlformats.org/officeDocument/2006/relationships" xmlns:p="http://schemas.openxmlformats.org/presentationml/2006/main">
+  <p:cSld name="Slide 36">
+    <p:spTree>
+      <p:nvGrpSpPr>
+        <p:cNvPr id="1" name=""/>
+        <p:cNvGrpSpPr/>
+        <p:nvPr/>
+      </p:nvGrpSpPr>
+      <p:grpSpPr>
+        <a:xfrm>
+          <a:off x="0" y="0"/>
+          <a:ext cx="0" cy="0"/>
+          <a:chOff x="0" y="0"/>
+          <a:chExt cx="0" cy="0"/>
+        </a:xfrm>
+      </p:grpSpPr>
+      <p:sp>
+        <p:nvSpPr>
+          <p:cNvPr id="2" name="Object 1"/>
+          <p:cNvSpPr/>
+          <p:nvPr/>
+        </p:nvSpPr>
+        <p:spPr>
+          <a:xfrm>
+            <a:off x="3657600" y="457200"/>
+            <a:ext cx="6858000" cy="274320"/>
+          </a:xfrm>
+          <a:prstGeom prst="rect">
+            <a:avLst/>
+          </a:prstGeom>
+          <a:noFill/>
+        </p:spPr>
+        <p:txBody>
+          <a:bodyPr wrap="square" rtlCol="0" anchor="ctr"/>
+          <a:lstStyle/>
+          <a:p>
+            <a:pPr>
+              <a:buNone/>
+            </a:pPr>
+            <a:r>
+              <a:rPr lang="en-US" sz="1800" dirty="0" smtClean="0">
+                <a:solidFill>
+                  <a:srgbClr val="363636"/>
+                </a:solidFill>
+              </a:rPr>
+              <a:t>COMUNHÃO</a:t>
+            </a:r>
+            <a:endParaRPr lang="en-US" dirty="0"/>
+          </a:p>
+        </p:txBody>
+      </p:sp>
+      <p:sp>
+        <p:nvSpPr>
+          <p:cNvPr id="3" name="Object 2"/>
+          <p:cNvSpPr/>
+          <p:nvPr/>
+        </p:nvSpPr>
+        <p:spPr>
+          <a:xfrm>
+            <a:off x="914400" y="2743200"/>
+            <a:ext cx="6858000" cy="274320"/>
+          </a:xfrm>
+          <a:prstGeom prst="rect">
+            <a:avLst/>
+          </a:prstGeom>
+          <a:noFill/>
+        </p:spPr>
+        <p:txBody>
+          <a:bodyPr wrap="square" rtlCol="0" anchor="ctr"/>
+          <a:lstStyle/>
+          <a:p>
+            <a:pPr>
+              <a:buNone/>
+            </a:pPr>
+            <a:r>
+              <a:rPr lang="en-US" sz="3400" dirty="0" smtClean="0">
+                <a:solidFill>
+                  <a:srgbClr val="363636"/>
+                </a:solidFill>
+              </a:rPr>
+              <a:t>3.Quem comer o pão da vida viverá eternamente.
+</a:t>
+            </a:r>
+            <a:r>
+              <a:rPr lang="en-US" sz="3400" dirty="0" smtClean="0">
+                <a:solidFill>
+                  <a:srgbClr val="363636"/>
+                </a:solidFill>
+              </a:rPr>
+              <a:t/>
+            </a:r>
+            <a:r>
+              <a:rPr lang="en-US" sz="3400" dirty="0" smtClean="0">
+                <a:solidFill>
+                  <a:srgbClr val="363636"/>
+                </a:solidFill>
+              </a:rPr>
+              <a:t>Tenho pena deste povo que não tem o que comer,
+</a:t>
+            </a:r>
+            <a:r>
+              <a:rPr lang="en-US" sz="3400" dirty="0" smtClean="0">
+                <a:solidFill>
+                  <a:srgbClr val="363636"/>
+                </a:solidFill>
+              </a:rPr>
+              <a:t/>
+            </a:r>
+            <a:r>
+              <a:rPr lang="en-US" sz="3400" dirty="0" smtClean="0">
+                <a:solidFill>
+                  <a:srgbClr val="363636"/>
+                </a:solidFill>
+              </a:rPr>
+              <a:t>Onde está o irmão com fome, eu estou com fome nele.
+</a:t>
+            </a:r>
+            <a:r>
+              <a:rPr lang="en-US" sz="3400" dirty="0" smtClean="0">
+                <a:solidFill>
+                  <a:srgbClr val="363636"/>
+                </a:solidFill>
+              </a:rPr>
+              <a:t/>
+            </a:r>
+            <a:r>
+              <a:rPr lang="en-US" sz="3400" dirty="0" smtClean="0">
+                <a:solidFill>
+                  <a:srgbClr val="363636"/>
+                </a:solidFill>
+              </a:rPr>
+              <a:t>
+</a:t>
+            </a:r>
+            <a:r>
+              <a:rPr lang="en-US" sz="3400" dirty="0" smtClean="0">
+                <a:solidFill>
+                  <a:srgbClr val="363636"/>
+                </a:solidFill>
+              </a:rPr>
+              <a:t/>
+            </a:r>
+            <a:endParaRPr lang="en-US" dirty="0"/>
+          </a:p>
+        </p:txBody>
+      </p:sp>
+    </p:spTree>
+  </p:cSld>
+  <p:clrMapOvr>
+    <a:masterClrMapping/>
+  </p:clrMapOvr>
+</p:sld>
+</file>
+
+<file path=ppt/slides/slide37.xml><?xml version="1.0" encoding="utf-8"?>
+<p:sld xmlns:a="http://schemas.openxmlformats.org/drawingml/2006/main" xmlns:r="http://schemas.openxmlformats.org/officeDocument/2006/relationships" xmlns:p="http://schemas.openxmlformats.org/presentationml/2006/main">
+  <p:cSld name="Slide 37">
+    <p:spTree>
+      <p:nvGrpSpPr>
+        <p:cNvPr id="1" name=""/>
+        <p:cNvGrpSpPr/>
+        <p:nvPr/>
+      </p:nvGrpSpPr>
+      <p:grpSpPr>
+        <a:xfrm>
+          <a:off x="0" y="0"/>
+          <a:ext cx="0" cy="0"/>
+          <a:chOff x="0" y="0"/>
+          <a:chExt cx="0" cy="0"/>
+        </a:xfrm>
+      </p:grpSpPr>
+      <p:sp>
+        <p:nvSpPr>
+          <p:cNvPr id="2" name="Object 1"/>
+          <p:cNvSpPr/>
+          <p:nvPr/>
+        </p:nvSpPr>
+        <p:spPr>
+          <a:xfrm>
+            <a:off x="3657600" y="457200"/>
+            <a:ext cx="6858000" cy="274320"/>
+          </a:xfrm>
+          <a:prstGeom prst="rect">
+            <a:avLst/>
+          </a:prstGeom>
+          <a:noFill/>
+        </p:spPr>
+        <p:txBody>
+          <a:bodyPr wrap="square" rtlCol="0" anchor="ctr"/>
+          <a:lstStyle/>
+          <a:p>
+            <a:pPr>
+              <a:buNone/>
+            </a:pPr>
+            <a:r>
+              <a:rPr lang="en-US" sz="1800" dirty="0" smtClean="0">
+                <a:solidFill>
+                  <a:srgbClr val="363636"/>
+                </a:solidFill>
+              </a:rPr>
+              <a:t>COMUNHÃO</a:t>
+            </a:r>
+            <a:endParaRPr lang="en-US" dirty="0"/>
+          </a:p>
+        </p:txBody>
+      </p:sp>
+      <p:sp>
+        <p:nvSpPr>
+          <p:cNvPr id="3" name="Object 2"/>
+          <p:cNvSpPr/>
+          <p:nvPr/>
+        </p:nvSpPr>
+        <p:spPr>
+          <a:xfrm>
+            <a:off x="914400" y="2743200"/>
+            <a:ext cx="6858000" cy="274320"/>
+          </a:xfrm>
+          <a:prstGeom prst="rect">
+            <a:avLst/>
+          </a:prstGeom>
+          <a:noFill/>
+        </p:spPr>
+        <p:txBody>
+          <a:bodyPr wrap="square" rtlCol="0" anchor="ctr"/>
+          <a:lstStyle/>
+          <a:p>
+            <a:pPr>
+              <a:buNone/>
+            </a:pPr>
+            <a:r>
+              <a:rPr lang="en-US" sz="3300" dirty="0" smtClean="0">
+                <a:solidFill>
+                  <a:srgbClr val="363636"/>
+                </a:solidFill>
+              </a:rPr>
+              <a:t>4.Entreguei a minha vida pela salvação de todos.
+</a:t>
+            </a:r>
+            <a:r>
+              <a:rPr lang="en-US" sz="3300" dirty="0" smtClean="0">
+                <a:solidFill>
+                  <a:srgbClr val="363636"/>
+                </a:solidFill>
+              </a:rPr>
+              <a:t/>
+            </a:r>
+            <a:r>
+              <a:rPr lang="en-US" sz="3300" dirty="0" smtClean="0">
+                <a:solidFill>
+                  <a:srgbClr val="363636"/>
+                </a:solidFill>
+              </a:rPr>
+              <a:t>Reconstrói, protege a vida de indefesos e inocentes:
+</a:t>
+            </a:r>
+            <a:r>
+              <a:rPr lang="en-US" sz="3300" dirty="0" smtClean="0">
+                <a:solidFill>
+                  <a:srgbClr val="363636"/>
+                </a:solidFill>
+              </a:rPr>
+              <a:t/>
+            </a:r>
+            <a:r>
+              <a:rPr lang="en-US" sz="3300" dirty="0" smtClean="0">
+                <a:solidFill>
+                  <a:srgbClr val="363636"/>
+                </a:solidFill>
+              </a:rPr>
+              <a:t>Onde morre o teu irmão, eu estou morrendo nele.
+</a:t>
+            </a:r>
+            <a:r>
+              <a:rPr lang="en-US" sz="3300" dirty="0" smtClean="0">
+                <a:solidFill>
+                  <a:srgbClr val="363636"/>
+                </a:solidFill>
+              </a:rPr>
+              <a:t/>
+            </a:r>
+            <a:r>
+              <a:rPr lang="en-US" sz="3300" dirty="0" smtClean="0">
+                <a:solidFill>
+                  <a:srgbClr val="363636"/>
+                </a:solidFill>
+              </a:rPr>
+              <a:t>
+</a:t>
+            </a:r>
+            <a:r>
+              <a:rPr lang="en-US" sz="3300" dirty="0" smtClean="0">
+                <a:solidFill>
+                  <a:srgbClr val="363636"/>
+                </a:solidFill>
+              </a:rPr>
+              <a:t/>
+            </a:r>
+            <a:endParaRPr lang="en-US" dirty="0"/>
+          </a:p>
+        </p:txBody>
+      </p:sp>
+    </p:spTree>
+  </p:cSld>
+  <p:clrMapOvr>
+    <a:masterClrMapping/>
+  </p:clrMapOvr>
+</p:sld>
+</file>
+
+<file path=ppt/slides/slide38.xml><?xml version="1.0" encoding="utf-8"?>
+<p:sld xmlns:a="http://schemas.openxmlformats.org/drawingml/2006/main" xmlns:r="http://schemas.openxmlformats.org/officeDocument/2006/relationships" xmlns:p="http://schemas.openxmlformats.org/presentationml/2006/main">
+  <p:cSld name="Slide 38">
+    <p:spTree>
+      <p:nvGrpSpPr>
+        <p:cNvPr id="1" name=""/>
+        <p:cNvGrpSpPr/>
+        <p:nvPr/>
+      </p:nvGrpSpPr>
+      <p:grpSpPr>
+        <a:xfrm>
+          <a:off x="0" y="0"/>
+          <a:ext cx="0" cy="0"/>
+          <a:chOff x="0" y="0"/>
+          <a:chExt cx="0" cy="0"/>
+        </a:xfrm>
+      </p:grpSpPr>
+      <p:sp>
+        <p:nvSpPr>
+          <p:cNvPr id="2" name="Object 1"/>
+          <p:cNvSpPr/>
+          <p:nvPr/>
+        </p:nvSpPr>
+        <p:spPr>
+          <a:xfrm>
+            <a:off x="3657600" y="457200"/>
+            <a:ext cx="6858000" cy="274320"/>
+          </a:xfrm>
+          <a:prstGeom prst="rect">
+            <a:avLst/>
+          </a:prstGeom>
+          <a:noFill/>
+        </p:spPr>
+        <p:txBody>
+          <a:bodyPr wrap="square" rtlCol="0" anchor="ctr"/>
+          <a:lstStyle/>
+          <a:p>
+            <a:pPr>
+              <a:buNone/>
+            </a:pPr>
+            <a:r>
+              <a:rPr lang="en-US" sz="1800" dirty="0" smtClean="0">
+                <a:solidFill>
+                  <a:srgbClr val="363636"/>
+                </a:solidFill>
+              </a:rPr>
+              <a:t>COMUNHÃO</a:t>
+            </a:r>
+            <a:endParaRPr lang="en-US" dirty="0"/>
+          </a:p>
+        </p:txBody>
+      </p:sp>
+      <p:sp>
+        <p:nvSpPr>
+          <p:cNvPr id="3" name="Object 2"/>
+          <p:cNvSpPr/>
+          <p:nvPr/>
+        </p:nvSpPr>
+        <p:spPr>
+          <a:xfrm>
+            <a:off x="914400" y="2743200"/>
+            <a:ext cx="6858000" cy="274320"/>
+          </a:xfrm>
+          <a:prstGeom prst="rect">
+            <a:avLst/>
+          </a:prstGeom>
+          <a:noFill/>
+        </p:spPr>
+        <p:txBody>
+          <a:bodyPr wrap="square" rtlCol="0" anchor="ctr"/>
+          <a:lstStyle/>
+          <a:p>
+            <a:pPr>
+              <a:buNone/>
+            </a:pPr>
+            <a:r>
+              <a:rPr lang="en-US" sz="3300" dirty="0" smtClean="0">
+                <a:solidFill>
+                  <a:srgbClr val="363636"/>
+                </a:solidFill>
+              </a:rPr>
+              <a:t>5.Vim buscar e vim salvar o que estava já perdido.
+</a:t>
+            </a:r>
+            <a:r>
+              <a:rPr lang="en-US" sz="3300" dirty="0" smtClean="0">
+                <a:solidFill>
+                  <a:srgbClr val="363636"/>
+                </a:solidFill>
+              </a:rPr>
+              <a:t/>
+            </a:r>
+            <a:r>
+              <a:rPr lang="en-US" sz="3300" dirty="0" smtClean="0">
+                <a:solidFill>
+                  <a:srgbClr val="363636"/>
+                </a:solidFill>
+              </a:rPr>
+              <a:t>Busca, salva e reconduz a quem perdeu toda a esperança:
+</a:t>
+            </a:r>
+            <a:r>
+              <a:rPr lang="en-US" sz="3300" dirty="0" smtClean="0">
+                <a:solidFill>
+                  <a:srgbClr val="363636"/>
+                </a:solidFill>
+              </a:rPr>
+              <a:t/>
+            </a:r>
+            <a:r>
+              <a:rPr lang="en-US" sz="3300" dirty="0" smtClean="0">
+                <a:solidFill>
+                  <a:srgbClr val="363636"/>
+                </a:solidFill>
+              </a:rPr>
+              <a:t>Onde salvas teu irmão, Tu me estás salvando nele.
+</a:t>
+            </a:r>
+            <a:r>
+              <a:rPr lang="en-US" sz="3300" dirty="0" smtClean="0">
+                <a:solidFill>
+                  <a:srgbClr val="363636"/>
+                </a:solidFill>
+              </a:rPr>
+              <a:t/>
+            </a:r>
+            <a:r>
+              <a:rPr lang="en-US" sz="3300" dirty="0" smtClean="0">
+                <a:solidFill>
+                  <a:srgbClr val="363636"/>
+                </a:solidFill>
+              </a:rPr>
+              <a:t>
+</a:t>
+            </a:r>
+            <a:r>
+              <a:rPr lang="en-US" sz="3300" dirty="0" smtClean="0">
+                <a:solidFill>
+                  <a:srgbClr val="363636"/>
+                </a:solidFill>
+              </a:rPr>
+              <a:t/>
+            </a:r>
+            <a:endParaRPr lang="en-US" dirty="0"/>
+          </a:p>
+        </p:txBody>
+      </p:sp>
+    </p:spTree>
+  </p:cSld>
+  <p:clrMapOvr>
+    <a:masterClrMapping/>
+  </p:clrMapOvr>
+</p:sld>
+</file>
+
+<file path=ppt/slides/slide39.xml><?xml version="1.0" encoding="utf-8"?>
+<p:sld xmlns:a="http://schemas.openxmlformats.org/drawingml/2006/main" xmlns:r="http://schemas.openxmlformats.org/officeDocument/2006/relationships" xmlns:p="http://schemas.openxmlformats.org/presentationml/2006/main">
+  <p:cSld name="Slide 39">
+    <p:spTree>
+      <p:nvGrpSpPr>
+        <p:cNvPr id="1" name=""/>
+        <p:cNvGrpSpPr/>
+        <p:nvPr/>
+      </p:nvGrpSpPr>
+      <p:grpSpPr>
+        <a:xfrm>
+          <a:off x="0" y="0"/>
+          <a:ext cx="0" cy="0"/>
+          <a:chOff x="0" y="0"/>
+          <a:chExt cx="0" cy="0"/>
+        </a:xfrm>
+      </p:grpSpPr>
+      <p:pic>
+        <p:nvPicPr>
+          <p:cNvPr id="2" name="Object 1" descr="./resources/santa-terezinha.jpg">    </p:cNvPr>
+          <p:cNvPicPr>
+            <a:picLocks noChangeAspect="1"/>
+          </p:cNvPicPr>
+          <p:nvPr/>
+        </p:nvPicPr>
+        <p:blipFill>
+          <a:blip r:embed="rId1"/>
+          <a:stretch>
+            <a:fillRect/>
+          </a:stretch>
+        </p:blipFill>
+        <p:spPr>
+          <a:xfrm>
+            <a:off x="0" y="0"/>
+            <a:ext cx="9144000" cy="5486400"/>
+          </a:xfrm>
+          <a:prstGeom prst="rect">
+            <a:avLst/>
+          </a:prstGeom>
+        </p:spPr>
+      </p:pic>
     </p:spTree>
   </p:cSld>
   <p:clrMapOvr>
@@ -8579,7 +9485,7 @@
                   <a:srgbClr val="363636"/>
                 </a:solidFill>
               </a:rPr>
-              <a:t>1-O CAMINHO QUE ELE TRAÇOU, ALELU...IA!
+              <a:t>O SENHOR RESSUSCITOU, ALELU.....IA!
 </a:t>
             </a:r>
             <a:r>
@@ -8596,7 +9502,7 @@
                   <a:srgbClr val="363636"/>
                 </a:solidFill>
               </a:rPr>
-              <a:t>NOS CONVIDA A CAMINHAR, ALELU...U...IA!
+              <a:t>NÃO HÁ TRISTEZA E NEM TEMOR, ALELU...U...IA!
 </a:t>
             </a:r>
             <a:r>
@@ -8628,6 +9534,1100 @@
           </a:p>
         </p:txBody>
       </p:sp>
+    </p:spTree>
+  </p:cSld>
+  <p:clrMapOvr>
+    <a:masterClrMapping/>
+  </p:clrMapOvr>
+</p:sld>
+</file>
+
+<file path=ppt/slides/slide40.xml><?xml version="1.0" encoding="utf-8"?>
+<p:sld xmlns:a="http://schemas.openxmlformats.org/drawingml/2006/main" xmlns:r="http://schemas.openxmlformats.org/officeDocument/2006/relationships" xmlns:p="http://schemas.openxmlformats.org/presentationml/2006/main">
+  <p:cSld name="Slide 40">
+    <p:spTree>
+      <p:nvGrpSpPr>
+        <p:cNvPr id="1" name=""/>
+        <p:cNvGrpSpPr/>
+        <p:nvPr/>
+      </p:nvGrpSpPr>
+      <p:grpSpPr>
+        <a:xfrm>
+          <a:off x="0" y="0"/>
+          <a:ext cx="0" cy="0"/>
+          <a:chOff x="0" y="0"/>
+          <a:chExt cx="0" cy="0"/>
+        </a:xfrm>
+      </p:grpSpPr>
+      <p:sp>
+        <p:nvSpPr>
+          <p:cNvPr id="2" name="Object 1"/>
+          <p:cNvSpPr/>
+          <p:nvPr/>
+        </p:nvSpPr>
+        <p:spPr>
+          <a:xfrm>
+            <a:off x="3657600" y="457200"/>
+            <a:ext cx="6858000" cy="274320"/>
+          </a:xfrm>
+          <a:prstGeom prst="rect">
+            <a:avLst/>
+          </a:prstGeom>
+          <a:noFill/>
+        </p:spPr>
+        <p:txBody>
+          <a:bodyPr wrap="square" rtlCol="0" anchor="ctr"/>
+          <a:lstStyle/>
+          <a:p>
+            <a:pPr>
+              <a:buNone/>
+            </a:pPr>
+            <a:r>
+              <a:rPr lang="en-US" sz="1800" dirty="0" smtClean="0">
+                <a:solidFill>
+                  <a:srgbClr val="363636"/>
+                </a:solidFill>
+              </a:rPr>
+              <a:t>PRECIOSA SÃO AS HORAS</a:t>
+            </a:r>
+            <a:endParaRPr lang="en-US" dirty="0"/>
+          </a:p>
+        </p:txBody>
+      </p:sp>
+      <p:sp>
+        <p:nvSpPr>
+          <p:cNvPr id="3" name="Object 2"/>
+          <p:cNvSpPr/>
+          <p:nvPr/>
+        </p:nvSpPr>
+        <p:spPr>
+          <a:xfrm>
+            <a:off x="914400" y="2743200"/>
+            <a:ext cx="6858000" cy="274320"/>
+          </a:xfrm>
+          <a:prstGeom prst="rect">
+            <a:avLst/>
+          </a:prstGeom>
+          <a:noFill/>
+        </p:spPr>
+        <p:txBody>
+          <a:bodyPr wrap="square" rtlCol="0" anchor="ctr"/>
+          <a:lstStyle/>
+          <a:p>
+            <a:pPr>
+              <a:buNone/>
+            </a:pPr>
+            <a:r>
+              <a:rPr lang="en-US" sz="3200" dirty="0" smtClean="0">
+                <a:solidFill>
+                  <a:srgbClr val="363636"/>
+                </a:solidFill>
+              </a:rPr>
+              <a:t>COMUNHÃO DELICIOSA , DA MINH'ALMA COM A LUZ.
+</a:t>
+            </a:r>
+            <a:r>
+              <a:rPr lang="en-US" sz="3200" dirty="0" smtClean="0">
+                <a:solidFill>
+                  <a:srgbClr val="363636"/>
+                </a:solidFill>
+              </a:rPr>
+              <a:t/>
+            </a:r>
+            <a:r>
+              <a:rPr lang="en-US" sz="3200" dirty="0" smtClean="0">
+                <a:solidFill>
+                  <a:srgbClr val="363636"/>
+                </a:solidFill>
+              </a:rPr>
+              <a:t>OS CUIDADOS DESTE MUNDO, NUNCA PODEM ME ABALAR,
+</a:t>
+            </a:r>
+            <a:r>
+              <a:rPr lang="en-US" sz="3200" dirty="0" smtClean="0">
+                <a:solidFill>
+                  <a:srgbClr val="363636"/>
+                </a:solidFill>
+              </a:rPr>
+              <a:t/>
+            </a:r>
+            <a:r>
+              <a:rPr lang="en-US" sz="3200" dirty="0" smtClean="0">
+                <a:solidFill>
+                  <a:srgbClr val="363636"/>
+                </a:solidFill>
+              </a:rPr>
+              <a:t>MEU ABRIGO, NELE POSSO CONFIAR.
+</a:t>
+            </a:r>
+            <a:r>
+              <a:rPr lang="en-US" sz="3200" dirty="0" smtClean="0">
+                <a:solidFill>
+                  <a:srgbClr val="363636"/>
+                </a:solidFill>
+              </a:rPr>
+              <a:t/>
+            </a:r>
+            <a:r>
+              <a:rPr lang="en-US" sz="3200" dirty="0" smtClean="0">
+                <a:solidFill>
+                  <a:srgbClr val="363636"/>
+                </a:solidFill>
+              </a:rPr>
+              <a:t>ELE VIVE, ELE VIVE E PRESENTE AQUI ESTÁ! (BIS)
+</a:t>
+            </a:r>
+            <a:r>
+              <a:rPr lang="en-US" sz="3200" dirty="0" smtClean="0">
+                <a:solidFill>
+                  <a:srgbClr val="363636"/>
+                </a:solidFill>
+              </a:rPr>
+              <a:t/>
+            </a:r>
+            <a:r>
+              <a:rPr lang="en-US" sz="3200" dirty="0" smtClean="0">
+                <a:solidFill>
+                  <a:srgbClr val="363636"/>
+                </a:solidFill>
+              </a:rPr>
+              <a:t>
+</a:t>
+            </a:r>
+            <a:r>
+              <a:rPr lang="en-US" sz="3200" dirty="0" smtClean="0">
+                <a:solidFill>
+                  <a:srgbClr val="363636"/>
+                </a:solidFill>
+              </a:rPr>
+              <a:t/>
+            </a:r>
+            <a:endParaRPr lang="en-US" dirty="0"/>
+          </a:p>
+        </p:txBody>
+      </p:sp>
+    </p:spTree>
+  </p:cSld>
+  <p:clrMapOvr>
+    <a:masterClrMapping/>
+  </p:clrMapOvr>
+</p:sld>
+</file>
+
+<file path=ppt/slides/slide41.xml><?xml version="1.0" encoding="utf-8"?>
+<p:sld xmlns:a="http://schemas.openxmlformats.org/drawingml/2006/main" xmlns:r="http://schemas.openxmlformats.org/officeDocument/2006/relationships" xmlns:p="http://schemas.openxmlformats.org/presentationml/2006/main">
+  <p:cSld name="Slide 41">
+    <p:spTree>
+      <p:nvGrpSpPr>
+        <p:cNvPr id="1" name=""/>
+        <p:cNvGrpSpPr/>
+        <p:nvPr/>
+      </p:nvGrpSpPr>
+      <p:grpSpPr>
+        <a:xfrm>
+          <a:off x="0" y="0"/>
+          <a:ext cx="0" cy="0"/>
+          <a:chOff x="0" y="0"/>
+          <a:chExt cx="0" cy="0"/>
+        </a:xfrm>
+      </p:grpSpPr>
+      <p:sp>
+        <p:nvSpPr>
+          <p:cNvPr id="2" name="Object 1"/>
+          <p:cNvSpPr/>
+          <p:nvPr/>
+        </p:nvSpPr>
+        <p:spPr>
+          <a:xfrm>
+            <a:off x="3657600" y="457200"/>
+            <a:ext cx="6858000" cy="274320"/>
+          </a:xfrm>
+          <a:prstGeom prst="rect">
+            <a:avLst/>
+          </a:prstGeom>
+          <a:noFill/>
+        </p:spPr>
+        <p:txBody>
+          <a:bodyPr wrap="square" rtlCol="0" anchor="ctr"/>
+          <a:lstStyle/>
+          <a:p>
+            <a:pPr>
+              <a:buNone/>
+            </a:pPr>
+            <a:r>
+              <a:rPr lang="en-US" sz="1800" dirty="0" smtClean="0">
+                <a:solidFill>
+                  <a:srgbClr val="363636"/>
+                </a:solidFill>
+              </a:rPr>
+              <a:t>PRECIOSA SÃO AS HORAS</a:t>
+            </a:r>
+            <a:endParaRPr lang="en-US" dirty="0"/>
+          </a:p>
+        </p:txBody>
+      </p:sp>
+      <p:sp>
+        <p:nvSpPr>
+          <p:cNvPr id="3" name="Object 2"/>
+          <p:cNvSpPr/>
+          <p:nvPr/>
+        </p:nvSpPr>
+        <p:spPr>
+          <a:xfrm>
+            <a:off x="914400" y="2743200"/>
+            <a:ext cx="6858000" cy="274320"/>
+          </a:xfrm>
+          <a:prstGeom prst="rect">
+            <a:avLst/>
+          </a:prstGeom>
+          <a:noFill/>
+        </p:spPr>
+        <p:txBody>
+          <a:bodyPr wrap="square" rtlCol="0" anchor="ctr"/>
+          <a:lstStyle/>
+          <a:p>
+            <a:pPr>
+              <a:buNone/>
+            </a:pPr>
+            <a:r>
+              <a:rPr lang="en-US" sz="3700" dirty="0" smtClean="0">
+                <a:solidFill>
+                  <a:srgbClr val="363636"/>
+                </a:solidFill>
+              </a:rPr>
+              <a:t>CANSA Ó MINH'ALMA, EM JESUS VEM REPOUSAR.
+</a:t>
+            </a:r>
+            <a:r>
+              <a:rPr lang="en-US" sz="3700" dirty="0" smtClean="0">
+                <a:solidFill>
+                  <a:srgbClr val="363636"/>
+                </a:solidFill>
+              </a:rPr>
+              <a:t/>
+            </a:r>
+            <a:r>
+              <a:rPr lang="en-US" sz="3700" dirty="0" smtClean="0">
+                <a:solidFill>
+                  <a:srgbClr val="363636"/>
+                </a:solidFill>
+              </a:rPr>
+              <a:t>VITALIZA, REANIMA ,... MINHAS FORÇAS PARA LUTAR.
+</a:t>
+            </a:r>
+            <a:r>
+              <a:rPr lang="en-US" sz="3700" dirty="0" smtClean="0">
+                <a:solidFill>
+                  <a:srgbClr val="363636"/>
+                </a:solidFill>
+              </a:rPr>
+              <a:t/>
+            </a:r>
+            <a:r>
+              <a:rPr lang="en-US" sz="3700" dirty="0" smtClean="0">
+                <a:solidFill>
+                  <a:srgbClr val="363636"/>
+                </a:solidFill>
+              </a:rPr>
+              <a:t>
+</a:t>
+            </a:r>
+            <a:r>
+              <a:rPr lang="en-US" sz="3700" dirty="0" smtClean="0">
+                <a:solidFill>
+                  <a:srgbClr val="363636"/>
+                </a:solidFill>
+              </a:rPr>
+              <a:t/>
+            </a:r>
+            <a:endParaRPr lang="en-US" dirty="0"/>
+          </a:p>
+        </p:txBody>
+      </p:sp>
+    </p:spTree>
+  </p:cSld>
+  <p:clrMapOvr>
+    <a:masterClrMapping/>
+  </p:clrMapOvr>
+</p:sld>
+</file>
+
+<file path=ppt/slides/slide42.xml><?xml version="1.0" encoding="utf-8"?>
+<p:sld xmlns:a="http://schemas.openxmlformats.org/drawingml/2006/main" xmlns:r="http://schemas.openxmlformats.org/officeDocument/2006/relationships" xmlns:p="http://schemas.openxmlformats.org/presentationml/2006/main">
+  <p:cSld name="Slide 42">
+    <p:spTree>
+      <p:nvGrpSpPr>
+        <p:cNvPr id="1" name=""/>
+        <p:cNvGrpSpPr/>
+        <p:nvPr/>
+      </p:nvGrpSpPr>
+      <p:grpSpPr>
+        <a:xfrm>
+          <a:off x="0" y="0"/>
+          <a:ext cx="0" cy="0"/>
+          <a:chOff x="0" y="0"/>
+          <a:chExt cx="0" cy="0"/>
+        </a:xfrm>
+      </p:grpSpPr>
+      <p:sp>
+        <p:nvSpPr>
+          <p:cNvPr id="2" name="Object 1"/>
+          <p:cNvSpPr/>
+          <p:nvPr/>
+        </p:nvSpPr>
+        <p:spPr>
+          <a:xfrm>
+            <a:off x="3657600" y="457200"/>
+            <a:ext cx="6858000" cy="274320"/>
+          </a:xfrm>
+          <a:prstGeom prst="rect">
+            <a:avLst/>
+          </a:prstGeom>
+          <a:noFill/>
+        </p:spPr>
+        <p:txBody>
+          <a:bodyPr wrap="square" rtlCol="0" anchor="ctr"/>
+          <a:lstStyle/>
+          <a:p>
+            <a:pPr>
+              <a:buNone/>
+            </a:pPr>
+            <a:r>
+              <a:rPr lang="en-US" sz="1800" dirty="0" smtClean="0">
+                <a:solidFill>
+                  <a:srgbClr val="363636"/>
+                </a:solidFill>
+              </a:rPr>
+              <a:t>PRECIOSA SÃO AS HORAS</a:t>
+            </a:r>
+            <a:endParaRPr lang="en-US" dirty="0"/>
+          </a:p>
+        </p:txBody>
+      </p:sp>
+      <p:sp>
+        <p:nvSpPr>
+          <p:cNvPr id="3" name="Object 2"/>
+          <p:cNvSpPr/>
+          <p:nvPr/>
+        </p:nvSpPr>
+        <p:spPr>
+          <a:xfrm>
+            <a:off x="914400" y="2743200"/>
+            <a:ext cx="6858000" cy="274320"/>
+          </a:xfrm>
+          <a:prstGeom prst="rect">
+            <a:avLst/>
+          </a:prstGeom>
+          <a:noFill/>
+        </p:spPr>
+        <p:txBody>
+          <a:bodyPr wrap="square" rtlCol="0" anchor="ctr"/>
+          <a:lstStyle/>
+          <a:p>
+            <a:pPr>
+              <a:buNone/>
+            </a:pPr>
+            <a:r>
+              <a:rPr lang="en-US" sz="3900" dirty="0" smtClean="0">
+                <a:solidFill>
+                  <a:srgbClr val="363636"/>
+                </a:solidFill>
+              </a:rPr>
+              <a:t>SÓ ME PEDE CRÊ SOMENTE. , QUE EM SOCORRO ELE VIRÁ!
+</a:t>
+            </a:r>
+            <a:r>
+              <a:rPr lang="en-US" sz="3900" dirty="0" smtClean="0">
+                <a:solidFill>
+                  <a:srgbClr val="363636"/>
+                </a:solidFill>
+              </a:rPr>
+              <a:t/>
+            </a:r>
+            <a:r>
+              <a:rPr lang="en-US" sz="3900" dirty="0" smtClean="0">
+                <a:solidFill>
+                  <a:srgbClr val="363636"/>
+                </a:solidFill>
+              </a:rPr>
+              <a:t>
+</a:t>
+            </a:r>
+            <a:r>
+              <a:rPr lang="en-US" sz="3900" dirty="0" smtClean="0">
+                <a:solidFill>
+                  <a:srgbClr val="363636"/>
+                </a:solidFill>
+              </a:rPr>
+              <a:t/>
+            </a:r>
+            <a:endParaRPr lang="en-US" dirty="0"/>
+          </a:p>
+        </p:txBody>
+      </p:sp>
+    </p:spTree>
+  </p:cSld>
+  <p:clrMapOvr>
+    <a:masterClrMapping/>
+  </p:clrMapOvr>
+</p:sld>
+</file>
+
+<file path=ppt/slides/slide43.xml><?xml version="1.0" encoding="utf-8"?>
+<p:sld xmlns:a="http://schemas.openxmlformats.org/drawingml/2006/main" xmlns:r="http://schemas.openxmlformats.org/officeDocument/2006/relationships" xmlns:p="http://schemas.openxmlformats.org/presentationml/2006/main">
+  <p:cSld name="Slide 43">
+    <p:spTree>
+      <p:nvGrpSpPr>
+        <p:cNvPr id="1" name=""/>
+        <p:cNvGrpSpPr/>
+        <p:nvPr/>
+      </p:nvGrpSpPr>
+      <p:grpSpPr>
+        <a:xfrm>
+          <a:off x="0" y="0"/>
+          <a:ext cx="0" cy="0"/>
+          <a:chOff x="0" y="0"/>
+          <a:chExt cx="0" cy="0"/>
+        </a:xfrm>
+      </p:grpSpPr>
+      <p:pic>
+        <p:nvPicPr>
+          <p:cNvPr id="2" name="Object 1" descr="./resources/santa-terezinha.jpg">    </p:cNvPr>
+          <p:cNvPicPr>
+            <a:picLocks noChangeAspect="1"/>
+          </p:cNvPicPr>
+          <p:nvPr/>
+        </p:nvPicPr>
+        <p:blipFill>
+          <a:blip r:embed="rId1"/>
+          <a:stretch>
+            <a:fillRect/>
+          </a:stretch>
+        </p:blipFill>
+        <p:spPr>
+          <a:xfrm>
+            <a:off x="0" y="0"/>
+            <a:ext cx="9144000" cy="5486400"/>
+          </a:xfrm>
+          <a:prstGeom prst="rect">
+            <a:avLst/>
+          </a:prstGeom>
+        </p:spPr>
+      </p:pic>
+    </p:spTree>
+  </p:cSld>
+  <p:clrMapOvr>
+    <a:masterClrMapping/>
+  </p:clrMapOvr>
+</p:sld>
+</file>
+
+<file path=ppt/slides/slide44.xml><?xml version="1.0" encoding="utf-8"?>
+<p:sld xmlns:a="http://schemas.openxmlformats.org/drawingml/2006/main" xmlns:r="http://schemas.openxmlformats.org/officeDocument/2006/relationships" xmlns:p="http://schemas.openxmlformats.org/presentationml/2006/main">
+  <p:cSld name="Slide 44">
+    <p:spTree>
+      <p:nvGrpSpPr>
+        <p:cNvPr id="1" name=""/>
+        <p:cNvGrpSpPr/>
+        <p:nvPr/>
+      </p:nvGrpSpPr>
+      <p:grpSpPr>
+        <a:xfrm>
+          <a:off x="0" y="0"/>
+          <a:ext cx="0" cy="0"/>
+          <a:chOff x="0" y="0"/>
+          <a:chExt cx="0" cy="0"/>
+        </a:xfrm>
+      </p:grpSpPr>
+      <p:sp>
+        <p:nvSpPr>
+          <p:cNvPr id="2" name="Object 1"/>
+          <p:cNvSpPr/>
+          <p:nvPr/>
+        </p:nvSpPr>
+        <p:spPr>
+          <a:xfrm>
+            <a:off x="3657600" y="457200"/>
+            <a:ext cx="6858000" cy="274320"/>
+          </a:xfrm>
+          <a:prstGeom prst="rect">
+            <a:avLst/>
+          </a:prstGeom>
+          <a:noFill/>
+        </p:spPr>
+        <p:txBody>
+          <a:bodyPr wrap="square" rtlCol="0" anchor="ctr"/>
+          <a:lstStyle/>
+          <a:p>
+            <a:pPr>
+              <a:buNone/>
+            </a:pPr>
+            <a:r>
+              <a:rPr lang="en-US" sz="1800" dirty="0" smtClean="0">
+                <a:solidFill>
+                  <a:srgbClr val="363636"/>
+                </a:solidFill>
+              </a:rPr>
+              <a:t>PORQUE ELE VIVE</a:t>
+            </a:r>
+            <a:endParaRPr lang="en-US" dirty="0"/>
+          </a:p>
+        </p:txBody>
+      </p:sp>
+      <p:sp>
+        <p:nvSpPr>
+          <p:cNvPr id="3" name="Object 2"/>
+          <p:cNvSpPr/>
+          <p:nvPr/>
+        </p:nvSpPr>
+        <p:spPr>
+          <a:xfrm>
+            <a:off x="914400" y="2743200"/>
+            <a:ext cx="6858000" cy="274320"/>
+          </a:xfrm>
+          <a:prstGeom prst="rect">
+            <a:avLst/>
+          </a:prstGeom>
+          <a:noFill/>
+        </p:spPr>
+        <p:txBody>
+          <a:bodyPr wrap="square" rtlCol="0" anchor="ctr"/>
+          <a:lstStyle/>
+          <a:p>
+            <a:pPr>
+              <a:buNone/>
+            </a:pPr>
+            <a:r>
+              <a:rPr lang="en-US" sz="3500" dirty="0" smtClean="0">
+                <a:solidFill>
+                  <a:srgbClr val="363636"/>
+                </a:solidFill>
+              </a:rPr>
+              <a:t>DEUS ENVIOU SEU FILHO AMADO
+</a:t>
+            </a:r>
+            <a:r>
+              <a:rPr lang="en-US" sz="3500" dirty="0" smtClean="0">
+                <a:solidFill>
+                  <a:srgbClr val="363636"/>
+                </a:solidFill>
+              </a:rPr>
+              <a:t/>
+            </a:r>
+            <a:r>
+              <a:rPr lang="en-US" sz="3500" dirty="0" smtClean="0">
+                <a:solidFill>
+                  <a:srgbClr val="363636"/>
+                </a:solidFill>
+              </a:rPr>
+              <a:t>PARA MORRER NO MEU LUGAR
+</a:t>
+            </a:r>
+            <a:r>
+              <a:rPr lang="en-US" sz="3500" dirty="0" smtClean="0">
+                <a:solidFill>
+                  <a:srgbClr val="363636"/>
+                </a:solidFill>
+              </a:rPr>
+              <a:t/>
+            </a:r>
+            <a:r>
+              <a:rPr lang="en-US" sz="3500" dirty="0" smtClean="0">
+                <a:solidFill>
+                  <a:srgbClr val="363636"/>
+                </a:solidFill>
+              </a:rPr>
+              <a:t>NA CRUZ PAGOU OS MEUS PECADOS
+</a:t>
+            </a:r>
+            <a:r>
+              <a:rPr lang="en-US" sz="3500" dirty="0" smtClean="0">
+                <a:solidFill>
+                  <a:srgbClr val="363636"/>
+                </a:solidFill>
+              </a:rPr>
+              <a:t/>
+            </a:r>
+            <a:r>
+              <a:rPr lang="en-US" sz="3500" dirty="0" smtClean="0">
+                <a:solidFill>
+                  <a:srgbClr val="363636"/>
+                </a:solidFill>
+              </a:rPr>
+              <a:t>MAS O SEPULCRO VAZIO ESTÁ, PORQUE ELE VIVE!
+</a:t>
+            </a:r>
+            <a:r>
+              <a:rPr lang="en-US" sz="3500" dirty="0" smtClean="0">
+                <a:solidFill>
+                  <a:srgbClr val="363636"/>
+                </a:solidFill>
+              </a:rPr>
+              <a:t/>
+            </a:r>
+            <a:r>
+              <a:rPr lang="en-US" sz="3500" dirty="0" smtClean="0">
+                <a:solidFill>
+                  <a:srgbClr val="363636"/>
+                </a:solidFill>
+              </a:rPr>
+              <a:t>
+</a:t>
+            </a:r>
+            <a:r>
+              <a:rPr lang="en-US" sz="3500" dirty="0" smtClean="0">
+                <a:solidFill>
+                  <a:srgbClr val="363636"/>
+                </a:solidFill>
+              </a:rPr>
+              <a:t/>
+            </a:r>
+            <a:endParaRPr lang="en-US" dirty="0"/>
+          </a:p>
+        </p:txBody>
+      </p:sp>
+    </p:spTree>
+  </p:cSld>
+  <p:clrMapOvr>
+    <a:masterClrMapping/>
+  </p:clrMapOvr>
+</p:sld>
+</file>
+
+<file path=ppt/slides/slide45.xml><?xml version="1.0" encoding="utf-8"?>
+<p:sld xmlns:a="http://schemas.openxmlformats.org/drawingml/2006/main" xmlns:r="http://schemas.openxmlformats.org/officeDocument/2006/relationships" xmlns:p="http://schemas.openxmlformats.org/presentationml/2006/main">
+  <p:cSld name="Slide 45">
+    <p:spTree>
+      <p:nvGrpSpPr>
+        <p:cNvPr id="1" name=""/>
+        <p:cNvGrpSpPr/>
+        <p:nvPr/>
+      </p:nvGrpSpPr>
+      <p:grpSpPr>
+        <a:xfrm>
+          <a:off x="0" y="0"/>
+          <a:ext cx="0" cy="0"/>
+          <a:chOff x="0" y="0"/>
+          <a:chExt cx="0" cy="0"/>
+        </a:xfrm>
+      </p:grpSpPr>
+      <p:sp>
+        <p:nvSpPr>
+          <p:cNvPr id="2" name="Object 1"/>
+          <p:cNvSpPr/>
+          <p:nvPr/>
+        </p:nvSpPr>
+        <p:spPr>
+          <a:xfrm>
+            <a:off x="3657600" y="457200"/>
+            <a:ext cx="6858000" cy="274320"/>
+          </a:xfrm>
+          <a:prstGeom prst="rect">
+            <a:avLst/>
+          </a:prstGeom>
+          <a:noFill/>
+        </p:spPr>
+        <p:txBody>
+          <a:bodyPr wrap="square" rtlCol="0" anchor="ctr"/>
+          <a:lstStyle/>
+          <a:p>
+            <a:pPr>
+              <a:buNone/>
+            </a:pPr>
+            <a:r>
+              <a:rPr lang="en-US" sz="1800" dirty="0" smtClean="0">
+                <a:solidFill>
+                  <a:srgbClr val="363636"/>
+                </a:solidFill>
+              </a:rPr>
+              <a:t>PORQUE ELE VIVE</a:t>
+            </a:r>
+            <a:endParaRPr lang="en-US" dirty="0"/>
+          </a:p>
+        </p:txBody>
+      </p:sp>
+      <p:sp>
+        <p:nvSpPr>
+          <p:cNvPr id="3" name="Object 2"/>
+          <p:cNvSpPr/>
+          <p:nvPr/>
+        </p:nvSpPr>
+        <p:spPr>
+          <a:xfrm>
+            <a:off x="914400" y="2743200"/>
+            <a:ext cx="6858000" cy="274320"/>
+          </a:xfrm>
+          <a:prstGeom prst="rect">
+            <a:avLst/>
+          </a:prstGeom>
+          <a:noFill/>
+        </p:spPr>
+        <p:txBody>
+          <a:bodyPr wrap="square" rtlCol="0" anchor="ctr"/>
+          <a:lstStyle/>
+          <a:p>
+            <a:pPr>
+              <a:buNone/>
+            </a:pPr>
+            <a:r>
+              <a:rPr lang="en-US" sz="3400" dirty="0" smtClean="0">
+                <a:solidFill>
+                  <a:srgbClr val="363636"/>
+                </a:solidFill>
+              </a:rPr>
+              <a:t>PORQUE ELE VIVE, EU POSSO CRER NO AMANHÃ
+</a:t>
+            </a:r>
+            <a:r>
+              <a:rPr lang="en-US" sz="3400" dirty="0" smtClean="0">
+                <a:solidFill>
+                  <a:srgbClr val="363636"/>
+                </a:solidFill>
+              </a:rPr>
+              <a:t/>
+            </a:r>
+            <a:r>
+              <a:rPr lang="en-US" sz="3400" dirty="0" smtClean="0">
+                <a:solidFill>
+                  <a:srgbClr val="363636"/>
+                </a:solidFill>
+              </a:rPr>
+              <a:t>PORQUE ELE VIVE, TEMOR NÃO HÁ
+</a:t>
+            </a:r>
+            <a:r>
+              <a:rPr lang="en-US" sz="3400" dirty="0" smtClean="0">
+                <a:solidFill>
+                  <a:srgbClr val="363636"/>
+                </a:solidFill>
+              </a:rPr>
+              <a:t/>
+            </a:r>
+            <a:r>
+              <a:rPr lang="en-US" sz="3400" dirty="0" smtClean="0">
+                <a:solidFill>
+                  <a:srgbClr val="363636"/>
+                </a:solidFill>
+              </a:rPr>
+              <a:t>MAS EU BEM SEI QUE O MEU FUTURO
+</a:t>
+            </a:r>
+            <a:r>
+              <a:rPr lang="en-US" sz="3400" dirty="0" smtClean="0">
+                <a:solidFill>
+                  <a:srgbClr val="363636"/>
+                </a:solidFill>
+              </a:rPr>
+              <a:t/>
+            </a:r>
+            <a:r>
+              <a:rPr lang="en-US" sz="3400" dirty="0" smtClean="0">
+                <a:solidFill>
+                  <a:srgbClr val="363636"/>
+                </a:solidFill>
+              </a:rPr>
+              <a:t>ESTÁ NAS MÃOS DO MEU JESUS, QUE VIVO ESTÁ
+</a:t>
+            </a:r>
+            <a:r>
+              <a:rPr lang="en-US" sz="3400" dirty="0" smtClean="0">
+                <a:solidFill>
+                  <a:srgbClr val="363636"/>
+                </a:solidFill>
+              </a:rPr>
+              <a:t/>
+            </a:r>
+            <a:r>
+              <a:rPr lang="en-US" sz="3400" dirty="0" smtClean="0">
+                <a:solidFill>
+                  <a:srgbClr val="363636"/>
+                </a:solidFill>
+              </a:rPr>
+              <a:t>
+</a:t>
+            </a:r>
+            <a:r>
+              <a:rPr lang="en-US" sz="3400" dirty="0" smtClean="0">
+                <a:solidFill>
+                  <a:srgbClr val="363636"/>
+                </a:solidFill>
+              </a:rPr>
+              <a:t/>
+            </a:r>
+            <a:endParaRPr lang="en-US" dirty="0"/>
+          </a:p>
+        </p:txBody>
+      </p:sp>
+    </p:spTree>
+  </p:cSld>
+  <p:clrMapOvr>
+    <a:masterClrMapping/>
+  </p:clrMapOvr>
+</p:sld>
+</file>
+
+<file path=ppt/slides/slide46.xml><?xml version="1.0" encoding="utf-8"?>
+<p:sld xmlns:a="http://schemas.openxmlformats.org/drawingml/2006/main" xmlns:r="http://schemas.openxmlformats.org/officeDocument/2006/relationships" xmlns:p="http://schemas.openxmlformats.org/presentationml/2006/main">
+  <p:cSld name="Slide 46">
+    <p:spTree>
+      <p:nvGrpSpPr>
+        <p:cNvPr id="1" name=""/>
+        <p:cNvGrpSpPr/>
+        <p:nvPr/>
+      </p:nvGrpSpPr>
+      <p:grpSpPr>
+        <a:xfrm>
+          <a:off x="0" y="0"/>
+          <a:ext cx="0" cy="0"/>
+          <a:chOff x="0" y="0"/>
+          <a:chExt cx="0" cy="0"/>
+        </a:xfrm>
+      </p:grpSpPr>
+      <p:sp>
+        <p:nvSpPr>
+          <p:cNvPr id="2" name="Object 1"/>
+          <p:cNvSpPr/>
+          <p:nvPr/>
+        </p:nvSpPr>
+        <p:spPr>
+          <a:xfrm>
+            <a:off x="3657600" y="457200"/>
+            <a:ext cx="6858000" cy="274320"/>
+          </a:xfrm>
+          <a:prstGeom prst="rect">
+            <a:avLst/>
+          </a:prstGeom>
+          <a:noFill/>
+        </p:spPr>
+        <p:txBody>
+          <a:bodyPr wrap="square" rtlCol="0" anchor="ctr"/>
+          <a:lstStyle/>
+          <a:p>
+            <a:pPr>
+              <a:buNone/>
+            </a:pPr>
+            <a:r>
+              <a:rPr lang="en-US" sz="1800" dirty="0" smtClean="0">
+                <a:solidFill>
+                  <a:srgbClr val="363636"/>
+                </a:solidFill>
+              </a:rPr>
+              <a:t>PORQUE ELE VIVE</a:t>
+            </a:r>
+            <a:endParaRPr lang="en-US" dirty="0"/>
+          </a:p>
+        </p:txBody>
+      </p:sp>
+      <p:sp>
+        <p:nvSpPr>
+          <p:cNvPr id="3" name="Object 2"/>
+          <p:cNvSpPr/>
+          <p:nvPr/>
+        </p:nvSpPr>
+        <p:spPr>
+          <a:xfrm>
+            <a:off x="914400" y="2743200"/>
+            <a:ext cx="6858000" cy="274320"/>
+          </a:xfrm>
+          <a:prstGeom prst="rect">
+            <a:avLst/>
+          </a:prstGeom>
+          <a:noFill/>
+        </p:spPr>
+        <p:txBody>
+          <a:bodyPr wrap="square" rtlCol="0" anchor="ctr"/>
+          <a:lstStyle/>
+          <a:p>
+            <a:pPr>
+              <a:buNone/>
+            </a:pPr>
+            <a:r>
+              <a:rPr lang="en-US" sz="3500" dirty="0" smtClean="0">
+                <a:solidFill>
+                  <a:srgbClr val="363636"/>
+                </a:solidFill>
+              </a:rPr>
+              <a:t>UM DIA EU VOU CRUZAR OS RIOS
+</a:t>
+            </a:r>
+            <a:r>
+              <a:rPr lang="en-US" sz="3500" dirty="0" smtClean="0">
+                <a:solidFill>
+                  <a:srgbClr val="363636"/>
+                </a:solidFill>
+              </a:rPr>
+              <a:t/>
+            </a:r>
+            <a:r>
+              <a:rPr lang="en-US" sz="3500" dirty="0" smtClean="0">
+                <a:solidFill>
+                  <a:srgbClr val="363636"/>
+                </a:solidFill>
+              </a:rPr>
+              <a:t>E VEREI ENTÃO UM CÉU DE LUZ
+</a:t>
+            </a:r>
+            <a:r>
+              <a:rPr lang="en-US" sz="3500" dirty="0" smtClean="0">
+                <a:solidFill>
+                  <a:srgbClr val="363636"/>
+                </a:solidFill>
+              </a:rPr>
+              <a:t/>
+            </a:r>
+            <a:r>
+              <a:rPr lang="en-US" sz="3500" dirty="0" smtClean="0">
+                <a:solidFill>
+                  <a:srgbClr val="363636"/>
+                </a:solidFill>
+              </a:rPr>
+              <a:t>E VEREI QUE LÁ, EM PLENA GLÓRIA
+</a:t>
+            </a:r>
+            <a:r>
+              <a:rPr lang="en-US" sz="3500" dirty="0" smtClean="0">
+                <a:solidFill>
+                  <a:srgbClr val="363636"/>
+                </a:solidFill>
+              </a:rPr>
+              <a:t/>
+            </a:r>
+            <a:r>
+              <a:rPr lang="en-US" sz="3500" dirty="0" smtClean="0">
+                <a:solidFill>
+                  <a:srgbClr val="363636"/>
+                </a:solidFill>
+              </a:rPr>
+              <a:t>VITORIOSO, VIVE E REINA O MEU JESUS
+</a:t>
+            </a:r>
+            <a:r>
+              <a:rPr lang="en-US" sz="3500" dirty="0" smtClean="0">
+                <a:solidFill>
+                  <a:srgbClr val="363636"/>
+                </a:solidFill>
+              </a:rPr>
+              <a:t/>
+            </a:r>
+            <a:r>
+              <a:rPr lang="en-US" sz="3500" dirty="0" smtClean="0">
+                <a:solidFill>
+                  <a:srgbClr val="363636"/>
+                </a:solidFill>
+              </a:rPr>
+              <a:t>
+</a:t>
+            </a:r>
+            <a:r>
+              <a:rPr lang="en-US" sz="3500" dirty="0" smtClean="0">
+                <a:solidFill>
+                  <a:srgbClr val="363636"/>
+                </a:solidFill>
+              </a:rPr>
+              <a:t/>
+            </a:r>
+            <a:endParaRPr lang="en-US" dirty="0"/>
+          </a:p>
+        </p:txBody>
+      </p:sp>
+    </p:spTree>
+  </p:cSld>
+  <p:clrMapOvr>
+    <a:masterClrMapping/>
+  </p:clrMapOvr>
+</p:sld>
+</file>
+
+<file path=ppt/slides/slide47.xml><?xml version="1.0" encoding="utf-8"?>
+<p:sld xmlns:a="http://schemas.openxmlformats.org/drawingml/2006/main" xmlns:r="http://schemas.openxmlformats.org/officeDocument/2006/relationships" xmlns:p="http://schemas.openxmlformats.org/presentationml/2006/main">
+  <p:cSld name="Slide 47">
+    <p:spTree>
+      <p:nvGrpSpPr>
+        <p:cNvPr id="1" name=""/>
+        <p:cNvGrpSpPr/>
+        <p:nvPr/>
+      </p:nvGrpSpPr>
+      <p:grpSpPr>
+        <a:xfrm>
+          <a:off x="0" y="0"/>
+          <a:ext cx="0" cy="0"/>
+          <a:chOff x="0" y="0"/>
+          <a:chExt cx="0" cy="0"/>
+        </a:xfrm>
+      </p:grpSpPr>
+      <p:pic>
+        <p:nvPicPr>
+          <p:cNvPr id="2" name="Object 1" descr="./resources/santa-terezinha.jpg">    </p:cNvPr>
+          <p:cNvPicPr>
+            <a:picLocks noChangeAspect="1"/>
+          </p:cNvPicPr>
+          <p:nvPr/>
+        </p:nvPicPr>
+        <p:blipFill>
+          <a:blip r:embed="rId1"/>
+          <a:stretch>
+            <a:fillRect/>
+          </a:stretch>
+        </p:blipFill>
+        <p:spPr>
+          <a:xfrm>
+            <a:off x="0" y="0"/>
+            <a:ext cx="9144000" cy="5486400"/>
+          </a:xfrm>
+          <a:prstGeom prst="rect">
+            <a:avLst/>
+          </a:prstGeom>
+        </p:spPr>
+      </p:pic>
+    </p:spTree>
+  </p:cSld>
+  <p:clrMapOvr>
+    <a:masterClrMapping/>
+  </p:clrMapOvr>
+</p:sld>
+</file>
+
+<file path=ppt/slides/slide48.xml><?xml version="1.0" encoding="utf-8"?>
+<p:sld xmlns:a="http://schemas.openxmlformats.org/drawingml/2006/main" xmlns:r="http://schemas.openxmlformats.org/officeDocument/2006/relationships" xmlns:p="http://schemas.openxmlformats.org/presentationml/2006/main">
+  <p:cSld name="Slide 48">
+    <p:spTree>
+      <p:nvGrpSpPr>
+        <p:cNvPr id="1" name=""/>
+        <p:cNvGrpSpPr/>
+        <p:nvPr/>
+      </p:nvGrpSpPr>
+      <p:grpSpPr>
+        <a:xfrm>
+          <a:off x="0" y="0"/>
+          <a:ext cx="0" cy="0"/>
+          <a:chOff x="0" y="0"/>
+          <a:chExt cx="0" cy="0"/>
+        </a:xfrm>
+      </p:grpSpPr>
+      <p:pic>
+        <p:nvPicPr>
+          <p:cNvPr id="2" name="Object 1" descr="./resources/santa-terezinha.jpg">    </p:cNvPr>
+          <p:cNvPicPr>
+            <a:picLocks noChangeAspect="1"/>
+          </p:cNvPicPr>
+          <p:nvPr/>
+        </p:nvPicPr>
+        <p:blipFill>
+          <a:blip r:embed="rId1"/>
+          <a:stretch>
+            <a:fillRect/>
+          </a:stretch>
+        </p:blipFill>
+        <p:spPr>
+          <a:xfrm>
+            <a:off x="0" y="0"/>
+            <a:ext cx="9144000" cy="5486400"/>
+          </a:xfrm>
+          <a:prstGeom prst="rect">
+            <a:avLst/>
+          </a:prstGeom>
+        </p:spPr>
+      </p:pic>
     </p:spTree>
   </p:cSld>
   <p:clrMapOvr>
@@ -8717,7 +10717,7 @@
                   <a:srgbClr val="363636"/>
                 </a:solidFill>
               </a:rPr>
-              <a:t>2-SUA PALAVRA É DE PAZ, ALELU...IA!
+              <a:t>1-O CAMINHO QUE ELE TRAÇOU, ALELU...IA!
 </a:t>
             </a:r>
             <a:r>
@@ -8734,7 +10734,7 @@
                   <a:srgbClr val="363636"/>
                 </a:solidFill>
               </a:rPr>
-              <a:t>VEM A TODOS CONFORTAR, ALELU...U...IA!
+              <a:t>NOS CONVIDA A CAMINHAR, ALELU...U...IA!
 </a:t>
             </a:r>
             <a:r>
@@ -8855,7 +10855,7 @@
                   <a:srgbClr val="363636"/>
                 </a:solidFill>
               </a:rPr>
-              <a:t>3-SUA VOZ ME ACALMOU, ALELU...IA!
+              <a:t>2-SUA PALAVRA É DE PAZ, ALELU...IA!
 </a:t>
             </a:r>
             <a:r>
@@ -8872,7 +10872,7 @@
                   <a:srgbClr val="363636"/>
                 </a:solidFill>
               </a:rPr>
-              <a:t>DA INCERTEZA ME LIVROU, ALELU...U...IA!
+              <a:t>VEM A TODOS CONFORTAR, ALELU...U...IA!
 </a:t>
             </a:r>
             <a:r>
@@ -8993,7 +10993,7 @@
                   <a:srgbClr val="363636"/>
                 </a:solidFill>
               </a:rPr>
-              <a:t>4-O SENHOR NOS VISITOU, ALELU...IA!
+              <a:t>3-SUA VOZ ME ACALMOU, ALELU...IA!
 </a:t>
             </a:r>
             <a:r>
@@ -9010,7 +11010,7 @@
                   <a:srgbClr val="363636"/>
                 </a:solidFill>
               </a:rPr>
-              <a:t>NOSSA CASA ILUMINOU, ALELU...U...IA!
+              <a:t>DA INCERTEZA ME LIVROU, ALELU...U...IA!
 </a:t>
             </a:r>
             <a:r>
@@ -9131,7 +11131,7 @@
                   <a:srgbClr val="363636"/>
                 </a:solidFill>
               </a:rPr>
-              <a:t>5-AS TORMENTAS SOBRE O MAR, ALELU...IA!
+              <a:t>4-O SENHOR NOS VISITOU, ALELU...IA!
 </a:t>
             </a:r>
             <a:r>
@@ -9148,7 +11148,7 @@
                   <a:srgbClr val="363636"/>
                 </a:solidFill>
               </a:rPr>
-              <a:t>VAMOS COM ELE PASSAR. ALELU...U...IA!
+              <a:t>NOSSA CASA ILUMINOU, ALELU...U...IA!
 </a:t>
             </a:r>
             <a:r>
@@ -9234,7 +11234,7 @@
                   <a:srgbClr val="363636"/>
                 </a:solidFill>
               </a:rPr>
-              <a:t>“PERDÃO”</a:t>
+              <a:t>O SENHOR RESSUSCITOU</a:t>
             </a:r>
             <a:endParaRPr lang="en-US" dirty="0"/>
           </a:p>
@@ -9264,109 +11264,41 @@
               <a:buNone/>
             </a:pPr>
             <a:r>
-              <a:rPr lang="en-US" sz="2300" dirty="0" smtClean="0">
-                <a:solidFill>
-                  <a:srgbClr val="363636"/>
-                </a:solidFill>
-              </a:rPr>
-              <a:t>Senhor,tende piedade de nós!Senhor, tende piedade de nós!
-</a:t>
-            </a:r>
-            <a:r>
-              <a:rPr lang="en-US" sz="2300" dirty="0" smtClean="0">
-                <a:solidFill>
-                  <a:srgbClr val="363636"/>
-                </a:solidFill>
-              </a:rPr>
-              <a:t/>
-            </a:r>
-            <a:r>
-              <a:rPr lang="en-US" sz="2300" dirty="0" smtClean="0">
-                <a:solidFill>
-                  <a:srgbClr val="363636"/>
-                </a:solidFill>
-              </a:rPr>
-              <a:t>Tende piedade,Tende piedade;Senhor tende piedade de nós!
-</a:t>
-            </a:r>
-            <a:r>
-              <a:rPr lang="en-US" sz="2300" dirty="0" smtClean="0">
-                <a:solidFill>
-                  <a:srgbClr val="363636"/>
-                </a:solidFill>
-              </a:rPr>
-              <a:t/>
-            </a:r>
-            <a:r>
-              <a:rPr lang="en-US" sz="2300" dirty="0" smtClean="0">
-                <a:solidFill>
-                  <a:srgbClr val="363636"/>
-                </a:solidFill>
-              </a:rPr>
-              <a:t>Cristo tende piedade de nós!Cristo tende piedade de nós!
-</a:t>
-            </a:r>
-            <a:r>
-              <a:rPr lang="en-US" sz="2300" dirty="0" smtClean="0">
-                <a:solidFill>
-                  <a:srgbClr val="363636"/>
-                </a:solidFill>
-              </a:rPr>
-              <a:t/>
-            </a:r>
-            <a:r>
-              <a:rPr lang="en-US" sz="2300" dirty="0" smtClean="0">
-                <a:solidFill>
-                  <a:srgbClr val="363636"/>
-                </a:solidFill>
-              </a:rPr>
-              <a:t>Piedade,...Piedade,...Piedade de nós.
-</a:t>
-            </a:r>
-            <a:r>
-              <a:rPr lang="en-US" sz="2300" dirty="0" smtClean="0">
-                <a:solidFill>
-                  <a:srgbClr val="363636"/>
-                </a:solidFill>
-              </a:rPr>
-              <a:t/>
-            </a:r>
-            <a:r>
-              <a:rPr lang="en-US" sz="2300" dirty="0" smtClean="0">
-                <a:solidFill>
-                  <a:srgbClr val="363636"/>
-                </a:solidFill>
-              </a:rPr>
-              <a:t>Senhor tende piedade de nós!Senhor, tende piedade de nós!
-</a:t>
-            </a:r>
-            <a:r>
-              <a:rPr lang="en-US" sz="2300" dirty="0" smtClean="0">
-                <a:solidFill>
-                  <a:srgbClr val="363636"/>
-                </a:solidFill>
-              </a:rPr>
-              <a:t/>
-            </a:r>
-            <a:r>
-              <a:rPr lang="en-US" sz="2300" dirty="0" smtClean="0">
-                <a:solidFill>
-                  <a:srgbClr val="363636"/>
-                </a:solidFill>
-              </a:rPr>
-              <a:t>Tende piedade,tende piedade.Senhor , tende piedade de nós!
-</a:t>
-            </a:r>
-            <a:r>
-              <a:rPr lang="en-US" sz="2300" dirty="0" smtClean="0">
-                <a:solidFill>
-                  <a:srgbClr val="363636"/>
-                </a:solidFill>
-              </a:rPr>
-              <a:t/>
-            </a:r>
-            <a:r>
-              <a:rPr lang="en-US" sz="2300" dirty="0" smtClean="0">
+              <a:rPr lang="en-US" sz="3800" dirty="0" smtClean="0">
+                <a:solidFill>
+                  <a:srgbClr val="363636"/>
+                </a:solidFill>
+              </a:rPr>
+              <a:t>5-AS TORMENTAS SOBRE O MAR, ALELU...IA!
+</a:t>
+            </a:r>
+            <a:r>
+              <a:rPr lang="en-US" sz="3800" dirty="0" smtClean="0">
+                <a:solidFill>
+                  <a:srgbClr val="363636"/>
+                </a:solidFill>
+              </a:rPr>
+              <a:t/>
+            </a:r>
+            <a:r>
+              <a:rPr lang="en-US" sz="3800" dirty="0" smtClean="0">
+                <a:solidFill>
+                  <a:srgbClr val="363636"/>
+                </a:solidFill>
+              </a:rPr>
+              <a:t>VAMOS COM ELE PASSAR. ALELU...U...IA!
+</a:t>
+            </a:r>
+            <a:r>
+              <a:rPr lang="en-US" sz="3800" dirty="0" smtClean="0">
+                <a:solidFill>
+                  <a:srgbClr val="363636"/>
+                </a:solidFill>
+              </a:rPr>
+              <a:t/>
+            </a:r>
+            <a:r>
+              <a:rPr lang="en-US" sz="3800" dirty="0" smtClean="0">
                 <a:solidFill>
                   <a:srgbClr val="363636"/>
                 </a:solidFill>
@@ -9375,7 +11307,7 @@
 </a:t>
             </a:r>
             <a:r>
-              <a:rPr lang="en-US" sz="2300" dirty="0" smtClean="0">
+              <a:rPr lang="en-US" sz="3800" dirty="0" smtClean="0">
                 <a:solidFill>
                   <a:srgbClr val="363636"/>
                 </a:solidFill>

--- a/slide-result/slide.pptx
+++ b/slide-result/slide.pptx
@@ -5055,7 +5055,7 @@
         </p:nvSpPr>
         <p:spPr>
           <a:xfrm>
-            <a:off x="2743200" y="228600"/>
+            <a:off x="2286000" y="257175"/>
             <a:ext cx="6858000" cy="274320"/>
           </a:xfrm>
           <a:prstGeom prst="rect">
@@ -5071,9 +5071,9 @@
               <a:buNone/>
             </a:pPr>
             <a:r>
-              <a:rPr lang="en-US" sz="3000" dirty="0" smtClean="0">
-                <a:solidFill>
-                  <a:srgbClr val="363636"/>
+              <a:rPr lang="en-US" b="1" sz="3000" dirty="0" smtClean="0">
+                <a:solidFill>
+                  <a:srgbClr val="8F1010"/>
                 </a:solidFill>
               </a:rPr>
               <a:t>5º Domingo  da Páscoa</a:t>
@@ -5276,8 +5276,8 @@
         </p:nvSpPr>
         <p:spPr>
           <a:xfrm>
-            <a:off x="3657600" y="457200"/>
-            <a:ext cx="6858000" cy="274320"/>
+            <a:off x="0" y="257175"/>
+            <a:ext cx="9144000" cy="274320"/>
           </a:xfrm>
           <a:prstGeom prst="rect">
             <a:avLst/>
@@ -5288,13 +5288,13 @@
           <a:bodyPr wrap="square" rtlCol="0" anchor="ctr"/>
           <a:lstStyle/>
           <a:p>
-            <a:pPr>
-              <a:buNone/>
-            </a:pPr>
-            <a:r>
-              <a:rPr lang="en-US" sz="1800" dirty="0" smtClean="0">
-                <a:solidFill>
-                  <a:srgbClr val="363636"/>
+            <a:pPr algn="ctr">
+              <a:buNone/>
+            </a:pPr>
+            <a:r>
+              <a:rPr lang="en-US" b="1" sz="1800" dirty="0" smtClean="0">
+                <a:solidFill>
+                  <a:srgbClr val="8F1010"/>
                 </a:solidFill>
               </a:rPr>
               <a:t>“PERDÃO”</a:t>
@@ -5311,8 +5311,8 @@
         </p:nvSpPr>
         <p:spPr>
           <a:xfrm>
-            <a:off x="914400" y="2743200"/>
-            <a:ext cx="6858000" cy="274320"/>
+            <a:off x="457200" y="771525"/>
+            <a:ext cx="8229600" cy="4371975"/>
           </a:xfrm>
           <a:prstGeom prst="rect">
             <a:avLst/>
@@ -5323,122 +5323,89 @@
           <a:bodyPr wrap="square" rtlCol="0" anchor="ctr"/>
           <a:lstStyle/>
           <a:p>
-            <a:pPr>
-              <a:buNone/>
-            </a:pPr>
-            <a:r>
-              <a:rPr lang="en-US" sz="2300" dirty="0" smtClean="0">
-                <a:solidFill>
-                  <a:srgbClr val="363636"/>
-                </a:solidFill>
-              </a:rPr>
-              <a:t>Senhor,tende piedade de nós!Senhor, tende piedade de nós!
-</a:t>
-            </a:r>
-            <a:r>
-              <a:rPr lang="en-US" sz="2300" dirty="0" smtClean="0">
-                <a:solidFill>
-                  <a:srgbClr val="363636"/>
-                </a:solidFill>
-              </a:rPr>
-              <a:t/>
-            </a:r>
-            <a:r>
-              <a:rPr lang="en-US" sz="2300" dirty="0" smtClean="0">
-                <a:solidFill>
-                  <a:srgbClr val="363636"/>
-                </a:solidFill>
-              </a:rPr>
-              <a:t>Tende piedade,Tende piedade;Senhor tende piedade de nós!
-</a:t>
-            </a:r>
-            <a:r>
-              <a:rPr lang="en-US" sz="2300" dirty="0" smtClean="0">
-                <a:solidFill>
-                  <a:srgbClr val="363636"/>
-                </a:solidFill>
-              </a:rPr>
-              <a:t/>
-            </a:r>
-            <a:r>
-              <a:rPr lang="en-US" sz="2300" dirty="0" smtClean="0">
-                <a:solidFill>
-                  <a:srgbClr val="363636"/>
-                </a:solidFill>
-              </a:rPr>
-              <a:t>Cristo tende piedade de nós!Cristo tende piedade de nós!
-</a:t>
-            </a:r>
-            <a:r>
-              <a:rPr lang="en-US" sz="2300" dirty="0" smtClean="0">
-                <a:solidFill>
-                  <a:srgbClr val="363636"/>
-                </a:solidFill>
-              </a:rPr>
-              <a:t/>
-            </a:r>
-            <a:r>
-              <a:rPr lang="en-US" sz="2300" dirty="0" smtClean="0">
-                <a:solidFill>
-                  <a:srgbClr val="363636"/>
-                </a:solidFill>
-              </a:rPr>
-              <a:t>Piedade,...Piedade,...Piedade de nós.
-</a:t>
-            </a:r>
-            <a:r>
-              <a:rPr lang="en-US" sz="2300" dirty="0" smtClean="0">
-                <a:solidFill>
-                  <a:srgbClr val="363636"/>
-                </a:solidFill>
-              </a:rPr>
-              <a:t/>
-            </a:r>
-            <a:r>
-              <a:rPr lang="en-US" sz="2300" dirty="0" smtClean="0">
-                <a:solidFill>
-                  <a:srgbClr val="363636"/>
-                </a:solidFill>
-              </a:rPr>
-              <a:t>Senhor tende piedade de nós!Senhor, tende piedade de nós!
-</a:t>
-            </a:r>
-            <a:r>
-              <a:rPr lang="en-US" sz="2300" dirty="0" smtClean="0">
-                <a:solidFill>
-                  <a:srgbClr val="363636"/>
-                </a:solidFill>
-              </a:rPr>
-              <a:t/>
-            </a:r>
-            <a:r>
-              <a:rPr lang="en-US" sz="2300" dirty="0" smtClean="0">
-                <a:solidFill>
-                  <a:srgbClr val="363636"/>
-                </a:solidFill>
-              </a:rPr>
-              <a:t>Tende piedade,tende piedade.Senhor , tende piedade de nós!
-</a:t>
-            </a:r>
-            <a:r>
-              <a:rPr lang="en-US" sz="2300" dirty="0" smtClean="0">
-                <a:solidFill>
-                  <a:srgbClr val="363636"/>
-                </a:solidFill>
-              </a:rPr>
-              <a:t/>
-            </a:r>
-            <a:r>
-              <a:rPr lang="en-US" sz="2300" dirty="0" smtClean="0">
-                <a:solidFill>
-                  <a:srgbClr val="363636"/>
-                </a:solidFill>
-              </a:rPr>
-              <a:t>
-</a:t>
-            </a:r>
-            <a:r>
-              <a:rPr lang="en-US" sz="2300" dirty="0" smtClean="0">
+            <a:pPr algn="ctr">
+              <a:buNone/>
+            </a:pPr>
+            <a:r>
+              <a:rPr lang="en-US" sz="2600" dirty="0" smtClean="0">
+                <a:solidFill>
+                  <a:srgbClr val="363636"/>
+                </a:solidFill>
+              </a:rPr>
+              <a:t>Senhor,tende piedade de nós!Senhor, tende piedade de nós!</a:t>
+            </a:r>
+          </a:p>
+          <a:p>
+            <a:pPr algn="ctr">
+              <a:buNone/>
+            </a:pPr>
+            <a:r>
+              <a:rPr lang="en-US" sz="2600" dirty="0" smtClean="0">
+                <a:solidFill>
+                  <a:srgbClr val="363636"/>
+                </a:solidFill>
+              </a:rPr>
+              <a:t>Tende piedade,Tende piedade;Senhor tende piedade de nós!</a:t>
+            </a:r>
+          </a:p>
+          <a:p>
+            <a:pPr algn="ctr">
+              <a:buNone/>
+            </a:pPr>
+            <a:r>
+              <a:rPr lang="en-US" sz="2600" dirty="0" smtClean="0">
+                <a:solidFill>
+                  <a:srgbClr val="363636"/>
+                </a:solidFill>
+              </a:rPr>
+              <a:t>Cristo tende piedade de nós!Cristo tende piedade de nós!</a:t>
+            </a:r>
+          </a:p>
+          <a:p>
+            <a:pPr algn="ctr">
+              <a:buNone/>
+            </a:pPr>
+            <a:r>
+              <a:rPr lang="en-US" sz="2600" dirty="0" smtClean="0">
+                <a:solidFill>
+                  <a:srgbClr val="363636"/>
+                </a:solidFill>
+              </a:rPr>
+              <a:t>Piedade,...Piedade,...Piedade de nós.</a:t>
+            </a:r>
+          </a:p>
+          <a:p>
+            <a:pPr algn="ctr">
+              <a:buNone/>
+            </a:pPr>
+            <a:r>
+              <a:rPr lang="en-US" sz="2600" dirty="0" smtClean="0">
+                <a:solidFill>
+                  <a:srgbClr val="363636"/>
+                </a:solidFill>
+              </a:rPr>
+              <a:t>Senhor tende piedade de nós!Senhor, tende piedade de nós!</a:t>
+            </a:r>
+          </a:p>
+          <a:p>
+            <a:pPr algn="ctr">
+              <a:buNone/>
+            </a:pPr>
+            <a:r>
+              <a:rPr lang="en-US" sz="2600" dirty="0" smtClean="0">
+                <a:solidFill>
+                  <a:srgbClr val="363636"/>
+                </a:solidFill>
+              </a:rPr>
+              <a:t>Tende piedade,tende piedade.Senhor , tende piedade de nós!</a:t>
+            </a:r>
+          </a:p>
+          <a:p>
+            <a:pPr algn="ctr">
+              <a:buNone/>
+            </a:pPr>
+            <a:r>
+              <a:rPr lang="en-US" sz="2600" dirty="0" smtClean="0">
                 <a:solidFill>
                   <a:srgbClr val="363636"/>
                 </a:solidFill>
@@ -5531,8 +5498,8 @@
         </p:nvSpPr>
         <p:spPr>
           <a:xfrm>
-            <a:off x="3657600" y="457200"/>
-            <a:ext cx="6858000" cy="274320"/>
+            <a:off x="0" y="257175"/>
+            <a:ext cx="9144000" cy="274320"/>
           </a:xfrm>
           <a:prstGeom prst="rect">
             <a:avLst/>
@@ -5543,13 +5510,13 @@
           <a:bodyPr wrap="square" rtlCol="0" anchor="ctr"/>
           <a:lstStyle/>
           <a:p>
-            <a:pPr>
-              <a:buNone/>
-            </a:pPr>
-            <a:r>
-              <a:rPr lang="en-US" sz="1800" dirty="0" smtClean="0">
-                <a:solidFill>
-                  <a:srgbClr val="363636"/>
+            <a:pPr algn="ctr">
+              <a:buNone/>
+            </a:pPr>
+            <a:r>
+              <a:rPr lang="en-US" b="1" sz="1800" dirty="0" smtClean="0">
+                <a:solidFill>
+                  <a:srgbClr val="8F1010"/>
                 </a:solidFill>
               </a:rPr>
               <a:t>“GLÓRIA”</a:t>
@@ -5566,8 +5533,8 @@
         </p:nvSpPr>
         <p:spPr>
           <a:xfrm>
-            <a:off x="914400" y="2743200"/>
-            <a:ext cx="6858000" cy="274320"/>
+            <a:off x="457200" y="771525"/>
+            <a:ext cx="8229600" cy="4371975"/>
           </a:xfrm>
           <a:prstGeom prst="rect">
             <a:avLst/>
@@ -5578,156 +5545,115 @@
           <a:bodyPr wrap="square" rtlCol="0" anchor="ctr"/>
           <a:lstStyle/>
           <a:p>
-            <a:pPr>
-              <a:buNone/>
-            </a:pPr>
-            <a:r>
-              <a:rPr lang="en-US" sz="2500" dirty="0" smtClean="0">
-                <a:solidFill>
-                  <a:srgbClr val="363636"/>
-                </a:solidFill>
-              </a:rPr>
-              <a:t>Glória a Deus nas alturas!
-</a:t>
-            </a:r>
-            <a:r>
-              <a:rPr lang="en-US" sz="2500" dirty="0" smtClean="0">
-                <a:solidFill>
-                  <a:srgbClr val="363636"/>
-                </a:solidFill>
-              </a:rPr>
-              <a:t/>
-            </a:r>
-            <a:r>
-              <a:rPr lang="en-US" sz="2500" dirty="0" smtClean="0">
-                <a:solidFill>
-                  <a:srgbClr val="363636"/>
-                </a:solidFill>
-              </a:rPr>
-              <a:t>Glória a Deus nas alturas!
-</a:t>
-            </a:r>
-            <a:r>
-              <a:rPr lang="en-US" sz="2500" dirty="0" smtClean="0">
-                <a:solidFill>
-                  <a:srgbClr val="363636"/>
-                </a:solidFill>
-              </a:rPr>
-              <a:t/>
-            </a:r>
-            <a:r>
-              <a:rPr lang="en-US" sz="2500" dirty="0" smtClean="0">
-                <a:solidFill>
-                  <a:srgbClr val="363636"/>
-                </a:solidFill>
-              </a:rPr>
-              <a:t>Glória a Deus nas alturas e paz na terra aos
-</a:t>
-            </a:r>
-            <a:r>
-              <a:rPr lang="en-US" sz="2500" dirty="0" smtClean="0">
-                <a:solidFill>
-                  <a:srgbClr val="363636"/>
-                </a:solidFill>
-              </a:rPr>
-              <a:t/>
-            </a:r>
-            <a:r>
-              <a:rPr lang="en-US" sz="2500" dirty="0" smtClean="0">
-                <a:solidFill>
-                  <a:srgbClr val="363636"/>
-                </a:solidFill>
-              </a:rPr>
-              <a:t>homens por ele amados.
-</a:t>
-            </a:r>
-            <a:r>
-              <a:rPr lang="en-US" sz="2500" dirty="0" smtClean="0">
-                <a:solidFill>
-                  <a:srgbClr val="363636"/>
-                </a:solidFill>
-              </a:rPr>
-              <a:t/>
-            </a:r>
-            <a:r>
-              <a:rPr lang="en-US" sz="2500" dirty="0" smtClean="0">
-                <a:solidFill>
-                  <a:srgbClr val="363636"/>
-                </a:solidFill>
-              </a:rPr>
-              <a:t>*Senhor Deus Rei dos céus,Deus pai todo poderoso
-</a:t>
-            </a:r>
-            <a:r>
-              <a:rPr lang="en-US" sz="2500" dirty="0" smtClean="0">
-                <a:solidFill>
-                  <a:srgbClr val="363636"/>
-                </a:solidFill>
-              </a:rPr>
-              <a:t/>
-            </a:r>
-            <a:r>
-              <a:rPr lang="en-US" sz="2500" dirty="0" smtClean="0">
-                <a:solidFill>
-                  <a:srgbClr val="363636"/>
-                </a:solidFill>
-              </a:rPr>
-              <a:t>Nós vos louvamos nós, vos bendizemos,nós vos
-</a:t>
-            </a:r>
-            <a:r>
-              <a:rPr lang="en-US" sz="2500" dirty="0" smtClean="0">
-                <a:solidFill>
-                  <a:srgbClr val="363636"/>
-                </a:solidFill>
-              </a:rPr>
-              <a:t/>
-            </a:r>
-            <a:r>
-              <a:rPr lang="en-US" sz="2500" dirty="0" smtClean="0">
-                <a:solidFill>
-                  <a:srgbClr val="363636"/>
-                </a:solidFill>
-              </a:rPr>
-              <a:t>adoramos,nós vos  glorificamos,nós vos damos
-</a:t>
-            </a:r>
-            <a:r>
-              <a:rPr lang="en-US" sz="2500" dirty="0" smtClean="0">
-                <a:solidFill>
-                  <a:srgbClr val="363636"/>
-                </a:solidFill>
-              </a:rPr>
-              <a:t/>
-            </a:r>
-            <a:r>
-              <a:rPr lang="en-US" sz="2500" dirty="0" smtClean="0">
-                <a:solidFill>
-                  <a:srgbClr val="363636"/>
-                </a:solidFill>
-              </a:rPr>
-              <a:t>graças por vossa imensa glória.
-</a:t>
-            </a:r>
-            <a:r>
-              <a:rPr lang="en-US" sz="2500" dirty="0" smtClean="0">
-                <a:solidFill>
-                  <a:srgbClr val="363636"/>
-                </a:solidFill>
-              </a:rPr>
-              <a:t/>
-            </a:r>
-            <a:r>
-              <a:rPr lang="en-US" sz="2500" dirty="0" smtClean="0">
-                <a:solidFill>
-                  <a:srgbClr val="363636"/>
-                </a:solidFill>
-              </a:rPr>
-              <a:t>
-</a:t>
-            </a:r>
-            <a:r>
-              <a:rPr lang="en-US" sz="2500" dirty="0" smtClean="0">
+            <a:pPr algn="ctr">
+              <a:buNone/>
+            </a:pPr>
+            <a:r>
+              <a:rPr lang="en-US" sz="2800" dirty="0" smtClean="0">
+                <a:solidFill>
+                  <a:srgbClr val="363636"/>
+                </a:solidFill>
+              </a:rPr>
+              <a:t>Glória a Deus nas alturas!</a:t>
+            </a:r>
+          </a:p>
+          <a:p>
+            <a:pPr algn="ctr">
+              <a:buNone/>
+            </a:pPr>
+            <a:r>
+              <a:rPr lang="en-US" sz="2800" dirty="0" smtClean="0">
+                <a:solidFill>
+                  <a:srgbClr val="363636"/>
+                </a:solidFill>
+              </a:rPr>
+              <a:t>Glória a Deus nas alturas!</a:t>
+            </a:r>
+          </a:p>
+          <a:p>
+            <a:pPr algn="ctr">
+              <a:buNone/>
+            </a:pPr>
+            <a:r>
+              <a:rPr lang="en-US" sz="2800" dirty="0" smtClean="0">
+                <a:solidFill>
+                  <a:srgbClr val="363636"/>
+                </a:solidFill>
+              </a:rPr>
+              <a:t>Glória a Deus nas alturas e paz na terra aos</a:t>
+            </a:r>
+          </a:p>
+          <a:p>
+            <a:pPr algn="ctr">
+              <a:buNone/>
+            </a:pPr>
+            <a:r>
+              <a:rPr lang="en-US" sz="2800" dirty="0" smtClean="0">
+                <a:solidFill>
+                  <a:srgbClr val="363636"/>
+                </a:solidFill>
+              </a:rPr>
+              <a:t>homens por ele amados.</a:t>
+            </a:r>
+          </a:p>
+          <a:p>
+            <a:pPr algn="ctr">
+              <a:buNone/>
+            </a:pPr>
+            <a:r>
+              <a:rPr lang="en-US" sz="2800" dirty="0" smtClean="0">
+                <a:solidFill>
+                  <a:srgbClr val="363636"/>
+                </a:solidFill>
+              </a:rPr>
+              <a:t>*Senhor Deus Rei dos céus,Deus pai todo poderoso</a:t>
+            </a:r>
+          </a:p>
+          <a:p>
+            <a:pPr algn="ctr">
+              <a:buNone/>
+            </a:pPr>
+            <a:r>
+              <a:rPr lang="en-US" sz="2800" dirty="0" smtClean="0">
+                <a:solidFill>
+                  <a:srgbClr val="363636"/>
+                </a:solidFill>
+              </a:rPr>
+              <a:t>Nós vos louvamos nós, vos bendizemos,nós vos</a:t>
+            </a:r>
+          </a:p>
+          <a:p>
+            <a:pPr algn="ctr">
+              <a:buNone/>
+            </a:pPr>
+            <a:r>
+              <a:rPr lang="en-US" sz="2800" dirty="0" smtClean="0">
+                <a:solidFill>
+                  <a:srgbClr val="363636"/>
+                </a:solidFill>
+              </a:rPr>
+              <a:t>adoramos,nós vos  glorificamos,nós vos damos</a:t>
+            </a:r>
+          </a:p>
+          <a:p>
+            <a:pPr algn="ctr">
+              <a:buNone/>
+            </a:pPr>
+            <a:r>
+              <a:rPr lang="en-US" sz="2800" dirty="0" smtClean="0">
+                <a:solidFill>
+                  <a:srgbClr val="363636"/>
+                </a:solidFill>
+              </a:rPr>
+              <a:t>graças por vossa imensa glória.</a:t>
+            </a:r>
+          </a:p>
+          <a:p>
+            <a:pPr algn="ctr">
+              <a:buNone/>
+            </a:pPr>
+            <a:r>
+              <a:rPr lang="en-US" sz="2800" dirty="0" smtClean="0">
                 <a:solidFill>
                   <a:srgbClr val="363636"/>
                 </a:solidFill>
@@ -5771,8 +5697,8 @@
         </p:nvSpPr>
         <p:spPr>
           <a:xfrm>
-            <a:off x="3657600" y="457200"/>
-            <a:ext cx="6858000" cy="274320"/>
+            <a:off x="0" y="257175"/>
+            <a:ext cx="9144000" cy="274320"/>
           </a:xfrm>
           <a:prstGeom prst="rect">
             <a:avLst/>
@@ -5783,13 +5709,13 @@
           <a:bodyPr wrap="square" rtlCol="0" anchor="ctr"/>
           <a:lstStyle/>
           <a:p>
-            <a:pPr>
-              <a:buNone/>
-            </a:pPr>
-            <a:r>
-              <a:rPr lang="en-US" sz="1800" dirty="0" smtClean="0">
-                <a:solidFill>
-                  <a:srgbClr val="363636"/>
+            <a:pPr algn="ctr">
+              <a:buNone/>
+            </a:pPr>
+            <a:r>
+              <a:rPr lang="en-US" b="1" sz="1800" dirty="0" smtClean="0">
+                <a:solidFill>
+                  <a:srgbClr val="8F1010"/>
                 </a:solidFill>
               </a:rPr>
               <a:t>“GLÓRIA”</a:t>
@@ -5806,8 +5732,8 @@
         </p:nvSpPr>
         <p:spPr>
           <a:xfrm>
-            <a:off x="914400" y="2743200"/>
-            <a:ext cx="6858000" cy="274320"/>
+            <a:off x="457200" y="771525"/>
+            <a:ext cx="8229600" cy="4371975"/>
           </a:xfrm>
           <a:prstGeom prst="rect">
             <a:avLst/>
@@ -5818,156 +5744,115 @@
           <a:bodyPr wrap="square" rtlCol="0" anchor="ctr"/>
           <a:lstStyle/>
           <a:p>
-            <a:pPr>
-              <a:buNone/>
-            </a:pPr>
-            <a:r>
-              <a:rPr lang="en-US" sz="2000" dirty="0" smtClean="0">
-                <a:solidFill>
-                  <a:srgbClr val="363636"/>
-                </a:solidFill>
-              </a:rPr>
-              <a:t>*Senhor Jesus Cristo filho unigênito,senhor Deus
-</a:t>
-            </a:r>
-            <a:r>
-              <a:rPr lang="en-US" sz="2000" dirty="0" smtClean="0">
-                <a:solidFill>
-                  <a:srgbClr val="363636"/>
-                </a:solidFill>
-              </a:rPr>
-              <a:t/>
-            </a:r>
-            <a:r>
-              <a:rPr lang="en-US" sz="2000" dirty="0" smtClean="0">
-                <a:solidFill>
-                  <a:srgbClr val="363636"/>
-                </a:solidFill>
-              </a:rPr>
-              <a:t>cordeiro de Deus filho de Deus Pai,vós que  tirais o
-</a:t>
-            </a:r>
-            <a:r>
-              <a:rPr lang="en-US" sz="2000" dirty="0" smtClean="0">
-                <a:solidFill>
-                  <a:srgbClr val="363636"/>
-                </a:solidFill>
-              </a:rPr>
-              <a:t/>
-            </a:r>
-            <a:r>
-              <a:rPr lang="en-US" sz="2000" dirty="0" smtClean="0">
-                <a:solidFill>
-                  <a:srgbClr val="363636"/>
-                </a:solidFill>
-              </a:rPr>
-              <a:t>pecado do mundo,tende piedade de nós,vós que
-</a:t>
-            </a:r>
-            <a:r>
-              <a:rPr lang="en-US" sz="2000" dirty="0" smtClean="0">
-                <a:solidFill>
-                  <a:srgbClr val="363636"/>
-                </a:solidFill>
-              </a:rPr>
-              <a:t/>
-            </a:r>
-            <a:r>
-              <a:rPr lang="en-US" sz="2000" dirty="0" smtClean="0">
-                <a:solidFill>
-                  <a:srgbClr val="363636"/>
-                </a:solidFill>
-              </a:rPr>
-              <a:t>tirais  o pecado do mundo acolhei a nossa súplica,
-</a:t>
-            </a:r>
-            <a:r>
-              <a:rPr lang="en-US" sz="2000" dirty="0" smtClean="0">
-                <a:solidFill>
-                  <a:srgbClr val="363636"/>
-                </a:solidFill>
-              </a:rPr>
-              <a:t/>
-            </a:r>
-            <a:r>
-              <a:rPr lang="en-US" sz="2000" dirty="0" smtClean="0">
-                <a:solidFill>
-                  <a:srgbClr val="363636"/>
-                </a:solidFill>
-              </a:rPr>
-              <a:t>Vós que estais a direita do Pai tende piedade de nós.
-</a:t>
-            </a:r>
-            <a:r>
-              <a:rPr lang="en-US" sz="2000" dirty="0" smtClean="0">
-                <a:solidFill>
-                  <a:srgbClr val="363636"/>
-                </a:solidFill>
-              </a:rPr>
-              <a:t/>
-            </a:r>
-            <a:r>
-              <a:rPr lang="en-US" sz="2000" dirty="0" smtClean="0">
-                <a:solidFill>
-                  <a:srgbClr val="363636"/>
-                </a:solidFill>
-              </a:rPr>
-              <a:t>*Só vós sois o Santo,Só vós o Senhor,só vós o
-</a:t>
-            </a:r>
-            <a:r>
-              <a:rPr lang="en-US" sz="2000" dirty="0" smtClean="0">
-                <a:solidFill>
-                  <a:srgbClr val="363636"/>
-                </a:solidFill>
-              </a:rPr>
-              <a:t/>
-            </a:r>
-            <a:r>
-              <a:rPr lang="en-US" sz="2000" dirty="0" smtClean="0">
-                <a:solidFill>
-                  <a:srgbClr val="363636"/>
-                </a:solidFill>
-              </a:rPr>
-              <a:t>altíssimo Jesus Cristo,com o Espírito Santo na glória
-</a:t>
-            </a:r>
-            <a:r>
-              <a:rPr lang="en-US" sz="2000" dirty="0" smtClean="0">
-                <a:solidFill>
-                  <a:srgbClr val="363636"/>
-                </a:solidFill>
-              </a:rPr>
-              <a:t/>
-            </a:r>
-            <a:r>
-              <a:rPr lang="en-US" sz="2000" dirty="0" smtClean="0">
-                <a:solidFill>
-                  <a:srgbClr val="363636"/>
-                </a:solidFill>
-              </a:rPr>
-              <a:t>de Deus Pai ....AMÉÉÉM!
-</a:t>
-            </a:r>
-            <a:r>
-              <a:rPr lang="en-US" sz="2000" dirty="0" smtClean="0">
-                <a:solidFill>
-                  <a:srgbClr val="363636"/>
-                </a:solidFill>
-              </a:rPr>
-              <a:t/>
-            </a:r>
-            <a:r>
-              <a:rPr lang="en-US" sz="2000" dirty="0" smtClean="0">
-                <a:solidFill>
-                  <a:srgbClr val="363636"/>
-                </a:solidFill>
-              </a:rPr>
-              <a:t>
-</a:t>
-            </a:r>
-            <a:r>
-              <a:rPr lang="en-US" sz="2000" dirty="0" smtClean="0">
+            <a:pPr algn="ctr">
+              <a:buNone/>
+            </a:pPr>
+            <a:r>
+              <a:rPr lang="en-US" sz="2300" dirty="0" smtClean="0">
+                <a:solidFill>
+                  <a:srgbClr val="363636"/>
+                </a:solidFill>
+              </a:rPr>
+              <a:t>*Senhor Jesus Cristo filho unigênito,senhor Deus</a:t>
+            </a:r>
+          </a:p>
+          <a:p>
+            <a:pPr algn="ctr">
+              <a:buNone/>
+            </a:pPr>
+            <a:r>
+              <a:rPr lang="en-US" sz="2300" dirty="0" smtClean="0">
+                <a:solidFill>
+                  <a:srgbClr val="363636"/>
+                </a:solidFill>
+              </a:rPr>
+              <a:t>cordeiro de Deus filho de Deus Pai,vós que  tirais o</a:t>
+            </a:r>
+          </a:p>
+          <a:p>
+            <a:pPr algn="ctr">
+              <a:buNone/>
+            </a:pPr>
+            <a:r>
+              <a:rPr lang="en-US" sz="2300" dirty="0" smtClean="0">
+                <a:solidFill>
+                  <a:srgbClr val="363636"/>
+                </a:solidFill>
+              </a:rPr>
+              <a:t>pecado do mundo,tende piedade de nós,vós que</a:t>
+            </a:r>
+          </a:p>
+          <a:p>
+            <a:pPr algn="ctr">
+              <a:buNone/>
+            </a:pPr>
+            <a:r>
+              <a:rPr lang="en-US" sz="2300" dirty="0" smtClean="0">
+                <a:solidFill>
+                  <a:srgbClr val="363636"/>
+                </a:solidFill>
+              </a:rPr>
+              <a:t>tirais  o pecado do mundo acolhei a nossa súplica,</a:t>
+            </a:r>
+          </a:p>
+          <a:p>
+            <a:pPr algn="ctr">
+              <a:buNone/>
+            </a:pPr>
+            <a:r>
+              <a:rPr lang="en-US" sz="2300" dirty="0" smtClean="0">
+                <a:solidFill>
+                  <a:srgbClr val="363636"/>
+                </a:solidFill>
+              </a:rPr>
+              <a:t>Vós que estais a direita do Pai tende piedade de nós.</a:t>
+            </a:r>
+          </a:p>
+          <a:p>
+            <a:pPr algn="ctr">
+              <a:buNone/>
+            </a:pPr>
+            <a:r>
+              <a:rPr lang="en-US" sz="2300" dirty="0" smtClean="0">
+                <a:solidFill>
+                  <a:srgbClr val="363636"/>
+                </a:solidFill>
+              </a:rPr>
+              <a:t>*Só vós sois o Santo,Só vós o Senhor,só vós o</a:t>
+            </a:r>
+          </a:p>
+          <a:p>
+            <a:pPr algn="ctr">
+              <a:buNone/>
+            </a:pPr>
+            <a:r>
+              <a:rPr lang="en-US" sz="2300" dirty="0" smtClean="0">
+                <a:solidFill>
+                  <a:srgbClr val="363636"/>
+                </a:solidFill>
+              </a:rPr>
+              <a:t>altíssimo Jesus Cristo,com o Espírito Santo na glória</a:t>
+            </a:r>
+          </a:p>
+          <a:p>
+            <a:pPr algn="ctr">
+              <a:buNone/>
+            </a:pPr>
+            <a:r>
+              <a:rPr lang="en-US" sz="2300" dirty="0" smtClean="0">
+                <a:solidFill>
+                  <a:srgbClr val="363636"/>
+                </a:solidFill>
+              </a:rPr>
+              <a:t>de Deus Pai ....AMÉÉÉM!</a:t>
+            </a:r>
+          </a:p>
+          <a:p>
+            <a:pPr algn="ctr">
+              <a:buNone/>
+            </a:pPr>
+            <a:r>
+              <a:rPr lang="en-US" sz="2300" dirty="0" smtClean="0">
                 <a:solidFill>
                   <a:srgbClr val="363636"/>
                 </a:solidFill>
@@ -6060,8 +5945,8 @@
         </p:nvSpPr>
         <p:spPr>
           <a:xfrm>
-            <a:off x="3657600" y="457200"/>
-            <a:ext cx="6858000" cy="274320"/>
+            <a:off x="0" y="257175"/>
+            <a:ext cx="9144000" cy="274320"/>
           </a:xfrm>
           <a:prstGeom prst="rect">
             <a:avLst/>
@@ -6072,13 +5957,13 @@
           <a:bodyPr wrap="square" rtlCol="0" anchor="ctr"/>
           <a:lstStyle/>
           <a:p>
-            <a:pPr>
-              <a:buNone/>
-            </a:pPr>
-            <a:r>
-              <a:rPr lang="en-US" sz="1800" dirty="0" smtClean="0">
-                <a:solidFill>
-                  <a:srgbClr val="363636"/>
+            <a:pPr algn="ctr">
+              <a:buNone/>
+            </a:pPr>
+            <a:r>
+              <a:rPr lang="en-US" b="1" sz="1800" dirty="0" smtClean="0">
+                <a:solidFill>
+                  <a:srgbClr val="8F1010"/>
                 </a:solidFill>
               </a:rPr>
               <a:t>HINOS  DA PALAVRA</a:t>
@@ -6095,8 +5980,8 @@
         </p:nvSpPr>
         <p:spPr>
           <a:xfrm>
-            <a:off x="914400" y="2743200"/>
-            <a:ext cx="6858000" cy="274320"/>
+            <a:off x="457200" y="771525"/>
+            <a:ext cx="8229600" cy="4371975"/>
           </a:xfrm>
           <a:prstGeom prst="rect">
             <a:avLst/>
@@ -6107,88 +5992,63 @@
           <a:bodyPr wrap="square" rtlCol="0" anchor="ctr"/>
           <a:lstStyle/>
           <a:p>
-            <a:pPr>
-              <a:buNone/>
-            </a:pPr>
-            <a:r>
-              <a:rPr lang="en-US" sz="3300" dirty="0" smtClean="0">
-                <a:solidFill>
-                  <a:srgbClr val="363636"/>
-                </a:solidFill>
-              </a:rPr>
-              <a:t>Quero ouvir Tua palavra, Que transforma o meu viver
-</a:t>
-            </a:r>
-            <a:r>
-              <a:rPr lang="en-US" sz="3300" dirty="0" smtClean="0">
-                <a:solidFill>
-                  <a:srgbClr val="363636"/>
-                </a:solidFill>
-              </a:rPr>
-              <a:t/>
-            </a:r>
-            <a:r>
-              <a:rPr lang="en-US" sz="3300" dirty="0" smtClean="0">
-                <a:solidFill>
-                  <a:srgbClr val="363636"/>
-                </a:solidFill>
-              </a:rPr>
-              <a:t>Pra cantar a canção nova para o mundo
-</a:t>
-            </a:r>
-            <a:r>
-              <a:rPr lang="en-US" sz="3300" dirty="0" smtClean="0">
-                <a:solidFill>
-                  <a:srgbClr val="363636"/>
-                </a:solidFill>
-              </a:rPr>
-              <a:t/>
-            </a:r>
-            <a:r>
-              <a:rPr lang="en-US" sz="3300" dirty="0" smtClean="0">
-                <a:solidFill>
-                  <a:srgbClr val="363636"/>
-                </a:solidFill>
-              </a:rPr>
-              <a:t>Fala Senhor, eu quero Te escutar,
-</a:t>
-            </a:r>
-            <a:r>
-              <a:rPr lang="en-US" sz="3300" dirty="0" smtClean="0">
-                <a:solidFill>
-                  <a:srgbClr val="363636"/>
-                </a:solidFill>
-              </a:rPr>
-              <a:t/>
-            </a:r>
-            <a:r>
-              <a:rPr lang="en-US" sz="3300" dirty="0" smtClean="0">
-                <a:solidFill>
-                  <a:srgbClr val="363636"/>
-                </a:solidFill>
-              </a:rPr>
-              <a:t>Fala Senhor, eu quero Te escutar!
-</a:t>
-            </a:r>
-            <a:r>
-              <a:rPr lang="en-US" sz="3300" dirty="0" smtClean="0">
-                <a:solidFill>
-                  <a:srgbClr val="363636"/>
-                </a:solidFill>
-              </a:rPr>
-              <a:t/>
-            </a:r>
-            <a:r>
-              <a:rPr lang="en-US" sz="3300" dirty="0" smtClean="0">
-                <a:solidFill>
-                  <a:srgbClr val="363636"/>
-                </a:solidFill>
-              </a:rPr>
-              <a:t>
-</a:t>
-            </a:r>
-            <a:r>
-              <a:rPr lang="en-US" sz="3300" dirty="0" smtClean="0">
+            <a:pPr algn="ctr">
+              <a:buNone/>
+            </a:pPr>
+            <a:r>
+              <a:rPr lang="en-US" sz="3700" dirty="0" smtClean="0">
+                <a:solidFill>
+                  <a:srgbClr val="363636"/>
+                </a:solidFill>
+              </a:rPr>
+              <a:t>Quero ouvir Tua palavra, Que transforma o meu viver</a:t>
+            </a:r>
+          </a:p>
+          <a:p>
+            <a:pPr algn="ctr">
+              <a:buNone/>
+            </a:pPr>
+            <a:r>
+              <a:rPr lang="en-US" sz="3700" dirty="0" smtClean="0">
+                <a:solidFill>
+                  <a:srgbClr val="363636"/>
+                </a:solidFill>
+              </a:rPr>
+              <a:t>Pra cantar a canção nova para o mundo</a:t>
+            </a:r>
+          </a:p>
+          <a:p>
+            <a:pPr algn="ctr">
+              <a:buNone/>
+            </a:pPr>
+            <a:r>
+              <a:rPr lang="en-US" sz="3700" dirty="0" smtClean="0">
+                <a:solidFill>
+                  <a:srgbClr val="363636"/>
+                </a:solidFill>
+              </a:rPr>
+              <a:t>Fala Senhor, eu quero Te escutar,</a:t>
+            </a:r>
+          </a:p>
+          <a:p>
+            <a:pPr algn="ctr">
+              <a:buNone/>
+            </a:pPr>
+            <a:r>
+              <a:rPr lang="en-US" sz="3700" dirty="0" smtClean="0">
+                <a:solidFill>
+                  <a:srgbClr val="363636"/>
+                </a:solidFill>
+              </a:rPr>
+              <a:t>Fala Senhor, eu quero Te escutar!</a:t>
+            </a:r>
+          </a:p>
+          <a:p>
+            <a:pPr algn="ctr">
+              <a:buNone/>
+            </a:pPr>
+            <a:r>
+              <a:rPr lang="en-US" sz="3700" dirty="0" smtClean="0">
                 <a:solidFill>
                   <a:srgbClr val="363636"/>
                 </a:solidFill>
@@ -6281,8 +6141,8 @@
         </p:nvSpPr>
         <p:spPr>
           <a:xfrm>
-            <a:off x="3657600" y="457200"/>
-            <a:ext cx="6858000" cy="274320"/>
+            <a:off x="0" y="257175"/>
+            <a:ext cx="9144000" cy="274320"/>
           </a:xfrm>
           <a:prstGeom prst="rect">
             <a:avLst/>
@@ -6293,13 +6153,13 @@
           <a:bodyPr wrap="square" rtlCol="0" anchor="ctr"/>
           <a:lstStyle/>
           <a:p>
-            <a:pPr>
-              <a:buNone/>
-            </a:pPr>
-            <a:r>
-              <a:rPr lang="en-US" sz="1800" dirty="0" smtClean="0">
-                <a:solidFill>
-                  <a:srgbClr val="363636"/>
+            <a:pPr algn="ctr">
+              <a:buNone/>
+            </a:pPr>
+            <a:r>
+              <a:rPr lang="en-US" b="1" sz="1800" dirty="0" smtClean="0">
+                <a:solidFill>
+                  <a:srgbClr val="8F1010"/>
                 </a:solidFill>
               </a:rPr>
               <a:t>ACLAMAÇÃO</a:t>
@@ -6316,8 +6176,8 @@
         </p:nvSpPr>
         <p:spPr>
           <a:xfrm>
-            <a:off x="914400" y="2743200"/>
-            <a:ext cx="6858000" cy="274320"/>
+            <a:off x="457200" y="771525"/>
+            <a:ext cx="8229600" cy="4371975"/>
           </a:xfrm>
           <a:prstGeom prst="rect">
             <a:avLst/>
@@ -6328,71 +6188,50 @@
           <a:bodyPr wrap="square" rtlCol="0" anchor="ctr"/>
           <a:lstStyle/>
           <a:p>
-            <a:pPr>
-              <a:buNone/>
-            </a:pPr>
-            <a:r>
-              <a:rPr lang="en-US" sz="3600" dirty="0" smtClean="0">
-                <a:solidFill>
-                  <a:srgbClr val="363636"/>
-                </a:solidFill>
-              </a:rPr>
-              <a:t>ALELUIA, ALELUIA, ALELUIA, ALELUIA!
-</a:t>
-            </a:r>
-            <a:r>
-              <a:rPr lang="en-US" sz="3600" dirty="0" smtClean="0">
-                <a:solidFill>
-                  <a:srgbClr val="363636"/>
-                </a:solidFill>
-              </a:rPr>
-              <a:t/>
-            </a:r>
-            <a:r>
-              <a:rPr lang="en-US" sz="3600" dirty="0" smtClean="0">
-                <a:solidFill>
-                  <a:srgbClr val="363636"/>
-                </a:solidFill>
-              </a:rPr>
-              <a:t>ALELUIA, ALELUIA, ALELUIA,
-</a:t>
-            </a:r>
-            <a:r>
-              <a:rPr lang="en-US" sz="3600" dirty="0" smtClean="0">
-                <a:solidFill>
-                  <a:srgbClr val="363636"/>
-                </a:solidFill>
-              </a:rPr>
-              <a:t/>
-            </a:r>
-            <a:r>
-              <a:rPr lang="en-US" sz="3600" dirty="0" smtClean="0">
-                <a:solidFill>
-                  <a:srgbClr val="363636"/>
-                </a:solidFill>
-              </a:rPr>
-              <a:t>ALELUIA, ALELUIA, ALELUIA, ALELUIA!
-</a:t>
-            </a:r>
-            <a:r>
-              <a:rPr lang="en-US" sz="3600" dirty="0" smtClean="0">
-                <a:solidFill>
-                  <a:srgbClr val="363636"/>
-                </a:solidFill>
-              </a:rPr>
-              <a:t/>
-            </a:r>
-            <a:r>
-              <a:rPr lang="en-US" sz="3600" dirty="0" smtClean="0">
-                <a:solidFill>
-                  <a:srgbClr val="363636"/>
-                </a:solidFill>
-              </a:rPr>
-              <a:t>
-</a:t>
-            </a:r>
-            <a:r>
-              <a:rPr lang="en-US" sz="3600" dirty="0" smtClean="0">
+            <a:pPr algn="ctr">
+              <a:buNone/>
+            </a:pPr>
+            <a:r>
+              <a:rPr lang="en-US" sz="4000" dirty="0" smtClean="0">
+                <a:solidFill>
+                  <a:srgbClr val="363636"/>
+                </a:solidFill>
+              </a:rPr>
+              <a:t>ALELUIA, ALELUIA, ALELUIA, ALELUIA!</a:t>
+            </a:r>
+          </a:p>
+          <a:p>
+            <a:pPr algn="ctr">
+              <a:buNone/>
+            </a:pPr>
+            <a:r>
+              <a:rPr lang="en-US" sz="4000" dirty="0" smtClean="0">
+                <a:solidFill>
+                  <a:srgbClr val="363636"/>
+                </a:solidFill>
+              </a:rPr>
+              <a:t>ALELUIA, ALELUIA, ALELUIA,</a:t>
+            </a:r>
+          </a:p>
+          <a:p>
+            <a:pPr algn="ctr">
+              <a:buNone/>
+            </a:pPr>
+            <a:r>
+              <a:rPr lang="en-US" sz="4000" dirty="0" smtClean="0">
+                <a:solidFill>
+                  <a:srgbClr val="363636"/>
+                </a:solidFill>
+              </a:rPr>
+              <a:t>ALELUIA, ALELUIA, ALELUIA, ALELUIA!</a:t>
+            </a:r>
+          </a:p>
+          <a:p>
+            <a:pPr algn="ctr">
+              <a:buNone/>
+            </a:pPr>
+            <a:r>
+              <a:rPr lang="en-US" sz="4000" dirty="0" smtClean="0">
                 <a:solidFill>
                   <a:srgbClr val="363636"/>
                 </a:solidFill>
@@ -6436,8 +6275,8 @@
         </p:nvSpPr>
         <p:spPr>
           <a:xfrm>
-            <a:off x="3657600" y="457200"/>
-            <a:ext cx="6858000" cy="274320"/>
+            <a:off x="0" y="257175"/>
+            <a:ext cx="9144000" cy="274320"/>
           </a:xfrm>
           <a:prstGeom prst="rect">
             <a:avLst/>
@@ -6448,13 +6287,13 @@
           <a:bodyPr wrap="square" rtlCol="0" anchor="ctr"/>
           <a:lstStyle/>
           <a:p>
-            <a:pPr>
-              <a:buNone/>
-            </a:pPr>
-            <a:r>
-              <a:rPr lang="en-US" sz="1800" dirty="0" smtClean="0">
-                <a:solidFill>
-                  <a:srgbClr val="363636"/>
+            <a:pPr algn="ctr">
+              <a:buNone/>
+            </a:pPr>
+            <a:r>
+              <a:rPr lang="en-US" b="1" sz="1800" dirty="0" smtClean="0">
+                <a:solidFill>
+                  <a:srgbClr val="8F1010"/>
                 </a:solidFill>
               </a:rPr>
               <a:t>ACLAMAÇÃO</a:t>
@@ -6471,8 +6310,8 @@
         </p:nvSpPr>
         <p:spPr>
           <a:xfrm>
-            <a:off x="914400" y="2743200"/>
-            <a:ext cx="6858000" cy="274320"/>
+            <a:off x="457200" y="771525"/>
+            <a:ext cx="8229600" cy="4371975"/>
           </a:xfrm>
           <a:prstGeom prst="rect">
             <a:avLst/>
@@ -6483,88 +6322,63 @@
           <a:bodyPr wrap="square" rtlCol="0" anchor="ctr"/>
           <a:lstStyle/>
           <a:p>
-            <a:pPr>
-              <a:buNone/>
-            </a:pPr>
-            <a:r>
-              <a:rPr lang="en-US" sz="3600" dirty="0" smtClean="0">
-                <a:solidFill>
-                  <a:srgbClr val="363636"/>
-                </a:solidFill>
-              </a:rPr>
-              <a:t>4º domingo da Páscoa:
-</a:t>
-            </a:r>
-            <a:r>
-              <a:rPr lang="en-US" sz="3600" dirty="0" smtClean="0">
-                <a:solidFill>
-                  <a:srgbClr val="363636"/>
-                </a:solidFill>
-              </a:rPr>
-              <a:t/>
-            </a:r>
-            <a:r>
-              <a:rPr lang="en-US" sz="3600" dirty="0" smtClean="0">
-                <a:solidFill>
-                  <a:srgbClr val="363636"/>
-                </a:solidFill>
-              </a:rPr>
-              <a:t>EU SOU O BOM PASTOR, DIZ O SENHOR,
-</a:t>
-            </a:r>
-            <a:r>
-              <a:rPr lang="en-US" sz="3600" dirty="0" smtClean="0">
-                <a:solidFill>
-                  <a:srgbClr val="363636"/>
-                </a:solidFill>
-              </a:rPr>
-              <a:t/>
-            </a:r>
-            <a:r>
-              <a:rPr lang="en-US" sz="3600" dirty="0" smtClean="0">
-                <a:solidFill>
-                  <a:srgbClr val="363636"/>
-                </a:solidFill>
-              </a:rPr>
-              <a:t>EU CONHEÇO AS MINHAS OVELHAS E ELAS ME
-</a:t>
-            </a:r>
-            <a:r>
-              <a:rPr lang="en-US" sz="3600" dirty="0" smtClean="0">
-                <a:solidFill>
-                  <a:srgbClr val="363636"/>
-                </a:solidFill>
-              </a:rPr>
-              <a:t/>
-            </a:r>
-            <a:r>
-              <a:rPr lang="en-US" sz="3600" dirty="0" smtClean="0">
-                <a:solidFill>
-                  <a:srgbClr val="363636"/>
-                </a:solidFill>
-              </a:rPr>
-              <a:t>CONHECEM A MIM.
-</a:t>
-            </a:r>
-            <a:r>
-              <a:rPr lang="en-US" sz="3600" dirty="0" smtClean="0">
-                <a:solidFill>
-                  <a:srgbClr val="363636"/>
-                </a:solidFill>
-              </a:rPr>
-              <a:t/>
-            </a:r>
-            <a:r>
-              <a:rPr lang="en-US" sz="3600" dirty="0" smtClean="0">
-                <a:solidFill>
-                  <a:srgbClr val="363636"/>
-                </a:solidFill>
-              </a:rPr>
-              <a:t>
-</a:t>
-            </a:r>
-            <a:r>
-              <a:rPr lang="en-US" sz="3600" dirty="0" smtClean="0">
+            <a:pPr algn="ctr">
+              <a:buNone/>
+            </a:pPr>
+            <a:r>
+              <a:rPr lang="en-US" sz="3900" dirty="0" smtClean="0">
+                <a:solidFill>
+                  <a:srgbClr val="363636"/>
+                </a:solidFill>
+              </a:rPr>
+              <a:t>4º domingo da Páscoa:</a:t>
+            </a:r>
+          </a:p>
+          <a:p>
+            <a:pPr algn="ctr">
+              <a:buNone/>
+            </a:pPr>
+            <a:r>
+              <a:rPr lang="en-US" sz="3900" dirty="0" smtClean="0">
+                <a:solidFill>
+                  <a:srgbClr val="363636"/>
+                </a:solidFill>
+              </a:rPr>
+              <a:t>EU SOU O BOM PASTOR, DIZ O SENHOR,</a:t>
+            </a:r>
+          </a:p>
+          <a:p>
+            <a:pPr algn="ctr">
+              <a:buNone/>
+            </a:pPr>
+            <a:r>
+              <a:rPr lang="en-US" sz="3900" dirty="0" smtClean="0">
+                <a:solidFill>
+                  <a:srgbClr val="363636"/>
+                </a:solidFill>
+              </a:rPr>
+              <a:t>EU CONHEÇO AS MINHAS OVELHAS E ELAS ME</a:t>
+            </a:r>
+          </a:p>
+          <a:p>
+            <a:pPr algn="ctr">
+              <a:buNone/>
+            </a:pPr>
+            <a:r>
+              <a:rPr lang="en-US" sz="3900" dirty="0" smtClean="0">
+                <a:solidFill>
+                  <a:srgbClr val="363636"/>
+                </a:solidFill>
+              </a:rPr>
+              <a:t>CONHECEM A MIM.</a:t>
+            </a:r>
+          </a:p>
+          <a:p>
+            <a:pPr algn="ctr">
+              <a:buNone/>
+            </a:pPr>
+            <a:r>
+              <a:rPr lang="en-US" sz="3900" dirty="0" smtClean="0">
                 <a:solidFill>
                   <a:srgbClr val="363636"/>
                 </a:solidFill>
@@ -6608,8 +6422,8 @@
         </p:nvSpPr>
         <p:spPr>
           <a:xfrm>
-            <a:off x="3657600" y="457200"/>
-            <a:ext cx="6858000" cy="274320"/>
+            <a:off x="0" y="257175"/>
+            <a:ext cx="9144000" cy="274320"/>
           </a:xfrm>
           <a:prstGeom prst="rect">
             <a:avLst/>
@@ -6620,13 +6434,13 @@
           <a:bodyPr wrap="square" rtlCol="0" anchor="ctr"/>
           <a:lstStyle/>
           <a:p>
-            <a:pPr>
-              <a:buNone/>
-            </a:pPr>
-            <a:r>
-              <a:rPr lang="en-US" sz="1800" dirty="0" smtClean="0">
-                <a:solidFill>
-                  <a:srgbClr val="363636"/>
+            <a:pPr algn="ctr">
+              <a:buNone/>
+            </a:pPr>
+            <a:r>
+              <a:rPr lang="en-US" b="1" sz="1800" dirty="0" smtClean="0">
+                <a:solidFill>
+                  <a:srgbClr val="8F1010"/>
                 </a:solidFill>
               </a:rPr>
               <a:t>MEDITATIVO</a:t>
@@ -6643,8 +6457,8 @@
         </p:nvSpPr>
         <p:spPr>
           <a:xfrm>
-            <a:off x="914400" y="2743200"/>
-            <a:ext cx="6858000" cy="274320"/>
+            <a:off x="457200" y="771525"/>
+            <a:ext cx="8229600" cy="4371975"/>
           </a:xfrm>
           <a:prstGeom prst="rect">
             <a:avLst/>
@@ -6655,54 +6469,37 @@
           <a:bodyPr wrap="square" rtlCol="0" anchor="ctr"/>
           <a:lstStyle/>
           <a:p>
-            <a:pPr>
-              <a:buNone/>
-            </a:pPr>
-            <a:r>
-              <a:rPr lang="en-US" sz="3800" dirty="0" smtClean="0">
-                <a:solidFill>
-                  <a:srgbClr val="363636"/>
-                </a:solidFill>
-              </a:rPr>
-              <a:t>Ressucitou de verda....de,aleluia,aleuia
-</a:t>
-            </a:r>
-            <a:r>
-              <a:rPr lang="en-US" sz="3800" dirty="0" smtClean="0">
-                <a:solidFill>
-                  <a:srgbClr val="363636"/>
-                </a:solidFill>
-              </a:rPr>
-              <a:t/>
-            </a:r>
-            <a:r>
-              <a:rPr lang="en-US" sz="3800" dirty="0" smtClean="0">
-                <a:solidFill>
-                  <a:srgbClr val="363636"/>
-                </a:solidFill>
-              </a:rPr>
-              <a:t>Cristo Jesus ressucitou, aleluia,aleuia
-</a:t>
-            </a:r>
-            <a:r>
-              <a:rPr lang="en-US" sz="3800" dirty="0" smtClean="0">
-                <a:solidFill>
-                  <a:srgbClr val="363636"/>
-                </a:solidFill>
-              </a:rPr>
-              <a:t/>
-            </a:r>
-            <a:r>
-              <a:rPr lang="en-US" sz="3800" dirty="0" smtClean="0">
-                <a:solidFill>
-                  <a:srgbClr val="363636"/>
-                </a:solidFill>
-              </a:rPr>
-              <a:t>
-</a:t>
-            </a:r>
-            <a:r>
-              <a:rPr lang="en-US" sz="3800" dirty="0" smtClean="0">
+            <a:pPr algn="ctr">
+              <a:buNone/>
+            </a:pPr>
+            <a:r>
+              <a:rPr lang="en-US" sz="4100" dirty="0" smtClean="0">
+                <a:solidFill>
+                  <a:srgbClr val="363636"/>
+                </a:solidFill>
+              </a:rPr>
+              <a:t>Ressucitou de verda....de,aleluia,aleuia</a:t>
+            </a:r>
+          </a:p>
+          <a:p>
+            <a:pPr algn="ctr">
+              <a:buNone/>
+            </a:pPr>
+            <a:r>
+              <a:rPr lang="en-US" sz="4100" dirty="0" smtClean="0">
+                <a:solidFill>
+                  <a:srgbClr val="363636"/>
+                </a:solidFill>
+              </a:rPr>
+              <a:t>Cristo Jesus ressucitou, aleluia,aleuia</a:t>
+            </a:r>
+          </a:p>
+          <a:p>
+            <a:pPr algn="ctr">
+              <a:buNone/>
+            </a:pPr>
+            <a:r>
+              <a:rPr lang="en-US" sz="4100" dirty="0" smtClean="0">
                 <a:solidFill>
                   <a:srgbClr val="363636"/>
                 </a:solidFill>
@@ -6795,8 +6592,8 @@
         </p:nvSpPr>
         <p:spPr>
           <a:xfrm>
-            <a:off x="3657600" y="457200"/>
-            <a:ext cx="6858000" cy="274320"/>
+            <a:off x="0" y="257175"/>
+            <a:ext cx="9144000" cy="274320"/>
           </a:xfrm>
           <a:prstGeom prst="rect">
             <a:avLst/>
@@ -6807,13 +6604,13 @@
           <a:bodyPr wrap="square" rtlCol="0" anchor="ctr"/>
           <a:lstStyle/>
           <a:p>
-            <a:pPr>
-              <a:buNone/>
-            </a:pPr>
-            <a:r>
-              <a:rPr lang="en-US" sz="1800" dirty="0" smtClean="0">
-                <a:solidFill>
-                  <a:srgbClr val="363636"/>
+            <a:pPr algn="ctr">
+              <a:buNone/>
+            </a:pPr>
+            <a:r>
+              <a:rPr lang="en-US" b="1" sz="1800" dirty="0" smtClean="0">
+                <a:solidFill>
+                  <a:srgbClr val="8F1010"/>
                 </a:solidFill>
               </a:rPr>
               <a:t>“OFERTÓRIO” OFERTA SINGELA</a:t>
@@ -6830,8 +6627,8 @@
         </p:nvSpPr>
         <p:spPr>
           <a:xfrm>
-            <a:off x="914400" y="2743200"/>
-            <a:ext cx="6858000" cy="274320"/>
+            <a:off x="457200" y="771525"/>
+            <a:ext cx="8229600" cy="4371975"/>
           </a:xfrm>
           <a:prstGeom prst="rect">
             <a:avLst/>
@@ -6842,139 +6639,102 @@
           <a:bodyPr wrap="square" rtlCol="0" anchor="ctr"/>
           <a:lstStyle/>
           <a:p>
-            <a:pPr>
-              <a:buNone/>
-            </a:pPr>
-            <a:r>
-              <a:rPr lang="en-US" sz="2500" dirty="0" smtClean="0">
-                <a:solidFill>
-                  <a:srgbClr val="363636"/>
-                </a:solidFill>
-              </a:rPr>
-              <a:t>1- Ofertas singelas, pão e vinho, sobre a mesa colocamos
-</a:t>
-            </a:r>
-            <a:r>
-              <a:rPr lang="en-US" sz="2500" dirty="0" smtClean="0">
-                <a:solidFill>
-                  <a:srgbClr val="363636"/>
-                </a:solidFill>
-              </a:rPr>
-              <a:t/>
-            </a:r>
-            <a:r>
-              <a:rPr lang="en-US" sz="2500" dirty="0" smtClean="0">
-                <a:solidFill>
-                  <a:srgbClr val="363636"/>
-                </a:solidFill>
-              </a:rPr>
-              <a:t>Sinais do trabalho que fizemos e aqui depositamos
-</a:t>
-            </a:r>
-            <a:r>
-              <a:rPr lang="en-US" sz="2500" dirty="0" smtClean="0">
-                <a:solidFill>
-                  <a:srgbClr val="363636"/>
-                </a:solidFill>
-              </a:rPr>
-              <a:t/>
-            </a:r>
-            <a:r>
-              <a:rPr lang="en-US" sz="2500" dirty="0" smtClean="0">
-                <a:solidFill>
-                  <a:srgbClr val="363636"/>
-                </a:solidFill>
-              </a:rPr>
-              <a:t>É teu também nosso coração
-</a:t>
-            </a:r>
-            <a:r>
-              <a:rPr lang="en-US" sz="2500" dirty="0" smtClean="0">
-                <a:solidFill>
-                  <a:srgbClr val="363636"/>
-                </a:solidFill>
-              </a:rPr>
-              <a:t/>
-            </a:r>
-            <a:r>
-              <a:rPr lang="en-US" sz="2500" dirty="0" smtClean="0">
-                <a:solidFill>
-                  <a:srgbClr val="363636"/>
-                </a:solidFill>
-              </a:rPr>
-              <a:t>Aceita, Senhor a nossa oferta, que será depois, na certa, o teu
-</a:t>
-            </a:r>
-            <a:r>
-              <a:rPr lang="en-US" sz="2500" dirty="0" smtClean="0">
-                <a:solidFill>
-                  <a:srgbClr val="363636"/>
-                </a:solidFill>
-              </a:rPr>
-              <a:t/>
-            </a:r>
-            <a:r>
-              <a:rPr lang="en-US" sz="2500" dirty="0" smtClean="0">
-                <a:solidFill>
-                  <a:srgbClr val="363636"/>
-                </a:solidFill>
-              </a:rPr>
-              <a:t>Próprio ser
-</a:t>
-            </a:r>
-            <a:r>
-              <a:rPr lang="en-US" sz="2500" dirty="0" smtClean="0">
-                <a:solidFill>
-                  <a:srgbClr val="363636"/>
-                </a:solidFill>
-              </a:rPr>
-              <a:t/>
-            </a:r>
-            <a:r>
-              <a:rPr lang="en-US" sz="2500" dirty="0" smtClean="0">
-                <a:solidFill>
-                  <a:srgbClr val="363636"/>
-                </a:solidFill>
-              </a:rPr>
-              <a:t>Aceita, Senhor a nossa oferta, que será depois, na certa, o teu
-</a:t>
-            </a:r>
-            <a:r>
-              <a:rPr lang="en-US" sz="2500" dirty="0" smtClean="0">
-                <a:solidFill>
-                  <a:srgbClr val="363636"/>
-                </a:solidFill>
-              </a:rPr>
-              <a:t/>
-            </a:r>
-            <a:r>
-              <a:rPr lang="en-US" sz="2500" dirty="0" smtClean="0">
-                <a:solidFill>
-                  <a:srgbClr val="363636"/>
-                </a:solidFill>
-              </a:rPr>
-              <a:t>Próprio ser
-</a:t>
-            </a:r>
-            <a:r>
-              <a:rPr lang="en-US" sz="2500" dirty="0" smtClean="0">
-                <a:solidFill>
-                  <a:srgbClr val="363636"/>
-                </a:solidFill>
-              </a:rPr>
-              <a:t/>
-            </a:r>
-            <a:r>
-              <a:rPr lang="en-US" sz="2500" dirty="0" smtClean="0">
-                <a:solidFill>
-                  <a:srgbClr val="363636"/>
-                </a:solidFill>
-              </a:rPr>
-              <a:t>
-</a:t>
-            </a:r>
-            <a:r>
-              <a:rPr lang="en-US" sz="2500" dirty="0" smtClean="0">
+            <a:pPr algn="ctr">
+              <a:buNone/>
+            </a:pPr>
+            <a:r>
+              <a:rPr lang="en-US" sz="2900" dirty="0" smtClean="0">
+                <a:solidFill>
+                  <a:srgbClr val="363636"/>
+                </a:solidFill>
+              </a:rPr>
+              <a:t>1- Ofertas singelas, pão e vinho, sobre a mesa colocamos</a:t>
+            </a:r>
+          </a:p>
+          <a:p>
+            <a:pPr algn="ctr">
+              <a:buNone/>
+            </a:pPr>
+            <a:r>
+              <a:rPr lang="en-US" sz="2900" dirty="0" smtClean="0">
+                <a:solidFill>
+                  <a:srgbClr val="363636"/>
+                </a:solidFill>
+              </a:rPr>
+              <a:t>Sinais do trabalho que fizemos e aqui depositamos</a:t>
+            </a:r>
+          </a:p>
+          <a:p>
+            <a:pPr algn="ctr">
+              <a:buNone/>
+            </a:pPr>
+            <a:r>
+              <a:rPr lang="en-US" sz="2900" dirty="0" smtClean="0">
+                <a:solidFill>
+                  <a:srgbClr val="363636"/>
+                </a:solidFill>
+              </a:rPr>
+              <a:t>É teu também nosso coração</a:t>
+            </a:r>
+          </a:p>
+          <a:p>
+            <a:pPr algn="ctr">
+              <a:buNone/>
+            </a:pPr>
+            <a:r>
+              <a:rPr lang="en-US" sz="2900" dirty="0" smtClean="0">
+                <a:solidFill>
+                  <a:srgbClr val="363636"/>
+                </a:solidFill>
+              </a:rPr>
+              <a:t>Aceita, Senhor a nossa oferta, que será depois, na certa, o teu</a:t>
+            </a:r>
+          </a:p>
+          <a:p>
+            <a:pPr algn="ctr">
+              <a:buNone/>
+            </a:pPr>
+            <a:r>
+              <a:rPr lang="en-US" sz="2900" dirty="0" smtClean="0">
+                <a:solidFill>
+                  <a:srgbClr val="363636"/>
+                </a:solidFill>
+              </a:rPr>
+              <a:t>Próprio ser</a:t>
+            </a:r>
+          </a:p>
+          <a:p>
+            <a:pPr algn="ctr">
+              <a:buNone/>
+            </a:pPr>
+            <a:r>
+              <a:rPr lang="en-US" sz="2900" dirty="0" smtClean="0">
+                <a:solidFill>
+                  <a:srgbClr val="363636"/>
+                </a:solidFill>
+              </a:rPr>
+              <a:t>Aceita, Senhor a nossa oferta, que será depois, na certa, o teu</a:t>
+            </a:r>
+          </a:p>
+          <a:p>
+            <a:pPr algn="ctr">
+              <a:buNone/>
+            </a:pPr>
+            <a:r>
+              <a:rPr lang="en-US" sz="2900" dirty="0" smtClean="0">
+                <a:solidFill>
+                  <a:srgbClr val="363636"/>
+                </a:solidFill>
+              </a:rPr>
+              <a:t>Próprio ser</a:t>
+            </a:r>
+          </a:p>
+          <a:p>
+            <a:pPr algn="ctr">
+              <a:buNone/>
+            </a:pPr>
+            <a:r>
+              <a:rPr lang="en-US" sz="2900" dirty="0" smtClean="0">
                 <a:solidFill>
                   <a:srgbClr val="363636"/>
                 </a:solidFill>
@@ -7018,8 +6778,8 @@
         </p:nvSpPr>
         <p:spPr>
           <a:xfrm>
-            <a:off x="3657600" y="457200"/>
-            <a:ext cx="6858000" cy="274320"/>
+            <a:off x="0" y="257175"/>
+            <a:ext cx="9144000" cy="274320"/>
           </a:xfrm>
           <a:prstGeom prst="rect">
             <a:avLst/>
@@ -7030,13 +6790,13 @@
           <a:bodyPr wrap="square" rtlCol="0" anchor="ctr"/>
           <a:lstStyle/>
           <a:p>
-            <a:pPr>
-              <a:buNone/>
-            </a:pPr>
-            <a:r>
-              <a:rPr lang="en-US" sz="1800" dirty="0" smtClean="0">
-                <a:solidFill>
-                  <a:srgbClr val="363636"/>
+            <a:pPr algn="ctr">
+              <a:buNone/>
+            </a:pPr>
+            <a:r>
+              <a:rPr lang="en-US" b="1" sz="1800" dirty="0" smtClean="0">
+                <a:solidFill>
+                  <a:srgbClr val="8F1010"/>
                 </a:solidFill>
               </a:rPr>
               <a:t>“OFERTÓRIO” OFERTA SINGELA</a:t>
@@ -7053,8 +6813,8 @@
         </p:nvSpPr>
         <p:spPr>
           <a:xfrm>
-            <a:off x="914400" y="2743200"/>
-            <a:ext cx="6858000" cy="274320"/>
+            <a:off x="457200" y="771525"/>
+            <a:ext cx="8229600" cy="4371975"/>
           </a:xfrm>
           <a:prstGeom prst="rect">
             <a:avLst/>
@@ -7065,71 +6825,50 @@
           <a:bodyPr wrap="square" rtlCol="0" anchor="ctr"/>
           <a:lstStyle/>
           <a:p>
-            <a:pPr>
-              <a:buNone/>
-            </a:pPr>
-            <a:r>
-              <a:rPr lang="en-US" sz="3400" dirty="0" smtClean="0">
-                <a:solidFill>
-                  <a:srgbClr val="363636"/>
-                </a:solidFill>
-              </a:rPr>
-              <a:t>2- Recebe Senhor da Natureza todo fruto que colhemos
-</a:t>
-            </a:r>
-            <a:r>
-              <a:rPr lang="en-US" sz="3400" dirty="0" smtClean="0">
-                <a:solidFill>
-                  <a:srgbClr val="363636"/>
-                </a:solidFill>
-              </a:rPr>
-              <a:t/>
-            </a:r>
-            <a:r>
-              <a:rPr lang="en-US" sz="3400" dirty="0" smtClean="0">
-                <a:solidFill>
-                  <a:srgbClr val="363636"/>
-                </a:solidFill>
-              </a:rPr>
-              <a:t>Recebe o louvor de nossas obras e o progresso que fizemos
-</a:t>
-            </a:r>
-            <a:r>
-              <a:rPr lang="en-US" sz="3400" dirty="0" smtClean="0">
-                <a:solidFill>
-                  <a:srgbClr val="363636"/>
-                </a:solidFill>
-              </a:rPr>
-              <a:t/>
-            </a:r>
-            <a:r>
-              <a:rPr lang="en-US" sz="3400" dirty="0" smtClean="0">
-                <a:solidFill>
-                  <a:srgbClr val="363636"/>
-                </a:solidFill>
-              </a:rPr>
-              <a:t>É teu também nosso coração.REFRÃO
-</a:t>
-            </a:r>
-            <a:r>
-              <a:rPr lang="en-US" sz="3400" dirty="0" smtClean="0">
-                <a:solidFill>
-                  <a:srgbClr val="363636"/>
-                </a:solidFill>
-              </a:rPr>
-              <a:t/>
-            </a:r>
-            <a:r>
-              <a:rPr lang="en-US" sz="3400" dirty="0" smtClean="0">
-                <a:solidFill>
-                  <a:srgbClr val="363636"/>
-                </a:solidFill>
-              </a:rPr>
-              <a:t>
-</a:t>
-            </a:r>
-            <a:r>
-              <a:rPr lang="en-US" sz="3400" dirty="0" smtClean="0">
+            <a:pPr algn="ctr">
+              <a:buNone/>
+            </a:pPr>
+            <a:r>
+              <a:rPr lang="en-US" sz="3700" dirty="0" smtClean="0">
+                <a:solidFill>
+                  <a:srgbClr val="363636"/>
+                </a:solidFill>
+              </a:rPr>
+              <a:t>2- Recebe Senhor da Natureza todo fruto que colhemos</a:t>
+            </a:r>
+          </a:p>
+          <a:p>
+            <a:pPr algn="ctr">
+              <a:buNone/>
+            </a:pPr>
+            <a:r>
+              <a:rPr lang="en-US" sz="3700" dirty="0" smtClean="0">
+                <a:solidFill>
+                  <a:srgbClr val="363636"/>
+                </a:solidFill>
+              </a:rPr>
+              <a:t>Recebe o louvor de nossas obras e o progresso que fizemos</a:t>
+            </a:r>
+          </a:p>
+          <a:p>
+            <a:pPr algn="ctr">
+              <a:buNone/>
+            </a:pPr>
+            <a:r>
+              <a:rPr lang="en-US" sz="3700" dirty="0" smtClean="0">
+                <a:solidFill>
+                  <a:srgbClr val="363636"/>
+                </a:solidFill>
+              </a:rPr>
+              <a:t>É teu também nosso coração.REFRÃO</a:t>
+            </a:r>
+          </a:p>
+          <a:p>
+            <a:pPr algn="ctr">
+              <a:buNone/>
+            </a:pPr>
+            <a:r>
+              <a:rPr lang="en-US" sz="3700" dirty="0" smtClean="0">
                 <a:solidFill>
                   <a:srgbClr val="363636"/>
                 </a:solidFill>
@@ -7173,8 +6912,8 @@
         </p:nvSpPr>
         <p:spPr>
           <a:xfrm>
-            <a:off x="3657600" y="457200"/>
-            <a:ext cx="6858000" cy="274320"/>
+            <a:off x="0" y="257175"/>
+            <a:ext cx="9144000" cy="274320"/>
           </a:xfrm>
           <a:prstGeom prst="rect">
             <a:avLst/>
@@ -7185,13 +6924,13 @@
           <a:bodyPr wrap="square" rtlCol="0" anchor="ctr"/>
           <a:lstStyle/>
           <a:p>
-            <a:pPr>
-              <a:buNone/>
-            </a:pPr>
-            <a:r>
-              <a:rPr lang="en-US" sz="1800" dirty="0" smtClean="0">
-                <a:solidFill>
-                  <a:srgbClr val="363636"/>
+            <a:pPr algn="ctr">
+              <a:buNone/>
+            </a:pPr>
+            <a:r>
+              <a:rPr lang="en-US" b="1" sz="1800" dirty="0" smtClean="0">
+                <a:solidFill>
+                  <a:srgbClr val="8F1010"/>
                 </a:solidFill>
               </a:rPr>
               <a:t>“OFERTÓRIO” OFERTA SINGELA</a:t>
@@ -7208,8 +6947,8 @@
         </p:nvSpPr>
         <p:spPr>
           <a:xfrm>
-            <a:off x="914400" y="2743200"/>
-            <a:ext cx="6858000" cy="274320"/>
+            <a:off x="457200" y="771525"/>
+            <a:ext cx="8229600" cy="4371975"/>
           </a:xfrm>
           <a:prstGeom prst="rect">
             <a:avLst/>
@@ -7220,71 +6959,50 @@
           <a:bodyPr wrap="square" rtlCol="0" anchor="ctr"/>
           <a:lstStyle/>
           <a:p>
-            <a:pPr>
-              <a:buNone/>
-            </a:pPr>
-            <a:r>
-              <a:rPr lang="en-US" sz="3400" dirty="0" smtClean="0">
-                <a:solidFill>
-                  <a:srgbClr val="363636"/>
-                </a:solidFill>
-              </a:rPr>
-              <a:t>3- Sabemos que tudo tem valor depois que a terra visitaste
-</a:t>
-            </a:r>
-            <a:r>
-              <a:rPr lang="en-US" sz="3400" dirty="0" smtClean="0">
-                <a:solidFill>
-                  <a:srgbClr val="363636"/>
-                </a:solidFill>
-              </a:rPr>
-              <a:t/>
-            </a:r>
-            <a:r>
-              <a:rPr lang="en-US" sz="3400" dirty="0" smtClean="0">
-                <a:solidFill>
-                  <a:srgbClr val="363636"/>
-                </a:solidFill>
-              </a:rPr>
-              <a:t>Embora tivéssemos pecado, foi bem mais o que pagaste.
-</a:t>
-            </a:r>
-            <a:r>
-              <a:rPr lang="en-US" sz="3400" dirty="0" smtClean="0">
-                <a:solidFill>
-                  <a:srgbClr val="363636"/>
-                </a:solidFill>
-              </a:rPr>
-              <a:t/>
-            </a:r>
-            <a:r>
-              <a:rPr lang="en-US" sz="3400" dirty="0" smtClean="0">
-                <a:solidFill>
-                  <a:srgbClr val="363636"/>
-                </a:solidFill>
-              </a:rPr>
-              <a:t>É teu também nosso coração. REFRÃO
-</a:t>
-            </a:r>
-            <a:r>
-              <a:rPr lang="en-US" sz="3400" dirty="0" smtClean="0">
-                <a:solidFill>
-                  <a:srgbClr val="363636"/>
-                </a:solidFill>
-              </a:rPr>
-              <a:t/>
-            </a:r>
-            <a:r>
-              <a:rPr lang="en-US" sz="3400" dirty="0" smtClean="0">
-                <a:solidFill>
-                  <a:srgbClr val="363636"/>
-                </a:solidFill>
-              </a:rPr>
-              <a:t>
-</a:t>
-            </a:r>
-            <a:r>
-              <a:rPr lang="en-US" sz="3400" dirty="0" smtClean="0">
+            <a:pPr algn="ctr">
+              <a:buNone/>
+            </a:pPr>
+            <a:r>
+              <a:rPr lang="en-US" sz="3700" dirty="0" smtClean="0">
+                <a:solidFill>
+                  <a:srgbClr val="363636"/>
+                </a:solidFill>
+              </a:rPr>
+              <a:t>3- Sabemos que tudo tem valor depois que a terra visitaste</a:t>
+            </a:r>
+          </a:p>
+          <a:p>
+            <a:pPr algn="ctr">
+              <a:buNone/>
+            </a:pPr>
+            <a:r>
+              <a:rPr lang="en-US" sz="3700" dirty="0" smtClean="0">
+                <a:solidFill>
+                  <a:srgbClr val="363636"/>
+                </a:solidFill>
+              </a:rPr>
+              <a:t>Embora tivéssemos pecado, foi bem mais o que pagaste.</a:t>
+            </a:r>
+          </a:p>
+          <a:p>
+            <a:pPr algn="ctr">
+              <a:buNone/>
+            </a:pPr>
+            <a:r>
+              <a:rPr lang="en-US" sz="3700" dirty="0" smtClean="0">
+                <a:solidFill>
+                  <a:srgbClr val="363636"/>
+                </a:solidFill>
+              </a:rPr>
+              <a:t>É teu também nosso coração. REFRÃO</a:t>
+            </a:r>
+          </a:p>
+          <a:p>
+            <a:pPr algn="ctr">
+              <a:buNone/>
+            </a:pPr>
+            <a:r>
+              <a:rPr lang="en-US" sz="3700" dirty="0" smtClean="0">
                 <a:solidFill>
                   <a:srgbClr val="363636"/>
                 </a:solidFill>
@@ -7377,8 +7095,8 @@
         </p:nvSpPr>
         <p:spPr>
           <a:xfrm>
-            <a:off x="3657600" y="457200"/>
-            <a:ext cx="6858000" cy="274320"/>
+            <a:off x="0" y="257175"/>
+            <a:ext cx="9144000" cy="274320"/>
           </a:xfrm>
           <a:prstGeom prst="rect">
             <a:avLst/>
@@ -7389,13 +7107,13 @@
           <a:bodyPr wrap="square" rtlCol="0" anchor="ctr"/>
           <a:lstStyle/>
           <a:p>
-            <a:pPr>
-              <a:buNone/>
-            </a:pPr>
-            <a:r>
-              <a:rPr lang="en-US" sz="1800" dirty="0" smtClean="0">
-                <a:solidFill>
-                  <a:srgbClr val="363636"/>
+            <a:pPr algn="ctr">
+              <a:buNone/>
+            </a:pPr>
+            <a:r>
+              <a:rPr lang="en-US" b="1" sz="1800" dirty="0" smtClean="0">
+                <a:solidFill>
+                  <a:srgbClr val="8F1010"/>
                 </a:solidFill>
               </a:rPr>
               <a:t>SANTO</a:t>
@@ -7412,8 +7130,8 @@
         </p:nvSpPr>
         <p:spPr>
           <a:xfrm>
-            <a:off x="914400" y="2743200"/>
-            <a:ext cx="6858000" cy="274320"/>
+            <a:off x="457200" y="771525"/>
+            <a:ext cx="8229600" cy="4371975"/>
           </a:xfrm>
           <a:prstGeom prst="rect">
             <a:avLst/>
@@ -7424,88 +7142,63 @@
           <a:bodyPr wrap="square" rtlCol="0" anchor="ctr"/>
           <a:lstStyle/>
           <a:p>
-            <a:pPr>
-              <a:buNone/>
-            </a:pPr>
-            <a:r>
-              <a:rPr lang="en-US" sz="3300" dirty="0" smtClean="0">
-                <a:solidFill>
-                  <a:srgbClr val="363636"/>
-                </a:solidFill>
-              </a:rPr>
-              <a:t>Santo, Santo, Santo,Senhor Deus do universo
-</a:t>
-            </a:r>
-            <a:r>
-              <a:rPr lang="en-US" sz="3300" dirty="0" smtClean="0">
-                <a:solidFill>
-                  <a:srgbClr val="363636"/>
-                </a:solidFill>
-              </a:rPr>
-              <a:t/>
-            </a:r>
-            <a:r>
-              <a:rPr lang="en-US" sz="3300" dirty="0" smtClean="0">
-                <a:solidFill>
-                  <a:srgbClr val="363636"/>
-                </a:solidFill>
-              </a:rPr>
-              <a:t>O céu e a terra proclamam vossa gloria!
-</a:t>
-            </a:r>
-            <a:r>
-              <a:rPr lang="en-US" sz="3300" dirty="0" smtClean="0">
-                <a:solidFill>
-                  <a:srgbClr val="363636"/>
-                </a:solidFill>
-              </a:rPr>
-              <a:t/>
-            </a:r>
-            <a:r>
-              <a:rPr lang="en-US" sz="3300" dirty="0" smtClean="0">
-                <a:solidFill>
-                  <a:srgbClr val="363636"/>
-                </a:solidFill>
-              </a:rPr>
-              <a:t>HOSANA ! HOSANA! HOSANA NAS ALTURAS (2X)
-</a:t>
-            </a:r>
-            <a:r>
-              <a:rPr lang="en-US" sz="3300" dirty="0" smtClean="0">
-                <a:solidFill>
-                  <a:srgbClr val="363636"/>
-                </a:solidFill>
-              </a:rPr>
-              <a:t/>
-            </a:r>
-            <a:r>
-              <a:rPr lang="en-US" sz="3300" dirty="0" smtClean="0">
-                <a:solidFill>
-                  <a:srgbClr val="363636"/>
-                </a:solidFill>
-              </a:rPr>
-              <a:t>Bendito o que vem em nome do Senhor
-</a:t>
-            </a:r>
-            <a:r>
-              <a:rPr lang="en-US" sz="3300" dirty="0" smtClean="0">
-                <a:solidFill>
-                  <a:srgbClr val="363636"/>
-                </a:solidFill>
-              </a:rPr>
-              <a:t/>
-            </a:r>
-            <a:r>
-              <a:rPr lang="en-US" sz="3300" dirty="0" smtClean="0">
-                <a:solidFill>
-                  <a:srgbClr val="363636"/>
-                </a:solidFill>
-              </a:rPr>
-              <a:t>
-</a:t>
-            </a:r>
-            <a:r>
-              <a:rPr lang="en-US" sz="3300" dirty="0" smtClean="0">
+            <a:pPr algn="ctr">
+              <a:buNone/>
+            </a:pPr>
+            <a:r>
+              <a:rPr lang="en-US" sz="3600" dirty="0" smtClean="0">
+                <a:solidFill>
+                  <a:srgbClr val="363636"/>
+                </a:solidFill>
+              </a:rPr>
+              <a:t>Santo, Santo, Santo,Senhor Deus do universo</a:t>
+            </a:r>
+          </a:p>
+          <a:p>
+            <a:pPr algn="ctr">
+              <a:buNone/>
+            </a:pPr>
+            <a:r>
+              <a:rPr lang="en-US" sz="3600" dirty="0" smtClean="0">
+                <a:solidFill>
+                  <a:srgbClr val="363636"/>
+                </a:solidFill>
+              </a:rPr>
+              <a:t>O céu e a terra proclamam vossa gloria!</a:t>
+            </a:r>
+          </a:p>
+          <a:p>
+            <a:pPr algn="ctr">
+              <a:buNone/>
+            </a:pPr>
+            <a:r>
+              <a:rPr lang="en-US" sz="3600" dirty="0" smtClean="0">
+                <a:solidFill>
+                  <a:srgbClr val="363636"/>
+                </a:solidFill>
+              </a:rPr>
+              <a:t>HOSANA ! HOSANA! HOSANA NAS ALTURAS (2X)</a:t>
+            </a:r>
+          </a:p>
+          <a:p>
+            <a:pPr algn="ctr">
+              <a:buNone/>
+            </a:pPr>
+            <a:r>
+              <a:rPr lang="en-US" sz="3600" dirty="0" smtClean="0">
+                <a:solidFill>
+                  <a:srgbClr val="363636"/>
+                </a:solidFill>
+              </a:rPr>
+              <a:t>Bendito o que vem em nome do Senhor</a:t>
+            </a:r>
+          </a:p>
+          <a:p>
+            <a:pPr algn="ctr">
+              <a:buNone/>
+            </a:pPr>
+            <a:r>
+              <a:rPr lang="en-US" sz="3600" dirty="0" smtClean="0">
                 <a:solidFill>
                   <a:srgbClr val="363636"/>
                 </a:solidFill>
@@ -7598,8 +7291,8 @@
         </p:nvSpPr>
         <p:spPr>
           <a:xfrm>
-            <a:off x="3657600" y="457200"/>
-            <a:ext cx="6858000" cy="274320"/>
+            <a:off x="0" y="257175"/>
+            <a:ext cx="9144000" cy="274320"/>
           </a:xfrm>
           <a:prstGeom prst="rect">
             <a:avLst/>
@@ -7610,13 +7303,13 @@
           <a:bodyPr wrap="square" rtlCol="0" anchor="ctr"/>
           <a:lstStyle/>
           <a:p>
-            <a:pPr>
-              <a:buNone/>
-            </a:pPr>
-            <a:r>
-              <a:rPr lang="en-US" sz="1800" dirty="0" smtClean="0">
-                <a:solidFill>
-                  <a:srgbClr val="363636"/>
+            <a:pPr algn="ctr">
+              <a:buNone/>
+            </a:pPr>
+            <a:r>
+              <a:rPr lang="en-US" b="1" sz="1800" dirty="0" smtClean="0">
+                <a:solidFill>
+                  <a:srgbClr val="8F1010"/>
                 </a:solidFill>
               </a:rPr>
               <a:t>ORAÇÃO EUCARISTICA-3</a:t>
@@ -7633,8 +7326,8 @@
         </p:nvSpPr>
         <p:spPr>
           <a:xfrm>
-            <a:off x="914400" y="2743200"/>
-            <a:ext cx="6858000" cy="274320"/>
+            <a:off x="457200" y="771525"/>
+            <a:ext cx="8229600" cy="4371975"/>
           </a:xfrm>
           <a:prstGeom prst="rect">
             <a:avLst/>
@@ -7645,122 +7338,89 @@
           <a:bodyPr wrap="square" rtlCol="0" anchor="ctr"/>
           <a:lstStyle/>
           <a:p>
-            <a:pPr>
-              <a:buNone/>
-            </a:pPr>
-            <a:r>
-              <a:rPr lang="en-US" sz="3000" dirty="0" smtClean="0">
-                <a:solidFill>
-                  <a:srgbClr val="363636"/>
-                </a:solidFill>
-              </a:rPr>
-              <a:t>Santificai e reuni o vosso povo!
-</a:t>
-            </a:r>
-            <a:r>
-              <a:rPr lang="en-US" sz="3000" dirty="0" smtClean="0">
-                <a:solidFill>
-                  <a:srgbClr val="363636"/>
-                </a:solidFill>
-              </a:rPr>
-              <a:t/>
-            </a:r>
-            <a:r>
-              <a:rPr lang="en-US" sz="3000" dirty="0" smtClean="0">
-                <a:solidFill>
-                  <a:srgbClr val="363636"/>
-                </a:solidFill>
-              </a:rPr>
-              <a:t>Santificai nossa oferenda, ó Senhor!
-</a:t>
-            </a:r>
-            <a:r>
-              <a:rPr lang="en-US" sz="3000" dirty="0" smtClean="0">
-                <a:solidFill>
-                  <a:srgbClr val="363636"/>
-                </a:solidFill>
-              </a:rPr>
-              <a:t/>
-            </a:r>
-            <a:r>
-              <a:rPr lang="en-US" sz="3000" dirty="0" smtClean="0">
-                <a:solidFill>
-                  <a:srgbClr val="363636"/>
-                </a:solidFill>
-              </a:rPr>
-              <a:t>Toda vez que se come deste pão
-</a:t>
-            </a:r>
-            <a:r>
-              <a:rPr lang="en-US" sz="3000" dirty="0" smtClean="0">
-                <a:solidFill>
-                  <a:srgbClr val="363636"/>
-                </a:solidFill>
-              </a:rPr>
-              <a:t/>
-            </a:r>
-            <a:r>
-              <a:rPr lang="en-US" sz="3000" dirty="0" smtClean="0">
-                <a:solidFill>
-                  <a:srgbClr val="363636"/>
-                </a:solidFill>
-              </a:rPr>
-              <a:t>Toda vez que se bebe deste vinho
-</a:t>
-            </a:r>
-            <a:r>
-              <a:rPr lang="en-US" sz="3000" dirty="0" smtClean="0">
-                <a:solidFill>
-                  <a:srgbClr val="363636"/>
-                </a:solidFill>
-              </a:rPr>
-              <a:t/>
-            </a:r>
-            <a:r>
-              <a:rPr lang="en-US" sz="3000" dirty="0" smtClean="0">
-                <a:solidFill>
-                  <a:srgbClr val="363636"/>
-                </a:solidFill>
-              </a:rPr>
-              <a:t>Se recorada a paixão de Jesus Cristo,
-</a:t>
-            </a:r>
-            <a:r>
-              <a:rPr lang="en-US" sz="3000" dirty="0" smtClean="0">
-                <a:solidFill>
-                  <a:srgbClr val="363636"/>
-                </a:solidFill>
-              </a:rPr>
-              <a:t/>
-            </a:r>
-            <a:r>
-              <a:rPr lang="en-US" sz="3000" dirty="0" smtClean="0">
-                <a:solidFill>
-                  <a:srgbClr val="363636"/>
-                </a:solidFill>
-              </a:rPr>
-              <a:t>E se fica esperando sua volta
-</a:t>
-            </a:r>
-            <a:r>
-              <a:rPr lang="en-US" sz="3000" dirty="0" smtClean="0">
-                <a:solidFill>
-                  <a:srgbClr val="363636"/>
-                </a:solidFill>
-              </a:rPr>
-              <a:t/>
-            </a:r>
-            <a:r>
-              <a:rPr lang="en-US" sz="3000" dirty="0" smtClean="0">
-                <a:solidFill>
-                  <a:srgbClr val="363636"/>
-                </a:solidFill>
-              </a:rPr>
-              <a:t>
-</a:t>
-            </a:r>
-            <a:r>
-              <a:rPr lang="en-US" sz="3000" dirty="0" smtClean="0">
+            <a:pPr algn="ctr">
+              <a:buNone/>
+            </a:pPr>
+            <a:r>
+              <a:rPr lang="en-US" sz="3400" dirty="0" smtClean="0">
+                <a:solidFill>
+                  <a:srgbClr val="363636"/>
+                </a:solidFill>
+              </a:rPr>
+              <a:t>Santificai e reuni o vosso povo!</a:t>
+            </a:r>
+          </a:p>
+          <a:p>
+            <a:pPr algn="ctr">
+              <a:buNone/>
+            </a:pPr>
+            <a:r>
+              <a:rPr lang="en-US" sz="3400" dirty="0" smtClean="0">
+                <a:solidFill>
+                  <a:srgbClr val="363636"/>
+                </a:solidFill>
+              </a:rPr>
+              <a:t>Santificai nossa oferenda, ó Senhor!</a:t>
+            </a:r>
+          </a:p>
+          <a:p>
+            <a:pPr algn="ctr">
+              <a:buNone/>
+            </a:pPr>
+            <a:r>
+              <a:rPr lang="en-US" sz="3400" dirty="0" smtClean="0">
+                <a:solidFill>
+                  <a:srgbClr val="363636"/>
+                </a:solidFill>
+              </a:rPr>
+              <a:t>Toda vez que se come deste pão</a:t>
+            </a:r>
+          </a:p>
+          <a:p>
+            <a:pPr algn="ctr">
+              <a:buNone/>
+            </a:pPr>
+            <a:r>
+              <a:rPr lang="en-US" sz="3400" dirty="0" smtClean="0">
+                <a:solidFill>
+                  <a:srgbClr val="363636"/>
+                </a:solidFill>
+              </a:rPr>
+              <a:t>Toda vez que se bebe deste vinho</a:t>
+            </a:r>
+          </a:p>
+          <a:p>
+            <a:pPr algn="ctr">
+              <a:buNone/>
+            </a:pPr>
+            <a:r>
+              <a:rPr lang="en-US" sz="3400" dirty="0" smtClean="0">
+                <a:solidFill>
+                  <a:srgbClr val="363636"/>
+                </a:solidFill>
+              </a:rPr>
+              <a:t>Se recorada a paixão de Jesus Cristo,</a:t>
+            </a:r>
+          </a:p>
+          <a:p>
+            <a:pPr algn="ctr">
+              <a:buNone/>
+            </a:pPr>
+            <a:r>
+              <a:rPr lang="en-US" sz="3400" dirty="0" smtClean="0">
+                <a:solidFill>
+                  <a:srgbClr val="363636"/>
+                </a:solidFill>
+              </a:rPr>
+              <a:t>E se fica esperando sua volta</a:t>
+            </a:r>
+          </a:p>
+          <a:p>
+            <a:pPr algn="ctr">
+              <a:buNone/>
+            </a:pPr>
+            <a:r>
+              <a:rPr lang="en-US" sz="3400" dirty="0" smtClean="0">
                 <a:solidFill>
                   <a:srgbClr val="363636"/>
                 </a:solidFill>
@@ -7804,8 +7464,8 @@
         </p:nvSpPr>
         <p:spPr>
           <a:xfrm>
-            <a:off x="3657600" y="457200"/>
-            <a:ext cx="6858000" cy="274320"/>
+            <a:off x="0" y="257175"/>
+            <a:ext cx="9144000" cy="274320"/>
           </a:xfrm>
           <a:prstGeom prst="rect">
             <a:avLst/>
@@ -7816,13 +7476,13 @@
           <a:bodyPr wrap="square" rtlCol="0" anchor="ctr"/>
           <a:lstStyle/>
           <a:p>
-            <a:pPr>
-              <a:buNone/>
-            </a:pPr>
-            <a:r>
-              <a:rPr lang="en-US" sz="1800" dirty="0" smtClean="0">
-                <a:solidFill>
-                  <a:srgbClr val="363636"/>
+            <a:pPr algn="ctr">
+              <a:buNone/>
+            </a:pPr>
+            <a:r>
+              <a:rPr lang="en-US" b="1" sz="1800" dirty="0" smtClean="0">
+                <a:solidFill>
+                  <a:srgbClr val="8F1010"/>
                 </a:solidFill>
               </a:rPr>
               <a:t>ORAÇÃO EUCARISTICA-3</a:t>
@@ -7839,8 +7499,8 @@
         </p:nvSpPr>
         <p:spPr>
           <a:xfrm>
-            <a:off x="914400" y="2743200"/>
-            <a:ext cx="6858000" cy="274320"/>
+            <a:off x="457200" y="771525"/>
+            <a:ext cx="8229600" cy="4371975"/>
           </a:xfrm>
           <a:prstGeom prst="rect">
             <a:avLst/>
@@ -7851,122 +7511,89 @@
           <a:bodyPr wrap="square" rtlCol="0" anchor="ctr"/>
           <a:lstStyle/>
           <a:p>
-            <a:pPr>
-              <a:buNone/>
-            </a:pPr>
-            <a:r>
-              <a:rPr lang="en-US" sz="2900" dirty="0" smtClean="0">
-                <a:solidFill>
-                  <a:srgbClr val="363636"/>
-                </a:solidFill>
-              </a:rPr>
-              <a:t>Recebei,ó senhor, a nossa oferta!
-</a:t>
-            </a:r>
-            <a:r>
-              <a:rPr lang="en-US" sz="2900" dirty="0" smtClean="0">
-                <a:solidFill>
-                  <a:srgbClr val="363636"/>
-                </a:solidFill>
-              </a:rPr>
-              <a:t/>
-            </a:r>
-            <a:r>
-              <a:rPr lang="en-US" sz="2900" dirty="0" smtClean="0">
-                <a:solidFill>
-                  <a:srgbClr val="363636"/>
-                </a:solidFill>
-              </a:rPr>
-              <a:t>Fazei de nós um só corpo e um só Espírito!
-</a:t>
-            </a:r>
-            <a:r>
-              <a:rPr lang="en-US" sz="2900" dirty="0" smtClean="0">
-                <a:solidFill>
-                  <a:srgbClr val="363636"/>
-                </a:solidFill>
-              </a:rPr>
-              <a:t/>
-            </a:r>
-            <a:r>
-              <a:rPr lang="en-US" sz="2900" dirty="0" smtClean="0">
-                <a:solidFill>
-                  <a:srgbClr val="363636"/>
-                </a:solidFill>
-              </a:rPr>
-              <a:t>Fazei de nós uma perfeita oferenda!
-</a:t>
-            </a:r>
-            <a:r>
-              <a:rPr lang="en-US" sz="2900" dirty="0" smtClean="0">
-                <a:solidFill>
-                  <a:srgbClr val="363636"/>
-                </a:solidFill>
-              </a:rPr>
-              <a:t/>
-            </a:r>
-            <a:r>
-              <a:rPr lang="en-US" sz="2900" dirty="0" smtClean="0">
-                <a:solidFill>
-                  <a:srgbClr val="363636"/>
-                </a:solidFill>
-              </a:rPr>
-              <a:t>Lembrai-vos,ó Pai, da vossa Igreja
-</a:t>
-            </a:r>
-            <a:r>
-              <a:rPr lang="en-US" sz="2900" dirty="0" smtClean="0">
-                <a:solidFill>
-                  <a:srgbClr val="363636"/>
-                </a:solidFill>
-              </a:rPr>
-              <a:t/>
-            </a:r>
-            <a:r>
-              <a:rPr lang="en-US" sz="2900" dirty="0" smtClean="0">
-                <a:solidFill>
-                  <a:srgbClr val="363636"/>
-                </a:solidFill>
-              </a:rPr>
-              <a:t>Lembrai-vos,ó Pai,dos vossos filhos!
-</a:t>
-            </a:r>
-            <a:r>
-              <a:rPr lang="en-US" sz="2900" dirty="0" smtClean="0">
-                <a:solidFill>
-                  <a:srgbClr val="363636"/>
-                </a:solidFill>
-              </a:rPr>
-              <a:t/>
-            </a:r>
-            <a:r>
-              <a:rPr lang="en-US" sz="2900" dirty="0" smtClean="0">
-                <a:solidFill>
-                  <a:srgbClr val="363636"/>
-                </a:solidFill>
-              </a:rPr>
-              <a:t>A todos saciai com vossa glória!
-</a:t>
-            </a:r>
-            <a:r>
-              <a:rPr lang="en-US" sz="2900" dirty="0" smtClean="0">
-                <a:solidFill>
-                  <a:srgbClr val="363636"/>
-                </a:solidFill>
-              </a:rPr>
-              <a:t/>
-            </a:r>
-            <a:r>
-              <a:rPr lang="en-US" sz="2900" dirty="0" smtClean="0">
-                <a:solidFill>
-                  <a:srgbClr val="363636"/>
-                </a:solidFill>
-              </a:rPr>
-              <a:t>
-</a:t>
-            </a:r>
-            <a:r>
-              <a:rPr lang="en-US" sz="2900" dirty="0" smtClean="0">
+            <a:pPr algn="ctr">
+              <a:buNone/>
+            </a:pPr>
+            <a:r>
+              <a:rPr lang="en-US" sz="3300" dirty="0" smtClean="0">
+                <a:solidFill>
+                  <a:srgbClr val="363636"/>
+                </a:solidFill>
+              </a:rPr>
+              <a:t>Recebei,ó senhor, a nossa oferta!</a:t>
+            </a:r>
+          </a:p>
+          <a:p>
+            <a:pPr algn="ctr">
+              <a:buNone/>
+            </a:pPr>
+            <a:r>
+              <a:rPr lang="en-US" sz="3300" dirty="0" smtClean="0">
+                <a:solidFill>
+                  <a:srgbClr val="363636"/>
+                </a:solidFill>
+              </a:rPr>
+              <a:t>Fazei de nós um só corpo e um só Espírito!</a:t>
+            </a:r>
+          </a:p>
+          <a:p>
+            <a:pPr algn="ctr">
+              <a:buNone/>
+            </a:pPr>
+            <a:r>
+              <a:rPr lang="en-US" sz="3300" dirty="0" smtClean="0">
+                <a:solidFill>
+                  <a:srgbClr val="363636"/>
+                </a:solidFill>
+              </a:rPr>
+              <a:t>Fazei de nós uma perfeita oferenda!</a:t>
+            </a:r>
+          </a:p>
+          <a:p>
+            <a:pPr algn="ctr">
+              <a:buNone/>
+            </a:pPr>
+            <a:r>
+              <a:rPr lang="en-US" sz="3300" dirty="0" smtClean="0">
+                <a:solidFill>
+                  <a:srgbClr val="363636"/>
+                </a:solidFill>
+              </a:rPr>
+              <a:t>Lembrai-vos,ó Pai, da vossa Igreja</a:t>
+            </a:r>
+          </a:p>
+          <a:p>
+            <a:pPr algn="ctr">
+              <a:buNone/>
+            </a:pPr>
+            <a:r>
+              <a:rPr lang="en-US" sz="3300" dirty="0" smtClean="0">
+                <a:solidFill>
+                  <a:srgbClr val="363636"/>
+                </a:solidFill>
+              </a:rPr>
+              <a:t>Lembrai-vos,ó Pai,dos vossos filhos!</a:t>
+            </a:r>
+          </a:p>
+          <a:p>
+            <a:pPr algn="ctr">
+              <a:buNone/>
+            </a:pPr>
+            <a:r>
+              <a:rPr lang="en-US" sz="3300" dirty="0" smtClean="0">
+                <a:solidFill>
+                  <a:srgbClr val="363636"/>
+                </a:solidFill>
+              </a:rPr>
+              <a:t>A todos saciai com vossa glória!</a:t>
+            </a:r>
+          </a:p>
+          <a:p>
+            <a:pPr algn="ctr">
+              <a:buNone/>
+            </a:pPr>
+            <a:r>
+              <a:rPr lang="en-US" sz="3300" dirty="0" smtClean="0">
                 <a:solidFill>
                   <a:srgbClr val="363636"/>
                 </a:solidFill>
@@ -8010,8 +7637,8 @@
         </p:nvSpPr>
         <p:spPr>
           <a:xfrm>
-            <a:off x="3657600" y="457200"/>
-            <a:ext cx="6858000" cy="274320"/>
+            <a:off x="0" y="257175"/>
+            <a:ext cx="9144000" cy="274320"/>
           </a:xfrm>
           <a:prstGeom prst="rect">
             <a:avLst/>
@@ -8022,13 +7649,13 @@
           <a:bodyPr wrap="square" rtlCol="0" anchor="ctr"/>
           <a:lstStyle/>
           <a:p>
-            <a:pPr>
-              <a:buNone/>
-            </a:pPr>
-            <a:r>
-              <a:rPr lang="en-US" sz="1800" dirty="0" smtClean="0">
-                <a:solidFill>
-                  <a:srgbClr val="363636"/>
+            <a:pPr algn="ctr">
+              <a:buNone/>
+            </a:pPr>
+            <a:r>
+              <a:rPr lang="en-US" b="1" sz="1800" dirty="0" smtClean="0">
+                <a:solidFill>
+                  <a:srgbClr val="8F1010"/>
                 </a:solidFill>
               </a:rPr>
               <a:t>ORAÇÃO EUCARISTICA-3</a:t>
@@ -8045,8 +7672,8 @@
         </p:nvSpPr>
         <p:spPr>
           <a:xfrm>
-            <a:off x="914400" y="2743200"/>
-            <a:ext cx="6858000" cy="274320"/>
+            <a:off x="457200" y="771525"/>
+            <a:ext cx="8229600" cy="4371975"/>
           </a:xfrm>
           <a:prstGeom prst="rect">
             <a:avLst/>
@@ -8057,37 +7684,24 @@
           <a:bodyPr wrap="square" rtlCol="0" anchor="ctr"/>
           <a:lstStyle/>
           <a:p>
-            <a:pPr>
-              <a:buNone/>
-            </a:pPr>
-            <a:r>
-              <a:rPr lang="en-US" sz="4000" dirty="0" smtClean="0">
-                <a:solidFill>
-                  <a:srgbClr val="363636"/>
-                </a:solidFill>
-              </a:rPr>
-              <a:t>Amém,     amém,       a.......amém.(2x)
-</a:t>
-            </a:r>
-            <a:r>
-              <a:rPr lang="en-US" sz="4000" dirty="0" smtClean="0">
-                <a:solidFill>
-                  <a:srgbClr val="363636"/>
-                </a:solidFill>
-              </a:rPr>
-              <a:t/>
-            </a:r>
-            <a:r>
-              <a:rPr lang="en-US" sz="4000" dirty="0" smtClean="0">
-                <a:solidFill>
-                  <a:srgbClr val="363636"/>
-                </a:solidFill>
-              </a:rPr>
-              <a:t>
-</a:t>
-            </a:r>
-            <a:r>
-              <a:rPr lang="en-US" sz="4000" dirty="0" smtClean="0">
+            <a:pPr algn="ctr">
+              <a:buNone/>
+            </a:pPr>
+            <a:r>
+              <a:rPr lang="en-US" sz="4400" dirty="0" smtClean="0">
+                <a:solidFill>
+                  <a:srgbClr val="363636"/>
+                </a:solidFill>
+              </a:rPr>
+              <a:t>Amém,     amém,       a.......amém.(2x)</a:t>
+            </a:r>
+          </a:p>
+          <a:p>
+            <a:pPr algn="ctr">
+              <a:buNone/>
+            </a:pPr>
+            <a:r>
+              <a:rPr lang="en-US" sz="4400" dirty="0" smtClean="0">
                 <a:solidFill>
                   <a:srgbClr val="363636"/>
                 </a:solidFill>
@@ -8229,8 +7843,8 @@
         </p:nvSpPr>
         <p:spPr>
           <a:xfrm>
-            <a:off x="3657600" y="457200"/>
-            <a:ext cx="6858000" cy="274320"/>
+            <a:off x="0" y="257175"/>
+            <a:ext cx="9144000" cy="274320"/>
           </a:xfrm>
           <a:prstGeom prst="rect">
             <a:avLst/>
@@ -8241,13 +7855,13 @@
           <a:bodyPr wrap="square" rtlCol="0" anchor="ctr"/>
           <a:lstStyle/>
           <a:p>
-            <a:pPr>
-              <a:buNone/>
-            </a:pPr>
-            <a:r>
-              <a:rPr lang="en-US" sz="1800" dirty="0" smtClean="0">
-                <a:solidFill>
-                  <a:srgbClr val="363636"/>
+            <a:pPr algn="ctr">
+              <a:buNone/>
+            </a:pPr>
+            <a:r>
+              <a:rPr lang="en-US" b="1" sz="1800" dirty="0" smtClean="0">
+                <a:solidFill>
+                  <a:srgbClr val="8F1010"/>
                 </a:solidFill>
               </a:rPr>
               <a:t>“CORDEIRO”II</a:t>
@@ -8264,8 +7878,8 @@
         </p:nvSpPr>
         <p:spPr>
           <a:xfrm>
-            <a:off x="914400" y="2743200"/>
-            <a:ext cx="6858000" cy="274320"/>
+            <a:off x="457200" y="771525"/>
+            <a:ext cx="8229600" cy="4371975"/>
           </a:xfrm>
           <a:prstGeom prst="rect">
             <a:avLst/>
@@ -8276,105 +7890,76 @@
           <a:bodyPr wrap="square" rtlCol="0" anchor="ctr"/>
           <a:lstStyle/>
           <a:p>
-            <a:pPr>
-              <a:buNone/>
-            </a:pPr>
-            <a:r>
-              <a:rPr lang="en-US" sz="3100" dirty="0" smtClean="0">
-                <a:solidFill>
-                  <a:srgbClr val="363636"/>
-                </a:solidFill>
-              </a:rPr>
-              <a:t>Cordeiro de Deus,Cordeiro de Deus, Cordeiro de Deus,
-</a:t>
-            </a:r>
-            <a:r>
-              <a:rPr lang="en-US" sz="3100" dirty="0" smtClean="0">
-                <a:solidFill>
-                  <a:srgbClr val="363636"/>
-                </a:solidFill>
-              </a:rPr>
-              <a:t/>
-            </a:r>
-            <a:r>
-              <a:rPr lang="en-US" sz="3100" dirty="0" smtClean="0">
-                <a:solidFill>
-                  <a:srgbClr val="363636"/>
-                </a:solidFill>
-              </a:rPr>
-              <a:t>Tu que tiras o nosso pecado.(2x)
-</a:t>
-            </a:r>
-            <a:r>
-              <a:rPr lang="en-US" sz="3100" dirty="0" smtClean="0">
-                <a:solidFill>
-                  <a:srgbClr val="363636"/>
-                </a:solidFill>
-              </a:rPr>
-              <a:t/>
-            </a:r>
-            <a:r>
-              <a:rPr lang="en-US" sz="3100" dirty="0" smtClean="0">
-                <a:solidFill>
-                  <a:srgbClr val="363636"/>
-                </a:solidFill>
-              </a:rPr>
-              <a:t>TENDE PIEDADE DE NÓS,PIEDADE DE NÓS,PIEDADE DE
-</a:t>
-            </a:r>
-            <a:r>
-              <a:rPr lang="en-US" sz="3100" dirty="0" smtClean="0">
-                <a:solidFill>
-                  <a:srgbClr val="363636"/>
-                </a:solidFill>
-              </a:rPr>
-              <a:t/>
-            </a:r>
-            <a:r>
-              <a:rPr lang="en-US" sz="3100" dirty="0" smtClean="0">
-                <a:solidFill>
-                  <a:srgbClr val="363636"/>
-                </a:solidFill>
-              </a:rPr>
-              <a:t>NÓS,E DAÍ-NOS A PAZ!(2X)
-</a:t>
-            </a:r>
-            <a:r>
-              <a:rPr lang="en-US" sz="3100" dirty="0" smtClean="0">
-                <a:solidFill>
-                  <a:srgbClr val="363636"/>
-                </a:solidFill>
-              </a:rPr>
-              <a:t/>
-            </a:r>
-            <a:r>
-              <a:rPr lang="en-US" sz="3100" dirty="0" smtClean="0">
-                <a:solidFill>
-                  <a:srgbClr val="363636"/>
-                </a:solidFill>
-              </a:rPr>
-              <a:t>E DAÍ-NOS A PAZ....E DAÍ-NOS A PAZ
-</a:t>
-            </a:r>
-            <a:r>
-              <a:rPr lang="en-US" sz="3100" dirty="0" smtClean="0">
-                <a:solidFill>
-                  <a:srgbClr val="363636"/>
-                </a:solidFill>
-              </a:rPr>
-              <a:t/>
-            </a:r>
-            <a:r>
-              <a:rPr lang="en-US" sz="3100" dirty="0" smtClean="0">
-                <a:solidFill>
-                  <a:srgbClr val="363636"/>
-                </a:solidFill>
-              </a:rPr>
-              <a:t>
-</a:t>
-            </a:r>
-            <a:r>
-              <a:rPr lang="en-US" sz="3100" dirty="0" smtClean="0">
+            <a:pPr algn="ctr">
+              <a:buNone/>
+            </a:pPr>
+            <a:r>
+              <a:rPr lang="en-US" sz="3400" dirty="0" smtClean="0">
+                <a:solidFill>
+                  <a:srgbClr val="363636"/>
+                </a:solidFill>
+              </a:rPr>
+              <a:t>Cordeiro de Deus,Cordeiro de Deus, Cordeiro de Deus,</a:t>
+            </a:r>
+          </a:p>
+          <a:p>
+            <a:pPr algn="ctr">
+              <a:buNone/>
+            </a:pPr>
+            <a:r>
+              <a:rPr lang="en-US" sz="3400" dirty="0" smtClean="0">
+                <a:solidFill>
+                  <a:srgbClr val="363636"/>
+                </a:solidFill>
+              </a:rPr>
+              <a:t>Tu que tiras o nosso pecado.(2x)</a:t>
+            </a:r>
+          </a:p>
+          <a:p>
+            <a:pPr algn="ctr">
+              <a:buNone/>
+            </a:pPr>
+            <a:r>
+              <a:rPr lang="en-US" sz="3400" dirty="0" smtClean="0">
+                <a:solidFill>
+                  <a:srgbClr val="363636"/>
+                </a:solidFill>
+              </a:rPr>
+              <a:t>TENDE PIEDADE DE NÓS,PIEDADE DE NÓS,PIEDADE DE</a:t>
+            </a:r>
+          </a:p>
+          <a:p>
+            <a:pPr algn="ctr">
+              <a:buNone/>
+            </a:pPr>
+            <a:r>
+              <a:rPr lang="en-US" sz="3400" dirty="0" smtClean="0">
+                <a:solidFill>
+                  <a:srgbClr val="363636"/>
+                </a:solidFill>
+              </a:rPr>
+              <a:t>NÓS,E DAÍ-NOS A PAZ!(2X)</a:t>
+            </a:r>
+          </a:p>
+          <a:p>
+            <a:pPr algn="ctr">
+              <a:buNone/>
+            </a:pPr>
+            <a:r>
+              <a:rPr lang="en-US" sz="3400" dirty="0" smtClean="0">
+                <a:solidFill>
+                  <a:srgbClr val="363636"/>
+                </a:solidFill>
+              </a:rPr>
+              <a:t>E DAÍ-NOS A PAZ....E DAÍ-NOS A PAZ</a:t>
+            </a:r>
+          </a:p>
+          <a:p>
+            <a:pPr algn="ctr">
+              <a:buNone/>
+            </a:pPr>
+            <a:r>
+              <a:rPr lang="en-US" sz="3400" dirty="0" smtClean="0">
                 <a:solidFill>
                   <a:srgbClr val="363636"/>
                 </a:solidFill>
@@ -8467,8 +8052,8 @@
         </p:nvSpPr>
         <p:spPr>
           <a:xfrm>
-            <a:off x="3657600" y="457200"/>
-            <a:ext cx="6858000" cy="274320"/>
+            <a:off x="0" y="257175"/>
+            <a:ext cx="9144000" cy="274320"/>
           </a:xfrm>
           <a:prstGeom prst="rect">
             <a:avLst/>
@@ -8479,13 +8064,13 @@
           <a:bodyPr wrap="square" rtlCol="0" anchor="ctr"/>
           <a:lstStyle/>
           <a:p>
-            <a:pPr>
-              <a:buNone/>
-            </a:pPr>
-            <a:r>
-              <a:rPr lang="en-US" sz="1800" dirty="0" smtClean="0">
-                <a:solidFill>
-                  <a:srgbClr val="363636"/>
+            <a:pPr algn="ctr">
+              <a:buNone/>
+            </a:pPr>
+            <a:r>
+              <a:rPr lang="en-US" b="1" sz="1800" dirty="0" smtClean="0">
+                <a:solidFill>
+                  <a:srgbClr val="8F1010"/>
                 </a:solidFill>
               </a:rPr>
               <a:t>COMUNHÃO</a:t>
@@ -8502,8 +8087,8 @@
         </p:nvSpPr>
         <p:spPr>
           <a:xfrm>
-            <a:off x="914400" y="2743200"/>
-            <a:ext cx="6858000" cy="274320"/>
+            <a:off x="457200" y="771525"/>
+            <a:ext cx="8229600" cy="4371975"/>
           </a:xfrm>
           <a:prstGeom prst="rect">
             <a:avLst/>
@@ -8514,54 +8099,37 @@
           <a:bodyPr wrap="square" rtlCol="0" anchor="ctr"/>
           <a:lstStyle/>
           <a:p>
-            <a:pPr>
-              <a:buNone/>
-            </a:pPr>
-            <a:r>
-              <a:rPr lang="en-US" sz="3800" dirty="0" smtClean="0">
-                <a:solidFill>
-                  <a:srgbClr val="363636"/>
-                </a:solidFill>
-              </a:rPr>
-              <a:t>Eu vim para que todos tenham vida,
-</a:t>
-            </a:r>
-            <a:r>
-              <a:rPr lang="en-US" sz="3800" dirty="0" smtClean="0">
-                <a:solidFill>
-                  <a:srgbClr val="363636"/>
-                </a:solidFill>
-              </a:rPr>
-              <a:t/>
-            </a:r>
-            <a:r>
-              <a:rPr lang="en-US" sz="3800" dirty="0" smtClean="0">
-                <a:solidFill>
-                  <a:srgbClr val="363636"/>
-                </a:solidFill>
-              </a:rPr>
-              <a:t>Que todos tenham vida plenamente.
-</a:t>
-            </a:r>
-            <a:r>
-              <a:rPr lang="en-US" sz="3800" dirty="0" smtClean="0">
-                <a:solidFill>
-                  <a:srgbClr val="363636"/>
-                </a:solidFill>
-              </a:rPr>
-              <a:t/>
-            </a:r>
-            <a:r>
-              <a:rPr lang="en-US" sz="3800" dirty="0" smtClean="0">
-                <a:solidFill>
-                  <a:srgbClr val="363636"/>
-                </a:solidFill>
-              </a:rPr>
-              <a:t>
-</a:t>
-            </a:r>
-            <a:r>
-              <a:rPr lang="en-US" sz="3800" dirty="0" smtClean="0">
+            <a:pPr algn="ctr">
+              <a:buNone/>
+            </a:pPr>
+            <a:r>
+              <a:rPr lang="en-US" sz="4200" dirty="0" smtClean="0">
+                <a:solidFill>
+                  <a:srgbClr val="363636"/>
+                </a:solidFill>
+              </a:rPr>
+              <a:t>Eu vim para que todos tenham vida,</a:t>
+            </a:r>
+          </a:p>
+          <a:p>
+            <a:pPr algn="ctr">
+              <a:buNone/>
+            </a:pPr>
+            <a:r>
+              <a:rPr lang="en-US" sz="4200" dirty="0" smtClean="0">
+                <a:solidFill>
+                  <a:srgbClr val="363636"/>
+                </a:solidFill>
+              </a:rPr>
+              <a:t>Que todos tenham vida plenamente.</a:t>
+            </a:r>
+          </a:p>
+          <a:p>
+            <a:pPr algn="ctr">
+              <a:buNone/>
+            </a:pPr>
+            <a:r>
+              <a:rPr lang="en-US" sz="4200" dirty="0" smtClean="0">
                 <a:solidFill>
                   <a:srgbClr val="363636"/>
                 </a:solidFill>
@@ -8605,8 +8173,8 @@
         </p:nvSpPr>
         <p:spPr>
           <a:xfrm>
-            <a:off x="3657600" y="457200"/>
-            <a:ext cx="6858000" cy="274320"/>
+            <a:off x="0" y="257175"/>
+            <a:ext cx="9144000" cy="274320"/>
           </a:xfrm>
           <a:prstGeom prst="rect">
             <a:avLst/>
@@ -8617,13 +8185,13 @@
           <a:bodyPr wrap="square" rtlCol="0" anchor="ctr"/>
           <a:lstStyle/>
           <a:p>
-            <a:pPr>
-              <a:buNone/>
-            </a:pPr>
-            <a:r>
-              <a:rPr lang="en-US" sz="1800" dirty="0" smtClean="0">
-                <a:solidFill>
-                  <a:srgbClr val="363636"/>
+            <a:pPr algn="ctr">
+              <a:buNone/>
+            </a:pPr>
+            <a:r>
+              <a:rPr lang="en-US" b="1" sz="1800" dirty="0" smtClean="0">
+                <a:solidFill>
+                  <a:srgbClr val="8F1010"/>
                 </a:solidFill>
               </a:rPr>
               <a:t>COMUNHÃO</a:t>
@@ -8640,8 +8208,8 @@
         </p:nvSpPr>
         <p:spPr>
           <a:xfrm>
-            <a:off x="914400" y="2743200"/>
-            <a:ext cx="6858000" cy="274320"/>
+            <a:off x="457200" y="771525"/>
+            <a:ext cx="8229600" cy="4371975"/>
           </a:xfrm>
           <a:prstGeom prst="rect">
             <a:avLst/>
@@ -8652,71 +8220,50 @@
           <a:bodyPr wrap="square" rtlCol="0" anchor="ctr"/>
           <a:lstStyle/>
           <a:p>
-            <a:pPr>
-              <a:buNone/>
-            </a:pPr>
-            <a:r>
-              <a:rPr lang="en-US" sz="3400" dirty="0" smtClean="0">
-                <a:solidFill>
-                  <a:srgbClr val="363636"/>
-                </a:solidFill>
-              </a:rPr>
-              <a:t>1.Reconstrói a tua vida em comunhão com teu Senhor.
-</a:t>
-            </a:r>
-            <a:r>
-              <a:rPr lang="en-US" sz="3400" dirty="0" smtClean="0">
-                <a:solidFill>
-                  <a:srgbClr val="363636"/>
-                </a:solidFill>
-              </a:rPr>
-              <a:t/>
-            </a:r>
-            <a:r>
-              <a:rPr lang="en-US" sz="3400" dirty="0" smtClean="0">
-                <a:solidFill>
-                  <a:srgbClr val="363636"/>
-                </a:solidFill>
-              </a:rPr>
-              <a:t>Reconstrói a tua vida em comunhão com teu irmão.
-</a:t>
-            </a:r>
-            <a:r>
-              <a:rPr lang="en-US" sz="3400" dirty="0" smtClean="0">
-                <a:solidFill>
-                  <a:srgbClr val="363636"/>
-                </a:solidFill>
-              </a:rPr>
-              <a:t/>
-            </a:r>
-            <a:r>
-              <a:rPr lang="en-US" sz="3400" dirty="0" smtClean="0">
-                <a:solidFill>
-                  <a:srgbClr val="363636"/>
-                </a:solidFill>
-              </a:rPr>
-              <a:t>Onde está o teu irmão, eu estou presente nele.
-</a:t>
-            </a:r>
-            <a:r>
-              <a:rPr lang="en-US" sz="3400" dirty="0" smtClean="0">
-                <a:solidFill>
-                  <a:srgbClr val="363636"/>
-                </a:solidFill>
-              </a:rPr>
-              <a:t/>
-            </a:r>
-            <a:r>
-              <a:rPr lang="en-US" sz="3400" dirty="0" smtClean="0">
-                <a:solidFill>
-                  <a:srgbClr val="363636"/>
-                </a:solidFill>
-              </a:rPr>
-              <a:t>
-</a:t>
-            </a:r>
-            <a:r>
-              <a:rPr lang="en-US" sz="3400" dirty="0" smtClean="0">
+            <a:pPr algn="ctr">
+              <a:buNone/>
+            </a:pPr>
+            <a:r>
+              <a:rPr lang="en-US" sz="3700" dirty="0" smtClean="0">
+                <a:solidFill>
+                  <a:srgbClr val="363636"/>
+                </a:solidFill>
+              </a:rPr>
+              <a:t>1.Reconstrói a tua vida em comunhão com teu Senhor.</a:t>
+            </a:r>
+          </a:p>
+          <a:p>
+            <a:pPr algn="ctr">
+              <a:buNone/>
+            </a:pPr>
+            <a:r>
+              <a:rPr lang="en-US" sz="3700" dirty="0" smtClean="0">
+                <a:solidFill>
+                  <a:srgbClr val="363636"/>
+                </a:solidFill>
+              </a:rPr>
+              <a:t>Reconstrói a tua vida em comunhão com teu irmão.</a:t>
+            </a:r>
+          </a:p>
+          <a:p>
+            <a:pPr algn="ctr">
+              <a:buNone/>
+            </a:pPr>
+            <a:r>
+              <a:rPr lang="en-US" sz="3700" dirty="0" smtClean="0">
+                <a:solidFill>
+                  <a:srgbClr val="363636"/>
+                </a:solidFill>
+              </a:rPr>
+              <a:t>Onde está o teu irmão, eu estou presente nele.</a:t>
+            </a:r>
+          </a:p>
+          <a:p>
+            <a:pPr algn="ctr">
+              <a:buNone/>
+            </a:pPr>
+            <a:r>
+              <a:rPr lang="en-US" sz="3700" dirty="0" smtClean="0">
                 <a:solidFill>
                   <a:srgbClr val="363636"/>
                 </a:solidFill>
@@ -8760,8 +8307,8 @@
         </p:nvSpPr>
         <p:spPr>
           <a:xfrm>
-            <a:off x="3657600" y="457200"/>
-            <a:ext cx="6858000" cy="274320"/>
+            <a:off x="0" y="257175"/>
+            <a:ext cx="9144000" cy="274320"/>
           </a:xfrm>
           <a:prstGeom prst="rect">
             <a:avLst/>
@@ -8772,13 +8319,13 @@
           <a:bodyPr wrap="square" rtlCol="0" anchor="ctr"/>
           <a:lstStyle/>
           <a:p>
-            <a:pPr>
-              <a:buNone/>
-            </a:pPr>
-            <a:r>
-              <a:rPr lang="en-US" sz="1800" dirty="0" smtClean="0">
-                <a:solidFill>
-                  <a:srgbClr val="363636"/>
+            <a:pPr algn="ctr">
+              <a:buNone/>
+            </a:pPr>
+            <a:r>
+              <a:rPr lang="en-US" b="1" sz="1800" dirty="0" smtClean="0">
+                <a:solidFill>
+                  <a:srgbClr val="8F1010"/>
                 </a:solidFill>
               </a:rPr>
               <a:t>COMUNHÃO</a:t>
@@ -8795,8 +8342,8 @@
         </p:nvSpPr>
         <p:spPr>
           <a:xfrm>
-            <a:off x="914400" y="2743200"/>
-            <a:ext cx="6858000" cy="274320"/>
+            <a:off x="457200" y="771525"/>
+            <a:ext cx="8229600" cy="4371975"/>
           </a:xfrm>
           <a:prstGeom prst="rect">
             <a:avLst/>
@@ -8807,71 +8354,50 @@
           <a:bodyPr wrap="square" rtlCol="0" anchor="ctr"/>
           <a:lstStyle/>
           <a:p>
-            <a:pPr>
-              <a:buNone/>
-            </a:pPr>
-            <a:r>
-              <a:rPr lang="en-US" sz="3400" dirty="0" smtClean="0">
-                <a:solidFill>
-                  <a:srgbClr val="363636"/>
-                </a:solidFill>
-              </a:rPr>
-              <a:t>2.Eu passei fazendo o bem, eu curei todos os males.
-</a:t>
-            </a:r>
-            <a:r>
-              <a:rPr lang="en-US" sz="3400" dirty="0" smtClean="0">
-                <a:solidFill>
-                  <a:srgbClr val="363636"/>
-                </a:solidFill>
-              </a:rPr>
-              <a:t/>
-            </a:r>
-            <a:r>
-              <a:rPr lang="en-US" sz="3400" dirty="0" smtClean="0">
-                <a:solidFill>
-                  <a:srgbClr val="363636"/>
-                </a:solidFill>
-              </a:rPr>
-              <a:t>Hoje és minha presença junto a todo o sofredor.
-</a:t>
-            </a:r>
-            <a:r>
-              <a:rPr lang="en-US" sz="3400" dirty="0" smtClean="0">
-                <a:solidFill>
-                  <a:srgbClr val="363636"/>
-                </a:solidFill>
-              </a:rPr>
-              <a:t/>
-            </a:r>
-            <a:r>
-              <a:rPr lang="en-US" sz="3400" dirty="0" smtClean="0">
-                <a:solidFill>
-                  <a:srgbClr val="363636"/>
-                </a:solidFill>
-              </a:rPr>
-              <a:t>Onde sofre o teu irmão, eu estou sofrendo nele.
-</a:t>
-            </a:r>
-            <a:r>
-              <a:rPr lang="en-US" sz="3400" dirty="0" smtClean="0">
-                <a:solidFill>
-                  <a:srgbClr val="363636"/>
-                </a:solidFill>
-              </a:rPr>
-              <a:t/>
-            </a:r>
-            <a:r>
-              <a:rPr lang="en-US" sz="3400" dirty="0" smtClean="0">
-                <a:solidFill>
-                  <a:srgbClr val="363636"/>
-                </a:solidFill>
-              </a:rPr>
-              <a:t>
-</a:t>
-            </a:r>
-            <a:r>
-              <a:rPr lang="en-US" sz="3400" dirty="0" smtClean="0">
+            <a:pPr algn="ctr">
+              <a:buNone/>
+            </a:pPr>
+            <a:r>
+              <a:rPr lang="en-US" sz="3700" dirty="0" smtClean="0">
+                <a:solidFill>
+                  <a:srgbClr val="363636"/>
+                </a:solidFill>
+              </a:rPr>
+              <a:t>2.Eu passei fazendo o bem, eu curei todos os males.</a:t>
+            </a:r>
+          </a:p>
+          <a:p>
+            <a:pPr algn="ctr">
+              <a:buNone/>
+            </a:pPr>
+            <a:r>
+              <a:rPr lang="en-US" sz="3700" dirty="0" smtClean="0">
+                <a:solidFill>
+                  <a:srgbClr val="363636"/>
+                </a:solidFill>
+              </a:rPr>
+              <a:t>Hoje és minha presença junto a todo o sofredor.</a:t>
+            </a:r>
+          </a:p>
+          <a:p>
+            <a:pPr algn="ctr">
+              <a:buNone/>
+            </a:pPr>
+            <a:r>
+              <a:rPr lang="en-US" sz="3700" dirty="0" smtClean="0">
+                <a:solidFill>
+                  <a:srgbClr val="363636"/>
+                </a:solidFill>
+              </a:rPr>
+              <a:t>Onde sofre o teu irmão, eu estou sofrendo nele.</a:t>
+            </a:r>
+          </a:p>
+          <a:p>
+            <a:pPr algn="ctr">
+              <a:buNone/>
+            </a:pPr>
+            <a:r>
+              <a:rPr lang="en-US" sz="3700" dirty="0" smtClean="0">
                 <a:solidFill>
                   <a:srgbClr val="363636"/>
                 </a:solidFill>
@@ -8915,8 +8441,8 @@
         </p:nvSpPr>
         <p:spPr>
           <a:xfrm>
-            <a:off x="3657600" y="457200"/>
-            <a:ext cx="6858000" cy="274320"/>
+            <a:off x="0" y="257175"/>
+            <a:ext cx="9144000" cy="274320"/>
           </a:xfrm>
           <a:prstGeom prst="rect">
             <a:avLst/>
@@ -8927,13 +8453,13 @@
           <a:bodyPr wrap="square" rtlCol="0" anchor="ctr"/>
           <a:lstStyle/>
           <a:p>
-            <a:pPr>
-              <a:buNone/>
-            </a:pPr>
-            <a:r>
-              <a:rPr lang="en-US" sz="1800" dirty="0" smtClean="0">
-                <a:solidFill>
-                  <a:srgbClr val="363636"/>
+            <a:pPr algn="ctr">
+              <a:buNone/>
+            </a:pPr>
+            <a:r>
+              <a:rPr lang="en-US" b="1" sz="1800" dirty="0" smtClean="0">
+                <a:solidFill>
+                  <a:srgbClr val="8F1010"/>
                 </a:solidFill>
               </a:rPr>
               <a:t>COMUNHÃO</a:t>
@@ -8950,8 +8476,8 @@
         </p:nvSpPr>
         <p:spPr>
           <a:xfrm>
-            <a:off x="914400" y="2743200"/>
-            <a:ext cx="6858000" cy="274320"/>
+            <a:off x="457200" y="771525"/>
+            <a:ext cx="8229600" cy="4371975"/>
           </a:xfrm>
           <a:prstGeom prst="rect">
             <a:avLst/>
@@ -8962,71 +8488,50 @@
           <a:bodyPr wrap="square" rtlCol="0" anchor="ctr"/>
           <a:lstStyle/>
           <a:p>
-            <a:pPr>
-              <a:buNone/>
-            </a:pPr>
-            <a:r>
-              <a:rPr lang="en-US" sz="3400" dirty="0" smtClean="0">
-                <a:solidFill>
-                  <a:srgbClr val="363636"/>
-                </a:solidFill>
-              </a:rPr>
-              <a:t>3.Quem comer o pão da vida viverá eternamente.
-</a:t>
-            </a:r>
-            <a:r>
-              <a:rPr lang="en-US" sz="3400" dirty="0" smtClean="0">
-                <a:solidFill>
-                  <a:srgbClr val="363636"/>
-                </a:solidFill>
-              </a:rPr>
-              <a:t/>
-            </a:r>
-            <a:r>
-              <a:rPr lang="en-US" sz="3400" dirty="0" smtClean="0">
-                <a:solidFill>
-                  <a:srgbClr val="363636"/>
-                </a:solidFill>
-              </a:rPr>
-              <a:t>Tenho pena deste povo que não tem o que comer,
-</a:t>
-            </a:r>
-            <a:r>
-              <a:rPr lang="en-US" sz="3400" dirty="0" smtClean="0">
-                <a:solidFill>
-                  <a:srgbClr val="363636"/>
-                </a:solidFill>
-              </a:rPr>
-              <a:t/>
-            </a:r>
-            <a:r>
-              <a:rPr lang="en-US" sz="3400" dirty="0" smtClean="0">
-                <a:solidFill>
-                  <a:srgbClr val="363636"/>
-                </a:solidFill>
-              </a:rPr>
-              <a:t>Onde está o irmão com fome, eu estou com fome nele.
-</a:t>
-            </a:r>
-            <a:r>
-              <a:rPr lang="en-US" sz="3400" dirty="0" smtClean="0">
-                <a:solidFill>
-                  <a:srgbClr val="363636"/>
-                </a:solidFill>
-              </a:rPr>
-              <a:t/>
-            </a:r>
-            <a:r>
-              <a:rPr lang="en-US" sz="3400" dirty="0" smtClean="0">
-                <a:solidFill>
-                  <a:srgbClr val="363636"/>
-                </a:solidFill>
-              </a:rPr>
-              <a:t>
-</a:t>
-            </a:r>
-            <a:r>
-              <a:rPr lang="en-US" sz="3400" dirty="0" smtClean="0">
+            <a:pPr algn="ctr">
+              <a:buNone/>
+            </a:pPr>
+            <a:r>
+              <a:rPr lang="en-US" sz="3700" dirty="0" smtClean="0">
+                <a:solidFill>
+                  <a:srgbClr val="363636"/>
+                </a:solidFill>
+              </a:rPr>
+              <a:t>3.Quem comer o pão da vida viverá eternamente.</a:t>
+            </a:r>
+          </a:p>
+          <a:p>
+            <a:pPr algn="ctr">
+              <a:buNone/>
+            </a:pPr>
+            <a:r>
+              <a:rPr lang="en-US" sz="3700" dirty="0" smtClean="0">
+                <a:solidFill>
+                  <a:srgbClr val="363636"/>
+                </a:solidFill>
+              </a:rPr>
+              <a:t>Tenho pena deste povo que não tem o que comer,</a:t>
+            </a:r>
+          </a:p>
+          <a:p>
+            <a:pPr algn="ctr">
+              <a:buNone/>
+            </a:pPr>
+            <a:r>
+              <a:rPr lang="en-US" sz="3700" dirty="0" smtClean="0">
+                <a:solidFill>
+                  <a:srgbClr val="363636"/>
+                </a:solidFill>
+              </a:rPr>
+              <a:t>Onde está o irmão com fome, eu estou com fome nele.</a:t>
+            </a:r>
+          </a:p>
+          <a:p>
+            <a:pPr algn="ctr">
+              <a:buNone/>
+            </a:pPr>
+            <a:r>
+              <a:rPr lang="en-US" sz="3700" dirty="0" smtClean="0">
                 <a:solidFill>
                   <a:srgbClr val="363636"/>
                 </a:solidFill>
@@ -9070,8 +8575,8 @@
         </p:nvSpPr>
         <p:spPr>
           <a:xfrm>
-            <a:off x="3657600" y="457200"/>
-            <a:ext cx="6858000" cy="274320"/>
+            <a:off x="0" y="257175"/>
+            <a:ext cx="9144000" cy="274320"/>
           </a:xfrm>
           <a:prstGeom prst="rect">
             <a:avLst/>
@@ -9082,13 +8587,13 @@
           <a:bodyPr wrap="square" rtlCol="0" anchor="ctr"/>
           <a:lstStyle/>
           <a:p>
-            <a:pPr>
-              <a:buNone/>
-            </a:pPr>
-            <a:r>
-              <a:rPr lang="en-US" sz="1800" dirty="0" smtClean="0">
-                <a:solidFill>
-                  <a:srgbClr val="363636"/>
+            <a:pPr algn="ctr">
+              <a:buNone/>
+            </a:pPr>
+            <a:r>
+              <a:rPr lang="en-US" b="1" sz="1800" dirty="0" smtClean="0">
+                <a:solidFill>
+                  <a:srgbClr val="8F1010"/>
                 </a:solidFill>
               </a:rPr>
               <a:t>COMUNHÃO</a:t>
@@ -9105,8 +8610,8 @@
         </p:nvSpPr>
         <p:spPr>
           <a:xfrm>
-            <a:off x="914400" y="2743200"/>
-            <a:ext cx="6858000" cy="274320"/>
+            <a:off x="457200" y="771525"/>
+            <a:ext cx="8229600" cy="4371975"/>
           </a:xfrm>
           <a:prstGeom prst="rect">
             <a:avLst/>
@@ -9117,71 +8622,50 @@
           <a:bodyPr wrap="square" rtlCol="0" anchor="ctr"/>
           <a:lstStyle/>
           <a:p>
-            <a:pPr>
-              <a:buNone/>
-            </a:pPr>
-            <a:r>
-              <a:rPr lang="en-US" sz="3300" dirty="0" smtClean="0">
-                <a:solidFill>
-                  <a:srgbClr val="363636"/>
-                </a:solidFill>
-              </a:rPr>
-              <a:t>4.Entreguei a minha vida pela salvação de todos.
-</a:t>
-            </a:r>
-            <a:r>
-              <a:rPr lang="en-US" sz="3300" dirty="0" smtClean="0">
-                <a:solidFill>
-                  <a:srgbClr val="363636"/>
-                </a:solidFill>
-              </a:rPr>
-              <a:t/>
-            </a:r>
-            <a:r>
-              <a:rPr lang="en-US" sz="3300" dirty="0" smtClean="0">
-                <a:solidFill>
-                  <a:srgbClr val="363636"/>
-                </a:solidFill>
-              </a:rPr>
-              <a:t>Reconstrói, protege a vida de indefesos e inocentes:
-</a:t>
-            </a:r>
-            <a:r>
-              <a:rPr lang="en-US" sz="3300" dirty="0" smtClean="0">
-                <a:solidFill>
-                  <a:srgbClr val="363636"/>
-                </a:solidFill>
-              </a:rPr>
-              <a:t/>
-            </a:r>
-            <a:r>
-              <a:rPr lang="en-US" sz="3300" dirty="0" smtClean="0">
-                <a:solidFill>
-                  <a:srgbClr val="363636"/>
-                </a:solidFill>
-              </a:rPr>
-              <a:t>Onde morre o teu irmão, eu estou morrendo nele.
-</a:t>
-            </a:r>
-            <a:r>
-              <a:rPr lang="en-US" sz="3300" dirty="0" smtClean="0">
-                <a:solidFill>
-                  <a:srgbClr val="363636"/>
-                </a:solidFill>
-              </a:rPr>
-              <a:t/>
-            </a:r>
-            <a:r>
-              <a:rPr lang="en-US" sz="3300" dirty="0" smtClean="0">
-                <a:solidFill>
-                  <a:srgbClr val="363636"/>
-                </a:solidFill>
-              </a:rPr>
-              <a:t>
-</a:t>
-            </a:r>
-            <a:r>
-              <a:rPr lang="en-US" sz="3300" dirty="0" smtClean="0">
+            <a:pPr algn="ctr">
+              <a:buNone/>
+            </a:pPr>
+            <a:r>
+              <a:rPr lang="en-US" sz="3700" dirty="0" smtClean="0">
+                <a:solidFill>
+                  <a:srgbClr val="363636"/>
+                </a:solidFill>
+              </a:rPr>
+              <a:t>4.Entreguei a minha vida pela salvação de todos.</a:t>
+            </a:r>
+          </a:p>
+          <a:p>
+            <a:pPr algn="ctr">
+              <a:buNone/>
+            </a:pPr>
+            <a:r>
+              <a:rPr lang="en-US" sz="3700" dirty="0" smtClean="0">
+                <a:solidFill>
+                  <a:srgbClr val="363636"/>
+                </a:solidFill>
+              </a:rPr>
+              <a:t>Reconstrói, protege a vida de indefesos e inocentes:</a:t>
+            </a:r>
+          </a:p>
+          <a:p>
+            <a:pPr algn="ctr">
+              <a:buNone/>
+            </a:pPr>
+            <a:r>
+              <a:rPr lang="en-US" sz="3700" dirty="0" smtClean="0">
+                <a:solidFill>
+                  <a:srgbClr val="363636"/>
+                </a:solidFill>
+              </a:rPr>
+              <a:t>Onde morre o teu irmão, eu estou morrendo nele.</a:t>
+            </a:r>
+          </a:p>
+          <a:p>
+            <a:pPr algn="ctr">
+              <a:buNone/>
+            </a:pPr>
+            <a:r>
+              <a:rPr lang="en-US" sz="3700" dirty="0" smtClean="0">
                 <a:solidFill>
                   <a:srgbClr val="363636"/>
                 </a:solidFill>
@@ -9225,8 +8709,8 @@
         </p:nvSpPr>
         <p:spPr>
           <a:xfrm>
-            <a:off x="3657600" y="457200"/>
-            <a:ext cx="6858000" cy="274320"/>
+            <a:off x="0" y="257175"/>
+            <a:ext cx="9144000" cy="274320"/>
           </a:xfrm>
           <a:prstGeom prst="rect">
             <a:avLst/>
@@ -9237,13 +8721,13 @@
           <a:bodyPr wrap="square" rtlCol="0" anchor="ctr"/>
           <a:lstStyle/>
           <a:p>
-            <a:pPr>
-              <a:buNone/>
-            </a:pPr>
-            <a:r>
-              <a:rPr lang="en-US" sz="1800" dirty="0" smtClean="0">
-                <a:solidFill>
-                  <a:srgbClr val="363636"/>
+            <a:pPr algn="ctr">
+              <a:buNone/>
+            </a:pPr>
+            <a:r>
+              <a:rPr lang="en-US" b="1" sz="1800" dirty="0" smtClean="0">
+                <a:solidFill>
+                  <a:srgbClr val="8F1010"/>
                 </a:solidFill>
               </a:rPr>
               <a:t>COMUNHÃO</a:t>
@@ -9260,8 +8744,8 @@
         </p:nvSpPr>
         <p:spPr>
           <a:xfrm>
-            <a:off x="914400" y="2743200"/>
-            <a:ext cx="6858000" cy="274320"/>
+            <a:off x="457200" y="771525"/>
+            <a:ext cx="8229600" cy="4371975"/>
           </a:xfrm>
           <a:prstGeom prst="rect">
             <a:avLst/>
@@ -9272,71 +8756,50 @@
           <a:bodyPr wrap="square" rtlCol="0" anchor="ctr"/>
           <a:lstStyle/>
           <a:p>
-            <a:pPr>
-              <a:buNone/>
-            </a:pPr>
-            <a:r>
-              <a:rPr lang="en-US" sz="3300" dirty="0" smtClean="0">
-                <a:solidFill>
-                  <a:srgbClr val="363636"/>
-                </a:solidFill>
-              </a:rPr>
-              <a:t>5.Vim buscar e vim salvar o que estava já perdido.
-</a:t>
-            </a:r>
-            <a:r>
-              <a:rPr lang="en-US" sz="3300" dirty="0" smtClean="0">
-                <a:solidFill>
-                  <a:srgbClr val="363636"/>
-                </a:solidFill>
-              </a:rPr>
-              <a:t/>
-            </a:r>
-            <a:r>
-              <a:rPr lang="en-US" sz="3300" dirty="0" smtClean="0">
-                <a:solidFill>
-                  <a:srgbClr val="363636"/>
-                </a:solidFill>
-              </a:rPr>
-              <a:t>Busca, salva e reconduz a quem perdeu toda a esperança:
-</a:t>
-            </a:r>
-            <a:r>
-              <a:rPr lang="en-US" sz="3300" dirty="0" smtClean="0">
-                <a:solidFill>
-                  <a:srgbClr val="363636"/>
-                </a:solidFill>
-              </a:rPr>
-              <a:t/>
-            </a:r>
-            <a:r>
-              <a:rPr lang="en-US" sz="3300" dirty="0" smtClean="0">
-                <a:solidFill>
-                  <a:srgbClr val="363636"/>
-                </a:solidFill>
-              </a:rPr>
-              <a:t>Onde salvas teu irmão, Tu me estás salvando nele.
-</a:t>
-            </a:r>
-            <a:r>
-              <a:rPr lang="en-US" sz="3300" dirty="0" smtClean="0">
-                <a:solidFill>
-                  <a:srgbClr val="363636"/>
-                </a:solidFill>
-              </a:rPr>
-              <a:t/>
-            </a:r>
-            <a:r>
-              <a:rPr lang="en-US" sz="3300" dirty="0" smtClean="0">
-                <a:solidFill>
-                  <a:srgbClr val="363636"/>
-                </a:solidFill>
-              </a:rPr>
-              <a:t>
-</a:t>
-            </a:r>
-            <a:r>
-              <a:rPr lang="en-US" sz="3300" dirty="0" smtClean="0">
+            <a:pPr algn="ctr">
+              <a:buNone/>
+            </a:pPr>
+            <a:r>
+              <a:rPr lang="en-US" sz="3700" dirty="0" smtClean="0">
+                <a:solidFill>
+                  <a:srgbClr val="363636"/>
+                </a:solidFill>
+              </a:rPr>
+              <a:t>5.Vim buscar e vim salvar o que estava já perdido.</a:t>
+            </a:r>
+          </a:p>
+          <a:p>
+            <a:pPr algn="ctr">
+              <a:buNone/>
+            </a:pPr>
+            <a:r>
+              <a:rPr lang="en-US" sz="3700" dirty="0" smtClean="0">
+                <a:solidFill>
+                  <a:srgbClr val="363636"/>
+                </a:solidFill>
+              </a:rPr>
+              <a:t>Busca, salva e reconduz a quem perdeu toda a esperança:</a:t>
+            </a:r>
+          </a:p>
+          <a:p>
+            <a:pPr algn="ctr">
+              <a:buNone/>
+            </a:pPr>
+            <a:r>
+              <a:rPr lang="en-US" sz="3700" dirty="0" smtClean="0">
+                <a:solidFill>
+                  <a:srgbClr val="363636"/>
+                </a:solidFill>
+              </a:rPr>
+              <a:t>Onde salvas teu irmão, Tu me estás salvando nele.</a:t>
+            </a:r>
+          </a:p>
+          <a:p>
+            <a:pPr algn="ctr">
+              <a:buNone/>
+            </a:pPr>
+            <a:r>
+              <a:rPr lang="en-US" sz="3700" dirty="0" smtClean="0">
                 <a:solidFill>
                   <a:srgbClr val="363636"/>
                 </a:solidFill>
@@ -9429,8 +8892,8 @@
         </p:nvSpPr>
         <p:spPr>
           <a:xfrm>
-            <a:off x="3657600" y="457200"/>
-            <a:ext cx="6858000" cy="274320"/>
+            <a:off x="0" y="257175"/>
+            <a:ext cx="9144000" cy="274320"/>
           </a:xfrm>
           <a:prstGeom prst="rect">
             <a:avLst/>
@@ -9441,13 +8904,13 @@
           <a:bodyPr wrap="square" rtlCol="0" anchor="ctr"/>
           <a:lstStyle/>
           <a:p>
-            <a:pPr>
-              <a:buNone/>
-            </a:pPr>
-            <a:r>
-              <a:rPr lang="en-US" sz="1800" dirty="0" smtClean="0">
-                <a:solidFill>
-                  <a:srgbClr val="363636"/>
+            <a:pPr algn="ctr">
+              <a:buNone/>
+            </a:pPr>
+            <a:r>
+              <a:rPr lang="en-US" b="1" sz="1800" dirty="0" smtClean="0">
+                <a:solidFill>
+                  <a:srgbClr val="8F1010"/>
                 </a:solidFill>
               </a:rPr>
               <a:t>O SENHOR RESSUSCITOU</a:t>
@@ -9464,8 +8927,8 @@
         </p:nvSpPr>
         <p:spPr>
           <a:xfrm>
-            <a:off x="914400" y="2743200"/>
-            <a:ext cx="6858000" cy="274320"/>
+            <a:off x="457200" y="771525"/>
+            <a:ext cx="8229600" cy="4371975"/>
           </a:xfrm>
           <a:prstGeom prst="rect">
             <a:avLst/>
@@ -9476,54 +8939,37 @@
           <a:bodyPr wrap="square" rtlCol="0" anchor="ctr"/>
           <a:lstStyle/>
           <a:p>
-            <a:pPr>
-              <a:buNone/>
-            </a:pPr>
-            <a:r>
-              <a:rPr lang="en-US" sz="3800" dirty="0" smtClean="0">
-                <a:solidFill>
-                  <a:srgbClr val="363636"/>
-                </a:solidFill>
-              </a:rPr>
-              <a:t>O SENHOR RESSUSCITOU, ALELU.....IA!
-</a:t>
-            </a:r>
-            <a:r>
-              <a:rPr lang="en-US" sz="3800" dirty="0" smtClean="0">
-                <a:solidFill>
-                  <a:srgbClr val="363636"/>
-                </a:solidFill>
-              </a:rPr>
-              <a:t/>
-            </a:r>
-            <a:r>
-              <a:rPr lang="en-US" sz="3800" dirty="0" smtClean="0">
-                <a:solidFill>
-                  <a:srgbClr val="363636"/>
-                </a:solidFill>
-              </a:rPr>
-              <a:t>NÃO HÁ TRISTEZA E NEM TEMOR, ALELU...U...IA!
-</a:t>
-            </a:r>
-            <a:r>
-              <a:rPr lang="en-US" sz="3800" dirty="0" smtClean="0">
-                <a:solidFill>
-                  <a:srgbClr val="363636"/>
-                </a:solidFill>
-              </a:rPr>
-              <a:t/>
-            </a:r>
-            <a:r>
-              <a:rPr lang="en-US" sz="3800" dirty="0" smtClean="0">
-                <a:solidFill>
-                  <a:srgbClr val="363636"/>
-                </a:solidFill>
-              </a:rPr>
-              <a:t>
-</a:t>
-            </a:r>
-            <a:r>
-              <a:rPr lang="en-US" sz="3800" dirty="0" smtClean="0">
+            <a:pPr algn="ctr">
+              <a:buNone/>
+            </a:pPr>
+            <a:r>
+              <a:rPr lang="en-US" sz="4100" dirty="0" smtClean="0">
+                <a:solidFill>
+                  <a:srgbClr val="363636"/>
+                </a:solidFill>
+              </a:rPr>
+              <a:t>O SENHOR RESSUSCITOU, ALELU.....IA!</a:t>
+            </a:r>
+          </a:p>
+          <a:p>
+            <a:pPr algn="ctr">
+              <a:buNone/>
+            </a:pPr>
+            <a:r>
+              <a:rPr lang="en-US" sz="4100" dirty="0" smtClean="0">
+                <a:solidFill>
+                  <a:srgbClr val="363636"/>
+                </a:solidFill>
+              </a:rPr>
+              <a:t>NÃO HÁ TRISTEZA E NEM TEMOR, ALELU...U...IA!</a:t>
+            </a:r>
+          </a:p>
+          <a:p>
+            <a:pPr algn="ctr">
+              <a:buNone/>
+            </a:pPr>
+            <a:r>
+              <a:rPr lang="en-US" sz="4100" dirty="0" smtClean="0">
                 <a:solidFill>
                   <a:srgbClr val="363636"/>
                 </a:solidFill>
@@ -9567,8 +9013,8 @@
         </p:nvSpPr>
         <p:spPr>
           <a:xfrm>
-            <a:off x="3657600" y="457200"/>
-            <a:ext cx="6858000" cy="274320"/>
+            <a:off x="0" y="257175"/>
+            <a:ext cx="9144000" cy="274320"/>
           </a:xfrm>
           <a:prstGeom prst="rect">
             <a:avLst/>
@@ -9579,13 +9025,13 @@
           <a:bodyPr wrap="square" rtlCol="0" anchor="ctr"/>
           <a:lstStyle/>
           <a:p>
-            <a:pPr>
-              <a:buNone/>
-            </a:pPr>
-            <a:r>
-              <a:rPr lang="en-US" sz="1800" dirty="0" smtClean="0">
-                <a:solidFill>
-                  <a:srgbClr val="363636"/>
+            <a:pPr algn="ctr">
+              <a:buNone/>
+            </a:pPr>
+            <a:r>
+              <a:rPr lang="en-US" b="1" sz="1800" dirty="0" smtClean="0">
+                <a:solidFill>
+                  <a:srgbClr val="8F1010"/>
                 </a:solidFill>
               </a:rPr>
               <a:t>PRECIOSA SÃO AS HORAS</a:t>
@@ -9602,8 +9048,8 @@
         </p:nvSpPr>
         <p:spPr>
           <a:xfrm>
-            <a:off x="914400" y="2743200"/>
-            <a:ext cx="6858000" cy="274320"/>
+            <a:off x="457200" y="771525"/>
+            <a:ext cx="8229600" cy="4371975"/>
           </a:xfrm>
           <a:prstGeom prst="rect">
             <a:avLst/>
@@ -9614,88 +9060,63 @@
           <a:bodyPr wrap="square" rtlCol="0" anchor="ctr"/>
           <a:lstStyle/>
           <a:p>
-            <a:pPr>
-              <a:buNone/>
-            </a:pPr>
-            <a:r>
-              <a:rPr lang="en-US" sz="3200" dirty="0" smtClean="0">
-                <a:solidFill>
-                  <a:srgbClr val="363636"/>
-                </a:solidFill>
-              </a:rPr>
-              <a:t>COMUNHÃO DELICIOSA , DA MINH'ALMA COM A LUZ.
-</a:t>
-            </a:r>
-            <a:r>
-              <a:rPr lang="en-US" sz="3200" dirty="0" smtClean="0">
-                <a:solidFill>
-                  <a:srgbClr val="363636"/>
-                </a:solidFill>
-              </a:rPr>
-              <a:t/>
-            </a:r>
-            <a:r>
-              <a:rPr lang="en-US" sz="3200" dirty="0" smtClean="0">
-                <a:solidFill>
-                  <a:srgbClr val="363636"/>
-                </a:solidFill>
-              </a:rPr>
-              <a:t>OS CUIDADOS DESTE MUNDO, NUNCA PODEM ME ABALAR,
-</a:t>
-            </a:r>
-            <a:r>
-              <a:rPr lang="en-US" sz="3200" dirty="0" smtClean="0">
-                <a:solidFill>
-                  <a:srgbClr val="363636"/>
-                </a:solidFill>
-              </a:rPr>
-              <a:t/>
-            </a:r>
-            <a:r>
-              <a:rPr lang="en-US" sz="3200" dirty="0" smtClean="0">
-                <a:solidFill>
-                  <a:srgbClr val="363636"/>
-                </a:solidFill>
-              </a:rPr>
-              <a:t>MEU ABRIGO, NELE POSSO CONFIAR.
-</a:t>
-            </a:r>
-            <a:r>
-              <a:rPr lang="en-US" sz="3200" dirty="0" smtClean="0">
-                <a:solidFill>
-                  <a:srgbClr val="363636"/>
-                </a:solidFill>
-              </a:rPr>
-              <a:t/>
-            </a:r>
-            <a:r>
-              <a:rPr lang="en-US" sz="3200" dirty="0" smtClean="0">
-                <a:solidFill>
-                  <a:srgbClr val="363636"/>
-                </a:solidFill>
-              </a:rPr>
-              <a:t>ELE VIVE, ELE VIVE E PRESENTE AQUI ESTÁ! (BIS)
-</a:t>
-            </a:r>
-            <a:r>
-              <a:rPr lang="en-US" sz="3200" dirty="0" smtClean="0">
-                <a:solidFill>
-                  <a:srgbClr val="363636"/>
-                </a:solidFill>
-              </a:rPr>
-              <a:t/>
-            </a:r>
-            <a:r>
-              <a:rPr lang="en-US" sz="3200" dirty="0" smtClean="0">
-                <a:solidFill>
-                  <a:srgbClr val="363636"/>
-                </a:solidFill>
-              </a:rPr>
-              <a:t>
-</a:t>
-            </a:r>
-            <a:r>
-              <a:rPr lang="en-US" sz="3200" dirty="0" smtClean="0">
+            <a:pPr algn="ctr">
+              <a:buNone/>
+            </a:pPr>
+            <a:r>
+              <a:rPr lang="en-US" sz="3600" dirty="0" smtClean="0">
+                <a:solidFill>
+                  <a:srgbClr val="363636"/>
+                </a:solidFill>
+              </a:rPr>
+              <a:t>COMUNHÃO DELICIOSA , DA MINH'ALMA COM A LUZ.</a:t>
+            </a:r>
+          </a:p>
+          <a:p>
+            <a:pPr algn="ctr">
+              <a:buNone/>
+            </a:pPr>
+            <a:r>
+              <a:rPr lang="en-US" sz="3600" dirty="0" smtClean="0">
+                <a:solidFill>
+                  <a:srgbClr val="363636"/>
+                </a:solidFill>
+              </a:rPr>
+              <a:t>OS CUIDADOS DESTE MUNDO, NUNCA PODEM ME ABALAR,</a:t>
+            </a:r>
+          </a:p>
+          <a:p>
+            <a:pPr algn="ctr">
+              <a:buNone/>
+            </a:pPr>
+            <a:r>
+              <a:rPr lang="en-US" sz="3600" dirty="0" smtClean="0">
+                <a:solidFill>
+                  <a:srgbClr val="363636"/>
+                </a:solidFill>
+              </a:rPr>
+              <a:t>MEU ABRIGO, NELE POSSO CONFIAR.</a:t>
+            </a:r>
+          </a:p>
+          <a:p>
+            <a:pPr algn="ctr">
+              <a:buNone/>
+            </a:pPr>
+            <a:r>
+              <a:rPr lang="en-US" sz="3600" dirty="0" smtClean="0">
+                <a:solidFill>
+                  <a:srgbClr val="363636"/>
+                </a:solidFill>
+              </a:rPr>
+              <a:t>ELE VIVE, ELE VIVE E PRESENTE AQUI ESTÁ! (BIS)</a:t>
+            </a:r>
+          </a:p>
+          <a:p>
+            <a:pPr algn="ctr">
+              <a:buNone/>
+            </a:pPr>
+            <a:r>
+              <a:rPr lang="en-US" sz="3600" dirty="0" smtClean="0">
                 <a:solidFill>
                   <a:srgbClr val="363636"/>
                 </a:solidFill>
@@ -9739,8 +9160,8 @@
         </p:nvSpPr>
         <p:spPr>
           <a:xfrm>
-            <a:off x="3657600" y="457200"/>
-            <a:ext cx="6858000" cy="274320"/>
+            <a:off x="0" y="257175"/>
+            <a:ext cx="9144000" cy="274320"/>
           </a:xfrm>
           <a:prstGeom prst="rect">
             <a:avLst/>
@@ -9751,13 +9172,13 @@
           <a:bodyPr wrap="square" rtlCol="0" anchor="ctr"/>
           <a:lstStyle/>
           <a:p>
-            <a:pPr>
-              <a:buNone/>
-            </a:pPr>
-            <a:r>
-              <a:rPr lang="en-US" sz="1800" dirty="0" smtClean="0">
-                <a:solidFill>
-                  <a:srgbClr val="363636"/>
+            <a:pPr algn="ctr">
+              <a:buNone/>
+            </a:pPr>
+            <a:r>
+              <a:rPr lang="en-US" b="1" sz="1800" dirty="0" smtClean="0">
+                <a:solidFill>
+                  <a:srgbClr val="8F1010"/>
                 </a:solidFill>
               </a:rPr>
               <a:t>PRECIOSA SÃO AS HORAS</a:t>
@@ -9774,8 +9195,8 @@
         </p:nvSpPr>
         <p:spPr>
           <a:xfrm>
-            <a:off x="914400" y="2743200"/>
-            <a:ext cx="6858000" cy="274320"/>
+            <a:off x="457200" y="771525"/>
+            <a:ext cx="8229600" cy="4371975"/>
           </a:xfrm>
           <a:prstGeom prst="rect">
             <a:avLst/>
@@ -9786,54 +9207,37 @@
           <a:bodyPr wrap="square" rtlCol="0" anchor="ctr"/>
           <a:lstStyle/>
           <a:p>
-            <a:pPr>
-              <a:buNone/>
-            </a:pPr>
-            <a:r>
-              <a:rPr lang="en-US" sz="3700" dirty="0" smtClean="0">
-                <a:solidFill>
-                  <a:srgbClr val="363636"/>
-                </a:solidFill>
-              </a:rPr>
-              <a:t>CANSA Ó MINH'ALMA, EM JESUS VEM REPOUSAR.
-</a:t>
-            </a:r>
-            <a:r>
-              <a:rPr lang="en-US" sz="3700" dirty="0" smtClean="0">
-                <a:solidFill>
-                  <a:srgbClr val="363636"/>
-                </a:solidFill>
-              </a:rPr>
-              <a:t/>
-            </a:r>
-            <a:r>
-              <a:rPr lang="en-US" sz="3700" dirty="0" smtClean="0">
-                <a:solidFill>
-                  <a:srgbClr val="363636"/>
-                </a:solidFill>
-              </a:rPr>
-              <a:t>VITALIZA, REANIMA ,... MINHAS FORÇAS PARA LUTAR.
-</a:t>
-            </a:r>
-            <a:r>
-              <a:rPr lang="en-US" sz="3700" dirty="0" smtClean="0">
-                <a:solidFill>
-                  <a:srgbClr val="363636"/>
-                </a:solidFill>
-              </a:rPr>
-              <a:t/>
-            </a:r>
-            <a:r>
-              <a:rPr lang="en-US" sz="3700" dirty="0" smtClean="0">
-                <a:solidFill>
-                  <a:srgbClr val="363636"/>
-                </a:solidFill>
-              </a:rPr>
-              <a:t>
-</a:t>
-            </a:r>
-            <a:r>
-              <a:rPr lang="en-US" sz="3700" dirty="0" smtClean="0">
+            <a:pPr algn="ctr">
+              <a:buNone/>
+            </a:pPr>
+            <a:r>
+              <a:rPr lang="en-US" sz="4100" dirty="0" smtClean="0">
+                <a:solidFill>
+                  <a:srgbClr val="363636"/>
+                </a:solidFill>
+              </a:rPr>
+              <a:t>CANSA Ó MINH'ALMA, EM JESUS VEM REPOUSAR.</a:t>
+            </a:r>
+          </a:p>
+          <a:p>
+            <a:pPr algn="ctr">
+              <a:buNone/>
+            </a:pPr>
+            <a:r>
+              <a:rPr lang="en-US" sz="4100" dirty="0" smtClean="0">
+                <a:solidFill>
+                  <a:srgbClr val="363636"/>
+                </a:solidFill>
+              </a:rPr>
+              <a:t>VITALIZA, REANIMA ,... MINHAS FORÇAS PARA LUTAR.</a:t>
+            </a:r>
+          </a:p>
+          <a:p>
+            <a:pPr algn="ctr">
+              <a:buNone/>
+            </a:pPr>
+            <a:r>
+              <a:rPr lang="en-US" sz="4100" dirty="0" smtClean="0">
                 <a:solidFill>
                   <a:srgbClr val="363636"/>
                 </a:solidFill>
@@ -9877,8 +9281,8 @@
         </p:nvSpPr>
         <p:spPr>
           <a:xfrm>
-            <a:off x="3657600" y="457200"/>
-            <a:ext cx="6858000" cy="274320"/>
+            <a:off x="0" y="257175"/>
+            <a:ext cx="9144000" cy="274320"/>
           </a:xfrm>
           <a:prstGeom prst="rect">
             <a:avLst/>
@@ -9889,13 +9293,13 @@
           <a:bodyPr wrap="square" rtlCol="0" anchor="ctr"/>
           <a:lstStyle/>
           <a:p>
-            <a:pPr>
-              <a:buNone/>
-            </a:pPr>
-            <a:r>
-              <a:rPr lang="en-US" sz="1800" dirty="0" smtClean="0">
-                <a:solidFill>
-                  <a:srgbClr val="363636"/>
+            <a:pPr algn="ctr">
+              <a:buNone/>
+            </a:pPr>
+            <a:r>
+              <a:rPr lang="en-US" b="1" sz="1800" dirty="0" smtClean="0">
+                <a:solidFill>
+                  <a:srgbClr val="8F1010"/>
                 </a:solidFill>
               </a:rPr>
               <a:t>PRECIOSA SÃO AS HORAS</a:t>
@@ -9912,8 +9316,8 @@
         </p:nvSpPr>
         <p:spPr>
           <a:xfrm>
-            <a:off x="914400" y="2743200"/>
-            <a:ext cx="6858000" cy="274320"/>
+            <a:off x="457200" y="771525"/>
+            <a:ext cx="8229600" cy="4371975"/>
           </a:xfrm>
           <a:prstGeom prst="rect">
             <a:avLst/>
@@ -9924,37 +9328,24 @@
           <a:bodyPr wrap="square" rtlCol="0" anchor="ctr"/>
           <a:lstStyle/>
           <a:p>
-            <a:pPr>
-              <a:buNone/>
-            </a:pPr>
-            <a:r>
-              <a:rPr lang="en-US" sz="3900" dirty="0" smtClean="0">
-                <a:solidFill>
-                  <a:srgbClr val="363636"/>
-                </a:solidFill>
-              </a:rPr>
-              <a:t>SÓ ME PEDE CRÊ SOMENTE. , QUE EM SOCORRO ELE VIRÁ!
-</a:t>
-            </a:r>
-            <a:r>
-              <a:rPr lang="en-US" sz="3900" dirty="0" smtClean="0">
-                <a:solidFill>
-                  <a:srgbClr val="363636"/>
-                </a:solidFill>
-              </a:rPr>
-              <a:t/>
-            </a:r>
-            <a:r>
-              <a:rPr lang="en-US" sz="3900" dirty="0" smtClean="0">
-                <a:solidFill>
-                  <a:srgbClr val="363636"/>
-                </a:solidFill>
-              </a:rPr>
-              <a:t>
-</a:t>
-            </a:r>
-            <a:r>
-              <a:rPr lang="en-US" sz="3900" dirty="0" smtClean="0">
+            <a:pPr algn="ctr">
+              <a:buNone/>
+            </a:pPr>
+            <a:r>
+              <a:rPr lang="en-US" sz="4300" dirty="0" smtClean="0">
+                <a:solidFill>
+                  <a:srgbClr val="363636"/>
+                </a:solidFill>
+              </a:rPr>
+              <a:t>SÓ ME PEDE CRÊ SOMENTE. , QUE EM SOCORRO ELE VIRÁ!</a:t>
+            </a:r>
+          </a:p>
+          <a:p>
+            <a:pPr algn="ctr">
+              <a:buNone/>
+            </a:pPr>
+            <a:r>
+              <a:rPr lang="en-US" sz="4300" dirty="0" smtClean="0">
                 <a:solidFill>
                   <a:srgbClr val="363636"/>
                 </a:solidFill>
@@ -10047,8 +9438,8 @@
         </p:nvSpPr>
         <p:spPr>
           <a:xfrm>
-            <a:off x="3657600" y="457200"/>
-            <a:ext cx="6858000" cy="274320"/>
+            <a:off x="0" y="257175"/>
+            <a:ext cx="9144000" cy="274320"/>
           </a:xfrm>
           <a:prstGeom prst="rect">
             <a:avLst/>
@@ -10059,13 +9450,13 @@
           <a:bodyPr wrap="square" rtlCol="0" anchor="ctr"/>
           <a:lstStyle/>
           <a:p>
-            <a:pPr>
-              <a:buNone/>
-            </a:pPr>
-            <a:r>
-              <a:rPr lang="en-US" sz="1800" dirty="0" smtClean="0">
-                <a:solidFill>
-                  <a:srgbClr val="363636"/>
+            <a:pPr algn="ctr">
+              <a:buNone/>
+            </a:pPr>
+            <a:r>
+              <a:rPr lang="en-US" b="1" sz="1800" dirty="0" smtClean="0">
+                <a:solidFill>
+                  <a:srgbClr val="8F1010"/>
                 </a:solidFill>
               </a:rPr>
               <a:t>PORQUE ELE VIVE</a:t>
@@ -10082,8 +9473,8 @@
         </p:nvSpPr>
         <p:spPr>
           <a:xfrm>
-            <a:off x="914400" y="2743200"/>
-            <a:ext cx="6858000" cy="274320"/>
+            <a:off x="457200" y="771525"/>
+            <a:ext cx="8229600" cy="4371975"/>
           </a:xfrm>
           <a:prstGeom prst="rect">
             <a:avLst/>
@@ -10094,88 +9485,63 @@
           <a:bodyPr wrap="square" rtlCol="0" anchor="ctr"/>
           <a:lstStyle/>
           <a:p>
-            <a:pPr>
-              <a:buNone/>
-            </a:pPr>
-            <a:r>
-              <a:rPr lang="en-US" sz="3500" dirty="0" smtClean="0">
-                <a:solidFill>
-                  <a:srgbClr val="363636"/>
-                </a:solidFill>
-              </a:rPr>
-              <a:t>DEUS ENVIOU SEU FILHO AMADO
-</a:t>
-            </a:r>
-            <a:r>
-              <a:rPr lang="en-US" sz="3500" dirty="0" smtClean="0">
-                <a:solidFill>
-                  <a:srgbClr val="363636"/>
-                </a:solidFill>
-              </a:rPr>
-              <a:t/>
-            </a:r>
-            <a:r>
-              <a:rPr lang="en-US" sz="3500" dirty="0" smtClean="0">
-                <a:solidFill>
-                  <a:srgbClr val="363636"/>
-                </a:solidFill>
-              </a:rPr>
-              <a:t>PARA MORRER NO MEU LUGAR
-</a:t>
-            </a:r>
-            <a:r>
-              <a:rPr lang="en-US" sz="3500" dirty="0" smtClean="0">
-                <a:solidFill>
-                  <a:srgbClr val="363636"/>
-                </a:solidFill>
-              </a:rPr>
-              <a:t/>
-            </a:r>
-            <a:r>
-              <a:rPr lang="en-US" sz="3500" dirty="0" smtClean="0">
-                <a:solidFill>
-                  <a:srgbClr val="363636"/>
-                </a:solidFill>
-              </a:rPr>
-              <a:t>NA CRUZ PAGOU OS MEUS PECADOS
-</a:t>
-            </a:r>
-            <a:r>
-              <a:rPr lang="en-US" sz="3500" dirty="0" smtClean="0">
-                <a:solidFill>
-                  <a:srgbClr val="363636"/>
-                </a:solidFill>
-              </a:rPr>
-              <a:t/>
-            </a:r>
-            <a:r>
-              <a:rPr lang="en-US" sz="3500" dirty="0" smtClean="0">
-                <a:solidFill>
-                  <a:srgbClr val="363636"/>
-                </a:solidFill>
-              </a:rPr>
-              <a:t>MAS O SEPULCRO VAZIO ESTÁ, PORQUE ELE VIVE!
-</a:t>
-            </a:r>
-            <a:r>
-              <a:rPr lang="en-US" sz="3500" dirty="0" smtClean="0">
-                <a:solidFill>
-                  <a:srgbClr val="363636"/>
-                </a:solidFill>
-              </a:rPr>
-              <a:t/>
-            </a:r>
-            <a:r>
-              <a:rPr lang="en-US" sz="3500" dirty="0" smtClean="0">
-                <a:solidFill>
-                  <a:srgbClr val="363636"/>
-                </a:solidFill>
-              </a:rPr>
-              <a:t>
-</a:t>
-            </a:r>
-            <a:r>
-              <a:rPr lang="en-US" sz="3500" dirty="0" smtClean="0">
+            <a:pPr algn="ctr">
+              <a:buNone/>
+            </a:pPr>
+            <a:r>
+              <a:rPr lang="en-US" sz="3800" dirty="0" smtClean="0">
+                <a:solidFill>
+                  <a:srgbClr val="363636"/>
+                </a:solidFill>
+              </a:rPr>
+              <a:t>DEUS ENVIOU SEU FILHO AMADO</a:t>
+            </a:r>
+          </a:p>
+          <a:p>
+            <a:pPr algn="ctr">
+              <a:buNone/>
+            </a:pPr>
+            <a:r>
+              <a:rPr lang="en-US" sz="3800" dirty="0" smtClean="0">
+                <a:solidFill>
+                  <a:srgbClr val="363636"/>
+                </a:solidFill>
+              </a:rPr>
+              <a:t>PARA MORRER NO MEU LUGAR</a:t>
+            </a:r>
+          </a:p>
+          <a:p>
+            <a:pPr algn="ctr">
+              <a:buNone/>
+            </a:pPr>
+            <a:r>
+              <a:rPr lang="en-US" sz="3800" dirty="0" smtClean="0">
+                <a:solidFill>
+                  <a:srgbClr val="363636"/>
+                </a:solidFill>
+              </a:rPr>
+              <a:t>NA CRUZ PAGOU OS MEUS PECADOS</a:t>
+            </a:r>
+          </a:p>
+          <a:p>
+            <a:pPr algn="ctr">
+              <a:buNone/>
+            </a:pPr>
+            <a:r>
+              <a:rPr lang="en-US" sz="3800" dirty="0" smtClean="0">
+                <a:solidFill>
+                  <a:srgbClr val="363636"/>
+                </a:solidFill>
+              </a:rPr>
+              <a:t>MAS O SEPULCRO VAZIO ESTÁ, PORQUE ELE VIVE!</a:t>
+            </a:r>
+          </a:p>
+          <a:p>
+            <a:pPr algn="ctr">
+              <a:buNone/>
+            </a:pPr>
+            <a:r>
+              <a:rPr lang="en-US" sz="3800" dirty="0" smtClean="0">
                 <a:solidFill>
                   <a:srgbClr val="363636"/>
                 </a:solidFill>
@@ -10219,8 +9585,8 @@
         </p:nvSpPr>
         <p:spPr>
           <a:xfrm>
-            <a:off x="3657600" y="457200"/>
-            <a:ext cx="6858000" cy="274320"/>
+            <a:off x="0" y="257175"/>
+            <a:ext cx="9144000" cy="274320"/>
           </a:xfrm>
           <a:prstGeom prst="rect">
             <a:avLst/>
@@ -10231,13 +9597,13 @@
           <a:bodyPr wrap="square" rtlCol="0" anchor="ctr"/>
           <a:lstStyle/>
           <a:p>
-            <a:pPr>
-              <a:buNone/>
-            </a:pPr>
-            <a:r>
-              <a:rPr lang="en-US" sz="1800" dirty="0" smtClean="0">
-                <a:solidFill>
-                  <a:srgbClr val="363636"/>
+            <a:pPr algn="ctr">
+              <a:buNone/>
+            </a:pPr>
+            <a:r>
+              <a:rPr lang="en-US" b="1" sz="1800" dirty="0" smtClean="0">
+                <a:solidFill>
+                  <a:srgbClr val="8F1010"/>
                 </a:solidFill>
               </a:rPr>
               <a:t>PORQUE ELE VIVE</a:t>
@@ -10254,8 +9620,8 @@
         </p:nvSpPr>
         <p:spPr>
           <a:xfrm>
-            <a:off x="914400" y="2743200"/>
-            <a:ext cx="6858000" cy="274320"/>
+            <a:off x="457200" y="771525"/>
+            <a:ext cx="8229600" cy="4371975"/>
           </a:xfrm>
           <a:prstGeom prst="rect">
             <a:avLst/>
@@ -10266,88 +9632,63 @@
           <a:bodyPr wrap="square" rtlCol="0" anchor="ctr"/>
           <a:lstStyle/>
           <a:p>
-            <a:pPr>
-              <a:buNone/>
-            </a:pPr>
-            <a:r>
-              <a:rPr lang="en-US" sz="3400" dirty="0" smtClean="0">
-                <a:solidFill>
-                  <a:srgbClr val="363636"/>
-                </a:solidFill>
-              </a:rPr>
-              <a:t>PORQUE ELE VIVE, EU POSSO CRER NO AMANHÃ
-</a:t>
-            </a:r>
-            <a:r>
-              <a:rPr lang="en-US" sz="3400" dirty="0" smtClean="0">
-                <a:solidFill>
-                  <a:srgbClr val="363636"/>
-                </a:solidFill>
-              </a:rPr>
-              <a:t/>
-            </a:r>
-            <a:r>
-              <a:rPr lang="en-US" sz="3400" dirty="0" smtClean="0">
-                <a:solidFill>
-                  <a:srgbClr val="363636"/>
-                </a:solidFill>
-              </a:rPr>
-              <a:t>PORQUE ELE VIVE, TEMOR NÃO HÁ
-</a:t>
-            </a:r>
-            <a:r>
-              <a:rPr lang="en-US" sz="3400" dirty="0" smtClean="0">
-                <a:solidFill>
-                  <a:srgbClr val="363636"/>
-                </a:solidFill>
-              </a:rPr>
-              <a:t/>
-            </a:r>
-            <a:r>
-              <a:rPr lang="en-US" sz="3400" dirty="0" smtClean="0">
-                <a:solidFill>
-                  <a:srgbClr val="363636"/>
-                </a:solidFill>
-              </a:rPr>
-              <a:t>MAS EU BEM SEI QUE O MEU FUTURO
-</a:t>
-            </a:r>
-            <a:r>
-              <a:rPr lang="en-US" sz="3400" dirty="0" smtClean="0">
-                <a:solidFill>
-                  <a:srgbClr val="363636"/>
-                </a:solidFill>
-              </a:rPr>
-              <a:t/>
-            </a:r>
-            <a:r>
-              <a:rPr lang="en-US" sz="3400" dirty="0" smtClean="0">
-                <a:solidFill>
-                  <a:srgbClr val="363636"/>
-                </a:solidFill>
-              </a:rPr>
-              <a:t>ESTÁ NAS MÃOS DO MEU JESUS, QUE VIVO ESTÁ
-</a:t>
-            </a:r>
-            <a:r>
-              <a:rPr lang="en-US" sz="3400" dirty="0" smtClean="0">
-                <a:solidFill>
-                  <a:srgbClr val="363636"/>
-                </a:solidFill>
-              </a:rPr>
-              <a:t/>
-            </a:r>
-            <a:r>
-              <a:rPr lang="en-US" sz="3400" dirty="0" smtClean="0">
-                <a:solidFill>
-                  <a:srgbClr val="363636"/>
-                </a:solidFill>
-              </a:rPr>
-              <a:t>
-</a:t>
-            </a:r>
-            <a:r>
-              <a:rPr lang="en-US" sz="3400" dirty="0" smtClean="0">
+            <a:pPr algn="ctr">
+              <a:buNone/>
+            </a:pPr>
+            <a:r>
+              <a:rPr lang="en-US" sz="3700" dirty="0" smtClean="0">
+                <a:solidFill>
+                  <a:srgbClr val="363636"/>
+                </a:solidFill>
+              </a:rPr>
+              <a:t>PORQUE ELE VIVE, EU POSSO CRER NO AMANHÃ</a:t>
+            </a:r>
+          </a:p>
+          <a:p>
+            <a:pPr algn="ctr">
+              <a:buNone/>
+            </a:pPr>
+            <a:r>
+              <a:rPr lang="en-US" sz="3700" dirty="0" smtClean="0">
+                <a:solidFill>
+                  <a:srgbClr val="363636"/>
+                </a:solidFill>
+              </a:rPr>
+              <a:t>PORQUE ELE VIVE, TEMOR NÃO HÁ</a:t>
+            </a:r>
+          </a:p>
+          <a:p>
+            <a:pPr algn="ctr">
+              <a:buNone/>
+            </a:pPr>
+            <a:r>
+              <a:rPr lang="en-US" sz="3700" dirty="0" smtClean="0">
+                <a:solidFill>
+                  <a:srgbClr val="363636"/>
+                </a:solidFill>
+              </a:rPr>
+              <a:t>MAS EU BEM SEI QUE O MEU FUTURO</a:t>
+            </a:r>
+          </a:p>
+          <a:p>
+            <a:pPr algn="ctr">
+              <a:buNone/>
+            </a:pPr>
+            <a:r>
+              <a:rPr lang="en-US" sz="3700" dirty="0" smtClean="0">
+                <a:solidFill>
+                  <a:srgbClr val="363636"/>
+                </a:solidFill>
+              </a:rPr>
+              <a:t>ESTÁ NAS MÃOS DO MEU JESUS, QUE VIVO ESTÁ</a:t>
+            </a:r>
+          </a:p>
+          <a:p>
+            <a:pPr algn="ctr">
+              <a:buNone/>
+            </a:pPr>
+            <a:r>
+              <a:rPr lang="en-US" sz="3700" dirty="0" smtClean="0">
                 <a:solidFill>
                   <a:srgbClr val="363636"/>
                 </a:solidFill>
@@ -10391,8 +9732,8 @@
         </p:nvSpPr>
         <p:spPr>
           <a:xfrm>
-            <a:off x="3657600" y="457200"/>
-            <a:ext cx="6858000" cy="274320"/>
+            <a:off x="0" y="257175"/>
+            <a:ext cx="9144000" cy="274320"/>
           </a:xfrm>
           <a:prstGeom prst="rect">
             <a:avLst/>
@@ -10403,13 +9744,13 @@
           <a:bodyPr wrap="square" rtlCol="0" anchor="ctr"/>
           <a:lstStyle/>
           <a:p>
-            <a:pPr>
-              <a:buNone/>
-            </a:pPr>
-            <a:r>
-              <a:rPr lang="en-US" sz="1800" dirty="0" smtClean="0">
-                <a:solidFill>
-                  <a:srgbClr val="363636"/>
+            <a:pPr algn="ctr">
+              <a:buNone/>
+            </a:pPr>
+            <a:r>
+              <a:rPr lang="en-US" b="1" sz="1800" dirty="0" smtClean="0">
+                <a:solidFill>
+                  <a:srgbClr val="8F1010"/>
                 </a:solidFill>
               </a:rPr>
               <a:t>PORQUE ELE VIVE</a:t>
@@ -10426,8 +9767,8 @@
         </p:nvSpPr>
         <p:spPr>
           <a:xfrm>
-            <a:off x="914400" y="2743200"/>
-            <a:ext cx="6858000" cy="274320"/>
+            <a:off x="457200" y="771525"/>
+            <a:ext cx="8229600" cy="4371975"/>
           </a:xfrm>
           <a:prstGeom prst="rect">
             <a:avLst/>
@@ -10438,88 +9779,63 @@
           <a:bodyPr wrap="square" rtlCol="0" anchor="ctr"/>
           <a:lstStyle/>
           <a:p>
-            <a:pPr>
-              <a:buNone/>
-            </a:pPr>
-            <a:r>
-              <a:rPr lang="en-US" sz="3500" dirty="0" smtClean="0">
-                <a:solidFill>
-                  <a:srgbClr val="363636"/>
-                </a:solidFill>
-              </a:rPr>
-              <a:t>UM DIA EU VOU CRUZAR OS RIOS
-</a:t>
-            </a:r>
-            <a:r>
-              <a:rPr lang="en-US" sz="3500" dirty="0" smtClean="0">
-                <a:solidFill>
-                  <a:srgbClr val="363636"/>
-                </a:solidFill>
-              </a:rPr>
-              <a:t/>
-            </a:r>
-            <a:r>
-              <a:rPr lang="en-US" sz="3500" dirty="0" smtClean="0">
-                <a:solidFill>
-                  <a:srgbClr val="363636"/>
-                </a:solidFill>
-              </a:rPr>
-              <a:t>E VEREI ENTÃO UM CÉU DE LUZ
-</a:t>
-            </a:r>
-            <a:r>
-              <a:rPr lang="en-US" sz="3500" dirty="0" smtClean="0">
-                <a:solidFill>
-                  <a:srgbClr val="363636"/>
-                </a:solidFill>
-              </a:rPr>
-              <a:t/>
-            </a:r>
-            <a:r>
-              <a:rPr lang="en-US" sz="3500" dirty="0" smtClean="0">
-                <a:solidFill>
-                  <a:srgbClr val="363636"/>
-                </a:solidFill>
-              </a:rPr>
-              <a:t>E VEREI QUE LÁ, EM PLENA GLÓRIA
-</a:t>
-            </a:r>
-            <a:r>
-              <a:rPr lang="en-US" sz="3500" dirty="0" smtClean="0">
-                <a:solidFill>
-                  <a:srgbClr val="363636"/>
-                </a:solidFill>
-              </a:rPr>
-              <a:t/>
-            </a:r>
-            <a:r>
-              <a:rPr lang="en-US" sz="3500" dirty="0" smtClean="0">
-                <a:solidFill>
-                  <a:srgbClr val="363636"/>
-                </a:solidFill>
-              </a:rPr>
-              <a:t>VITORIOSO, VIVE E REINA O MEU JESUS
-</a:t>
-            </a:r>
-            <a:r>
-              <a:rPr lang="en-US" sz="3500" dirty="0" smtClean="0">
-                <a:solidFill>
-                  <a:srgbClr val="363636"/>
-                </a:solidFill>
-              </a:rPr>
-              <a:t/>
-            </a:r>
-            <a:r>
-              <a:rPr lang="en-US" sz="3500" dirty="0" smtClean="0">
-                <a:solidFill>
-                  <a:srgbClr val="363636"/>
-                </a:solidFill>
-              </a:rPr>
-              <a:t>
-</a:t>
-            </a:r>
-            <a:r>
-              <a:rPr lang="en-US" sz="3500" dirty="0" smtClean="0">
+            <a:pPr algn="ctr">
+              <a:buNone/>
+            </a:pPr>
+            <a:r>
+              <a:rPr lang="en-US" sz="3900" dirty="0" smtClean="0">
+                <a:solidFill>
+                  <a:srgbClr val="363636"/>
+                </a:solidFill>
+              </a:rPr>
+              <a:t>UM DIA EU VOU CRUZAR OS RIOS</a:t>
+            </a:r>
+          </a:p>
+          <a:p>
+            <a:pPr algn="ctr">
+              <a:buNone/>
+            </a:pPr>
+            <a:r>
+              <a:rPr lang="en-US" sz="3900" dirty="0" smtClean="0">
+                <a:solidFill>
+                  <a:srgbClr val="363636"/>
+                </a:solidFill>
+              </a:rPr>
+              <a:t>E VEREI ENTÃO UM CÉU DE LUZ</a:t>
+            </a:r>
+          </a:p>
+          <a:p>
+            <a:pPr algn="ctr">
+              <a:buNone/>
+            </a:pPr>
+            <a:r>
+              <a:rPr lang="en-US" sz="3900" dirty="0" smtClean="0">
+                <a:solidFill>
+                  <a:srgbClr val="363636"/>
+                </a:solidFill>
+              </a:rPr>
+              <a:t>E VEREI QUE LÁ, EM PLENA GLÓRIA</a:t>
+            </a:r>
+          </a:p>
+          <a:p>
+            <a:pPr algn="ctr">
+              <a:buNone/>
+            </a:pPr>
+            <a:r>
+              <a:rPr lang="en-US" sz="3900" dirty="0" smtClean="0">
+                <a:solidFill>
+                  <a:srgbClr val="363636"/>
+                </a:solidFill>
+              </a:rPr>
+              <a:t>VITORIOSO, VIVE E REINA O MEU JESUS</a:t>
+            </a:r>
+          </a:p>
+          <a:p>
+            <a:pPr algn="ctr">
+              <a:buNone/>
+            </a:pPr>
+            <a:r>
+              <a:rPr lang="en-US" sz="3900" dirty="0" smtClean="0">
                 <a:solidFill>
                   <a:srgbClr val="363636"/>
                 </a:solidFill>
@@ -10661,8 +9977,8 @@
         </p:nvSpPr>
         <p:spPr>
           <a:xfrm>
-            <a:off x="3657600" y="457200"/>
-            <a:ext cx="6858000" cy="274320"/>
+            <a:off x="0" y="257175"/>
+            <a:ext cx="9144000" cy="274320"/>
           </a:xfrm>
           <a:prstGeom prst="rect">
             <a:avLst/>
@@ -10673,13 +9989,13 @@
           <a:bodyPr wrap="square" rtlCol="0" anchor="ctr"/>
           <a:lstStyle/>
           <a:p>
-            <a:pPr>
-              <a:buNone/>
-            </a:pPr>
-            <a:r>
-              <a:rPr lang="en-US" sz="1800" dirty="0" smtClean="0">
-                <a:solidFill>
-                  <a:srgbClr val="363636"/>
+            <a:pPr algn="ctr">
+              <a:buNone/>
+            </a:pPr>
+            <a:r>
+              <a:rPr lang="en-US" b="1" sz="1800" dirty="0" smtClean="0">
+                <a:solidFill>
+                  <a:srgbClr val="8F1010"/>
                 </a:solidFill>
               </a:rPr>
               <a:t>O SENHOR RESSUSCITOU</a:t>
@@ -10696,8 +10012,8 @@
         </p:nvSpPr>
         <p:spPr>
           <a:xfrm>
-            <a:off x="914400" y="2743200"/>
-            <a:ext cx="6858000" cy="274320"/>
+            <a:off x="457200" y="771525"/>
+            <a:ext cx="8229600" cy="4371975"/>
           </a:xfrm>
           <a:prstGeom prst="rect">
             <a:avLst/>
@@ -10708,54 +10024,37 @@
           <a:bodyPr wrap="square" rtlCol="0" anchor="ctr"/>
           <a:lstStyle/>
           <a:p>
-            <a:pPr>
-              <a:buNone/>
-            </a:pPr>
-            <a:r>
-              <a:rPr lang="en-US" sz="3800" dirty="0" smtClean="0">
-                <a:solidFill>
-                  <a:srgbClr val="363636"/>
-                </a:solidFill>
-              </a:rPr>
-              <a:t>1-O CAMINHO QUE ELE TRAÇOU, ALELU...IA!
-</a:t>
-            </a:r>
-            <a:r>
-              <a:rPr lang="en-US" sz="3800" dirty="0" smtClean="0">
-                <a:solidFill>
-                  <a:srgbClr val="363636"/>
-                </a:solidFill>
-              </a:rPr>
-              <a:t/>
-            </a:r>
-            <a:r>
-              <a:rPr lang="en-US" sz="3800" dirty="0" smtClean="0">
-                <a:solidFill>
-                  <a:srgbClr val="363636"/>
-                </a:solidFill>
-              </a:rPr>
-              <a:t>NOS CONVIDA A CAMINHAR, ALELU...U...IA!
-</a:t>
-            </a:r>
-            <a:r>
-              <a:rPr lang="en-US" sz="3800" dirty="0" smtClean="0">
-                <a:solidFill>
-                  <a:srgbClr val="363636"/>
-                </a:solidFill>
-              </a:rPr>
-              <a:t/>
-            </a:r>
-            <a:r>
-              <a:rPr lang="en-US" sz="3800" dirty="0" smtClean="0">
-                <a:solidFill>
-                  <a:srgbClr val="363636"/>
-                </a:solidFill>
-              </a:rPr>
-              <a:t>
-</a:t>
-            </a:r>
-            <a:r>
-              <a:rPr lang="en-US" sz="3800" dirty="0" smtClean="0">
+            <a:pPr algn="ctr">
+              <a:buNone/>
+            </a:pPr>
+            <a:r>
+              <a:rPr lang="en-US" sz="4100" dirty="0" smtClean="0">
+                <a:solidFill>
+                  <a:srgbClr val="363636"/>
+                </a:solidFill>
+              </a:rPr>
+              <a:t>1-O CAMINHO QUE ELE TRAÇOU, ALELU...IA!</a:t>
+            </a:r>
+          </a:p>
+          <a:p>
+            <a:pPr algn="ctr">
+              <a:buNone/>
+            </a:pPr>
+            <a:r>
+              <a:rPr lang="en-US" sz="4100" dirty="0" smtClean="0">
+                <a:solidFill>
+                  <a:srgbClr val="363636"/>
+                </a:solidFill>
+              </a:rPr>
+              <a:t>NOS CONVIDA A CAMINHAR, ALELU...U...IA!</a:t>
+            </a:r>
+          </a:p>
+          <a:p>
+            <a:pPr algn="ctr">
+              <a:buNone/>
+            </a:pPr>
+            <a:r>
+              <a:rPr lang="en-US" sz="4100" dirty="0" smtClean="0">
                 <a:solidFill>
                   <a:srgbClr val="363636"/>
                 </a:solidFill>
@@ -10799,8 +10098,8 @@
         </p:nvSpPr>
         <p:spPr>
           <a:xfrm>
-            <a:off x="3657600" y="457200"/>
-            <a:ext cx="6858000" cy="274320"/>
+            <a:off x="0" y="257175"/>
+            <a:ext cx="9144000" cy="274320"/>
           </a:xfrm>
           <a:prstGeom prst="rect">
             <a:avLst/>
@@ -10811,13 +10110,13 @@
           <a:bodyPr wrap="square" rtlCol="0" anchor="ctr"/>
           <a:lstStyle/>
           <a:p>
-            <a:pPr>
-              <a:buNone/>
-            </a:pPr>
-            <a:r>
-              <a:rPr lang="en-US" sz="1800" dirty="0" smtClean="0">
-                <a:solidFill>
-                  <a:srgbClr val="363636"/>
+            <a:pPr algn="ctr">
+              <a:buNone/>
+            </a:pPr>
+            <a:r>
+              <a:rPr lang="en-US" b="1" sz="1800" dirty="0" smtClean="0">
+                <a:solidFill>
+                  <a:srgbClr val="8F1010"/>
                 </a:solidFill>
               </a:rPr>
               <a:t>O SENHOR RESSUSCITOU</a:t>
@@ -10834,8 +10133,8 @@
         </p:nvSpPr>
         <p:spPr>
           <a:xfrm>
-            <a:off x="914400" y="2743200"/>
-            <a:ext cx="6858000" cy="274320"/>
+            <a:off x="457200" y="771525"/>
+            <a:ext cx="8229600" cy="4371975"/>
           </a:xfrm>
           <a:prstGeom prst="rect">
             <a:avLst/>
@@ -10846,54 +10145,37 @@
           <a:bodyPr wrap="square" rtlCol="0" anchor="ctr"/>
           <a:lstStyle/>
           <a:p>
-            <a:pPr>
-              <a:buNone/>
-            </a:pPr>
-            <a:r>
-              <a:rPr lang="en-US" sz="3800" dirty="0" smtClean="0">
-                <a:solidFill>
-                  <a:srgbClr val="363636"/>
-                </a:solidFill>
-              </a:rPr>
-              <a:t>2-SUA PALAVRA É DE PAZ, ALELU...IA!
-</a:t>
-            </a:r>
-            <a:r>
-              <a:rPr lang="en-US" sz="3800" dirty="0" smtClean="0">
-                <a:solidFill>
-                  <a:srgbClr val="363636"/>
-                </a:solidFill>
-              </a:rPr>
-              <a:t/>
-            </a:r>
-            <a:r>
-              <a:rPr lang="en-US" sz="3800" dirty="0" smtClean="0">
-                <a:solidFill>
-                  <a:srgbClr val="363636"/>
-                </a:solidFill>
-              </a:rPr>
-              <a:t>VEM A TODOS CONFORTAR, ALELU...U...IA!
-</a:t>
-            </a:r>
-            <a:r>
-              <a:rPr lang="en-US" sz="3800" dirty="0" smtClean="0">
-                <a:solidFill>
-                  <a:srgbClr val="363636"/>
-                </a:solidFill>
-              </a:rPr>
-              <a:t/>
-            </a:r>
-            <a:r>
-              <a:rPr lang="en-US" sz="3800" dirty="0" smtClean="0">
-                <a:solidFill>
-                  <a:srgbClr val="363636"/>
-                </a:solidFill>
-              </a:rPr>
-              <a:t>
-</a:t>
-            </a:r>
-            <a:r>
-              <a:rPr lang="en-US" sz="3800" dirty="0" smtClean="0">
+            <a:pPr algn="ctr">
+              <a:buNone/>
+            </a:pPr>
+            <a:r>
+              <a:rPr lang="en-US" sz="4200" dirty="0" smtClean="0">
+                <a:solidFill>
+                  <a:srgbClr val="363636"/>
+                </a:solidFill>
+              </a:rPr>
+              <a:t>2-SUA PALAVRA É DE PAZ, ALELU...IA!</a:t>
+            </a:r>
+          </a:p>
+          <a:p>
+            <a:pPr algn="ctr">
+              <a:buNone/>
+            </a:pPr>
+            <a:r>
+              <a:rPr lang="en-US" sz="4200" dirty="0" smtClean="0">
+                <a:solidFill>
+                  <a:srgbClr val="363636"/>
+                </a:solidFill>
+              </a:rPr>
+              <a:t>VEM A TODOS CONFORTAR, ALELU...U...IA!</a:t>
+            </a:r>
+          </a:p>
+          <a:p>
+            <a:pPr algn="ctr">
+              <a:buNone/>
+            </a:pPr>
+            <a:r>
+              <a:rPr lang="en-US" sz="4200" dirty="0" smtClean="0">
                 <a:solidFill>
                   <a:srgbClr val="363636"/>
                 </a:solidFill>
@@ -10937,8 +10219,8 @@
         </p:nvSpPr>
         <p:spPr>
           <a:xfrm>
-            <a:off x="3657600" y="457200"/>
-            <a:ext cx="6858000" cy="274320"/>
+            <a:off x="0" y="257175"/>
+            <a:ext cx="9144000" cy="274320"/>
           </a:xfrm>
           <a:prstGeom prst="rect">
             <a:avLst/>
@@ -10949,13 +10231,13 @@
           <a:bodyPr wrap="square" rtlCol="0" anchor="ctr"/>
           <a:lstStyle/>
           <a:p>
-            <a:pPr>
-              <a:buNone/>
-            </a:pPr>
-            <a:r>
-              <a:rPr lang="en-US" sz="1800" dirty="0" smtClean="0">
-                <a:solidFill>
-                  <a:srgbClr val="363636"/>
+            <a:pPr algn="ctr">
+              <a:buNone/>
+            </a:pPr>
+            <a:r>
+              <a:rPr lang="en-US" b="1" sz="1800" dirty="0" smtClean="0">
+                <a:solidFill>
+                  <a:srgbClr val="8F1010"/>
                 </a:solidFill>
               </a:rPr>
               <a:t>O SENHOR RESSUSCITOU</a:t>
@@ -10972,8 +10254,8 @@
         </p:nvSpPr>
         <p:spPr>
           <a:xfrm>
-            <a:off x="914400" y="2743200"/>
-            <a:ext cx="6858000" cy="274320"/>
+            <a:off x="457200" y="771525"/>
+            <a:ext cx="8229600" cy="4371975"/>
           </a:xfrm>
           <a:prstGeom prst="rect">
             <a:avLst/>
@@ -10984,54 +10266,37 @@
           <a:bodyPr wrap="square" rtlCol="0" anchor="ctr"/>
           <a:lstStyle/>
           <a:p>
-            <a:pPr>
-              <a:buNone/>
-            </a:pPr>
-            <a:r>
-              <a:rPr lang="en-US" sz="3800" dirty="0" smtClean="0">
-                <a:solidFill>
-                  <a:srgbClr val="363636"/>
-                </a:solidFill>
-              </a:rPr>
-              <a:t>3-SUA VOZ ME ACALMOU, ALELU...IA!
-</a:t>
-            </a:r>
-            <a:r>
-              <a:rPr lang="en-US" sz="3800" dirty="0" smtClean="0">
-                <a:solidFill>
-                  <a:srgbClr val="363636"/>
-                </a:solidFill>
-              </a:rPr>
-              <a:t/>
-            </a:r>
-            <a:r>
-              <a:rPr lang="en-US" sz="3800" dirty="0" smtClean="0">
-                <a:solidFill>
-                  <a:srgbClr val="363636"/>
-                </a:solidFill>
-              </a:rPr>
-              <a:t>DA INCERTEZA ME LIVROU, ALELU...U...IA!
-</a:t>
-            </a:r>
-            <a:r>
-              <a:rPr lang="en-US" sz="3800" dirty="0" smtClean="0">
-                <a:solidFill>
-                  <a:srgbClr val="363636"/>
-                </a:solidFill>
-              </a:rPr>
-              <a:t/>
-            </a:r>
-            <a:r>
-              <a:rPr lang="en-US" sz="3800" dirty="0" smtClean="0">
-                <a:solidFill>
-                  <a:srgbClr val="363636"/>
-                </a:solidFill>
-              </a:rPr>
-              <a:t>
-</a:t>
-            </a:r>
-            <a:r>
-              <a:rPr lang="en-US" sz="3800" dirty="0" smtClean="0">
+            <a:pPr algn="ctr">
+              <a:buNone/>
+            </a:pPr>
+            <a:r>
+              <a:rPr lang="en-US" sz="4200" dirty="0" smtClean="0">
+                <a:solidFill>
+                  <a:srgbClr val="363636"/>
+                </a:solidFill>
+              </a:rPr>
+              <a:t>3-SUA VOZ ME ACALMOU, ALELU...IA!</a:t>
+            </a:r>
+          </a:p>
+          <a:p>
+            <a:pPr algn="ctr">
+              <a:buNone/>
+            </a:pPr>
+            <a:r>
+              <a:rPr lang="en-US" sz="4200" dirty="0" smtClean="0">
+                <a:solidFill>
+                  <a:srgbClr val="363636"/>
+                </a:solidFill>
+              </a:rPr>
+              <a:t>DA INCERTEZA ME LIVROU, ALELU...U...IA!</a:t>
+            </a:r>
+          </a:p>
+          <a:p>
+            <a:pPr algn="ctr">
+              <a:buNone/>
+            </a:pPr>
+            <a:r>
+              <a:rPr lang="en-US" sz="4200" dirty="0" smtClean="0">
                 <a:solidFill>
                   <a:srgbClr val="363636"/>
                 </a:solidFill>
@@ -11075,8 +10340,8 @@
         </p:nvSpPr>
         <p:spPr>
           <a:xfrm>
-            <a:off x="3657600" y="457200"/>
-            <a:ext cx="6858000" cy="274320"/>
+            <a:off x="0" y="257175"/>
+            <a:ext cx="9144000" cy="274320"/>
           </a:xfrm>
           <a:prstGeom prst="rect">
             <a:avLst/>
@@ -11087,13 +10352,13 @@
           <a:bodyPr wrap="square" rtlCol="0" anchor="ctr"/>
           <a:lstStyle/>
           <a:p>
-            <a:pPr>
-              <a:buNone/>
-            </a:pPr>
-            <a:r>
-              <a:rPr lang="en-US" sz="1800" dirty="0" smtClean="0">
-                <a:solidFill>
-                  <a:srgbClr val="363636"/>
+            <a:pPr algn="ctr">
+              <a:buNone/>
+            </a:pPr>
+            <a:r>
+              <a:rPr lang="en-US" b="1" sz="1800" dirty="0" smtClean="0">
+                <a:solidFill>
+                  <a:srgbClr val="8F1010"/>
                 </a:solidFill>
               </a:rPr>
               <a:t>O SENHOR RESSUSCITOU</a:t>
@@ -11110,8 +10375,8 @@
         </p:nvSpPr>
         <p:spPr>
           <a:xfrm>
-            <a:off x="914400" y="2743200"/>
-            <a:ext cx="6858000" cy="274320"/>
+            <a:off x="457200" y="771525"/>
+            <a:ext cx="8229600" cy="4371975"/>
           </a:xfrm>
           <a:prstGeom prst="rect">
             <a:avLst/>
@@ -11122,54 +10387,37 @@
           <a:bodyPr wrap="square" rtlCol="0" anchor="ctr"/>
           <a:lstStyle/>
           <a:p>
-            <a:pPr>
-              <a:buNone/>
-            </a:pPr>
-            <a:r>
-              <a:rPr lang="en-US" sz="3800" dirty="0" smtClean="0">
-                <a:solidFill>
-                  <a:srgbClr val="363636"/>
-                </a:solidFill>
-              </a:rPr>
-              <a:t>4-O SENHOR NOS VISITOU, ALELU...IA!
-</a:t>
-            </a:r>
-            <a:r>
-              <a:rPr lang="en-US" sz="3800" dirty="0" smtClean="0">
-                <a:solidFill>
-                  <a:srgbClr val="363636"/>
-                </a:solidFill>
-              </a:rPr>
-              <a:t/>
-            </a:r>
-            <a:r>
-              <a:rPr lang="en-US" sz="3800" dirty="0" smtClean="0">
-                <a:solidFill>
-                  <a:srgbClr val="363636"/>
-                </a:solidFill>
-              </a:rPr>
-              <a:t>NOSSA CASA ILUMINOU, ALELU...U...IA!
-</a:t>
-            </a:r>
-            <a:r>
-              <a:rPr lang="en-US" sz="3800" dirty="0" smtClean="0">
-                <a:solidFill>
-                  <a:srgbClr val="363636"/>
-                </a:solidFill>
-              </a:rPr>
-              <a:t/>
-            </a:r>
-            <a:r>
-              <a:rPr lang="en-US" sz="3800" dirty="0" smtClean="0">
-                <a:solidFill>
-                  <a:srgbClr val="363636"/>
-                </a:solidFill>
-              </a:rPr>
-              <a:t>
-</a:t>
-            </a:r>
-            <a:r>
-              <a:rPr lang="en-US" sz="3800" dirty="0" smtClean="0">
+            <a:pPr algn="ctr">
+              <a:buNone/>
+            </a:pPr>
+            <a:r>
+              <a:rPr lang="en-US" sz="4200" dirty="0" smtClean="0">
+                <a:solidFill>
+                  <a:srgbClr val="363636"/>
+                </a:solidFill>
+              </a:rPr>
+              <a:t>4-O SENHOR NOS VISITOU, ALELU...IA!</a:t>
+            </a:r>
+          </a:p>
+          <a:p>
+            <a:pPr algn="ctr">
+              <a:buNone/>
+            </a:pPr>
+            <a:r>
+              <a:rPr lang="en-US" sz="4200" dirty="0" smtClean="0">
+                <a:solidFill>
+                  <a:srgbClr val="363636"/>
+                </a:solidFill>
+              </a:rPr>
+              <a:t>NOSSA CASA ILUMINOU, ALELU...U...IA!</a:t>
+            </a:r>
+          </a:p>
+          <a:p>
+            <a:pPr algn="ctr">
+              <a:buNone/>
+            </a:pPr>
+            <a:r>
+              <a:rPr lang="en-US" sz="4200" dirty="0" smtClean="0">
                 <a:solidFill>
                   <a:srgbClr val="363636"/>
                 </a:solidFill>
@@ -11213,8 +10461,8 @@
         </p:nvSpPr>
         <p:spPr>
           <a:xfrm>
-            <a:off x="3657600" y="457200"/>
-            <a:ext cx="6858000" cy="274320"/>
+            <a:off x="0" y="257175"/>
+            <a:ext cx="9144000" cy="274320"/>
           </a:xfrm>
           <a:prstGeom prst="rect">
             <a:avLst/>
@@ -11225,13 +10473,13 @@
           <a:bodyPr wrap="square" rtlCol="0" anchor="ctr"/>
           <a:lstStyle/>
           <a:p>
-            <a:pPr>
-              <a:buNone/>
-            </a:pPr>
-            <a:r>
-              <a:rPr lang="en-US" sz="1800" dirty="0" smtClean="0">
-                <a:solidFill>
-                  <a:srgbClr val="363636"/>
+            <a:pPr algn="ctr">
+              <a:buNone/>
+            </a:pPr>
+            <a:r>
+              <a:rPr lang="en-US" b="1" sz="1800" dirty="0" smtClean="0">
+                <a:solidFill>
+                  <a:srgbClr val="8F1010"/>
                 </a:solidFill>
               </a:rPr>
               <a:t>O SENHOR RESSUSCITOU</a:t>
@@ -11248,8 +10496,8 @@
         </p:nvSpPr>
         <p:spPr>
           <a:xfrm>
-            <a:off x="914400" y="2743200"/>
-            <a:ext cx="6858000" cy="274320"/>
+            <a:off x="457200" y="771525"/>
+            <a:ext cx="8229600" cy="4371975"/>
           </a:xfrm>
           <a:prstGeom prst="rect">
             <a:avLst/>
@@ -11260,54 +10508,37 @@
           <a:bodyPr wrap="square" rtlCol="0" anchor="ctr"/>
           <a:lstStyle/>
           <a:p>
-            <a:pPr>
-              <a:buNone/>
-            </a:pPr>
-            <a:r>
-              <a:rPr lang="en-US" sz="3800" dirty="0" smtClean="0">
-                <a:solidFill>
-                  <a:srgbClr val="363636"/>
-                </a:solidFill>
-              </a:rPr>
-              <a:t>5-AS TORMENTAS SOBRE O MAR, ALELU...IA!
-</a:t>
-            </a:r>
-            <a:r>
-              <a:rPr lang="en-US" sz="3800" dirty="0" smtClean="0">
-                <a:solidFill>
-                  <a:srgbClr val="363636"/>
-                </a:solidFill>
-              </a:rPr>
-              <a:t/>
-            </a:r>
-            <a:r>
-              <a:rPr lang="en-US" sz="3800" dirty="0" smtClean="0">
-                <a:solidFill>
-                  <a:srgbClr val="363636"/>
-                </a:solidFill>
-              </a:rPr>
-              <a:t>VAMOS COM ELE PASSAR. ALELU...U...IA!
-</a:t>
-            </a:r>
-            <a:r>
-              <a:rPr lang="en-US" sz="3800" dirty="0" smtClean="0">
-                <a:solidFill>
-                  <a:srgbClr val="363636"/>
-                </a:solidFill>
-              </a:rPr>
-              <a:t/>
-            </a:r>
-            <a:r>
-              <a:rPr lang="en-US" sz="3800" dirty="0" smtClean="0">
-                <a:solidFill>
-                  <a:srgbClr val="363636"/>
-                </a:solidFill>
-              </a:rPr>
-              <a:t>
-</a:t>
-            </a:r>
-            <a:r>
-              <a:rPr lang="en-US" sz="3800" dirty="0" smtClean="0">
+            <a:pPr algn="ctr">
+              <a:buNone/>
+            </a:pPr>
+            <a:r>
+              <a:rPr lang="en-US" sz="4200" dirty="0" smtClean="0">
+                <a:solidFill>
+                  <a:srgbClr val="363636"/>
+                </a:solidFill>
+              </a:rPr>
+              <a:t>5-AS TORMENTAS SOBRE O MAR, ALELU...IA!</a:t>
+            </a:r>
+          </a:p>
+          <a:p>
+            <a:pPr algn="ctr">
+              <a:buNone/>
+            </a:pPr>
+            <a:r>
+              <a:rPr lang="en-US" sz="4200" dirty="0" smtClean="0">
+                <a:solidFill>
+                  <a:srgbClr val="363636"/>
+                </a:solidFill>
+              </a:rPr>
+              <a:t>VAMOS COM ELE PASSAR. ALELU...U...IA!</a:t>
+            </a:r>
+          </a:p>
+          <a:p>
+            <a:pPr algn="ctr">
+              <a:buNone/>
+            </a:pPr>
+            <a:r>
+              <a:rPr lang="en-US" sz="4200" dirty="0" smtClean="0">
                 <a:solidFill>
                   <a:srgbClr val="363636"/>
                 </a:solidFill>

--- a/slide-result/slide.pptx
+++ b/slide-result/slide.pptx
@@ -5055,8 +5055,8 @@
         </p:nvSpPr>
         <p:spPr>
           <a:xfrm>
-            <a:off x="2286000" y="257175"/>
-            <a:ext cx="6858000" cy="274320"/>
+            <a:off x="0" y="257175"/>
+            <a:ext cx="9144000" cy="274320"/>
           </a:xfrm>
           <a:prstGeom prst="rect">
             <a:avLst/>
@@ -5067,7 +5067,7 @@
           <a:bodyPr wrap="square" rtlCol="0" anchor="ctr"/>
           <a:lstStyle/>
           <a:p>
-            <a:pPr>
+            <a:pPr algn="ctr">
               <a:buNone/>
             </a:pPr>
             <a:r>
@@ -5090,8 +5090,8 @@
         </p:nvSpPr>
         <p:spPr>
           <a:xfrm>
-            <a:off x="914400" y="2743200"/>
-            <a:ext cx="6858000" cy="274320"/>
+            <a:off x="457200" y="771525"/>
+            <a:ext cx="8229600" cy="4371975"/>
           </a:xfrm>
           <a:prstGeom prst="rect">
             <a:avLst/>
@@ -5102,93 +5102,68 @@
           <a:bodyPr wrap="square" rtlCol="0" anchor="ctr"/>
           <a:lstStyle/>
           <a:p>
-            <a:pPr>
-              <a:buNone/>
-            </a:pPr>
-            <a:r>
-              <a:rPr lang="en-US" sz="2500" dirty="0" smtClean="0">
-                <a:solidFill>
-                  <a:srgbClr val="363636"/>
-                </a:solidFill>
-              </a:rPr>
-              <a:t>1ª Leitura - At 14,21b-27
-</a:t>
-            </a:r>
-            <a:r>
-              <a:rPr lang="en-US" sz="2500" dirty="0" smtClean="0">
-                <a:solidFill>
-                  <a:srgbClr val="363636"/>
-                </a:solidFill>
-              </a:rPr>
-              <a:t/>
-            </a:r>
-            <a:r>
-              <a:rPr lang="en-US" sz="2500" dirty="0" smtClean="0">
-                <a:solidFill>
-                  <a:srgbClr val="363636"/>
-                </a:solidFill>
-              </a:rPr>
-              <a:t>Salmo - Sl 144,8-9.10-11.12-13ab (R.cf.1)
-</a:t>
-            </a:r>
-            <a:r>
-              <a:rPr lang="en-US" sz="2500" dirty="0" smtClean="0">
-                <a:solidFill>
-                  <a:srgbClr val="363636"/>
-                </a:solidFill>
-              </a:rPr>
-              <a:t/>
-            </a:r>
-            <a:r>
-              <a:rPr lang="en-US" sz="2500" dirty="0" smtClean="0">
-                <a:solidFill>
-                  <a:srgbClr val="363636"/>
-                </a:solidFill>
-              </a:rPr>
-              <a:t>Bendirei eternamente vosso santo nome, ó Senhor.
-</a:t>
-            </a:r>
-            <a:r>
-              <a:rPr lang="en-US" sz="2500" dirty="0" smtClean="0">
-                <a:solidFill>
-                  <a:srgbClr val="363636"/>
-                </a:solidFill>
-              </a:rPr>
-              <a:t/>
-            </a:r>
-            <a:r>
-              <a:rPr lang="en-US" sz="2500" dirty="0" smtClean="0">
-                <a:solidFill>
-                  <a:srgbClr val="363636"/>
-                </a:solidFill>
-              </a:rPr>
-              <a:t>2ª Leitura - Ap 21,1-5a
-</a:t>
-            </a:r>
-            <a:r>
-              <a:rPr lang="en-US" sz="2500" dirty="0" smtClean="0">
-                <a:solidFill>
-                  <a:srgbClr val="363636"/>
-                </a:solidFill>
-              </a:rPr>
-              <a:t/>
-            </a:r>
-            <a:r>
-              <a:rPr lang="en-US" sz="2500" dirty="0" smtClean="0">
-                <a:solidFill>
-                  <a:srgbClr val="363636"/>
-                </a:solidFill>
-              </a:rPr>
-              <a:t>Evangelho - Jo 13,31-33a.34-35
-</a:t>
-            </a:r>
-            <a:r>
-              <a:rPr lang="en-US" sz="2500" dirty="0" smtClean="0">
-                <a:solidFill>
-                  <a:srgbClr val="363636"/>
-                </a:solidFill>
-              </a:rPr>
-              <a:t/>
+            <a:pPr algn="ctr">
+              <a:buNone/>
+            </a:pPr>
+            <a:r>
+              <a:rPr lang="en-US" sz="3000" dirty="0" smtClean="0">
+                <a:solidFill>
+                  <a:srgbClr val="363636"/>
+                </a:solidFill>
+              </a:rPr>
+              <a:t>1ª Leitura - At 14,21b-27</a:t>
+            </a:r>
+          </a:p>
+          <a:p>
+            <a:pPr algn="ctr">
+              <a:buNone/>
+            </a:pPr>
+            <a:r>
+              <a:rPr lang="en-US" sz="3000" dirty="0" smtClean="0">
+                <a:solidFill>
+                  <a:srgbClr val="363636"/>
+                </a:solidFill>
+              </a:rPr>
+              <a:t>Salmo - Sl 144,8-9.10-11.12-13ab (R.cf.1)</a:t>
+            </a:r>
+          </a:p>
+          <a:p>
+            <a:pPr algn="ctr">
+              <a:buNone/>
+            </a:pPr>
+            <a:r>
+              <a:rPr lang="en-US" sz="3000" dirty="0" smtClean="0">
+                <a:solidFill>
+                  <a:srgbClr val="8F1010"/>
+                </a:solidFill>
+              </a:rPr>
+              <a:t>Bendirei eternamente vosso santo nome, ó Senhor.</a:t>
+            </a:r>
+          </a:p>
+          <a:p>
+            <a:pPr algn="ctr">
+              <a:buNone/>
+            </a:pPr>
+            <a:r>
+              <a:rPr lang="en-US" sz="3000" dirty="0" smtClean="0">
+                <a:solidFill>
+                  <a:srgbClr val="363636"/>
+                </a:solidFill>
+              </a:rPr>
+              <a:t>2ª Leitura - Ap 21,1-5a</a:t>
+            </a:r>
+          </a:p>
+          <a:p>
+            <a:pPr algn="ctr">
+              <a:buNone/>
+            </a:pPr>
+            <a:r>
+              <a:rPr lang="en-US" sz="3000" dirty="0" smtClean="0">
+                <a:solidFill>
+                  <a:srgbClr val="363636"/>
+                </a:solidFill>
+              </a:rPr>
+              <a:t>Evangelho - Jo 13,31-33a.34-35</a:t>
             </a:r>
             <a:endParaRPr lang="en-US" dirty="0"/>
           </a:p>
@@ -5292,7 +5267,7 @@
               <a:buNone/>
             </a:pPr>
             <a:r>
-              <a:rPr lang="en-US" b="1" sz="1800" dirty="0" smtClean="0">
+              <a:rPr lang="en-US" b="1" sz="2000" dirty="0" smtClean="0">
                 <a:solidFill>
                   <a:srgbClr val="8F1010"/>
                 </a:solidFill>
@@ -5514,7 +5489,7 @@
               <a:buNone/>
             </a:pPr>
             <a:r>
-              <a:rPr lang="en-US" b="1" sz="1800" dirty="0" smtClean="0">
+              <a:rPr lang="en-US" b="1" sz="2000" dirty="0" smtClean="0">
                 <a:solidFill>
                   <a:srgbClr val="8F1010"/>
                 </a:solidFill>
@@ -5713,7 +5688,7 @@
               <a:buNone/>
             </a:pPr>
             <a:r>
-              <a:rPr lang="en-US" b="1" sz="1800" dirty="0" smtClean="0">
+              <a:rPr lang="en-US" b="1" sz="2000" dirty="0" smtClean="0">
                 <a:solidFill>
                   <a:srgbClr val="8F1010"/>
                 </a:solidFill>
@@ -5961,7 +5936,7 @@
               <a:buNone/>
             </a:pPr>
             <a:r>
-              <a:rPr lang="en-US" b="1" sz="1800" dirty="0" smtClean="0">
+              <a:rPr lang="en-US" b="1" sz="2000" dirty="0" smtClean="0">
                 <a:solidFill>
                   <a:srgbClr val="8F1010"/>
                 </a:solidFill>
@@ -6157,7 +6132,7 @@
               <a:buNone/>
             </a:pPr>
             <a:r>
-              <a:rPr lang="en-US" b="1" sz="1800" dirty="0" smtClean="0">
+              <a:rPr lang="en-US" b="1" sz="2000" dirty="0" smtClean="0">
                 <a:solidFill>
                   <a:srgbClr val="8F1010"/>
                 </a:solidFill>
@@ -6291,7 +6266,7 @@
               <a:buNone/>
             </a:pPr>
             <a:r>
-              <a:rPr lang="en-US" b="1" sz="1800" dirty="0" smtClean="0">
+              <a:rPr lang="en-US" b="1" sz="2000" dirty="0" smtClean="0">
                 <a:solidFill>
                   <a:srgbClr val="8F1010"/>
                 </a:solidFill>
@@ -6438,7 +6413,7 @@
               <a:buNone/>
             </a:pPr>
             <a:r>
-              <a:rPr lang="en-US" b="1" sz="1800" dirty="0" smtClean="0">
+              <a:rPr lang="en-US" b="1" sz="2000" dirty="0" smtClean="0">
                 <a:solidFill>
                   <a:srgbClr val="8F1010"/>
                 </a:solidFill>
@@ -6608,7 +6583,7 @@
               <a:buNone/>
             </a:pPr>
             <a:r>
-              <a:rPr lang="en-US" b="1" sz="1800" dirty="0" smtClean="0">
+              <a:rPr lang="en-US" b="1" sz="2000" dirty="0" smtClean="0">
                 <a:solidFill>
                   <a:srgbClr val="8F1010"/>
                 </a:solidFill>
@@ -6794,7 +6769,7 @@
               <a:buNone/>
             </a:pPr>
             <a:r>
-              <a:rPr lang="en-US" b="1" sz="1800" dirty="0" smtClean="0">
+              <a:rPr lang="en-US" b="1" sz="2000" dirty="0" smtClean="0">
                 <a:solidFill>
                   <a:srgbClr val="8F1010"/>
                 </a:solidFill>
@@ -6928,7 +6903,7 @@
               <a:buNone/>
             </a:pPr>
             <a:r>
-              <a:rPr lang="en-US" b="1" sz="1800" dirty="0" smtClean="0">
+              <a:rPr lang="en-US" b="1" sz="2000" dirty="0" smtClean="0">
                 <a:solidFill>
                   <a:srgbClr val="8F1010"/>
                 </a:solidFill>
@@ -7111,7 +7086,7 @@
               <a:buNone/>
             </a:pPr>
             <a:r>
-              <a:rPr lang="en-US" b="1" sz="1800" dirty="0" smtClean="0">
+              <a:rPr lang="en-US" b="1" sz="2000" dirty="0" smtClean="0">
                 <a:solidFill>
                   <a:srgbClr val="8F1010"/>
                 </a:solidFill>
@@ -7307,7 +7282,7 @@
               <a:buNone/>
             </a:pPr>
             <a:r>
-              <a:rPr lang="en-US" b="1" sz="1800" dirty="0" smtClean="0">
+              <a:rPr lang="en-US" b="1" sz="2000" dirty="0" smtClean="0">
                 <a:solidFill>
                   <a:srgbClr val="8F1010"/>
                 </a:solidFill>
@@ -7480,7 +7455,7 @@
               <a:buNone/>
             </a:pPr>
             <a:r>
-              <a:rPr lang="en-US" b="1" sz="1800" dirty="0" smtClean="0">
+              <a:rPr lang="en-US" b="1" sz="2000" dirty="0" smtClean="0">
                 <a:solidFill>
                   <a:srgbClr val="8F1010"/>
                 </a:solidFill>
@@ -7653,7 +7628,7 @@
               <a:buNone/>
             </a:pPr>
             <a:r>
-              <a:rPr lang="en-US" b="1" sz="1800" dirty="0" smtClean="0">
+              <a:rPr lang="en-US" b="1" sz="2000" dirty="0" smtClean="0">
                 <a:solidFill>
                   <a:srgbClr val="8F1010"/>
                 </a:solidFill>
@@ -7859,7 +7834,7 @@
               <a:buNone/>
             </a:pPr>
             <a:r>
-              <a:rPr lang="en-US" b="1" sz="1800" dirty="0" smtClean="0">
+              <a:rPr lang="en-US" b="1" sz="2000" dirty="0" smtClean="0">
                 <a:solidFill>
                   <a:srgbClr val="8F1010"/>
                 </a:solidFill>
@@ -8068,7 +8043,7 @@
               <a:buNone/>
             </a:pPr>
             <a:r>
-              <a:rPr lang="en-US" b="1" sz="1800" dirty="0" smtClean="0">
+              <a:rPr lang="en-US" b="1" sz="2000" dirty="0" smtClean="0">
                 <a:solidFill>
                   <a:srgbClr val="8F1010"/>
                 </a:solidFill>
@@ -8189,7 +8164,7 @@
               <a:buNone/>
             </a:pPr>
             <a:r>
-              <a:rPr lang="en-US" b="1" sz="1800" dirty="0" smtClean="0">
+              <a:rPr lang="en-US" b="1" sz="2000" dirty="0" smtClean="0">
                 <a:solidFill>
                   <a:srgbClr val="8F1010"/>
                 </a:solidFill>
@@ -8323,7 +8298,7 @@
               <a:buNone/>
             </a:pPr>
             <a:r>
-              <a:rPr lang="en-US" b="1" sz="1800" dirty="0" smtClean="0">
+              <a:rPr lang="en-US" b="1" sz="2000" dirty="0" smtClean="0">
                 <a:solidFill>
                   <a:srgbClr val="8F1010"/>
                 </a:solidFill>
@@ -8457,7 +8432,7 @@
               <a:buNone/>
             </a:pPr>
             <a:r>
-              <a:rPr lang="en-US" b="1" sz="1800" dirty="0" smtClean="0">
+              <a:rPr lang="en-US" b="1" sz="2000" dirty="0" smtClean="0">
                 <a:solidFill>
                   <a:srgbClr val="8F1010"/>
                 </a:solidFill>
@@ -8591,7 +8566,7 @@
               <a:buNone/>
             </a:pPr>
             <a:r>
-              <a:rPr lang="en-US" b="1" sz="1800" dirty="0" smtClean="0">
+              <a:rPr lang="en-US" b="1" sz="2000" dirty="0" smtClean="0">
                 <a:solidFill>
                   <a:srgbClr val="8F1010"/>
                 </a:solidFill>
@@ -8725,7 +8700,7 @@
               <a:buNone/>
             </a:pPr>
             <a:r>
-              <a:rPr lang="en-US" b="1" sz="1800" dirty="0" smtClean="0">
+              <a:rPr lang="en-US" b="1" sz="2000" dirty="0" smtClean="0">
                 <a:solidFill>
                   <a:srgbClr val="8F1010"/>
                 </a:solidFill>
@@ -8908,7 +8883,7 @@
               <a:buNone/>
             </a:pPr>
             <a:r>
-              <a:rPr lang="en-US" b="1" sz="1800" dirty="0" smtClean="0">
+              <a:rPr lang="en-US" b="1" sz="2000" dirty="0" smtClean="0">
                 <a:solidFill>
                   <a:srgbClr val="8F1010"/>
                 </a:solidFill>
@@ -9029,7 +9004,7 @@
               <a:buNone/>
             </a:pPr>
             <a:r>
-              <a:rPr lang="en-US" b="1" sz="1800" dirty="0" smtClean="0">
+              <a:rPr lang="en-US" b="1" sz="2000" dirty="0" smtClean="0">
                 <a:solidFill>
                   <a:srgbClr val="8F1010"/>
                 </a:solidFill>
@@ -9176,7 +9151,7 @@
               <a:buNone/>
             </a:pPr>
             <a:r>
-              <a:rPr lang="en-US" b="1" sz="1800" dirty="0" smtClean="0">
+              <a:rPr lang="en-US" b="1" sz="2000" dirty="0" smtClean="0">
                 <a:solidFill>
                   <a:srgbClr val="8F1010"/>
                 </a:solidFill>
@@ -9297,7 +9272,7 @@
               <a:buNone/>
             </a:pPr>
             <a:r>
-              <a:rPr lang="en-US" b="1" sz="1800" dirty="0" smtClean="0">
+              <a:rPr lang="en-US" b="1" sz="2000" dirty="0" smtClean="0">
                 <a:solidFill>
                   <a:srgbClr val="8F1010"/>
                 </a:solidFill>
@@ -9454,7 +9429,7 @@
               <a:buNone/>
             </a:pPr>
             <a:r>
-              <a:rPr lang="en-US" b="1" sz="1800" dirty="0" smtClean="0">
+              <a:rPr lang="en-US" b="1" sz="2000" dirty="0" smtClean="0">
                 <a:solidFill>
                   <a:srgbClr val="8F1010"/>
                 </a:solidFill>
@@ -9601,7 +9576,7 @@
               <a:buNone/>
             </a:pPr>
             <a:r>
-              <a:rPr lang="en-US" b="1" sz="1800" dirty="0" smtClean="0">
+              <a:rPr lang="en-US" b="1" sz="2000" dirty="0" smtClean="0">
                 <a:solidFill>
                   <a:srgbClr val="8F1010"/>
                 </a:solidFill>
@@ -9748,7 +9723,7 @@
               <a:buNone/>
             </a:pPr>
             <a:r>
-              <a:rPr lang="en-US" b="1" sz="1800" dirty="0" smtClean="0">
+              <a:rPr lang="en-US" b="1" sz="2000" dirty="0" smtClean="0">
                 <a:solidFill>
                   <a:srgbClr val="8F1010"/>
                 </a:solidFill>
@@ -9993,7 +9968,7 @@
               <a:buNone/>
             </a:pPr>
             <a:r>
-              <a:rPr lang="en-US" b="1" sz="1800" dirty="0" smtClean="0">
+              <a:rPr lang="en-US" b="1" sz="2000" dirty="0" smtClean="0">
                 <a:solidFill>
                   <a:srgbClr val="8F1010"/>
                 </a:solidFill>
@@ -10114,7 +10089,7 @@
               <a:buNone/>
             </a:pPr>
             <a:r>
-              <a:rPr lang="en-US" b="1" sz="1800" dirty="0" smtClean="0">
+              <a:rPr lang="en-US" b="1" sz="2000" dirty="0" smtClean="0">
                 <a:solidFill>
                   <a:srgbClr val="8F1010"/>
                 </a:solidFill>
@@ -10235,7 +10210,7 @@
               <a:buNone/>
             </a:pPr>
             <a:r>
-              <a:rPr lang="en-US" b="1" sz="1800" dirty="0" smtClean="0">
+              <a:rPr lang="en-US" b="1" sz="2000" dirty="0" smtClean="0">
                 <a:solidFill>
                   <a:srgbClr val="8F1010"/>
                 </a:solidFill>
@@ -10356,7 +10331,7 @@
               <a:buNone/>
             </a:pPr>
             <a:r>
-              <a:rPr lang="en-US" b="1" sz="1800" dirty="0" smtClean="0">
+              <a:rPr lang="en-US" b="1" sz="2000" dirty="0" smtClean="0">
                 <a:solidFill>
                   <a:srgbClr val="8F1010"/>
                 </a:solidFill>
@@ -10477,7 +10452,7 @@
               <a:buNone/>
             </a:pPr>
             <a:r>
-              <a:rPr lang="en-US" b="1" sz="1800" dirty="0" smtClean="0">
+              <a:rPr lang="en-US" b="1" sz="2000" dirty="0" smtClean="0">
                 <a:solidFill>
                   <a:srgbClr val="8F1010"/>
                 </a:solidFill>

--- a/slide-result/slide.pptx
+++ b/slide-result/slide.pptx
@@ -5076,7 +5076,7 @@
                   <a:srgbClr val="8F1010"/>
                 </a:solidFill>
               </a:rPr>
-              <a:t>5º Domingo  da Páscoa</a:t>
+              <a:t>6º Domingo  da Páscoa</a:t>
             </a:r>
             <a:endParaRPr lang="en-US" dirty="0"/>
           </a:p>
@@ -5111,7 +5111,7 @@
                   <a:srgbClr val="363636"/>
                 </a:solidFill>
               </a:rPr>
-              <a:t>1ª Leitura - At 14,21b-27</a:t>
+              <a:t>1ª Leitura - At 15,1-2.22-29</a:t>
             </a:r>
           </a:p>
           <a:p>
@@ -5124,7 +5124,7 @@
                   <a:srgbClr val="363636"/>
                 </a:solidFill>
               </a:rPr>
-              <a:t>Salmo - Sl 144,8-9.10-11.12-13ab (R.cf.1)</a:t>
+              <a:t>Salmo - Sl 66,2-3.5.6.8 (R. 4)</a:t>
             </a:r>
           </a:p>
           <a:p>
@@ -5137,7 +5137,7 @@
                   <a:srgbClr val="8F1010"/>
                 </a:solidFill>
               </a:rPr>
-              <a:t>Bendirei eternamente vosso santo nome, ó Senhor.</a:t>
+              <a:t> Que as nações vos glorifiquem, ó Senhor, que todas as nações vos glorifiquem!</a:t>
             </a:r>
           </a:p>
           <a:p>
@@ -5150,7 +5150,7 @@
                   <a:srgbClr val="363636"/>
                 </a:solidFill>
               </a:rPr>
-              <a:t>2ª Leitura - Ap 21,1-5a</a:t>
+              <a:t>2ª Leitura - Ap 21,10-14.22-23</a:t>
             </a:r>
           </a:p>
           <a:p>
@@ -5163,7 +5163,7 @@
                   <a:srgbClr val="363636"/>
                 </a:solidFill>
               </a:rPr>
-              <a:t>Evangelho - Jo 13,31-33a.34-35</a:t>
+              <a:t>Evangelho - Jo 14,23-29</a:t>
             </a:r>
             <a:endParaRPr lang="en-US" dirty="0"/>
           </a:p>

--- a/slide-result/slide.pptx
+++ b/slide-result/slide.pptx
@@ -53,9 +53,11 @@
     <p:sldId id="301" r:id="rId47"/>
     <p:sldId id="302" r:id="rId48"/>
     <p:sldId id="303" r:id="rId49"/>
+    <p:sldId id="304" r:id="rId50"/>
+    <p:sldId id="305" r:id="rId51"/>
   </p:sldIdLst>
   <p:notesMasterIdLst>
-    <p:notesMasterId r:id="rId54"/>
+    <p:notesMasterId r:id="rId56"/>
   </p:notesMasterIdLst>
   <p:sldSz cx="9144000" cy="5143500" type="screen16x9"/>
   <p:notesSz cx="5143500" cy="9144000"/>
@@ -4288,6 +4290,94 @@
 </p:notes>
 </file>
 
+<file path=ppt/notesSlides/notesSlide49.xml><?xml version="1.0" encoding="utf-8"?>
+<p:notes xmlns:a="http://schemas.openxmlformats.org/drawingml/2006/main" xmlns:r="http://schemas.openxmlformats.org/officeDocument/2006/relationships" xmlns:p="http://schemas.openxmlformats.org/presentationml/2006/main">
+  <p:cSld>
+    <p:spTree>
+      <p:nvGrpSpPr>
+        <p:cNvPr id="1" name=""/>
+        <p:cNvGrpSpPr/>
+        <p:nvPr/>
+      </p:nvGrpSpPr>
+      <p:grpSpPr>
+        <a:xfrm>
+          <a:off x="0" y="0"/>
+          <a:ext cx="0" cy="0"/>
+          <a:chOff x="0" y="0"/>
+          <a:chExt cx="0" cy="0"/>
+        </a:xfrm>
+      </p:grpSpPr>
+      <p:sp>
+        <p:nvSpPr>
+          <p:cNvPr id="2" name="Slide Image Placeholder 1"/>
+          <p:cNvSpPr>
+            <a:spLocks noGrp="1" noRot="1" noChangeAspect="1"/>
+          </p:cNvSpPr>
+          <p:nvPr>
+            <p:ph type="sldImg"/>
+          </p:nvPr>
+        </p:nvSpPr>
+        <p:spPr/>
+      </p:sp>
+      <p:sp>
+        <p:nvSpPr>
+          <p:cNvPr id="3" name="Notes Placeholder 2"/>
+          <p:cNvSpPr>
+            <a:spLocks noGrp="1"/>
+          </p:cNvSpPr>
+          <p:nvPr>
+            <p:ph type="body" idx="1"/>
+          </p:nvPr>
+        </p:nvSpPr>
+        <p:spPr/>
+        <p:txBody>
+          <a:bodyPr/>
+          <a:lstStyle/>
+          <a:p>
+            <a:r>
+              <a:rPr lang="en-US" dirty="0" smtClean="0"/>
+              <a:t/>
+            </a:r>
+            <a:endParaRPr lang="en-US" dirty="0"/>
+          </a:p>
+        </p:txBody>
+      </p:sp>
+      <p:sp>
+        <p:nvSpPr>
+          <p:cNvPr id="4" name="Slide Number Placeholder 3"/>
+          <p:cNvSpPr>
+            <a:spLocks noGrp="1"/>
+          </p:cNvSpPr>
+          <p:nvPr>
+            <p:ph type="sldNum" sz="quarter" idx="10"/>
+          </p:nvPr>
+        </p:nvSpPr>
+        <p:spPr/>
+        <p:txBody>
+          <a:bodyPr/>
+          <a:lstStyle/>
+          <a:p>
+            <a:fld id="{F7021451-1387-4CA6-816F-3879F97B5CBC}" type="slidenum">
+              <a:rPr lang="en-US" smtClean="0"/>
+              <a:t>49</a:t>
+            </a:fld>
+            <a:endParaRPr lang="en-US"/>
+          </a:p>
+        </p:txBody>
+      </p:sp>
+    </p:spTree>
+    <p:extLst>
+      <p:ext uri="{BB962C8B-B14F-4D97-AF65-F5344CB8AC3E}">
+        <p14:creationId xmlns:p14="http://schemas.microsoft.com/office/powerpoint/2010/main" val="1024086991"/>
+      </p:ext>
+    </p:extLst>
+  </p:cSld>
+  <p:clrMapOvr>
+    <a:masterClrMapping/>
+  </p:clrMapOvr>
+</p:notes>
+</file>
+
 <file path=ppt/notesSlides/notesSlide5.xml><?xml version="1.0" encoding="utf-8"?>
 <p:notes xmlns:a="http://schemas.openxmlformats.org/drawingml/2006/main" xmlns:r="http://schemas.openxmlformats.org/officeDocument/2006/relationships" xmlns:p="http://schemas.openxmlformats.org/presentationml/2006/main">
   <p:cSld>
@@ -4358,6 +4448,94 @@
             <a:fld id="{F7021451-1387-4CA6-816F-3879F97B5CBC}" type="slidenum">
               <a:rPr lang="en-US" smtClean="0"/>
               <a:t>5</a:t>
+            </a:fld>
+            <a:endParaRPr lang="en-US"/>
+          </a:p>
+        </p:txBody>
+      </p:sp>
+    </p:spTree>
+    <p:extLst>
+      <p:ext uri="{BB962C8B-B14F-4D97-AF65-F5344CB8AC3E}">
+        <p14:creationId xmlns:p14="http://schemas.microsoft.com/office/powerpoint/2010/main" val="1024086991"/>
+      </p:ext>
+    </p:extLst>
+  </p:cSld>
+  <p:clrMapOvr>
+    <a:masterClrMapping/>
+  </p:clrMapOvr>
+</p:notes>
+</file>
+
+<file path=ppt/notesSlides/notesSlide50.xml><?xml version="1.0" encoding="utf-8"?>
+<p:notes xmlns:a="http://schemas.openxmlformats.org/drawingml/2006/main" xmlns:r="http://schemas.openxmlformats.org/officeDocument/2006/relationships" xmlns:p="http://schemas.openxmlformats.org/presentationml/2006/main">
+  <p:cSld>
+    <p:spTree>
+      <p:nvGrpSpPr>
+        <p:cNvPr id="1" name=""/>
+        <p:cNvGrpSpPr/>
+        <p:nvPr/>
+      </p:nvGrpSpPr>
+      <p:grpSpPr>
+        <a:xfrm>
+          <a:off x="0" y="0"/>
+          <a:ext cx="0" cy="0"/>
+          <a:chOff x="0" y="0"/>
+          <a:chExt cx="0" cy="0"/>
+        </a:xfrm>
+      </p:grpSpPr>
+      <p:sp>
+        <p:nvSpPr>
+          <p:cNvPr id="2" name="Slide Image Placeholder 1"/>
+          <p:cNvSpPr>
+            <a:spLocks noGrp="1" noRot="1" noChangeAspect="1"/>
+          </p:cNvSpPr>
+          <p:nvPr>
+            <p:ph type="sldImg"/>
+          </p:nvPr>
+        </p:nvSpPr>
+        <p:spPr/>
+      </p:sp>
+      <p:sp>
+        <p:nvSpPr>
+          <p:cNvPr id="3" name="Notes Placeholder 2"/>
+          <p:cNvSpPr>
+            <a:spLocks noGrp="1"/>
+          </p:cNvSpPr>
+          <p:nvPr>
+            <p:ph type="body" idx="1"/>
+          </p:nvPr>
+        </p:nvSpPr>
+        <p:spPr/>
+        <p:txBody>
+          <a:bodyPr/>
+          <a:lstStyle/>
+          <a:p>
+            <a:r>
+              <a:rPr lang="en-US" dirty="0" smtClean="0"/>
+              <a:t/>
+            </a:r>
+            <a:endParaRPr lang="en-US" dirty="0"/>
+          </a:p>
+        </p:txBody>
+      </p:sp>
+      <p:sp>
+        <p:nvSpPr>
+          <p:cNvPr id="4" name="Slide Number Placeholder 3"/>
+          <p:cNvSpPr>
+            <a:spLocks noGrp="1"/>
+          </p:cNvSpPr>
+          <p:nvPr>
+            <p:ph type="sldNum" sz="quarter" idx="10"/>
+          </p:nvPr>
+        </p:nvSpPr>
+        <p:spPr/>
+        <p:txBody>
+          <a:bodyPr/>
+          <a:lstStyle/>
+          <a:p>
+            <a:fld id="{F7021451-1387-4CA6-816F-3879F97B5CBC}" type="slidenum">
+              <a:rPr lang="en-US" smtClean="0"/>
+              <a:t>50</a:t>
             </a:fld>
             <a:endParaRPr lang="en-US"/>
           </a:p>
@@ -5211,7 +5389,7 @@
         <p:spPr>
           <a:xfrm>
             <a:off x="0" y="0"/>
-            <a:ext cx="9144000" cy="5486400"/>
+            <a:ext cx="9144000" cy="5143500"/>
           </a:xfrm>
           <a:prstGeom prst="rect">
             <a:avLst/>
@@ -5433,7 +5611,7 @@
         <p:spPr>
           <a:xfrm>
             <a:off x="0" y="0"/>
-            <a:ext cx="9144000" cy="5486400"/>
+            <a:ext cx="9144000" cy="5143500"/>
           </a:xfrm>
           <a:prstGeom prst="rect">
             <a:avLst/>
@@ -5880,7 +6058,7 @@
         <p:spPr>
           <a:xfrm>
             <a:off x="0" y="0"/>
-            <a:ext cx="9144000" cy="5486400"/>
+            <a:ext cx="9144000" cy="5143500"/>
           </a:xfrm>
           <a:prstGeom prst="rect">
             <a:avLst/>
@@ -5941,7 +6119,7 @@
                   <a:srgbClr val="8F1010"/>
                 </a:solidFill>
               </a:rPr>
-              <a:t>HINOS  DA PALAVRA</a:t>
+              <a:t>HINOS DA PALAVRA</a:t>
             </a:r>
             <a:endParaRPr lang="en-US" dirty="0"/>
           </a:p>
@@ -6076,7 +6254,7 @@
         <p:spPr>
           <a:xfrm>
             <a:off x="0" y="0"/>
-            <a:ext cx="9144000" cy="5486400"/>
+            <a:ext cx="9144000" cy="5143500"/>
           </a:xfrm>
           <a:prstGeom prst="rect">
             <a:avLst/>
@@ -6137,7 +6315,7 @@
                   <a:srgbClr val="8F1010"/>
                 </a:solidFill>
               </a:rPr>
-              <a:t>ACLAMAÇÃO</a:t>
+              <a:t>Salmo</a:t>
             </a:r>
             <a:endParaRPr lang="en-US" dirty="0"/>
           </a:p>
@@ -6167,51 +6345,12 @@
               <a:buNone/>
             </a:pPr>
             <a:r>
-              <a:rPr lang="en-US" sz="4000" dirty="0" smtClean="0">
-                <a:solidFill>
-                  <a:srgbClr val="363636"/>
-                </a:solidFill>
-              </a:rPr>
-              <a:t>ALELUIA, ALELUIA, ALELUIA, ALELUIA!</a:t>
-            </a:r>
-          </a:p>
-          <a:p>
-            <a:pPr algn="ctr">
-              <a:buNone/>
-            </a:pPr>
-            <a:r>
-              <a:rPr lang="en-US" sz="4000" dirty="0" smtClean="0">
-                <a:solidFill>
-                  <a:srgbClr val="363636"/>
-                </a:solidFill>
-              </a:rPr>
-              <a:t>ALELUIA, ALELUIA, ALELUIA,</a:t>
-            </a:r>
-          </a:p>
-          <a:p>
-            <a:pPr algn="ctr">
-              <a:buNone/>
-            </a:pPr>
-            <a:r>
-              <a:rPr lang="en-US" sz="4000" dirty="0" smtClean="0">
-                <a:solidFill>
-                  <a:srgbClr val="363636"/>
-                </a:solidFill>
-              </a:rPr>
-              <a:t>ALELUIA, ALELUIA, ALELUIA, ALELUIA!</a:t>
-            </a:r>
-          </a:p>
-          <a:p>
-            <a:pPr algn="ctr">
-              <a:buNone/>
-            </a:pPr>
-            <a:r>
-              <a:rPr lang="en-US" sz="4000" dirty="0" smtClean="0">
-                <a:solidFill>
-                  <a:srgbClr val="363636"/>
-                </a:solidFill>
-              </a:rPr>
-              <a:t/>
+              <a:rPr lang="en-US" sz="4200" dirty="0" smtClean="0">
+                <a:solidFill>
+                  <a:srgbClr val="363636"/>
+                </a:solidFill>
+              </a:rPr>
+              <a:t> Que as nações vos glorifiquem, ó Senhor, que todas as nações vos glorifiquem!</a:t>
             </a:r>
             <a:endParaRPr lang="en-US" dirty="0"/>
           </a:p>
@@ -6228,274 +6367,6 @@
 <file path=ppt/slides/slide19.xml><?xml version="1.0" encoding="utf-8"?>
 <p:sld xmlns:a="http://schemas.openxmlformats.org/drawingml/2006/main" xmlns:r="http://schemas.openxmlformats.org/officeDocument/2006/relationships" xmlns:p="http://schemas.openxmlformats.org/presentationml/2006/main">
   <p:cSld name="Slide 19">
-    <p:spTree>
-      <p:nvGrpSpPr>
-        <p:cNvPr id="1" name=""/>
-        <p:cNvGrpSpPr/>
-        <p:nvPr/>
-      </p:nvGrpSpPr>
-      <p:grpSpPr>
-        <a:xfrm>
-          <a:off x="0" y="0"/>
-          <a:ext cx="0" cy="0"/>
-          <a:chOff x="0" y="0"/>
-          <a:chExt cx="0" cy="0"/>
-        </a:xfrm>
-      </p:grpSpPr>
-      <p:sp>
-        <p:nvSpPr>
-          <p:cNvPr id="2" name="Object 1"/>
-          <p:cNvSpPr/>
-          <p:nvPr/>
-        </p:nvSpPr>
-        <p:spPr>
-          <a:xfrm>
-            <a:off x="0" y="257175"/>
-            <a:ext cx="9144000" cy="274320"/>
-          </a:xfrm>
-          <a:prstGeom prst="rect">
-            <a:avLst/>
-          </a:prstGeom>
-          <a:noFill/>
-        </p:spPr>
-        <p:txBody>
-          <a:bodyPr wrap="square" rtlCol="0" anchor="ctr"/>
-          <a:lstStyle/>
-          <a:p>
-            <a:pPr algn="ctr">
-              <a:buNone/>
-            </a:pPr>
-            <a:r>
-              <a:rPr lang="en-US" b="1" sz="2000" dirty="0" smtClean="0">
-                <a:solidFill>
-                  <a:srgbClr val="8F1010"/>
-                </a:solidFill>
-              </a:rPr>
-              <a:t>ACLAMAÇÃO</a:t>
-            </a:r>
-            <a:endParaRPr lang="en-US" dirty="0"/>
-          </a:p>
-        </p:txBody>
-      </p:sp>
-      <p:sp>
-        <p:nvSpPr>
-          <p:cNvPr id="3" name="Object 2"/>
-          <p:cNvSpPr/>
-          <p:nvPr/>
-        </p:nvSpPr>
-        <p:spPr>
-          <a:xfrm>
-            <a:off x="457200" y="771525"/>
-            <a:ext cx="8229600" cy="4371975"/>
-          </a:xfrm>
-          <a:prstGeom prst="rect">
-            <a:avLst/>
-          </a:prstGeom>
-          <a:noFill/>
-        </p:spPr>
-        <p:txBody>
-          <a:bodyPr wrap="square" rtlCol="0" anchor="ctr"/>
-          <a:lstStyle/>
-          <a:p>
-            <a:pPr algn="ctr">
-              <a:buNone/>
-            </a:pPr>
-            <a:r>
-              <a:rPr lang="en-US" sz="3900" dirty="0" smtClean="0">
-                <a:solidFill>
-                  <a:srgbClr val="363636"/>
-                </a:solidFill>
-              </a:rPr>
-              <a:t>4º domingo da Páscoa:</a:t>
-            </a:r>
-          </a:p>
-          <a:p>
-            <a:pPr algn="ctr">
-              <a:buNone/>
-            </a:pPr>
-            <a:r>
-              <a:rPr lang="en-US" sz="3900" dirty="0" smtClean="0">
-                <a:solidFill>
-                  <a:srgbClr val="363636"/>
-                </a:solidFill>
-              </a:rPr>
-              <a:t>EU SOU O BOM PASTOR, DIZ O SENHOR,</a:t>
-            </a:r>
-          </a:p>
-          <a:p>
-            <a:pPr algn="ctr">
-              <a:buNone/>
-            </a:pPr>
-            <a:r>
-              <a:rPr lang="en-US" sz="3900" dirty="0" smtClean="0">
-                <a:solidFill>
-                  <a:srgbClr val="363636"/>
-                </a:solidFill>
-              </a:rPr>
-              <a:t>EU CONHEÇO AS MINHAS OVELHAS E ELAS ME</a:t>
-            </a:r>
-          </a:p>
-          <a:p>
-            <a:pPr algn="ctr">
-              <a:buNone/>
-            </a:pPr>
-            <a:r>
-              <a:rPr lang="en-US" sz="3900" dirty="0" smtClean="0">
-                <a:solidFill>
-                  <a:srgbClr val="363636"/>
-                </a:solidFill>
-              </a:rPr>
-              <a:t>CONHECEM A MIM.</a:t>
-            </a:r>
-          </a:p>
-          <a:p>
-            <a:pPr algn="ctr">
-              <a:buNone/>
-            </a:pPr>
-            <a:r>
-              <a:rPr lang="en-US" sz="3900" dirty="0" smtClean="0">
-                <a:solidFill>
-                  <a:srgbClr val="363636"/>
-                </a:solidFill>
-              </a:rPr>
-              <a:t/>
-            </a:r>
-            <a:endParaRPr lang="en-US" dirty="0"/>
-          </a:p>
-        </p:txBody>
-      </p:sp>
-    </p:spTree>
-  </p:cSld>
-  <p:clrMapOvr>
-    <a:masterClrMapping/>
-  </p:clrMapOvr>
-</p:sld>
-</file>
-
-<file path=ppt/slides/slide2.xml><?xml version="1.0" encoding="utf-8"?>
-<p:sld xmlns:a="http://schemas.openxmlformats.org/drawingml/2006/main" xmlns:r="http://schemas.openxmlformats.org/officeDocument/2006/relationships" xmlns:p="http://schemas.openxmlformats.org/presentationml/2006/main">
-  <p:cSld name="Slide 2">
-    <p:spTree>
-      <p:nvGrpSpPr>
-        <p:cNvPr id="1" name=""/>
-        <p:cNvGrpSpPr/>
-        <p:nvPr/>
-      </p:nvGrpSpPr>
-      <p:grpSpPr>
-        <a:xfrm>
-          <a:off x="0" y="0"/>
-          <a:ext cx="0" cy="0"/>
-          <a:chOff x="0" y="0"/>
-          <a:chExt cx="0" cy="0"/>
-        </a:xfrm>
-      </p:grpSpPr>
-      <p:sp>
-        <p:nvSpPr>
-          <p:cNvPr id="2" name="Object 1"/>
-          <p:cNvSpPr/>
-          <p:nvPr/>
-        </p:nvSpPr>
-        <p:spPr>
-          <a:xfrm>
-            <a:off x="0" y="257175"/>
-            <a:ext cx="9144000" cy="274320"/>
-          </a:xfrm>
-          <a:prstGeom prst="rect">
-            <a:avLst/>
-          </a:prstGeom>
-          <a:noFill/>
-        </p:spPr>
-        <p:txBody>
-          <a:bodyPr wrap="square" rtlCol="0" anchor="ctr"/>
-          <a:lstStyle/>
-          <a:p>
-            <a:pPr algn="ctr">
-              <a:buNone/>
-            </a:pPr>
-            <a:r>
-              <a:rPr lang="en-US" b="1" sz="2000" dirty="0" smtClean="0">
-                <a:solidFill>
-                  <a:srgbClr val="8F1010"/>
-                </a:solidFill>
-              </a:rPr>
-              <a:t>MEDITATIVO</a:t>
-            </a:r>
-            <a:endParaRPr lang="en-US" dirty="0"/>
-          </a:p>
-        </p:txBody>
-      </p:sp>
-      <p:sp>
-        <p:nvSpPr>
-          <p:cNvPr id="3" name="Object 2"/>
-          <p:cNvSpPr/>
-          <p:nvPr/>
-        </p:nvSpPr>
-        <p:spPr>
-          <a:xfrm>
-            <a:off x="457200" y="771525"/>
-            <a:ext cx="8229600" cy="4371975"/>
-          </a:xfrm>
-          <a:prstGeom prst="rect">
-            <a:avLst/>
-          </a:prstGeom>
-          <a:noFill/>
-        </p:spPr>
-        <p:txBody>
-          <a:bodyPr wrap="square" rtlCol="0" anchor="ctr"/>
-          <a:lstStyle/>
-          <a:p>
-            <a:pPr algn="ctr">
-              <a:buNone/>
-            </a:pPr>
-            <a:r>
-              <a:rPr lang="en-US" sz="4100" dirty="0" smtClean="0">
-                <a:solidFill>
-                  <a:srgbClr val="363636"/>
-                </a:solidFill>
-              </a:rPr>
-              <a:t>Ressucitou de verda....de,aleluia,aleuia</a:t>
-            </a:r>
-          </a:p>
-          <a:p>
-            <a:pPr algn="ctr">
-              <a:buNone/>
-            </a:pPr>
-            <a:r>
-              <a:rPr lang="en-US" sz="4100" dirty="0" smtClean="0">
-                <a:solidFill>
-                  <a:srgbClr val="363636"/>
-                </a:solidFill>
-              </a:rPr>
-              <a:t>Cristo Jesus ressucitou, aleluia,aleuia</a:t>
-            </a:r>
-          </a:p>
-          <a:p>
-            <a:pPr algn="ctr">
-              <a:buNone/>
-            </a:pPr>
-            <a:r>
-              <a:rPr lang="en-US" sz="4100" dirty="0" smtClean="0">
-                <a:solidFill>
-                  <a:srgbClr val="363636"/>
-                </a:solidFill>
-              </a:rPr>
-              <a:t/>
-            </a:r>
-            <a:endParaRPr lang="en-US" dirty="0"/>
-          </a:p>
-        </p:txBody>
-      </p:sp>
-    </p:spTree>
-  </p:cSld>
-  <p:clrMapOvr>
-    <a:masterClrMapping/>
-  </p:clrMapOvr>
-</p:sld>
-</file>
-
-<file path=ppt/slides/slide20.xml><?xml version="1.0" encoding="utf-8"?>
-<p:sld xmlns:a="http://schemas.openxmlformats.org/drawingml/2006/main" xmlns:r="http://schemas.openxmlformats.org/officeDocument/2006/relationships" xmlns:p="http://schemas.openxmlformats.org/presentationml/2006/main">
-  <p:cSld name="Slide 20">
     <p:spTree>
       <p:nvGrpSpPr>
         <p:cNvPr id="1" name=""/>
@@ -6527,13 +6398,268 @@
         <p:spPr>
           <a:xfrm>
             <a:off x="0" y="0"/>
-            <a:ext cx="9144000" cy="5486400"/>
+            <a:ext cx="9144000" cy="5143500"/>
           </a:xfrm>
           <a:prstGeom prst="rect">
             <a:avLst/>
           </a:prstGeom>
         </p:spPr>
       </p:pic>
+    </p:spTree>
+  </p:cSld>
+  <p:clrMapOvr>
+    <a:masterClrMapping/>
+  </p:clrMapOvr>
+</p:sld>
+</file>
+
+<file path=ppt/slides/slide2.xml><?xml version="1.0" encoding="utf-8"?>
+<p:sld xmlns:a="http://schemas.openxmlformats.org/drawingml/2006/main" xmlns:r="http://schemas.openxmlformats.org/officeDocument/2006/relationships" xmlns:p="http://schemas.openxmlformats.org/presentationml/2006/main">
+  <p:cSld name="Slide 2">
+    <p:spTree>
+      <p:nvGrpSpPr>
+        <p:cNvPr id="1" name=""/>
+        <p:cNvGrpSpPr/>
+        <p:nvPr/>
+      </p:nvGrpSpPr>
+      <p:grpSpPr>
+        <a:xfrm>
+          <a:off x="0" y="0"/>
+          <a:ext cx="0" cy="0"/>
+          <a:chOff x="0" y="0"/>
+          <a:chExt cx="0" cy="0"/>
+        </a:xfrm>
+      </p:grpSpPr>
+      <p:sp>
+        <p:nvSpPr>
+          <p:cNvPr id="2" name="Object 1"/>
+          <p:cNvSpPr/>
+          <p:nvPr/>
+        </p:nvSpPr>
+        <p:spPr>
+          <a:xfrm>
+            <a:off x="0" y="257175"/>
+            <a:ext cx="9144000" cy="274320"/>
+          </a:xfrm>
+          <a:prstGeom prst="rect">
+            <a:avLst/>
+          </a:prstGeom>
+          <a:noFill/>
+        </p:spPr>
+        <p:txBody>
+          <a:bodyPr wrap="square" rtlCol="0" anchor="ctr"/>
+          <a:lstStyle/>
+          <a:p>
+            <a:pPr algn="ctr">
+              <a:buNone/>
+            </a:pPr>
+            <a:r>
+              <a:rPr lang="en-US" b="1" sz="2000" dirty="0" smtClean="0">
+                <a:solidFill>
+                  <a:srgbClr val="8F1010"/>
+                </a:solidFill>
+              </a:rPr>
+              <a:t>MEDITATIVO</a:t>
+            </a:r>
+            <a:endParaRPr lang="en-US" dirty="0"/>
+          </a:p>
+        </p:txBody>
+      </p:sp>
+      <p:sp>
+        <p:nvSpPr>
+          <p:cNvPr id="3" name="Object 2"/>
+          <p:cNvSpPr/>
+          <p:nvPr/>
+        </p:nvSpPr>
+        <p:spPr>
+          <a:xfrm>
+            <a:off x="457200" y="771525"/>
+            <a:ext cx="8229600" cy="4371975"/>
+          </a:xfrm>
+          <a:prstGeom prst="rect">
+            <a:avLst/>
+          </a:prstGeom>
+          <a:noFill/>
+        </p:spPr>
+        <p:txBody>
+          <a:bodyPr wrap="square" rtlCol="0" anchor="ctr"/>
+          <a:lstStyle/>
+          <a:p>
+            <a:pPr algn="ctr">
+              <a:buNone/>
+            </a:pPr>
+            <a:r>
+              <a:rPr lang="en-US" sz="4100" dirty="0" smtClean="0">
+                <a:solidFill>
+                  <a:srgbClr val="363636"/>
+                </a:solidFill>
+              </a:rPr>
+              <a:t>Ressucitou de verda....de,aleluia,aleuia</a:t>
+            </a:r>
+          </a:p>
+          <a:p>
+            <a:pPr algn="ctr">
+              <a:buNone/>
+            </a:pPr>
+            <a:r>
+              <a:rPr lang="en-US" sz="4100" dirty="0" smtClean="0">
+                <a:solidFill>
+                  <a:srgbClr val="363636"/>
+                </a:solidFill>
+              </a:rPr>
+              <a:t>Cristo Jesus ressucitou, aleluia,aleuia</a:t>
+            </a:r>
+          </a:p>
+          <a:p>
+            <a:pPr algn="ctr">
+              <a:buNone/>
+            </a:pPr>
+            <a:r>
+              <a:rPr lang="en-US" sz="4100" dirty="0" smtClean="0">
+                <a:solidFill>
+                  <a:srgbClr val="363636"/>
+                </a:solidFill>
+              </a:rPr>
+              <a:t/>
+            </a:r>
+            <a:endParaRPr lang="en-US" dirty="0"/>
+          </a:p>
+        </p:txBody>
+      </p:sp>
+    </p:spTree>
+  </p:cSld>
+  <p:clrMapOvr>
+    <a:masterClrMapping/>
+  </p:clrMapOvr>
+</p:sld>
+</file>
+
+<file path=ppt/slides/slide20.xml><?xml version="1.0" encoding="utf-8"?>
+<p:sld xmlns:a="http://schemas.openxmlformats.org/drawingml/2006/main" xmlns:r="http://schemas.openxmlformats.org/officeDocument/2006/relationships" xmlns:p="http://schemas.openxmlformats.org/presentationml/2006/main">
+  <p:cSld name="Slide 20">
+    <p:spTree>
+      <p:nvGrpSpPr>
+        <p:cNvPr id="1" name=""/>
+        <p:cNvGrpSpPr/>
+        <p:nvPr/>
+      </p:nvGrpSpPr>
+      <p:grpSpPr>
+        <a:xfrm>
+          <a:off x="0" y="0"/>
+          <a:ext cx="0" cy="0"/>
+          <a:chOff x="0" y="0"/>
+          <a:chExt cx="0" cy="0"/>
+        </a:xfrm>
+      </p:grpSpPr>
+      <p:sp>
+        <p:nvSpPr>
+          <p:cNvPr id="2" name="Object 1"/>
+          <p:cNvSpPr/>
+          <p:nvPr/>
+        </p:nvSpPr>
+        <p:spPr>
+          <a:xfrm>
+            <a:off x="0" y="257175"/>
+            <a:ext cx="9144000" cy="274320"/>
+          </a:xfrm>
+          <a:prstGeom prst="rect">
+            <a:avLst/>
+          </a:prstGeom>
+          <a:noFill/>
+        </p:spPr>
+        <p:txBody>
+          <a:bodyPr wrap="square" rtlCol="0" anchor="ctr"/>
+          <a:lstStyle/>
+          <a:p>
+            <a:pPr algn="ctr">
+              <a:buNone/>
+            </a:pPr>
+            <a:r>
+              <a:rPr lang="en-US" b="1" sz="2000" dirty="0" smtClean="0">
+                <a:solidFill>
+                  <a:srgbClr val="8F1010"/>
+                </a:solidFill>
+              </a:rPr>
+              <a:t>ACLAMAÇÃO</a:t>
+            </a:r>
+            <a:endParaRPr lang="en-US" dirty="0"/>
+          </a:p>
+        </p:txBody>
+      </p:sp>
+      <p:sp>
+        <p:nvSpPr>
+          <p:cNvPr id="3" name="Object 2"/>
+          <p:cNvSpPr/>
+          <p:nvPr/>
+        </p:nvSpPr>
+        <p:spPr>
+          <a:xfrm>
+            <a:off x="457200" y="771525"/>
+            <a:ext cx="8229600" cy="4371975"/>
+          </a:xfrm>
+          <a:prstGeom prst="rect">
+            <a:avLst/>
+          </a:prstGeom>
+          <a:noFill/>
+        </p:spPr>
+        <p:txBody>
+          <a:bodyPr wrap="square" rtlCol="0" anchor="ctr"/>
+          <a:lstStyle/>
+          <a:p>
+            <a:pPr algn="ctr">
+              <a:buNone/>
+            </a:pPr>
+            <a:r>
+              <a:rPr lang="en-US" sz="4000" dirty="0" smtClean="0">
+                <a:solidFill>
+                  <a:srgbClr val="363636"/>
+                </a:solidFill>
+              </a:rPr>
+              <a:t>ALELUIA, ALELUIA, ALELUIA, ALELUIA!</a:t>
+            </a:r>
+          </a:p>
+          <a:p>
+            <a:pPr algn="ctr">
+              <a:buNone/>
+            </a:pPr>
+            <a:r>
+              <a:rPr lang="en-US" sz="4000" dirty="0" smtClean="0">
+                <a:solidFill>
+                  <a:srgbClr val="363636"/>
+                </a:solidFill>
+              </a:rPr>
+              <a:t>ALELUIA, ALELUIA, ALELUIA,</a:t>
+            </a:r>
+          </a:p>
+          <a:p>
+            <a:pPr algn="ctr">
+              <a:buNone/>
+            </a:pPr>
+            <a:r>
+              <a:rPr lang="en-US" sz="4000" dirty="0" smtClean="0">
+                <a:solidFill>
+                  <a:srgbClr val="363636"/>
+                </a:solidFill>
+              </a:rPr>
+              <a:t>ALELUIA, ALELUIA, ALELUIA, ALELUIA!</a:t>
+            </a:r>
+          </a:p>
+          <a:p>
+            <a:pPr algn="ctr">
+              <a:buNone/>
+            </a:pPr>
+            <a:r>
+              <a:rPr lang="en-US" sz="4000" dirty="0" smtClean="0">
+                <a:solidFill>
+                  <a:srgbClr val="363636"/>
+                </a:solidFill>
+              </a:rPr>
+              <a:t/>
+            </a:r>
+            <a:endParaRPr lang="en-US" dirty="0"/>
+          </a:p>
+        </p:txBody>
+      </p:sp>
     </p:spTree>
   </p:cSld>
   <p:clrMapOvr>
@@ -6588,7 +6714,7 @@
                   <a:srgbClr val="8F1010"/>
                 </a:solidFill>
               </a:rPr>
-              <a:t>“OFERTÓRIO” OFERTA SINGELA</a:t>
+              <a:t>ACLAMAÇÃO</a:t>
             </a:r>
             <a:endParaRPr lang="en-US" dirty="0"/>
           </a:p>
@@ -6618,98 +6744,59 @@
               <a:buNone/>
             </a:pPr>
             <a:r>
-              <a:rPr lang="en-US" sz="2900" dirty="0" smtClean="0">
-                <a:solidFill>
-                  <a:srgbClr val="363636"/>
-                </a:solidFill>
-              </a:rPr>
-              <a:t>1- Ofertas singelas, pão e vinho, sobre a mesa colocamos</a:t>
-            </a:r>
-          </a:p>
-          <a:p>
-            <a:pPr algn="ctr">
-              <a:buNone/>
-            </a:pPr>
-            <a:r>
-              <a:rPr lang="en-US" sz="2900" dirty="0" smtClean="0">
-                <a:solidFill>
-                  <a:srgbClr val="363636"/>
-                </a:solidFill>
-              </a:rPr>
-              <a:t>Sinais do trabalho que fizemos e aqui depositamos</a:t>
-            </a:r>
-          </a:p>
-          <a:p>
-            <a:pPr algn="ctr">
-              <a:buNone/>
-            </a:pPr>
-            <a:r>
-              <a:rPr lang="en-US" sz="2900" dirty="0" smtClean="0">
-                <a:solidFill>
-                  <a:srgbClr val="363636"/>
-                </a:solidFill>
-              </a:rPr>
-              <a:t>É teu também nosso coração</a:t>
-            </a:r>
-          </a:p>
-          <a:p>
-            <a:pPr algn="ctr">
-              <a:buNone/>
-            </a:pPr>
-            <a:r>
-              <a:rPr lang="en-US" sz="2900" dirty="0" smtClean="0">
-                <a:solidFill>
-                  <a:srgbClr val="363636"/>
-                </a:solidFill>
-              </a:rPr>
-              <a:t>Aceita, Senhor a nossa oferta, que será depois, na certa, o teu</a:t>
-            </a:r>
-          </a:p>
-          <a:p>
-            <a:pPr algn="ctr">
-              <a:buNone/>
-            </a:pPr>
-            <a:r>
-              <a:rPr lang="en-US" sz="2900" dirty="0" smtClean="0">
-                <a:solidFill>
-                  <a:srgbClr val="363636"/>
-                </a:solidFill>
-              </a:rPr>
-              <a:t>Próprio ser</a:t>
-            </a:r>
-          </a:p>
-          <a:p>
-            <a:pPr algn="ctr">
-              <a:buNone/>
-            </a:pPr>
-            <a:r>
-              <a:rPr lang="en-US" sz="2900" dirty="0" smtClean="0">
-                <a:solidFill>
-                  <a:srgbClr val="363636"/>
-                </a:solidFill>
-              </a:rPr>
-              <a:t>Aceita, Senhor a nossa oferta, que será depois, na certa, o teu</a:t>
-            </a:r>
-          </a:p>
-          <a:p>
-            <a:pPr algn="ctr">
-              <a:buNone/>
-            </a:pPr>
-            <a:r>
-              <a:rPr lang="en-US" sz="2900" dirty="0" smtClean="0">
-                <a:solidFill>
-                  <a:srgbClr val="363636"/>
-                </a:solidFill>
-              </a:rPr>
-              <a:t>Próprio ser</a:t>
-            </a:r>
-          </a:p>
-          <a:p>
-            <a:pPr algn="ctr">
-              <a:buNone/>
-            </a:pPr>
-            <a:r>
-              <a:rPr lang="en-US" sz="2900" dirty="0" smtClean="0">
+              <a:rPr lang="en-US" sz="3900" dirty="0" smtClean="0">
+                <a:solidFill>
+                  <a:srgbClr val="363636"/>
+                </a:solidFill>
+              </a:rPr>
+              <a:t>4º domingo da Páscoa:</a:t>
+            </a:r>
+          </a:p>
+          <a:p>
+            <a:pPr algn="ctr">
+              <a:buNone/>
+            </a:pPr>
+            <a:r>
+              <a:rPr lang="en-US" sz="3900" dirty="0" smtClean="0">
+                <a:solidFill>
+                  <a:srgbClr val="363636"/>
+                </a:solidFill>
+              </a:rPr>
+              <a:t>EU SOU O BOM PASTOR, DIZ O SENHOR,</a:t>
+            </a:r>
+          </a:p>
+          <a:p>
+            <a:pPr algn="ctr">
+              <a:buNone/>
+            </a:pPr>
+            <a:r>
+              <a:rPr lang="en-US" sz="3900" dirty="0" smtClean="0">
+                <a:solidFill>
+                  <a:srgbClr val="363636"/>
+                </a:solidFill>
+              </a:rPr>
+              <a:t>EU CONHEÇO AS MINHAS OVELHAS E ELAS ME</a:t>
+            </a:r>
+          </a:p>
+          <a:p>
+            <a:pPr algn="ctr">
+              <a:buNone/>
+            </a:pPr>
+            <a:r>
+              <a:rPr lang="en-US" sz="3900" dirty="0" smtClean="0">
+                <a:solidFill>
+                  <a:srgbClr val="363636"/>
+                </a:solidFill>
+              </a:rPr>
+              <a:t>CONHECEM A MIM.</a:t>
+            </a:r>
+          </a:p>
+          <a:p>
+            <a:pPr algn="ctr">
+              <a:buNone/>
+            </a:pPr>
+            <a:r>
+              <a:rPr lang="en-US" sz="3900" dirty="0" smtClean="0">
                 <a:solidFill>
                   <a:srgbClr val="363636"/>
                 </a:solidFill>
@@ -6731,274 +6818,6 @@
 <file path=ppt/slides/slide22.xml><?xml version="1.0" encoding="utf-8"?>
 <p:sld xmlns:a="http://schemas.openxmlformats.org/drawingml/2006/main" xmlns:r="http://schemas.openxmlformats.org/officeDocument/2006/relationships" xmlns:p="http://schemas.openxmlformats.org/presentationml/2006/main">
   <p:cSld name="Slide 22">
-    <p:spTree>
-      <p:nvGrpSpPr>
-        <p:cNvPr id="1" name=""/>
-        <p:cNvGrpSpPr/>
-        <p:nvPr/>
-      </p:nvGrpSpPr>
-      <p:grpSpPr>
-        <a:xfrm>
-          <a:off x="0" y="0"/>
-          <a:ext cx="0" cy="0"/>
-          <a:chOff x="0" y="0"/>
-          <a:chExt cx="0" cy="0"/>
-        </a:xfrm>
-      </p:grpSpPr>
-      <p:sp>
-        <p:nvSpPr>
-          <p:cNvPr id="2" name="Object 1"/>
-          <p:cNvSpPr/>
-          <p:nvPr/>
-        </p:nvSpPr>
-        <p:spPr>
-          <a:xfrm>
-            <a:off x="0" y="257175"/>
-            <a:ext cx="9144000" cy="274320"/>
-          </a:xfrm>
-          <a:prstGeom prst="rect">
-            <a:avLst/>
-          </a:prstGeom>
-          <a:noFill/>
-        </p:spPr>
-        <p:txBody>
-          <a:bodyPr wrap="square" rtlCol="0" anchor="ctr"/>
-          <a:lstStyle/>
-          <a:p>
-            <a:pPr algn="ctr">
-              <a:buNone/>
-            </a:pPr>
-            <a:r>
-              <a:rPr lang="en-US" b="1" sz="2000" dirty="0" smtClean="0">
-                <a:solidFill>
-                  <a:srgbClr val="8F1010"/>
-                </a:solidFill>
-              </a:rPr>
-              <a:t>“OFERTÓRIO” OFERTA SINGELA</a:t>
-            </a:r>
-            <a:endParaRPr lang="en-US" dirty="0"/>
-          </a:p>
-        </p:txBody>
-      </p:sp>
-      <p:sp>
-        <p:nvSpPr>
-          <p:cNvPr id="3" name="Object 2"/>
-          <p:cNvSpPr/>
-          <p:nvPr/>
-        </p:nvSpPr>
-        <p:spPr>
-          <a:xfrm>
-            <a:off x="457200" y="771525"/>
-            <a:ext cx="8229600" cy="4371975"/>
-          </a:xfrm>
-          <a:prstGeom prst="rect">
-            <a:avLst/>
-          </a:prstGeom>
-          <a:noFill/>
-        </p:spPr>
-        <p:txBody>
-          <a:bodyPr wrap="square" rtlCol="0" anchor="ctr"/>
-          <a:lstStyle/>
-          <a:p>
-            <a:pPr algn="ctr">
-              <a:buNone/>
-            </a:pPr>
-            <a:r>
-              <a:rPr lang="en-US" sz="3700" dirty="0" smtClean="0">
-                <a:solidFill>
-                  <a:srgbClr val="363636"/>
-                </a:solidFill>
-              </a:rPr>
-              <a:t>2- Recebe Senhor da Natureza todo fruto que colhemos</a:t>
-            </a:r>
-          </a:p>
-          <a:p>
-            <a:pPr algn="ctr">
-              <a:buNone/>
-            </a:pPr>
-            <a:r>
-              <a:rPr lang="en-US" sz="3700" dirty="0" smtClean="0">
-                <a:solidFill>
-                  <a:srgbClr val="363636"/>
-                </a:solidFill>
-              </a:rPr>
-              <a:t>Recebe o louvor de nossas obras e o progresso que fizemos</a:t>
-            </a:r>
-          </a:p>
-          <a:p>
-            <a:pPr algn="ctr">
-              <a:buNone/>
-            </a:pPr>
-            <a:r>
-              <a:rPr lang="en-US" sz="3700" dirty="0" smtClean="0">
-                <a:solidFill>
-                  <a:srgbClr val="363636"/>
-                </a:solidFill>
-              </a:rPr>
-              <a:t>É teu também nosso coração.REFRÃO</a:t>
-            </a:r>
-          </a:p>
-          <a:p>
-            <a:pPr algn="ctr">
-              <a:buNone/>
-            </a:pPr>
-            <a:r>
-              <a:rPr lang="en-US" sz="3700" dirty="0" smtClean="0">
-                <a:solidFill>
-                  <a:srgbClr val="363636"/>
-                </a:solidFill>
-              </a:rPr>
-              <a:t/>
-            </a:r>
-            <a:endParaRPr lang="en-US" dirty="0"/>
-          </a:p>
-        </p:txBody>
-      </p:sp>
-    </p:spTree>
-  </p:cSld>
-  <p:clrMapOvr>
-    <a:masterClrMapping/>
-  </p:clrMapOvr>
-</p:sld>
-</file>
-
-<file path=ppt/slides/slide23.xml><?xml version="1.0" encoding="utf-8"?>
-<p:sld xmlns:a="http://schemas.openxmlformats.org/drawingml/2006/main" xmlns:r="http://schemas.openxmlformats.org/officeDocument/2006/relationships" xmlns:p="http://schemas.openxmlformats.org/presentationml/2006/main">
-  <p:cSld name="Slide 23">
-    <p:spTree>
-      <p:nvGrpSpPr>
-        <p:cNvPr id="1" name=""/>
-        <p:cNvGrpSpPr/>
-        <p:nvPr/>
-      </p:nvGrpSpPr>
-      <p:grpSpPr>
-        <a:xfrm>
-          <a:off x="0" y="0"/>
-          <a:ext cx="0" cy="0"/>
-          <a:chOff x="0" y="0"/>
-          <a:chExt cx="0" cy="0"/>
-        </a:xfrm>
-      </p:grpSpPr>
-      <p:sp>
-        <p:nvSpPr>
-          <p:cNvPr id="2" name="Object 1"/>
-          <p:cNvSpPr/>
-          <p:nvPr/>
-        </p:nvSpPr>
-        <p:spPr>
-          <a:xfrm>
-            <a:off x="0" y="257175"/>
-            <a:ext cx="9144000" cy="274320"/>
-          </a:xfrm>
-          <a:prstGeom prst="rect">
-            <a:avLst/>
-          </a:prstGeom>
-          <a:noFill/>
-        </p:spPr>
-        <p:txBody>
-          <a:bodyPr wrap="square" rtlCol="0" anchor="ctr"/>
-          <a:lstStyle/>
-          <a:p>
-            <a:pPr algn="ctr">
-              <a:buNone/>
-            </a:pPr>
-            <a:r>
-              <a:rPr lang="en-US" b="1" sz="2000" dirty="0" smtClean="0">
-                <a:solidFill>
-                  <a:srgbClr val="8F1010"/>
-                </a:solidFill>
-              </a:rPr>
-              <a:t>“OFERTÓRIO” OFERTA SINGELA</a:t>
-            </a:r>
-            <a:endParaRPr lang="en-US" dirty="0"/>
-          </a:p>
-        </p:txBody>
-      </p:sp>
-      <p:sp>
-        <p:nvSpPr>
-          <p:cNvPr id="3" name="Object 2"/>
-          <p:cNvSpPr/>
-          <p:nvPr/>
-        </p:nvSpPr>
-        <p:spPr>
-          <a:xfrm>
-            <a:off x="457200" y="771525"/>
-            <a:ext cx="8229600" cy="4371975"/>
-          </a:xfrm>
-          <a:prstGeom prst="rect">
-            <a:avLst/>
-          </a:prstGeom>
-          <a:noFill/>
-        </p:spPr>
-        <p:txBody>
-          <a:bodyPr wrap="square" rtlCol="0" anchor="ctr"/>
-          <a:lstStyle/>
-          <a:p>
-            <a:pPr algn="ctr">
-              <a:buNone/>
-            </a:pPr>
-            <a:r>
-              <a:rPr lang="en-US" sz="3700" dirty="0" smtClean="0">
-                <a:solidFill>
-                  <a:srgbClr val="363636"/>
-                </a:solidFill>
-              </a:rPr>
-              <a:t>3- Sabemos que tudo tem valor depois que a terra visitaste</a:t>
-            </a:r>
-          </a:p>
-          <a:p>
-            <a:pPr algn="ctr">
-              <a:buNone/>
-            </a:pPr>
-            <a:r>
-              <a:rPr lang="en-US" sz="3700" dirty="0" smtClean="0">
-                <a:solidFill>
-                  <a:srgbClr val="363636"/>
-                </a:solidFill>
-              </a:rPr>
-              <a:t>Embora tivéssemos pecado, foi bem mais o que pagaste.</a:t>
-            </a:r>
-          </a:p>
-          <a:p>
-            <a:pPr algn="ctr">
-              <a:buNone/>
-            </a:pPr>
-            <a:r>
-              <a:rPr lang="en-US" sz="3700" dirty="0" smtClean="0">
-                <a:solidFill>
-                  <a:srgbClr val="363636"/>
-                </a:solidFill>
-              </a:rPr>
-              <a:t>É teu também nosso coração. REFRÃO</a:t>
-            </a:r>
-          </a:p>
-          <a:p>
-            <a:pPr algn="ctr">
-              <a:buNone/>
-            </a:pPr>
-            <a:r>
-              <a:rPr lang="en-US" sz="3700" dirty="0" smtClean="0">
-                <a:solidFill>
-                  <a:srgbClr val="363636"/>
-                </a:solidFill>
-              </a:rPr>
-              <a:t/>
-            </a:r>
-            <a:endParaRPr lang="en-US" dirty="0"/>
-          </a:p>
-        </p:txBody>
-      </p:sp>
-    </p:spTree>
-  </p:cSld>
-  <p:clrMapOvr>
-    <a:masterClrMapping/>
-  </p:clrMapOvr>
-</p:sld>
-</file>
-
-<file path=ppt/slides/slide24.xml><?xml version="1.0" encoding="utf-8"?>
-<p:sld xmlns:a="http://schemas.openxmlformats.org/drawingml/2006/main" xmlns:r="http://schemas.openxmlformats.org/officeDocument/2006/relationships" xmlns:p="http://schemas.openxmlformats.org/presentationml/2006/main">
-  <p:cSld name="Slide 24">
     <p:spTree>
       <p:nvGrpSpPr>
         <p:cNvPr id="1" name=""/>
@@ -7030,13 +6849,333 @@
         <p:spPr>
           <a:xfrm>
             <a:off x="0" y="0"/>
-            <a:ext cx="9144000" cy="5486400"/>
+            <a:ext cx="9144000" cy="5143500"/>
           </a:xfrm>
           <a:prstGeom prst="rect">
             <a:avLst/>
           </a:prstGeom>
         </p:spPr>
       </p:pic>
+    </p:spTree>
+  </p:cSld>
+  <p:clrMapOvr>
+    <a:masterClrMapping/>
+  </p:clrMapOvr>
+</p:sld>
+</file>
+
+<file path=ppt/slides/slide23.xml><?xml version="1.0" encoding="utf-8"?>
+<p:sld xmlns:a="http://schemas.openxmlformats.org/drawingml/2006/main" xmlns:r="http://schemas.openxmlformats.org/officeDocument/2006/relationships" xmlns:p="http://schemas.openxmlformats.org/presentationml/2006/main">
+  <p:cSld name="Slide 23">
+    <p:spTree>
+      <p:nvGrpSpPr>
+        <p:cNvPr id="1" name=""/>
+        <p:cNvGrpSpPr/>
+        <p:nvPr/>
+      </p:nvGrpSpPr>
+      <p:grpSpPr>
+        <a:xfrm>
+          <a:off x="0" y="0"/>
+          <a:ext cx="0" cy="0"/>
+          <a:chOff x="0" y="0"/>
+          <a:chExt cx="0" cy="0"/>
+        </a:xfrm>
+      </p:grpSpPr>
+      <p:sp>
+        <p:nvSpPr>
+          <p:cNvPr id="2" name="Object 1"/>
+          <p:cNvSpPr/>
+          <p:nvPr/>
+        </p:nvSpPr>
+        <p:spPr>
+          <a:xfrm>
+            <a:off x="0" y="257175"/>
+            <a:ext cx="9144000" cy="274320"/>
+          </a:xfrm>
+          <a:prstGeom prst="rect">
+            <a:avLst/>
+          </a:prstGeom>
+          <a:noFill/>
+        </p:spPr>
+        <p:txBody>
+          <a:bodyPr wrap="square" rtlCol="0" anchor="ctr"/>
+          <a:lstStyle/>
+          <a:p>
+            <a:pPr algn="ctr">
+              <a:buNone/>
+            </a:pPr>
+            <a:r>
+              <a:rPr lang="en-US" b="1" sz="2000" dirty="0" smtClean="0">
+                <a:solidFill>
+                  <a:srgbClr val="8F1010"/>
+                </a:solidFill>
+              </a:rPr>
+              <a:t>“OFERTÓRIO” OFERTA SINGELA</a:t>
+            </a:r>
+            <a:endParaRPr lang="en-US" dirty="0"/>
+          </a:p>
+        </p:txBody>
+      </p:sp>
+      <p:sp>
+        <p:nvSpPr>
+          <p:cNvPr id="3" name="Object 2"/>
+          <p:cNvSpPr/>
+          <p:nvPr/>
+        </p:nvSpPr>
+        <p:spPr>
+          <a:xfrm>
+            <a:off x="457200" y="771525"/>
+            <a:ext cx="8229600" cy="4371975"/>
+          </a:xfrm>
+          <a:prstGeom prst="rect">
+            <a:avLst/>
+          </a:prstGeom>
+          <a:noFill/>
+        </p:spPr>
+        <p:txBody>
+          <a:bodyPr wrap="square" rtlCol="0" anchor="ctr"/>
+          <a:lstStyle/>
+          <a:p>
+            <a:pPr algn="ctr">
+              <a:buNone/>
+            </a:pPr>
+            <a:r>
+              <a:rPr lang="en-US" sz="2900" dirty="0" smtClean="0">
+                <a:solidFill>
+                  <a:srgbClr val="363636"/>
+                </a:solidFill>
+              </a:rPr>
+              <a:t>1- Ofertas singelas, pão e vinho, sobre a mesa colocamos</a:t>
+            </a:r>
+          </a:p>
+          <a:p>
+            <a:pPr algn="ctr">
+              <a:buNone/>
+            </a:pPr>
+            <a:r>
+              <a:rPr lang="en-US" sz="2900" dirty="0" smtClean="0">
+                <a:solidFill>
+                  <a:srgbClr val="363636"/>
+                </a:solidFill>
+              </a:rPr>
+              <a:t>Sinais do trabalho que fizemos e aqui depositamos</a:t>
+            </a:r>
+          </a:p>
+          <a:p>
+            <a:pPr algn="ctr">
+              <a:buNone/>
+            </a:pPr>
+            <a:r>
+              <a:rPr lang="en-US" sz="2900" dirty="0" smtClean="0">
+                <a:solidFill>
+                  <a:srgbClr val="363636"/>
+                </a:solidFill>
+              </a:rPr>
+              <a:t>É teu também nosso coração</a:t>
+            </a:r>
+          </a:p>
+          <a:p>
+            <a:pPr algn="ctr">
+              <a:buNone/>
+            </a:pPr>
+            <a:r>
+              <a:rPr lang="en-US" sz="2900" dirty="0" smtClean="0">
+                <a:solidFill>
+                  <a:srgbClr val="363636"/>
+                </a:solidFill>
+              </a:rPr>
+              <a:t>Aceita, Senhor a nossa oferta, que será depois, na certa, o teu</a:t>
+            </a:r>
+          </a:p>
+          <a:p>
+            <a:pPr algn="ctr">
+              <a:buNone/>
+            </a:pPr>
+            <a:r>
+              <a:rPr lang="en-US" sz="2900" dirty="0" smtClean="0">
+                <a:solidFill>
+                  <a:srgbClr val="363636"/>
+                </a:solidFill>
+              </a:rPr>
+              <a:t>Próprio ser</a:t>
+            </a:r>
+          </a:p>
+          <a:p>
+            <a:pPr algn="ctr">
+              <a:buNone/>
+            </a:pPr>
+            <a:r>
+              <a:rPr lang="en-US" sz="2900" dirty="0" smtClean="0">
+                <a:solidFill>
+                  <a:srgbClr val="363636"/>
+                </a:solidFill>
+              </a:rPr>
+              <a:t>Aceita, Senhor a nossa oferta, que será depois, na certa, o teu</a:t>
+            </a:r>
+          </a:p>
+          <a:p>
+            <a:pPr algn="ctr">
+              <a:buNone/>
+            </a:pPr>
+            <a:r>
+              <a:rPr lang="en-US" sz="2900" dirty="0" smtClean="0">
+                <a:solidFill>
+                  <a:srgbClr val="363636"/>
+                </a:solidFill>
+              </a:rPr>
+              <a:t>Próprio ser</a:t>
+            </a:r>
+          </a:p>
+          <a:p>
+            <a:pPr algn="ctr">
+              <a:buNone/>
+            </a:pPr>
+            <a:r>
+              <a:rPr lang="en-US" sz="2900" dirty="0" smtClean="0">
+                <a:solidFill>
+                  <a:srgbClr val="363636"/>
+                </a:solidFill>
+              </a:rPr>
+              <a:t/>
+            </a:r>
+            <a:endParaRPr lang="en-US" dirty="0"/>
+          </a:p>
+        </p:txBody>
+      </p:sp>
+    </p:spTree>
+  </p:cSld>
+  <p:clrMapOvr>
+    <a:masterClrMapping/>
+  </p:clrMapOvr>
+</p:sld>
+</file>
+
+<file path=ppt/slides/slide24.xml><?xml version="1.0" encoding="utf-8"?>
+<p:sld xmlns:a="http://schemas.openxmlformats.org/drawingml/2006/main" xmlns:r="http://schemas.openxmlformats.org/officeDocument/2006/relationships" xmlns:p="http://schemas.openxmlformats.org/presentationml/2006/main">
+  <p:cSld name="Slide 24">
+    <p:spTree>
+      <p:nvGrpSpPr>
+        <p:cNvPr id="1" name=""/>
+        <p:cNvGrpSpPr/>
+        <p:nvPr/>
+      </p:nvGrpSpPr>
+      <p:grpSpPr>
+        <a:xfrm>
+          <a:off x="0" y="0"/>
+          <a:ext cx="0" cy="0"/>
+          <a:chOff x="0" y="0"/>
+          <a:chExt cx="0" cy="0"/>
+        </a:xfrm>
+      </p:grpSpPr>
+      <p:sp>
+        <p:nvSpPr>
+          <p:cNvPr id="2" name="Object 1"/>
+          <p:cNvSpPr/>
+          <p:nvPr/>
+        </p:nvSpPr>
+        <p:spPr>
+          <a:xfrm>
+            <a:off x="0" y="257175"/>
+            <a:ext cx="9144000" cy="274320"/>
+          </a:xfrm>
+          <a:prstGeom prst="rect">
+            <a:avLst/>
+          </a:prstGeom>
+          <a:noFill/>
+        </p:spPr>
+        <p:txBody>
+          <a:bodyPr wrap="square" rtlCol="0" anchor="ctr"/>
+          <a:lstStyle/>
+          <a:p>
+            <a:pPr algn="ctr">
+              <a:buNone/>
+            </a:pPr>
+            <a:r>
+              <a:rPr lang="en-US" b="1" sz="2000" dirty="0" smtClean="0">
+                <a:solidFill>
+                  <a:srgbClr val="8F1010"/>
+                </a:solidFill>
+              </a:rPr>
+              <a:t>“OFERTÓRIO” OFERTA SINGELA</a:t>
+            </a:r>
+            <a:endParaRPr lang="en-US" dirty="0"/>
+          </a:p>
+        </p:txBody>
+      </p:sp>
+      <p:sp>
+        <p:nvSpPr>
+          <p:cNvPr id="3" name="Object 2"/>
+          <p:cNvSpPr/>
+          <p:nvPr/>
+        </p:nvSpPr>
+        <p:spPr>
+          <a:xfrm>
+            <a:off x="457200" y="771525"/>
+            <a:ext cx="8229600" cy="4371975"/>
+          </a:xfrm>
+          <a:prstGeom prst="rect">
+            <a:avLst/>
+          </a:prstGeom>
+          <a:noFill/>
+        </p:spPr>
+        <p:txBody>
+          <a:bodyPr wrap="square" rtlCol="0" anchor="ctr"/>
+          <a:lstStyle/>
+          <a:p>
+            <a:pPr algn="ctr">
+              <a:buNone/>
+            </a:pPr>
+            <a:r>
+              <a:rPr lang="en-US" sz="3700" dirty="0" smtClean="0">
+                <a:solidFill>
+                  <a:srgbClr val="363636"/>
+                </a:solidFill>
+              </a:rPr>
+              <a:t>2- Recebe Senhor da Natureza todo fruto que colhemos</a:t>
+            </a:r>
+          </a:p>
+          <a:p>
+            <a:pPr algn="ctr">
+              <a:buNone/>
+            </a:pPr>
+            <a:r>
+              <a:rPr lang="en-US" sz="3700" dirty="0" smtClean="0">
+                <a:solidFill>
+                  <a:srgbClr val="363636"/>
+                </a:solidFill>
+              </a:rPr>
+              <a:t>Recebe o louvor de nossas obras e o progresso que fizemos</a:t>
+            </a:r>
+          </a:p>
+          <a:p>
+            <a:pPr algn="ctr">
+              <a:buNone/>
+            </a:pPr>
+            <a:r>
+              <a:rPr lang="en-US" sz="3700" dirty="0" smtClean="0">
+                <a:solidFill>
+                  <a:srgbClr val="363636"/>
+                </a:solidFill>
+              </a:rPr>
+              <a:t>É teu também nosso coração.REFRÃO</a:t>
+            </a:r>
+          </a:p>
+          <a:p>
+            <a:pPr algn="ctr">
+              <a:buNone/>
+            </a:pPr>
+            <a:r>
+              <a:rPr lang="en-US" sz="3700" dirty="0" smtClean="0">
+                <a:solidFill>
+                  <a:srgbClr val="363636"/>
+                </a:solidFill>
+              </a:rPr>
+              <a:t/>
+            </a:r>
+            <a:endParaRPr lang="en-US" dirty="0"/>
+          </a:p>
+        </p:txBody>
+      </p:sp>
     </p:spTree>
   </p:cSld>
   <p:clrMapOvr>
@@ -7091,7 +7230,7 @@
                   <a:srgbClr val="8F1010"/>
                 </a:solidFill>
               </a:rPr>
-              <a:t>SANTO</a:t>
+              <a:t>“OFERTÓRIO” OFERTA SINGELA</a:t>
             </a:r>
             <a:endParaRPr lang="en-US" dirty="0"/>
           </a:p>
@@ -7121,59 +7260,46 @@
               <a:buNone/>
             </a:pPr>
             <a:r>
-              <a:rPr lang="en-US" sz="3600" dirty="0" smtClean="0">
-                <a:solidFill>
-                  <a:srgbClr val="363636"/>
-                </a:solidFill>
-              </a:rPr>
-              <a:t>Santo, Santo, Santo,Senhor Deus do universo</a:t>
-            </a:r>
-          </a:p>
-          <a:p>
-            <a:pPr algn="ctr">
-              <a:buNone/>
-            </a:pPr>
-            <a:r>
-              <a:rPr lang="en-US" sz="3600" dirty="0" smtClean="0">
-                <a:solidFill>
-                  <a:srgbClr val="363636"/>
-                </a:solidFill>
-              </a:rPr>
-              <a:t>O céu e a terra proclamam vossa gloria!</a:t>
-            </a:r>
-          </a:p>
-          <a:p>
-            <a:pPr algn="ctr">
-              <a:buNone/>
-            </a:pPr>
-            <a:r>
-              <a:rPr lang="en-US" sz="3600" dirty="0" smtClean="0">
-                <a:solidFill>
-                  <a:srgbClr val="363636"/>
-                </a:solidFill>
-              </a:rPr>
-              <a:t>HOSANA ! HOSANA! HOSANA NAS ALTURAS (2X)</a:t>
-            </a:r>
-          </a:p>
-          <a:p>
-            <a:pPr algn="ctr">
-              <a:buNone/>
-            </a:pPr>
-            <a:r>
-              <a:rPr lang="en-US" sz="3600" dirty="0" smtClean="0">
-                <a:solidFill>
-                  <a:srgbClr val="363636"/>
-                </a:solidFill>
-              </a:rPr>
-              <a:t>Bendito o que vem em nome do Senhor</a:t>
-            </a:r>
-          </a:p>
-          <a:p>
-            <a:pPr algn="ctr">
-              <a:buNone/>
-            </a:pPr>
-            <a:r>
-              <a:rPr lang="en-US" sz="3600" dirty="0" smtClean="0">
+              <a:rPr lang="en-US" sz="3700" dirty="0" smtClean="0">
+                <a:solidFill>
+                  <a:srgbClr val="363636"/>
+                </a:solidFill>
+              </a:rPr>
+              <a:t>3- Sabemos que tudo tem valor depois que a terra visitaste</a:t>
+            </a:r>
+          </a:p>
+          <a:p>
+            <a:pPr algn="ctr">
+              <a:buNone/>
+            </a:pPr>
+            <a:r>
+              <a:rPr lang="en-US" sz="3700" dirty="0" smtClean="0">
+                <a:solidFill>
+                  <a:srgbClr val="363636"/>
+                </a:solidFill>
+              </a:rPr>
+              <a:t>Embora tivéssemos pecado, foi bem mais o que pagaste.</a:t>
+            </a:r>
+          </a:p>
+          <a:p>
+            <a:pPr algn="ctr">
+              <a:buNone/>
+            </a:pPr>
+            <a:r>
+              <a:rPr lang="en-US" sz="3700" dirty="0" smtClean="0">
+                <a:solidFill>
+                  <a:srgbClr val="363636"/>
+                </a:solidFill>
+              </a:rPr>
+              <a:t>É teu também nosso coração. REFRÃO</a:t>
+            </a:r>
+          </a:p>
+          <a:p>
+            <a:pPr algn="ctr">
+              <a:buNone/>
+            </a:pPr>
+            <a:r>
+              <a:rPr lang="en-US" sz="3700" dirty="0" smtClean="0">
                 <a:solidFill>
                   <a:srgbClr val="363636"/>
                 </a:solidFill>
@@ -7226,7 +7352,7 @@
         <p:spPr>
           <a:xfrm>
             <a:off x="0" y="0"/>
-            <a:ext cx="9144000" cy="5486400"/>
+            <a:ext cx="9144000" cy="5143500"/>
           </a:xfrm>
           <a:prstGeom prst="rect">
             <a:avLst/>
@@ -7287,7 +7413,7 @@
                   <a:srgbClr val="8F1010"/>
                 </a:solidFill>
               </a:rPr>
-              <a:t>ORAÇÃO EUCARISTICA-3</a:t>
+              <a:t>SANTO</a:t>
             </a:r>
             <a:endParaRPr lang="en-US" dirty="0"/>
           </a:p>
@@ -7317,85 +7443,59 @@
               <a:buNone/>
             </a:pPr>
             <a:r>
-              <a:rPr lang="en-US" sz="3400" dirty="0" smtClean="0">
-                <a:solidFill>
-                  <a:srgbClr val="363636"/>
-                </a:solidFill>
-              </a:rPr>
-              <a:t>Santificai e reuni o vosso povo!</a:t>
-            </a:r>
-          </a:p>
-          <a:p>
-            <a:pPr algn="ctr">
-              <a:buNone/>
-            </a:pPr>
-            <a:r>
-              <a:rPr lang="en-US" sz="3400" dirty="0" smtClean="0">
-                <a:solidFill>
-                  <a:srgbClr val="363636"/>
-                </a:solidFill>
-              </a:rPr>
-              <a:t>Santificai nossa oferenda, ó Senhor!</a:t>
-            </a:r>
-          </a:p>
-          <a:p>
-            <a:pPr algn="ctr">
-              <a:buNone/>
-            </a:pPr>
-            <a:r>
-              <a:rPr lang="en-US" sz="3400" dirty="0" smtClean="0">
-                <a:solidFill>
-                  <a:srgbClr val="363636"/>
-                </a:solidFill>
-              </a:rPr>
-              <a:t>Toda vez que se come deste pão</a:t>
-            </a:r>
-          </a:p>
-          <a:p>
-            <a:pPr algn="ctr">
-              <a:buNone/>
-            </a:pPr>
-            <a:r>
-              <a:rPr lang="en-US" sz="3400" dirty="0" smtClean="0">
-                <a:solidFill>
-                  <a:srgbClr val="363636"/>
-                </a:solidFill>
-              </a:rPr>
-              <a:t>Toda vez que se bebe deste vinho</a:t>
-            </a:r>
-          </a:p>
-          <a:p>
-            <a:pPr algn="ctr">
-              <a:buNone/>
-            </a:pPr>
-            <a:r>
-              <a:rPr lang="en-US" sz="3400" dirty="0" smtClean="0">
-                <a:solidFill>
-                  <a:srgbClr val="363636"/>
-                </a:solidFill>
-              </a:rPr>
-              <a:t>Se recorada a paixão de Jesus Cristo,</a:t>
-            </a:r>
-          </a:p>
-          <a:p>
-            <a:pPr algn="ctr">
-              <a:buNone/>
-            </a:pPr>
-            <a:r>
-              <a:rPr lang="en-US" sz="3400" dirty="0" smtClean="0">
-                <a:solidFill>
-                  <a:srgbClr val="363636"/>
-                </a:solidFill>
-              </a:rPr>
-              <a:t>E se fica esperando sua volta</a:t>
-            </a:r>
-          </a:p>
-          <a:p>
-            <a:pPr algn="ctr">
-              <a:buNone/>
-            </a:pPr>
-            <a:r>
-              <a:rPr lang="en-US" sz="3400" dirty="0" smtClean="0">
+              <a:rPr lang="en-US" sz="3600" dirty="0" smtClean="0">
+                <a:solidFill>
+                  <a:srgbClr val="363636"/>
+                </a:solidFill>
+              </a:rPr>
+              <a:t>Santo, Santo, Santo,Senhor Deus do universo</a:t>
+            </a:r>
+          </a:p>
+          <a:p>
+            <a:pPr algn="ctr">
+              <a:buNone/>
+            </a:pPr>
+            <a:r>
+              <a:rPr lang="en-US" sz="3600" dirty="0" smtClean="0">
+                <a:solidFill>
+                  <a:srgbClr val="363636"/>
+                </a:solidFill>
+              </a:rPr>
+              <a:t>O céu e a terra proclamam vossa gloria!</a:t>
+            </a:r>
+          </a:p>
+          <a:p>
+            <a:pPr algn="ctr">
+              <a:buNone/>
+            </a:pPr>
+            <a:r>
+              <a:rPr lang="en-US" sz="3600" dirty="0" smtClean="0">
+                <a:solidFill>
+                  <a:srgbClr val="363636"/>
+                </a:solidFill>
+              </a:rPr>
+              <a:t>HOSANA ! HOSANA! HOSANA NAS ALTURAS (2X)</a:t>
+            </a:r>
+          </a:p>
+          <a:p>
+            <a:pPr algn="ctr">
+              <a:buNone/>
+            </a:pPr>
+            <a:r>
+              <a:rPr lang="en-US" sz="3600" dirty="0" smtClean="0">
+                <a:solidFill>
+                  <a:srgbClr val="363636"/>
+                </a:solidFill>
+              </a:rPr>
+              <a:t>Bendito o que vem em nome do Senhor</a:t>
+            </a:r>
+          </a:p>
+          <a:p>
+            <a:pPr algn="ctr">
+              <a:buNone/>
+            </a:pPr>
+            <a:r>
+              <a:rPr lang="en-US" sz="3600" dirty="0" smtClean="0">
                 <a:solidFill>
                   <a:srgbClr val="363636"/>
                 </a:solidFill>
@@ -7431,154 +7531,30 @@
           <a:chExt cx="0" cy="0"/>
         </a:xfrm>
       </p:grpSpPr>
-      <p:sp>
-        <p:nvSpPr>
-          <p:cNvPr id="2" name="Object 1"/>
-          <p:cNvSpPr/>
+      <p:pic>
+        <p:nvPicPr>
+          <p:cNvPr id="2" name="Object 1" descr="./resources/santa-terezinha.jpg">    </p:cNvPr>
+          <p:cNvPicPr>
+            <a:picLocks noChangeAspect="1"/>
+          </p:cNvPicPr>
           <p:nvPr/>
-        </p:nvSpPr>
+        </p:nvPicPr>
+        <p:blipFill>
+          <a:blip r:embed="rId1"/>
+          <a:stretch>
+            <a:fillRect/>
+          </a:stretch>
+        </p:blipFill>
         <p:spPr>
           <a:xfrm>
-            <a:off x="0" y="257175"/>
-            <a:ext cx="9144000" cy="274320"/>
+            <a:off x="0" y="0"/>
+            <a:ext cx="9144000" cy="5143500"/>
           </a:xfrm>
           <a:prstGeom prst="rect">
             <a:avLst/>
           </a:prstGeom>
-          <a:noFill/>
         </p:spPr>
-        <p:txBody>
-          <a:bodyPr wrap="square" rtlCol="0" anchor="ctr"/>
-          <a:lstStyle/>
-          <a:p>
-            <a:pPr algn="ctr">
-              <a:buNone/>
-            </a:pPr>
-            <a:r>
-              <a:rPr lang="en-US" b="1" sz="2000" dirty="0" smtClean="0">
-                <a:solidFill>
-                  <a:srgbClr val="8F1010"/>
-                </a:solidFill>
-              </a:rPr>
-              <a:t>ORAÇÃO EUCARISTICA-3</a:t>
-            </a:r>
-            <a:endParaRPr lang="en-US" dirty="0"/>
-          </a:p>
-        </p:txBody>
-      </p:sp>
-      <p:sp>
-        <p:nvSpPr>
-          <p:cNvPr id="3" name="Object 2"/>
-          <p:cNvSpPr/>
-          <p:nvPr/>
-        </p:nvSpPr>
-        <p:spPr>
-          <a:xfrm>
-            <a:off x="457200" y="771525"/>
-            <a:ext cx="8229600" cy="4371975"/>
-          </a:xfrm>
-          <a:prstGeom prst="rect">
-            <a:avLst/>
-          </a:prstGeom>
-          <a:noFill/>
-        </p:spPr>
-        <p:txBody>
-          <a:bodyPr wrap="square" rtlCol="0" anchor="ctr"/>
-          <a:lstStyle/>
-          <a:p>
-            <a:pPr algn="ctr">
-              <a:buNone/>
-            </a:pPr>
-            <a:r>
-              <a:rPr lang="en-US" sz="3300" dirty="0" smtClean="0">
-                <a:solidFill>
-                  <a:srgbClr val="363636"/>
-                </a:solidFill>
-              </a:rPr>
-              <a:t>Recebei,ó senhor, a nossa oferta!</a:t>
-            </a:r>
-          </a:p>
-          <a:p>
-            <a:pPr algn="ctr">
-              <a:buNone/>
-            </a:pPr>
-            <a:r>
-              <a:rPr lang="en-US" sz="3300" dirty="0" smtClean="0">
-                <a:solidFill>
-                  <a:srgbClr val="363636"/>
-                </a:solidFill>
-              </a:rPr>
-              <a:t>Fazei de nós um só corpo e um só Espírito!</a:t>
-            </a:r>
-          </a:p>
-          <a:p>
-            <a:pPr algn="ctr">
-              <a:buNone/>
-            </a:pPr>
-            <a:r>
-              <a:rPr lang="en-US" sz="3300" dirty="0" smtClean="0">
-                <a:solidFill>
-                  <a:srgbClr val="363636"/>
-                </a:solidFill>
-              </a:rPr>
-              <a:t>Fazei de nós uma perfeita oferenda!</a:t>
-            </a:r>
-          </a:p>
-          <a:p>
-            <a:pPr algn="ctr">
-              <a:buNone/>
-            </a:pPr>
-            <a:r>
-              <a:rPr lang="en-US" sz="3300" dirty="0" smtClean="0">
-                <a:solidFill>
-                  <a:srgbClr val="363636"/>
-                </a:solidFill>
-              </a:rPr>
-              <a:t>Lembrai-vos,ó Pai, da vossa Igreja</a:t>
-            </a:r>
-          </a:p>
-          <a:p>
-            <a:pPr algn="ctr">
-              <a:buNone/>
-            </a:pPr>
-            <a:r>
-              <a:rPr lang="en-US" sz="3300" dirty="0" smtClean="0">
-                <a:solidFill>
-                  <a:srgbClr val="363636"/>
-                </a:solidFill>
-              </a:rPr>
-              <a:t>Lembrai-vos,ó Pai,dos vossos filhos!</a:t>
-            </a:r>
-          </a:p>
-          <a:p>
-            <a:pPr algn="ctr">
-              <a:buNone/>
-            </a:pPr>
-            <a:r>
-              <a:rPr lang="en-US" sz="3300" dirty="0" smtClean="0">
-                <a:solidFill>
-                  <a:srgbClr val="363636"/>
-                </a:solidFill>
-              </a:rPr>
-              <a:t>A todos saciai com vossa glória!</a:t>
-            </a:r>
-          </a:p>
-          <a:p>
-            <a:pPr algn="ctr">
-              <a:buNone/>
-            </a:pPr>
-            <a:r>
-              <a:rPr lang="en-US" sz="3300" dirty="0" smtClean="0">
-                <a:solidFill>
-                  <a:srgbClr val="363636"/>
-                </a:solidFill>
-              </a:rPr>
-              <a:t/>
-            </a:r>
-            <a:endParaRPr lang="en-US" dirty="0"/>
-          </a:p>
-        </p:txBody>
-      </p:sp>
+      </p:pic>
     </p:spTree>
   </p:cSld>
   <p:clrMapOvr>
@@ -7663,20 +7639,85 @@
               <a:buNone/>
             </a:pPr>
             <a:r>
-              <a:rPr lang="en-US" sz="4400" dirty="0" smtClean="0">
-                <a:solidFill>
-                  <a:srgbClr val="363636"/>
-                </a:solidFill>
-              </a:rPr>
-              <a:t>Amém,     amém,       a.......amém.(2x)</a:t>
-            </a:r>
-          </a:p>
-          <a:p>
-            <a:pPr algn="ctr">
-              <a:buNone/>
-            </a:pPr>
-            <a:r>
-              <a:rPr lang="en-US" sz="4400" dirty="0" smtClean="0">
+              <a:rPr lang="en-US" sz="3400" dirty="0" smtClean="0">
+                <a:solidFill>
+                  <a:srgbClr val="363636"/>
+                </a:solidFill>
+              </a:rPr>
+              <a:t>Santificai e reuni o vosso povo!</a:t>
+            </a:r>
+          </a:p>
+          <a:p>
+            <a:pPr algn="ctr">
+              <a:buNone/>
+            </a:pPr>
+            <a:r>
+              <a:rPr lang="en-US" sz="3400" dirty="0" smtClean="0">
+                <a:solidFill>
+                  <a:srgbClr val="363636"/>
+                </a:solidFill>
+              </a:rPr>
+              <a:t>Santificai nossa oferenda, ó Senhor!</a:t>
+            </a:r>
+          </a:p>
+          <a:p>
+            <a:pPr algn="ctr">
+              <a:buNone/>
+            </a:pPr>
+            <a:r>
+              <a:rPr lang="en-US" sz="3400" dirty="0" smtClean="0">
+                <a:solidFill>
+                  <a:srgbClr val="363636"/>
+                </a:solidFill>
+              </a:rPr>
+              <a:t>Toda vez que se come deste pão</a:t>
+            </a:r>
+          </a:p>
+          <a:p>
+            <a:pPr algn="ctr">
+              <a:buNone/>
+            </a:pPr>
+            <a:r>
+              <a:rPr lang="en-US" sz="3400" dirty="0" smtClean="0">
+                <a:solidFill>
+                  <a:srgbClr val="363636"/>
+                </a:solidFill>
+              </a:rPr>
+              <a:t>Toda vez que se bebe deste vinho</a:t>
+            </a:r>
+          </a:p>
+          <a:p>
+            <a:pPr algn="ctr">
+              <a:buNone/>
+            </a:pPr>
+            <a:r>
+              <a:rPr lang="en-US" sz="3400" dirty="0" smtClean="0">
+                <a:solidFill>
+                  <a:srgbClr val="363636"/>
+                </a:solidFill>
+              </a:rPr>
+              <a:t>Se recorada a paixão de Jesus Cristo,</a:t>
+            </a:r>
+          </a:p>
+          <a:p>
+            <a:pPr algn="ctr">
+              <a:buNone/>
+            </a:pPr>
+            <a:r>
+              <a:rPr lang="en-US" sz="3400" dirty="0" smtClean="0">
+                <a:solidFill>
+                  <a:srgbClr val="363636"/>
+                </a:solidFill>
+              </a:rPr>
+              <a:t>E se fica esperando sua volta</a:t>
+            </a:r>
+          </a:p>
+          <a:p>
+            <a:pPr algn="ctr">
+              <a:buNone/>
+            </a:pPr>
+            <a:r>
+              <a:rPr lang="en-US" sz="3400" dirty="0" smtClean="0">
                 <a:solidFill>
                   <a:srgbClr val="363636"/>
                 </a:solidFill>
@@ -7729,7 +7770,7 @@
         <p:spPr>
           <a:xfrm>
             <a:off x="0" y="0"/>
-            <a:ext cx="9144000" cy="5486400"/>
+            <a:ext cx="9144000" cy="5143500"/>
           </a:xfrm>
           <a:prstGeom prst="rect">
             <a:avLst/>
@@ -7761,30 +7802,154 @@
           <a:chExt cx="0" cy="0"/>
         </a:xfrm>
       </p:grpSpPr>
-      <p:pic>
-        <p:nvPicPr>
-          <p:cNvPr id="2" name="Object 1" descr="./resources/santa-terezinha.jpg">    </p:cNvPr>
-          <p:cNvPicPr>
-            <a:picLocks noChangeAspect="1"/>
-          </p:cNvPicPr>
+      <p:sp>
+        <p:nvSpPr>
+          <p:cNvPr id="2" name="Object 1"/>
+          <p:cNvSpPr/>
           <p:nvPr/>
-        </p:nvPicPr>
-        <p:blipFill>
-          <a:blip r:embed="rId1"/>
-          <a:stretch>
-            <a:fillRect/>
-          </a:stretch>
-        </p:blipFill>
+        </p:nvSpPr>
         <p:spPr>
           <a:xfrm>
-            <a:off x="0" y="0"/>
-            <a:ext cx="9144000" cy="5486400"/>
+            <a:off x="0" y="257175"/>
+            <a:ext cx="9144000" cy="274320"/>
           </a:xfrm>
           <a:prstGeom prst="rect">
             <a:avLst/>
           </a:prstGeom>
+          <a:noFill/>
         </p:spPr>
-      </p:pic>
+        <p:txBody>
+          <a:bodyPr wrap="square" rtlCol="0" anchor="ctr"/>
+          <a:lstStyle/>
+          <a:p>
+            <a:pPr algn="ctr">
+              <a:buNone/>
+            </a:pPr>
+            <a:r>
+              <a:rPr lang="en-US" b="1" sz="2000" dirty="0" smtClean="0">
+                <a:solidFill>
+                  <a:srgbClr val="8F1010"/>
+                </a:solidFill>
+              </a:rPr>
+              <a:t>ORAÇÃO EUCARISTICA-3</a:t>
+            </a:r>
+            <a:endParaRPr lang="en-US" dirty="0"/>
+          </a:p>
+        </p:txBody>
+      </p:sp>
+      <p:sp>
+        <p:nvSpPr>
+          <p:cNvPr id="3" name="Object 2"/>
+          <p:cNvSpPr/>
+          <p:nvPr/>
+        </p:nvSpPr>
+        <p:spPr>
+          <a:xfrm>
+            <a:off x="457200" y="771525"/>
+            <a:ext cx="8229600" cy="4371975"/>
+          </a:xfrm>
+          <a:prstGeom prst="rect">
+            <a:avLst/>
+          </a:prstGeom>
+          <a:noFill/>
+        </p:spPr>
+        <p:txBody>
+          <a:bodyPr wrap="square" rtlCol="0" anchor="ctr"/>
+          <a:lstStyle/>
+          <a:p>
+            <a:pPr algn="ctr">
+              <a:buNone/>
+            </a:pPr>
+            <a:r>
+              <a:rPr lang="en-US" sz="3300" dirty="0" smtClean="0">
+                <a:solidFill>
+                  <a:srgbClr val="363636"/>
+                </a:solidFill>
+              </a:rPr>
+              <a:t>Recebei,ó senhor, a nossa oferta!</a:t>
+            </a:r>
+          </a:p>
+          <a:p>
+            <a:pPr algn="ctr">
+              <a:buNone/>
+            </a:pPr>
+            <a:r>
+              <a:rPr lang="en-US" sz="3300" dirty="0" smtClean="0">
+                <a:solidFill>
+                  <a:srgbClr val="363636"/>
+                </a:solidFill>
+              </a:rPr>
+              <a:t>Fazei de nós um só corpo e um só Espírito!</a:t>
+            </a:r>
+          </a:p>
+          <a:p>
+            <a:pPr algn="ctr">
+              <a:buNone/>
+            </a:pPr>
+            <a:r>
+              <a:rPr lang="en-US" sz="3300" dirty="0" smtClean="0">
+                <a:solidFill>
+                  <a:srgbClr val="363636"/>
+                </a:solidFill>
+              </a:rPr>
+              <a:t>Fazei de nós uma perfeita oferenda!</a:t>
+            </a:r>
+          </a:p>
+          <a:p>
+            <a:pPr algn="ctr">
+              <a:buNone/>
+            </a:pPr>
+            <a:r>
+              <a:rPr lang="en-US" sz="3300" dirty="0" smtClean="0">
+                <a:solidFill>
+                  <a:srgbClr val="363636"/>
+                </a:solidFill>
+              </a:rPr>
+              <a:t>Lembrai-vos,ó Pai, da vossa Igreja</a:t>
+            </a:r>
+          </a:p>
+          <a:p>
+            <a:pPr algn="ctr">
+              <a:buNone/>
+            </a:pPr>
+            <a:r>
+              <a:rPr lang="en-US" sz="3300" dirty="0" smtClean="0">
+                <a:solidFill>
+                  <a:srgbClr val="363636"/>
+                </a:solidFill>
+              </a:rPr>
+              <a:t>Lembrai-vos,ó Pai,dos vossos filhos!</a:t>
+            </a:r>
+          </a:p>
+          <a:p>
+            <a:pPr algn="ctr">
+              <a:buNone/>
+            </a:pPr>
+            <a:r>
+              <a:rPr lang="en-US" sz="3300" dirty="0" smtClean="0">
+                <a:solidFill>
+                  <a:srgbClr val="363636"/>
+                </a:solidFill>
+              </a:rPr>
+              <a:t>A todos saciai com vossa glória!</a:t>
+            </a:r>
+          </a:p>
+          <a:p>
+            <a:pPr algn="ctr">
+              <a:buNone/>
+            </a:pPr>
+            <a:r>
+              <a:rPr lang="en-US" sz="3300" dirty="0" smtClean="0">
+                <a:solidFill>
+                  <a:srgbClr val="363636"/>
+                </a:solidFill>
+              </a:rPr>
+              <a:t/>
+            </a:r>
+            <a:endParaRPr lang="en-US" dirty="0"/>
+          </a:p>
+        </p:txBody>
+      </p:sp>
     </p:spTree>
   </p:cSld>
   <p:clrMapOvr>
@@ -7839,7 +8004,7 @@
                   <a:srgbClr val="8F1010"/>
                 </a:solidFill>
               </a:rPr>
-              <a:t>“CORDEIRO”II</a:t>
+              <a:t>ORAÇÃO EUCARISTICA-3</a:t>
             </a:r>
             <a:endParaRPr lang="en-US" dirty="0"/>
           </a:p>
@@ -7869,72 +8034,20 @@
               <a:buNone/>
             </a:pPr>
             <a:r>
-              <a:rPr lang="en-US" sz="3400" dirty="0" smtClean="0">
-                <a:solidFill>
-                  <a:srgbClr val="363636"/>
-                </a:solidFill>
-              </a:rPr>
-              <a:t>Cordeiro de Deus,Cordeiro de Deus, Cordeiro de Deus,</a:t>
-            </a:r>
-          </a:p>
-          <a:p>
-            <a:pPr algn="ctr">
-              <a:buNone/>
-            </a:pPr>
-            <a:r>
-              <a:rPr lang="en-US" sz="3400" dirty="0" smtClean="0">
-                <a:solidFill>
-                  <a:srgbClr val="363636"/>
-                </a:solidFill>
-              </a:rPr>
-              <a:t>Tu que tiras o nosso pecado.(2x)</a:t>
-            </a:r>
-          </a:p>
-          <a:p>
-            <a:pPr algn="ctr">
-              <a:buNone/>
-            </a:pPr>
-            <a:r>
-              <a:rPr lang="en-US" sz="3400" dirty="0" smtClean="0">
-                <a:solidFill>
-                  <a:srgbClr val="363636"/>
-                </a:solidFill>
-              </a:rPr>
-              <a:t>TENDE PIEDADE DE NÓS,PIEDADE DE NÓS,PIEDADE DE</a:t>
-            </a:r>
-          </a:p>
-          <a:p>
-            <a:pPr algn="ctr">
-              <a:buNone/>
-            </a:pPr>
-            <a:r>
-              <a:rPr lang="en-US" sz="3400" dirty="0" smtClean="0">
-                <a:solidFill>
-                  <a:srgbClr val="363636"/>
-                </a:solidFill>
-              </a:rPr>
-              <a:t>NÓS,E DAÍ-NOS A PAZ!(2X)</a:t>
-            </a:r>
-          </a:p>
-          <a:p>
-            <a:pPr algn="ctr">
-              <a:buNone/>
-            </a:pPr>
-            <a:r>
-              <a:rPr lang="en-US" sz="3400" dirty="0" smtClean="0">
-                <a:solidFill>
-                  <a:srgbClr val="363636"/>
-                </a:solidFill>
-              </a:rPr>
-              <a:t>E DAÍ-NOS A PAZ....E DAÍ-NOS A PAZ</a:t>
-            </a:r>
-          </a:p>
-          <a:p>
-            <a:pPr algn="ctr">
-              <a:buNone/>
-            </a:pPr>
-            <a:r>
-              <a:rPr lang="en-US" sz="3400" dirty="0" smtClean="0">
+              <a:rPr lang="en-US" sz="4400" dirty="0" smtClean="0">
+                <a:solidFill>
+                  <a:srgbClr val="363636"/>
+                </a:solidFill>
+              </a:rPr>
+              <a:t>Amém,     amém,       a.......amém.(2x)</a:t>
+            </a:r>
+          </a:p>
+          <a:p>
+            <a:pPr algn="ctr">
+              <a:buNone/>
+            </a:pPr>
+            <a:r>
+              <a:rPr lang="en-US" sz="4400" dirty="0" smtClean="0">
                 <a:solidFill>
                   <a:srgbClr val="363636"/>
                 </a:solidFill>
@@ -7987,7 +8100,7 @@
         <p:spPr>
           <a:xfrm>
             <a:off x="0" y="0"/>
-            <a:ext cx="9144000" cy="5486400"/>
+            <a:ext cx="9144000" cy="5143500"/>
           </a:xfrm>
           <a:prstGeom prst="rect">
             <a:avLst/>
@@ -8048,7 +8161,7 @@
                   <a:srgbClr val="8F1010"/>
                 </a:solidFill>
               </a:rPr>
-              <a:t>COMUNHÃO</a:t>
+              <a:t>“CORDEIRO”II</a:t>
             </a:r>
             <a:endParaRPr lang="en-US" dirty="0"/>
           </a:p>
@@ -8078,33 +8191,72 @@
               <a:buNone/>
             </a:pPr>
             <a:r>
-              <a:rPr lang="en-US" sz="4200" dirty="0" smtClean="0">
-                <a:solidFill>
-                  <a:srgbClr val="363636"/>
-                </a:solidFill>
-              </a:rPr>
-              <a:t>Eu vim para que todos tenham vida,</a:t>
-            </a:r>
-          </a:p>
-          <a:p>
-            <a:pPr algn="ctr">
-              <a:buNone/>
-            </a:pPr>
-            <a:r>
-              <a:rPr lang="en-US" sz="4200" dirty="0" smtClean="0">
-                <a:solidFill>
-                  <a:srgbClr val="363636"/>
-                </a:solidFill>
-              </a:rPr>
-              <a:t>Que todos tenham vida plenamente.</a:t>
-            </a:r>
-          </a:p>
-          <a:p>
-            <a:pPr algn="ctr">
-              <a:buNone/>
-            </a:pPr>
-            <a:r>
-              <a:rPr lang="en-US" sz="4200" dirty="0" smtClean="0">
+              <a:rPr lang="en-US" sz="3400" dirty="0" smtClean="0">
+                <a:solidFill>
+                  <a:srgbClr val="363636"/>
+                </a:solidFill>
+              </a:rPr>
+              <a:t>Cordeiro de Deus,Cordeiro de Deus, Cordeiro de Deus,</a:t>
+            </a:r>
+          </a:p>
+          <a:p>
+            <a:pPr algn="ctr">
+              <a:buNone/>
+            </a:pPr>
+            <a:r>
+              <a:rPr lang="en-US" sz="3400" dirty="0" smtClean="0">
+                <a:solidFill>
+                  <a:srgbClr val="363636"/>
+                </a:solidFill>
+              </a:rPr>
+              <a:t>Tu que tiras o nosso pecado.(2x)</a:t>
+            </a:r>
+          </a:p>
+          <a:p>
+            <a:pPr algn="ctr">
+              <a:buNone/>
+            </a:pPr>
+            <a:r>
+              <a:rPr lang="en-US" sz="3400" dirty="0" smtClean="0">
+                <a:solidFill>
+                  <a:srgbClr val="363636"/>
+                </a:solidFill>
+              </a:rPr>
+              <a:t>TENDE PIEDADE DE NÓS,PIEDADE DE NÓS,PIEDADE DE</a:t>
+            </a:r>
+          </a:p>
+          <a:p>
+            <a:pPr algn="ctr">
+              <a:buNone/>
+            </a:pPr>
+            <a:r>
+              <a:rPr lang="en-US" sz="3400" dirty="0" smtClean="0">
+                <a:solidFill>
+                  <a:srgbClr val="363636"/>
+                </a:solidFill>
+              </a:rPr>
+              <a:t>NÓS,E DAÍ-NOS A PAZ!(2X)</a:t>
+            </a:r>
+          </a:p>
+          <a:p>
+            <a:pPr algn="ctr">
+              <a:buNone/>
+            </a:pPr>
+            <a:r>
+              <a:rPr lang="en-US" sz="3400" dirty="0" smtClean="0">
+                <a:solidFill>
+                  <a:srgbClr val="363636"/>
+                </a:solidFill>
+              </a:rPr>
+              <a:t>E DAÍ-NOS A PAZ....E DAÍ-NOS A PAZ</a:t>
+            </a:r>
+          </a:p>
+          <a:p>
+            <a:pPr algn="ctr">
+              <a:buNone/>
+            </a:pPr>
+            <a:r>
+              <a:rPr lang="en-US" sz="3400" dirty="0" smtClean="0">
                 <a:solidFill>
                   <a:srgbClr val="363636"/>
                 </a:solidFill>
@@ -8126,676 +8278,6 @@
 <file path=ppt/slides/slide34.xml><?xml version="1.0" encoding="utf-8"?>
 <p:sld xmlns:a="http://schemas.openxmlformats.org/drawingml/2006/main" xmlns:r="http://schemas.openxmlformats.org/officeDocument/2006/relationships" xmlns:p="http://schemas.openxmlformats.org/presentationml/2006/main">
   <p:cSld name="Slide 34">
-    <p:spTree>
-      <p:nvGrpSpPr>
-        <p:cNvPr id="1" name=""/>
-        <p:cNvGrpSpPr/>
-        <p:nvPr/>
-      </p:nvGrpSpPr>
-      <p:grpSpPr>
-        <a:xfrm>
-          <a:off x="0" y="0"/>
-          <a:ext cx="0" cy="0"/>
-          <a:chOff x="0" y="0"/>
-          <a:chExt cx="0" cy="0"/>
-        </a:xfrm>
-      </p:grpSpPr>
-      <p:sp>
-        <p:nvSpPr>
-          <p:cNvPr id="2" name="Object 1"/>
-          <p:cNvSpPr/>
-          <p:nvPr/>
-        </p:nvSpPr>
-        <p:spPr>
-          <a:xfrm>
-            <a:off x="0" y="257175"/>
-            <a:ext cx="9144000" cy="274320"/>
-          </a:xfrm>
-          <a:prstGeom prst="rect">
-            <a:avLst/>
-          </a:prstGeom>
-          <a:noFill/>
-        </p:spPr>
-        <p:txBody>
-          <a:bodyPr wrap="square" rtlCol="0" anchor="ctr"/>
-          <a:lstStyle/>
-          <a:p>
-            <a:pPr algn="ctr">
-              <a:buNone/>
-            </a:pPr>
-            <a:r>
-              <a:rPr lang="en-US" b="1" sz="2000" dirty="0" smtClean="0">
-                <a:solidFill>
-                  <a:srgbClr val="8F1010"/>
-                </a:solidFill>
-              </a:rPr>
-              <a:t>COMUNHÃO</a:t>
-            </a:r>
-            <a:endParaRPr lang="en-US" dirty="0"/>
-          </a:p>
-        </p:txBody>
-      </p:sp>
-      <p:sp>
-        <p:nvSpPr>
-          <p:cNvPr id="3" name="Object 2"/>
-          <p:cNvSpPr/>
-          <p:nvPr/>
-        </p:nvSpPr>
-        <p:spPr>
-          <a:xfrm>
-            <a:off x="457200" y="771525"/>
-            <a:ext cx="8229600" cy="4371975"/>
-          </a:xfrm>
-          <a:prstGeom prst="rect">
-            <a:avLst/>
-          </a:prstGeom>
-          <a:noFill/>
-        </p:spPr>
-        <p:txBody>
-          <a:bodyPr wrap="square" rtlCol="0" anchor="ctr"/>
-          <a:lstStyle/>
-          <a:p>
-            <a:pPr algn="ctr">
-              <a:buNone/>
-            </a:pPr>
-            <a:r>
-              <a:rPr lang="en-US" sz="3700" dirty="0" smtClean="0">
-                <a:solidFill>
-                  <a:srgbClr val="363636"/>
-                </a:solidFill>
-              </a:rPr>
-              <a:t>1.Reconstrói a tua vida em comunhão com teu Senhor.</a:t>
-            </a:r>
-          </a:p>
-          <a:p>
-            <a:pPr algn="ctr">
-              <a:buNone/>
-            </a:pPr>
-            <a:r>
-              <a:rPr lang="en-US" sz="3700" dirty="0" smtClean="0">
-                <a:solidFill>
-                  <a:srgbClr val="363636"/>
-                </a:solidFill>
-              </a:rPr>
-              <a:t>Reconstrói a tua vida em comunhão com teu irmão.</a:t>
-            </a:r>
-          </a:p>
-          <a:p>
-            <a:pPr algn="ctr">
-              <a:buNone/>
-            </a:pPr>
-            <a:r>
-              <a:rPr lang="en-US" sz="3700" dirty="0" smtClean="0">
-                <a:solidFill>
-                  <a:srgbClr val="363636"/>
-                </a:solidFill>
-              </a:rPr>
-              <a:t>Onde está o teu irmão, eu estou presente nele.</a:t>
-            </a:r>
-          </a:p>
-          <a:p>
-            <a:pPr algn="ctr">
-              <a:buNone/>
-            </a:pPr>
-            <a:r>
-              <a:rPr lang="en-US" sz="3700" dirty="0" smtClean="0">
-                <a:solidFill>
-                  <a:srgbClr val="363636"/>
-                </a:solidFill>
-              </a:rPr>
-              <a:t/>
-            </a:r>
-            <a:endParaRPr lang="en-US" dirty="0"/>
-          </a:p>
-        </p:txBody>
-      </p:sp>
-    </p:spTree>
-  </p:cSld>
-  <p:clrMapOvr>
-    <a:masterClrMapping/>
-  </p:clrMapOvr>
-</p:sld>
-</file>
-
-<file path=ppt/slides/slide35.xml><?xml version="1.0" encoding="utf-8"?>
-<p:sld xmlns:a="http://schemas.openxmlformats.org/drawingml/2006/main" xmlns:r="http://schemas.openxmlformats.org/officeDocument/2006/relationships" xmlns:p="http://schemas.openxmlformats.org/presentationml/2006/main">
-  <p:cSld name="Slide 35">
-    <p:spTree>
-      <p:nvGrpSpPr>
-        <p:cNvPr id="1" name=""/>
-        <p:cNvGrpSpPr/>
-        <p:nvPr/>
-      </p:nvGrpSpPr>
-      <p:grpSpPr>
-        <a:xfrm>
-          <a:off x="0" y="0"/>
-          <a:ext cx="0" cy="0"/>
-          <a:chOff x="0" y="0"/>
-          <a:chExt cx="0" cy="0"/>
-        </a:xfrm>
-      </p:grpSpPr>
-      <p:sp>
-        <p:nvSpPr>
-          <p:cNvPr id="2" name="Object 1"/>
-          <p:cNvSpPr/>
-          <p:nvPr/>
-        </p:nvSpPr>
-        <p:spPr>
-          <a:xfrm>
-            <a:off x="0" y="257175"/>
-            <a:ext cx="9144000" cy="274320"/>
-          </a:xfrm>
-          <a:prstGeom prst="rect">
-            <a:avLst/>
-          </a:prstGeom>
-          <a:noFill/>
-        </p:spPr>
-        <p:txBody>
-          <a:bodyPr wrap="square" rtlCol="0" anchor="ctr"/>
-          <a:lstStyle/>
-          <a:p>
-            <a:pPr algn="ctr">
-              <a:buNone/>
-            </a:pPr>
-            <a:r>
-              <a:rPr lang="en-US" b="1" sz="2000" dirty="0" smtClean="0">
-                <a:solidFill>
-                  <a:srgbClr val="8F1010"/>
-                </a:solidFill>
-              </a:rPr>
-              <a:t>COMUNHÃO</a:t>
-            </a:r>
-            <a:endParaRPr lang="en-US" dirty="0"/>
-          </a:p>
-        </p:txBody>
-      </p:sp>
-      <p:sp>
-        <p:nvSpPr>
-          <p:cNvPr id="3" name="Object 2"/>
-          <p:cNvSpPr/>
-          <p:nvPr/>
-        </p:nvSpPr>
-        <p:spPr>
-          <a:xfrm>
-            <a:off x="457200" y="771525"/>
-            <a:ext cx="8229600" cy="4371975"/>
-          </a:xfrm>
-          <a:prstGeom prst="rect">
-            <a:avLst/>
-          </a:prstGeom>
-          <a:noFill/>
-        </p:spPr>
-        <p:txBody>
-          <a:bodyPr wrap="square" rtlCol="0" anchor="ctr"/>
-          <a:lstStyle/>
-          <a:p>
-            <a:pPr algn="ctr">
-              <a:buNone/>
-            </a:pPr>
-            <a:r>
-              <a:rPr lang="en-US" sz="3700" dirty="0" smtClean="0">
-                <a:solidFill>
-                  <a:srgbClr val="363636"/>
-                </a:solidFill>
-              </a:rPr>
-              <a:t>2.Eu passei fazendo o bem, eu curei todos os males.</a:t>
-            </a:r>
-          </a:p>
-          <a:p>
-            <a:pPr algn="ctr">
-              <a:buNone/>
-            </a:pPr>
-            <a:r>
-              <a:rPr lang="en-US" sz="3700" dirty="0" smtClean="0">
-                <a:solidFill>
-                  <a:srgbClr val="363636"/>
-                </a:solidFill>
-              </a:rPr>
-              <a:t>Hoje és minha presença junto a todo o sofredor.</a:t>
-            </a:r>
-          </a:p>
-          <a:p>
-            <a:pPr algn="ctr">
-              <a:buNone/>
-            </a:pPr>
-            <a:r>
-              <a:rPr lang="en-US" sz="3700" dirty="0" smtClean="0">
-                <a:solidFill>
-                  <a:srgbClr val="363636"/>
-                </a:solidFill>
-              </a:rPr>
-              <a:t>Onde sofre o teu irmão, eu estou sofrendo nele.</a:t>
-            </a:r>
-          </a:p>
-          <a:p>
-            <a:pPr algn="ctr">
-              <a:buNone/>
-            </a:pPr>
-            <a:r>
-              <a:rPr lang="en-US" sz="3700" dirty="0" smtClean="0">
-                <a:solidFill>
-                  <a:srgbClr val="363636"/>
-                </a:solidFill>
-              </a:rPr>
-              <a:t/>
-            </a:r>
-            <a:endParaRPr lang="en-US" dirty="0"/>
-          </a:p>
-        </p:txBody>
-      </p:sp>
-    </p:spTree>
-  </p:cSld>
-  <p:clrMapOvr>
-    <a:masterClrMapping/>
-  </p:clrMapOvr>
-</p:sld>
-</file>
-
-<file path=ppt/slides/slide36.xml><?xml version="1.0" encoding="utf-8"?>
-<p:sld xmlns:a="http://schemas.openxmlformats.org/drawingml/2006/main" xmlns:r="http://schemas.openxmlformats.org/officeDocument/2006/relationships" xmlns:p="http://schemas.openxmlformats.org/presentationml/2006/main">
-  <p:cSld name="Slide 36">
-    <p:spTree>
-      <p:nvGrpSpPr>
-        <p:cNvPr id="1" name=""/>
-        <p:cNvGrpSpPr/>
-        <p:nvPr/>
-      </p:nvGrpSpPr>
-      <p:grpSpPr>
-        <a:xfrm>
-          <a:off x="0" y="0"/>
-          <a:ext cx="0" cy="0"/>
-          <a:chOff x="0" y="0"/>
-          <a:chExt cx="0" cy="0"/>
-        </a:xfrm>
-      </p:grpSpPr>
-      <p:sp>
-        <p:nvSpPr>
-          <p:cNvPr id="2" name="Object 1"/>
-          <p:cNvSpPr/>
-          <p:nvPr/>
-        </p:nvSpPr>
-        <p:spPr>
-          <a:xfrm>
-            <a:off x="0" y="257175"/>
-            <a:ext cx="9144000" cy="274320"/>
-          </a:xfrm>
-          <a:prstGeom prst="rect">
-            <a:avLst/>
-          </a:prstGeom>
-          <a:noFill/>
-        </p:spPr>
-        <p:txBody>
-          <a:bodyPr wrap="square" rtlCol="0" anchor="ctr"/>
-          <a:lstStyle/>
-          <a:p>
-            <a:pPr algn="ctr">
-              <a:buNone/>
-            </a:pPr>
-            <a:r>
-              <a:rPr lang="en-US" b="1" sz="2000" dirty="0" smtClean="0">
-                <a:solidFill>
-                  <a:srgbClr val="8F1010"/>
-                </a:solidFill>
-              </a:rPr>
-              <a:t>COMUNHÃO</a:t>
-            </a:r>
-            <a:endParaRPr lang="en-US" dirty="0"/>
-          </a:p>
-        </p:txBody>
-      </p:sp>
-      <p:sp>
-        <p:nvSpPr>
-          <p:cNvPr id="3" name="Object 2"/>
-          <p:cNvSpPr/>
-          <p:nvPr/>
-        </p:nvSpPr>
-        <p:spPr>
-          <a:xfrm>
-            <a:off x="457200" y="771525"/>
-            <a:ext cx="8229600" cy="4371975"/>
-          </a:xfrm>
-          <a:prstGeom prst="rect">
-            <a:avLst/>
-          </a:prstGeom>
-          <a:noFill/>
-        </p:spPr>
-        <p:txBody>
-          <a:bodyPr wrap="square" rtlCol="0" anchor="ctr"/>
-          <a:lstStyle/>
-          <a:p>
-            <a:pPr algn="ctr">
-              <a:buNone/>
-            </a:pPr>
-            <a:r>
-              <a:rPr lang="en-US" sz="3700" dirty="0" smtClean="0">
-                <a:solidFill>
-                  <a:srgbClr val="363636"/>
-                </a:solidFill>
-              </a:rPr>
-              <a:t>3.Quem comer o pão da vida viverá eternamente.</a:t>
-            </a:r>
-          </a:p>
-          <a:p>
-            <a:pPr algn="ctr">
-              <a:buNone/>
-            </a:pPr>
-            <a:r>
-              <a:rPr lang="en-US" sz="3700" dirty="0" smtClean="0">
-                <a:solidFill>
-                  <a:srgbClr val="363636"/>
-                </a:solidFill>
-              </a:rPr>
-              <a:t>Tenho pena deste povo que não tem o que comer,</a:t>
-            </a:r>
-          </a:p>
-          <a:p>
-            <a:pPr algn="ctr">
-              <a:buNone/>
-            </a:pPr>
-            <a:r>
-              <a:rPr lang="en-US" sz="3700" dirty="0" smtClean="0">
-                <a:solidFill>
-                  <a:srgbClr val="363636"/>
-                </a:solidFill>
-              </a:rPr>
-              <a:t>Onde está o irmão com fome, eu estou com fome nele.</a:t>
-            </a:r>
-          </a:p>
-          <a:p>
-            <a:pPr algn="ctr">
-              <a:buNone/>
-            </a:pPr>
-            <a:r>
-              <a:rPr lang="en-US" sz="3700" dirty="0" smtClean="0">
-                <a:solidFill>
-                  <a:srgbClr val="363636"/>
-                </a:solidFill>
-              </a:rPr>
-              <a:t/>
-            </a:r>
-            <a:endParaRPr lang="en-US" dirty="0"/>
-          </a:p>
-        </p:txBody>
-      </p:sp>
-    </p:spTree>
-  </p:cSld>
-  <p:clrMapOvr>
-    <a:masterClrMapping/>
-  </p:clrMapOvr>
-</p:sld>
-</file>
-
-<file path=ppt/slides/slide37.xml><?xml version="1.0" encoding="utf-8"?>
-<p:sld xmlns:a="http://schemas.openxmlformats.org/drawingml/2006/main" xmlns:r="http://schemas.openxmlformats.org/officeDocument/2006/relationships" xmlns:p="http://schemas.openxmlformats.org/presentationml/2006/main">
-  <p:cSld name="Slide 37">
-    <p:spTree>
-      <p:nvGrpSpPr>
-        <p:cNvPr id="1" name=""/>
-        <p:cNvGrpSpPr/>
-        <p:nvPr/>
-      </p:nvGrpSpPr>
-      <p:grpSpPr>
-        <a:xfrm>
-          <a:off x="0" y="0"/>
-          <a:ext cx="0" cy="0"/>
-          <a:chOff x="0" y="0"/>
-          <a:chExt cx="0" cy="0"/>
-        </a:xfrm>
-      </p:grpSpPr>
-      <p:sp>
-        <p:nvSpPr>
-          <p:cNvPr id="2" name="Object 1"/>
-          <p:cNvSpPr/>
-          <p:nvPr/>
-        </p:nvSpPr>
-        <p:spPr>
-          <a:xfrm>
-            <a:off x="0" y="257175"/>
-            <a:ext cx="9144000" cy="274320"/>
-          </a:xfrm>
-          <a:prstGeom prst="rect">
-            <a:avLst/>
-          </a:prstGeom>
-          <a:noFill/>
-        </p:spPr>
-        <p:txBody>
-          <a:bodyPr wrap="square" rtlCol="0" anchor="ctr"/>
-          <a:lstStyle/>
-          <a:p>
-            <a:pPr algn="ctr">
-              <a:buNone/>
-            </a:pPr>
-            <a:r>
-              <a:rPr lang="en-US" b="1" sz="2000" dirty="0" smtClean="0">
-                <a:solidFill>
-                  <a:srgbClr val="8F1010"/>
-                </a:solidFill>
-              </a:rPr>
-              <a:t>COMUNHÃO</a:t>
-            </a:r>
-            <a:endParaRPr lang="en-US" dirty="0"/>
-          </a:p>
-        </p:txBody>
-      </p:sp>
-      <p:sp>
-        <p:nvSpPr>
-          <p:cNvPr id="3" name="Object 2"/>
-          <p:cNvSpPr/>
-          <p:nvPr/>
-        </p:nvSpPr>
-        <p:spPr>
-          <a:xfrm>
-            <a:off x="457200" y="771525"/>
-            <a:ext cx="8229600" cy="4371975"/>
-          </a:xfrm>
-          <a:prstGeom prst="rect">
-            <a:avLst/>
-          </a:prstGeom>
-          <a:noFill/>
-        </p:spPr>
-        <p:txBody>
-          <a:bodyPr wrap="square" rtlCol="0" anchor="ctr"/>
-          <a:lstStyle/>
-          <a:p>
-            <a:pPr algn="ctr">
-              <a:buNone/>
-            </a:pPr>
-            <a:r>
-              <a:rPr lang="en-US" sz="3700" dirty="0" smtClean="0">
-                <a:solidFill>
-                  <a:srgbClr val="363636"/>
-                </a:solidFill>
-              </a:rPr>
-              <a:t>4.Entreguei a minha vida pela salvação de todos.</a:t>
-            </a:r>
-          </a:p>
-          <a:p>
-            <a:pPr algn="ctr">
-              <a:buNone/>
-            </a:pPr>
-            <a:r>
-              <a:rPr lang="en-US" sz="3700" dirty="0" smtClean="0">
-                <a:solidFill>
-                  <a:srgbClr val="363636"/>
-                </a:solidFill>
-              </a:rPr>
-              <a:t>Reconstrói, protege a vida de indefesos e inocentes:</a:t>
-            </a:r>
-          </a:p>
-          <a:p>
-            <a:pPr algn="ctr">
-              <a:buNone/>
-            </a:pPr>
-            <a:r>
-              <a:rPr lang="en-US" sz="3700" dirty="0" smtClean="0">
-                <a:solidFill>
-                  <a:srgbClr val="363636"/>
-                </a:solidFill>
-              </a:rPr>
-              <a:t>Onde morre o teu irmão, eu estou morrendo nele.</a:t>
-            </a:r>
-          </a:p>
-          <a:p>
-            <a:pPr algn="ctr">
-              <a:buNone/>
-            </a:pPr>
-            <a:r>
-              <a:rPr lang="en-US" sz="3700" dirty="0" smtClean="0">
-                <a:solidFill>
-                  <a:srgbClr val="363636"/>
-                </a:solidFill>
-              </a:rPr>
-              <a:t/>
-            </a:r>
-            <a:endParaRPr lang="en-US" dirty="0"/>
-          </a:p>
-        </p:txBody>
-      </p:sp>
-    </p:spTree>
-  </p:cSld>
-  <p:clrMapOvr>
-    <a:masterClrMapping/>
-  </p:clrMapOvr>
-</p:sld>
-</file>
-
-<file path=ppt/slides/slide38.xml><?xml version="1.0" encoding="utf-8"?>
-<p:sld xmlns:a="http://schemas.openxmlformats.org/drawingml/2006/main" xmlns:r="http://schemas.openxmlformats.org/officeDocument/2006/relationships" xmlns:p="http://schemas.openxmlformats.org/presentationml/2006/main">
-  <p:cSld name="Slide 38">
-    <p:spTree>
-      <p:nvGrpSpPr>
-        <p:cNvPr id="1" name=""/>
-        <p:cNvGrpSpPr/>
-        <p:nvPr/>
-      </p:nvGrpSpPr>
-      <p:grpSpPr>
-        <a:xfrm>
-          <a:off x="0" y="0"/>
-          <a:ext cx="0" cy="0"/>
-          <a:chOff x="0" y="0"/>
-          <a:chExt cx="0" cy="0"/>
-        </a:xfrm>
-      </p:grpSpPr>
-      <p:sp>
-        <p:nvSpPr>
-          <p:cNvPr id="2" name="Object 1"/>
-          <p:cNvSpPr/>
-          <p:nvPr/>
-        </p:nvSpPr>
-        <p:spPr>
-          <a:xfrm>
-            <a:off x="0" y="257175"/>
-            <a:ext cx="9144000" cy="274320"/>
-          </a:xfrm>
-          <a:prstGeom prst="rect">
-            <a:avLst/>
-          </a:prstGeom>
-          <a:noFill/>
-        </p:spPr>
-        <p:txBody>
-          <a:bodyPr wrap="square" rtlCol="0" anchor="ctr"/>
-          <a:lstStyle/>
-          <a:p>
-            <a:pPr algn="ctr">
-              <a:buNone/>
-            </a:pPr>
-            <a:r>
-              <a:rPr lang="en-US" b="1" sz="2000" dirty="0" smtClean="0">
-                <a:solidFill>
-                  <a:srgbClr val="8F1010"/>
-                </a:solidFill>
-              </a:rPr>
-              <a:t>COMUNHÃO</a:t>
-            </a:r>
-            <a:endParaRPr lang="en-US" dirty="0"/>
-          </a:p>
-        </p:txBody>
-      </p:sp>
-      <p:sp>
-        <p:nvSpPr>
-          <p:cNvPr id="3" name="Object 2"/>
-          <p:cNvSpPr/>
-          <p:nvPr/>
-        </p:nvSpPr>
-        <p:spPr>
-          <a:xfrm>
-            <a:off x="457200" y="771525"/>
-            <a:ext cx="8229600" cy="4371975"/>
-          </a:xfrm>
-          <a:prstGeom prst="rect">
-            <a:avLst/>
-          </a:prstGeom>
-          <a:noFill/>
-        </p:spPr>
-        <p:txBody>
-          <a:bodyPr wrap="square" rtlCol="0" anchor="ctr"/>
-          <a:lstStyle/>
-          <a:p>
-            <a:pPr algn="ctr">
-              <a:buNone/>
-            </a:pPr>
-            <a:r>
-              <a:rPr lang="en-US" sz="3700" dirty="0" smtClean="0">
-                <a:solidFill>
-                  <a:srgbClr val="363636"/>
-                </a:solidFill>
-              </a:rPr>
-              <a:t>5.Vim buscar e vim salvar o que estava já perdido.</a:t>
-            </a:r>
-          </a:p>
-          <a:p>
-            <a:pPr algn="ctr">
-              <a:buNone/>
-            </a:pPr>
-            <a:r>
-              <a:rPr lang="en-US" sz="3700" dirty="0" smtClean="0">
-                <a:solidFill>
-                  <a:srgbClr val="363636"/>
-                </a:solidFill>
-              </a:rPr>
-              <a:t>Busca, salva e reconduz a quem perdeu toda a esperança:</a:t>
-            </a:r>
-          </a:p>
-          <a:p>
-            <a:pPr algn="ctr">
-              <a:buNone/>
-            </a:pPr>
-            <a:r>
-              <a:rPr lang="en-US" sz="3700" dirty="0" smtClean="0">
-                <a:solidFill>
-                  <a:srgbClr val="363636"/>
-                </a:solidFill>
-              </a:rPr>
-              <a:t>Onde salvas teu irmão, Tu me estás salvando nele.</a:t>
-            </a:r>
-          </a:p>
-          <a:p>
-            <a:pPr algn="ctr">
-              <a:buNone/>
-            </a:pPr>
-            <a:r>
-              <a:rPr lang="en-US" sz="3700" dirty="0" smtClean="0">
-                <a:solidFill>
-                  <a:srgbClr val="363636"/>
-                </a:solidFill>
-              </a:rPr>
-              <a:t/>
-            </a:r>
-            <a:endParaRPr lang="en-US" dirty="0"/>
-          </a:p>
-        </p:txBody>
-      </p:sp>
-    </p:spTree>
-  </p:cSld>
-  <p:clrMapOvr>
-    <a:masterClrMapping/>
-  </p:clrMapOvr>
-</p:sld>
-</file>
-
-<file path=ppt/slides/slide39.xml><?xml version="1.0" encoding="utf-8"?>
-<p:sld xmlns:a="http://schemas.openxmlformats.org/drawingml/2006/main" xmlns:r="http://schemas.openxmlformats.org/officeDocument/2006/relationships" xmlns:p="http://schemas.openxmlformats.org/presentationml/2006/main">
-  <p:cSld name="Slide 39">
     <p:spTree>
       <p:nvGrpSpPr>
         <p:cNvPr id="1" name=""/>
@@ -8827,13 +8309,670 @@
         <p:spPr>
           <a:xfrm>
             <a:off x="0" y="0"/>
-            <a:ext cx="9144000" cy="5486400"/>
+            <a:ext cx="9144000" cy="5143500"/>
           </a:xfrm>
           <a:prstGeom prst="rect">
             <a:avLst/>
           </a:prstGeom>
         </p:spPr>
       </p:pic>
+    </p:spTree>
+  </p:cSld>
+  <p:clrMapOvr>
+    <a:masterClrMapping/>
+  </p:clrMapOvr>
+</p:sld>
+</file>
+
+<file path=ppt/slides/slide35.xml><?xml version="1.0" encoding="utf-8"?>
+<p:sld xmlns:a="http://schemas.openxmlformats.org/drawingml/2006/main" xmlns:r="http://schemas.openxmlformats.org/officeDocument/2006/relationships" xmlns:p="http://schemas.openxmlformats.org/presentationml/2006/main">
+  <p:cSld name="Slide 35">
+    <p:spTree>
+      <p:nvGrpSpPr>
+        <p:cNvPr id="1" name=""/>
+        <p:cNvGrpSpPr/>
+        <p:nvPr/>
+      </p:nvGrpSpPr>
+      <p:grpSpPr>
+        <a:xfrm>
+          <a:off x="0" y="0"/>
+          <a:ext cx="0" cy="0"/>
+          <a:chOff x="0" y="0"/>
+          <a:chExt cx="0" cy="0"/>
+        </a:xfrm>
+      </p:grpSpPr>
+      <p:sp>
+        <p:nvSpPr>
+          <p:cNvPr id="2" name="Object 1"/>
+          <p:cNvSpPr/>
+          <p:nvPr/>
+        </p:nvSpPr>
+        <p:spPr>
+          <a:xfrm>
+            <a:off x="0" y="257175"/>
+            <a:ext cx="9144000" cy="274320"/>
+          </a:xfrm>
+          <a:prstGeom prst="rect">
+            <a:avLst/>
+          </a:prstGeom>
+          <a:noFill/>
+        </p:spPr>
+        <p:txBody>
+          <a:bodyPr wrap="square" rtlCol="0" anchor="ctr"/>
+          <a:lstStyle/>
+          <a:p>
+            <a:pPr algn="ctr">
+              <a:buNone/>
+            </a:pPr>
+            <a:r>
+              <a:rPr lang="en-US" b="1" sz="2000" dirty="0" smtClean="0">
+                <a:solidFill>
+                  <a:srgbClr val="8F1010"/>
+                </a:solidFill>
+              </a:rPr>
+              <a:t>COMUNHÃO</a:t>
+            </a:r>
+            <a:endParaRPr lang="en-US" dirty="0"/>
+          </a:p>
+        </p:txBody>
+      </p:sp>
+      <p:sp>
+        <p:nvSpPr>
+          <p:cNvPr id="3" name="Object 2"/>
+          <p:cNvSpPr/>
+          <p:nvPr/>
+        </p:nvSpPr>
+        <p:spPr>
+          <a:xfrm>
+            <a:off x="457200" y="771525"/>
+            <a:ext cx="8229600" cy="4371975"/>
+          </a:xfrm>
+          <a:prstGeom prst="rect">
+            <a:avLst/>
+          </a:prstGeom>
+          <a:noFill/>
+        </p:spPr>
+        <p:txBody>
+          <a:bodyPr wrap="square" rtlCol="0" anchor="ctr"/>
+          <a:lstStyle/>
+          <a:p>
+            <a:pPr algn="ctr">
+              <a:buNone/>
+            </a:pPr>
+            <a:r>
+              <a:rPr lang="en-US" sz="4200" dirty="0" smtClean="0">
+                <a:solidFill>
+                  <a:srgbClr val="363636"/>
+                </a:solidFill>
+              </a:rPr>
+              <a:t>Eu vim para que todos tenham vida,</a:t>
+            </a:r>
+          </a:p>
+          <a:p>
+            <a:pPr algn="ctr">
+              <a:buNone/>
+            </a:pPr>
+            <a:r>
+              <a:rPr lang="en-US" sz="4200" dirty="0" smtClean="0">
+                <a:solidFill>
+                  <a:srgbClr val="363636"/>
+                </a:solidFill>
+              </a:rPr>
+              <a:t>Que todos tenham vida plenamente.</a:t>
+            </a:r>
+          </a:p>
+          <a:p>
+            <a:pPr algn="ctr">
+              <a:buNone/>
+            </a:pPr>
+            <a:r>
+              <a:rPr lang="en-US" sz="4200" dirty="0" smtClean="0">
+                <a:solidFill>
+                  <a:srgbClr val="363636"/>
+                </a:solidFill>
+              </a:rPr>
+              <a:t/>
+            </a:r>
+            <a:endParaRPr lang="en-US" dirty="0"/>
+          </a:p>
+        </p:txBody>
+      </p:sp>
+    </p:spTree>
+  </p:cSld>
+  <p:clrMapOvr>
+    <a:masterClrMapping/>
+  </p:clrMapOvr>
+</p:sld>
+</file>
+
+<file path=ppt/slides/slide36.xml><?xml version="1.0" encoding="utf-8"?>
+<p:sld xmlns:a="http://schemas.openxmlformats.org/drawingml/2006/main" xmlns:r="http://schemas.openxmlformats.org/officeDocument/2006/relationships" xmlns:p="http://schemas.openxmlformats.org/presentationml/2006/main">
+  <p:cSld name="Slide 36">
+    <p:spTree>
+      <p:nvGrpSpPr>
+        <p:cNvPr id="1" name=""/>
+        <p:cNvGrpSpPr/>
+        <p:nvPr/>
+      </p:nvGrpSpPr>
+      <p:grpSpPr>
+        <a:xfrm>
+          <a:off x="0" y="0"/>
+          <a:ext cx="0" cy="0"/>
+          <a:chOff x="0" y="0"/>
+          <a:chExt cx="0" cy="0"/>
+        </a:xfrm>
+      </p:grpSpPr>
+      <p:sp>
+        <p:nvSpPr>
+          <p:cNvPr id="2" name="Object 1"/>
+          <p:cNvSpPr/>
+          <p:nvPr/>
+        </p:nvSpPr>
+        <p:spPr>
+          <a:xfrm>
+            <a:off x="0" y="257175"/>
+            <a:ext cx="9144000" cy="274320"/>
+          </a:xfrm>
+          <a:prstGeom prst="rect">
+            <a:avLst/>
+          </a:prstGeom>
+          <a:noFill/>
+        </p:spPr>
+        <p:txBody>
+          <a:bodyPr wrap="square" rtlCol="0" anchor="ctr"/>
+          <a:lstStyle/>
+          <a:p>
+            <a:pPr algn="ctr">
+              <a:buNone/>
+            </a:pPr>
+            <a:r>
+              <a:rPr lang="en-US" b="1" sz="2000" dirty="0" smtClean="0">
+                <a:solidFill>
+                  <a:srgbClr val="8F1010"/>
+                </a:solidFill>
+              </a:rPr>
+              <a:t>COMUNHÃO</a:t>
+            </a:r>
+            <a:endParaRPr lang="en-US" dirty="0"/>
+          </a:p>
+        </p:txBody>
+      </p:sp>
+      <p:sp>
+        <p:nvSpPr>
+          <p:cNvPr id="3" name="Object 2"/>
+          <p:cNvSpPr/>
+          <p:nvPr/>
+        </p:nvSpPr>
+        <p:spPr>
+          <a:xfrm>
+            <a:off x="457200" y="771525"/>
+            <a:ext cx="8229600" cy="4371975"/>
+          </a:xfrm>
+          <a:prstGeom prst="rect">
+            <a:avLst/>
+          </a:prstGeom>
+          <a:noFill/>
+        </p:spPr>
+        <p:txBody>
+          <a:bodyPr wrap="square" rtlCol="0" anchor="ctr"/>
+          <a:lstStyle/>
+          <a:p>
+            <a:pPr algn="ctr">
+              <a:buNone/>
+            </a:pPr>
+            <a:r>
+              <a:rPr lang="en-US" sz="3700" dirty="0" smtClean="0">
+                <a:solidFill>
+                  <a:srgbClr val="363636"/>
+                </a:solidFill>
+              </a:rPr>
+              <a:t>1.Reconstrói a tua vida em comunhão com teu Senhor.</a:t>
+            </a:r>
+          </a:p>
+          <a:p>
+            <a:pPr algn="ctr">
+              <a:buNone/>
+            </a:pPr>
+            <a:r>
+              <a:rPr lang="en-US" sz="3700" dirty="0" smtClean="0">
+                <a:solidFill>
+                  <a:srgbClr val="363636"/>
+                </a:solidFill>
+              </a:rPr>
+              <a:t>Reconstrói a tua vida em comunhão com teu irmão.</a:t>
+            </a:r>
+          </a:p>
+          <a:p>
+            <a:pPr algn="ctr">
+              <a:buNone/>
+            </a:pPr>
+            <a:r>
+              <a:rPr lang="en-US" sz="3700" dirty="0" smtClean="0">
+                <a:solidFill>
+                  <a:srgbClr val="363636"/>
+                </a:solidFill>
+              </a:rPr>
+              <a:t>Onde está o teu irmão, eu estou presente nele.</a:t>
+            </a:r>
+          </a:p>
+          <a:p>
+            <a:pPr algn="ctr">
+              <a:buNone/>
+            </a:pPr>
+            <a:r>
+              <a:rPr lang="en-US" sz="3700" dirty="0" smtClean="0">
+                <a:solidFill>
+                  <a:srgbClr val="363636"/>
+                </a:solidFill>
+              </a:rPr>
+              <a:t/>
+            </a:r>
+            <a:endParaRPr lang="en-US" dirty="0"/>
+          </a:p>
+        </p:txBody>
+      </p:sp>
+    </p:spTree>
+  </p:cSld>
+  <p:clrMapOvr>
+    <a:masterClrMapping/>
+  </p:clrMapOvr>
+</p:sld>
+</file>
+
+<file path=ppt/slides/slide37.xml><?xml version="1.0" encoding="utf-8"?>
+<p:sld xmlns:a="http://schemas.openxmlformats.org/drawingml/2006/main" xmlns:r="http://schemas.openxmlformats.org/officeDocument/2006/relationships" xmlns:p="http://schemas.openxmlformats.org/presentationml/2006/main">
+  <p:cSld name="Slide 37">
+    <p:spTree>
+      <p:nvGrpSpPr>
+        <p:cNvPr id="1" name=""/>
+        <p:cNvGrpSpPr/>
+        <p:nvPr/>
+      </p:nvGrpSpPr>
+      <p:grpSpPr>
+        <a:xfrm>
+          <a:off x="0" y="0"/>
+          <a:ext cx="0" cy="0"/>
+          <a:chOff x="0" y="0"/>
+          <a:chExt cx="0" cy="0"/>
+        </a:xfrm>
+      </p:grpSpPr>
+      <p:sp>
+        <p:nvSpPr>
+          <p:cNvPr id="2" name="Object 1"/>
+          <p:cNvSpPr/>
+          <p:nvPr/>
+        </p:nvSpPr>
+        <p:spPr>
+          <a:xfrm>
+            <a:off x="0" y="257175"/>
+            <a:ext cx="9144000" cy="274320"/>
+          </a:xfrm>
+          <a:prstGeom prst="rect">
+            <a:avLst/>
+          </a:prstGeom>
+          <a:noFill/>
+        </p:spPr>
+        <p:txBody>
+          <a:bodyPr wrap="square" rtlCol="0" anchor="ctr"/>
+          <a:lstStyle/>
+          <a:p>
+            <a:pPr algn="ctr">
+              <a:buNone/>
+            </a:pPr>
+            <a:r>
+              <a:rPr lang="en-US" b="1" sz="2000" dirty="0" smtClean="0">
+                <a:solidFill>
+                  <a:srgbClr val="8F1010"/>
+                </a:solidFill>
+              </a:rPr>
+              <a:t>COMUNHÃO</a:t>
+            </a:r>
+            <a:endParaRPr lang="en-US" dirty="0"/>
+          </a:p>
+        </p:txBody>
+      </p:sp>
+      <p:sp>
+        <p:nvSpPr>
+          <p:cNvPr id="3" name="Object 2"/>
+          <p:cNvSpPr/>
+          <p:nvPr/>
+        </p:nvSpPr>
+        <p:spPr>
+          <a:xfrm>
+            <a:off x="457200" y="771525"/>
+            <a:ext cx="8229600" cy="4371975"/>
+          </a:xfrm>
+          <a:prstGeom prst="rect">
+            <a:avLst/>
+          </a:prstGeom>
+          <a:noFill/>
+        </p:spPr>
+        <p:txBody>
+          <a:bodyPr wrap="square" rtlCol="0" anchor="ctr"/>
+          <a:lstStyle/>
+          <a:p>
+            <a:pPr algn="ctr">
+              <a:buNone/>
+            </a:pPr>
+            <a:r>
+              <a:rPr lang="en-US" sz="3700" dirty="0" smtClean="0">
+                <a:solidFill>
+                  <a:srgbClr val="363636"/>
+                </a:solidFill>
+              </a:rPr>
+              <a:t>2.Eu passei fazendo o bem, eu curei todos os males.</a:t>
+            </a:r>
+          </a:p>
+          <a:p>
+            <a:pPr algn="ctr">
+              <a:buNone/>
+            </a:pPr>
+            <a:r>
+              <a:rPr lang="en-US" sz="3700" dirty="0" smtClean="0">
+                <a:solidFill>
+                  <a:srgbClr val="363636"/>
+                </a:solidFill>
+              </a:rPr>
+              <a:t>Hoje és minha presença junto a todo o sofredor.</a:t>
+            </a:r>
+          </a:p>
+          <a:p>
+            <a:pPr algn="ctr">
+              <a:buNone/>
+            </a:pPr>
+            <a:r>
+              <a:rPr lang="en-US" sz="3700" dirty="0" smtClean="0">
+                <a:solidFill>
+                  <a:srgbClr val="363636"/>
+                </a:solidFill>
+              </a:rPr>
+              <a:t>Onde sofre o teu irmão, eu estou sofrendo nele.</a:t>
+            </a:r>
+          </a:p>
+          <a:p>
+            <a:pPr algn="ctr">
+              <a:buNone/>
+            </a:pPr>
+            <a:r>
+              <a:rPr lang="en-US" sz="3700" dirty="0" smtClean="0">
+                <a:solidFill>
+                  <a:srgbClr val="363636"/>
+                </a:solidFill>
+              </a:rPr>
+              <a:t/>
+            </a:r>
+            <a:endParaRPr lang="en-US" dirty="0"/>
+          </a:p>
+        </p:txBody>
+      </p:sp>
+    </p:spTree>
+  </p:cSld>
+  <p:clrMapOvr>
+    <a:masterClrMapping/>
+  </p:clrMapOvr>
+</p:sld>
+</file>
+
+<file path=ppt/slides/slide38.xml><?xml version="1.0" encoding="utf-8"?>
+<p:sld xmlns:a="http://schemas.openxmlformats.org/drawingml/2006/main" xmlns:r="http://schemas.openxmlformats.org/officeDocument/2006/relationships" xmlns:p="http://schemas.openxmlformats.org/presentationml/2006/main">
+  <p:cSld name="Slide 38">
+    <p:spTree>
+      <p:nvGrpSpPr>
+        <p:cNvPr id="1" name=""/>
+        <p:cNvGrpSpPr/>
+        <p:nvPr/>
+      </p:nvGrpSpPr>
+      <p:grpSpPr>
+        <a:xfrm>
+          <a:off x="0" y="0"/>
+          <a:ext cx="0" cy="0"/>
+          <a:chOff x="0" y="0"/>
+          <a:chExt cx="0" cy="0"/>
+        </a:xfrm>
+      </p:grpSpPr>
+      <p:sp>
+        <p:nvSpPr>
+          <p:cNvPr id="2" name="Object 1"/>
+          <p:cNvSpPr/>
+          <p:nvPr/>
+        </p:nvSpPr>
+        <p:spPr>
+          <a:xfrm>
+            <a:off x="0" y="257175"/>
+            <a:ext cx="9144000" cy="274320"/>
+          </a:xfrm>
+          <a:prstGeom prst="rect">
+            <a:avLst/>
+          </a:prstGeom>
+          <a:noFill/>
+        </p:spPr>
+        <p:txBody>
+          <a:bodyPr wrap="square" rtlCol="0" anchor="ctr"/>
+          <a:lstStyle/>
+          <a:p>
+            <a:pPr algn="ctr">
+              <a:buNone/>
+            </a:pPr>
+            <a:r>
+              <a:rPr lang="en-US" b="1" sz="2000" dirty="0" smtClean="0">
+                <a:solidFill>
+                  <a:srgbClr val="8F1010"/>
+                </a:solidFill>
+              </a:rPr>
+              <a:t>COMUNHÃO</a:t>
+            </a:r>
+            <a:endParaRPr lang="en-US" dirty="0"/>
+          </a:p>
+        </p:txBody>
+      </p:sp>
+      <p:sp>
+        <p:nvSpPr>
+          <p:cNvPr id="3" name="Object 2"/>
+          <p:cNvSpPr/>
+          <p:nvPr/>
+        </p:nvSpPr>
+        <p:spPr>
+          <a:xfrm>
+            <a:off x="457200" y="771525"/>
+            <a:ext cx="8229600" cy="4371975"/>
+          </a:xfrm>
+          <a:prstGeom prst="rect">
+            <a:avLst/>
+          </a:prstGeom>
+          <a:noFill/>
+        </p:spPr>
+        <p:txBody>
+          <a:bodyPr wrap="square" rtlCol="0" anchor="ctr"/>
+          <a:lstStyle/>
+          <a:p>
+            <a:pPr algn="ctr">
+              <a:buNone/>
+            </a:pPr>
+            <a:r>
+              <a:rPr lang="en-US" sz="3700" dirty="0" smtClean="0">
+                <a:solidFill>
+                  <a:srgbClr val="363636"/>
+                </a:solidFill>
+              </a:rPr>
+              <a:t>3.Quem comer o pão da vida viverá eternamente.</a:t>
+            </a:r>
+          </a:p>
+          <a:p>
+            <a:pPr algn="ctr">
+              <a:buNone/>
+            </a:pPr>
+            <a:r>
+              <a:rPr lang="en-US" sz="3700" dirty="0" smtClean="0">
+                <a:solidFill>
+                  <a:srgbClr val="363636"/>
+                </a:solidFill>
+              </a:rPr>
+              <a:t>Tenho pena deste povo que não tem o que comer,</a:t>
+            </a:r>
+          </a:p>
+          <a:p>
+            <a:pPr algn="ctr">
+              <a:buNone/>
+            </a:pPr>
+            <a:r>
+              <a:rPr lang="en-US" sz="3700" dirty="0" smtClean="0">
+                <a:solidFill>
+                  <a:srgbClr val="363636"/>
+                </a:solidFill>
+              </a:rPr>
+              <a:t>Onde está o irmão com fome, eu estou com fome nele.</a:t>
+            </a:r>
+          </a:p>
+          <a:p>
+            <a:pPr algn="ctr">
+              <a:buNone/>
+            </a:pPr>
+            <a:r>
+              <a:rPr lang="en-US" sz="3700" dirty="0" smtClean="0">
+                <a:solidFill>
+                  <a:srgbClr val="363636"/>
+                </a:solidFill>
+              </a:rPr>
+              <a:t/>
+            </a:r>
+            <a:endParaRPr lang="en-US" dirty="0"/>
+          </a:p>
+        </p:txBody>
+      </p:sp>
+    </p:spTree>
+  </p:cSld>
+  <p:clrMapOvr>
+    <a:masterClrMapping/>
+  </p:clrMapOvr>
+</p:sld>
+</file>
+
+<file path=ppt/slides/slide39.xml><?xml version="1.0" encoding="utf-8"?>
+<p:sld xmlns:a="http://schemas.openxmlformats.org/drawingml/2006/main" xmlns:r="http://schemas.openxmlformats.org/officeDocument/2006/relationships" xmlns:p="http://schemas.openxmlformats.org/presentationml/2006/main">
+  <p:cSld name="Slide 39">
+    <p:spTree>
+      <p:nvGrpSpPr>
+        <p:cNvPr id="1" name=""/>
+        <p:cNvGrpSpPr/>
+        <p:nvPr/>
+      </p:nvGrpSpPr>
+      <p:grpSpPr>
+        <a:xfrm>
+          <a:off x="0" y="0"/>
+          <a:ext cx="0" cy="0"/>
+          <a:chOff x="0" y="0"/>
+          <a:chExt cx="0" cy="0"/>
+        </a:xfrm>
+      </p:grpSpPr>
+      <p:sp>
+        <p:nvSpPr>
+          <p:cNvPr id="2" name="Object 1"/>
+          <p:cNvSpPr/>
+          <p:nvPr/>
+        </p:nvSpPr>
+        <p:spPr>
+          <a:xfrm>
+            <a:off x="0" y="257175"/>
+            <a:ext cx="9144000" cy="274320"/>
+          </a:xfrm>
+          <a:prstGeom prst="rect">
+            <a:avLst/>
+          </a:prstGeom>
+          <a:noFill/>
+        </p:spPr>
+        <p:txBody>
+          <a:bodyPr wrap="square" rtlCol="0" anchor="ctr"/>
+          <a:lstStyle/>
+          <a:p>
+            <a:pPr algn="ctr">
+              <a:buNone/>
+            </a:pPr>
+            <a:r>
+              <a:rPr lang="en-US" b="1" sz="2000" dirty="0" smtClean="0">
+                <a:solidFill>
+                  <a:srgbClr val="8F1010"/>
+                </a:solidFill>
+              </a:rPr>
+              <a:t>COMUNHÃO</a:t>
+            </a:r>
+            <a:endParaRPr lang="en-US" dirty="0"/>
+          </a:p>
+        </p:txBody>
+      </p:sp>
+      <p:sp>
+        <p:nvSpPr>
+          <p:cNvPr id="3" name="Object 2"/>
+          <p:cNvSpPr/>
+          <p:nvPr/>
+        </p:nvSpPr>
+        <p:spPr>
+          <a:xfrm>
+            <a:off x="457200" y="771525"/>
+            <a:ext cx="8229600" cy="4371975"/>
+          </a:xfrm>
+          <a:prstGeom prst="rect">
+            <a:avLst/>
+          </a:prstGeom>
+          <a:noFill/>
+        </p:spPr>
+        <p:txBody>
+          <a:bodyPr wrap="square" rtlCol="0" anchor="ctr"/>
+          <a:lstStyle/>
+          <a:p>
+            <a:pPr algn="ctr">
+              <a:buNone/>
+            </a:pPr>
+            <a:r>
+              <a:rPr lang="en-US" sz="3700" dirty="0" smtClean="0">
+                <a:solidFill>
+                  <a:srgbClr val="363636"/>
+                </a:solidFill>
+              </a:rPr>
+              <a:t>4.Entreguei a minha vida pela salvação de todos.</a:t>
+            </a:r>
+          </a:p>
+          <a:p>
+            <a:pPr algn="ctr">
+              <a:buNone/>
+            </a:pPr>
+            <a:r>
+              <a:rPr lang="en-US" sz="3700" dirty="0" smtClean="0">
+                <a:solidFill>
+                  <a:srgbClr val="363636"/>
+                </a:solidFill>
+              </a:rPr>
+              <a:t>Reconstrói, protege a vida de indefesos e inocentes:</a:t>
+            </a:r>
+          </a:p>
+          <a:p>
+            <a:pPr algn="ctr">
+              <a:buNone/>
+            </a:pPr>
+            <a:r>
+              <a:rPr lang="en-US" sz="3700" dirty="0" smtClean="0">
+                <a:solidFill>
+                  <a:srgbClr val="363636"/>
+                </a:solidFill>
+              </a:rPr>
+              <a:t>Onde morre o teu irmão, eu estou morrendo nele.</a:t>
+            </a:r>
+          </a:p>
+          <a:p>
+            <a:pPr algn="ctr">
+              <a:buNone/>
+            </a:pPr>
+            <a:r>
+              <a:rPr lang="en-US" sz="3700" dirty="0" smtClean="0">
+                <a:solidFill>
+                  <a:srgbClr val="363636"/>
+                </a:solidFill>
+              </a:rPr>
+              <a:t/>
+            </a:r>
+            <a:endParaRPr lang="en-US" dirty="0"/>
+          </a:p>
+        </p:txBody>
+      </p:sp>
     </p:spTree>
   </p:cSld>
   <p:clrMapOvr>
@@ -9009,7 +9148,7 @@
                   <a:srgbClr val="8F1010"/>
                 </a:solidFill>
               </a:rPr>
-              <a:t>PRECIOSA SÃO AS HORAS</a:t>
+              <a:t>COMUNHÃO</a:t>
             </a:r>
             <a:endParaRPr lang="en-US" dirty="0"/>
           </a:p>
@@ -9039,59 +9178,46 @@
               <a:buNone/>
             </a:pPr>
             <a:r>
-              <a:rPr lang="en-US" sz="3600" dirty="0" smtClean="0">
-                <a:solidFill>
-                  <a:srgbClr val="363636"/>
-                </a:solidFill>
-              </a:rPr>
-              <a:t>COMUNHÃO DELICIOSA , DA MINH'ALMA COM A LUZ.</a:t>
-            </a:r>
-          </a:p>
-          <a:p>
-            <a:pPr algn="ctr">
-              <a:buNone/>
-            </a:pPr>
-            <a:r>
-              <a:rPr lang="en-US" sz="3600" dirty="0" smtClean="0">
-                <a:solidFill>
-                  <a:srgbClr val="363636"/>
-                </a:solidFill>
-              </a:rPr>
-              <a:t>OS CUIDADOS DESTE MUNDO, NUNCA PODEM ME ABALAR,</a:t>
-            </a:r>
-          </a:p>
-          <a:p>
-            <a:pPr algn="ctr">
-              <a:buNone/>
-            </a:pPr>
-            <a:r>
-              <a:rPr lang="en-US" sz="3600" dirty="0" smtClean="0">
-                <a:solidFill>
-                  <a:srgbClr val="363636"/>
-                </a:solidFill>
-              </a:rPr>
-              <a:t>MEU ABRIGO, NELE POSSO CONFIAR.</a:t>
-            </a:r>
-          </a:p>
-          <a:p>
-            <a:pPr algn="ctr">
-              <a:buNone/>
-            </a:pPr>
-            <a:r>
-              <a:rPr lang="en-US" sz="3600" dirty="0" smtClean="0">
-                <a:solidFill>
-                  <a:srgbClr val="363636"/>
-                </a:solidFill>
-              </a:rPr>
-              <a:t>ELE VIVE, ELE VIVE E PRESENTE AQUI ESTÁ! (BIS)</a:t>
-            </a:r>
-          </a:p>
-          <a:p>
-            <a:pPr algn="ctr">
-              <a:buNone/>
-            </a:pPr>
-            <a:r>
-              <a:rPr lang="en-US" sz="3600" dirty="0" smtClean="0">
+              <a:rPr lang="en-US" sz="3700" dirty="0" smtClean="0">
+                <a:solidFill>
+                  <a:srgbClr val="363636"/>
+                </a:solidFill>
+              </a:rPr>
+              <a:t>5.Vim buscar e vim salvar o que estava já perdido.</a:t>
+            </a:r>
+          </a:p>
+          <a:p>
+            <a:pPr algn="ctr">
+              <a:buNone/>
+            </a:pPr>
+            <a:r>
+              <a:rPr lang="en-US" sz="3700" dirty="0" smtClean="0">
+                <a:solidFill>
+                  <a:srgbClr val="363636"/>
+                </a:solidFill>
+              </a:rPr>
+              <a:t>Busca, salva e reconduz a quem perdeu toda a esperança:</a:t>
+            </a:r>
+          </a:p>
+          <a:p>
+            <a:pPr algn="ctr">
+              <a:buNone/>
+            </a:pPr>
+            <a:r>
+              <a:rPr lang="en-US" sz="3700" dirty="0" smtClean="0">
+                <a:solidFill>
+                  <a:srgbClr val="363636"/>
+                </a:solidFill>
+              </a:rPr>
+              <a:t>Onde salvas teu irmão, Tu me estás salvando nele.</a:t>
+            </a:r>
+          </a:p>
+          <a:p>
+            <a:pPr algn="ctr">
+              <a:buNone/>
+            </a:pPr>
+            <a:r>
+              <a:rPr lang="en-US" sz="3700" dirty="0" smtClean="0">
                 <a:solidFill>
                   <a:srgbClr val="363636"/>
                 </a:solidFill>
@@ -9113,235 +9239,6 @@
 <file path=ppt/slides/slide41.xml><?xml version="1.0" encoding="utf-8"?>
 <p:sld xmlns:a="http://schemas.openxmlformats.org/drawingml/2006/main" xmlns:r="http://schemas.openxmlformats.org/officeDocument/2006/relationships" xmlns:p="http://schemas.openxmlformats.org/presentationml/2006/main">
   <p:cSld name="Slide 41">
-    <p:spTree>
-      <p:nvGrpSpPr>
-        <p:cNvPr id="1" name=""/>
-        <p:cNvGrpSpPr/>
-        <p:nvPr/>
-      </p:nvGrpSpPr>
-      <p:grpSpPr>
-        <a:xfrm>
-          <a:off x="0" y="0"/>
-          <a:ext cx="0" cy="0"/>
-          <a:chOff x="0" y="0"/>
-          <a:chExt cx="0" cy="0"/>
-        </a:xfrm>
-      </p:grpSpPr>
-      <p:sp>
-        <p:nvSpPr>
-          <p:cNvPr id="2" name="Object 1"/>
-          <p:cNvSpPr/>
-          <p:nvPr/>
-        </p:nvSpPr>
-        <p:spPr>
-          <a:xfrm>
-            <a:off x="0" y="257175"/>
-            <a:ext cx="9144000" cy="274320"/>
-          </a:xfrm>
-          <a:prstGeom prst="rect">
-            <a:avLst/>
-          </a:prstGeom>
-          <a:noFill/>
-        </p:spPr>
-        <p:txBody>
-          <a:bodyPr wrap="square" rtlCol="0" anchor="ctr"/>
-          <a:lstStyle/>
-          <a:p>
-            <a:pPr algn="ctr">
-              <a:buNone/>
-            </a:pPr>
-            <a:r>
-              <a:rPr lang="en-US" b="1" sz="2000" dirty="0" smtClean="0">
-                <a:solidFill>
-                  <a:srgbClr val="8F1010"/>
-                </a:solidFill>
-              </a:rPr>
-              <a:t>PRECIOSA SÃO AS HORAS</a:t>
-            </a:r>
-            <a:endParaRPr lang="en-US" dirty="0"/>
-          </a:p>
-        </p:txBody>
-      </p:sp>
-      <p:sp>
-        <p:nvSpPr>
-          <p:cNvPr id="3" name="Object 2"/>
-          <p:cNvSpPr/>
-          <p:nvPr/>
-        </p:nvSpPr>
-        <p:spPr>
-          <a:xfrm>
-            <a:off x="457200" y="771525"/>
-            <a:ext cx="8229600" cy="4371975"/>
-          </a:xfrm>
-          <a:prstGeom prst="rect">
-            <a:avLst/>
-          </a:prstGeom>
-          <a:noFill/>
-        </p:spPr>
-        <p:txBody>
-          <a:bodyPr wrap="square" rtlCol="0" anchor="ctr"/>
-          <a:lstStyle/>
-          <a:p>
-            <a:pPr algn="ctr">
-              <a:buNone/>
-            </a:pPr>
-            <a:r>
-              <a:rPr lang="en-US" sz="4100" dirty="0" smtClean="0">
-                <a:solidFill>
-                  <a:srgbClr val="363636"/>
-                </a:solidFill>
-              </a:rPr>
-              <a:t>CANSA Ó MINH'ALMA, EM JESUS VEM REPOUSAR.</a:t>
-            </a:r>
-          </a:p>
-          <a:p>
-            <a:pPr algn="ctr">
-              <a:buNone/>
-            </a:pPr>
-            <a:r>
-              <a:rPr lang="en-US" sz="4100" dirty="0" smtClean="0">
-                <a:solidFill>
-                  <a:srgbClr val="363636"/>
-                </a:solidFill>
-              </a:rPr>
-              <a:t>VITALIZA, REANIMA ,... MINHAS FORÇAS PARA LUTAR.</a:t>
-            </a:r>
-          </a:p>
-          <a:p>
-            <a:pPr algn="ctr">
-              <a:buNone/>
-            </a:pPr>
-            <a:r>
-              <a:rPr lang="en-US" sz="4100" dirty="0" smtClean="0">
-                <a:solidFill>
-                  <a:srgbClr val="363636"/>
-                </a:solidFill>
-              </a:rPr>
-              <a:t/>
-            </a:r>
-            <a:endParaRPr lang="en-US" dirty="0"/>
-          </a:p>
-        </p:txBody>
-      </p:sp>
-    </p:spTree>
-  </p:cSld>
-  <p:clrMapOvr>
-    <a:masterClrMapping/>
-  </p:clrMapOvr>
-</p:sld>
-</file>
-
-<file path=ppt/slides/slide42.xml><?xml version="1.0" encoding="utf-8"?>
-<p:sld xmlns:a="http://schemas.openxmlformats.org/drawingml/2006/main" xmlns:r="http://schemas.openxmlformats.org/officeDocument/2006/relationships" xmlns:p="http://schemas.openxmlformats.org/presentationml/2006/main">
-  <p:cSld name="Slide 42">
-    <p:spTree>
-      <p:nvGrpSpPr>
-        <p:cNvPr id="1" name=""/>
-        <p:cNvGrpSpPr/>
-        <p:nvPr/>
-      </p:nvGrpSpPr>
-      <p:grpSpPr>
-        <a:xfrm>
-          <a:off x="0" y="0"/>
-          <a:ext cx="0" cy="0"/>
-          <a:chOff x="0" y="0"/>
-          <a:chExt cx="0" cy="0"/>
-        </a:xfrm>
-      </p:grpSpPr>
-      <p:sp>
-        <p:nvSpPr>
-          <p:cNvPr id="2" name="Object 1"/>
-          <p:cNvSpPr/>
-          <p:nvPr/>
-        </p:nvSpPr>
-        <p:spPr>
-          <a:xfrm>
-            <a:off x="0" y="257175"/>
-            <a:ext cx="9144000" cy="274320"/>
-          </a:xfrm>
-          <a:prstGeom prst="rect">
-            <a:avLst/>
-          </a:prstGeom>
-          <a:noFill/>
-        </p:spPr>
-        <p:txBody>
-          <a:bodyPr wrap="square" rtlCol="0" anchor="ctr"/>
-          <a:lstStyle/>
-          <a:p>
-            <a:pPr algn="ctr">
-              <a:buNone/>
-            </a:pPr>
-            <a:r>
-              <a:rPr lang="en-US" b="1" sz="2000" dirty="0" smtClean="0">
-                <a:solidFill>
-                  <a:srgbClr val="8F1010"/>
-                </a:solidFill>
-              </a:rPr>
-              <a:t>PRECIOSA SÃO AS HORAS</a:t>
-            </a:r>
-            <a:endParaRPr lang="en-US" dirty="0"/>
-          </a:p>
-        </p:txBody>
-      </p:sp>
-      <p:sp>
-        <p:nvSpPr>
-          <p:cNvPr id="3" name="Object 2"/>
-          <p:cNvSpPr/>
-          <p:nvPr/>
-        </p:nvSpPr>
-        <p:spPr>
-          <a:xfrm>
-            <a:off x="457200" y="771525"/>
-            <a:ext cx="8229600" cy="4371975"/>
-          </a:xfrm>
-          <a:prstGeom prst="rect">
-            <a:avLst/>
-          </a:prstGeom>
-          <a:noFill/>
-        </p:spPr>
-        <p:txBody>
-          <a:bodyPr wrap="square" rtlCol="0" anchor="ctr"/>
-          <a:lstStyle/>
-          <a:p>
-            <a:pPr algn="ctr">
-              <a:buNone/>
-            </a:pPr>
-            <a:r>
-              <a:rPr lang="en-US" sz="4300" dirty="0" smtClean="0">
-                <a:solidFill>
-                  <a:srgbClr val="363636"/>
-                </a:solidFill>
-              </a:rPr>
-              <a:t>SÓ ME PEDE CRÊ SOMENTE. , QUE EM SOCORRO ELE VIRÁ!</a:t>
-            </a:r>
-          </a:p>
-          <a:p>
-            <a:pPr algn="ctr">
-              <a:buNone/>
-            </a:pPr>
-            <a:r>
-              <a:rPr lang="en-US" sz="4300" dirty="0" smtClean="0">
-                <a:solidFill>
-                  <a:srgbClr val="363636"/>
-                </a:solidFill>
-              </a:rPr>
-              <a:t/>
-            </a:r>
-            <a:endParaRPr lang="en-US" dirty="0"/>
-          </a:p>
-        </p:txBody>
-      </p:sp>
-    </p:spTree>
-  </p:cSld>
-  <p:clrMapOvr>
-    <a:masterClrMapping/>
-  </p:clrMapOvr>
-</p:sld>
-</file>
-
-<file path=ppt/slides/slide43.xml><?xml version="1.0" encoding="utf-8"?>
-<p:sld xmlns:a="http://schemas.openxmlformats.org/drawingml/2006/main" xmlns:r="http://schemas.openxmlformats.org/officeDocument/2006/relationships" xmlns:p="http://schemas.openxmlformats.org/presentationml/2006/main">
-  <p:cSld name="Slide 43">
     <p:spTree>
       <p:nvGrpSpPr>
         <p:cNvPr id="1" name=""/>
@@ -9373,13 +9270,281 @@
         <p:spPr>
           <a:xfrm>
             <a:off x="0" y="0"/>
-            <a:ext cx="9144000" cy="5486400"/>
+            <a:ext cx="9144000" cy="5143500"/>
           </a:xfrm>
           <a:prstGeom prst="rect">
             <a:avLst/>
           </a:prstGeom>
         </p:spPr>
       </p:pic>
+    </p:spTree>
+  </p:cSld>
+  <p:clrMapOvr>
+    <a:masterClrMapping/>
+  </p:clrMapOvr>
+</p:sld>
+</file>
+
+<file path=ppt/slides/slide42.xml><?xml version="1.0" encoding="utf-8"?>
+<p:sld xmlns:a="http://schemas.openxmlformats.org/drawingml/2006/main" xmlns:r="http://schemas.openxmlformats.org/officeDocument/2006/relationships" xmlns:p="http://schemas.openxmlformats.org/presentationml/2006/main">
+  <p:cSld name="Slide 42">
+    <p:spTree>
+      <p:nvGrpSpPr>
+        <p:cNvPr id="1" name=""/>
+        <p:cNvGrpSpPr/>
+        <p:nvPr/>
+      </p:nvGrpSpPr>
+      <p:grpSpPr>
+        <a:xfrm>
+          <a:off x="0" y="0"/>
+          <a:ext cx="0" cy="0"/>
+          <a:chOff x="0" y="0"/>
+          <a:chExt cx="0" cy="0"/>
+        </a:xfrm>
+      </p:grpSpPr>
+      <p:sp>
+        <p:nvSpPr>
+          <p:cNvPr id="2" name="Object 1"/>
+          <p:cNvSpPr/>
+          <p:nvPr/>
+        </p:nvSpPr>
+        <p:spPr>
+          <a:xfrm>
+            <a:off x="0" y="257175"/>
+            <a:ext cx="9144000" cy="274320"/>
+          </a:xfrm>
+          <a:prstGeom prst="rect">
+            <a:avLst/>
+          </a:prstGeom>
+          <a:noFill/>
+        </p:spPr>
+        <p:txBody>
+          <a:bodyPr wrap="square" rtlCol="0" anchor="ctr"/>
+          <a:lstStyle/>
+          <a:p>
+            <a:pPr algn="ctr">
+              <a:buNone/>
+            </a:pPr>
+            <a:r>
+              <a:rPr lang="en-US" b="1" sz="2000" dirty="0" smtClean="0">
+                <a:solidFill>
+                  <a:srgbClr val="8F1010"/>
+                </a:solidFill>
+              </a:rPr>
+              <a:t>PRECIOSA SÃO AS HORAS</a:t>
+            </a:r>
+            <a:endParaRPr lang="en-US" dirty="0"/>
+          </a:p>
+        </p:txBody>
+      </p:sp>
+      <p:sp>
+        <p:nvSpPr>
+          <p:cNvPr id="3" name="Object 2"/>
+          <p:cNvSpPr/>
+          <p:nvPr/>
+        </p:nvSpPr>
+        <p:spPr>
+          <a:xfrm>
+            <a:off x="457200" y="771525"/>
+            <a:ext cx="8229600" cy="4371975"/>
+          </a:xfrm>
+          <a:prstGeom prst="rect">
+            <a:avLst/>
+          </a:prstGeom>
+          <a:noFill/>
+        </p:spPr>
+        <p:txBody>
+          <a:bodyPr wrap="square" rtlCol="0" anchor="ctr"/>
+          <a:lstStyle/>
+          <a:p>
+            <a:pPr algn="ctr">
+              <a:buNone/>
+            </a:pPr>
+            <a:r>
+              <a:rPr lang="en-US" sz="3600" dirty="0" smtClean="0">
+                <a:solidFill>
+                  <a:srgbClr val="363636"/>
+                </a:solidFill>
+              </a:rPr>
+              <a:t>COMUNHÃO DELICIOSA , DA MINH'ALMA COM A LUZ.</a:t>
+            </a:r>
+          </a:p>
+          <a:p>
+            <a:pPr algn="ctr">
+              <a:buNone/>
+            </a:pPr>
+            <a:r>
+              <a:rPr lang="en-US" sz="3600" dirty="0" smtClean="0">
+                <a:solidFill>
+                  <a:srgbClr val="363636"/>
+                </a:solidFill>
+              </a:rPr>
+              <a:t>OS CUIDADOS DESTE MUNDO, NUNCA PODEM ME ABALAR,</a:t>
+            </a:r>
+          </a:p>
+          <a:p>
+            <a:pPr algn="ctr">
+              <a:buNone/>
+            </a:pPr>
+            <a:r>
+              <a:rPr lang="en-US" sz="3600" dirty="0" smtClean="0">
+                <a:solidFill>
+                  <a:srgbClr val="363636"/>
+                </a:solidFill>
+              </a:rPr>
+              <a:t>MEU ABRIGO, NELE POSSO CONFIAR.</a:t>
+            </a:r>
+          </a:p>
+          <a:p>
+            <a:pPr algn="ctr">
+              <a:buNone/>
+            </a:pPr>
+            <a:r>
+              <a:rPr lang="en-US" sz="3600" dirty="0" smtClean="0">
+                <a:solidFill>
+                  <a:srgbClr val="363636"/>
+                </a:solidFill>
+              </a:rPr>
+              <a:t>ELE VIVE, ELE VIVE E PRESENTE AQUI ESTÁ! (BIS)</a:t>
+            </a:r>
+          </a:p>
+          <a:p>
+            <a:pPr algn="ctr">
+              <a:buNone/>
+            </a:pPr>
+            <a:r>
+              <a:rPr lang="en-US" sz="3600" dirty="0" smtClean="0">
+                <a:solidFill>
+                  <a:srgbClr val="363636"/>
+                </a:solidFill>
+              </a:rPr>
+              <a:t/>
+            </a:r>
+            <a:endParaRPr lang="en-US" dirty="0"/>
+          </a:p>
+        </p:txBody>
+      </p:sp>
+    </p:spTree>
+  </p:cSld>
+  <p:clrMapOvr>
+    <a:masterClrMapping/>
+  </p:clrMapOvr>
+</p:sld>
+</file>
+
+<file path=ppt/slides/slide43.xml><?xml version="1.0" encoding="utf-8"?>
+<p:sld xmlns:a="http://schemas.openxmlformats.org/drawingml/2006/main" xmlns:r="http://schemas.openxmlformats.org/officeDocument/2006/relationships" xmlns:p="http://schemas.openxmlformats.org/presentationml/2006/main">
+  <p:cSld name="Slide 43">
+    <p:spTree>
+      <p:nvGrpSpPr>
+        <p:cNvPr id="1" name=""/>
+        <p:cNvGrpSpPr/>
+        <p:nvPr/>
+      </p:nvGrpSpPr>
+      <p:grpSpPr>
+        <a:xfrm>
+          <a:off x="0" y="0"/>
+          <a:ext cx="0" cy="0"/>
+          <a:chOff x="0" y="0"/>
+          <a:chExt cx="0" cy="0"/>
+        </a:xfrm>
+      </p:grpSpPr>
+      <p:sp>
+        <p:nvSpPr>
+          <p:cNvPr id="2" name="Object 1"/>
+          <p:cNvSpPr/>
+          <p:nvPr/>
+        </p:nvSpPr>
+        <p:spPr>
+          <a:xfrm>
+            <a:off x="0" y="257175"/>
+            <a:ext cx="9144000" cy="274320"/>
+          </a:xfrm>
+          <a:prstGeom prst="rect">
+            <a:avLst/>
+          </a:prstGeom>
+          <a:noFill/>
+        </p:spPr>
+        <p:txBody>
+          <a:bodyPr wrap="square" rtlCol="0" anchor="ctr"/>
+          <a:lstStyle/>
+          <a:p>
+            <a:pPr algn="ctr">
+              <a:buNone/>
+            </a:pPr>
+            <a:r>
+              <a:rPr lang="en-US" b="1" sz="2000" dirty="0" smtClean="0">
+                <a:solidFill>
+                  <a:srgbClr val="8F1010"/>
+                </a:solidFill>
+              </a:rPr>
+              <a:t>PRECIOSA SÃO AS HORAS</a:t>
+            </a:r>
+            <a:endParaRPr lang="en-US" dirty="0"/>
+          </a:p>
+        </p:txBody>
+      </p:sp>
+      <p:sp>
+        <p:nvSpPr>
+          <p:cNvPr id="3" name="Object 2"/>
+          <p:cNvSpPr/>
+          <p:nvPr/>
+        </p:nvSpPr>
+        <p:spPr>
+          <a:xfrm>
+            <a:off x="457200" y="771525"/>
+            <a:ext cx="8229600" cy="4371975"/>
+          </a:xfrm>
+          <a:prstGeom prst="rect">
+            <a:avLst/>
+          </a:prstGeom>
+          <a:noFill/>
+        </p:spPr>
+        <p:txBody>
+          <a:bodyPr wrap="square" rtlCol="0" anchor="ctr"/>
+          <a:lstStyle/>
+          <a:p>
+            <a:pPr algn="ctr">
+              <a:buNone/>
+            </a:pPr>
+            <a:r>
+              <a:rPr lang="en-US" sz="4100" dirty="0" smtClean="0">
+                <a:solidFill>
+                  <a:srgbClr val="363636"/>
+                </a:solidFill>
+              </a:rPr>
+              <a:t>CANSA Ó MINH'ALMA, EM JESUS VEM REPOUSAR.</a:t>
+            </a:r>
+          </a:p>
+          <a:p>
+            <a:pPr algn="ctr">
+              <a:buNone/>
+            </a:pPr>
+            <a:r>
+              <a:rPr lang="en-US" sz="4100" dirty="0" smtClean="0">
+                <a:solidFill>
+                  <a:srgbClr val="363636"/>
+                </a:solidFill>
+              </a:rPr>
+              <a:t>VITALIZA, REANIMA ,... MINHAS FORÇAS PARA LUTAR.</a:t>
+            </a:r>
+          </a:p>
+          <a:p>
+            <a:pPr algn="ctr">
+              <a:buNone/>
+            </a:pPr>
+            <a:r>
+              <a:rPr lang="en-US" sz="4100" dirty="0" smtClean="0">
+                <a:solidFill>
+                  <a:srgbClr val="363636"/>
+                </a:solidFill>
+              </a:rPr>
+              <a:t/>
+            </a:r>
+            <a:endParaRPr lang="en-US" dirty="0"/>
+          </a:p>
+        </p:txBody>
+      </p:sp>
     </p:spTree>
   </p:cSld>
   <p:clrMapOvr>
@@ -9434,7 +9599,7 @@
                   <a:srgbClr val="8F1010"/>
                 </a:solidFill>
               </a:rPr>
-              <a:t>PORQUE ELE VIVE</a:t>
+              <a:t>PRECIOSA SÃO AS HORAS</a:t>
             </a:r>
             <a:endParaRPr lang="en-US" dirty="0"/>
           </a:p>
@@ -9464,59 +9629,20 @@
               <a:buNone/>
             </a:pPr>
             <a:r>
-              <a:rPr lang="en-US" sz="3800" dirty="0" smtClean="0">
-                <a:solidFill>
-                  <a:srgbClr val="363636"/>
-                </a:solidFill>
-              </a:rPr>
-              <a:t>DEUS ENVIOU SEU FILHO AMADO</a:t>
-            </a:r>
-          </a:p>
-          <a:p>
-            <a:pPr algn="ctr">
-              <a:buNone/>
-            </a:pPr>
-            <a:r>
-              <a:rPr lang="en-US" sz="3800" dirty="0" smtClean="0">
-                <a:solidFill>
-                  <a:srgbClr val="363636"/>
-                </a:solidFill>
-              </a:rPr>
-              <a:t>PARA MORRER NO MEU LUGAR</a:t>
-            </a:r>
-          </a:p>
-          <a:p>
-            <a:pPr algn="ctr">
-              <a:buNone/>
-            </a:pPr>
-            <a:r>
-              <a:rPr lang="en-US" sz="3800" dirty="0" smtClean="0">
-                <a:solidFill>
-                  <a:srgbClr val="363636"/>
-                </a:solidFill>
-              </a:rPr>
-              <a:t>NA CRUZ PAGOU OS MEUS PECADOS</a:t>
-            </a:r>
-          </a:p>
-          <a:p>
-            <a:pPr algn="ctr">
-              <a:buNone/>
-            </a:pPr>
-            <a:r>
-              <a:rPr lang="en-US" sz="3800" dirty="0" smtClean="0">
-                <a:solidFill>
-                  <a:srgbClr val="363636"/>
-                </a:solidFill>
-              </a:rPr>
-              <a:t>MAS O SEPULCRO VAZIO ESTÁ, PORQUE ELE VIVE!</a:t>
-            </a:r>
-          </a:p>
-          <a:p>
-            <a:pPr algn="ctr">
-              <a:buNone/>
-            </a:pPr>
-            <a:r>
-              <a:rPr lang="en-US" sz="3800" dirty="0" smtClean="0">
+              <a:rPr lang="en-US" sz="4300" dirty="0" smtClean="0">
+                <a:solidFill>
+                  <a:srgbClr val="363636"/>
+                </a:solidFill>
+              </a:rPr>
+              <a:t>SÓ ME PEDE CRÊ SOMENTE. , QUE EM SOCORRO ELE VIRÁ!</a:t>
+            </a:r>
+          </a:p>
+          <a:p>
+            <a:pPr algn="ctr">
+              <a:buNone/>
+            </a:pPr>
+            <a:r>
+              <a:rPr lang="en-US" sz="4300" dirty="0" smtClean="0">
                 <a:solidFill>
                   <a:srgbClr val="363636"/>
                 </a:solidFill>
@@ -9538,300 +9664,6 @@
 <file path=ppt/slides/slide45.xml><?xml version="1.0" encoding="utf-8"?>
 <p:sld xmlns:a="http://schemas.openxmlformats.org/drawingml/2006/main" xmlns:r="http://schemas.openxmlformats.org/officeDocument/2006/relationships" xmlns:p="http://schemas.openxmlformats.org/presentationml/2006/main">
   <p:cSld name="Slide 45">
-    <p:spTree>
-      <p:nvGrpSpPr>
-        <p:cNvPr id="1" name=""/>
-        <p:cNvGrpSpPr/>
-        <p:nvPr/>
-      </p:nvGrpSpPr>
-      <p:grpSpPr>
-        <a:xfrm>
-          <a:off x="0" y="0"/>
-          <a:ext cx="0" cy="0"/>
-          <a:chOff x="0" y="0"/>
-          <a:chExt cx="0" cy="0"/>
-        </a:xfrm>
-      </p:grpSpPr>
-      <p:sp>
-        <p:nvSpPr>
-          <p:cNvPr id="2" name="Object 1"/>
-          <p:cNvSpPr/>
-          <p:nvPr/>
-        </p:nvSpPr>
-        <p:spPr>
-          <a:xfrm>
-            <a:off x="0" y="257175"/>
-            <a:ext cx="9144000" cy="274320"/>
-          </a:xfrm>
-          <a:prstGeom prst="rect">
-            <a:avLst/>
-          </a:prstGeom>
-          <a:noFill/>
-        </p:spPr>
-        <p:txBody>
-          <a:bodyPr wrap="square" rtlCol="0" anchor="ctr"/>
-          <a:lstStyle/>
-          <a:p>
-            <a:pPr algn="ctr">
-              <a:buNone/>
-            </a:pPr>
-            <a:r>
-              <a:rPr lang="en-US" b="1" sz="2000" dirty="0" smtClean="0">
-                <a:solidFill>
-                  <a:srgbClr val="8F1010"/>
-                </a:solidFill>
-              </a:rPr>
-              <a:t>PORQUE ELE VIVE</a:t>
-            </a:r>
-            <a:endParaRPr lang="en-US" dirty="0"/>
-          </a:p>
-        </p:txBody>
-      </p:sp>
-      <p:sp>
-        <p:nvSpPr>
-          <p:cNvPr id="3" name="Object 2"/>
-          <p:cNvSpPr/>
-          <p:nvPr/>
-        </p:nvSpPr>
-        <p:spPr>
-          <a:xfrm>
-            <a:off x="457200" y="771525"/>
-            <a:ext cx="8229600" cy="4371975"/>
-          </a:xfrm>
-          <a:prstGeom prst="rect">
-            <a:avLst/>
-          </a:prstGeom>
-          <a:noFill/>
-        </p:spPr>
-        <p:txBody>
-          <a:bodyPr wrap="square" rtlCol="0" anchor="ctr"/>
-          <a:lstStyle/>
-          <a:p>
-            <a:pPr algn="ctr">
-              <a:buNone/>
-            </a:pPr>
-            <a:r>
-              <a:rPr lang="en-US" sz="3700" dirty="0" smtClean="0">
-                <a:solidFill>
-                  <a:srgbClr val="363636"/>
-                </a:solidFill>
-              </a:rPr>
-              <a:t>PORQUE ELE VIVE, EU POSSO CRER NO AMANHÃ</a:t>
-            </a:r>
-          </a:p>
-          <a:p>
-            <a:pPr algn="ctr">
-              <a:buNone/>
-            </a:pPr>
-            <a:r>
-              <a:rPr lang="en-US" sz="3700" dirty="0" smtClean="0">
-                <a:solidFill>
-                  <a:srgbClr val="363636"/>
-                </a:solidFill>
-              </a:rPr>
-              <a:t>PORQUE ELE VIVE, TEMOR NÃO HÁ</a:t>
-            </a:r>
-          </a:p>
-          <a:p>
-            <a:pPr algn="ctr">
-              <a:buNone/>
-            </a:pPr>
-            <a:r>
-              <a:rPr lang="en-US" sz="3700" dirty="0" smtClean="0">
-                <a:solidFill>
-                  <a:srgbClr val="363636"/>
-                </a:solidFill>
-              </a:rPr>
-              <a:t>MAS EU BEM SEI QUE O MEU FUTURO</a:t>
-            </a:r>
-          </a:p>
-          <a:p>
-            <a:pPr algn="ctr">
-              <a:buNone/>
-            </a:pPr>
-            <a:r>
-              <a:rPr lang="en-US" sz="3700" dirty="0" smtClean="0">
-                <a:solidFill>
-                  <a:srgbClr val="363636"/>
-                </a:solidFill>
-              </a:rPr>
-              <a:t>ESTÁ NAS MÃOS DO MEU JESUS, QUE VIVO ESTÁ</a:t>
-            </a:r>
-          </a:p>
-          <a:p>
-            <a:pPr algn="ctr">
-              <a:buNone/>
-            </a:pPr>
-            <a:r>
-              <a:rPr lang="en-US" sz="3700" dirty="0" smtClean="0">
-                <a:solidFill>
-                  <a:srgbClr val="363636"/>
-                </a:solidFill>
-              </a:rPr>
-              <a:t/>
-            </a:r>
-            <a:endParaRPr lang="en-US" dirty="0"/>
-          </a:p>
-        </p:txBody>
-      </p:sp>
-    </p:spTree>
-  </p:cSld>
-  <p:clrMapOvr>
-    <a:masterClrMapping/>
-  </p:clrMapOvr>
-</p:sld>
-</file>
-
-<file path=ppt/slides/slide46.xml><?xml version="1.0" encoding="utf-8"?>
-<p:sld xmlns:a="http://schemas.openxmlformats.org/drawingml/2006/main" xmlns:r="http://schemas.openxmlformats.org/officeDocument/2006/relationships" xmlns:p="http://schemas.openxmlformats.org/presentationml/2006/main">
-  <p:cSld name="Slide 46">
-    <p:spTree>
-      <p:nvGrpSpPr>
-        <p:cNvPr id="1" name=""/>
-        <p:cNvGrpSpPr/>
-        <p:nvPr/>
-      </p:nvGrpSpPr>
-      <p:grpSpPr>
-        <a:xfrm>
-          <a:off x="0" y="0"/>
-          <a:ext cx="0" cy="0"/>
-          <a:chOff x="0" y="0"/>
-          <a:chExt cx="0" cy="0"/>
-        </a:xfrm>
-      </p:grpSpPr>
-      <p:sp>
-        <p:nvSpPr>
-          <p:cNvPr id="2" name="Object 1"/>
-          <p:cNvSpPr/>
-          <p:nvPr/>
-        </p:nvSpPr>
-        <p:spPr>
-          <a:xfrm>
-            <a:off x="0" y="257175"/>
-            <a:ext cx="9144000" cy="274320"/>
-          </a:xfrm>
-          <a:prstGeom prst="rect">
-            <a:avLst/>
-          </a:prstGeom>
-          <a:noFill/>
-        </p:spPr>
-        <p:txBody>
-          <a:bodyPr wrap="square" rtlCol="0" anchor="ctr"/>
-          <a:lstStyle/>
-          <a:p>
-            <a:pPr algn="ctr">
-              <a:buNone/>
-            </a:pPr>
-            <a:r>
-              <a:rPr lang="en-US" b="1" sz="2000" dirty="0" smtClean="0">
-                <a:solidFill>
-                  <a:srgbClr val="8F1010"/>
-                </a:solidFill>
-              </a:rPr>
-              <a:t>PORQUE ELE VIVE</a:t>
-            </a:r>
-            <a:endParaRPr lang="en-US" dirty="0"/>
-          </a:p>
-        </p:txBody>
-      </p:sp>
-      <p:sp>
-        <p:nvSpPr>
-          <p:cNvPr id="3" name="Object 2"/>
-          <p:cNvSpPr/>
-          <p:nvPr/>
-        </p:nvSpPr>
-        <p:spPr>
-          <a:xfrm>
-            <a:off x="457200" y="771525"/>
-            <a:ext cx="8229600" cy="4371975"/>
-          </a:xfrm>
-          <a:prstGeom prst="rect">
-            <a:avLst/>
-          </a:prstGeom>
-          <a:noFill/>
-        </p:spPr>
-        <p:txBody>
-          <a:bodyPr wrap="square" rtlCol="0" anchor="ctr"/>
-          <a:lstStyle/>
-          <a:p>
-            <a:pPr algn="ctr">
-              <a:buNone/>
-            </a:pPr>
-            <a:r>
-              <a:rPr lang="en-US" sz="3900" dirty="0" smtClean="0">
-                <a:solidFill>
-                  <a:srgbClr val="363636"/>
-                </a:solidFill>
-              </a:rPr>
-              <a:t>UM DIA EU VOU CRUZAR OS RIOS</a:t>
-            </a:r>
-          </a:p>
-          <a:p>
-            <a:pPr algn="ctr">
-              <a:buNone/>
-            </a:pPr>
-            <a:r>
-              <a:rPr lang="en-US" sz="3900" dirty="0" smtClean="0">
-                <a:solidFill>
-                  <a:srgbClr val="363636"/>
-                </a:solidFill>
-              </a:rPr>
-              <a:t>E VEREI ENTÃO UM CÉU DE LUZ</a:t>
-            </a:r>
-          </a:p>
-          <a:p>
-            <a:pPr algn="ctr">
-              <a:buNone/>
-            </a:pPr>
-            <a:r>
-              <a:rPr lang="en-US" sz="3900" dirty="0" smtClean="0">
-                <a:solidFill>
-                  <a:srgbClr val="363636"/>
-                </a:solidFill>
-              </a:rPr>
-              <a:t>E VEREI QUE LÁ, EM PLENA GLÓRIA</a:t>
-            </a:r>
-          </a:p>
-          <a:p>
-            <a:pPr algn="ctr">
-              <a:buNone/>
-            </a:pPr>
-            <a:r>
-              <a:rPr lang="en-US" sz="3900" dirty="0" smtClean="0">
-                <a:solidFill>
-                  <a:srgbClr val="363636"/>
-                </a:solidFill>
-              </a:rPr>
-              <a:t>VITORIOSO, VIVE E REINA O MEU JESUS</a:t>
-            </a:r>
-          </a:p>
-          <a:p>
-            <a:pPr algn="ctr">
-              <a:buNone/>
-            </a:pPr>
-            <a:r>
-              <a:rPr lang="en-US" sz="3900" dirty="0" smtClean="0">
-                <a:solidFill>
-                  <a:srgbClr val="363636"/>
-                </a:solidFill>
-              </a:rPr>
-              <a:t/>
-            </a:r>
-            <a:endParaRPr lang="en-US" dirty="0"/>
-          </a:p>
-        </p:txBody>
-      </p:sp>
-    </p:spTree>
-  </p:cSld>
-  <p:clrMapOvr>
-    <a:masterClrMapping/>
-  </p:clrMapOvr>
-</p:sld>
-</file>
-
-<file path=ppt/slides/slide47.xml><?xml version="1.0" encoding="utf-8"?>
-<p:sld xmlns:a="http://schemas.openxmlformats.org/drawingml/2006/main" xmlns:r="http://schemas.openxmlformats.org/officeDocument/2006/relationships" xmlns:p="http://schemas.openxmlformats.org/presentationml/2006/main">
-  <p:cSld name="Slide 47">
     <p:spTree>
       <p:nvGrpSpPr>
         <p:cNvPr id="1" name=""/>
@@ -9863,7 +9695,7 @@
         <p:spPr>
           <a:xfrm>
             <a:off x="0" y="0"/>
-            <a:ext cx="9144000" cy="5486400"/>
+            <a:ext cx="9144000" cy="5143500"/>
           </a:xfrm>
           <a:prstGeom prst="rect">
             <a:avLst/>
@@ -9878,9 +9710,450 @@
 </p:sld>
 </file>
 
+<file path=ppt/slides/slide46.xml><?xml version="1.0" encoding="utf-8"?>
+<p:sld xmlns:a="http://schemas.openxmlformats.org/drawingml/2006/main" xmlns:r="http://schemas.openxmlformats.org/officeDocument/2006/relationships" xmlns:p="http://schemas.openxmlformats.org/presentationml/2006/main">
+  <p:cSld name="Slide 46">
+    <p:spTree>
+      <p:nvGrpSpPr>
+        <p:cNvPr id="1" name=""/>
+        <p:cNvGrpSpPr/>
+        <p:nvPr/>
+      </p:nvGrpSpPr>
+      <p:grpSpPr>
+        <a:xfrm>
+          <a:off x="0" y="0"/>
+          <a:ext cx="0" cy="0"/>
+          <a:chOff x="0" y="0"/>
+          <a:chExt cx="0" cy="0"/>
+        </a:xfrm>
+      </p:grpSpPr>
+      <p:sp>
+        <p:nvSpPr>
+          <p:cNvPr id="2" name="Object 1"/>
+          <p:cNvSpPr/>
+          <p:nvPr/>
+        </p:nvSpPr>
+        <p:spPr>
+          <a:xfrm>
+            <a:off x="0" y="257175"/>
+            <a:ext cx="9144000" cy="274320"/>
+          </a:xfrm>
+          <a:prstGeom prst="rect">
+            <a:avLst/>
+          </a:prstGeom>
+          <a:noFill/>
+        </p:spPr>
+        <p:txBody>
+          <a:bodyPr wrap="square" rtlCol="0" anchor="ctr"/>
+          <a:lstStyle/>
+          <a:p>
+            <a:pPr algn="ctr">
+              <a:buNone/>
+            </a:pPr>
+            <a:r>
+              <a:rPr lang="en-US" b="1" sz="2000" dirty="0" smtClean="0">
+                <a:solidFill>
+                  <a:srgbClr val="8F1010"/>
+                </a:solidFill>
+              </a:rPr>
+              <a:t>PORQUE ELE VIVE</a:t>
+            </a:r>
+            <a:endParaRPr lang="en-US" dirty="0"/>
+          </a:p>
+        </p:txBody>
+      </p:sp>
+      <p:sp>
+        <p:nvSpPr>
+          <p:cNvPr id="3" name="Object 2"/>
+          <p:cNvSpPr/>
+          <p:nvPr/>
+        </p:nvSpPr>
+        <p:spPr>
+          <a:xfrm>
+            <a:off x="457200" y="771525"/>
+            <a:ext cx="8229600" cy="4371975"/>
+          </a:xfrm>
+          <a:prstGeom prst="rect">
+            <a:avLst/>
+          </a:prstGeom>
+          <a:noFill/>
+        </p:spPr>
+        <p:txBody>
+          <a:bodyPr wrap="square" rtlCol="0" anchor="ctr"/>
+          <a:lstStyle/>
+          <a:p>
+            <a:pPr algn="ctr">
+              <a:buNone/>
+            </a:pPr>
+            <a:r>
+              <a:rPr lang="en-US" sz="3800" dirty="0" smtClean="0">
+                <a:solidFill>
+                  <a:srgbClr val="363636"/>
+                </a:solidFill>
+              </a:rPr>
+              <a:t>DEUS ENVIOU SEU FILHO AMADO</a:t>
+            </a:r>
+          </a:p>
+          <a:p>
+            <a:pPr algn="ctr">
+              <a:buNone/>
+            </a:pPr>
+            <a:r>
+              <a:rPr lang="en-US" sz="3800" dirty="0" smtClean="0">
+                <a:solidFill>
+                  <a:srgbClr val="363636"/>
+                </a:solidFill>
+              </a:rPr>
+              <a:t>PARA MORRER NO MEU LUGAR</a:t>
+            </a:r>
+          </a:p>
+          <a:p>
+            <a:pPr algn="ctr">
+              <a:buNone/>
+            </a:pPr>
+            <a:r>
+              <a:rPr lang="en-US" sz="3800" dirty="0" smtClean="0">
+                <a:solidFill>
+                  <a:srgbClr val="363636"/>
+                </a:solidFill>
+              </a:rPr>
+              <a:t>NA CRUZ PAGOU OS MEUS PECADOS</a:t>
+            </a:r>
+          </a:p>
+          <a:p>
+            <a:pPr algn="ctr">
+              <a:buNone/>
+            </a:pPr>
+            <a:r>
+              <a:rPr lang="en-US" sz="3800" dirty="0" smtClean="0">
+                <a:solidFill>
+                  <a:srgbClr val="363636"/>
+                </a:solidFill>
+              </a:rPr>
+              <a:t>MAS O SEPULCRO VAZIO ESTÁ, PORQUE ELE VIVE!</a:t>
+            </a:r>
+          </a:p>
+          <a:p>
+            <a:pPr algn="ctr">
+              <a:buNone/>
+            </a:pPr>
+            <a:r>
+              <a:rPr lang="en-US" sz="3800" dirty="0" smtClean="0">
+                <a:solidFill>
+                  <a:srgbClr val="363636"/>
+                </a:solidFill>
+              </a:rPr>
+              <a:t/>
+            </a:r>
+            <a:endParaRPr lang="en-US" dirty="0"/>
+          </a:p>
+        </p:txBody>
+      </p:sp>
+    </p:spTree>
+  </p:cSld>
+  <p:clrMapOvr>
+    <a:masterClrMapping/>
+  </p:clrMapOvr>
+</p:sld>
+</file>
+
+<file path=ppt/slides/slide47.xml><?xml version="1.0" encoding="utf-8"?>
+<p:sld xmlns:a="http://schemas.openxmlformats.org/drawingml/2006/main" xmlns:r="http://schemas.openxmlformats.org/officeDocument/2006/relationships" xmlns:p="http://schemas.openxmlformats.org/presentationml/2006/main">
+  <p:cSld name="Slide 47">
+    <p:spTree>
+      <p:nvGrpSpPr>
+        <p:cNvPr id="1" name=""/>
+        <p:cNvGrpSpPr/>
+        <p:nvPr/>
+      </p:nvGrpSpPr>
+      <p:grpSpPr>
+        <a:xfrm>
+          <a:off x="0" y="0"/>
+          <a:ext cx="0" cy="0"/>
+          <a:chOff x="0" y="0"/>
+          <a:chExt cx="0" cy="0"/>
+        </a:xfrm>
+      </p:grpSpPr>
+      <p:sp>
+        <p:nvSpPr>
+          <p:cNvPr id="2" name="Object 1"/>
+          <p:cNvSpPr/>
+          <p:nvPr/>
+        </p:nvSpPr>
+        <p:spPr>
+          <a:xfrm>
+            <a:off x="0" y="257175"/>
+            <a:ext cx="9144000" cy="274320"/>
+          </a:xfrm>
+          <a:prstGeom prst="rect">
+            <a:avLst/>
+          </a:prstGeom>
+          <a:noFill/>
+        </p:spPr>
+        <p:txBody>
+          <a:bodyPr wrap="square" rtlCol="0" anchor="ctr"/>
+          <a:lstStyle/>
+          <a:p>
+            <a:pPr algn="ctr">
+              <a:buNone/>
+            </a:pPr>
+            <a:r>
+              <a:rPr lang="en-US" b="1" sz="2000" dirty="0" smtClean="0">
+                <a:solidFill>
+                  <a:srgbClr val="8F1010"/>
+                </a:solidFill>
+              </a:rPr>
+              <a:t>PORQUE ELE VIVE</a:t>
+            </a:r>
+            <a:endParaRPr lang="en-US" dirty="0"/>
+          </a:p>
+        </p:txBody>
+      </p:sp>
+      <p:sp>
+        <p:nvSpPr>
+          <p:cNvPr id="3" name="Object 2"/>
+          <p:cNvSpPr/>
+          <p:nvPr/>
+        </p:nvSpPr>
+        <p:spPr>
+          <a:xfrm>
+            <a:off x="457200" y="771525"/>
+            <a:ext cx="8229600" cy="4371975"/>
+          </a:xfrm>
+          <a:prstGeom prst="rect">
+            <a:avLst/>
+          </a:prstGeom>
+          <a:noFill/>
+        </p:spPr>
+        <p:txBody>
+          <a:bodyPr wrap="square" rtlCol="0" anchor="ctr"/>
+          <a:lstStyle/>
+          <a:p>
+            <a:pPr algn="ctr">
+              <a:buNone/>
+            </a:pPr>
+            <a:r>
+              <a:rPr lang="en-US" sz="3700" dirty="0" smtClean="0">
+                <a:solidFill>
+                  <a:srgbClr val="363636"/>
+                </a:solidFill>
+              </a:rPr>
+              <a:t>PORQUE ELE VIVE, EU POSSO CRER NO AMANHÃ</a:t>
+            </a:r>
+          </a:p>
+          <a:p>
+            <a:pPr algn="ctr">
+              <a:buNone/>
+            </a:pPr>
+            <a:r>
+              <a:rPr lang="en-US" sz="3700" dirty="0" smtClean="0">
+                <a:solidFill>
+                  <a:srgbClr val="363636"/>
+                </a:solidFill>
+              </a:rPr>
+              <a:t>PORQUE ELE VIVE, TEMOR NÃO HÁ</a:t>
+            </a:r>
+          </a:p>
+          <a:p>
+            <a:pPr algn="ctr">
+              <a:buNone/>
+            </a:pPr>
+            <a:r>
+              <a:rPr lang="en-US" sz="3700" dirty="0" smtClean="0">
+                <a:solidFill>
+                  <a:srgbClr val="363636"/>
+                </a:solidFill>
+              </a:rPr>
+              <a:t>MAS EU BEM SEI QUE O MEU FUTURO</a:t>
+            </a:r>
+          </a:p>
+          <a:p>
+            <a:pPr algn="ctr">
+              <a:buNone/>
+            </a:pPr>
+            <a:r>
+              <a:rPr lang="en-US" sz="3700" dirty="0" smtClean="0">
+                <a:solidFill>
+                  <a:srgbClr val="363636"/>
+                </a:solidFill>
+              </a:rPr>
+              <a:t>ESTÁ NAS MÃOS DO MEU JESUS, QUE VIVO ESTÁ</a:t>
+            </a:r>
+          </a:p>
+          <a:p>
+            <a:pPr algn="ctr">
+              <a:buNone/>
+            </a:pPr>
+            <a:r>
+              <a:rPr lang="en-US" sz="3700" dirty="0" smtClean="0">
+                <a:solidFill>
+                  <a:srgbClr val="363636"/>
+                </a:solidFill>
+              </a:rPr>
+              <a:t/>
+            </a:r>
+            <a:endParaRPr lang="en-US" dirty="0"/>
+          </a:p>
+        </p:txBody>
+      </p:sp>
+    </p:spTree>
+  </p:cSld>
+  <p:clrMapOvr>
+    <a:masterClrMapping/>
+  </p:clrMapOvr>
+</p:sld>
+</file>
+
 <file path=ppt/slides/slide48.xml><?xml version="1.0" encoding="utf-8"?>
 <p:sld xmlns:a="http://schemas.openxmlformats.org/drawingml/2006/main" xmlns:r="http://schemas.openxmlformats.org/officeDocument/2006/relationships" xmlns:p="http://schemas.openxmlformats.org/presentationml/2006/main">
   <p:cSld name="Slide 48">
+    <p:spTree>
+      <p:nvGrpSpPr>
+        <p:cNvPr id="1" name=""/>
+        <p:cNvGrpSpPr/>
+        <p:nvPr/>
+      </p:nvGrpSpPr>
+      <p:grpSpPr>
+        <a:xfrm>
+          <a:off x="0" y="0"/>
+          <a:ext cx="0" cy="0"/>
+          <a:chOff x="0" y="0"/>
+          <a:chExt cx="0" cy="0"/>
+        </a:xfrm>
+      </p:grpSpPr>
+      <p:sp>
+        <p:nvSpPr>
+          <p:cNvPr id="2" name="Object 1"/>
+          <p:cNvSpPr/>
+          <p:nvPr/>
+        </p:nvSpPr>
+        <p:spPr>
+          <a:xfrm>
+            <a:off x="0" y="257175"/>
+            <a:ext cx="9144000" cy="274320"/>
+          </a:xfrm>
+          <a:prstGeom prst="rect">
+            <a:avLst/>
+          </a:prstGeom>
+          <a:noFill/>
+        </p:spPr>
+        <p:txBody>
+          <a:bodyPr wrap="square" rtlCol="0" anchor="ctr"/>
+          <a:lstStyle/>
+          <a:p>
+            <a:pPr algn="ctr">
+              <a:buNone/>
+            </a:pPr>
+            <a:r>
+              <a:rPr lang="en-US" b="1" sz="2000" dirty="0" smtClean="0">
+                <a:solidFill>
+                  <a:srgbClr val="8F1010"/>
+                </a:solidFill>
+              </a:rPr>
+              <a:t>PORQUE ELE VIVE</a:t>
+            </a:r>
+            <a:endParaRPr lang="en-US" dirty="0"/>
+          </a:p>
+        </p:txBody>
+      </p:sp>
+      <p:sp>
+        <p:nvSpPr>
+          <p:cNvPr id="3" name="Object 2"/>
+          <p:cNvSpPr/>
+          <p:nvPr/>
+        </p:nvSpPr>
+        <p:spPr>
+          <a:xfrm>
+            <a:off x="457200" y="771525"/>
+            <a:ext cx="8229600" cy="4371975"/>
+          </a:xfrm>
+          <a:prstGeom prst="rect">
+            <a:avLst/>
+          </a:prstGeom>
+          <a:noFill/>
+        </p:spPr>
+        <p:txBody>
+          <a:bodyPr wrap="square" rtlCol="0" anchor="ctr"/>
+          <a:lstStyle/>
+          <a:p>
+            <a:pPr algn="ctr">
+              <a:buNone/>
+            </a:pPr>
+            <a:r>
+              <a:rPr lang="en-US" sz="3900" dirty="0" smtClean="0">
+                <a:solidFill>
+                  <a:srgbClr val="363636"/>
+                </a:solidFill>
+              </a:rPr>
+              <a:t>UM DIA EU VOU CRUZAR OS RIOS</a:t>
+            </a:r>
+          </a:p>
+          <a:p>
+            <a:pPr algn="ctr">
+              <a:buNone/>
+            </a:pPr>
+            <a:r>
+              <a:rPr lang="en-US" sz="3900" dirty="0" smtClean="0">
+                <a:solidFill>
+                  <a:srgbClr val="363636"/>
+                </a:solidFill>
+              </a:rPr>
+              <a:t>E VEREI ENTÃO UM CÉU DE LUZ</a:t>
+            </a:r>
+          </a:p>
+          <a:p>
+            <a:pPr algn="ctr">
+              <a:buNone/>
+            </a:pPr>
+            <a:r>
+              <a:rPr lang="en-US" sz="3900" dirty="0" smtClean="0">
+                <a:solidFill>
+                  <a:srgbClr val="363636"/>
+                </a:solidFill>
+              </a:rPr>
+              <a:t>E VEREI QUE LÁ, EM PLENA GLÓRIA</a:t>
+            </a:r>
+          </a:p>
+          <a:p>
+            <a:pPr algn="ctr">
+              <a:buNone/>
+            </a:pPr>
+            <a:r>
+              <a:rPr lang="en-US" sz="3900" dirty="0" smtClean="0">
+                <a:solidFill>
+                  <a:srgbClr val="363636"/>
+                </a:solidFill>
+              </a:rPr>
+              <a:t>VITORIOSO, VIVE E REINA O MEU JESUS</a:t>
+            </a:r>
+          </a:p>
+          <a:p>
+            <a:pPr algn="ctr">
+              <a:buNone/>
+            </a:pPr>
+            <a:r>
+              <a:rPr lang="en-US" sz="3900" dirty="0" smtClean="0">
+                <a:solidFill>
+                  <a:srgbClr val="363636"/>
+                </a:solidFill>
+              </a:rPr>
+              <a:t/>
+            </a:r>
+            <a:endParaRPr lang="en-US" dirty="0"/>
+          </a:p>
+        </p:txBody>
+      </p:sp>
+    </p:spTree>
+  </p:cSld>
+  <p:clrMapOvr>
+    <a:masterClrMapping/>
+  </p:clrMapOvr>
+</p:sld>
+</file>
+
+<file path=ppt/slides/slide49.xml><?xml version="1.0" encoding="utf-8"?>
+<p:sld xmlns:a="http://schemas.openxmlformats.org/drawingml/2006/main" xmlns:r="http://schemas.openxmlformats.org/officeDocument/2006/relationships" xmlns:p="http://schemas.openxmlformats.org/presentationml/2006/main">
+  <p:cSld name="Slide 49">
     <p:spTree>
       <p:nvGrpSpPr>
         <p:cNvPr id="1" name=""/>
@@ -9912,7 +10185,7 @@
         <p:spPr>
           <a:xfrm>
             <a:off x="0" y="0"/>
-            <a:ext cx="9144000" cy="5486400"/>
+            <a:ext cx="9144000" cy="5143500"/>
           </a:xfrm>
           <a:prstGeom prst="rect">
             <a:avLst/>
@@ -10040,6 +10313,55 @@
           </a:p>
         </p:txBody>
       </p:sp>
+    </p:spTree>
+  </p:cSld>
+  <p:clrMapOvr>
+    <a:masterClrMapping/>
+  </p:clrMapOvr>
+</p:sld>
+</file>
+
+<file path=ppt/slides/slide50.xml><?xml version="1.0" encoding="utf-8"?>
+<p:sld xmlns:a="http://schemas.openxmlformats.org/drawingml/2006/main" xmlns:r="http://schemas.openxmlformats.org/officeDocument/2006/relationships" xmlns:p="http://schemas.openxmlformats.org/presentationml/2006/main">
+  <p:cSld name="Slide 50">
+    <p:spTree>
+      <p:nvGrpSpPr>
+        <p:cNvPr id="1" name=""/>
+        <p:cNvGrpSpPr/>
+        <p:nvPr/>
+      </p:nvGrpSpPr>
+      <p:grpSpPr>
+        <a:xfrm>
+          <a:off x="0" y="0"/>
+          <a:ext cx="0" cy="0"/>
+          <a:chOff x="0" y="0"/>
+          <a:chExt cx="0" cy="0"/>
+        </a:xfrm>
+      </p:grpSpPr>
+      <p:pic>
+        <p:nvPicPr>
+          <p:cNvPr id="2" name="Object 1" descr="./resources/santa-terezinha.jpg">    </p:cNvPr>
+          <p:cNvPicPr>
+            <a:picLocks noChangeAspect="1"/>
+          </p:cNvPicPr>
+          <p:nvPr/>
+        </p:nvPicPr>
+        <p:blipFill>
+          <a:blip r:embed="rId1"/>
+          <a:stretch>
+            <a:fillRect/>
+          </a:stretch>
+        </p:blipFill>
+        <p:spPr>
+          <a:xfrm>
+            <a:off x="0" y="0"/>
+            <a:ext cx="9144000" cy="5143500"/>
+          </a:xfrm>
+          <a:prstGeom prst="rect">
+            <a:avLst/>
+          </a:prstGeom>
+        </p:spPr>
+      </p:pic>
     </p:spTree>
   </p:cSld>
   <p:clrMapOvr>

--- a/slide-result/slide.pptx
+++ b/slide-result/slide.pptx
@@ -6233,7 +6233,7 @@
                   <a:srgbClr val="8F1010"/>
                 </a:solidFill>
               </a:rPr>
-              <a:t>5ª-feira da 12ª Semana  Do Tempo Comum</a:t>
+              <a:t>São Pedro e São Paulo, Apóstolos . Solenidade</a:t>
             </a:r>
             <a:endParaRPr lang="en-US" dirty="0"/>
           </a:p>
@@ -6268,7 +6268,7 @@
                   <a:srgbClr val="363636"/>
                 </a:solidFill>
               </a:rPr>
-              <a:t>1ª Leitura - Gn 16,1-12.15-16</a:t>
+              <a:t>1ª Leitura - At 12,1-11</a:t>
             </a:r>
           </a:p>
           <a:p>
@@ -6281,7 +6281,7 @@
                   <a:srgbClr val="363636"/>
                 </a:solidFill>
               </a:rPr>
-              <a:t>1ª Leitura - Gn 6b-12.15-16</a:t>
+              <a:t>Salmo - Sl 33(34),2-3.4-5.6-7.8-9 (R. 5)</a:t>
             </a:r>
           </a:p>
           <a:p>
@@ -6294,7 +6294,7 @@
                   <a:srgbClr val="8F1010"/>
                 </a:solidFill>
               </a:rPr>
-              <a:t> Dai graças ao Senhor, porque ele é bom.&lt;/div&gt;  &lt;div class='refrao_salmo'&gt; Aleluia, Aleluia, Aleluia</a:t>
+              <a:t/>
             </a:r>
           </a:p>
           <a:p>
@@ -6307,7 +6307,7 @@
                   <a:srgbClr val="363636"/>
                 </a:solidFill>
               </a:rPr>
-              <a:t>Salmo - Sl 105, 1-2. 3-4a. 4b-5 (R. 1a)</a:t>
+              <a:t>2ª Leitura - 2Tm 4,6-8.17-18</a:t>
             </a:r>
           </a:p>
           <a:p>
@@ -6320,7 +6320,7 @@
                   <a:srgbClr val="363636"/>
                 </a:solidFill>
               </a:rPr>
-              <a:t>Evangelho - Mt 7,21-29</a:t>
+              <a:t>Evangelho - Mt 16,13-19</a:t>
             </a:r>
             <a:endParaRPr lang="en-US" dirty="0"/>
           </a:p>
